--- a/Web-Components.pptx
+++ b/Web-Components.pptx
@@ -5,20 +5,24 @@
     <p:sldMasterId id="2147483648" r:id="rId1"/>
   </p:sldMasterIdLst>
   <p:notesMasterIdLst>
-    <p:notesMasterId r:id="rId13"/>
+    <p:notesMasterId r:id="rId17"/>
   </p:notesMasterIdLst>
   <p:sldIdLst>
     <p:sldId id="313" r:id="rId2"/>
-    <p:sldId id="264" r:id="rId3"/>
-    <p:sldId id="266" r:id="rId4"/>
-    <p:sldId id="269" r:id="rId5"/>
-    <p:sldId id="300" r:id="rId6"/>
-    <p:sldId id="262" r:id="rId7"/>
-    <p:sldId id="314" r:id="rId8"/>
-    <p:sldId id="299" r:id="rId9"/>
-    <p:sldId id="310" r:id="rId10"/>
-    <p:sldId id="312" r:id="rId11"/>
-    <p:sldId id="279" r:id="rId12"/>
+    <p:sldId id="315" r:id="rId3"/>
+    <p:sldId id="269" r:id="rId4"/>
+    <p:sldId id="300" r:id="rId5"/>
+    <p:sldId id="318" r:id="rId6"/>
+    <p:sldId id="266" r:id="rId7"/>
+    <p:sldId id="264" r:id="rId8"/>
+    <p:sldId id="320" r:id="rId9"/>
+    <p:sldId id="319" r:id="rId10"/>
+    <p:sldId id="321" r:id="rId11"/>
+    <p:sldId id="322" r:id="rId12"/>
+    <p:sldId id="324" r:id="rId13"/>
+    <p:sldId id="325" r:id="rId14"/>
+    <p:sldId id="312" r:id="rId15"/>
+    <p:sldId id="279" r:id="rId16"/>
   </p:sldIdLst>
   <p:sldSz cx="12192000" cy="6858000"/>
   <p:notesSz cx="6858000" cy="9144000"/>
@@ -123,14 +127,18 @@
         <p14:section name="Untitled Section" id="{83089785-02FD-4019-B97A-DDFCEAF7B530}">
           <p14:sldIdLst>
             <p14:sldId id="313"/>
-            <p14:sldId id="264"/>
-            <p14:sldId id="266"/>
+            <p14:sldId id="315"/>
             <p14:sldId id="269"/>
             <p14:sldId id="300"/>
-            <p14:sldId id="262"/>
-            <p14:sldId id="314"/>
-            <p14:sldId id="299"/>
-            <p14:sldId id="310"/>
+            <p14:sldId id="318"/>
+            <p14:sldId id="266"/>
+            <p14:sldId id="264"/>
+            <p14:sldId id="320"/>
+            <p14:sldId id="319"/>
+            <p14:sldId id="321"/>
+            <p14:sldId id="322"/>
+            <p14:sldId id="324"/>
+            <p14:sldId id="325"/>
             <p14:sldId id="312"/>
             <p14:sldId id="279"/>
           </p14:sldIdLst>
@@ -237,7 +245,7 @@
           <a:p>
             <a:fld id="{70FE56F2-0B60-44FC-AC55-491897A4F355}" type="datetimeFigureOut">
               <a:rPr lang="en-GB" smtClean="0"/>
-              <a:t>10/05/2020</a:t>
+              <a:t>02/06/2020</a:t>
             </a:fld>
             <a:endParaRPr lang="en-GB"/>
           </a:p>
@@ -654,7 +662,7 @@
           <a:p>
             <a:fld id="{4D723AB6-704A-42C8-AB51-31B091223600}" type="datetimeFigureOut">
               <a:rPr lang="en-GB" smtClean="0"/>
-              <a:t>10/05/2020</a:t>
+              <a:t>02/06/2020</a:t>
             </a:fld>
             <a:endParaRPr lang="en-GB"/>
           </a:p>
@@ -854,7 +862,7 @@
           <a:p>
             <a:fld id="{4D723AB6-704A-42C8-AB51-31B091223600}" type="datetimeFigureOut">
               <a:rPr lang="en-GB" smtClean="0"/>
-              <a:t>10/05/2020</a:t>
+              <a:t>02/06/2020</a:t>
             </a:fld>
             <a:endParaRPr lang="en-GB"/>
           </a:p>
@@ -1064,7 +1072,7 @@
           <a:p>
             <a:fld id="{4D723AB6-704A-42C8-AB51-31B091223600}" type="datetimeFigureOut">
               <a:rPr lang="en-GB" smtClean="0"/>
-              <a:t>10/05/2020</a:t>
+              <a:t>02/06/2020</a:t>
             </a:fld>
             <a:endParaRPr lang="en-GB"/>
           </a:p>
@@ -1264,7 +1272,7 @@
           <a:p>
             <a:fld id="{4D723AB6-704A-42C8-AB51-31B091223600}" type="datetimeFigureOut">
               <a:rPr lang="en-GB" smtClean="0"/>
-              <a:t>10/05/2020</a:t>
+              <a:t>02/06/2020</a:t>
             </a:fld>
             <a:endParaRPr lang="en-GB"/>
           </a:p>
@@ -1540,7 +1548,7 @@
           <a:p>
             <a:fld id="{4D723AB6-704A-42C8-AB51-31B091223600}" type="datetimeFigureOut">
               <a:rPr lang="en-GB" smtClean="0"/>
-              <a:t>10/05/2020</a:t>
+              <a:t>02/06/2020</a:t>
             </a:fld>
             <a:endParaRPr lang="en-GB"/>
           </a:p>
@@ -1808,7 +1816,7 @@
           <a:p>
             <a:fld id="{4D723AB6-704A-42C8-AB51-31B091223600}" type="datetimeFigureOut">
               <a:rPr lang="en-GB" smtClean="0"/>
-              <a:t>10/05/2020</a:t>
+              <a:t>02/06/2020</a:t>
             </a:fld>
             <a:endParaRPr lang="en-GB"/>
           </a:p>
@@ -2223,7 +2231,7 @@
           <a:p>
             <a:fld id="{4D723AB6-704A-42C8-AB51-31B091223600}" type="datetimeFigureOut">
               <a:rPr lang="en-GB" smtClean="0"/>
-              <a:t>10/05/2020</a:t>
+              <a:t>02/06/2020</a:t>
             </a:fld>
             <a:endParaRPr lang="en-GB"/>
           </a:p>
@@ -2365,7 +2373,7 @@
           <a:p>
             <a:fld id="{4D723AB6-704A-42C8-AB51-31B091223600}" type="datetimeFigureOut">
               <a:rPr lang="en-GB" smtClean="0"/>
-              <a:t>10/05/2020</a:t>
+              <a:t>02/06/2020</a:t>
             </a:fld>
             <a:endParaRPr lang="en-GB"/>
           </a:p>
@@ -2478,7 +2486,7 @@
           <a:p>
             <a:fld id="{4D723AB6-704A-42C8-AB51-31B091223600}" type="datetimeFigureOut">
               <a:rPr lang="en-GB" smtClean="0"/>
-              <a:t>10/05/2020</a:t>
+              <a:t>02/06/2020</a:t>
             </a:fld>
             <a:endParaRPr lang="en-GB"/>
           </a:p>
@@ -2791,7 +2799,7 @@
           <a:p>
             <a:fld id="{4D723AB6-704A-42C8-AB51-31B091223600}" type="datetimeFigureOut">
               <a:rPr lang="en-GB" smtClean="0"/>
-              <a:t>10/05/2020</a:t>
+              <a:t>02/06/2020</a:t>
             </a:fld>
             <a:endParaRPr lang="en-GB"/>
           </a:p>
@@ -3080,7 +3088,7 @@
           <a:p>
             <a:fld id="{4D723AB6-704A-42C8-AB51-31B091223600}" type="datetimeFigureOut">
               <a:rPr lang="en-GB" smtClean="0"/>
-              <a:t>10/05/2020</a:t>
+              <a:t>02/06/2020</a:t>
             </a:fld>
             <a:endParaRPr lang="en-GB"/>
           </a:p>
@@ -3323,7 +3331,7 @@
           <a:p>
             <a:fld id="{4D723AB6-704A-42C8-AB51-31B091223600}" type="datetimeFigureOut">
               <a:rPr lang="en-GB" smtClean="0"/>
-              <a:t>10/05/2020</a:t>
+              <a:t>02/06/2020</a:t>
             </a:fld>
             <a:endParaRPr lang="en-GB"/>
           </a:p>
@@ -3993,6 +4001,2230 @@
       </p:grpSpPr>
       <p:sp>
         <p:nvSpPr>
+          <p:cNvPr id="5" name="Rectangle: Rounded Corners 4">
+            <a:extLst>
+              <a:ext uri="{FF2B5EF4-FFF2-40B4-BE49-F238E27FC236}">
+                <a16:creationId xmlns:a16="http://schemas.microsoft.com/office/drawing/2014/main" id="{65B1CF75-47B8-4AC4-BD1E-926B376FD50D}"/>
+              </a:ext>
+            </a:extLst>
+          </p:cNvPr>
+          <p:cNvSpPr/>
+          <p:nvPr/>
+        </p:nvSpPr>
+        <p:spPr>
+          <a:xfrm>
+            <a:off x="886408" y="4376057"/>
+            <a:ext cx="1819470" cy="942392"/>
+          </a:xfrm>
+          <a:prstGeom prst="roundRect">
+            <a:avLst/>
+          </a:prstGeom>
+          <a:solidFill>
+            <a:schemeClr val="bg1">
+              <a:lumMod val="85000"/>
+            </a:schemeClr>
+          </a:solidFill>
+          <a:ln w="28575">
+            <a:solidFill>
+              <a:srgbClr val="FF0000"/>
+            </a:solidFill>
+          </a:ln>
+        </p:spPr>
+        <p:style>
+          <a:lnRef idx="2">
+            <a:schemeClr val="accent1">
+              <a:shade val="50000"/>
+            </a:schemeClr>
+          </a:lnRef>
+          <a:fillRef idx="1">
+            <a:schemeClr val="accent1"/>
+          </a:fillRef>
+          <a:effectRef idx="0">
+            <a:schemeClr val="accent1"/>
+          </a:effectRef>
+          <a:fontRef idx="minor">
+            <a:schemeClr val="lt1"/>
+          </a:fontRef>
+        </p:style>
+        <p:txBody>
+          <a:bodyPr rtlCol="0" anchor="ctr"/>
+          <a:lstStyle/>
+          <a:p>
+            <a:pPr algn="ctr"/>
+            <a:endParaRPr lang="en-GB">
+              <a:latin typeface="Segoe UI" panose="020B0502040204020203" pitchFamily="34" charset="0"/>
+              <a:cs typeface="Segoe UI" panose="020B0502040204020203" pitchFamily="34" charset="0"/>
+            </a:endParaRPr>
+          </a:p>
+        </p:txBody>
+      </p:sp>
+      <p:cxnSp>
+        <p:nvCxnSpPr>
+          <p:cNvPr id="9" name="Straight Connector 8">
+            <a:extLst>
+              <a:ext uri="{FF2B5EF4-FFF2-40B4-BE49-F238E27FC236}">
+                <a16:creationId xmlns:a16="http://schemas.microsoft.com/office/drawing/2014/main" id="{8ECDE257-0E06-4C73-B713-15F600FA91AE}"/>
+              </a:ext>
+            </a:extLst>
+          </p:cNvPr>
+          <p:cNvCxnSpPr>
+            <a:cxnSpLocks/>
+          </p:cNvCxnSpPr>
+          <p:nvPr/>
+        </p:nvCxnSpPr>
+        <p:spPr>
+          <a:xfrm>
+            <a:off x="3097763" y="3437944"/>
+            <a:ext cx="0" cy="2449286"/>
+          </a:xfrm>
+          <a:prstGeom prst="line">
+            <a:avLst/>
+          </a:prstGeom>
+          <a:ln w="15875" cmpd="dbl">
+            <a:solidFill>
+              <a:schemeClr val="accent6">
+                <a:lumMod val="75000"/>
+              </a:schemeClr>
+            </a:solidFill>
+            <a:prstDash val="lgDash"/>
+          </a:ln>
+        </p:spPr>
+        <p:style>
+          <a:lnRef idx="1">
+            <a:schemeClr val="accent1"/>
+          </a:lnRef>
+          <a:fillRef idx="0">
+            <a:schemeClr val="accent1"/>
+          </a:fillRef>
+          <a:effectRef idx="0">
+            <a:schemeClr val="accent1"/>
+          </a:effectRef>
+          <a:fontRef idx="minor">
+            <a:schemeClr val="tx1"/>
+          </a:fontRef>
+        </p:style>
+      </p:cxnSp>
+      <p:sp>
+        <p:nvSpPr>
+          <p:cNvPr id="11" name="Rectangle: Rounded Corners 10">
+            <a:extLst>
+              <a:ext uri="{FF2B5EF4-FFF2-40B4-BE49-F238E27FC236}">
+                <a16:creationId xmlns:a16="http://schemas.microsoft.com/office/drawing/2014/main" id="{1D5DB675-0CE6-474A-B918-0BBB81FDF253}"/>
+              </a:ext>
+            </a:extLst>
+          </p:cNvPr>
+          <p:cNvSpPr/>
+          <p:nvPr/>
+        </p:nvSpPr>
+        <p:spPr>
+          <a:xfrm>
+            <a:off x="9193764" y="709127"/>
+            <a:ext cx="2251787" cy="4609322"/>
+          </a:xfrm>
+          <a:prstGeom prst="roundRect">
+            <a:avLst/>
+          </a:prstGeom>
+          <a:solidFill>
+            <a:schemeClr val="bg1">
+              <a:lumMod val="85000"/>
+            </a:schemeClr>
+          </a:solidFill>
+          <a:ln w="28575">
+            <a:solidFill>
+              <a:srgbClr val="FF0000"/>
+            </a:solidFill>
+          </a:ln>
+        </p:spPr>
+        <p:style>
+          <a:lnRef idx="2">
+            <a:schemeClr val="accent1">
+              <a:shade val="50000"/>
+            </a:schemeClr>
+          </a:lnRef>
+          <a:fillRef idx="1">
+            <a:schemeClr val="accent1"/>
+          </a:fillRef>
+          <a:effectRef idx="0">
+            <a:schemeClr val="accent1"/>
+          </a:effectRef>
+          <a:fontRef idx="minor">
+            <a:schemeClr val="lt1"/>
+          </a:fontRef>
+        </p:style>
+        <p:txBody>
+          <a:bodyPr rtlCol="0" anchor="ctr"/>
+          <a:lstStyle/>
+          <a:p>
+            <a:pPr algn="ctr"/>
+            <a:endParaRPr lang="en-GB">
+              <a:latin typeface="Segoe UI" panose="020B0502040204020203" pitchFamily="34" charset="0"/>
+              <a:cs typeface="Segoe UI" panose="020B0502040204020203" pitchFamily="34" charset="0"/>
+            </a:endParaRPr>
+          </a:p>
+        </p:txBody>
+      </p:sp>
+      <p:sp>
+        <p:nvSpPr>
+          <p:cNvPr id="13" name="Rectangle: Rounded Corners 12">
+            <a:extLst>
+              <a:ext uri="{FF2B5EF4-FFF2-40B4-BE49-F238E27FC236}">
+                <a16:creationId xmlns:a16="http://schemas.microsoft.com/office/drawing/2014/main" id="{497DB97B-039D-4182-8A21-C324F5A05084}"/>
+              </a:ext>
+            </a:extLst>
+          </p:cNvPr>
+          <p:cNvSpPr/>
+          <p:nvPr/>
+        </p:nvSpPr>
+        <p:spPr>
+          <a:xfrm>
+            <a:off x="1003054" y="777913"/>
+            <a:ext cx="6884431" cy="2183363"/>
+          </a:xfrm>
+          <a:prstGeom prst="roundRect">
+            <a:avLst/>
+          </a:prstGeom>
+          <a:solidFill>
+            <a:schemeClr val="bg1">
+              <a:lumMod val="85000"/>
+            </a:schemeClr>
+          </a:solidFill>
+          <a:ln w="28575">
+            <a:solidFill>
+              <a:srgbClr val="FF0000"/>
+            </a:solidFill>
+          </a:ln>
+        </p:spPr>
+        <p:style>
+          <a:lnRef idx="2">
+            <a:schemeClr val="accent1">
+              <a:shade val="50000"/>
+            </a:schemeClr>
+          </a:lnRef>
+          <a:fillRef idx="1">
+            <a:schemeClr val="accent1"/>
+          </a:fillRef>
+          <a:effectRef idx="0">
+            <a:schemeClr val="accent1"/>
+          </a:effectRef>
+          <a:fontRef idx="minor">
+            <a:schemeClr val="lt1"/>
+          </a:fontRef>
+        </p:style>
+        <p:txBody>
+          <a:bodyPr rtlCol="0" anchor="ctr"/>
+          <a:lstStyle/>
+          <a:p>
+            <a:pPr algn="ctr"/>
+            <a:endParaRPr lang="en-GB">
+              <a:latin typeface="Segoe UI" panose="020B0502040204020203" pitchFamily="34" charset="0"/>
+              <a:cs typeface="Segoe UI" panose="020B0502040204020203" pitchFamily="34" charset="0"/>
+            </a:endParaRPr>
+          </a:p>
+        </p:txBody>
+      </p:sp>
+      <p:sp>
+        <p:nvSpPr>
+          <p:cNvPr id="14" name="Rectangle: Rounded Corners 13">
+            <a:extLst>
+              <a:ext uri="{FF2B5EF4-FFF2-40B4-BE49-F238E27FC236}">
+                <a16:creationId xmlns:a16="http://schemas.microsoft.com/office/drawing/2014/main" id="{670B406B-FAA1-4A47-9E0F-388A4554F760}"/>
+              </a:ext>
+            </a:extLst>
+          </p:cNvPr>
+          <p:cNvSpPr/>
+          <p:nvPr/>
+        </p:nvSpPr>
+        <p:spPr>
+          <a:xfrm>
+            <a:off x="5951371" y="4406768"/>
+            <a:ext cx="1819465" cy="942392"/>
+          </a:xfrm>
+          <a:prstGeom prst="roundRect">
+            <a:avLst/>
+          </a:prstGeom>
+          <a:solidFill>
+            <a:schemeClr val="bg1">
+              <a:lumMod val="85000"/>
+            </a:schemeClr>
+          </a:solidFill>
+          <a:ln w="28575">
+            <a:solidFill>
+              <a:srgbClr val="FF0000"/>
+            </a:solidFill>
+          </a:ln>
+        </p:spPr>
+        <p:style>
+          <a:lnRef idx="2">
+            <a:schemeClr val="accent1">
+              <a:shade val="50000"/>
+            </a:schemeClr>
+          </a:lnRef>
+          <a:fillRef idx="1">
+            <a:schemeClr val="accent1"/>
+          </a:fillRef>
+          <a:effectRef idx="0">
+            <a:schemeClr val="accent1"/>
+          </a:effectRef>
+          <a:fontRef idx="minor">
+            <a:schemeClr val="lt1"/>
+          </a:fontRef>
+        </p:style>
+        <p:txBody>
+          <a:bodyPr rtlCol="0" anchor="ctr"/>
+          <a:lstStyle/>
+          <a:p>
+            <a:pPr algn="ctr"/>
+            <a:endParaRPr lang="en-GB">
+              <a:latin typeface="Segoe UI" panose="020B0502040204020203" pitchFamily="34" charset="0"/>
+              <a:cs typeface="Segoe UI" panose="020B0502040204020203" pitchFamily="34" charset="0"/>
+            </a:endParaRPr>
+          </a:p>
+        </p:txBody>
+      </p:sp>
+      <p:sp>
+        <p:nvSpPr>
+          <p:cNvPr id="15" name="Rectangle: Rounded Corners 14">
+            <a:extLst>
+              <a:ext uri="{FF2B5EF4-FFF2-40B4-BE49-F238E27FC236}">
+                <a16:creationId xmlns:a16="http://schemas.microsoft.com/office/drawing/2014/main" id="{56FA4A14-0892-4CE1-BE7A-A2056ECF1DAC}"/>
+              </a:ext>
+            </a:extLst>
+          </p:cNvPr>
+          <p:cNvSpPr/>
+          <p:nvPr/>
+        </p:nvSpPr>
+        <p:spPr>
+          <a:xfrm>
+            <a:off x="3456987" y="4406768"/>
+            <a:ext cx="1895667" cy="942392"/>
+          </a:xfrm>
+          <a:prstGeom prst="roundRect">
+            <a:avLst/>
+          </a:prstGeom>
+          <a:solidFill>
+            <a:schemeClr val="bg1">
+              <a:lumMod val="85000"/>
+            </a:schemeClr>
+          </a:solidFill>
+          <a:ln w="28575">
+            <a:solidFill>
+              <a:srgbClr val="FF0000"/>
+            </a:solidFill>
+          </a:ln>
+        </p:spPr>
+        <p:style>
+          <a:lnRef idx="2">
+            <a:schemeClr val="accent1">
+              <a:shade val="50000"/>
+            </a:schemeClr>
+          </a:lnRef>
+          <a:fillRef idx="1">
+            <a:schemeClr val="accent1"/>
+          </a:fillRef>
+          <a:effectRef idx="0">
+            <a:schemeClr val="accent1"/>
+          </a:effectRef>
+          <a:fontRef idx="minor">
+            <a:schemeClr val="lt1"/>
+          </a:fontRef>
+        </p:style>
+        <p:txBody>
+          <a:bodyPr rtlCol="0" anchor="ctr"/>
+          <a:lstStyle/>
+          <a:p>
+            <a:pPr algn="ctr"/>
+            <a:endParaRPr lang="en-GB">
+              <a:latin typeface="Segoe UI" panose="020B0502040204020203" pitchFamily="34" charset="0"/>
+              <a:cs typeface="Segoe UI" panose="020B0502040204020203" pitchFamily="34" charset="0"/>
+            </a:endParaRPr>
+          </a:p>
+        </p:txBody>
+      </p:sp>
+      <p:cxnSp>
+        <p:nvCxnSpPr>
+          <p:cNvPr id="16" name="Straight Connector 15">
+            <a:extLst>
+              <a:ext uri="{FF2B5EF4-FFF2-40B4-BE49-F238E27FC236}">
+                <a16:creationId xmlns:a16="http://schemas.microsoft.com/office/drawing/2014/main" id="{B8646BD2-FF5F-47C6-9788-5228BF540137}"/>
+              </a:ext>
+            </a:extLst>
+          </p:cNvPr>
+          <p:cNvCxnSpPr>
+            <a:cxnSpLocks/>
+          </p:cNvCxnSpPr>
+          <p:nvPr/>
+        </p:nvCxnSpPr>
+        <p:spPr>
+          <a:xfrm>
+            <a:off x="5592147" y="3429000"/>
+            <a:ext cx="0" cy="2449286"/>
+          </a:xfrm>
+          <a:prstGeom prst="line">
+            <a:avLst/>
+          </a:prstGeom>
+          <a:ln w="15875" cmpd="dbl">
+            <a:solidFill>
+              <a:schemeClr val="accent6">
+                <a:lumMod val="75000"/>
+              </a:schemeClr>
+            </a:solidFill>
+            <a:prstDash val="lgDash"/>
+          </a:ln>
+        </p:spPr>
+        <p:style>
+          <a:lnRef idx="1">
+            <a:schemeClr val="accent1"/>
+          </a:lnRef>
+          <a:fillRef idx="0">
+            <a:schemeClr val="accent1"/>
+          </a:fillRef>
+          <a:effectRef idx="0">
+            <a:schemeClr val="accent1"/>
+          </a:effectRef>
+          <a:fontRef idx="minor">
+            <a:schemeClr val="tx1"/>
+          </a:fontRef>
+        </p:style>
+      </p:cxnSp>
+      <p:sp>
+        <p:nvSpPr>
+          <p:cNvPr id="17" name="TextBox 16">
+            <a:extLst>
+              <a:ext uri="{FF2B5EF4-FFF2-40B4-BE49-F238E27FC236}">
+                <a16:creationId xmlns:a16="http://schemas.microsoft.com/office/drawing/2014/main" id="{6E8BFC32-3AFA-4B4C-9172-2CBE21A80A58}"/>
+              </a:ext>
+            </a:extLst>
+          </p:cNvPr>
+          <p:cNvSpPr txBox="1"/>
+          <p:nvPr/>
+        </p:nvSpPr>
+        <p:spPr>
+          <a:xfrm>
+            <a:off x="2908044" y="1063132"/>
+            <a:ext cx="3187956" cy="1446550"/>
+          </a:xfrm>
+          <a:prstGeom prst="rect">
+            <a:avLst/>
+          </a:prstGeom>
+          <a:noFill/>
+        </p:spPr>
+        <p:txBody>
+          <a:bodyPr wrap="square" rtlCol="0">
+            <a:spAutoFit/>
+          </a:bodyPr>
+          <a:lstStyle/>
+          <a:p>
+            <a:r>
+              <a:rPr lang="en-GB" sz="8800" dirty="0">
+                <a:latin typeface="Segoe UI" panose="020B0502040204020203" pitchFamily="34" charset="0"/>
+                <a:cs typeface="Segoe UI" panose="020B0502040204020203" pitchFamily="34" charset="0"/>
+              </a:rPr>
+              <a:t>HTML</a:t>
+            </a:r>
+          </a:p>
+        </p:txBody>
+      </p:sp>
+      <p:sp>
+        <p:nvSpPr>
+          <p:cNvPr id="19" name="TextBox 18">
+            <a:extLst>
+              <a:ext uri="{FF2B5EF4-FFF2-40B4-BE49-F238E27FC236}">
+                <a16:creationId xmlns:a16="http://schemas.microsoft.com/office/drawing/2014/main" id="{C81F58F9-1FC7-477B-877C-80F0959EBC0E}"/>
+              </a:ext>
+            </a:extLst>
+          </p:cNvPr>
+          <p:cNvSpPr txBox="1"/>
+          <p:nvPr/>
+        </p:nvSpPr>
+        <p:spPr>
+          <a:xfrm>
+            <a:off x="6019022" y="4693298"/>
+            <a:ext cx="1702057" cy="369332"/>
+          </a:xfrm>
+          <a:prstGeom prst="rect">
+            <a:avLst/>
+          </a:prstGeom>
+          <a:noFill/>
+        </p:spPr>
+        <p:txBody>
+          <a:bodyPr wrap="square" rtlCol="0">
+            <a:spAutoFit/>
+          </a:bodyPr>
+          <a:lstStyle/>
+          <a:p>
+            <a:r>
+              <a:rPr lang="en-GB" dirty="0">
+                <a:latin typeface="Segoe UI" panose="020B0502040204020203" pitchFamily="34" charset="0"/>
+                <a:cs typeface="Segoe UI" panose="020B0502040204020203" pitchFamily="34" charset="0"/>
+              </a:rPr>
+              <a:t>Framework ...n</a:t>
+            </a:r>
+          </a:p>
+        </p:txBody>
+      </p:sp>
+      <p:sp>
+        <p:nvSpPr>
+          <p:cNvPr id="20" name="TextBox 19">
+            <a:extLst>
+              <a:ext uri="{FF2B5EF4-FFF2-40B4-BE49-F238E27FC236}">
+                <a16:creationId xmlns:a16="http://schemas.microsoft.com/office/drawing/2014/main" id="{FB923CCF-0EA9-4C2D-AC00-B89B13CB18B9}"/>
+              </a:ext>
+            </a:extLst>
+          </p:cNvPr>
+          <p:cNvSpPr txBox="1"/>
+          <p:nvPr/>
+        </p:nvSpPr>
+        <p:spPr>
+          <a:xfrm>
+            <a:off x="3619499" y="4693298"/>
+            <a:ext cx="1488233" cy="369332"/>
+          </a:xfrm>
+          <a:prstGeom prst="rect">
+            <a:avLst/>
+          </a:prstGeom>
+          <a:noFill/>
+        </p:spPr>
+        <p:txBody>
+          <a:bodyPr wrap="square" rtlCol="0">
+            <a:spAutoFit/>
+          </a:bodyPr>
+          <a:lstStyle/>
+          <a:p>
+            <a:r>
+              <a:rPr lang="en-GB" dirty="0">
+                <a:latin typeface="Segoe UI" panose="020B0502040204020203" pitchFamily="34" charset="0"/>
+                <a:cs typeface="Segoe UI" panose="020B0502040204020203" pitchFamily="34" charset="0"/>
+              </a:rPr>
+              <a:t>Framework 2</a:t>
+            </a:r>
+          </a:p>
+        </p:txBody>
+      </p:sp>
+      <p:sp>
+        <p:nvSpPr>
+          <p:cNvPr id="21" name="TextBox 20">
+            <a:extLst>
+              <a:ext uri="{FF2B5EF4-FFF2-40B4-BE49-F238E27FC236}">
+                <a16:creationId xmlns:a16="http://schemas.microsoft.com/office/drawing/2014/main" id="{000E004F-3DEE-453A-880F-3667A9536687}"/>
+              </a:ext>
+            </a:extLst>
+          </p:cNvPr>
+          <p:cNvSpPr txBox="1"/>
+          <p:nvPr/>
+        </p:nvSpPr>
+        <p:spPr>
+          <a:xfrm>
+            <a:off x="1091681" y="4693298"/>
+            <a:ext cx="1488233" cy="369332"/>
+          </a:xfrm>
+          <a:prstGeom prst="rect">
+            <a:avLst/>
+          </a:prstGeom>
+          <a:noFill/>
+        </p:spPr>
+        <p:txBody>
+          <a:bodyPr wrap="square" rtlCol="0">
+            <a:spAutoFit/>
+          </a:bodyPr>
+          <a:lstStyle/>
+          <a:p>
+            <a:r>
+              <a:rPr lang="en-GB" dirty="0">
+                <a:latin typeface="Segoe UI" panose="020B0502040204020203" pitchFamily="34" charset="0"/>
+                <a:cs typeface="Segoe UI" panose="020B0502040204020203" pitchFamily="34" charset="0"/>
+              </a:rPr>
+              <a:t>Framework 1</a:t>
+            </a:r>
+          </a:p>
+        </p:txBody>
+      </p:sp>
+      <p:sp>
+        <p:nvSpPr>
+          <p:cNvPr id="2" name="Rectangle 1">
+            <a:extLst>
+              <a:ext uri="{FF2B5EF4-FFF2-40B4-BE49-F238E27FC236}">
+                <a16:creationId xmlns:a16="http://schemas.microsoft.com/office/drawing/2014/main" id="{FDD2DDAE-CA83-4119-9F26-87A3775E731D}"/>
+              </a:ext>
+            </a:extLst>
+          </p:cNvPr>
+          <p:cNvSpPr/>
+          <p:nvPr/>
+        </p:nvSpPr>
+        <p:spPr>
+          <a:xfrm>
+            <a:off x="886406" y="3150607"/>
+            <a:ext cx="6884431" cy="811764"/>
+          </a:xfrm>
+          <a:prstGeom prst="rect">
+            <a:avLst/>
+          </a:prstGeom>
+        </p:spPr>
+        <p:style>
+          <a:lnRef idx="2">
+            <a:schemeClr val="accent6">
+              <a:shade val="50000"/>
+            </a:schemeClr>
+          </a:lnRef>
+          <a:fillRef idx="1">
+            <a:schemeClr val="accent6"/>
+          </a:fillRef>
+          <a:effectRef idx="0">
+            <a:schemeClr val="accent6"/>
+          </a:effectRef>
+          <a:fontRef idx="minor">
+            <a:schemeClr val="lt1"/>
+          </a:fontRef>
+        </p:style>
+        <p:txBody>
+          <a:bodyPr rtlCol="0" anchor="ctr"/>
+          <a:lstStyle/>
+          <a:p>
+            <a:pPr algn="ctr"/>
+            <a:endParaRPr lang="en-GB">
+              <a:latin typeface="Segoe UI" panose="020B0502040204020203" pitchFamily="34" charset="0"/>
+              <a:cs typeface="Segoe UI" panose="020B0502040204020203" pitchFamily="34" charset="0"/>
+            </a:endParaRPr>
+          </a:p>
+        </p:txBody>
+      </p:sp>
+      <p:sp>
+        <p:nvSpPr>
+          <p:cNvPr id="3" name="TextBox 2">
+            <a:extLst>
+              <a:ext uri="{FF2B5EF4-FFF2-40B4-BE49-F238E27FC236}">
+                <a16:creationId xmlns:a16="http://schemas.microsoft.com/office/drawing/2014/main" id="{0F9AD193-E370-4053-AFC8-A661FCE69253}"/>
+              </a:ext>
+            </a:extLst>
+          </p:cNvPr>
+          <p:cNvSpPr txBox="1"/>
+          <p:nvPr/>
+        </p:nvSpPr>
+        <p:spPr>
+          <a:xfrm>
+            <a:off x="2266955" y="3288787"/>
+            <a:ext cx="4123332" cy="584775"/>
+          </a:xfrm>
+          <a:prstGeom prst="rect">
+            <a:avLst/>
+          </a:prstGeom>
+          <a:noFill/>
+        </p:spPr>
+        <p:txBody>
+          <a:bodyPr wrap="square" rtlCol="0">
+            <a:spAutoFit/>
+          </a:bodyPr>
+          <a:lstStyle/>
+          <a:p>
+            <a:r>
+              <a:rPr lang="en-GB" sz="3200" b="1" dirty="0">
+                <a:solidFill>
+                  <a:schemeClr val="bg1"/>
+                </a:solidFill>
+                <a:latin typeface="Segoe UI" panose="020B0502040204020203" pitchFamily="34" charset="0"/>
+                <a:cs typeface="Segoe UI" panose="020B0502040204020203" pitchFamily="34" charset="0"/>
+              </a:rPr>
+              <a:t>WEB COMPONENTS</a:t>
+            </a:r>
+          </a:p>
+        </p:txBody>
+      </p:sp>
+      <p:cxnSp>
+        <p:nvCxnSpPr>
+          <p:cNvPr id="6" name="Straight Arrow Connector 5">
+            <a:extLst>
+              <a:ext uri="{FF2B5EF4-FFF2-40B4-BE49-F238E27FC236}">
+                <a16:creationId xmlns:a16="http://schemas.microsoft.com/office/drawing/2014/main" id="{D229A287-52AB-46FC-9CD3-F99C53ACEF34}"/>
+              </a:ext>
+            </a:extLst>
+          </p:cNvPr>
+          <p:cNvCxnSpPr/>
+          <p:nvPr/>
+        </p:nvCxnSpPr>
+        <p:spPr>
+          <a:xfrm flipV="1">
+            <a:off x="2062065" y="3960073"/>
+            <a:ext cx="0" cy="415984"/>
+          </a:xfrm>
+          <a:prstGeom prst="straightConnector1">
+            <a:avLst/>
+          </a:prstGeom>
+          <a:ln w="50800">
+            <a:tailEnd type="triangle"/>
+          </a:ln>
+        </p:spPr>
+        <p:style>
+          <a:lnRef idx="1">
+            <a:schemeClr val="accent6"/>
+          </a:lnRef>
+          <a:fillRef idx="0">
+            <a:schemeClr val="accent6"/>
+          </a:fillRef>
+          <a:effectRef idx="0">
+            <a:schemeClr val="accent6"/>
+          </a:effectRef>
+          <a:fontRef idx="minor">
+            <a:schemeClr val="tx1"/>
+          </a:fontRef>
+        </p:style>
+      </p:cxnSp>
+      <p:cxnSp>
+        <p:nvCxnSpPr>
+          <p:cNvPr id="22" name="Straight Arrow Connector 21">
+            <a:extLst>
+              <a:ext uri="{FF2B5EF4-FFF2-40B4-BE49-F238E27FC236}">
+                <a16:creationId xmlns:a16="http://schemas.microsoft.com/office/drawing/2014/main" id="{F12C64DB-7B75-4A11-AC0A-77AB2AC81EAD}"/>
+              </a:ext>
+            </a:extLst>
+          </p:cNvPr>
+          <p:cNvCxnSpPr/>
+          <p:nvPr/>
+        </p:nvCxnSpPr>
+        <p:spPr>
+          <a:xfrm flipV="1">
+            <a:off x="4261757" y="3978735"/>
+            <a:ext cx="0" cy="415984"/>
+          </a:xfrm>
+          <a:prstGeom prst="straightConnector1">
+            <a:avLst/>
+          </a:prstGeom>
+          <a:ln w="50800">
+            <a:tailEnd type="triangle"/>
+          </a:ln>
+        </p:spPr>
+        <p:style>
+          <a:lnRef idx="1">
+            <a:schemeClr val="accent6"/>
+          </a:lnRef>
+          <a:fillRef idx="0">
+            <a:schemeClr val="accent6"/>
+          </a:fillRef>
+          <a:effectRef idx="0">
+            <a:schemeClr val="accent6"/>
+          </a:effectRef>
+          <a:fontRef idx="minor">
+            <a:schemeClr val="tx1"/>
+          </a:fontRef>
+        </p:style>
+      </p:cxnSp>
+      <p:cxnSp>
+        <p:nvCxnSpPr>
+          <p:cNvPr id="23" name="Straight Arrow Connector 22">
+            <a:extLst>
+              <a:ext uri="{FF2B5EF4-FFF2-40B4-BE49-F238E27FC236}">
+                <a16:creationId xmlns:a16="http://schemas.microsoft.com/office/drawing/2014/main" id="{8B1C15C1-C3CB-4D87-A0BB-7C3A15158A95}"/>
+              </a:ext>
+            </a:extLst>
+          </p:cNvPr>
+          <p:cNvCxnSpPr/>
+          <p:nvPr/>
+        </p:nvCxnSpPr>
+        <p:spPr>
+          <a:xfrm flipV="1">
+            <a:off x="6304384" y="3962371"/>
+            <a:ext cx="0" cy="415984"/>
+          </a:xfrm>
+          <a:prstGeom prst="straightConnector1">
+            <a:avLst/>
+          </a:prstGeom>
+          <a:ln w="50800">
+            <a:tailEnd type="triangle"/>
+          </a:ln>
+        </p:spPr>
+        <p:style>
+          <a:lnRef idx="1">
+            <a:schemeClr val="accent6"/>
+          </a:lnRef>
+          <a:fillRef idx="0">
+            <a:schemeClr val="accent6"/>
+          </a:fillRef>
+          <a:effectRef idx="0">
+            <a:schemeClr val="accent6"/>
+          </a:effectRef>
+          <a:fontRef idx="minor">
+            <a:schemeClr val="tx1"/>
+          </a:fontRef>
+        </p:style>
+      </p:cxnSp>
+      <p:cxnSp>
+        <p:nvCxnSpPr>
+          <p:cNvPr id="24" name="Straight Arrow Connector 23">
+            <a:extLst>
+              <a:ext uri="{FF2B5EF4-FFF2-40B4-BE49-F238E27FC236}">
+                <a16:creationId xmlns:a16="http://schemas.microsoft.com/office/drawing/2014/main" id="{163353F7-B0B9-4F80-AC63-42827D10FDAE}"/>
+              </a:ext>
+            </a:extLst>
+          </p:cNvPr>
+          <p:cNvCxnSpPr>
+            <a:cxnSpLocks/>
+          </p:cNvCxnSpPr>
+          <p:nvPr/>
+        </p:nvCxnSpPr>
+        <p:spPr>
+          <a:xfrm flipV="1">
+            <a:off x="4261757" y="2220686"/>
+            <a:ext cx="0" cy="929921"/>
+          </a:xfrm>
+          <a:prstGeom prst="straightConnector1">
+            <a:avLst/>
+          </a:prstGeom>
+          <a:ln w="50800">
+            <a:tailEnd type="triangle"/>
+          </a:ln>
+        </p:spPr>
+        <p:style>
+          <a:lnRef idx="1">
+            <a:schemeClr val="accent6"/>
+          </a:lnRef>
+          <a:fillRef idx="0">
+            <a:schemeClr val="accent6"/>
+          </a:fillRef>
+          <a:effectRef idx="0">
+            <a:schemeClr val="accent6"/>
+          </a:effectRef>
+          <a:fontRef idx="minor">
+            <a:schemeClr val="tx1"/>
+          </a:fontRef>
+        </p:style>
+      </p:cxnSp>
+      <p:cxnSp>
+        <p:nvCxnSpPr>
+          <p:cNvPr id="25" name="Straight Arrow Connector 24">
+            <a:extLst>
+              <a:ext uri="{FF2B5EF4-FFF2-40B4-BE49-F238E27FC236}">
+                <a16:creationId xmlns:a16="http://schemas.microsoft.com/office/drawing/2014/main" id="{CC440C1A-3EF4-4B67-8663-C472C2FCEE45}"/>
+              </a:ext>
+            </a:extLst>
+          </p:cNvPr>
+          <p:cNvCxnSpPr>
+            <a:cxnSpLocks/>
+          </p:cNvCxnSpPr>
+          <p:nvPr/>
+        </p:nvCxnSpPr>
+        <p:spPr>
+          <a:xfrm>
+            <a:off x="2062065" y="3997396"/>
+            <a:ext cx="1464906" cy="490628"/>
+          </a:xfrm>
+          <a:prstGeom prst="straightConnector1">
+            <a:avLst/>
+          </a:prstGeom>
+          <a:ln w="50800">
+            <a:tailEnd type="triangle"/>
+          </a:ln>
+        </p:spPr>
+        <p:style>
+          <a:lnRef idx="1">
+            <a:schemeClr val="accent6"/>
+          </a:lnRef>
+          <a:fillRef idx="0">
+            <a:schemeClr val="accent6"/>
+          </a:fillRef>
+          <a:effectRef idx="0">
+            <a:schemeClr val="accent6"/>
+          </a:effectRef>
+          <a:fontRef idx="minor">
+            <a:schemeClr val="tx1"/>
+          </a:fontRef>
+        </p:style>
+      </p:cxnSp>
+      <p:cxnSp>
+        <p:nvCxnSpPr>
+          <p:cNvPr id="28" name="Straight Arrow Connector 27">
+            <a:extLst>
+              <a:ext uri="{FF2B5EF4-FFF2-40B4-BE49-F238E27FC236}">
+                <a16:creationId xmlns:a16="http://schemas.microsoft.com/office/drawing/2014/main" id="{BB158374-8877-4243-9769-72088526DB6A}"/>
+              </a:ext>
+            </a:extLst>
+          </p:cNvPr>
+          <p:cNvCxnSpPr>
+            <a:cxnSpLocks/>
+          </p:cNvCxnSpPr>
+          <p:nvPr/>
+        </p:nvCxnSpPr>
+        <p:spPr>
+          <a:xfrm>
+            <a:off x="4261757" y="3997396"/>
+            <a:ext cx="1689614" cy="490628"/>
+          </a:xfrm>
+          <a:prstGeom prst="straightConnector1">
+            <a:avLst/>
+          </a:prstGeom>
+          <a:ln w="50800">
+            <a:tailEnd type="triangle"/>
+          </a:ln>
+        </p:spPr>
+        <p:style>
+          <a:lnRef idx="1">
+            <a:schemeClr val="accent6"/>
+          </a:lnRef>
+          <a:fillRef idx="0">
+            <a:schemeClr val="accent6"/>
+          </a:fillRef>
+          <a:effectRef idx="0">
+            <a:schemeClr val="accent6"/>
+          </a:effectRef>
+          <a:fontRef idx="minor">
+            <a:schemeClr val="tx1"/>
+          </a:fontRef>
+        </p:style>
+      </p:cxnSp>
+      <p:sp>
+        <p:nvSpPr>
+          <p:cNvPr id="8" name="Arrow: Right 7">
+            <a:extLst>
+              <a:ext uri="{FF2B5EF4-FFF2-40B4-BE49-F238E27FC236}">
+                <a16:creationId xmlns:a16="http://schemas.microsoft.com/office/drawing/2014/main" id="{25BD3FE5-5BA0-48FE-B758-52C44C0D1DC1}"/>
+              </a:ext>
+            </a:extLst>
+          </p:cNvPr>
+          <p:cNvSpPr/>
+          <p:nvPr/>
+        </p:nvSpPr>
+        <p:spPr>
+          <a:xfrm rot="10800000">
+            <a:off x="7770836" y="3134313"/>
+            <a:ext cx="1411331" cy="825759"/>
+          </a:xfrm>
+          <a:prstGeom prst="rightArrow">
+            <a:avLst/>
+          </a:prstGeom>
+        </p:spPr>
+        <p:style>
+          <a:lnRef idx="2">
+            <a:schemeClr val="accent1">
+              <a:shade val="50000"/>
+            </a:schemeClr>
+          </a:lnRef>
+          <a:fillRef idx="1">
+            <a:schemeClr val="accent1"/>
+          </a:fillRef>
+          <a:effectRef idx="0">
+            <a:schemeClr val="accent1"/>
+          </a:effectRef>
+          <a:fontRef idx="minor">
+            <a:schemeClr val="lt1"/>
+          </a:fontRef>
+        </p:style>
+        <p:txBody>
+          <a:bodyPr rtlCol="0" anchor="ctr"/>
+          <a:lstStyle/>
+          <a:p>
+            <a:pPr algn="ctr"/>
+            <a:endParaRPr lang="en-GB"/>
+          </a:p>
+        </p:txBody>
+      </p:sp>
+      <p:sp>
+        <p:nvSpPr>
+          <p:cNvPr id="30" name="TextBox 29">
+            <a:extLst>
+              <a:ext uri="{FF2B5EF4-FFF2-40B4-BE49-F238E27FC236}">
+                <a16:creationId xmlns:a16="http://schemas.microsoft.com/office/drawing/2014/main" id="{20D77E3C-AC7F-43B7-8FF2-980322AACB93}"/>
+              </a:ext>
+            </a:extLst>
+          </p:cNvPr>
+          <p:cNvSpPr txBox="1"/>
+          <p:nvPr/>
+        </p:nvSpPr>
+        <p:spPr>
+          <a:xfrm>
+            <a:off x="9300027" y="3199941"/>
+            <a:ext cx="2070867" cy="649536"/>
+          </a:xfrm>
+          <a:prstGeom prst="rect">
+            <a:avLst/>
+          </a:prstGeom>
+        </p:spPr>
+        <p:style>
+          <a:lnRef idx="2">
+            <a:schemeClr val="accent6">
+              <a:shade val="50000"/>
+            </a:schemeClr>
+          </a:lnRef>
+          <a:fillRef idx="1">
+            <a:schemeClr val="accent6"/>
+          </a:fillRef>
+          <a:effectRef idx="0">
+            <a:schemeClr val="accent6"/>
+          </a:effectRef>
+          <a:fontRef idx="minor">
+            <a:schemeClr val="lt1"/>
+          </a:fontRef>
+        </p:style>
+        <p:txBody>
+          <a:bodyPr rtlCol="0" anchor="ctr"/>
+          <a:lstStyle>
+            <a:defPPr>
+              <a:defRPr lang="en-US"/>
+            </a:defPPr>
+            <a:lvl1pPr algn="ctr">
+              <a:defRPr>
+                <a:solidFill>
+                  <a:schemeClr val="lt1"/>
+                </a:solidFill>
+                <a:latin typeface="Segoe UI" panose="020B0502040204020203" pitchFamily="34" charset="0"/>
+                <a:cs typeface="Segoe UI" panose="020B0502040204020203" pitchFamily="34" charset="0"/>
+              </a:defRPr>
+            </a:lvl1pPr>
+            <a:lvl2pPr>
+              <a:defRPr>
+                <a:solidFill>
+                  <a:schemeClr val="lt1"/>
+                </a:solidFill>
+              </a:defRPr>
+            </a:lvl2pPr>
+            <a:lvl3pPr>
+              <a:defRPr>
+                <a:solidFill>
+                  <a:schemeClr val="lt1"/>
+                </a:solidFill>
+              </a:defRPr>
+            </a:lvl3pPr>
+            <a:lvl4pPr>
+              <a:defRPr>
+                <a:solidFill>
+                  <a:schemeClr val="lt1"/>
+                </a:solidFill>
+              </a:defRPr>
+            </a:lvl4pPr>
+            <a:lvl5pPr>
+              <a:defRPr>
+                <a:solidFill>
+                  <a:schemeClr val="lt1"/>
+                </a:solidFill>
+              </a:defRPr>
+            </a:lvl5pPr>
+            <a:lvl6pPr>
+              <a:defRPr>
+                <a:solidFill>
+                  <a:schemeClr val="lt1"/>
+                </a:solidFill>
+              </a:defRPr>
+            </a:lvl6pPr>
+            <a:lvl7pPr>
+              <a:defRPr>
+                <a:solidFill>
+                  <a:schemeClr val="lt1"/>
+                </a:solidFill>
+              </a:defRPr>
+            </a:lvl7pPr>
+            <a:lvl8pPr>
+              <a:defRPr>
+                <a:solidFill>
+                  <a:schemeClr val="lt1"/>
+                </a:solidFill>
+              </a:defRPr>
+            </a:lvl8pPr>
+            <a:lvl9pPr>
+              <a:defRPr>
+                <a:solidFill>
+                  <a:schemeClr val="lt1"/>
+                </a:solidFill>
+              </a:defRPr>
+            </a:lvl9pPr>
+          </a:lstStyle>
+          <a:p>
+            <a:r>
+              <a:rPr lang="en-GB" dirty="0"/>
+              <a:t>Web Components</a:t>
+            </a:r>
+          </a:p>
+        </p:txBody>
+      </p:sp>
+      <p:sp>
+        <p:nvSpPr>
+          <p:cNvPr id="7" name="TextBox 6">
+            <a:extLst>
+              <a:ext uri="{FF2B5EF4-FFF2-40B4-BE49-F238E27FC236}">
+                <a16:creationId xmlns:a16="http://schemas.microsoft.com/office/drawing/2014/main" id="{E43BE3A4-2CE9-4073-B059-EA24D3386969}"/>
+              </a:ext>
+            </a:extLst>
+          </p:cNvPr>
+          <p:cNvSpPr txBox="1"/>
+          <p:nvPr/>
+        </p:nvSpPr>
+        <p:spPr>
+          <a:xfrm>
+            <a:off x="9461241" y="4416299"/>
+            <a:ext cx="1844351" cy="646331"/>
+          </a:xfrm>
+          <a:prstGeom prst="rect">
+            <a:avLst/>
+          </a:prstGeom>
+          <a:noFill/>
+        </p:spPr>
+        <p:txBody>
+          <a:bodyPr wrap="square" rtlCol="0">
+            <a:spAutoFit/>
+          </a:bodyPr>
+          <a:lstStyle/>
+          <a:p>
+            <a:r>
+              <a:rPr lang="en-GB" dirty="0"/>
+              <a:t>WP PHP PAGES</a:t>
+            </a:r>
+          </a:p>
+          <a:p>
+            <a:r>
+              <a:rPr lang="en-GB" dirty="0"/>
+              <a:t>Gutenberg Blocks</a:t>
+            </a:r>
+          </a:p>
+        </p:txBody>
+      </p:sp>
+      <p:cxnSp>
+        <p:nvCxnSpPr>
+          <p:cNvPr id="34" name="Straight Arrow Connector 33">
+            <a:extLst>
+              <a:ext uri="{FF2B5EF4-FFF2-40B4-BE49-F238E27FC236}">
+                <a16:creationId xmlns:a16="http://schemas.microsoft.com/office/drawing/2014/main" id="{3224BDD2-743D-4365-AF4A-A42C3D6B51E2}"/>
+              </a:ext>
+            </a:extLst>
+          </p:cNvPr>
+          <p:cNvCxnSpPr>
+            <a:cxnSpLocks/>
+          </p:cNvCxnSpPr>
+          <p:nvPr/>
+        </p:nvCxnSpPr>
+        <p:spPr>
+          <a:xfrm>
+            <a:off x="10319390" y="3873562"/>
+            <a:ext cx="8035" cy="562723"/>
+          </a:xfrm>
+          <a:prstGeom prst="straightConnector1">
+            <a:avLst/>
+          </a:prstGeom>
+          <a:ln w="38100">
+            <a:solidFill>
+              <a:schemeClr val="accent1">
+                <a:lumMod val="75000"/>
+              </a:schemeClr>
+            </a:solidFill>
+            <a:tailEnd type="triangle"/>
+          </a:ln>
+        </p:spPr>
+        <p:style>
+          <a:lnRef idx="1">
+            <a:schemeClr val="accent1"/>
+          </a:lnRef>
+          <a:fillRef idx="0">
+            <a:schemeClr val="accent1"/>
+          </a:fillRef>
+          <a:effectRef idx="0">
+            <a:schemeClr val="accent1"/>
+          </a:effectRef>
+          <a:fontRef idx="minor">
+            <a:schemeClr val="tx1"/>
+          </a:fontRef>
+        </p:style>
+      </p:cxnSp>
+      <p:pic>
+        <p:nvPicPr>
+          <p:cNvPr id="10" name="Graphic 9" descr="Smiling face with no fill">
+            <a:extLst>
+              <a:ext uri="{FF2B5EF4-FFF2-40B4-BE49-F238E27FC236}">
+                <a16:creationId xmlns:a16="http://schemas.microsoft.com/office/drawing/2014/main" id="{948FA2EF-7A78-4EE3-B2FE-AE0D3A001999}"/>
+              </a:ext>
+            </a:extLst>
+          </p:cNvPr>
+          <p:cNvPicPr>
+            <a:picLocks noChangeAspect="1"/>
+          </p:cNvPicPr>
+          <p:nvPr/>
+        </p:nvPicPr>
+        <p:blipFill>
+          <a:blip r:embed="rId2">
+            <a:extLst>
+              <a:ext uri="{28A0092B-C50C-407E-A947-70E740481C1C}">
+                <a14:useLocalDpi xmlns:a14="http://schemas.microsoft.com/office/drawing/2010/main" val="0"/>
+              </a:ext>
+              <a:ext uri="{96DAC541-7B7A-43D3-8B79-37D633B846F1}">
+                <asvg:svgBlip xmlns:asvg="http://schemas.microsoft.com/office/drawing/2016/SVG/main" r:embed="rId3"/>
+              </a:ext>
+            </a:extLst>
+          </a:blip>
+          <a:stretch>
+            <a:fillRect/>
+          </a:stretch>
+        </p:blipFill>
+        <p:spPr>
+          <a:xfrm>
+            <a:off x="9541349" y="1296525"/>
+            <a:ext cx="1647597" cy="1647597"/>
+          </a:xfrm>
+          <a:prstGeom prst="rect">
+            <a:avLst/>
+          </a:prstGeom>
+        </p:spPr>
+      </p:pic>
+      <p:cxnSp>
+        <p:nvCxnSpPr>
+          <p:cNvPr id="31" name="Straight Arrow Connector 30">
+            <a:extLst>
+              <a:ext uri="{FF2B5EF4-FFF2-40B4-BE49-F238E27FC236}">
+                <a16:creationId xmlns:a16="http://schemas.microsoft.com/office/drawing/2014/main" id="{337058BE-0D49-4EC0-B972-1EBA8C485F2D}"/>
+              </a:ext>
+            </a:extLst>
+          </p:cNvPr>
+          <p:cNvCxnSpPr>
+            <a:cxnSpLocks/>
+          </p:cNvCxnSpPr>
+          <p:nvPr/>
+        </p:nvCxnSpPr>
+        <p:spPr>
+          <a:xfrm flipH="1" flipV="1">
+            <a:off x="6143841" y="1786407"/>
+            <a:ext cx="3019774" cy="1433290"/>
+          </a:xfrm>
+          <a:prstGeom prst="straightConnector1">
+            <a:avLst/>
+          </a:prstGeom>
+          <a:ln w="76200">
+            <a:solidFill>
+              <a:schemeClr val="accent1">
+                <a:lumMod val="75000"/>
+              </a:schemeClr>
+            </a:solidFill>
+            <a:tailEnd type="triangle"/>
+          </a:ln>
+        </p:spPr>
+        <p:style>
+          <a:lnRef idx="1">
+            <a:schemeClr val="accent1"/>
+          </a:lnRef>
+          <a:fillRef idx="0">
+            <a:schemeClr val="accent1"/>
+          </a:fillRef>
+          <a:effectRef idx="0">
+            <a:schemeClr val="accent1"/>
+          </a:effectRef>
+          <a:fontRef idx="minor">
+            <a:schemeClr val="tx1"/>
+          </a:fontRef>
+        </p:style>
+      </p:cxnSp>
+      <p:sp>
+        <p:nvSpPr>
+          <p:cNvPr id="27" name="TextBox 26">
+            <a:extLst>
+              <a:ext uri="{FF2B5EF4-FFF2-40B4-BE49-F238E27FC236}">
+                <a16:creationId xmlns:a16="http://schemas.microsoft.com/office/drawing/2014/main" id="{1794E5C5-20F5-4436-91DA-BD85E1E31CB0}"/>
+              </a:ext>
+            </a:extLst>
+          </p:cNvPr>
+          <p:cNvSpPr txBox="1"/>
+          <p:nvPr/>
+        </p:nvSpPr>
+        <p:spPr>
+          <a:xfrm>
+            <a:off x="9680243" y="834281"/>
+            <a:ext cx="1278294" cy="369332"/>
+          </a:xfrm>
+          <a:prstGeom prst="rect">
+            <a:avLst/>
+          </a:prstGeom>
+          <a:solidFill>
+            <a:schemeClr val="accent1">
+              <a:lumMod val="60000"/>
+              <a:lumOff val="40000"/>
+            </a:schemeClr>
+          </a:solidFill>
+        </p:spPr>
+        <p:style>
+          <a:lnRef idx="2">
+            <a:schemeClr val="accent6">
+              <a:shade val="50000"/>
+            </a:schemeClr>
+          </a:lnRef>
+          <a:fillRef idx="1">
+            <a:schemeClr val="accent6"/>
+          </a:fillRef>
+          <a:effectRef idx="0">
+            <a:schemeClr val="accent6"/>
+          </a:effectRef>
+          <a:fontRef idx="minor">
+            <a:schemeClr val="lt1"/>
+          </a:fontRef>
+        </p:style>
+        <p:txBody>
+          <a:bodyPr rtlCol="0" anchor="ctr"/>
+          <a:lstStyle>
+            <a:defPPr>
+              <a:defRPr lang="en-US"/>
+            </a:defPPr>
+            <a:lvl1pPr algn="ctr">
+              <a:defRPr>
+                <a:solidFill>
+                  <a:schemeClr val="lt1"/>
+                </a:solidFill>
+                <a:latin typeface="Segoe UI" panose="020B0502040204020203" pitchFamily="34" charset="0"/>
+                <a:cs typeface="Segoe UI" panose="020B0502040204020203" pitchFamily="34" charset="0"/>
+              </a:defRPr>
+            </a:lvl1pPr>
+            <a:lvl2pPr>
+              <a:defRPr>
+                <a:solidFill>
+                  <a:schemeClr val="lt1"/>
+                </a:solidFill>
+              </a:defRPr>
+            </a:lvl2pPr>
+            <a:lvl3pPr>
+              <a:defRPr>
+                <a:solidFill>
+                  <a:schemeClr val="lt1"/>
+                </a:solidFill>
+              </a:defRPr>
+            </a:lvl3pPr>
+            <a:lvl4pPr>
+              <a:defRPr>
+                <a:solidFill>
+                  <a:schemeClr val="lt1"/>
+                </a:solidFill>
+              </a:defRPr>
+            </a:lvl4pPr>
+            <a:lvl5pPr>
+              <a:defRPr>
+                <a:solidFill>
+                  <a:schemeClr val="lt1"/>
+                </a:solidFill>
+              </a:defRPr>
+            </a:lvl5pPr>
+            <a:lvl6pPr>
+              <a:defRPr>
+                <a:solidFill>
+                  <a:schemeClr val="lt1"/>
+                </a:solidFill>
+              </a:defRPr>
+            </a:lvl6pPr>
+            <a:lvl7pPr>
+              <a:defRPr>
+                <a:solidFill>
+                  <a:schemeClr val="lt1"/>
+                </a:solidFill>
+              </a:defRPr>
+            </a:lvl7pPr>
+            <a:lvl8pPr>
+              <a:defRPr>
+                <a:solidFill>
+                  <a:schemeClr val="lt1"/>
+                </a:solidFill>
+              </a:defRPr>
+            </a:lvl8pPr>
+            <a:lvl9pPr>
+              <a:defRPr>
+                <a:solidFill>
+                  <a:schemeClr val="lt1"/>
+                </a:solidFill>
+              </a:defRPr>
+            </a:lvl9pPr>
+          </a:lstStyle>
+          <a:p>
+            <a:r>
+              <a:rPr lang="en-GB" dirty="0"/>
+              <a:t>WordPress</a:t>
+            </a:r>
+          </a:p>
+        </p:txBody>
+      </p:sp>
+    </p:spTree>
+    <p:extLst>
+      <p:ext uri="{BB962C8B-B14F-4D97-AF65-F5344CB8AC3E}">
+        <p14:creationId xmlns:p14="http://schemas.microsoft.com/office/powerpoint/2010/main" val="3043959635"/>
+      </p:ext>
+    </p:extLst>
+  </p:cSld>
+  <p:clrMapOvr>
+    <a:masterClrMapping/>
+  </p:clrMapOvr>
+</p:sld>
+</file>
+
+<file path=ppt/slides/slide11.xml><?xml version="1.0" encoding="utf-8"?>
+<p:sld xmlns:a="http://schemas.openxmlformats.org/drawingml/2006/main" xmlns:r="http://schemas.openxmlformats.org/officeDocument/2006/relationships" xmlns:p="http://schemas.openxmlformats.org/presentationml/2006/main">
+  <p:cSld>
+    <p:spTree>
+      <p:nvGrpSpPr>
+        <p:cNvPr id="1" name=""/>
+        <p:cNvGrpSpPr/>
+        <p:nvPr/>
+      </p:nvGrpSpPr>
+      <p:grpSpPr>
+        <a:xfrm>
+          <a:off x="0" y="0"/>
+          <a:ext cx="0" cy="0"/>
+          <a:chOff x="0" y="0"/>
+          <a:chExt cx="0" cy="0"/>
+        </a:xfrm>
+      </p:grpSpPr>
+      <p:sp>
+        <p:nvSpPr>
+          <p:cNvPr id="2" name="Title 1">
+            <a:extLst>
+              <a:ext uri="{FF2B5EF4-FFF2-40B4-BE49-F238E27FC236}">
+                <a16:creationId xmlns:a16="http://schemas.microsoft.com/office/drawing/2014/main" id="{5D7568B3-EC9A-45DD-8A17-CFE685194B65}"/>
+              </a:ext>
+            </a:extLst>
+          </p:cNvPr>
+          <p:cNvSpPr>
+            <a:spLocks noGrp="1"/>
+          </p:cNvSpPr>
+          <p:nvPr>
+            <p:ph type="title"/>
+          </p:nvPr>
+        </p:nvSpPr>
+        <p:spPr>
+          <a:xfrm>
+            <a:off x="838200" y="0"/>
+            <a:ext cx="10515600" cy="1325563"/>
+          </a:xfrm>
+          <a:solidFill>
+            <a:srgbClr val="2196F3"/>
+          </a:solidFill>
+        </p:spPr>
+        <p:txBody>
+          <a:bodyPr>
+            <a:normAutofit/>
+          </a:bodyPr>
+          <a:lstStyle/>
+          <a:p>
+            <a:pPr algn="ctr"/>
+            <a:r>
+              <a:rPr lang="en-GB" sz="6600" dirty="0">
+                <a:solidFill>
+                  <a:schemeClr val="bg1"/>
+                </a:solidFill>
+                <a:latin typeface="Segoe UI" panose="020B0502040204020203" pitchFamily="34" charset="0"/>
+                <a:cs typeface="Segoe UI" panose="020B0502040204020203" pitchFamily="34" charset="0"/>
+              </a:rPr>
+              <a:t>Why do I use them? </a:t>
+            </a:r>
+          </a:p>
+        </p:txBody>
+      </p:sp>
+      <p:sp>
+        <p:nvSpPr>
+          <p:cNvPr id="4" name="Content Placeholder 2">
+            <a:extLst>
+              <a:ext uri="{FF2B5EF4-FFF2-40B4-BE49-F238E27FC236}">
+                <a16:creationId xmlns:a16="http://schemas.microsoft.com/office/drawing/2014/main" id="{088CCB65-11B4-408B-9ED3-1304FE85032F}"/>
+              </a:ext>
+            </a:extLst>
+          </p:cNvPr>
+          <p:cNvSpPr>
+            <a:spLocks noGrp="1"/>
+          </p:cNvSpPr>
+          <p:nvPr>
+            <p:ph idx="1"/>
+          </p:nvPr>
+        </p:nvSpPr>
+        <p:spPr>
+          <a:xfrm>
+            <a:off x="838200" y="1325563"/>
+            <a:ext cx="10515600" cy="5326907"/>
+          </a:xfrm>
+        </p:spPr>
+        <p:txBody>
+          <a:bodyPr wrap="square" bIns="252000">
+            <a:normAutofit/>
+          </a:bodyPr>
+          <a:lstStyle/>
+          <a:p>
+            <a:pPr marL="457200" lvl="1" indent="0" algn="ctr">
+              <a:buNone/>
+            </a:pPr>
+            <a:endParaRPr lang="en-GB" sz="4300" dirty="0">
+              <a:solidFill>
+                <a:srgbClr val="2196F3"/>
+              </a:solidFill>
+              <a:latin typeface="Segoe UI" panose="020B0502040204020203" pitchFamily="34" charset="0"/>
+              <a:cs typeface="Segoe UI" panose="020B0502040204020203" pitchFamily="34" charset="0"/>
+            </a:endParaRPr>
+          </a:p>
+          <a:p>
+            <a:pPr marL="457200" lvl="1" indent="0">
+              <a:buNone/>
+            </a:pPr>
+            <a:r>
+              <a:rPr lang="en-GB" sz="3600" dirty="0">
+                <a:solidFill>
+                  <a:srgbClr val="2196F3"/>
+                </a:solidFill>
+                <a:latin typeface="Segoe UI" panose="020B0502040204020203" pitchFamily="34" charset="0"/>
+                <a:cs typeface="Segoe UI" panose="020B0502040204020203" pitchFamily="34" charset="0"/>
+              </a:rPr>
+              <a:t>I use them to convert a large monolithic application that is PHP and WP specific into an HTML site.</a:t>
+            </a:r>
+          </a:p>
+          <a:p>
+            <a:pPr marL="457200" lvl="1" indent="0">
+              <a:buNone/>
+            </a:pPr>
+            <a:endParaRPr lang="en-GB" sz="3600" dirty="0">
+              <a:solidFill>
+                <a:srgbClr val="2196F3"/>
+              </a:solidFill>
+              <a:latin typeface="Segoe UI" panose="020B0502040204020203" pitchFamily="34" charset="0"/>
+              <a:cs typeface="Segoe UI" panose="020B0502040204020203" pitchFamily="34" charset="0"/>
+            </a:endParaRPr>
+          </a:p>
+          <a:p>
+            <a:pPr marL="457200" lvl="1" indent="0">
+              <a:buNone/>
+            </a:pPr>
+            <a:r>
+              <a:rPr lang="en-GB" sz="3600" dirty="0">
+                <a:solidFill>
+                  <a:srgbClr val="2196F3"/>
+                </a:solidFill>
+                <a:latin typeface="Segoe UI" panose="020B0502040204020203" pitchFamily="34" charset="0"/>
+                <a:cs typeface="Segoe UI" panose="020B0502040204020203" pitchFamily="34" charset="0"/>
+              </a:rPr>
+              <a:t>Enable WP to be a micro front end service to other sites.</a:t>
+            </a:r>
+          </a:p>
+          <a:p>
+            <a:pPr marL="457200" lvl="1" indent="0">
+              <a:buNone/>
+            </a:pPr>
+            <a:endParaRPr lang="en-GB" sz="3600" dirty="0">
+              <a:solidFill>
+                <a:srgbClr val="2196F3"/>
+              </a:solidFill>
+              <a:latin typeface="Segoe UI" panose="020B0502040204020203" pitchFamily="34" charset="0"/>
+              <a:cs typeface="Segoe UI" panose="020B0502040204020203" pitchFamily="34" charset="0"/>
+            </a:endParaRPr>
+          </a:p>
+          <a:p>
+            <a:pPr marL="457200" lvl="1" indent="0">
+              <a:buNone/>
+            </a:pPr>
+            <a:r>
+              <a:rPr lang="en-GB" sz="3600" dirty="0">
+                <a:solidFill>
+                  <a:srgbClr val="2196F3"/>
+                </a:solidFill>
+                <a:latin typeface="Segoe UI" panose="020B0502040204020203" pitchFamily="34" charset="0"/>
+                <a:cs typeface="Segoe UI" panose="020B0502040204020203" pitchFamily="34" charset="0"/>
+              </a:rPr>
+              <a:t>We will look at a demo shortly…</a:t>
+            </a:r>
+          </a:p>
+          <a:p>
+            <a:pPr marL="457200" lvl="1" indent="0">
+              <a:buNone/>
+            </a:pPr>
+            <a:endParaRPr lang="en-GB" sz="3600" dirty="0">
+              <a:solidFill>
+                <a:srgbClr val="2196F3"/>
+              </a:solidFill>
+              <a:latin typeface="Segoe UI" panose="020B0502040204020203" pitchFamily="34" charset="0"/>
+              <a:cs typeface="Segoe UI" panose="020B0502040204020203" pitchFamily="34" charset="0"/>
+            </a:endParaRPr>
+          </a:p>
+          <a:p>
+            <a:pPr marL="457200" lvl="1" indent="0">
+              <a:buNone/>
+            </a:pPr>
+            <a:endParaRPr lang="en-GB" sz="6700" dirty="0">
+              <a:solidFill>
+                <a:srgbClr val="2196F3"/>
+              </a:solidFill>
+              <a:latin typeface="Segoe UI" panose="020B0502040204020203" pitchFamily="34" charset="0"/>
+              <a:cs typeface="Segoe UI" panose="020B0502040204020203" pitchFamily="34" charset="0"/>
+            </a:endParaRPr>
+          </a:p>
+          <a:p>
+            <a:pPr marL="457200" lvl="1" indent="0">
+              <a:buNone/>
+            </a:pPr>
+            <a:endParaRPr lang="en-GB" sz="6700" dirty="0">
+              <a:solidFill>
+                <a:srgbClr val="2196F3"/>
+              </a:solidFill>
+              <a:latin typeface="Segoe UI" panose="020B0502040204020203" pitchFamily="34" charset="0"/>
+              <a:cs typeface="Segoe UI" panose="020B0502040204020203" pitchFamily="34" charset="0"/>
+            </a:endParaRPr>
+          </a:p>
+          <a:p>
+            <a:pPr marL="457200" lvl="1" indent="0">
+              <a:buNone/>
+            </a:pPr>
+            <a:endParaRPr lang="en-GB" sz="6700" dirty="0">
+              <a:latin typeface="Segoe UI" panose="020B0502040204020203" pitchFamily="34" charset="0"/>
+              <a:cs typeface="Segoe UI" panose="020B0502040204020203" pitchFamily="34" charset="0"/>
+            </a:endParaRPr>
+          </a:p>
+          <a:p>
+            <a:pPr marL="0" indent="0">
+              <a:buNone/>
+            </a:pPr>
+            <a:endParaRPr lang="en-GB" dirty="0">
+              <a:latin typeface="Segoe UI" panose="020B0502040204020203" pitchFamily="34" charset="0"/>
+              <a:cs typeface="Segoe UI" panose="020B0502040204020203" pitchFamily="34" charset="0"/>
+            </a:endParaRPr>
+          </a:p>
+          <a:p>
+            <a:endParaRPr lang="en-GB" dirty="0">
+              <a:latin typeface="Segoe UI" panose="020B0502040204020203" pitchFamily="34" charset="0"/>
+              <a:cs typeface="Segoe UI" panose="020B0502040204020203" pitchFamily="34" charset="0"/>
+            </a:endParaRPr>
+          </a:p>
+        </p:txBody>
+      </p:sp>
+    </p:spTree>
+    <p:extLst>
+      <p:ext uri="{BB962C8B-B14F-4D97-AF65-F5344CB8AC3E}">
+        <p14:creationId xmlns:p14="http://schemas.microsoft.com/office/powerpoint/2010/main" val="969729685"/>
+      </p:ext>
+    </p:extLst>
+  </p:cSld>
+  <p:clrMapOvr>
+    <a:masterClrMapping/>
+  </p:clrMapOvr>
+</p:sld>
+</file>
+
+<file path=ppt/slides/slide12.xml><?xml version="1.0" encoding="utf-8"?>
+<p:sld xmlns:a="http://schemas.openxmlformats.org/drawingml/2006/main" xmlns:r="http://schemas.openxmlformats.org/officeDocument/2006/relationships" xmlns:p="http://schemas.openxmlformats.org/presentationml/2006/main">
+  <p:cSld>
+    <p:spTree>
+      <p:nvGrpSpPr>
+        <p:cNvPr id="1" name=""/>
+        <p:cNvGrpSpPr/>
+        <p:nvPr/>
+      </p:nvGrpSpPr>
+      <p:grpSpPr>
+        <a:xfrm>
+          <a:off x="0" y="0"/>
+          <a:ext cx="0" cy="0"/>
+          <a:chOff x="0" y="0"/>
+          <a:chExt cx="0" cy="0"/>
+        </a:xfrm>
+      </p:grpSpPr>
+      <p:sp>
+        <p:nvSpPr>
+          <p:cNvPr id="2" name="Title 1">
+            <a:extLst>
+              <a:ext uri="{FF2B5EF4-FFF2-40B4-BE49-F238E27FC236}">
+                <a16:creationId xmlns:a16="http://schemas.microsoft.com/office/drawing/2014/main" id="{5D7568B3-EC9A-45DD-8A17-CFE685194B65}"/>
+              </a:ext>
+            </a:extLst>
+          </p:cNvPr>
+          <p:cNvSpPr>
+            <a:spLocks noGrp="1"/>
+          </p:cNvSpPr>
+          <p:nvPr>
+            <p:ph type="title"/>
+          </p:nvPr>
+        </p:nvSpPr>
+        <p:spPr>
+          <a:xfrm>
+            <a:off x="838200" y="0"/>
+            <a:ext cx="10515600" cy="1325563"/>
+          </a:xfrm>
+          <a:solidFill>
+            <a:srgbClr val="2196F3"/>
+          </a:solidFill>
+        </p:spPr>
+        <p:txBody>
+          <a:bodyPr>
+            <a:normAutofit/>
+          </a:bodyPr>
+          <a:lstStyle/>
+          <a:p>
+            <a:pPr algn="ctr"/>
+            <a:r>
+              <a:rPr lang="en-GB" sz="6600" dirty="0">
+                <a:solidFill>
+                  <a:schemeClr val="bg1"/>
+                </a:solidFill>
+                <a:latin typeface="Segoe UI" panose="020B0502040204020203" pitchFamily="34" charset="0"/>
+                <a:cs typeface="Segoe UI" panose="020B0502040204020203" pitchFamily="34" charset="0"/>
+              </a:rPr>
+              <a:t>Why use them? </a:t>
+            </a:r>
+          </a:p>
+        </p:txBody>
+      </p:sp>
+      <p:sp>
+        <p:nvSpPr>
+          <p:cNvPr id="4" name="Content Placeholder 2">
+            <a:extLst>
+              <a:ext uri="{FF2B5EF4-FFF2-40B4-BE49-F238E27FC236}">
+                <a16:creationId xmlns:a16="http://schemas.microsoft.com/office/drawing/2014/main" id="{088CCB65-11B4-408B-9ED3-1304FE85032F}"/>
+              </a:ext>
+            </a:extLst>
+          </p:cNvPr>
+          <p:cNvSpPr>
+            <a:spLocks noGrp="1"/>
+          </p:cNvSpPr>
+          <p:nvPr>
+            <p:ph idx="1"/>
+          </p:nvPr>
+        </p:nvSpPr>
+        <p:spPr>
+          <a:xfrm>
+            <a:off x="838200" y="1325563"/>
+            <a:ext cx="10515600" cy="5326907"/>
+          </a:xfrm>
+        </p:spPr>
+        <p:txBody>
+          <a:bodyPr wrap="square" bIns="252000">
+            <a:normAutofit/>
+          </a:bodyPr>
+          <a:lstStyle/>
+          <a:p>
+            <a:pPr marL="457200" lvl="1" indent="0" algn="ctr">
+              <a:buNone/>
+            </a:pPr>
+            <a:endParaRPr lang="en-GB" sz="1600" dirty="0">
+              <a:solidFill>
+                <a:srgbClr val="2196F3"/>
+              </a:solidFill>
+              <a:latin typeface="Segoe UI" panose="020B0502040204020203" pitchFamily="34" charset="0"/>
+              <a:cs typeface="Segoe UI" panose="020B0502040204020203" pitchFamily="34" charset="0"/>
+            </a:endParaRPr>
+          </a:p>
+          <a:p>
+            <a:pPr marL="457200" lvl="1" indent="0">
+              <a:buNone/>
+            </a:pPr>
+            <a:r>
+              <a:rPr lang="en-GB" sz="3600" dirty="0">
+                <a:solidFill>
+                  <a:srgbClr val="FF0000"/>
+                </a:solidFill>
+                <a:latin typeface="Segoe UI" panose="020B0502040204020203" pitchFamily="34" charset="0"/>
+                <a:cs typeface="Segoe UI" panose="020B0502040204020203" pitchFamily="34" charset="0"/>
+              </a:rPr>
+              <a:t>Why use HTML? (&lt;dialog&gt;, &lt;video&gt;…)</a:t>
+            </a:r>
+          </a:p>
+          <a:p>
+            <a:pPr marL="457200" lvl="1" indent="0">
+              <a:buNone/>
+            </a:pPr>
+            <a:endParaRPr lang="en-GB" sz="1600" dirty="0">
+              <a:solidFill>
+                <a:srgbClr val="2196F3"/>
+              </a:solidFill>
+              <a:latin typeface="Segoe UI" panose="020B0502040204020203" pitchFamily="34" charset="0"/>
+              <a:cs typeface="Segoe UI" panose="020B0502040204020203" pitchFamily="34" charset="0"/>
+            </a:endParaRPr>
+          </a:p>
+          <a:p>
+            <a:pPr marL="457200" lvl="1" indent="0">
+              <a:buNone/>
+            </a:pPr>
+            <a:r>
+              <a:rPr lang="en-GB" sz="3600" dirty="0">
+                <a:solidFill>
+                  <a:srgbClr val="2196F3"/>
+                </a:solidFill>
+                <a:latin typeface="Segoe UI" panose="020B0502040204020203" pitchFamily="34" charset="0"/>
+                <a:cs typeface="Segoe UI" panose="020B0502040204020203" pitchFamily="34" charset="0"/>
+              </a:rPr>
+              <a:t>Create HTML plugins/widgets/</a:t>
+            </a:r>
+          </a:p>
+          <a:p>
+            <a:pPr marL="457200" lvl="1" indent="0">
+              <a:buNone/>
+            </a:pPr>
+            <a:r>
+              <a:rPr lang="en-GB" sz="3600" dirty="0">
+                <a:solidFill>
+                  <a:srgbClr val="2196F3"/>
+                </a:solidFill>
+                <a:latin typeface="Segoe UI" panose="020B0502040204020203" pitchFamily="34" charset="0"/>
+                <a:cs typeface="Segoe UI" panose="020B0502040204020203" pitchFamily="34" charset="0"/>
+              </a:rPr>
+              <a:t>Code modularity.</a:t>
+            </a:r>
+          </a:p>
+          <a:p>
+            <a:pPr marL="457200" lvl="1" indent="0">
+              <a:buNone/>
+            </a:pPr>
+            <a:r>
+              <a:rPr lang="en-GB" sz="3600" dirty="0">
+                <a:solidFill>
+                  <a:srgbClr val="2196F3"/>
+                </a:solidFill>
+                <a:latin typeface="Segoe UI" panose="020B0502040204020203" pitchFamily="34" charset="0"/>
+                <a:cs typeface="Segoe UI" panose="020B0502040204020203" pitchFamily="34" charset="0"/>
+              </a:rPr>
+              <a:t>Be a component maker rather than a specific framework developer.</a:t>
+            </a:r>
+          </a:p>
+          <a:p>
+            <a:pPr marL="457200" lvl="1" indent="0">
+              <a:buNone/>
+            </a:pPr>
+            <a:r>
+              <a:rPr lang="en-GB" sz="3600" dirty="0">
+                <a:solidFill>
+                  <a:srgbClr val="2196F3"/>
+                </a:solidFill>
+                <a:latin typeface="Segoe UI" panose="020B0502040204020203" pitchFamily="34" charset="0"/>
+                <a:cs typeface="Segoe UI" panose="020B0502040204020203" pitchFamily="34" charset="0"/>
+              </a:rPr>
+              <a:t>Engage in cross framework apps.</a:t>
+            </a:r>
+          </a:p>
+          <a:p>
+            <a:pPr marL="457200" lvl="1" indent="0">
+              <a:buNone/>
+            </a:pPr>
+            <a:r>
+              <a:rPr lang="en-GB" sz="3600" dirty="0">
+                <a:solidFill>
+                  <a:srgbClr val="2196F3"/>
+                </a:solidFill>
+                <a:latin typeface="Segoe UI" panose="020B0502040204020203" pitchFamily="34" charset="0"/>
+                <a:cs typeface="Segoe UI" panose="020B0502040204020203" pitchFamily="34" charset="0"/>
+              </a:rPr>
+              <a:t>Use components in any framework.</a:t>
+            </a:r>
+          </a:p>
+          <a:p>
+            <a:pPr marL="457200" lvl="1" indent="0">
+              <a:buNone/>
+            </a:pPr>
+            <a:endParaRPr lang="en-GB" sz="3600" dirty="0">
+              <a:solidFill>
+                <a:srgbClr val="2196F3"/>
+              </a:solidFill>
+              <a:latin typeface="Segoe UI" panose="020B0502040204020203" pitchFamily="34" charset="0"/>
+              <a:cs typeface="Segoe UI" panose="020B0502040204020203" pitchFamily="34" charset="0"/>
+            </a:endParaRPr>
+          </a:p>
+          <a:p>
+            <a:pPr marL="457200" lvl="1" indent="0">
+              <a:buNone/>
+            </a:pPr>
+            <a:endParaRPr lang="en-GB" sz="3600" dirty="0">
+              <a:solidFill>
+                <a:srgbClr val="2196F3"/>
+              </a:solidFill>
+              <a:latin typeface="Segoe UI" panose="020B0502040204020203" pitchFamily="34" charset="0"/>
+              <a:cs typeface="Segoe UI" panose="020B0502040204020203" pitchFamily="34" charset="0"/>
+            </a:endParaRPr>
+          </a:p>
+          <a:p>
+            <a:pPr marL="457200" lvl="1" indent="0">
+              <a:buNone/>
+            </a:pPr>
+            <a:endParaRPr lang="en-GB" sz="6700" dirty="0">
+              <a:solidFill>
+                <a:srgbClr val="2196F3"/>
+              </a:solidFill>
+              <a:latin typeface="Segoe UI" panose="020B0502040204020203" pitchFamily="34" charset="0"/>
+              <a:cs typeface="Segoe UI" panose="020B0502040204020203" pitchFamily="34" charset="0"/>
+            </a:endParaRPr>
+          </a:p>
+          <a:p>
+            <a:pPr marL="457200" lvl="1" indent="0">
+              <a:buNone/>
+            </a:pPr>
+            <a:endParaRPr lang="en-GB" sz="6700" dirty="0">
+              <a:solidFill>
+                <a:srgbClr val="2196F3"/>
+              </a:solidFill>
+              <a:latin typeface="Segoe UI" panose="020B0502040204020203" pitchFamily="34" charset="0"/>
+              <a:cs typeface="Segoe UI" panose="020B0502040204020203" pitchFamily="34" charset="0"/>
+            </a:endParaRPr>
+          </a:p>
+          <a:p>
+            <a:pPr marL="457200" lvl="1" indent="0">
+              <a:buNone/>
+            </a:pPr>
+            <a:endParaRPr lang="en-GB" sz="6700" dirty="0">
+              <a:latin typeface="Segoe UI" panose="020B0502040204020203" pitchFamily="34" charset="0"/>
+              <a:cs typeface="Segoe UI" panose="020B0502040204020203" pitchFamily="34" charset="0"/>
+            </a:endParaRPr>
+          </a:p>
+          <a:p>
+            <a:pPr marL="0" indent="0">
+              <a:buNone/>
+            </a:pPr>
+            <a:endParaRPr lang="en-GB" dirty="0">
+              <a:latin typeface="Segoe UI" panose="020B0502040204020203" pitchFamily="34" charset="0"/>
+              <a:cs typeface="Segoe UI" panose="020B0502040204020203" pitchFamily="34" charset="0"/>
+            </a:endParaRPr>
+          </a:p>
+          <a:p>
+            <a:endParaRPr lang="en-GB" dirty="0">
+              <a:latin typeface="Segoe UI" panose="020B0502040204020203" pitchFamily="34" charset="0"/>
+              <a:cs typeface="Segoe UI" panose="020B0502040204020203" pitchFamily="34" charset="0"/>
+            </a:endParaRPr>
+          </a:p>
+        </p:txBody>
+      </p:sp>
+    </p:spTree>
+    <p:extLst>
+      <p:ext uri="{BB962C8B-B14F-4D97-AF65-F5344CB8AC3E}">
+        <p14:creationId xmlns:p14="http://schemas.microsoft.com/office/powerpoint/2010/main" val="3509547120"/>
+      </p:ext>
+    </p:extLst>
+  </p:cSld>
+  <p:clrMapOvr>
+    <a:masterClrMapping/>
+  </p:clrMapOvr>
+</p:sld>
+</file>
+
+<file path=ppt/slides/slide13.xml><?xml version="1.0" encoding="utf-8"?>
+<p:sld xmlns:a="http://schemas.openxmlformats.org/drawingml/2006/main" xmlns:r="http://schemas.openxmlformats.org/officeDocument/2006/relationships" xmlns:p="http://schemas.openxmlformats.org/presentationml/2006/main">
+  <p:cSld>
+    <p:spTree>
+      <p:nvGrpSpPr>
+        <p:cNvPr id="1" name=""/>
+        <p:cNvGrpSpPr/>
+        <p:nvPr/>
+      </p:nvGrpSpPr>
+      <p:grpSpPr>
+        <a:xfrm>
+          <a:off x="0" y="0"/>
+          <a:ext cx="0" cy="0"/>
+          <a:chOff x="0" y="0"/>
+          <a:chExt cx="0" cy="0"/>
+        </a:xfrm>
+      </p:grpSpPr>
+      <p:sp>
+        <p:nvSpPr>
+          <p:cNvPr id="2" name="Title 1">
+            <a:extLst>
+              <a:ext uri="{FF2B5EF4-FFF2-40B4-BE49-F238E27FC236}">
+                <a16:creationId xmlns:a16="http://schemas.microsoft.com/office/drawing/2014/main" id="{5D7568B3-EC9A-45DD-8A17-CFE685194B65}"/>
+              </a:ext>
+            </a:extLst>
+          </p:cNvPr>
+          <p:cNvSpPr>
+            <a:spLocks noGrp="1"/>
+          </p:cNvSpPr>
+          <p:nvPr>
+            <p:ph type="title"/>
+          </p:nvPr>
+        </p:nvSpPr>
+        <p:spPr>
+          <a:xfrm>
+            <a:off x="838200" y="0"/>
+            <a:ext cx="10515600" cy="1325563"/>
+          </a:xfrm>
+          <a:solidFill>
+            <a:srgbClr val="2196F3"/>
+          </a:solidFill>
+        </p:spPr>
+        <p:txBody>
+          <a:bodyPr>
+            <a:normAutofit/>
+          </a:bodyPr>
+          <a:lstStyle/>
+          <a:p>
+            <a:pPr algn="ctr"/>
+            <a:r>
+              <a:rPr lang="en-GB" sz="6600" dirty="0">
+                <a:solidFill>
+                  <a:schemeClr val="bg1"/>
+                </a:solidFill>
+                <a:latin typeface="Segoe UI" panose="020B0502040204020203" pitchFamily="34" charset="0"/>
+                <a:cs typeface="Segoe UI" panose="020B0502040204020203" pitchFamily="34" charset="0"/>
+              </a:rPr>
+              <a:t>TYPES OF COMPONENT</a:t>
+            </a:r>
+          </a:p>
+        </p:txBody>
+      </p:sp>
+      <p:sp>
+        <p:nvSpPr>
+          <p:cNvPr id="4" name="Content Placeholder 2">
+            <a:extLst>
+              <a:ext uri="{FF2B5EF4-FFF2-40B4-BE49-F238E27FC236}">
+                <a16:creationId xmlns:a16="http://schemas.microsoft.com/office/drawing/2014/main" id="{088CCB65-11B4-408B-9ED3-1304FE85032F}"/>
+              </a:ext>
+            </a:extLst>
+          </p:cNvPr>
+          <p:cNvSpPr>
+            <a:spLocks noGrp="1"/>
+          </p:cNvSpPr>
+          <p:nvPr>
+            <p:ph idx="1"/>
+          </p:nvPr>
+        </p:nvSpPr>
+        <p:spPr>
+          <a:xfrm>
+            <a:off x="838200" y="1325563"/>
+            <a:ext cx="10515600" cy="5326907"/>
+          </a:xfrm>
+        </p:spPr>
+        <p:txBody>
+          <a:bodyPr wrap="square" bIns="252000">
+            <a:normAutofit lnSpcReduction="10000"/>
+          </a:bodyPr>
+          <a:lstStyle/>
+          <a:p>
+            <a:pPr marL="457200" lvl="1" indent="0" algn="ctr">
+              <a:buNone/>
+            </a:pPr>
+            <a:endParaRPr lang="en-GB" sz="1600" dirty="0">
+              <a:solidFill>
+                <a:srgbClr val="2196F3"/>
+              </a:solidFill>
+              <a:latin typeface="Segoe UI" panose="020B0502040204020203" pitchFamily="34" charset="0"/>
+              <a:cs typeface="Segoe UI" panose="020B0502040204020203" pitchFamily="34" charset="0"/>
+            </a:endParaRPr>
+          </a:p>
+          <a:p>
+            <a:pPr marL="457200" lvl="1" indent="0">
+              <a:buNone/>
+            </a:pPr>
+            <a:r>
+              <a:rPr lang="en-GB" sz="2800" dirty="0">
+                <a:solidFill>
+                  <a:srgbClr val="2196F3"/>
+                </a:solidFill>
+                <a:latin typeface="Segoe UI" panose="020B0502040204020203" pitchFamily="34" charset="0"/>
+                <a:cs typeface="Segoe UI" panose="020B0502040204020203" pitchFamily="34" charset="0"/>
+              </a:rPr>
+              <a:t>These are only limited by JS.</a:t>
+            </a:r>
+          </a:p>
+          <a:p>
+            <a:pPr marL="457200" lvl="1" indent="0">
+              <a:buNone/>
+            </a:pPr>
+            <a:endParaRPr lang="en-GB" sz="1200" dirty="0">
+              <a:solidFill>
+                <a:srgbClr val="2196F3"/>
+              </a:solidFill>
+              <a:latin typeface="Segoe UI" panose="020B0502040204020203" pitchFamily="34" charset="0"/>
+              <a:cs typeface="Segoe UI" panose="020B0502040204020203" pitchFamily="34" charset="0"/>
+            </a:endParaRPr>
+          </a:p>
+          <a:p>
+            <a:pPr marL="457200" lvl="1" indent="0">
+              <a:buNone/>
+            </a:pPr>
+            <a:r>
+              <a:rPr lang="en-GB" sz="2800" dirty="0">
+                <a:solidFill>
+                  <a:srgbClr val="2196F3"/>
+                </a:solidFill>
+                <a:latin typeface="Segoe UI" panose="020B0502040204020203" pitchFamily="34" charset="0"/>
+                <a:cs typeface="Segoe UI" panose="020B0502040204020203" pitchFamily="34" charset="0"/>
+              </a:rPr>
+              <a:t>We will look at couple of UI components and many more highly functional components that have build in:</a:t>
+            </a:r>
+          </a:p>
+          <a:p>
+            <a:pPr marL="457200" lvl="1" indent="0">
+              <a:buNone/>
+            </a:pPr>
+            <a:endParaRPr lang="en-GB" sz="1200" dirty="0">
+              <a:solidFill>
+                <a:srgbClr val="2196F3"/>
+              </a:solidFill>
+              <a:latin typeface="Segoe UI" panose="020B0502040204020203" pitchFamily="34" charset="0"/>
+              <a:cs typeface="Segoe UI" panose="020B0502040204020203" pitchFamily="34" charset="0"/>
+            </a:endParaRPr>
+          </a:p>
+          <a:p>
+            <a:pPr lvl="1"/>
+            <a:r>
+              <a:rPr lang="en-GB" sz="2800" dirty="0">
+                <a:solidFill>
+                  <a:srgbClr val="2196F3"/>
+                </a:solidFill>
+                <a:latin typeface="Segoe UI" panose="020B0502040204020203" pitchFamily="34" charset="0"/>
+                <a:cs typeface="Segoe UI" panose="020B0502040204020203" pitchFamily="34" charset="0"/>
+              </a:rPr>
+              <a:t>Fetch requests.</a:t>
+            </a:r>
+          </a:p>
+          <a:p>
+            <a:pPr lvl="1"/>
+            <a:r>
+              <a:rPr lang="en-GB" sz="2800" dirty="0">
+                <a:solidFill>
+                  <a:srgbClr val="2196F3"/>
+                </a:solidFill>
+                <a:latin typeface="Segoe UI" panose="020B0502040204020203" pitchFamily="34" charset="0"/>
+                <a:cs typeface="Segoe UI" panose="020B0502040204020203" pitchFamily="34" charset="0"/>
+              </a:rPr>
+              <a:t>Lazy loading and dynamic loading.</a:t>
+            </a:r>
+          </a:p>
+          <a:p>
+            <a:pPr lvl="1"/>
+            <a:r>
+              <a:rPr lang="en-GB" sz="2800" dirty="0">
+                <a:solidFill>
+                  <a:srgbClr val="2196F3"/>
+                </a:solidFill>
+                <a:latin typeface="Segoe UI" panose="020B0502040204020203" pitchFamily="34" charset="0"/>
+                <a:cs typeface="Segoe UI" panose="020B0502040204020203" pitchFamily="34" charset="0"/>
+              </a:rPr>
+              <a:t>Storing JSON in IndexedDB and rendering it.</a:t>
+            </a:r>
+          </a:p>
+          <a:p>
+            <a:pPr lvl="1"/>
+            <a:r>
+              <a:rPr lang="en-GB" sz="2800" dirty="0">
+                <a:solidFill>
+                  <a:srgbClr val="2196F3"/>
+                </a:solidFill>
+                <a:latin typeface="Segoe UI" panose="020B0502040204020203" pitchFamily="34" charset="0"/>
+                <a:cs typeface="Segoe UI" panose="020B0502040204020203" pitchFamily="34" charset="0"/>
+              </a:rPr>
+              <a:t>Authentication.</a:t>
+            </a:r>
+          </a:p>
+          <a:p>
+            <a:pPr lvl="1"/>
+            <a:r>
+              <a:rPr lang="en-GB" sz="2800" dirty="0">
+                <a:solidFill>
+                  <a:srgbClr val="2196F3"/>
+                </a:solidFill>
+                <a:latin typeface="Segoe UI" panose="020B0502040204020203" pitchFamily="34" charset="0"/>
+                <a:cs typeface="Segoe UI" panose="020B0502040204020203" pitchFamily="34" charset="0"/>
+              </a:rPr>
+              <a:t>Added offline capability and ‘instant’ pages.</a:t>
+            </a:r>
+          </a:p>
+          <a:p>
+            <a:pPr lvl="1"/>
+            <a:endParaRPr lang="en-GB" sz="2800" dirty="0">
+              <a:solidFill>
+                <a:srgbClr val="2196F3"/>
+              </a:solidFill>
+              <a:latin typeface="Segoe UI" panose="020B0502040204020203" pitchFamily="34" charset="0"/>
+              <a:cs typeface="Segoe UI" panose="020B0502040204020203" pitchFamily="34" charset="0"/>
+            </a:endParaRPr>
+          </a:p>
+          <a:p>
+            <a:pPr marL="457200" lvl="1" indent="0">
+              <a:buNone/>
+            </a:pPr>
+            <a:r>
+              <a:rPr lang="en-GB" sz="2800" dirty="0">
+                <a:solidFill>
+                  <a:srgbClr val="2196F3"/>
+                </a:solidFill>
+                <a:latin typeface="Segoe UI" panose="020B0502040204020203" pitchFamily="34" charset="0"/>
+                <a:cs typeface="Segoe UI" panose="020B0502040204020203" pitchFamily="34" charset="0"/>
+              </a:rPr>
+              <a:t>Let’s see an example: https://wp-html.co.uk/semantic</a:t>
+            </a:r>
+          </a:p>
+          <a:p>
+            <a:pPr marL="457200" lvl="1" indent="0">
+              <a:buNone/>
+            </a:pPr>
+            <a:endParaRPr lang="en-GB" sz="3600" dirty="0">
+              <a:solidFill>
+                <a:srgbClr val="2196F3"/>
+              </a:solidFill>
+              <a:latin typeface="Segoe UI" panose="020B0502040204020203" pitchFamily="34" charset="0"/>
+              <a:cs typeface="Segoe UI" panose="020B0502040204020203" pitchFamily="34" charset="0"/>
+            </a:endParaRPr>
+          </a:p>
+          <a:p>
+            <a:pPr marL="457200" lvl="1" indent="0">
+              <a:buNone/>
+            </a:pPr>
+            <a:endParaRPr lang="en-GB" sz="3600" dirty="0">
+              <a:solidFill>
+                <a:srgbClr val="2196F3"/>
+              </a:solidFill>
+              <a:latin typeface="Segoe UI" panose="020B0502040204020203" pitchFamily="34" charset="0"/>
+              <a:cs typeface="Segoe UI" panose="020B0502040204020203" pitchFamily="34" charset="0"/>
+            </a:endParaRPr>
+          </a:p>
+          <a:p>
+            <a:pPr marL="457200" lvl="1" indent="0">
+              <a:buNone/>
+            </a:pPr>
+            <a:endParaRPr lang="en-GB" sz="6700" dirty="0">
+              <a:solidFill>
+                <a:srgbClr val="2196F3"/>
+              </a:solidFill>
+              <a:latin typeface="Segoe UI" panose="020B0502040204020203" pitchFamily="34" charset="0"/>
+              <a:cs typeface="Segoe UI" panose="020B0502040204020203" pitchFamily="34" charset="0"/>
+            </a:endParaRPr>
+          </a:p>
+          <a:p>
+            <a:pPr marL="457200" lvl="1" indent="0">
+              <a:buNone/>
+            </a:pPr>
+            <a:endParaRPr lang="en-GB" sz="6700" dirty="0">
+              <a:solidFill>
+                <a:srgbClr val="2196F3"/>
+              </a:solidFill>
+              <a:latin typeface="Segoe UI" panose="020B0502040204020203" pitchFamily="34" charset="0"/>
+              <a:cs typeface="Segoe UI" panose="020B0502040204020203" pitchFamily="34" charset="0"/>
+            </a:endParaRPr>
+          </a:p>
+          <a:p>
+            <a:pPr marL="457200" lvl="1" indent="0">
+              <a:buNone/>
+            </a:pPr>
+            <a:endParaRPr lang="en-GB" sz="6700" dirty="0">
+              <a:latin typeface="Segoe UI" panose="020B0502040204020203" pitchFamily="34" charset="0"/>
+              <a:cs typeface="Segoe UI" panose="020B0502040204020203" pitchFamily="34" charset="0"/>
+            </a:endParaRPr>
+          </a:p>
+          <a:p>
+            <a:pPr marL="0" indent="0">
+              <a:buNone/>
+            </a:pPr>
+            <a:endParaRPr lang="en-GB" dirty="0">
+              <a:latin typeface="Segoe UI" panose="020B0502040204020203" pitchFamily="34" charset="0"/>
+              <a:cs typeface="Segoe UI" panose="020B0502040204020203" pitchFamily="34" charset="0"/>
+            </a:endParaRPr>
+          </a:p>
+          <a:p>
+            <a:endParaRPr lang="en-GB" dirty="0">
+              <a:latin typeface="Segoe UI" panose="020B0502040204020203" pitchFamily="34" charset="0"/>
+              <a:cs typeface="Segoe UI" panose="020B0502040204020203" pitchFamily="34" charset="0"/>
+            </a:endParaRPr>
+          </a:p>
+        </p:txBody>
+      </p:sp>
+    </p:spTree>
+    <p:extLst>
+      <p:ext uri="{BB962C8B-B14F-4D97-AF65-F5344CB8AC3E}">
+        <p14:creationId xmlns:p14="http://schemas.microsoft.com/office/powerpoint/2010/main" val="105346925"/>
+      </p:ext>
+    </p:extLst>
+  </p:cSld>
+  <p:clrMapOvr>
+    <a:masterClrMapping/>
+  </p:clrMapOvr>
+</p:sld>
+</file>
+
+<file path=ppt/slides/slide14.xml><?xml version="1.0" encoding="utf-8"?>
+<p:sld xmlns:a="http://schemas.openxmlformats.org/drawingml/2006/main" xmlns:r="http://schemas.openxmlformats.org/officeDocument/2006/relationships" xmlns:p="http://schemas.openxmlformats.org/presentationml/2006/main">
+  <p:cSld>
+    <p:spTree>
+      <p:nvGrpSpPr>
+        <p:cNvPr id="1" name=""/>
+        <p:cNvGrpSpPr/>
+        <p:nvPr/>
+      </p:nvGrpSpPr>
+      <p:grpSpPr>
+        <a:xfrm>
+          <a:off x="0" y="0"/>
+          <a:ext cx="0" cy="0"/>
+          <a:chOff x="0" y="0"/>
+          <a:chExt cx="0" cy="0"/>
+        </a:xfrm>
+      </p:grpSpPr>
+      <p:sp>
+        <p:nvSpPr>
           <p:cNvPr id="3" name="Content Placeholder 2">
             <a:extLst>
               <a:ext uri="{FF2B5EF4-FFF2-40B4-BE49-F238E27FC236}">
@@ -4199,7 +6431,7 @@
 </p:sld>
 </file>
 
-<file path=ppt/slides/slide11.xml><?xml version="1.0" encoding="utf-8"?>
+<file path=ppt/slides/slide15.xml><?xml version="1.0" encoding="utf-8"?>
 <p:sld xmlns:a="http://schemas.openxmlformats.org/drawingml/2006/main" xmlns:r="http://schemas.openxmlformats.org/officeDocument/2006/relationships" xmlns:p="http://schemas.openxmlformats.org/presentationml/2006/main">
   <p:cSld>
     <p:spTree>
@@ -4460,7 +6692,7 @@
                 <a:latin typeface="Segoe UI" panose="020B0502040204020203" pitchFamily="34" charset="0"/>
                 <a:cs typeface="Segoe UI" panose="020B0502040204020203" pitchFamily="34" charset="0"/>
               </a:rPr>
-              <a:t>Web Components</a:t>
+              <a:t>WP REST API &amp; AJAX</a:t>
             </a:r>
           </a:p>
         </p:txBody>
@@ -4484,7 +6716,7 @@
         <p:spPr>
           <a:xfrm>
             <a:off x="838200" y="1325563"/>
-            <a:ext cx="10515600" cy="5326907"/>
+            <a:ext cx="10515600" cy="4919125"/>
           </a:xfrm>
         </p:spPr>
         <p:txBody>
@@ -4493,16 +6725,10 @@
           </a:bodyPr>
           <a:lstStyle/>
           <a:p>
-            <a:endParaRPr lang="en-GB" sz="6700" dirty="0">
-              <a:latin typeface="Segoe UI" panose="020B0502040204020203" pitchFamily="34" charset="0"/>
-              <a:cs typeface="Segoe UI" panose="020B0502040204020203" pitchFamily="34" charset="0"/>
-            </a:endParaRPr>
-          </a:p>
-          <a:p>
             <a:pPr marL="457200" lvl="1" indent="0">
               <a:buNone/>
             </a:pPr>
-            <a:endParaRPr lang="en-GB" sz="400" dirty="0">
+            <a:endParaRPr lang="en-GB" sz="300" dirty="0">
               <a:solidFill>
                 <a:srgbClr val="2196F3"/>
               </a:solidFill>
@@ -4511,40 +6737,20 @@
             </a:endParaRPr>
           </a:p>
           <a:p>
-            <a:pPr marL="457200" lvl="1" indent="0" algn="ctr">
+            <a:pPr marL="457200" lvl="1" indent="0">
               <a:buNone/>
             </a:pPr>
             <a:r>
-              <a:rPr lang="en-GB" sz="4300" dirty="0">
+              <a:rPr lang="en-GB" sz="4800" dirty="0">
                 <a:solidFill>
                   <a:srgbClr val="2196F3"/>
                 </a:solidFill>
                 <a:latin typeface="Segoe UI" panose="020B0502040204020203" pitchFamily="34" charset="0"/>
                 <a:cs typeface="Segoe UI" panose="020B0502040204020203" pitchFamily="34" charset="0"/>
               </a:rPr>
-              <a:t>&lt;my-component&gt;&lt;/my-component&gt;</a:t>
-            </a:r>
-          </a:p>
-          <a:p>
-            <a:pPr marL="457200" lvl="1" indent="0" algn="ctr">
-              <a:buNone/>
-            </a:pPr>
-            <a:r>
-              <a:rPr lang="en-GB" sz="4300" dirty="0">
-                <a:solidFill>
-                  <a:srgbClr val="2196F3"/>
-                </a:solidFill>
-                <a:latin typeface="Segoe UI" panose="020B0502040204020203" pitchFamily="34" charset="0"/>
-                <a:cs typeface="Segoe UI" panose="020B0502040204020203" pitchFamily="34" charset="0"/>
-              </a:rPr>
-              <a:t>&lt;script src=“file.js”&gt;&lt;/script&gt;</a:t>
-            </a:r>
-          </a:p>
-          <a:p>
-            <a:pPr marL="457200" lvl="1" indent="0" algn="ctr">
-              <a:buNone/>
-            </a:pPr>
-            <a:endParaRPr lang="en-GB" sz="4300" dirty="0">
+              <a:t>Craig West</a:t>
+            </a:r>
+            <a:endParaRPr lang="en-GB" sz="1100" dirty="0">
               <a:solidFill>
                 <a:srgbClr val="2196F3"/>
               </a:solidFill>
@@ -4557,14 +6763,255 @@
               <a:buNone/>
             </a:pPr>
             <a:r>
-              <a:rPr lang="en-GB" sz="3600" dirty="0">
+              <a:rPr lang="en-GB" sz="4000" dirty="0">
                 <a:solidFill>
                   <a:srgbClr val="2196F3"/>
                 </a:solidFill>
                 <a:latin typeface="Segoe UI" panose="020B0502040204020203" pitchFamily="34" charset="0"/>
                 <a:cs typeface="Segoe UI" panose="020B0502040204020203" pitchFamily="34" charset="0"/>
               </a:rPr>
-              <a:t>Part of the browser specifications so can be used just like regular HTML tags.</a:t>
+              <a:t>Feel free to contact me: </a:t>
+            </a:r>
+            <a:r>
+              <a:rPr lang="en-GB" sz="4000" b="1" dirty="0">
+                <a:solidFill>
+                  <a:srgbClr val="FFC000"/>
+                </a:solidFill>
+                <a:latin typeface="Segoe UI" panose="020B0502040204020203" pitchFamily="34" charset="0"/>
+                <a:cs typeface="Segoe UI" panose="020B0502040204020203" pitchFamily="34" charset="0"/>
+                <a:hlinkClick r:id="rId2"/>
+              </a:rPr>
+              <a:t>craig@wpjs.co.uk</a:t>
+            </a:r>
+            <a:endParaRPr lang="en-GB" sz="600" b="1" dirty="0">
+              <a:solidFill>
+                <a:srgbClr val="FFC000"/>
+              </a:solidFill>
+              <a:latin typeface="Segoe UI" panose="020B0502040204020203" pitchFamily="34" charset="0"/>
+              <a:cs typeface="Segoe UI" panose="020B0502040204020203" pitchFamily="34" charset="0"/>
+            </a:endParaRPr>
+          </a:p>
+          <a:p>
+            <a:pPr marL="457200" lvl="1" indent="0">
+              <a:buNone/>
+            </a:pPr>
+            <a:endParaRPr lang="en-GB" sz="300" dirty="0">
+              <a:solidFill>
+                <a:srgbClr val="2196F3"/>
+              </a:solidFill>
+              <a:latin typeface="Segoe UI" panose="020B0502040204020203" pitchFamily="34" charset="0"/>
+              <a:cs typeface="Segoe UI" panose="020B0502040204020203" pitchFamily="34" charset="0"/>
+            </a:endParaRPr>
+          </a:p>
+          <a:p>
+            <a:pPr marL="457200" lvl="1" indent="0">
+              <a:buNone/>
+            </a:pPr>
+            <a:r>
+              <a:rPr lang="en-GB" b="1" dirty="0">
+                <a:solidFill>
+                  <a:srgbClr val="2196F3"/>
+                </a:solidFill>
+                <a:latin typeface="Segoe UI" panose="020B0502040204020203" pitchFamily="34" charset="0"/>
+                <a:cs typeface="Segoe UI" panose="020B0502040204020203" pitchFamily="34" charset="0"/>
+              </a:rPr>
+              <a:t>RESOURCE PACK with course files, handbook, slides:</a:t>
+            </a:r>
+          </a:p>
+          <a:p>
+            <a:pPr marL="457200" lvl="1" indent="0">
+              <a:buNone/>
+            </a:pPr>
+            <a:endParaRPr lang="en-GB" sz="200" b="1" dirty="0">
+              <a:solidFill>
+                <a:srgbClr val="2196F3"/>
+              </a:solidFill>
+              <a:latin typeface="Segoe UI" panose="020B0502040204020203" pitchFamily="34" charset="0"/>
+              <a:cs typeface="Segoe UI" panose="020B0502040204020203" pitchFamily="34" charset="0"/>
+            </a:endParaRPr>
+          </a:p>
+          <a:p>
+            <a:pPr lvl="1"/>
+            <a:r>
+              <a:rPr lang="en-GB" sz="3200" b="1" dirty="0">
+                <a:solidFill>
+                  <a:srgbClr val="FF0000"/>
+                </a:solidFill>
+                <a:latin typeface="Segoe UI" panose="020B0502040204020203" pitchFamily="34" charset="0"/>
+                <a:cs typeface="Segoe UI" panose="020B0502040204020203" pitchFamily="34" charset="0"/>
+                <a:hlinkClick r:id="rId3">
+                  <a:extLst>
+                    <a:ext uri="{A12FA001-AC4F-418D-AE19-62706E023703}">
+                      <ahyp:hlinkClr xmlns:ahyp="http://schemas.microsoft.com/office/drawing/2018/hyperlinkcolor" val="tx"/>
+                    </a:ext>
+                  </a:extLst>
+                </a:hlinkClick>
+              </a:rPr>
+              <a:t>https://github.com/iwswordpress/rest</a:t>
+            </a:r>
+            <a:endParaRPr lang="en-GB" sz="3200" b="1" dirty="0">
+              <a:solidFill>
+                <a:srgbClr val="FF0000"/>
+              </a:solidFill>
+              <a:latin typeface="Segoe UI" panose="020B0502040204020203" pitchFamily="34" charset="0"/>
+              <a:cs typeface="Segoe UI" panose="020B0502040204020203" pitchFamily="34" charset="0"/>
+            </a:endParaRPr>
+          </a:p>
+          <a:p>
+            <a:pPr lvl="1"/>
+            <a:r>
+              <a:rPr lang="en-GB" sz="3200" b="1" dirty="0">
+                <a:solidFill>
+                  <a:srgbClr val="FF0000"/>
+                </a:solidFill>
+                <a:latin typeface="Segoe UI" panose="020B0502040204020203" pitchFamily="34" charset="0"/>
+                <a:cs typeface="Segoe UI" panose="020B0502040204020203" pitchFamily="34" charset="0"/>
+                <a:hlinkClick r:id="rId4">
+                  <a:extLst>
+                    <a:ext uri="{A12FA001-AC4F-418D-AE19-62706E023703}">
+                      <ahyp:hlinkClr xmlns:ahyp="http://schemas.microsoft.com/office/drawing/2018/hyperlinkcolor" val="tx"/>
+                    </a:ext>
+                  </a:extLst>
+                </a:hlinkClick>
+              </a:rPr>
+              <a:t>https://wpjs.co.uk/rest.zip</a:t>
+            </a:r>
+            <a:endParaRPr lang="en-GB" sz="3200" b="1" dirty="0">
+              <a:solidFill>
+                <a:srgbClr val="FF0000"/>
+              </a:solidFill>
+              <a:latin typeface="Segoe UI" panose="020B0502040204020203" pitchFamily="34" charset="0"/>
+              <a:cs typeface="Segoe UI" panose="020B0502040204020203" pitchFamily="34" charset="0"/>
+            </a:endParaRPr>
+          </a:p>
+          <a:p>
+            <a:pPr marL="457200" lvl="1" indent="0">
+              <a:buNone/>
+            </a:pPr>
+            <a:endParaRPr lang="en-GB" sz="1400" b="1" dirty="0">
+              <a:solidFill>
+                <a:srgbClr val="FF0000"/>
+              </a:solidFill>
+              <a:latin typeface="Segoe UI" panose="020B0502040204020203" pitchFamily="34" charset="0"/>
+              <a:cs typeface="Segoe UI" panose="020B0502040204020203" pitchFamily="34" charset="0"/>
+            </a:endParaRPr>
+          </a:p>
+          <a:p>
+            <a:pPr lvl="1"/>
+            <a:r>
+              <a:rPr lang="en-GB" sz="2800" dirty="0">
+                <a:solidFill>
+                  <a:srgbClr val="2196F3"/>
+                </a:solidFill>
+                <a:latin typeface="Segoe UI" panose="020B0502040204020203" pitchFamily="34" charset="0"/>
+                <a:cs typeface="Segoe UI" panose="020B0502040204020203" pitchFamily="34" charset="0"/>
+              </a:rPr>
+              <a:t>Live site: </a:t>
+            </a:r>
+            <a:r>
+              <a:rPr lang="en-GB" sz="2800" dirty="0">
+                <a:solidFill>
+                  <a:srgbClr val="2196F3"/>
+                </a:solidFill>
+                <a:latin typeface="Segoe UI" panose="020B0502040204020203" pitchFamily="34" charset="0"/>
+                <a:cs typeface="Segoe UI" panose="020B0502040204020203" pitchFamily="34" charset="0"/>
+                <a:hlinkClick r:id="rId5"/>
+              </a:rPr>
+              <a:t>https://49plus.co.uk/udemy/</a:t>
+            </a:r>
+            <a:endParaRPr lang="en-GB" sz="2800" dirty="0">
+              <a:solidFill>
+                <a:srgbClr val="2196F3"/>
+              </a:solidFill>
+              <a:latin typeface="Segoe UI" panose="020B0502040204020203" pitchFamily="34" charset="0"/>
+              <a:cs typeface="Segoe UI" panose="020B0502040204020203" pitchFamily="34" charset="0"/>
+            </a:endParaRPr>
+          </a:p>
+          <a:p>
+            <a:pPr lvl="1"/>
+            <a:r>
+              <a:rPr lang="en-GB" sz="2800" dirty="0">
+                <a:solidFill>
+                  <a:srgbClr val="2196F3"/>
+                </a:solidFill>
+                <a:latin typeface="Segoe UI" panose="020B0502040204020203" pitchFamily="34" charset="0"/>
+                <a:cs typeface="Segoe UI" panose="020B0502040204020203" pitchFamily="34" charset="0"/>
+                <a:hlinkClick r:id="rId5"/>
+              </a:rPr>
+              <a:t>https://49plus.co.uk/udemy/login</a:t>
+            </a:r>
+            <a:r>
+              <a:rPr lang="en-GB" sz="2800" dirty="0">
+                <a:solidFill>
+                  <a:srgbClr val="2196F3"/>
+                </a:solidFill>
+                <a:latin typeface="Segoe UI" panose="020B0502040204020203" pitchFamily="34" charset="0"/>
+                <a:cs typeface="Segoe UI" panose="020B0502040204020203" pitchFamily="34" charset="0"/>
+              </a:rPr>
+              <a:t>  </a:t>
+            </a:r>
+          </a:p>
+          <a:p>
+            <a:pPr lvl="1"/>
+            <a:r>
+              <a:rPr lang="en-GB" sz="2800" dirty="0">
+                <a:solidFill>
+                  <a:srgbClr val="2196F3"/>
+                </a:solidFill>
+                <a:latin typeface="Segoe UI" panose="020B0502040204020203" pitchFamily="34" charset="0"/>
+                <a:cs typeface="Segoe UI" panose="020B0502040204020203" pitchFamily="34" charset="0"/>
+              </a:rPr>
+              <a:t>user: </a:t>
+            </a:r>
+            <a:r>
+              <a:rPr lang="en-GB" sz="2800" b="1" dirty="0">
+                <a:solidFill>
+                  <a:srgbClr val="2196F3"/>
+                </a:solidFill>
+                <a:latin typeface="Segoe UI" panose="020B0502040204020203" pitchFamily="34" charset="0"/>
+                <a:cs typeface="Segoe UI" panose="020B0502040204020203" pitchFamily="34" charset="0"/>
+              </a:rPr>
+              <a:t>demo</a:t>
+            </a:r>
+            <a:r>
+              <a:rPr lang="en-GB" sz="2800" dirty="0">
+                <a:solidFill>
+                  <a:srgbClr val="2196F3"/>
+                </a:solidFill>
+                <a:latin typeface="Segoe UI" panose="020B0502040204020203" pitchFamily="34" charset="0"/>
+                <a:cs typeface="Segoe UI" panose="020B0502040204020203" pitchFamily="34" charset="0"/>
+              </a:rPr>
+              <a:t> </a:t>
+            </a:r>
+            <a:r>
+              <a:rPr lang="en-GB" sz="2800" dirty="0" err="1">
+                <a:solidFill>
+                  <a:srgbClr val="2196F3"/>
+                </a:solidFill>
+                <a:latin typeface="Segoe UI" panose="020B0502040204020203" pitchFamily="34" charset="0"/>
+                <a:cs typeface="Segoe UI" panose="020B0502040204020203" pitchFamily="34" charset="0"/>
+              </a:rPr>
+              <a:t>pwd</a:t>
+            </a:r>
+            <a:r>
+              <a:rPr lang="en-GB" sz="2800" dirty="0">
+                <a:solidFill>
+                  <a:srgbClr val="2196F3"/>
+                </a:solidFill>
+                <a:latin typeface="Segoe UI" panose="020B0502040204020203" pitchFamily="34" charset="0"/>
+                <a:cs typeface="Segoe UI" panose="020B0502040204020203" pitchFamily="34" charset="0"/>
+              </a:rPr>
+              <a:t>: </a:t>
+            </a:r>
+            <a:r>
+              <a:rPr lang="en-GB" sz="2800" b="1" dirty="0">
+                <a:solidFill>
+                  <a:srgbClr val="2196F3"/>
+                </a:solidFill>
+                <a:latin typeface="Segoe UI" panose="020B0502040204020203" pitchFamily="34" charset="0"/>
+                <a:cs typeface="Segoe UI" panose="020B0502040204020203" pitchFamily="34" charset="0"/>
+              </a:rPr>
+              <a:t>demo</a:t>
             </a:r>
           </a:p>
           <a:p>
@@ -4584,18 +7031,6 @@
               <a:buNone/>
             </a:pPr>
             <a:endParaRPr lang="en-GB" sz="6700" dirty="0">
-              <a:solidFill>
-                <a:srgbClr val="2196F3"/>
-              </a:solidFill>
-              <a:latin typeface="Segoe UI" panose="020B0502040204020203" pitchFamily="34" charset="0"/>
-              <a:cs typeface="Segoe UI" panose="020B0502040204020203" pitchFamily="34" charset="0"/>
-            </a:endParaRPr>
-          </a:p>
-          <a:p>
-            <a:pPr marL="457200" lvl="1" indent="0">
-              <a:buNone/>
-            </a:pPr>
-            <a:endParaRPr lang="en-GB" sz="6700" dirty="0">
               <a:latin typeface="Segoe UI" panose="020B0502040204020203" pitchFamily="34" charset="0"/>
               <a:cs typeface="Segoe UI" panose="020B0502040204020203" pitchFamily="34" charset="0"/>
             </a:endParaRPr>
@@ -4620,7 +7055,7 @@
     </p:spTree>
     <p:extLst>
       <p:ext uri="{BB962C8B-B14F-4D97-AF65-F5344CB8AC3E}">
-        <p14:creationId xmlns:p14="http://schemas.microsoft.com/office/powerpoint/2010/main" val="520367034"/>
+        <p14:creationId xmlns:p14="http://schemas.microsoft.com/office/powerpoint/2010/main" val="3130116363"/>
       </p:ext>
     </p:extLst>
   </p:cSld>
@@ -4647,12 +7082,84 @@
           <a:chExt cx="0" cy="0"/>
         </a:xfrm>
       </p:grpSpPr>
-      <p:sp>
-        <p:nvSpPr>
-          <p:cNvPr id="3" name="Content Placeholder 2">
-            <a:extLst>
-              <a:ext uri="{FF2B5EF4-FFF2-40B4-BE49-F238E27FC236}">
-                <a16:creationId xmlns:a16="http://schemas.microsoft.com/office/drawing/2014/main" id="{380A49C7-87C7-4B50-A695-2297B5304E7B}"/>
+      <p:pic>
+        <p:nvPicPr>
+          <p:cNvPr id="16" name="Picture 15" descr="A close up of a typewriter&#10;&#10;Description automatically generated">
+            <a:extLst>
+              <a:ext uri="{FF2B5EF4-FFF2-40B4-BE49-F238E27FC236}">
+                <a16:creationId xmlns:a16="http://schemas.microsoft.com/office/drawing/2014/main" id="{16FE7CA4-EC3F-42CD-BDD7-9DB299CE9A72}"/>
+              </a:ext>
+            </a:extLst>
+          </p:cNvPr>
+          <p:cNvPicPr>
+            <a:picLocks noChangeAspect="1"/>
+          </p:cNvPicPr>
+          <p:nvPr/>
+        </p:nvPicPr>
+        <p:blipFill>
+          <a:blip r:embed="rId2">
+            <a:extLst>
+              <a:ext uri="{28A0092B-C50C-407E-A947-70E740481C1C}">
+                <a14:useLocalDpi xmlns:a14="http://schemas.microsoft.com/office/drawing/2010/main" val="0"/>
+              </a:ext>
+            </a:extLst>
+          </a:blip>
+          <a:stretch>
+            <a:fillRect/>
+          </a:stretch>
+        </p:blipFill>
+        <p:spPr>
+          <a:xfrm>
+            <a:off x="713859" y="2405825"/>
+            <a:ext cx="2068860" cy="2762035"/>
+          </a:xfrm>
+          <a:prstGeom prst="rect">
+            <a:avLst/>
+          </a:prstGeom>
+        </p:spPr>
+      </p:pic>
+      <p:pic>
+        <p:nvPicPr>
+          <p:cNvPr id="19" name="Picture 18" descr="A picture containing wall, indoor, table, cup&#10;&#10;Description automatically generated">
+            <a:extLst>
+              <a:ext uri="{FF2B5EF4-FFF2-40B4-BE49-F238E27FC236}">
+                <a16:creationId xmlns:a16="http://schemas.microsoft.com/office/drawing/2014/main" id="{CC8D6E43-818C-421B-8A10-E6255328A2FA}"/>
+              </a:ext>
+            </a:extLst>
+          </p:cNvPr>
+          <p:cNvPicPr>
+            <a:picLocks noChangeAspect="1"/>
+          </p:cNvPicPr>
+          <p:nvPr/>
+        </p:nvPicPr>
+        <p:blipFill>
+          <a:blip r:embed="rId3">
+            <a:extLst>
+              <a:ext uri="{28A0092B-C50C-407E-A947-70E740481C1C}">
+                <a14:useLocalDpi xmlns:a14="http://schemas.microsoft.com/office/drawing/2010/main" val="0"/>
+              </a:ext>
+            </a:extLst>
+          </a:blip>
+          <a:stretch>
+            <a:fillRect/>
+          </a:stretch>
+        </p:blipFill>
+        <p:spPr>
+          <a:xfrm>
+            <a:off x="684617" y="4510160"/>
+            <a:ext cx="2647950" cy="1765554"/>
+          </a:xfrm>
+          <a:prstGeom prst="rect">
+            <a:avLst/>
+          </a:prstGeom>
+        </p:spPr>
+      </p:pic>
+      <p:sp>
+        <p:nvSpPr>
+          <p:cNvPr id="2" name="Title 1">
+            <a:extLst>
+              <a:ext uri="{FF2B5EF4-FFF2-40B4-BE49-F238E27FC236}">
+                <a16:creationId xmlns:a16="http://schemas.microsoft.com/office/drawing/2014/main" id="{CCF59C87-4A75-4C7A-B173-FA04E1A10E70}"/>
               </a:ext>
             </a:extLst>
           </p:cNvPr>
@@ -4660,193 +7167,676 @@
             <a:spLocks noGrp="1"/>
           </p:cNvSpPr>
           <p:nvPr>
-            <p:ph idx="1"/>
+            <p:ph type="ctrTitle"/>
           </p:nvPr>
         </p:nvSpPr>
         <p:spPr>
           <a:xfrm>
-            <a:off x="838200" y="1325563"/>
-            <a:ext cx="10515600" cy="4989511"/>
+            <a:off x="605637" y="1566983"/>
+            <a:ext cx="7681859" cy="1015663"/>
           </a:xfrm>
         </p:spPr>
         <p:txBody>
           <a:bodyPr>
-            <a:normAutofit/>
+            <a:normAutofit fontScale="90000"/>
           </a:bodyPr>
           <a:lstStyle/>
           <a:p>
-            <a:pPr marL="0" indent="0">
-              <a:buNone/>
-            </a:pPr>
-            <a:endParaRPr lang="en-GB" sz="3600" dirty="0">
-              <a:solidFill>
-                <a:srgbClr val="2196F3"/>
-              </a:solidFill>
-              <a:latin typeface="Segoe UI" panose="020B0502040204020203" pitchFamily="34" charset="0"/>
-              <a:cs typeface="Segoe UI" panose="020B0502040204020203" pitchFamily="34" charset="0"/>
-            </a:endParaRPr>
-          </a:p>
-          <a:p>
-            <a:pPr>
-              <a:lnSpc>
-                <a:spcPts val="4500"/>
-              </a:lnSpc>
-            </a:pPr>
-            <a:r>
-              <a:rPr lang="en-GB" sz="3600" dirty="0">
+            <a:r>
+              <a:rPr lang="en-GB" sz="4000" dirty="0"/>
+              <a:t>My start in computing at school in </a:t>
+            </a:r>
+            <a:r>
+              <a:rPr lang="en-GB" sz="4900" b="1" dirty="0">
+                <a:solidFill>
+                  <a:srgbClr val="FF0000"/>
+                </a:solidFill>
+              </a:rPr>
+              <a:t>1979</a:t>
+            </a:r>
+            <a:br>
+              <a:rPr lang="en-GB" sz="4000" dirty="0"/>
+            </a:br>
+            <a:r>
+              <a:rPr lang="en-GB" sz="4000" dirty="0"/>
+              <a:t>    </a:t>
+            </a:r>
+          </a:p>
+        </p:txBody>
+      </p:sp>
+      <p:sp>
+        <p:nvSpPr>
+          <p:cNvPr id="3" name="TextBox 2">
+            <a:extLst>
+              <a:ext uri="{FF2B5EF4-FFF2-40B4-BE49-F238E27FC236}">
+                <a16:creationId xmlns:a16="http://schemas.microsoft.com/office/drawing/2014/main" id="{3816F0FF-6206-4FDB-B50E-A5E0A8290985}"/>
+              </a:ext>
+            </a:extLst>
+          </p:cNvPr>
+          <p:cNvSpPr txBox="1"/>
+          <p:nvPr/>
+        </p:nvSpPr>
+        <p:spPr>
+          <a:xfrm>
+            <a:off x="3587484" y="4475055"/>
+            <a:ext cx="4530797" cy="1477328"/>
+          </a:xfrm>
+          <a:prstGeom prst="rect">
+            <a:avLst/>
+          </a:prstGeom>
+          <a:noFill/>
+        </p:spPr>
+        <p:txBody>
+          <a:bodyPr wrap="square" rtlCol="0">
+            <a:spAutoFit/>
+          </a:bodyPr>
+          <a:lstStyle/>
+          <a:p>
+            <a:r>
+              <a:rPr lang="en-GB" dirty="0"/>
+              <a:t>1980: At University, I studied Chemistry and used MS-DOS, client/server main frame systems.</a:t>
+            </a:r>
+          </a:p>
+          <a:p>
+            <a:endParaRPr lang="en-GB" dirty="0"/>
+          </a:p>
+          <a:p>
+            <a:r>
+              <a:rPr lang="en-GB" dirty="0"/>
+              <a:t>ZX-Spectrum computer and Jupiter Ace.</a:t>
+            </a:r>
+          </a:p>
+        </p:txBody>
+      </p:sp>
+      <p:pic>
+        <p:nvPicPr>
+          <p:cNvPr id="7" name="Picture 6" descr="A close up of a calculator&#10;&#10;Description automatically generated">
+            <a:extLst>
+              <a:ext uri="{FF2B5EF4-FFF2-40B4-BE49-F238E27FC236}">
+                <a16:creationId xmlns:a16="http://schemas.microsoft.com/office/drawing/2014/main" id="{95E6E97F-3325-49C1-8F22-358281B945EF}"/>
+              </a:ext>
+            </a:extLst>
+          </p:cNvPr>
+          <p:cNvPicPr>
+            <a:picLocks noChangeAspect="1"/>
+          </p:cNvPicPr>
+          <p:nvPr/>
+        </p:nvPicPr>
+        <p:blipFill>
+          <a:blip r:embed="rId4">
+            <a:extLst>
+              <a:ext uri="{28A0092B-C50C-407E-A947-70E740481C1C}">
+                <a14:useLocalDpi xmlns:a14="http://schemas.microsoft.com/office/drawing/2010/main" val="0"/>
+              </a:ext>
+            </a:extLst>
+          </a:blip>
+          <a:stretch>
+            <a:fillRect/>
+          </a:stretch>
+        </p:blipFill>
+        <p:spPr>
+          <a:xfrm>
+            <a:off x="5743558" y="2134895"/>
+            <a:ext cx="2578653" cy="2367793"/>
+          </a:xfrm>
+          <a:prstGeom prst="rect">
+            <a:avLst/>
+          </a:prstGeom>
+        </p:spPr>
+      </p:pic>
+      <p:sp>
+        <p:nvSpPr>
+          <p:cNvPr id="14" name="TextBox 13">
+            <a:extLst>
+              <a:ext uri="{FF2B5EF4-FFF2-40B4-BE49-F238E27FC236}">
+                <a16:creationId xmlns:a16="http://schemas.microsoft.com/office/drawing/2014/main" id="{E4464916-709F-4640-AE4A-E863DD40F8E5}"/>
+              </a:ext>
+            </a:extLst>
+          </p:cNvPr>
+          <p:cNvSpPr txBox="1"/>
+          <p:nvPr/>
+        </p:nvSpPr>
+        <p:spPr>
+          <a:xfrm>
+            <a:off x="6135038" y="6259874"/>
+            <a:ext cx="3103696" cy="261610"/>
+          </a:xfrm>
+          <a:prstGeom prst="rect">
+            <a:avLst/>
+          </a:prstGeom>
+          <a:noFill/>
+        </p:spPr>
+        <p:txBody>
+          <a:bodyPr wrap="square" rtlCol="0">
+            <a:spAutoFit/>
+          </a:bodyPr>
+          <a:lstStyle/>
+          <a:p>
+            <a:r>
+              <a:rPr lang="en-GB" sz="1100" dirty="0" err="1">
+                <a:solidFill>
+                  <a:srgbClr val="FF0000"/>
+                </a:solidFill>
+              </a:rPr>
+              <a:t>Source:Wikimedia</a:t>
+            </a:r>
+            <a:r>
+              <a:rPr lang="en-GB" sz="1100" dirty="0">
+                <a:solidFill>
+                  <a:srgbClr val="FF0000"/>
+                </a:solidFill>
+              </a:rPr>
+              <a:t> Commons </a:t>
+            </a:r>
+          </a:p>
+        </p:txBody>
+      </p:sp>
+      <p:sp>
+        <p:nvSpPr>
+          <p:cNvPr id="20" name="TextBox 19">
+            <a:extLst>
+              <a:ext uri="{FF2B5EF4-FFF2-40B4-BE49-F238E27FC236}">
+                <a16:creationId xmlns:a16="http://schemas.microsoft.com/office/drawing/2014/main" id="{26D382D3-C4B0-43B6-91E5-8A0DC150A00B}"/>
+              </a:ext>
+            </a:extLst>
+          </p:cNvPr>
+          <p:cNvSpPr txBox="1"/>
+          <p:nvPr/>
+        </p:nvSpPr>
+        <p:spPr>
+          <a:xfrm>
+            <a:off x="1042967" y="6253235"/>
+            <a:ext cx="3103696" cy="261610"/>
+          </a:xfrm>
+          <a:prstGeom prst="rect">
+            <a:avLst/>
+          </a:prstGeom>
+          <a:noFill/>
+        </p:spPr>
+        <p:txBody>
+          <a:bodyPr wrap="square" rtlCol="0">
+            <a:spAutoFit/>
+          </a:bodyPr>
+          <a:lstStyle/>
+          <a:p>
+            <a:r>
+              <a:rPr lang="en-GB" sz="1100" dirty="0" err="1"/>
+              <a:t>Source:Wikimedia</a:t>
+            </a:r>
+            <a:r>
+              <a:rPr lang="en-GB" sz="1100" dirty="0"/>
+              <a:t> Commons </a:t>
+            </a:r>
+          </a:p>
+        </p:txBody>
+      </p:sp>
+      <p:sp>
+        <p:nvSpPr>
+          <p:cNvPr id="24" name="TextBox 23">
+            <a:extLst>
+              <a:ext uri="{FF2B5EF4-FFF2-40B4-BE49-F238E27FC236}">
+                <a16:creationId xmlns:a16="http://schemas.microsoft.com/office/drawing/2014/main" id="{AA0A30FB-0945-4278-8753-6B9D55742D4E}"/>
+              </a:ext>
+            </a:extLst>
+          </p:cNvPr>
+          <p:cNvSpPr txBox="1"/>
+          <p:nvPr/>
+        </p:nvSpPr>
+        <p:spPr>
+          <a:xfrm>
+            <a:off x="870841" y="3419507"/>
+            <a:ext cx="1920953" cy="261610"/>
+          </a:xfrm>
+          <a:prstGeom prst="rect">
+            <a:avLst/>
+          </a:prstGeom>
+          <a:noFill/>
+        </p:spPr>
+        <p:txBody>
+          <a:bodyPr wrap="square" rtlCol="0">
+            <a:spAutoFit/>
+          </a:bodyPr>
+          <a:lstStyle/>
+          <a:p>
+            <a:r>
+              <a:rPr lang="en-GB" sz="1100" dirty="0" err="1">
+                <a:solidFill>
+                  <a:schemeClr val="bg1"/>
+                </a:solidFill>
+              </a:rPr>
+              <a:t>Source:Wikimedia</a:t>
+            </a:r>
+            <a:r>
+              <a:rPr lang="en-GB" sz="1100" dirty="0">
+                <a:solidFill>
+                  <a:schemeClr val="bg1"/>
+                </a:solidFill>
+              </a:rPr>
+              <a:t> Commons </a:t>
+            </a:r>
+          </a:p>
+        </p:txBody>
+      </p:sp>
+      <p:pic>
+        <p:nvPicPr>
+          <p:cNvPr id="27" name="Picture 26" descr="A close up of a machine&#10;&#10;Description automatically generated">
+            <a:extLst>
+              <a:ext uri="{FF2B5EF4-FFF2-40B4-BE49-F238E27FC236}">
+                <a16:creationId xmlns:a16="http://schemas.microsoft.com/office/drawing/2014/main" id="{94E45426-8ADB-4DBB-904D-303D2A86FF07}"/>
+              </a:ext>
+            </a:extLst>
+          </p:cNvPr>
+          <p:cNvPicPr>
+            <a:picLocks noChangeAspect="1"/>
+          </p:cNvPicPr>
+          <p:nvPr/>
+        </p:nvPicPr>
+        <p:blipFill>
+          <a:blip r:embed="rId5">
+            <a:extLst>
+              <a:ext uri="{28A0092B-C50C-407E-A947-70E740481C1C}">
+                <a14:useLocalDpi xmlns:a14="http://schemas.microsoft.com/office/drawing/2010/main" val="0"/>
+              </a:ext>
+            </a:extLst>
+          </a:blip>
+          <a:stretch>
+            <a:fillRect/>
+          </a:stretch>
+        </p:blipFill>
+        <p:spPr>
+          <a:xfrm>
+            <a:off x="2836975" y="2394842"/>
+            <a:ext cx="2619375" cy="1743075"/>
+          </a:xfrm>
+          <a:prstGeom prst="rect">
+            <a:avLst/>
+          </a:prstGeom>
+        </p:spPr>
+      </p:pic>
+      <p:sp>
+        <p:nvSpPr>
+          <p:cNvPr id="31" name="TextBox 30">
+            <a:extLst>
+              <a:ext uri="{FF2B5EF4-FFF2-40B4-BE49-F238E27FC236}">
+                <a16:creationId xmlns:a16="http://schemas.microsoft.com/office/drawing/2014/main" id="{D13CBD88-7C36-4649-BA85-472BBE038547}"/>
+              </a:ext>
+            </a:extLst>
+          </p:cNvPr>
+          <p:cNvSpPr txBox="1"/>
+          <p:nvPr/>
+        </p:nvSpPr>
+        <p:spPr>
+          <a:xfrm>
+            <a:off x="3097608" y="4168185"/>
+            <a:ext cx="3103696" cy="261610"/>
+          </a:xfrm>
+          <a:prstGeom prst="rect">
+            <a:avLst/>
+          </a:prstGeom>
+          <a:noFill/>
+        </p:spPr>
+        <p:txBody>
+          <a:bodyPr wrap="square" rtlCol="0">
+            <a:spAutoFit/>
+          </a:bodyPr>
+          <a:lstStyle/>
+          <a:p>
+            <a:r>
+              <a:rPr lang="en-GB" sz="1100" dirty="0" err="1"/>
+              <a:t>Source:Wikimedia</a:t>
+            </a:r>
+            <a:r>
+              <a:rPr lang="en-GB" sz="1100" dirty="0"/>
+              <a:t> Commons </a:t>
+            </a:r>
+          </a:p>
+        </p:txBody>
+      </p:sp>
+      <p:pic>
+        <p:nvPicPr>
+          <p:cNvPr id="1026" name="Picture 2" descr="Image result for brighton">
+            <a:extLst>
+              <a:ext uri="{FF2B5EF4-FFF2-40B4-BE49-F238E27FC236}">
+                <a16:creationId xmlns:a16="http://schemas.microsoft.com/office/drawing/2014/main" id="{FACF46E5-7177-4EC0-90B6-2287D648C70E}"/>
+              </a:ext>
+            </a:extLst>
+          </p:cNvPr>
+          <p:cNvPicPr>
+            <a:picLocks noChangeAspect="1" noChangeArrowheads="1"/>
+          </p:cNvPicPr>
+          <p:nvPr/>
+        </p:nvPicPr>
+        <p:blipFill>
+          <a:blip r:embed="rId6">
+            <a:extLst>
+              <a:ext uri="{28A0092B-C50C-407E-A947-70E740481C1C}">
+                <a14:useLocalDpi xmlns:a14="http://schemas.microsoft.com/office/drawing/2010/main" val="0"/>
+              </a:ext>
+            </a:extLst>
+          </a:blip>
+          <a:srcRect/>
+          <a:stretch>
+            <a:fillRect/>
+          </a:stretch>
+        </p:blipFill>
+        <p:spPr bwMode="auto">
+          <a:xfrm>
+            <a:off x="8287496" y="1532896"/>
+            <a:ext cx="3558135" cy="2367777"/>
+          </a:xfrm>
+          <a:prstGeom prst="rect">
+            <a:avLst/>
+          </a:prstGeom>
+          <a:noFill/>
+          <a:extLst>
+            <a:ext uri="{909E8E84-426E-40DD-AFC4-6F175D3DCCD1}">
+              <a14:hiddenFill xmlns:a14="http://schemas.microsoft.com/office/drawing/2010/main">
+                <a:solidFill>
+                  <a:srgbClr val="FFFFFF"/>
+                </a:solidFill>
+              </a14:hiddenFill>
+            </a:ext>
+          </a:extLst>
+        </p:spPr>
+      </p:pic>
+      <p:pic>
+        <p:nvPicPr>
+          <p:cNvPr id="1028" name="Picture 4" descr="Image result for brighton">
+            <a:extLst>
+              <a:ext uri="{FF2B5EF4-FFF2-40B4-BE49-F238E27FC236}">
+                <a16:creationId xmlns:a16="http://schemas.microsoft.com/office/drawing/2014/main" id="{2ED57363-BA70-4160-8F4B-231060713F6E}"/>
+              </a:ext>
+            </a:extLst>
+          </p:cNvPr>
+          <p:cNvPicPr>
+            <a:picLocks noChangeAspect="1" noChangeArrowheads="1"/>
+          </p:cNvPicPr>
+          <p:nvPr/>
+        </p:nvPicPr>
+        <p:blipFill>
+          <a:blip r:embed="rId7">
+            <a:extLst>
+              <a:ext uri="{28A0092B-C50C-407E-A947-70E740481C1C}">
+                <a14:useLocalDpi xmlns:a14="http://schemas.microsoft.com/office/drawing/2010/main" val="0"/>
+              </a:ext>
+            </a:extLst>
+          </a:blip>
+          <a:srcRect/>
+          <a:stretch>
+            <a:fillRect/>
+          </a:stretch>
+        </p:blipFill>
+        <p:spPr bwMode="auto">
+          <a:xfrm>
+            <a:off x="8320957" y="4122993"/>
+            <a:ext cx="3525929" cy="2367777"/>
+          </a:xfrm>
+          <a:prstGeom prst="rect">
+            <a:avLst/>
+          </a:prstGeom>
+          <a:noFill/>
+          <a:extLst>
+            <a:ext uri="{909E8E84-426E-40DD-AFC4-6F175D3DCCD1}">
+              <a14:hiddenFill xmlns:a14="http://schemas.microsoft.com/office/drawing/2010/main">
+                <a:solidFill>
+                  <a:srgbClr val="FFFFFF"/>
+                </a:solidFill>
+              </a14:hiddenFill>
+            </a:ext>
+          </a:extLst>
+        </p:spPr>
+      </p:pic>
+      <p:sp>
+        <p:nvSpPr>
+          <p:cNvPr id="4" name="Speech Bubble: Rectangle with Corners Rounded 3">
+            <a:extLst>
+              <a:ext uri="{FF2B5EF4-FFF2-40B4-BE49-F238E27FC236}">
+                <a16:creationId xmlns:a16="http://schemas.microsoft.com/office/drawing/2014/main" id="{2FD6A9AF-E098-4548-AC1C-F3DF2FDE9828}"/>
+              </a:ext>
+            </a:extLst>
+          </p:cNvPr>
+          <p:cNvSpPr/>
+          <p:nvPr/>
+        </p:nvSpPr>
+        <p:spPr>
+          <a:xfrm>
+            <a:off x="5837051" y="563040"/>
+            <a:ext cx="5944823" cy="718497"/>
+          </a:xfrm>
+          <a:prstGeom prst="wedgeRoundRectCallout">
+            <a:avLst/>
+          </a:prstGeom>
+        </p:spPr>
+        <p:style>
+          <a:lnRef idx="2">
+            <a:schemeClr val="accent1">
+              <a:shade val="50000"/>
+            </a:schemeClr>
+          </a:lnRef>
+          <a:fillRef idx="1">
+            <a:schemeClr val="accent1"/>
+          </a:fillRef>
+          <a:effectRef idx="0">
+            <a:schemeClr val="accent1"/>
+          </a:effectRef>
+          <a:fontRef idx="minor">
+            <a:schemeClr val="lt1"/>
+          </a:fontRef>
+        </p:style>
+        <p:txBody>
+          <a:bodyPr rtlCol="0" anchor="ctr"/>
+          <a:lstStyle/>
+          <a:p>
+            <a:pPr algn="ctr"/>
+            <a:r>
+              <a:rPr lang="en-GB" sz="3200" dirty="0"/>
+              <a:t>Where/what were you in 1979?</a:t>
+            </a:r>
+          </a:p>
+        </p:txBody>
+      </p:sp>
+      <p:sp>
+        <p:nvSpPr>
+          <p:cNvPr id="5" name="TextBox 4">
+            <a:extLst>
+              <a:ext uri="{FF2B5EF4-FFF2-40B4-BE49-F238E27FC236}">
+                <a16:creationId xmlns:a16="http://schemas.microsoft.com/office/drawing/2014/main" id="{B146C545-2A2F-48B4-9694-D05FBB2AB9B7}"/>
+              </a:ext>
+            </a:extLst>
+          </p:cNvPr>
+          <p:cNvSpPr txBox="1"/>
+          <p:nvPr/>
+        </p:nvSpPr>
+        <p:spPr>
+          <a:xfrm>
+            <a:off x="8529905" y="3196369"/>
+            <a:ext cx="2998850" cy="707886"/>
+          </a:xfrm>
+          <a:prstGeom prst="rect">
+            <a:avLst/>
+          </a:prstGeom>
+          <a:noFill/>
+        </p:spPr>
+        <p:txBody>
+          <a:bodyPr wrap="square" rtlCol="0">
+            <a:spAutoFit/>
+          </a:bodyPr>
+          <a:lstStyle/>
+          <a:p>
+            <a:r>
+              <a:rPr lang="en-GB" sz="4000" dirty="0">
+                <a:solidFill>
+                  <a:schemeClr val="bg1"/>
+                </a:solidFill>
+              </a:rPr>
+              <a:t>Brighton, UK</a:t>
+            </a:r>
+          </a:p>
+        </p:txBody>
+      </p:sp>
+      <p:sp>
+        <p:nvSpPr>
+          <p:cNvPr id="17" name="TextBox 16">
+            <a:extLst>
+              <a:ext uri="{FF2B5EF4-FFF2-40B4-BE49-F238E27FC236}">
+                <a16:creationId xmlns:a16="http://schemas.microsoft.com/office/drawing/2014/main" id="{8E99F2E8-7996-4F2E-83DD-1511AC1FFB48}"/>
+              </a:ext>
+            </a:extLst>
+          </p:cNvPr>
+          <p:cNvSpPr txBox="1"/>
+          <p:nvPr/>
+        </p:nvSpPr>
+        <p:spPr>
+          <a:xfrm>
+            <a:off x="8529905" y="5884479"/>
+            <a:ext cx="3251438" cy="523220"/>
+          </a:xfrm>
+          <a:prstGeom prst="rect">
+            <a:avLst/>
+          </a:prstGeom>
+          <a:noFill/>
+        </p:spPr>
+        <p:txBody>
+          <a:bodyPr wrap="square" rtlCol="0">
+            <a:spAutoFit/>
+          </a:bodyPr>
+          <a:lstStyle/>
+          <a:p>
+            <a:r>
+              <a:rPr lang="en-GB" sz="2800" dirty="0">
+                <a:solidFill>
+                  <a:schemeClr val="bg1"/>
+                </a:solidFill>
+              </a:rPr>
+              <a:t>The English Channel</a:t>
+            </a:r>
+          </a:p>
+        </p:txBody>
+      </p:sp>
+      <p:sp>
+        <p:nvSpPr>
+          <p:cNvPr id="6" name="TextBox 5">
+            <a:extLst>
+              <a:ext uri="{FF2B5EF4-FFF2-40B4-BE49-F238E27FC236}">
+                <a16:creationId xmlns:a16="http://schemas.microsoft.com/office/drawing/2014/main" id="{345D58C5-E16D-42B4-8240-1129ACD27D37}"/>
+              </a:ext>
+            </a:extLst>
+          </p:cNvPr>
+          <p:cNvSpPr txBox="1"/>
+          <p:nvPr/>
+        </p:nvSpPr>
+        <p:spPr>
+          <a:xfrm>
+            <a:off x="713859" y="584084"/>
+            <a:ext cx="5152434" cy="400110"/>
+          </a:xfrm>
+          <a:prstGeom prst="rect">
+            <a:avLst/>
+          </a:prstGeom>
+          <a:noFill/>
+        </p:spPr>
+        <p:txBody>
+          <a:bodyPr wrap="square" rtlCol="0">
+            <a:spAutoFit/>
+          </a:bodyPr>
+          <a:lstStyle/>
+          <a:p>
+            <a:r>
+              <a:rPr lang="en-GB" sz="2000" b="1" dirty="0">
                 <a:solidFill>
                   <a:srgbClr val="2196F3"/>
                 </a:solidFill>
                 <a:latin typeface="Segoe UI" panose="020B0502040204020203" pitchFamily="34" charset="0"/>
                 <a:cs typeface="Segoe UI" panose="020B0502040204020203" pitchFamily="34" charset="0"/>
               </a:rPr>
-              <a:t>To give an overview of all aspects of Web Components.</a:t>
-            </a:r>
-          </a:p>
-          <a:p>
-            <a:pPr>
-              <a:lnSpc>
-                <a:spcPts val="4500"/>
-              </a:lnSpc>
-            </a:pPr>
-            <a:r>
-              <a:rPr lang="en-GB" sz="3600" dirty="0">
-                <a:solidFill>
-                  <a:srgbClr val="2196F3"/>
-                </a:solidFill>
-                <a:latin typeface="Segoe UI" panose="020B0502040204020203" pitchFamily="34" charset="0"/>
-                <a:cs typeface="Segoe UI" panose="020B0502040204020203" pitchFamily="34" charset="0"/>
-              </a:rPr>
-              <a:t>Prepare you to use all the workshop resources after the workshop.</a:t>
-            </a:r>
-          </a:p>
-          <a:p>
-            <a:pPr>
-              <a:lnSpc>
-                <a:spcPts val="4500"/>
-              </a:lnSpc>
-            </a:pPr>
-            <a:r>
-              <a:rPr lang="en-GB" sz="3600" dirty="0">
-                <a:solidFill>
-                  <a:srgbClr val="2196F3"/>
-                </a:solidFill>
-                <a:latin typeface="Segoe UI" panose="020B0502040204020203" pitchFamily="34" charset="0"/>
-                <a:cs typeface="Segoe UI" panose="020B0502040204020203" pitchFamily="34" charset="0"/>
-              </a:rPr>
-              <a:t>Demonstrate with examples how to create highly functional Web Components.</a:t>
-            </a:r>
-            <a:endParaRPr lang="en-GB" sz="4700" dirty="0">
-              <a:solidFill>
-                <a:srgbClr val="2196F3"/>
-              </a:solidFill>
-              <a:latin typeface="Segoe UI" panose="020B0502040204020203" pitchFamily="34" charset="0"/>
-              <a:cs typeface="Segoe UI" panose="020B0502040204020203" pitchFamily="34" charset="0"/>
-            </a:endParaRPr>
-          </a:p>
-          <a:p>
-            <a:pPr marL="0" indent="0">
-              <a:buNone/>
-            </a:pPr>
-            <a:endParaRPr lang="en-GB" sz="3600" i="1" dirty="0">
-              <a:solidFill>
-                <a:srgbClr val="2196F3"/>
-              </a:solidFill>
-              <a:latin typeface="Segoe UI" panose="020B0502040204020203" pitchFamily="34" charset="0"/>
-              <a:cs typeface="Segoe UI" panose="020B0502040204020203" pitchFamily="34" charset="0"/>
-            </a:endParaRPr>
-          </a:p>
-          <a:p>
-            <a:pPr marL="0" indent="0">
-              <a:buNone/>
-            </a:pPr>
-            <a:endParaRPr lang="en-GB" sz="1400" dirty="0">
-              <a:solidFill>
-                <a:srgbClr val="2196F3"/>
-              </a:solidFill>
-              <a:latin typeface="Segoe UI" panose="020B0502040204020203" pitchFamily="34" charset="0"/>
-              <a:cs typeface="Segoe UI" panose="020B0502040204020203" pitchFamily="34" charset="0"/>
-            </a:endParaRPr>
-          </a:p>
-          <a:p>
-            <a:pPr marL="0" indent="0">
-              <a:buNone/>
-            </a:pPr>
-            <a:endParaRPr lang="en-GB" i="1" dirty="0">
-              <a:solidFill>
-                <a:srgbClr val="2196F3"/>
-              </a:solidFill>
-              <a:latin typeface="Segoe UI" panose="020B0502040204020203" pitchFamily="34" charset="0"/>
-              <a:cs typeface="Segoe UI" panose="020B0502040204020203" pitchFamily="34" charset="0"/>
-            </a:endParaRPr>
-          </a:p>
-          <a:p>
-            <a:endParaRPr lang="en-GB" dirty="0">
-              <a:latin typeface="Segoe UI" panose="020B0502040204020203" pitchFamily="34" charset="0"/>
-              <a:cs typeface="Segoe UI" panose="020B0502040204020203" pitchFamily="34" charset="0"/>
-            </a:endParaRPr>
-          </a:p>
-          <a:p>
-            <a:endParaRPr lang="en-GB" dirty="0">
-              <a:latin typeface="Segoe UI" panose="020B0502040204020203" pitchFamily="34" charset="0"/>
-              <a:cs typeface="Segoe UI" panose="020B0502040204020203" pitchFamily="34" charset="0"/>
-            </a:endParaRPr>
-          </a:p>
-          <a:p>
-            <a:endParaRPr lang="en-GB" dirty="0">
-              <a:latin typeface="Segoe UI" panose="020B0502040204020203" pitchFamily="34" charset="0"/>
-              <a:cs typeface="Segoe UI" panose="020B0502040204020203" pitchFamily="34" charset="0"/>
-            </a:endParaRPr>
-          </a:p>
-          <a:p>
-            <a:endParaRPr lang="en-GB" dirty="0">
-              <a:latin typeface="Segoe UI" panose="020B0502040204020203" pitchFamily="34" charset="0"/>
-              <a:cs typeface="Segoe UI" panose="020B0502040204020203" pitchFamily="34" charset="0"/>
-            </a:endParaRPr>
-          </a:p>
-        </p:txBody>
-      </p:sp>
-      <p:sp>
-        <p:nvSpPr>
-          <p:cNvPr id="6" name="Title 1">
-            <a:extLst>
-              <a:ext uri="{FF2B5EF4-FFF2-40B4-BE49-F238E27FC236}">
-                <a16:creationId xmlns:a16="http://schemas.microsoft.com/office/drawing/2014/main" id="{A9FE3B7A-AB00-444C-B7E7-EA48B7D72F9E}"/>
-              </a:ext>
-            </a:extLst>
-          </p:cNvPr>
-          <p:cNvSpPr>
-            <a:spLocks noGrp="1"/>
-          </p:cNvSpPr>
-          <p:nvPr>
-            <p:ph type="title"/>
-          </p:nvPr>
+              <a:t>58 in human years – 243 in tech years</a:t>
+            </a:r>
+          </a:p>
+        </p:txBody>
+      </p:sp>
+      <p:cxnSp>
+        <p:nvCxnSpPr>
+          <p:cNvPr id="9" name="Straight Arrow Connector 8">
+            <a:extLst>
+              <a:ext uri="{FF2B5EF4-FFF2-40B4-BE49-F238E27FC236}">
+                <a16:creationId xmlns:a16="http://schemas.microsoft.com/office/drawing/2014/main" id="{CF93C976-3C1F-4C74-9D39-90DABBE18BB7}"/>
+              </a:ext>
+            </a:extLst>
+          </p:cNvPr>
+          <p:cNvCxnSpPr>
+            <a:cxnSpLocks/>
+          </p:cNvCxnSpPr>
+          <p:nvPr/>
+        </p:nvCxnSpPr>
+        <p:spPr>
+          <a:xfrm flipH="1" flipV="1">
+            <a:off x="8672218" y="4142117"/>
+            <a:ext cx="682807" cy="748283"/>
+          </a:xfrm>
+          <a:prstGeom prst="straightConnector1">
+            <a:avLst/>
+          </a:prstGeom>
+          <a:ln w="50800">
+            <a:solidFill>
+              <a:schemeClr val="bg1"/>
+            </a:solidFill>
+            <a:tailEnd type="triangle"/>
+          </a:ln>
+        </p:spPr>
+        <p:style>
+          <a:lnRef idx="3">
+            <a:schemeClr val="accent1"/>
+          </a:lnRef>
+          <a:fillRef idx="0">
+            <a:schemeClr val="accent1"/>
+          </a:fillRef>
+          <a:effectRef idx="2">
+            <a:schemeClr val="accent1"/>
+          </a:effectRef>
+          <a:fontRef idx="minor">
+            <a:schemeClr val="tx1"/>
+          </a:fontRef>
+        </p:style>
+      </p:cxnSp>
+      <p:sp>
+        <p:nvSpPr>
+          <p:cNvPr id="10" name="TextBox 9">
+            <a:extLst>
+              <a:ext uri="{FF2B5EF4-FFF2-40B4-BE49-F238E27FC236}">
+                <a16:creationId xmlns:a16="http://schemas.microsoft.com/office/drawing/2014/main" id="{C6D2AB8D-F566-4A3A-ABB8-05B92FD0E743}"/>
+              </a:ext>
+            </a:extLst>
+          </p:cNvPr>
+          <p:cNvSpPr txBox="1"/>
+          <p:nvPr/>
         </p:nvSpPr>
         <p:spPr>
           <a:xfrm>
-            <a:off x="838200" y="0"/>
-            <a:ext cx="10515600" cy="1325563"/>
-          </a:xfrm>
-          <a:solidFill>
-            <a:srgbClr val="2196F3"/>
-          </a:solidFill>
-        </p:spPr>
-        <p:txBody>
-          <a:bodyPr>
-            <a:normAutofit/>
+            <a:off x="8066040" y="5058423"/>
+            <a:ext cx="1845578" cy="369332"/>
+          </a:xfrm>
+          <a:prstGeom prst="rect">
+            <a:avLst/>
+          </a:prstGeom>
+          <a:noFill/>
+        </p:spPr>
+        <p:txBody>
+          <a:bodyPr wrap="square" rtlCol="0">
+            <a:spAutoFit/>
           </a:bodyPr>
           <a:lstStyle/>
           <a:p>
             <a:pPr algn="ctr"/>
             <a:r>
-              <a:rPr lang="en-GB" sz="6600" dirty="0">
+              <a:rPr lang="en-GB" dirty="0">
                 <a:solidFill>
                   <a:schemeClr val="bg1"/>
                 </a:solidFill>
-                <a:latin typeface="Segoe UI" panose="020B0502040204020203" pitchFamily="34" charset="0"/>
-                <a:cs typeface="Segoe UI" panose="020B0502040204020203" pitchFamily="34" charset="0"/>
-              </a:rPr>
-              <a:t>Purpose of workshop</a:t>
+                <a:highlight>
+                  <a:srgbClr val="0000FF"/>
+                </a:highlight>
+              </a:rPr>
+              <a:t>15 min walk</a:t>
             </a:r>
           </a:p>
         </p:txBody>
@@ -4854,7 +7844,7 @@
     </p:spTree>
     <p:extLst>
       <p:ext uri="{BB962C8B-B14F-4D97-AF65-F5344CB8AC3E}">
-        <p14:creationId xmlns:p14="http://schemas.microsoft.com/office/powerpoint/2010/main" val="653117765"/>
+        <p14:creationId xmlns:p14="http://schemas.microsoft.com/office/powerpoint/2010/main" val="2449607764"/>
       </p:ext>
     </p:extLst>
   </p:cSld>
@@ -4881,84 +7871,12 @@
           <a:chExt cx="0" cy="0"/>
         </a:xfrm>
       </p:grpSpPr>
-      <p:pic>
-        <p:nvPicPr>
-          <p:cNvPr id="16" name="Picture 15" descr="A close up of a typewriter&#10;&#10;Description automatically generated">
-            <a:extLst>
-              <a:ext uri="{FF2B5EF4-FFF2-40B4-BE49-F238E27FC236}">
-                <a16:creationId xmlns:a16="http://schemas.microsoft.com/office/drawing/2014/main" id="{16FE7CA4-EC3F-42CD-BDD7-9DB299CE9A72}"/>
-              </a:ext>
-            </a:extLst>
-          </p:cNvPr>
-          <p:cNvPicPr>
-            <a:picLocks noChangeAspect="1"/>
-          </p:cNvPicPr>
-          <p:nvPr/>
-        </p:nvPicPr>
-        <p:blipFill>
-          <a:blip r:embed="rId2">
-            <a:extLst>
-              <a:ext uri="{28A0092B-C50C-407E-A947-70E740481C1C}">
-                <a14:useLocalDpi xmlns:a14="http://schemas.microsoft.com/office/drawing/2010/main" val="0"/>
-              </a:ext>
-            </a:extLst>
-          </a:blip>
-          <a:stretch>
-            <a:fillRect/>
-          </a:stretch>
-        </p:blipFill>
-        <p:spPr>
-          <a:xfrm>
-            <a:off x="713859" y="2405825"/>
-            <a:ext cx="2068860" cy="2762035"/>
-          </a:xfrm>
-          <a:prstGeom prst="rect">
-            <a:avLst/>
-          </a:prstGeom>
-        </p:spPr>
-      </p:pic>
-      <p:pic>
-        <p:nvPicPr>
-          <p:cNvPr id="19" name="Picture 18" descr="A picture containing wall, indoor, table, cup&#10;&#10;Description automatically generated">
-            <a:extLst>
-              <a:ext uri="{FF2B5EF4-FFF2-40B4-BE49-F238E27FC236}">
-                <a16:creationId xmlns:a16="http://schemas.microsoft.com/office/drawing/2014/main" id="{CC8D6E43-818C-421B-8A10-E6255328A2FA}"/>
-              </a:ext>
-            </a:extLst>
-          </p:cNvPr>
-          <p:cNvPicPr>
-            <a:picLocks noChangeAspect="1"/>
-          </p:cNvPicPr>
-          <p:nvPr/>
-        </p:nvPicPr>
-        <p:blipFill>
-          <a:blip r:embed="rId3">
-            <a:extLst>
-              <a:ext uri="{28A0092B-C50C-407E-A947-70E740481C1C}">
-                <a14:useLocalDpi xmlns:a14="http://schemas.microsoft.com/office/drawing/2010/main" val="0"/>
-              </a:ext>
-            </a:extLst>
-          </a:blip>
-          <a:stretch>
-            <a:fillRect/>
-          </a:stretch>
-        </p:blipFill>
-        <p:spPr>
-          <a:xfrm>
-            <a:off x="684617" y="4510160"/>
-            <a:ext cx="2647950" cy="1765554"/>
-          </a:xfrm>
-          <a:prstGeom prst="rect">
-            <a:avLst/>
-          </a:prstGeom>
-        </p:spPr>
-      </p:pic>
-      <p:sp>
-        <p:nvSpPr>
-          <p:cNvPr id="2" name="Title 1">
-            <a:extLst>
-              <a:ext uri="{FF2B5EF4-FFF2-40B4-BE49-F238E27FC236}">
-                <a16:creationId xmlns:a16="http://schemas.microsoft.com/office/drawing/2014/main" id="{CCF59C87-4A75-4C7A-B173-FA04E1A10E70}"/>
+      <p:sp>
+        <p:nvSpPr>
+          <p:cNvPr id="4" name="Content Placeholder 2">
+            <a:extLst>
+              <a:ext uri="{FF2B5EF4-FFF2-40B4-BE49-F238E27FC236}">
+                <a16:creationId xmlns:a16="http://schemas.microsoft.com/office/drawing/2014/main" id="{088CCB65-11B4-408B-9ED3-1304FE85032F}"/>
               </a:ext>
             </a:extLst>
           </p:cNvPr>
@@ -4966,40 +7884,259 @@
             <a:spLocks noGrp="1"/>
           </p:cNvSpPr>
           <p:nvPr>
-            <p:ph type="ctrTitle"/>
+            <p:ph idx="1"/>
           </p:nvPr>
         </p:nvSpPr>
         <p:spPr>
           <a:xfrm>
-            <a:off x="605637" y="1566983"/>
-            <a:ext cx="7681859" cy="1015663"/>
-          </a:xfrm>
-        </p:spPr>
-        <p:txBody>
-          <a:bodyPr>
-            <a:normAutofit fontScale="90000"/>
+            <a:off x="838198" y="801678"/>
+            <a:ext cx="10515600" cy="5718392"/>
+          </a:xfrm>
+        </p:spPr>
+        <p:txBody>
+          <a:bodyPr wrap="square" bIns="252000">
+            <a:normAutofit fontScale="25000" lnSpcReduction="20000"/>
           </a:bodyPr>
           <a:lstStyle/>
           <a:p>
-            <a:r>
-              <a:rPr lang="en-GB" sz="4000" dirty="0"/>
-              <a:t>My start in computing at school in </a:t>
-            </a:r>
-            <a:r>
-              <a:rPr lang="en-GB" sz="4900" b="1" dirty="0">
-                <a:solidFill>
-                  <a:srgbClr val="FF0000"/>
-                </a:solidFill>
-              </a:rPr>
-              <a:t>1979</a:t>
-            </a:r>
-            <a:br>
-              <a:rPr lang="en-GB" sz="4000" dirty="0"/>
-            </a:br>
-            <a:r>
-              <a:rPr lang="en-GB" sz="4000" dirty="0"/>
-              <a:t>    </a:t>
-            </a:r>
+            <a:pPr marL="457200" lvl="1" indent="0">
+              <a:buNone/>
+            </a:pPr>
+            <a:endParaRPr lang="en-GB" sz="1000" dirty="0">
+              <a:solidFill>
+                <a:srgbClr val="2196F3"/>
+              </a:solidFill>
+              <a:latin typeface="Segoe UI" panose="020B0502040204020203" pitchFamily="34" charset="0"/>
+              <a:cs typeface="Segoe UI" panose="020B0502040204020203" pitchFamily="34" charset="0"/>
+            </a:endParaRPr>
+          </a:p>
+          <a:p>
+            <a:pPr marL="457200" lvl="1" indent="0">
+              <a:buNone/>
+            </a:pPr>
+            <a:endParaRPr lang="en-GB" sz="1050" dirty="0">
+              <a:solidFill>
+                <a:srgbClr val="2196F3"/>
+              </a:solidFill>
+              <a:latin typeface="Segoe UI" panose="020B0502040204020203" pitchFamily="34" charset="0"/>
+              <a:cs typeface="Segoe UI" panose="020B0502040204020203" pitchFamily="34" charset="0"/>
+            </a:endParaRPr>
+          </a:p>
+          <a:p>
+            <a:pPr lvl="1">
+              <a:lnSpc>
+                <a:spcPts val="4200"/>
+              </a:lnSpc>
+            </a:pPr>
+            <a:r>
+              <a:rPr lang="en-GB" sz="11200" dirty="0">
+                <a:solidFill>
+                  <a:srgbClr val="2196F3"/>
+                </a:solidFill>
+                <a:latin typeface="Segoe UI" panose="020B0502040204020203" pitchFamily="34" charset="0"/>
+                <a:cs typeface="Segoe UI" panose="020B0502040204020203" pitchFamily="34" charset="0"/>
+              </a:rPr>
+              <a:t>Microsoft Certified Systems Engineer (2000-2003)</a:t>
+            </a:r>
+          </a:p>
+          <a:p>
+            <a:pPr lvl="1">
+              <a:lnSpc>
+                <a:spcPts val="4200"/>
+              </a:lnSpc>
+            </a:pPr>
+            <a:r>
+              <a:rPr lang="en-GB" sz="11200" dirty="0">
+                <a:solidFill>
+                  <a:srgbClr val="2196F3"/>
+                </a:solidFill>
+                <a:latin typeface="Segoe UI" panose="020B0502040204020203" pitchFamily="34" charset="0"/>
+                <a:cs typeface="Segoe UI" panose="020B0502040204020203" pitchFamily="34" charset="0"/>
+              </a:rPr>
+              <a:t>Microsoft Certified Database Administrator (SQL2000)</a:t>
+            </a:r>
+          </a:p>
+          <a:p>
+            <a:pPr lvl="1">
+              <a:lnSpc>
+                <a:spcPts val="4200"/>
+              </a:lnSpc>
+            </a:pPr>
+            <a:r>
+              <a:rPr lang="en-GB" sz="11200" dirty="0">
+                <a:solidFill>
+                  <a:srgbClr val="2196F3"/>
+                </a:solidFill>
+                <a:latin typeface="Segoe UI" panose="020B0502040204020203" pitchFamily="34" charset="0"/>
+                <a:cs typeface="Segoe UI" panose="020B0502040204020203" pitchFamily="34" charset="0"/>
+              </a:rPr>
+              <a:t>Business Information Architect at a UK Recycling Company</a:t>
+            </a:r>
+          </a:p>
+          <a:p>
+            <a:pPr lvl="1">
+              <a:lnSpc>
+                <a:spcPts val="4200"/>
+              </a:lnSpc>
+            </a:pPr>
+            <a:r>
+              <a:rPr lang="en-GB" sz="11200" dirty="0">
+                <a:solidFill>
+                  <a:srgbClr val="2196F3"/>
+                </a:solidFill>
+                <a:latin typeface="Segoe UI" panose="020B0502040204020203" pitchFamily="34" charset="0"/>
+                <a:cs typeface="Segoe UI" panose="020B0502040204020203" pitchFamily="34" charset="0"/>
+              </a:rPr>
+              <a:t>WordPress 2017</a:t>
+            </a:r>
+          </a:p>
+          <a:p>
+            <a:pPr lvl="1">
+              <a:lnSpc>
+                <a:spcPts val="4200"/>
+              </a:lnSpc>
+            </a:pPr>
+            <a:r>
+              <a:rPr lang="en-GB" sz="11200" b="1" dirty="0">
+                <a:solidFill>
+                  <a:srgbClr val="00B050"/>
+                </a:solidFill>
+                <a:latin typeface="Segoe UI" panose="020B0502040204020203" pitchFamily="34" charset="0"/>
+                <a:cs typeface="Segoe UI" panose="020B0502040204020203" pitchFamily="34" charset="0"/>
+              </a:rPr>
+              <a:t>Currently</a:t>
+            </a:r>
+            <a:r>
+              <a:rPr lang="en-GB" sz="11200" dirty="0">
+                <a:solidFill>
+                  <a:srgbClr val="2196F3"/>
+                </a:solidFill>
+                <a:latin typeface="Segoe UI" panose="020B0502040204020203" pitchFamily="34" charset="0"/>
+                <a:cs typeface="Segoe UI" panose="020B0502040204020203" pitchFamily="34" charset="0"/>
+              </a:rPr>
+              <a:t> PWAs(offline/instant websites), Web Components, WordPress-HTML and Mobile Web Optimisation.</a:t>
+            </a:r>
+          </a:p>
+          <a:p>
+            <a:pPr lvl="1">
+              <a:lnSpc>
+                <a:spcPts val="4200"/>
+              </a:lnSpc>
+            </a:pPr>
+            <a:r>
+              <a:rPr lang="en-GB" sz="11200" dirty="0">
+                <a:solidFill>
+                  <a:srgbClr val="2196F3"/>
+                </a:solidFill>
+                <a:latin typeface="Segoe UI" panose="020B0502040204020203" pitchFamily="34" charset="0"/>
+                <a:cs typeface="Segoe UI" panose="020B0502040204020203" pitchFamily="34" charset="0"/>
+              </a:rPr>
+              <a:t>1-3 hour training seminars for companies and groups.</a:t>
+            </a:r>
+          </a:p>
+          <a:p>
+            <a:pPr lvl="1">
+              <a:lnSpc>
+                <a:spcPts val="4200"/>
+              </a:lnSpc>
+            </a:pPr>
+            <a:r>
+              <a:rPr lang="en-GB" sz="16000" dirty="0">
+                <a:solidFill>
+                  <a:srgbClr val="00B050"/>
+                </a:solidFill>
+                <a:latin typeface="Segoe UI" panose="020B0502040204020203" pitchFamily="34" charset="0"/>
+                <a:cs typeface="Segoe UI" panose="020B0502040204020203" pitchFamily="34" charset="0"/>
+              </a:rPr>
+              <a:t>Still just as ‘student’! Still overwhelmed! </a:t>
+            </a:r>
+          </a:p>
+          <a:p>
+            <a:pPr lvl="1">
+              <a:lnSpc>
+                <a:spcPts val="4200"/>
+              </a:lnSpc>
+            </a:pPr>
+            <a:r>
+              <a:rPr lang="en-GB" sz="16000" dirty="0" err="1">
+                <a:solidFill>
+                  <a:srgbClr val="00B050"/>
+                </a:solidFill>
+                <a:latin typeface="Segoe UI" panose="020B0502040204020203" pitchFamily="34" charset="0"/>
+                <a:cs typeface="Segoe UI" panose="020B0502040204020203" pitchFamily="34" charset="0"/>
+              </a:rPr>
+              <a:t>Volounteer</a:t>
+            </a:r>
+            <a:r>
+              <a:rPr lang="en-GB" sz="16000" dirty="0">
+                <a:solidFill>
+                  <a:srgbClr val="00B050"/>
+                </a:solidFill>
+                <a:latin typeface="Segoe UI" panose="020B0502040204020203" pitchFamily="34" charset="0"/>
+                <a:cs typeface="Segoe UI" panose="020B0502040204020203" pitchFamily="34" charset="0"/>
+              </a:rPr>
+              <a:t> Coach at Codebar.io (Brighton)</a:t>
+            </a:r>
+          </a:p>
+          <a:p>
+            <a:pPr marL="457200" lvl="1" indent="0">
+              <a:buNone/>
+            </a:pPr>
+            <a:endParaRPr lang="en-GB" sz="6700" dirty="0">
+              <a:solidFill>
+                <a:srgbClr val="2196F3"/>
+              </a:solidFill>
+              <a:latin typeface="Segoe UI" panose="020B0502040204020203" pitchFamily="34" charset="0"/>
+              <a:cs typeface="Segoe UI" panose="020B0502040204020203" pitchFamily="34" charset="0"/>
+            </a:endParaRPr>
+          </a:p>
+          <a:p>
+            <a:pPr marL="457200" lvl="1" indent="0">
+              <a:buNone/>
+            </a:pPr>
+            <a:endParaRPr lang="en-GB" sz="6700" dirty="0">
+              <a:solidFill>
+                <a:srgbClr val="2196F3"/>
+              </a:solidFill>
+              <a:latin typeface="Segoe UI" panose="020B0502040204020203" pitchFamily="34" charset="0"/>
+              <a:cs typeface="Segoe UI" panose="020B0502040204020203" pitchFamily="34" charset="0"/>
+            </a:endParaRPr>
+          </a:p>
+          <a:p>
+            <a:pPr marL="457200" lvl="1" indent="0">
+              <a:buNone/>
+            </a:pPr>
+            <a:endParaRPr lang="en-GB" sz="6700" dirty="0">
+              <a:solidFill>
+                <a:srgbClr val="2196F3"/>
+              </a:solidFill>
+              <a:latin typeface="Segoe UI" panose="020B0502040204020203" pitchFamily="34" charset="0"/>
+              <a:cs typeface="Segoe UI" panose="020B0502040204020203" pitchFamily="34" charset="0"/>
+            </a:endParaRPr>
+          </a:p>
+          <a:p>
+            <a:pPr marL="457200" lvl="1" indent="0">
+              <a:buNone/>
+            </a:pPr>
+            <a:endParaRPr lang="en-GB" sz="6700" dirty="0">
+              <a:latin typeface="Segoe UI" panose="020B0502040204020203" pitchFamily="34" charset="0"/>
+              <a:cs typeface="Segoe UI" panose="020B0502040204020203" pitchFamily="34" charset="0"/>
+            </a:endParaRPr>
+          </a:p>
+          <a:p>
+            <a:pPr marL="0" indent="0">
+              <a:buNone/>
+            </a:pPr>
+            <a:endParaRPr lang="en-GB" dirty="0">
+              <a:latin typeface="Segoe UI" panose="020B0502040204020203" pitchFamily="34" charset="0"/>
+              <a:cs typeface="Segoe UI" panose="020B0502040204020203" pitchFamily="34" charset="0"/>
+            </a:endParaRPr>
+          </a:p>
+          <a:p>
+            <a:endParaRPr lang="en-GB" dirty="0">
+              <a:latin typeface="Segoe UI" panose="020B0502040204020203" pitchFamily="34" charset="0"/>
+              <a:cs typeface="Segoe UI" panose="020B0502040204020203" pitchFamily="34" charset="0"/>
+            </a:endParaRPr>
           </a:p>
         </p:txBody>
       </p:sp>
@@ -5008,7 +8145,7 @@
           <p:cNvPr id="3" name="TextBox 2">
             <a:extLst>
               <a:ext uri="{FF2B5EF4-FFF2-40B4-BE49-F238E27FC236}">
-                <a16:creationId xmlns:a16="http://schemas.microsoft.com/office/drawing/2014/main" id="{3816F0FF-6206-4FDB-B50E-A5E0A8290985}"/>
+                <a16:creationId xmlns:a16="http://schemas.microsoft.com/office/drawing/2014/main" id="{D373F874-33F7-4988-AE13-A7A123EFA342}"/>
               </a:ext>
             </a:extLst>
           </p:cNvPr>
@@ -5017,8 +8154,8 @@
         </p:nvSpPr>
         <p:spPr>
           <a:xfrm>
-            <a:off x="6272703" y="4475056"/>
-            <a:ext cx="1845578" cy="369332"/>
+            <a:off x="2641307" y="155347"/>
+            <a:ext cx="6909383" cy="646331"/>
           </a:xfrm>
           <a:prstGeom prst="rect">
             <a:avLst/>
@@ -5032,601 +8169,14 @@
           <a:lstStyle/>
           <a:p>
             <a:r>
-              <a:rPr lang="en-GB" dirty="0"/>
-              <a:t>At University</a:t>
-            </a:r>
-          </a:p>
-        </p:txBody>
-      </p:sp>
-      <p:pic>
-        <p:nvPicPr>
-          <p:cNvPr id="7" name="Picture 6" descr="A close up of a calculator&#10;&#10;Description automatically generated">
-            <a:extLst>
-              <a:ext uri="{FF2B5EF4-FFF2-40B4-BE49-F238E27FC236}">
-                <a16:creationId xmlns:a16="http://schemas.microsoft.com/office/drawing/2014/main" id="{95E6E97F-3325-49C1-8F22-358281B945EF}"/>
-              </a:ext>
-            </a:extLst>
-          </p:cNvPr>
-          <p:cNvPicPr>
-            <a:picLocks noChangeAspect="1"/>
-          </p:cNvPicPr>
-          <p:nvPr/>
-        </p:nvPicPr>
-        <p:blipFill>
-          <a:blip r:embed="rId4">
-            <a:extLst>
-              <a:ext uri="{28A0092B-C50C-407E-A947-70E740481C1C}">
-                <a14:useLocalDpi xmlns:a14="http://schemas.microsoft.com/office/drawing/2010/main" val="0"/>
-              </a:ext>
-            </a:extLst>
-          </a:blip>
-          <a:stretch>
-            <a:fillRect/>
-          </a:stretch>
-        </p:blipFill>
-        <p:spPr>
-          <a:xfrm>
-            <a:off x="5743558" y="2134895"/>
-            <a:ext cx="2578653" cy="2367793"/>
-          </a:xfrm>
-          <a:prstGeom prst="rect">
-            <a:avLst/>
-          </a:prstGeom>
-        </p:spPr>
-      </p:pic>
-      <p:sp>
-        <p:nvSpPr>
-          <p:cNvPr id="14" name="TextBox 13">
-            <a:extLst>
-              <a:ext uri="{FF2B5EF4-FFF2-40B4-BE49-F238E27FC236}">
-                <a16:creationId xmlns:a16="http://schemas.microsoft.com/office/drawing/2014/main" id="{E4464916-709F-4640-AE4A-E863DD40F8E5}"/>
-              </a:ext>
-            </a:extLst>
-          </p:cNvPr>
-          <p:cNvSpPr txBox="1"/>
-          <p:nvPr/>
-        </p:nvSpPr>
-        <p:spPr>
-          <a:xfrm>
-            <a:off x="6135038" y="6259874"/>
-            <a:ext cx="3103696" cy="261610"/>
-          </a:xfrm>
-          <a:prstGeom prst="rect">
-            <a:avLst/>
-          </a:prstGeom>
-          <a:noFill/>
-        </p:spPr>
-        <p:txBody>
-          <a:bodyPr wrap="square" rtlCol="0">
-            <a:spAutoFit/>
-          </a:bodyPr>
-          <a:lstStyle/>
-          <a:p>
-            <a:r>
-              <a:rPr lang="en-GB" sz="1100" dirty="0" err="1">
-                <a:solidFill>
-                  <a:srgbClr val="FF0000"/>
-                </a:solidFill>
-              </a:rPr>
-              <a:t>Source:Wikimedia</a:t>
-            </a:r>
-            <a:r>
-              <a:rPr lang="en-GB" sz="1100" dirty="0">
-                <a:solidFill>
-                  <a:srgbClr val="FF0000"/>
-                </a:solidFill>
-              </a:rPr>
-              <a:t> Commons </a:t>
-            </a:r>
-          </a:p>
-        </p:txBody>
-      </p:sp>
-      <p:sp>
-        <p:nvSpPr>
-          <p:cNvPr id="20" name="TextBox 19">
-            <a:extLst>
-              <a:ext uri="{FF2B5EF4-FFF2-40B4-BE49-F238E27FC236}">
-                <a16:creationId xmlns:a16="http://schemas.microsoft.com/office/drawing/2014/main" id="{26D382D3-C4B0-43B6-91E5-8A0DC150A00B}"/>
-              </a:ext>
-            </a:extLst>
-          </p:cNvPr>
-          <p:cNvSpPr txBox="1"/>
-          <p:nvPr/>
-        </p:nvSpPr>
-        <p:spPr>
-          <a:xfrm>
-            <a:off x="1042967" y="6253235"/>
-            <a:ext cx="3103696" cy="261610"/>
-          </a:xfrm>
-          <a:prstGeom prst="rect">
-            <a:avLst/>
-          </a:prstGeom>
-          <a:noFill/>
-        </p:spPr>
-        <p:txBody>
-          <a:bodyPr wrap="square" rtlCol="0">
-            <a:spAutoFit/>
-          </a:bodyPr>
-          <a:lstStyle/>
-          <a:p>
-            <a:r>
-              <a:rPr lang="en-GB" sz="1100" dirty="0" err="1"/>
-              <a:t>Source:Wikimedia</a:t>
-            </a:r>
-            <a:r>
-              <a:rPr lang="en-GB" sz="1100" dirty="0"/>
-              <a:t> Commons </a:t>
-            </a:r>
-          </a:p>
-        </p:txBody>
-      </p:sp>
-      <p:sp>
-        <p:nvSpPr>
-          <p:cNvPr id="24" name="TextBox 23">
-            <a:extLst>
-              <a:ext uri="{FF2B5EF4-FFF2-40B4-BE49-F238E27FC236}">
-                <a16:creationId xmlns:a16="http://schemas.microsoft.com/office/drawing/2014/main" id="{AA0A30FB-0945-4278-8753-6B9D55742D4E}"/>
-              </a:ext>
-            </a:extLst>
-          </p:cNvPr>
-          <p:cNvSpPr txBox="1"/>
-          <p:nvPr/>
-        </p:nvSpPr>
-        <p:spPr>
-          <a:xfrm>
-            <a:off x="870841" y="3419507"/>
-            <a:ext cx="1920953" cy="261610"/>
-          </a:xfrm>
-          <a:prstGeom prst="rect">
-            <a:avLst/>
-          </a:prstGeom>
-          <a:noFill/>
-        </p:spPr>
-        <p:txBody>
-          <a:bodyPr wrap="square" rtlCol="0">
-            <a:spAutoFit/>
-          </a:bodyPr>
-          <a:lstStyle/>
-          <a:p>
-            <a:r>
-              <a:rPr lang="en-GB" sz="1100" dirty="0" err="1">
-                <a:solidFill>
-                  <a:schemeClr val="bg1"/>
-                </a:solidFill>
-              </a:rPr>
-              <a:t>Source:Wikimedia</a:t>
-            </a:r>
-            <a:r>
-              <a:rPr lang="en-GB" sz="1100" dirty="0">
-                <a:solidFill>
-                  <a:schemeClr val="bg1"/>
-                </a:solidFill>
-              </a:rPr>
-              <a:t> Commons </a:t>
-            </a:r>
-          </a:p>
-        </p:txBody>
-      </p:sp>
-      <p:pic>
-        <p:nvPicPr>
-          <p:cNvPr id="27" name="Picture 26" descr="A close up of a machine&#10;&#10;Description automatically generated">
-            <a:extLst>
-              <a:ext uri="{FF2B5EF4-FFF2-40B4-BE49-F238E27FC236}">
-                <a16:creationId xmlns:a16="http://schemas.microsoft.com/office/drawing/2014/main" id="{94E45426-8ADB-4DBB-904D-303D2A86FF07}"/>
-              </a:ext>
-            </a:extLst>
-          </p:cNvPr>
-          <p:cNvPicPr>
-            <a:picLocks noChangeAspect="1"/>
-          </p:cNvPicPr>
-          <p:nvPr/>
-        </p:nvPicPr>
-        <p:blipFill>
-          <a:blip r:embed="rId5">
-            <a:extLst>
-              <a:ext uri="{28A0092B-C50C-407E-A947-70E740481C1C}">
-                <a14:useLocalDpi xmlns:a14="http://schemas.microsoft.com/office/drawing/2010/main" val="0"/>
-              </a:ext>
-            </a:extLst>
-          </a:blip>
-          <a:stretch>
-            <a:fillRect/>
-          </a:stretch>
-        </p:blipFill>
-        <p:spPr>
-          <a:xfrm>
-            <a:off x="2836975" y="2394842"/>
-            <a:ext cx="2619375" cy="1743075"/>
-          </a:xfrm>
-          <a:prstGeom prst="rect">
-            <a:avLst/>
-          </a:prstGeom>
-        </p:spPr>
-      </p:pic>
-      <p:sp>
-        <p:nvSpPr>
-          <p:cNvPr id="31" name="TextBox 30">
-            <a:extLst>
-              <a:ext uri="{FF2B5EF4-FFF2-40B4-BE49-F238E27FC236}">
-                <a16:creationId xmlns:a16="http://schemas.microsoft.com/office/drawing/2014/main" id="{D13CBD88-7C36-4649-BA85-472BBE038547}"/>
-              </a:ext>
-            </a:extLst>
-          </p:cNvPr>
-          <p:cNvSpPr txBox="1"/>
-          <p:nvPr/>
-        </p:nvSpPr>
-        <p:spPr>
-          <a:xfrm>
-            <a:off x="3097608" y="4168185"/>
-            <a:ext cx="3103696" cy="261610"/>
-          </a:xfrm>
-          <a:prstGeom prst="rect">
-            <a:avLst/>
-          </a:prstGeom>
-          <a:noFill/>
-        </p:spPr>
-        <p:txBody>
-          <a:bodyPr wrap="square" rtlCol="0">
-            <a:spAutoFit/>
-          </a:bodyPr>
-          <a:lstStyle/>
-          <a:p>
-            <a:r>
-              <a:rPr lang="en-GB" sz="1100" dirty="0" err="1"/>
-              <a:t>Source:Wikimedia</a:t>
-            </a:r>
-            <a:r>
-              <a:rPr lang="en-GB" sz="1100" dirty="0"/>
-              <a:t> Commons </a:t>
-            </a:r>
-          </a:p>
-        </p:txBody>
-      </p:sp>
-      <p:pic>
-        <p:nvPicPr>
-          <p:cNvPr id="1026" name="Picture 2" descr="Image result for brighton">
-            <a:extLst>
-              <a:ext uri="{FF2B5EF4-FFF2-40B4-BE49-F238E27FC236}">
-                <a16:creationId xmlns:a16="http://schemas.microsoft.com/office/drawing/2014/main" id="{FACF46E5-7177-4EC0-90B6-2287D648C70E}"/>
-              </a:ext>
-            </a:extLst>
-          </p:cNvPr>
-          <p:cNvPicPr>
-            <a:picLocks noChangeAspect="1" noChangeArrowheads="1"/>
-          </p:cNvPicPr>
-          <p:nvPr/>
-        </p:nvPicPr>
-        <p:blipFill>
-          <a:blip r:embed="rId6">
-            <a:extLst>
-              <a:ext uri="{28A0092B-C50C-407E-A947-70E740481C1C}">
-                <a14:useLocalDpi xmlns:a14="http://schemas.microsoft.com/office/drawing/2010/main" val="0"/>
-              </a:ext>
-            </a:extLst>
-          </a:blip>
-          <a:srcRect/>
-          <a:stretch>
-            <a:fillRect/>
-          </a:stretch>
-        </p:blipFill>
-        <p:spPr bwMode="auto">
-          <a:xfrm>
-            <a:off x="8287496" y="1532896"/>
-            <a:ext cx="3558135" cy="2367777"/>
-          </a:xfrm>
-          <a:prstGeom prst="rect">
-            <a:avLst/>
-          </a:prstGeom>
-          <a:noFill/>
-          <a:extLst>
-            <a:ext uri="{909E8E84-426E-40DD-AFC4-6F175D3DCCD1}">
-              <a14:hiddenFill xmlns:a14="http://schemas.microsoft.com/office/drawing/2010/main">
-                <a:solidFill>
-                  <a:srgbClr val="FFFFFF"/>
-                </a:solidFill>
-              </a14:hiddenFill>
-            </a:ext>
-          </a:extLst>
-        </p:spPr>
-      </p:pic>
-      <p:pic>
-        <p:nvPicPr>
-          <p:cNvPr id="1028" name="Picture 4" descr="Image result for brighton">
-            <a:extLst>
-              <a:ext uri="{FF2B5EF4-FFF2-40B4-BE49-F238E27FC236}">
-                <a16:creationId xmlns:a16="http://schemas.microsoft.com/office/drawing/2014/main" id="{2ED57363-BA70-4160-8F4B-231060713F6E}"/>
-              </a:ext>
-            </a:extLst>
-          </p:cNvPr>
-          <p:cNvPicPr>
-            <a:picLocks noChangeAspect="1" noChangeArrowheads="1"/>
-          </p:cNvPicPr>
-          <p:nvPr/>
-        </p:nvPicPr>
-        <p:blipFill>
-          <a:blip r:embed="rId7">
-            <a:extLst>
-              <a:ext uri="{28A0092B-C50C-407E-A947-70E740481C1C}">
-                <a14:useLocalDpi xmlns:a14="http://schemas.microsoft.com/office/drawing/2010/main" val="0"/>
-              </a:ext>
-            </a:extLst>
-          </a:blip>
-          <a:srcRect/>
-          <a:stretch>
-            <a:fillRect/>
-          </a:stretch>
-        </p:blipFill>
-        <p:spPr bwMode="auto">
-          <a:xfrm>
-            <a:off x="8320957" y="4122993"/>
-            <a:ext cx="3525929" cy="2367777"/>
-          </a:xfrm>
-          <a:prstGeom prst="rect">
-            <a:avLst/>
-          </a:prstGeom>
-          <a:noFill/>
-          <a:extLst>
-            <a:ext uri="{909E8E84-426E-40DD-AFC4-6F175D3DCCD1}">
-              <a14:hiddenFill xmlns:a14="http://schemas.microsoft.com/office/drawing/2010/main">
-                <a:solidFill>
-                  <a:srgbClr val="FFFFFF"/>
-                </a:solidFill>
-              </a14:hiddenFill>
-            </a:ext>
-          </a:extLst>
-        </p:spPr>
-      </p:pic>
-      <p:sp>
-        <p:nvSpPr>
-          <p:cNvPr id="4" name="Speech Bubble: Rectangle with Corners Rounded 3">
-            <a:extLst>
-              <a:ext uri="{FF2B5EF4-FFF2-40B4-BE49-F238E27FC236}">
-                <a16:creationId xmlns:a16="http://schemas.microsoft.com/office/drawing/2014/main" id="{2FD6A9AF-E098-4548-AC1C-F3DF2FDE9828}"/>
-              </a:ext>
-            </a:extLst>
-          </p:cNvPr>
-          <p:cNvSpPr/>
-          <p:nvPr/>
-        </p:nvSpPr>
-        <p:spPr>
-          <a:xfrm>
-            <a:off x="5837051" y="563040"/>
-            <a:ext cx="5944823" cy="718497"/>
-          </a:xfrm>
-          <a:prstGeom prst="wedgeRoundRectCallout">
-            <a:avLst/>
-          </a:prstGeom>
-        </p:spPr>
-        <p:style>
-          <a:lnRef idx="2">
-            <a:schemeClr val="accent1">
-              <a:shade val="50000"/>
-            </a:schemeClr>
-          </a:lnRef>
-          <a:fillRef idx="1">
-            <a:schemeClr val="accent1"/>
-          </a:fillRef>
-          <a:effectRef idx="0">
-            <a:schemeClr val="accent1"/>
-          </a:effectRef>
-          <a:fontRef idx="minor">
-            <a:schemeClr val="lt1"/>
-          </a:fontRef>
-        </p:style>
-        <p:txBody>
-          <a:bodyPr rtlCol="0" anchor="ctr"/>
-          <a:lstStyle/>
-          <a:p>
-            <a:pPr algn="ctr"/>
-            <a:r>
-              <a:rPr lang="en-GB" sz="3200" dirty="0"/>
-              <a:t>Where/what were you in 1979?</a:t>
-            </a:r>
-          </a:p>
-        </p:txBody>
-      </p:sp>
-      <p:sp>
-        <p:nvSpPr>
-          <p:cNvPr id="5" name="TextBox 4">
-            <a:extLst>
-              <a:ext uri="{FF2B5EF4-FFF2-40B4-BE49-F238E27FC236}">
-                <a16:creationId xmlns:a16="http://schemas.microsoft.com/office/drawing/2014/main" id="{B146C545-2A2F-48B4-9694-D05FBB2AB9B7}"/>
-              </a:ext>
-            </a:extLst>
-          </p:cNvPr>
-          <p:cNvSpPr txBox="1"/>
-          <p:nvPr/>
-        </p:nvSpPr>
-        <p:spPr>
-          <a:xfrm>
-            <a:off x="8529905" y="3196369"/>
-            <a:ext cx="2998850" cy="707886"/>
-          </a:xfrm>
-          <a:prstGeom prst="rect">
-            <a:avLst/>
-          </a:prstGeom>
-          <a:noFill/>
-        </p:spPr>
-        <p:txBody>
-          <a:bodyPr wrap="square" rtlCol="0">
-            <a:spAutoFit/>
-          </a:bodyPr>
-          <a:lstStyle/>
-          <a:p>
-            <a:r>
-              <a:rPr lang="en-GB" sz="4000" dirty="0">
-                <a:solidFill>
-                  <a:schemeClr val="bg1"/>
-                </a:solidFill>
-              </a:rPr>
-              <a:t>Brighton, UK</a:t>
-            </a:r>
-          </a:p>
-        </p:txBody>
-      </p:sp>
-      <p:sp>
-        <p:nvSpPr>
-          <p:cNvPr id="17" name="TextBox 16">
-            <a:extLst>
-              <a:ext uri="{FF2B5EF4-FFF2-40B4-BE49-F238E27FC236}">
-                <a16:creationId xmlns:a16="http://schemas.microsoft.com/office/drawing/2014/main" id="{8E99F2E8-7996-4F2E-83DD-1511AC1FFB48}"/>
-              </a:ext>
-            </a:extLst>
-          </p:cNvPr>
-          <p:cNvSpPr txBox="1"/>
-          <p:nvPr/>
-        </p:nvSpPr>
-        <p:spPr>
-          <a:xfrm>
-            <a:off x="8529905" y="5884479"/>
-            <a:ext cx="3251438" cy="523220"/>
-          </a:xfrm>
-          <a:prstGeom prst="rect">
-            <a:avLst/>
-          </a:prstGeom>
-          <a:noFill/>
-        </p:spPr>
-        <p:txBody>
-          <a:bodyPr wrap="square" rtlCol="0">
-            <a:spAutoFit/>
-          </a:bodyPr>
-          <a:lstStyle/>
-          <a:p>
-            <a:r>
-              <a:rPr lang="en-GB" sz="2800" dirty="0">
-                <a:solidFill>
-                  <a:schemeClr val="bg1"/>
-                </a:solidFill>
-              </a:rPr>
-              <a:t>The English Channel</a:t>
-            </a:r>
-          </a:p>
-        </p:txBody>
-      </p:sp>
-      <p:sp>
-        <p:nvSpPr>
-          <p:cNvPr id="6" name="TextBox 5">
-            <a:extLst>
-              <a:ext uri="{FF2B5EF4-FFF2-40B4-BE49-F238E27FC236}">
-                <a16:creationId xmlns:a16="http://schemas.microsoft.com/office/drawing/2014/main" id="{345D58C5-E16D-42B4-8240-1129ACD27D37}"/>
-              </a:ext>
-            </a:extLst>
-          </p:cNvPr>
-          <p:cNvSpPr txBox="1"/>
-          <p:nvPr/>
-        </p:nvSpPr>
-        <p:spPr>
-          <a:xfrm>
-            <a:off x="713859" y="584084"/>
-            <a:ext cx="5152434" cy="400110"/>
-          </a:xfrm>
-          <a:prstGeom prst="rect">
-            <a:avLst/>
-          </a:prstGeom>
-          <a:noFill/>
-        </p:spPr>
-        <p:txBody>
-          <a:bodyPr wrap="square" rtlCol="0">
-            <a:spAutoFit/>
-          </a:bodyPr>
-          <a:lstStyle/>
-          <a:p>
-            <a:r>
-              <a:rPr lang="en-GB" sz="2000" b="1" dirty="0">
+              <a:rPr lang="en-GB" sz="3600" dirty="0">
                 <a:solidFill>
                   <a:srgbClr val="2196F3"/>
                 </a:solidFill>
                 <a:latin typeface="Segoe UI" panose="020B0502040204020203" pitchFamily="34" charset="0"/>
                 <a:cs typeface="Segoe UI" panose="020B0502040204020203" pitchFamily="34" charset="0"/>
               </a:rPr>
-              <a:t>58 in human years – 243 in tech years</a:t>
-            </a:r>
-          </a:p>
-        </p:txBody>
-      </p:sp>
-      <p:cxnSp>
-        <p:nvCxnSpPr>
-          <p:cNvPr id="9" name="Straight Arrow Connector 8">
-            <a:extLst>
-              <a:ext uri="{FF2B5EF4-FFF2-40B4-BE49-F238E27FC236}">
-                <a16:creationId xmlns:a16="http://schemas.microsoft.com/office/drawing/2014/main" id="{CF93C976-3C1F-4C74-9D39-90DABBE18BB7}"/>
-              </a:ext>
-            </a:extLst>
-          </p:cNvPr>
-          <p:cNvCxnSpPr>
-            <a:cxnSpLocks/>
-          </p:cNvCxnSpPr>
-          <p:nvPr/>
-        </p:nvCxnSpPr>
-        <p:spPr>
-          <a:xfrm flipH="1" flipV="1">
-            <a:off x="8672218" y="4142117"/>
-            <a:ext cx="682807" cy="748283"/>
-          </a:xfrm>
-          <a:prstGeom prst="straightConnector1">
-            <a:avLst/>
-          </a:prstGeom>
-          <a:ln w="50800">
-            <a:solidFill>
-              <a:schemeClr val="bg1"/>
-            </a:solidFill>
-            <a:tailEnd type="triangle"/>
-          </a:ln>
-        </p:spPr>
-        <p:style>
-          <a:lnRef idx="3">
-            <a:schemeClr val="accent1"/>
-          </a:lnRef>
-          <a:fillRef idx="0">
-            <a:schemeClr val="accent1"/>
-          </a:fillRef>
-          <a:effectRef idx="2">
-            <a:schemeClr val="accent1"/>
-          </a:effectRef>
-          <a:fontRef idx="minor">
-            <a:schemeClr val="tx1"/>
-          </a:fontRef>
-        </p:style>
-      </p:cxnSp>
-      <p:sp>
-        <p:nvSpPr>
-          <p:cNvPr id="10" name="TextBox 9">
-            <a:extLst>
-              <a:ext uri="{FF2B5EF4-FFF2-40B4-BE49-F238E27FC236}">
-                <a16:creationId xmlns:a16="http://schemas.microsoft.com/office/drawing/2014/main" id="{C6D2AB8D-F566-4A3A-ABB8-05B92FD0E743}"/>
-              </a:ext>
-            </a:extLst>
-          </p:cNvPr>
-          <p:cNvSpPr txBox="1"/>
-          <p:nvPr/>
-        </p:nvSpPr>
-        <p:spPr>
-          <a:xfrm>
-            <a:off x="8066040" y="5058423"/>
-            <a:ext cx="1845578" cy="369332"/>
-          </a:xfrm>
-          <a:prstGeom prst="rect">
-            <a:avLst/>
-          </a:prstGeom>
-          <a:noFill/>
-        </p:spPr>
-        <p:txBody>
-          <a:bodyPr wrap="square" rtlCol="0">
-            <a:spAutoFit/>
-          </a:bodyPr>
-          <a:lstStyle/>
-          <a:p>
-            <a:pPr algn="ctr"/>
-            <a:r>
-              <a:rPr lang="en-GB" dirty="0">
-                <a:solidFill>
-                  <a:schemeClr val="bg1"/>
-                </a:solidFill>
-                <a:highlight>
-                  <a:srgbClr val="0000FF"/>
-                </a:highlight>
-              </a:rPr>
-              <a:t>15 min walk</a:t>
+              <a:t>In and out of tech over the years</a:t>
             </a:r>
           </a:p>
         </p:txBody>
@@ -5634,7 +8184,7 @@
     </p:spTree>
     <p:extLst>
       <p:ext uri="{BB962C8B-B14F-4D97-AF65-F5344CB8AC3E}">
-        <p14:creationId xmlns:p14="http://schemas.microsoft.com/office/powerpoint/2010/main" val="2449607764"/>
+        <p14:creationId xmlns:p14="http://schemas.microsoft.com/office/powerpoint/2010/main" val="4146200657"/>
       </p:ext>
     </p:extLst>
   </p:cSld>
@@ -5663,6 +8213,51 @@
       </p:grpSpPr>
       <p:sp>
         <p:nvSpPr>
+          <p:cNvPr id="2" name="Title 1">
+            <a:extLst>
+              <a:ext uri="{FF2B5EF4-FFF2-40B4-BE49-F238E27FC236}">
+                <a16:creationId xmlns:a16="http://schemas.microsoft.com/office/drawing/2014/main" id="{5D7568B3-EC9A-45DD-8A17-CFE685194B65}"/>
+              </a:ext>
+            </a:extLst>
+          </p:cNvPr>
+          <p:cNvSpPr>
+            <a:spLocks noGrp="1"/>
+          </p:cNvSpPr>
+          <p:nvPr>
+            <p:ph type="title"/>
+          </p:nvPr>
+        </p:nvSpPr>
+        <p:spPr>
+          <a:xfrm>
+            <a:off x="838200" y="0"/>
+            <a:ext cx="10515600" cy="1325563"/>
+          </a:xfrm>
+          <a:solidFill>
+            <a:srgbClr val="2196F3"/>
+          </a:solidFill>
+        </p:spPr>
+        <p:txBody>
+          <a:bodyPr>
+            <a:normAutofit/>
+          </a:bodyPr>
+          <a:lstStyle/>
+          <a:p>
+            <a:pPr algn="ctr"/>
+            <a:r>
+              <a:rPr lang="en-GB" sz="6600" dirty="0">
+                <a:solidFill>
+                  <a:schemeClr val="bg1"/>
+                </a:solidFill>
+                <a:latin typeface="Segoe UI" panose="020B0502040204020203" pitchFamily="34" charset="0"/>
+                <a:cs typeface="Segoe UI" panose="020B0502040204020203" pitchFamily="34" charset="0"/>
+              </a:rPr>
+              <a:t>PREVIOUS TALKS</a:t>
+            </a:r>
+          </a:p>
+        </p:txBody>
+      </p:sp>
+      <p:sp>
+        <p:nvSpPr>
           <p:cNvPr id="4" name="Content Placeholder 2">
             <a:extLst>
               <a:ext uri="{FF2B5EF4-FFF2-40B4-BE49-F238E27FC236}">
@@ -5679,27 +8274,15 @@
         </p:nvSpPr>
         <p:spPr>
           <a:xfrm>
-            <a:off x="838198" y="801678"/>
-            <a:ext cx="10515600" cy="5718392"/>
+            <a:off x="838200" y="1491818"/>
+            <a:ext cx="10515600" cy="5001346"/>
           </a:xfrm>
         </p:spPr>
         <p:txBody>
           <a:bodyPr wrap="square" bIns="252000">
-            <a:normAutofit fontScale="25000" lnSpcReduction="20000"/>
+            <a:normAutofit/>
           </a:bodyPr>
           <a:lstStyle/>
-          <a:p>
-            <a:pPr marL="457200" lvl="1" indent="0">
-              <a:buNone/>
-            </a:pPr>
-            <a:endParaRPr lang="en-GB" sz="1000" dirty="0">
-              <a:solidFill>
-                <a:srgbClr val="2196F3"/>
-              </a:solidFill>
-              <a:latin typeface="Segoe UI" panose="020B0502040204020203" pitchFamily="34" charset="0"/>
-              <a:cs typeface="Segoe UI" panose="020B0502040204020203" pitchFamily="34" charset="0"/>
-            </a:endParaRPr>
-          </a:p>
           <a:p>
             <a:pPr marL="457200" lvl="1" indent="0">
               <a:buNone/>
@@ -5713,149 +8296,197 @@
             </a:endParaRPr>
           </a:p>
           <a:p>
-            <a:pPr lvl="1">
-              <a:lnSpc>
-                <a:spcPts val="4200"/>
-              </a:lnSpc>
-            </a:pPr>
-            <a:r>
-              <a:rPr lang="en-GB" sz="11200" dirty="0">
-                <a:solidFill>
-                  <a:srgbClr val="2196F3"/>
-                </a:solidFill>
-                <a:latin typeface="Segoe UI" panose="020B0502040204020203" pitchFamily="34" charset="0"/>
-                <a:cs typeface="Segoe UI" panose="020B0502040204020203" pitchFamily="34" charset="0"/>
-              </a:rPr>
-              <a:t>Microsoft Certified Systems Engineer (2000-2003)</a:t>
-            </a:r>
-          </a:p>
-          <a:p>
-            <a:pPr lvl="1">
-              <a:lnSpc>
-                <a:spcPts val="4200"/>
-              </a:lnSpc>
-            </a:pPr>
-            <a:r>
-              <a:rPr lang="en-GB" sz="11200" dirty="0">
-                <a:solidFill>
-                  <a:srgbClr val="2196F3"/>
-                </a:solidFill>
-                <a:latin typeface="Segoe UI" panose="020B0502040204020203" pitchFamily="34" charset="0"/>
-                <a:cs typeface="Segoe UI" panose="020B0502040204020203" pitchFamily="34" charset="0"/>
-              </a:rPr>
-              <a:t>Microsoft Certified Database Administrator (SQL2000)</a:t>
-            </a:r>
-          </a:p>
-          <a:p>
-            <a:pPr lvl="1">
-              <a:lnSpc>
-                <a:spcPts val="4200"/>
-              </a:lnSpc>
-            </a:pPr>
-            <a:r>
-              <a:rPr lang="en-GB" sz="11200" dirty="0">
-                <a:solidFill>
-                  <a:srgbClr val="2196F3"/>
-                </a:solidFill>
-                <a:latin typeface="Segoe UI" panose="020B0502040204020203" pitchFamily="34" charset="0"/>
-                <a:cs typeface="Segoe UI" panose="020B0502040204020203" pitchFamily="34" charset="0"/>
-              </a:rPr>
-              <a:t>Business Information Architect at a UK Recycling Company</a:t>
-            </a:r>
-          </a:p>
-          <a:p>
-            <a:pPr lvl="1">
-              <a:lnSpc>
-                <a:spcPts val="4200"/>
-              </a:lnSpc>
-            </a:pPr>
-            <a:r>
-              <a:rPr lang="en-GB" sz="11200" dirty="0">
-                <a:solidFill>
-                  <a:srgbClr val="2196F3"/>
-                </a:solidFill>
-                <a:latin typeface="Segoe UI" panose="020B0502040204020203" pitchFamily="34" charset="0"/>
-                <a:cs typeface="Segoe UI" panose="020B0502040204020203" pitchFamily="34" charset="0"/>
-              </a:rPr>
-              <a:t>WordPress 2017</a:t>
-            </a:r>
-          </a:p>
-          <a:p>
-            <a:pPr lvl="1">
-              <a:lnSpc>
-                <a:spcPts val="4200"/>
-              </a:lnSpc>
-            </a:pPr>
-            <a:r>
-              <a:rPr lang="en-GB" sz="11200" b="1" dirty="0">
-                <a:solidFill>
-                  <a:srgbClr val="00B050"/>
-                </a:solidFill>
-                <a:latin typeface="Segoe UI" panose="020B0502040204020203" pitchFamily="34" charset="0"/>
-                <a:cs typeface="Segoe UI" panose="020B0502040204020203" pitchFamily="34" charset="0"/>
-              </a:rPr>
-              <a:t>Currently</a:t>
-            </a:r>
-            <a:r>
-              <a:rPr lang="en-GB" sz="11200" dirty="0">
-                <a:solidFill>
-                  <a:srgbClr val="2196F3"/>
-                </a:solidFill>
-                <a:latin typeface="Segoe UI" panose="020B0502040204020203" pitchFamily="34" charset="0"/>
-                <a:cs typeface="Segoe UI" panose="020B0502040204020203" pitchFamily="34" charset="0"/>
-              </a:rPr>
-              <a:t> PWAs(offline/instant websites), Web Components, WordPress-HTML and Mobile Web Optimisation.</a:t>
-            </a:r>
-          </a:p>
-          <a:p>
-            <a:pPr lvl="1">
-              <a:lnSpc>
-                <a:spcPts val="4200"/>
-              </a:lnSpc>
-            </a:pPr>
-            <a:r>
-              <a:rPr lang="en-GB" sz="11200" dirty="0">
-                <a:solidFill>
-                  <a:srgbClr val="2196F3"/>
-                </a:solidFill>
-                <a:latin typeface="Segoe UI" panose="020B0502040204020203" pitchFamily="34" charset="0"/>
-                <a:cs typeface="Segoe UI" panose="020B0502040204020203" pitchFamily="34" charset="0"/>
-              </a:rPr>
-              <a:t>Developing 1-3 hour training seminars for companies</a:t>
-            </a:r>
-          </a:p>
-          <a:p>
-            <a:pPr lvl="1">
-              <a:lnSpc>
-                <a:spcPts val="4200"/>
-              </a:lnSpc>
-            </a:pPr>
-            <a:r>
-              <a:rPr lang="en-GB" sz="16000" dirty="0">
-                <a:solidFill>
-                  <a:srgbClr val="00B050"/>
-                </a:solidFill>
-                <a:latin typeface="Segoe UI" panose="020B0502040204020203" pitchFamily="34" charset="0"/>
-                <a:cs typeface="Segoe UI" panose="020B0502040204020203" pitchFamily="34" charset="0"/>
-              </a:rPr>
-              <a:t>Still just as ‘student’! Still overwhelmed! </a:t>
-            </a:r>
-          </a:p>
-          <a:p>
-            <a:pPr lvl="1">
-              <a:lnSpc>
-                <a:spcPts val="4200"/>
-              </a:lnSpc>
-            </a:pPr>
-            <a:r>
-              <a:rPr lang="en-GB" sz="16000" dirty="0">
-                <a:solidFill>
-                  <a:srgbClr val="00B050"/>
-                </a:solidFill>
-                <a:latin typeface="Segoe UI" panose="020B0502040204020203" pitchFamily="34" charset="0"/>
-                <a:cs typeface="Segoe UI" panose="020B0502040204020203" pitchFamily="34" charset="0"/>
-              </a:rPr>
-              <a:t>Often feel like an ‘imposter’.</a:t>
+            <a:r>
+              <a:rPr lang="en-GB" sz="2200" dirty="0">
+                <a:solidFill>
+                  <a:srgbClr val="0070C0"/>
+                </a:solidFill>
+              </a:rPr>
+              <a:t>What is the WP REST API and how can I use it to make forms and pages that don’t need to do be reloaded? - </a:t>
+            </a:r>
+            <a:r>
+              <a:rPr lang="en-GB" sz="2200" dirty="0" err="1">
+                <a:solidFill>
+                  <a:srgbClr val="0070C0"/>
+                </a:solidFill>
+              </a:rPr>
+              <a:t>WordUp</a:t>
+            </a:r>
+            <a:r>
+              <a:rPr lang="en-GB" sz="2200" dirty="0">
+                <a:solidFill>
+                  <a:srgbClr val="0070C0"/>
+                </a:solidFill>
+              </a:rPr>
+              <a:t> Brighton May 2020.</a:t>
+            </a:r>
+          </a:p>
+          <a:p>
+            <a:r>
+              <a:rPr lang="en-GB" sz="2200" dirty="0">
+                <a:solidFill>
+                  <a:srgbClr val="0070C0"/>
+                </a:solidFill>
+              </a:rPr>
+              <a:t>WORKSHOP: WordPress REST API and AJAX Forms - WordCamp Geneva March 2020 [EVENT CANCELLED due to virus concerns :( ]</a:t>
+            </a:r>
+          </a:p>
+          <a:p>
+            <a:r>
+              <a:rPr lang="en-GB" sz="2200" dirty="0">
+                <a:solidFill>
+                  <a:srgbClr val="0070C0"/>
+                </a:solidFill>
+              </a:rPr>
+              <a:t>TALK - WP-HTML: </a:t>
+            </a:r>
+            <a:r>
+              <a:rPr lang="en-GB" sz="2200" b="1" dirty="0">
+                <a:solidFill>
+                  <a:schemeClr val="accent6">
+                    <a:lumMod val="75000"/>
+                  </a:schemeClr>
+                </a:solidFill>
+              </a:rPr>
+              <a:t>The marriage of WP and JS Frameworks for expansion, ubiquity and profit </a:t>
+            </a:r>
+            <a:r>
+              <a:rPr lang="en-GB" sz="2200" dirty="0">
+                <a:solidFill>
+                  <a:srgbClr val="0070C0"/>
+                </a:solidFill>
+              </a:rPr>
+              <a:t>- </a:t>
+            </a:r>
+            <a:r>
+              <a:rPr lang="en-GB" sz="2200" b="1" dirty="0">
+                <a:solidFill>
+                  <a:srgbClr val="0070C0"/>
+                </a:solidFill>
+              </a:rPr>
+              <a:t>WordCamp Vienna February 2020</a:t>
+            </a:r>
+            <a:r>
+              <a:rPr lang="en-GB" sz="2200" dirty="0">
+                <a:solidFill>
+                  <a:srgbClr val="0070C0"/>
+                </a:solidFill>
+              </a:rPr>
+              <a:t>.</a:t>
+            </a:r>
+          </a:p>
+          <a:p>
+            <a:r>
+              <a:rPr lang="en-GB" sz="2200" dirty="0">
+                <a:solidFill>
+                  <a:srgbClr val="0070C0"/>
+                </a:solidFill>
+              </a:rPr>
+              <a:t>WORKSHOP: WordPress REST API - WordCamp Vienna February 2020.</a:t>
+            </a:r>
+          </a:p>
+          <a:p>
+            <a:r>
+              <a:rPr lang="en-GB" sz="2200" dirty="0">
+                <a:solidFill>
+                  <a:srgbClr val="0070C0"/>
+                </a:solidFill>
+              </a:rPr>
+              <a:t>Progressive Web Apps - Brighton </a:t>
+            </a:r>
+            <a:r>
+              <a:rPr lang="en-GB" sz="2200" dirty="0" err="1">
+                <a:solidFill>
+                  <a:srgbClr val="0070C0"/>
+                </a:solidFill>
+              </a:rPr>
+              <a:t>WordUp</a:t>
+            </a:r>
+            <a:r>
+              <a:rPr lang="en-GB" sz="2200" dirty="0">
+                <a:solidFill>
+                  <a:srgbClr val="0070C0"/>
+                </a:solidFill>
+              </a:rPr>
+              <a:t> November 2019.</a:t>
+            </a:r>
+          </a:p>
+          <a:p>
+            <a:r>
+              <a:rPr lang="en-GB" sz="2200" dirty="0">
+                <a:solidFill>
+                  <a:srgbClr val="0070C0"/>
+                </a:solidFill>
+              </a:rPr>
+              <a:t>Decoupled WordPress (code along style) - </a:t>
+            </a:r>
+            <a:r>
+              <a:rPr lang="en-GB" sz="2200" b="1" dirty="0">
+                <a:solidFill>
+                  <a:srgbClr val="0070C0"/>
+                </a:solidFill>
+              </a:rPr>
+              <a:t>WordCamp Dublin October 2019</a:t>
+            </a:r>
+            <a:r>
+              <a:rPr lang="en-GB" sz="2200" dirty="0">
+                <a:solidFill>
+                  <a:srgbClr val="0070C0"/>
+                </a:solidFill>
+              </a:rPr>
+              <a:t>.</a:t>
+            </a:r>
+          </a:p>
+          <a:p>
+            <a:r>
+              <a:rPr lang="en-GB" sz="2200" dirty="0">
+                <a:solidFill>
+                  <a:srgbClr val="0070C0"/>
+                </a:solidFill>
+              </a:rPr>
+              <a:t>JWT and Authentication – </a:t>
+            </a:r>
+            <a:r>
+              <a:rPr lang="en-GB" sz="2200" dirty="0" err="1">
+                <a:solidFill>
+                  <a:srgbClr val="0070C0"/>
+                </a:solidFill>
+              </a:rPr>
+              <a:t>WPHooked</a:t>
+            </a:r>
+            <a:r>
+              <a:rPr lang="en-GB" sz="2200" dirty="0">
+                <a:solidFill>
+                  <a:srgbClr val="0070C0"/>
+                </a:solidFill>
+              </a:rPr>
+              <a:t> London September 2019.</a:t>
+            </a:r>
+          </a:p>
+          <a:p>
+            <a:r>
+              <a:rPr lang="en-GB" sz="2200" dirty="0">
+                <a:solidFill>
+                  <a:srgbClr val="0070C0"/>
+                </a:solidFill>
+              </a:rPr>
+              <a:t>Decoupled WordPress and WP Components - </a:t>
+            </a:r>
+            <a:r>
+              <a:rPr lang="en-GB" sz="2200" b="1" dirty="0">
+                <a:solidFill>
+                  <a:srgbClr val="0070C0"/>
+                </a:solidFill>
+              </a:rPr>
+              <a:t>WordCamp Brighton August 2019</a:t>
+            </a:r>
+            <a:r>
+              <a:rPr lang="en-GB" sz="2200" dirty="0">
+                <a:solidFill>
+                  <a:srgbClr val="0070C0"/>
+                </a:solidFill>
+              </a:rPr>
+              <a:t>.</a:t>
             </a:r>
           </a:p>
           <a:p>
@@ -5920,51 +8551,10 @@
           </a:p>
         </p:txBody>
       </p:sp>
-      <p:sp>
-        <p:nvSpPr>
-          <p:cNvPr id="3" name="TextBox 2">
-            <a:extLst>
-              <a:ext uri="{FF2B5EF4-FFF2-40B4-BE49-F238E27FC236}">
-                <a16:creationId xmlns:a16="http://schemas.microsoft.com/office/drawing/2014/main" id="{D373F874-33F7-4988-AE13-A7A123EFA342}"/>
-              </a:ext>
-            </a:extLst>
-          </p:cNvPr>
-          <p:cNvSpPr txBox="1"/>
-          <p:nvPr/>
-        </p:nvSpPr>
-        <p:spPr>
-          <a:xfrm>
-            <a:off x="2641307" y="155347"/>
-            <a:ext cx="6909383" cy="646331"/>
-          </a:xfrm>
-          <a:prstGeom prst="rect">
-            <a:avLst/>
-          </a:prstGeom>
-          <a:noFill/>
-        </p:spPr>
-        <p:txBody>
-          <a:bodyPr wrap="square" rtlCol="0">
-            <a:spAutoFit/>
-          </a:bodyPr>
-          <a:lstStyle/>
-          <a:p>
-            <a:r>
-              <a:rPr lang="en-GB" sz="3600" dirty="0">
-                <a:solidFill>
-                  <a:srgbClr val="2196F3"/>
-                </a:solidFill>
-                <a:latin typeface="Segoe UI" panose="020B0502040204020203" pitchFamily="34" charset="0"/>
-                <a:cs typeface="Segoe UI" panose="020B0502040204020203" pitchFamily="34" charset="0"/>
-              </a:rPr>
-              <a:t>In and out of tech over the years</a:t>
-            </a:r>
-          </a:p>
-        </p:txBody>
-      </p:sp>
     </p:spTree>
     <p:extLst>
       <p:ext uri="{BB962C8B-B14F-4D97-AF65-F5344CB8AC3E}">
-        <p14:creationId xmlns:p14="http://schemas.microsoft.com/office/powerpoint/2010/main" val="4146200657"/>
+        <p14:creationId xmlns:p14="http://schemas.microsoft.com/office/powerpoint/2010/main" val="2972891001"/>
       </p:ext>
     </p:extLst>
   </p:cSld>
@@ -5991,76 +8581,206 @@
           <a:chExt cx="0" cy="0"/>
         </a:xfrm>
       </p:grpSpPr>
-      <p:pic>
-        <p:nvPicPr>
-          <p:cNvPr id="5" name="Picture 4" descr="A picture containing food&#10;&#10;Description automatically generated">
-            <a:extLst>
-              <a:ext uri="{FF2B5EF4-FFF2-40B4-BE49-F238E27FC236}">
-                <a16:creationId xmlns:a16="http://schemas.microsoft.com/office/drawing/2014/main" id="{8E85D67E-6196-4971-9517-B5CA032300BF}"/>
-              </a:ext>
-            </a:extLst>
-          </p:cNvPr>
-          <p:cNvPicPr>
-            <a:picLocks noChangeAspect="1"/>
-          </p:cNvPicPr>
-          <p:nvPr/>
-        </p:nvPicPr>
-        <p:blipFill>
-          <a:blip r:embed="rId2">
-            <a:extLst>
-              <a:ext uri="{28A0092B-C50C-407E-A947-70E740481C1C}">
-                <a14:useLocalDpi xmlns:a14="http://schemas.microsoft.com/office/drawing/2010/main" val="0"/>
-              </a:ext>
-            </a:extLst>
-          </a:blip>
-          <a:stretch>
-            <a:fillRect/>
-          </a:stretch>
-        </p:blipFill>
+      <p:sp>
+        <p:nvSpPr>
+          <p:cNvPr id="3" name="Content Placeholder 2">
+            <a:extLst>
+              <a:ext uri="{FF2B5EF4-FFF2-40B4-BE49-F238E27FC236}">
+                <a16:creationId xmlns:a16="http://schemas.microsoft.com/office/drawing/2014/main" id="{380A49C7-87C7-4B50-A695-2297B5304E7B}"/>
+              </a:ext>
+            </a:extLst>
+          </p:cNvPr>
+          <p:cNvSpPr>
+            <a:spLocks noGrp="1"/>
+          </p:cNvSpPr>
+          <p:nvPr>
+            <p:ph idx="1"/>
+          </p:nvPr>
+        </p:nvSpPr>
         <p:spPr>
           <a:xfrm>
-            <a:off x="2416471" y="900717"/>
-            <a:ext cx="7234921" cy="5444100"/>
-          </a:xfrm>
-          <a:prstGeom prst="rect">
-            <a:avLst/>
-          </a:prstGeom>
-        </p:spPr>
-      </p:pic>
-      <p:sp>
-        <p:nvSpPr>
-          <p:cNvPr id="6" name="TextBox 5">
-            <a:extLst>
-              <a:ext uri="{FF2B5EF4-FFF2-40B4-BE49-F238E27FC236}">
-                <a16:creationId xmlns:a16="http://schemas.microsoft.com/office/drawing/2014/main" id="{95FBBC3D-9FC0-49E9-BA50-3C94DE833DEC}"/>
-              </a:ext>
-            </a:extLst>
-          </p:cNvPr>
-          <p:cNvSpPr txBox="1"/>
-          <p:nvPr/>
-        </p:nvSpPr>
-        <p:spPr>
-          <a:xfrm>
-            <a:off x="2316788" y="233266"/>
-            <a:ext cx="7607558" cy="400110"/>
-          </a:xfrm>
-          <a:prstGeom prst="rect">
-            <a:avLst/>
-          </a:prstGeom>
-          <a:noFill/>
-        </p:spPr>
-        <p:txBody>
-          <a:bodyPr wrap="square" rtlCol="0">
-            <a:spAutoFit/>
+            <a:off x="838200" y="1325563"/>
+            <a:ext cx="10515600" cy="4989511"/>
+          </a:xfrm>
+        </p:spPr>
+        <p:txBody>
+          <a:bodyPr>
+            <a:normAutofit/>
           </a:bodyPr>
           <a:lstStyle/>
           <a:p>
-            <a:r>
-              <a:rPr lang="en-GB" sz="2000" b="1" dirty="0">
+            <a:pPr marL="0" indent="0">
+              <a:buNone/>
+            </a:pPr>
+            <a:endParaRPr lang="en-GB" sz="3600" dirty="0">
+              <a:solidFill>
+                <a:srgbClr val="2196F3"/>
+              </a:solidFill>
+              <a:latin typeface="Segoe UI" panose="020B0502040204020203" pitchFamily="34" charset="0"/>
+              <a:cs typeface="Segoe UI" panose="020B0502040204020203" pitchFamily="34" charset="0"/>
+            </a:endParaRPr>
+          </a:p>
+          <a:p>
+            <a:pPr>
+              <a:lnSpc>
+                <a:spcPts val="4500"/>
+              </a:lnSpc>
+            </a:pPr>
+            <a:r>
+              <a:rPr lang="en-GB" sz="3600" dirty="0">
+                <a:solidFill>
+                  <a:srgbClr val="2196F3"/>
+                </a:solidFill>
                 <a:latin typeface="Segoe UI" panose="020B0502040204020203" pitchFamily="34" charset="0"/>
                 <a:cs typeface="Segoe UI" panose="020B0502040204020203" pitchFamily="34" charset="0"/>
               </a:rPr>
-              <a:t>International JS Conference London 2018 – Key Note Speech</a:t>
+              <a:t>To give an overview of all aspects of Web Components.</a:t>
+            </a:r>
+          </a:p>
+          <a:p>
+            <a:pPr>
+              <a:lnSpc>
+                <a:spcPts val="4500"/>
+              </a:lnSpc>
+            </a:pPr>
+            <a:r>
+              <a:rPr lang="en-GB" sz="3600" dirty="0">
+                <a:solidFill>
+                  <a:srgbClr val="2196F3"/>
+                </a:solidFill>
+                <a:latin typeface="Segoe UI" panose="020B0502040204020203" pitchFamily="34" charset="0"/>
+                <a:cs typeface="Segoe UI" panose="020B0502040204020203" pitchFamily="34" charset="0"/>
+              </a:rPr>
+              <a:t>Prepare you to use all the workshop resources after the workshop.</a:t>
+            </a:r>
+          </a:p>
+          <a:p>
+            <a:pPr>
+              <a:lnSpc>
+                <a:spcPts val="4500"/>
+              </a:lnSpc>
+            </a:pPr>
+            <a:r>
+              <a:rPr lang="en-GB" sz="3600" dirty="0">
+                <a:solidFill>
+                  <a:srgbClr val="2196F3"/>
+                </a:solidFill>
+                <a:latin typeface="Segoe UI" panose="020B0502040204020203" pitchFamily="34" charset="0"/>
+                <a:cs typeface="Segoe UI" panose="020B0502040204020203" pitchFamily="34" charset="0"/>
+              </a:rPr>
+              <a:t>Demonstrate with examples how to create highly functional Web Components.</a:t>
+            </a:r>
+            <a:endParaRPr lang="en-GB" sz="4700" dirty="0">
+              <a:solidFill>
+                <a:srgbClr val="2196F3"/>
+              </a:solidFill>
+              <a:latin typeface="Segoe UI" panose="020B0502040204020203" pitchFamily="34" charset="0"/>
+              <a:cs typeface="Segoe UI" panose="020B0502040204020203" pitchFamily="34" charset="0"/>
+            </a:endParaRPr>
+          </a:p>
+          <a:p>
+            <a:pPr marL="0" indent="0">
+              <a:buNone/>
+            </a:pPr>
+            <a:endParaRPr lang="en-GB" sz="3600" i="1" dirty="0">
+              <a:solidFill>
+                <a:srgbClr val="2196F3"/>
+              </a:solidFill>
+              <a:latin typeface="Segoe UI" panose="020B0502040204020203" pitchFamily="34" charset="0"/>
+              <a:cs typeface="Segoe UI" panose="020B0502040204020203" pitchFamily="34" charset="0"/>
+            </a:endParaRPr>
+          </a:p>
+          <a:p>
+            <a:pPr marL="0" indent="0">
+              <a:buNone/>
+            </a:pPr>
+            <a:endParaRPr lang="en-GB" sz="1400" dirty="0">
+              <a:solidFill>
+                <a:srgbClr val="2196F3"/>
+              </a:solidFill>
+              <a:latin typeface="Segoe UI" panose="020B0502040204020203" pitchFamily="34" charset="0"/>
+              <a:cs typeface="Segoe UI" panose="020B0502040204020203" pitchFamily="34" charset="0"/>
+            </a:endParaRPr>
+          </a:p>
+          <a:p>
+            <a:pPr marL="0" indent="0">
+              <a:buNone/>
+            </a:pPr>
+            <a:endParaRPr lang="en-GB" i="1" dirty="0">
+              <a:solidFill>
+                <a:srgbClr val="2196F3"/>
+              </a:solidFill>
+              <a:latin typeface="Segoe UI" panose="020B0502040204020203" pitchFamily="34" charset="0"/>
+              <a:cs typeface="Segoe UI" panose="020B0502040204020203" pitchFamily="34" charset="0"/>
+            </a:endParaRPr>
+          </a:p>
+          <a:p>
+            <a:endParaRPr lang="en-GB" dirty="0">
+              <a:latin typeface="Segoe UI" panose="020B0502040204020203" pitchFamily="34" charset="0"/>
+              <a:cs typeface="Segoe UI" panose="020B0502040204020203" pitchFamily="34" charset="0"/>
+            </a:endParaRPr>
+          </a:p>
+          <a:p>
+            <a:endParaRPr lang="en-GB" dirty="0">
+              <a:latin typeface="Segoe UI" panose="020B0502040204020203" pitchFamily="34" charset="0"/>
+              <a:cs typeface="Segoe UI" panose="020B0502040204020203" pitchFamily="34" charset="0"/>
+            </a:endParaRPr>
+          </a:p>
+          <a:p>
+            <a:endParaRPr lang="en-GB" dirty="0">
+              <a:latin typeface="Segoe UI" panose="020B0502040204020203" pitchFamily="34" charset="0"/>
+              <a:cs typeface="Segoe UI" panose="020B0502040204020203" pitchFamily="34" charset="0"/>
+            </a:endParaRPr>
+          </a:p>
+          <a:p>
+            <a:endParaRPr lang="en-GB" dirty="0">
+              <a:latin typeface="Segoe UI" panose="020B0502040204020203" pitchFamily="34" charset="0"/>
+              <a:cs typeface="Segoe UI" panose="020B0502040204020203" pitchFamily="34" charset="0"/>
+            </a:endParaRPr>
+          </a:p>
+        </p:txBody>
+      </p:sp>
+      <p:sp>
+        <p:nvSpPr>
+          <p:cNvPr id="6" name="Title 1">
+            <a:extLst>
+              <a:ext uri="{FF2B5EF4-FFF2-40B4-BE49-F238E27FC236}">
+                <a16:creationId xmlns:a16="http://schemas.microsoft.com/office/drawing/2014/main" id="{A9FE3B7A-AB00-444C-B7E7-EA48B7D72F9E}"/>
+              </a:ext>
+            </a:extLst>
+          </p:cNvPr>
+          <p:cNvSpPr>
+            <a:spLocks noGrp="1"/>
+          </p:cNvSpPr>
+          <p:nvPr>
+            <p:ph type="title"/>
+          </p:nvPr>
+        </p:nvSpPr>
+        <p:spPr>
+          <a:xfrm>
+            <a:off x="838200" y="0"/>
+            <a:ext cx="10515600" cy="1325563"/>
+          </a:xfrm>
+          <a:solidFill>
+            <a:srgbClr val="2196F3"/>
+          </a:solidFill>
+        </p:spPr>
+        <p:txBody>
+          <a:bodyPr>
+            <a:normAutofit/>
+          </a:bodyPr>
+          <a:lstStyle/>
+          <a:p>
+            <a:pPr algn="ctr"/>
+            <a:r>
+              <a:rPr lang="en-GB" sz="6600" dirty="0">
+                <a:solidFill>
+                  <a:schemeClr val="bg1"/>
+                </a:solidFill>
+                <a:latin typeface="Segoe UI" panose="020B0502040204020203" pitchFamily="34" charset="0"/>
+                <a:cs typeface="Segoe UI" panose="020B0502040204020203" pitchFamily="34" charset="0"/>
+              </a:rPr>
+              <a:t>Purpose of workshop</a:t>
             </a:r>
           </a:p>
         </p:txBody>
@@ -6068,7 +8788,7 @@
     </p:spTree>
     <p:extLst>
       <p:ext uri="{BB962C8B-B14F-4D97-AF65-F5344CB8AC3E}">
-        <p14:creationId xmlns:p14="http://schemas.microsoft.com/office/powerpoint/2010/main" val="3819910598"/>
+        <p14:creationId xmlns:p14="http://schemas.microsoft.com/office/powerpoint/2010/main" val="653117765"/>
       </p:ext>
     </p:extLst>
   </p:cSld>
@@ -6135,7 +8855,7 @@
                 <a:latin typeface="Segoe UI" panose="020B0502040204020203" pitchFamily="34" charset="0"/>
                 <a:cs typeface="Segoe UI" panose="020B0502040204020203" pitchFamily="34" charset="0"/>
               </a:rPr>
-              <a:t>WordCamp Vienna 2020</a:t>
+              <a:t>What is a Web Component? </a:t>
             </a:r>
           </a:p>
         </p:txBody>
@@ -6164,147 +8884,17 @@
         </p:spPr>
         <p:txBody>
           <a:bodyPr wrap="square" bIns="252000">
-            <a:normAutofit fontScale="25000" lnSpcReduction="20000"/>
+            <a:normAutofit/>
           </a:bodyPr>
           <a:lstStyle/>
           <a:p>
-            <a:endParaRPr lang="en-GB" sz="6700" dirty="0">
-              <a:latin typeface="Segoe UI" panose="020B0502040204020203" pitchFamily="34" charset="0"/>
-              <a:cs typeface="Segoe UI" panose="020B0502040204020203" pitchFamily="34" charset="0"/>
-            </a:endParaRPr>
-          </a:p>
-          <a:p>
-            <a:pPr marL="457200" lvl="1" indent="0">
+            <a:pPr marL="0" indent="0">
               <a:buNone/>
             </a:pPr>
-            <a:r>
-              <a:rPr lang="en-GB" sz="14400" b="1" dirty="0">
-                <a:solidFill>
-                  <a:srgbClr val="2196F3"/>
-                </a:solidFill>
-                <a:latin typeface="Segoe UI" panose="020B0502040204020203" pitchFamily="34" charset="0"/>
-                <a:cs typeface="Segoe UI" panose="020B0502040204020203" pitchFamily="34" charset="0"/>
-              </a:rPr>
-              <a:t>WP-HTML: </a:t>
-            </a:r>
-            <a:endParaRPr lang="en-GB" dirty="0">
-              <a:solidFill>
-                <a:srgbClr val="2196F3"/>
-              </a:solidFill>
-              <a:latin typeface="Segoe UI" panose="020B0502040204020203" pitchFamily="34" charset="0"/>
-              <a:cs typeface="Segoe UI" panose="020B0502040204020203" pitchFamily="34" charset="0"/>
-            </a:endParaRPr>
-          </a:p>
-          <a:p>
-            <a:pPr marL="457200" lvl="1" indent="0">
-              <a:lnSpc>
-                <a:spcPts val="4500"/>
-              </a:lnSpc>
-              <a:buNone/>
-            </a:pPr>
-            <a:r>
-              <a:rPr lang="en-GB" sz="14400" dirty="0">
-                <a:solidFill>
-                  <a:srgbClr val="2196F3"/>
-                </a:solidFill>
-                <a:latin typeface="Segoe UI" panose="020B0502040204020203" pitchFamily="34" charset="0"/>
-                <a:cs typeface="Segoe UI" panose="020B0502040204020203" pitchFamily="34" charset="0"/>
-              </a:rPr>
-              <a:t>The marriage of WP and JS Frameworks for expansion, ubiquity and profit. </a:t>
-            </a:r>
-            <a:endParaRPr lang="en-GB" sz="6400" dirty="0">
-              <a:solidFill>
-                <a:srgbClr val="2196F3"/>
-              </a:solidFill>
-              <a:latin typeface="Segoe UI" panose="020B0502040204020203" pitchFamily="34" charset="0"/>
-              <a:cs typeface="Segoe UI" panose="020B0502040204020203" pitchFamily="34" charset="0"/>
-            </a:endParaRPr>
-          </a:p>
-          <a:p>
-            <a:pPr marL="457200" lvl="1" indent="0">
-              <a:lnSpc>
-                <a:spcPts val="4500"/>
-              </a:lnSpc>
-              <a:buNone/>
-            </a:pPr>
-            <a:r>
-              <a:rPr lang="en-GB" sz="14400" dirty="0">
-                <a:solidFill>
-                  <a:srgbClr val="2196F3"/>
-                </a:solidFill>
-                <a:latin typeface="Segoe UI" panose="020B0502040204020203" pitchFamily="34" charset="0"/>
-                <a:cs typeface="Segoe UI" panose="020B0502040204020203" pitchFamily="34" charset="0"/>
-              </a:rPr>
-              <a:t>Enabling </a:t>
-            </a:r>
-            <a:r>
-              <a:rPr lang="en-GB" sz="14400" i="1" dirty="0">
-                <a:solidFill>
-                  <a:srgbClr val="2196F3"/>
-                </a:solidFill>
-                <a:latin typeface="Segoe UI" panose="020B0502040204020203" pitchFamily="34" charset="0"/>
-                <a:cs typeface="Segoe UI" panose="020B0502040204020203" pitchFamily="34" charset="0"/>
-              </a:rPr>
-              <a:t>any</a:t>
-            </a:r>
-            <a:r>
-              <a:rPr lang="en-GB" sz="14400" dirty="0">
-                <a:solidFill>
-                  <a:srgbClr val="2196F3"/>
-                </a:solidFill>
-                <a:latin typeface="Segoe UI" panose="020B0502040204020203" pitchFamily="34" charset="0"/>
-                <a:cs typeface="Segoe UI" panose="020B0502040204020203" pitchFamily="34" charset="0"/>
-              </a:rPr>
-              <a:t> site to embed WP </a:t>
-            </a:r>
-            <a:r>
-              <a:rPr lang="en-GB" sz="14400" b="1" dirty="0">
-                <a:solidFill>
-                  <a:srgbClr val="2196F3"/>
-                </a:solidFill>
-                <a:latin typeface="Segoe UI" panose="020B0502040204020203" pitchFamily="34" charset="0"/>
-                <a:cs typeface="Segoe UI" panose="020B0502040204020203" pitchFamily="34" charset="0"/>
-              </a:rPr>
-              <a:t>content</a:t>
-            </a:r>
-            <a:r>
-              <a:rPr lang="en-GB" sz="14400" dirty="0">
-                <a:solidFill>
-                  <a:srgbClr val="2196F3"/>
-                </a:solidFill>
-                <a:latin typeface="Segoe UI" panose="020B0502040204020203" pitchFamily="34" charset="0"/>
-                <a:cs typeface="Segoe UI" panose="020B0502040204020203" pitchFamily="34" charset="0"/>
-              </a:rPr>
-              <a:t> and</a:t>
-            </a:r>
-          </a:p>
-          <a:p>
-            <a:pPr marL="457200" lvl="1" indent="0">
-              <a:lnSpc>
-                <a:spcPts val="4500"/>
-              </a:lnSpc>
-              <a:buNone/>
-            </a:pPr>
-            <a:r>
-              <a:rPr lang="en-GB" sz="14400" b="1" dirty="0">
-                <a:solidFill>
-                  <a:srgbClr val="2196F3"/>
-                </a:solidFill>
-                <a:latin typeface="Segoe UI" panose="020B0502040204020203" pitchFamily="34" charset="0"/>
-                <a:cs typeface="Segoe UI" panose="020B0502040204020203" pitchFamily="34" charset="0"/>
-              </a:rPr>
-              <a:t>functionality</a:t>
-            </a:r>
-            <a:r>
-              <a:rPr lang="en-GB" sz="14400" dirty="0">
-                <a:solidFill>
-                  <a:srgbClr val="2196F3"/>
-                </a:solidFill>
-                <a:latin typeface="Segoe UI" panose="020B0502040204020203" pitchFamily="34" charset="0"/>
-                <a:cs typeface="Segoe UI" panose="020B0502040204020203" pitchFamily="34" charset="0"/>
-              </a:rPr>
-              <a:t> by adding:</a:t>
-            </a:r>
+            <a:endParaRPr lang="en-GB" sz="2000" dirty="0">
+              <a:latin typeface="Segoe UI" panose="020B0502040204020203" pitchFamily="34" charset="0"/>
+              <a:cs typeface="Segoe UI" panose="020B0502040204020203" pitchFamily="34" charset="0"/>
+            </a:endParaRPr>
           </a:p>
           <a:p>
             <a:pPr marL="457200" lvl="1" indent="0">
@@ -6323,14 +8913,14 @@
               <a:buNone/>
             </a:pPr>
             <a:r>
-              <a:rPr lang="en-GB" sz="14400" dirty="0">
+              <a:rPr lang="en-GB" sz="4300" dirty="0">
                 <a:solidFill>
                   <a:srgbClr val="2196F3"/>
                 </a:solidFill>
                 <a:latin typeface="Segoe UI" panose="020B0502040204020203" pitchFamily="34" charset="0"/>
                 <a:cs typeface="Segoe UI" panose="020B0502040204020203" pitchFamily="34" charset="0"/>
               </a:rPr>
-              <a:t>&lt;wp-component&gt;&lt;/wp-component&gt;</a:t>
+              <a:t>&lt;my-component&gt;&lt;/my-component&gt;</a:t>
             </a:r>
           </a:p>
           <a:p>
@@ -6338,7 +8928,7 @@
               <a:buNone/>
             </a:pPr>
             <a:r>
-              <a:rPr lang="en-GB" sz="14400" dirty="0">
+              <a:rPr lang="en-GB" sz="4300" dirty="0">
                 <a:solidFill>
                   <a:srgbClr val="2196F3"/>
                 </a:solidFill>
@@ -6352,7 +8942,7 @@
             <a:pPr marL="457200" lvl="1" indent="0" algn="ctr">
               <a:buNone/>
             </a:pPr>
-            <a:endParaRPr lang="en-GB" sz="8000" i="1" dirty="0">
+            <a:endParaRPr lang="en-GB" sz="4300" dirty="0">
               <a:solidFill>
                 <a:srgbClr val="2196F3"/>
               </a:solidFill>
@@ -6361,38 +8951,45 @@
             </a:endParaRPr>
           </a:p>
           <a:p>
-            <a:pPr marL="457200" lvl="1" indent="0" algn="ctr">
+            <a:pPr marL="457200" lvl="1" indent="0">
               <a:buNone/>
             </a:pPr>
             <a:r>
-              <a:rPr lang="en-GB" sz="14400" i="1" dirty="0">
+              <a:rPr lang="en-GB" sz="3600" dirty="0">
                 <a:solidFill>
                   <a:srgbClr val="2196F3"/>
                 </a:solidFill>
                 <a:latin typeface="Segoe UI" panose="020B0502040204020203" pitchFamily="34" charset="0"/>
                 <a:cs typeface="Segoe UI" panose="020B0502040204020203" pitchFamily="34" charset="0"/>
               </a:rPr>
-              <a:t>Think </a:t>
-            </a:r>
-            <a:r>
-              <a:rPr lang="en-GB" sz="14400" b="1" i="1" dirty="0">
+              <a:t>Must contain at least one hyphen.</a:t>
+            </a:r>
+          </a:p>
+          <a:p>
+            <a:pPr marL="457200" lvl="1" indent="0">
+              <a:buNone/>
+            </a:pPr>
+            <a:endParaRPr lang="en-GB" sz="3600" dirty="0">
+              <a:solidFill>
+                <a:srgbClr val="2196F3"/>
+              </a:solidFill>
+              <a:latin typeface="Segoe UI" panose="020B0502040204020203" pitchFamily="34" charset="0"/>
+              <a:cs typeface="Segoe UI" panose="020B0502040204020203" pitchFamily="34" charset="0"/>
+            </a:endParaRPr>
+          </a:p>
+          <a:p>
+            <a:pPr marL="457200" lvl="1" indent="0">
+              <a:buNone/>
+            </a:pPr>
+            <a:r>
+              <a:rPr lang="en-GB" sz="3600" dirty="0">
                 <a:solidFill>
                   <a:srgbClr val="2196F3"/>
                 </a:solidFill>
                 <a:latin typeface="Segoe UI" panose="020B0502040204020203" pitchFamily="34" charset="0"/>
                 <a:cs typeface="Segoe UI" panose="020B0502040204020203" pitchFamily="34" charset="0"/>
               </a:rPr>
-              <a:t>PLUGINS</a:t>
-            </a:r>
-            <a:r>
-              <a:rPr lang="en-GB" sz="14400" i="1" dirty="0">
-                <a:solidFill>
-                  <a:srgbClr val="2196F3"/>
-                </a:solidFill>
-                <a:latin typeface="Segoe UI" panose="020B0502040204020203" pitchFamily="34" charset="0"/>
-                <a:cs typeface="Segoe UI" panose="020B0502040204020203" pitchFamily="34" charset="0"/>
-              </a:rPr>
-              <a:t> for HTML!</a:t>
+              <a:t>Part of the browser specifications so can be used just like regular HTML tags.</a:t>
             </a:r>
           </a:p>
           <a:p>
@@ -6448,7 +9045,7 @@
     </p:spTree>
     <p:extLst>
       <p:ext uri="{BB962C8B-B14F-4D97-AF65-F5344CB8AC3E}">
-        <p14:creationId xmlns:p14="http://schemas.microsoft.com/office/powerpoint/2010/main" val="688433910"/>
+        <p14:creationId xmlns:p14="http://schemas.microsoft.com/office/powerpoint/2010/main" val="520367034"/>
       </p:ext>
     </p:extLst>
   </p:cSld>
@@ -6475,906 +9072,12 @@
           <a:chExt cx="0" cy="0"/>
         </a:xfrm>
       </p:grpSpPr>
-      <p:sp>
-        <p:nvSpPr>
-          <p:cNvPr id="5" name="Rectangle: Rounded Corners 4">
-            <a:extLst>
-              <a:ext uri="{FF2B5EF4-FFF2-40B4-BE49-F238E27FC236}">
-                <a16:creationId xmlns:a16="http://schemas.microsoft.com/office/drawing/2014/main" id="{65B1CF75-47B8-4AC4-BD1E-926B376FD50D}"/>
-              </a:ext>
-            </a:extLst>
-          </p:cNvPr>
-          <p:cNvSpPr/>
-          <p:nvPr/>
-        </p:nvSpPr>
-        <p:spPr>
-          <a:xfrm>
-            <a:off x="886408" y="4376057"/>
-            <a:ext cx="1819470" cy="942392"/>
-          </a:xfrm>
-          <a:prstGeom prst="roundRect">
-            <a:avLst/>
-          </a:prstGeom>
-          <a:solidFill>
-            <a:schemeClr val="bg1">
-              <a:lumMod val="85000"/>
-            </a:schemeClr>
-          </a:solidFill>
-          <a:ln w="28575">
-            <a:solidFill>
-              <a:srgbClr val="FF0000"/>
-            </a:solidFill>
-          </a:ln>
-        </p:spPr>
-        <p:style>
-          <a:lnRef idx="2">
-            <a:schemeClr val="accent1">
-              <a:shade val="50000"/>
-            </a:schemeClr>
-          </a:lnRef>
-          <a:fillRef idx="1">
-            <a:schemeClr val="accent1"/>
-          </a:fillRef>
-          <a:effectRef idx="0">
-            <a:schemeClr val="accent1"/>
-          </a:effectRef>
-          <a:fontRef idx="minor">
-            <a:schemeClr val="lt1"/>
-          </a:fontRef>
-        </p:style>
-        <p:txBody>
-          <a:bodyPr rtlCol="0" anchor="ctr"/>
-          <a:lstStyle/>
-          <a:p>
-            <a:pPr algn="ctr"/>
-            <a:endParaRPr lang="en-GB">
-              <a:latin typeface="Segoe UI" panose="020B0502040204020203" pitchFamily="34" charset="0"/>
-              <a:cs typeface="Segoe UI" panose="020B0502040204020203" pitchFamily="34" charset="0"/>
-            </a:endParaRPr>
-          </a:p>
-        </p:txBody>
-      </p:sp>
-      <p:cxnSp>
-        <p:nvCxnSpPr>
-          <p:cNvPr id="7" name="Straight Connector 6">
-            <a:extLst>
-              <a:ext uri="{FF2B5EF4-FFF2-40B4-BE49-F238E27FC236}">
-                <a16:creationId xmlns:a16="http://schemas.microsoft.com/office/drawing/2014/main" id="{5B3AFA23-E550-4B2B-8247-AFA75329D28C}"/>
-              </a:ext>
-            </a:extLst>
-          </p:cNvPr>
-          <p:cNvCxnSpPr>
-            <a:cxnSpLocks/>
-          </p:cNvCxnSpPr>
-          <p:nvPr/>
-        </p:nvCxnSpPr>
-        <p:spPr>
-          <a:xfrm>
-            <a:off x="8238930" y="0"/>
-            <a:ext cx="0" cy="6858000"/>
-          </a:xfrm>
-          <a:prstGeom prst="line">
-            <a:avLst/>
-          </a:prstGeom>
-          <a:ln w="127000">
-            <a:solidFill>
-              <a:schemeClr val="tx1"/>
-            </a:solidFill>
-          </a:ln>
-        </p:spPr>
-        <p:style>
-          <a:lnRef idx="1">
-            <a:schemeClr val="accent1"/>
-          </a:lnRef>
-          <a:fillRef idx="0">
-            <a:schemeClr val="accent1"/>
-          </a:fillRef>
-          <a:effectRef idx="0">
-            <a:schemeClr val="accent1"/>
-          </a:effectRef>
-          <a:fontRef idx="minor">
-            <a:schemeClr val="tx1"/>
-          </a:fontRef>
-        </p:style>
-      </p:cxnSp>
-      <p:cxnSp>
-        <p:nvCxnSpPr>
-          <p:cNvPr id="9" name="Straight Connector 8">
-            <a:extLst>
-              <a:ext uri="{FF2B5EF4-FFF2-40B4-BE49-F238E27FC236}">
-                <a16:creationId xmlns:a16="http://schemas.microsoft.com/office/drawing/2014/main" id="{8ECDE257-0E06-4C73-B713-15F600FA91AE}"/>
-              </a:ext>
-            </a:extLst>
-          </p:cNvPr>
-          <p:cNvCxnSpPr>
-            <a:cxnSpLocks/>
-          </p:cNvCxnSpPr>
-          <p:nvPr/>
-        </p:nvCxnSpPr>
-        <p:spPr>
-          <a:xfrm>
-            <a:off x="3097763" y="3437944"/>
-            <a:ext cx="0" cy="2449286"/>
-          </a:xfrm>
-          <a:prstGeom prst="line">
-            <a:avLst/>
-          </a:prstGeom>
-          <a:ln w="15875" cmpd="dbl">
-            <a:solidFill>
-              <a:schemeClr val="accent6">
-                <a:lumMod val="75000"/>
-              </a:schemeClr>
-            </a:solidFill>
-            <a:prstDash val="lgDash"/>
-          </a:ln>
-        </p:spPr>
-        <p:style>
-          <a:lnRef idx="1">
-            <a:schemeClr val="accent1"/>
-          </a:lnRef>
-          <a:fillRef idx="0">
-            <a:schemeClr val="accent1"/>
-          </a:fillRef>
-          <a:effectRef idx="0">
-            <a:schemeClr val="accent1"/>
-          </a:effectRef>
-          <a:fontRef idx="minor">
-            <a:schemeClr val="tx1"/>
-          </a:fontRef>
-        </p:style>
-      </p:cxnSp>
-      <p:sp>
-        <p:nvSpPr>
-          <p:cNvPr id="13" name="Rectangle: Rounded Corners 12">
-            <a:extLst>
-              <a:ext uri="{FF2B5EF4-FFF2-40B4-BE49-F238E27FC236}">
-                <a16:creationId xmlns:a16="http://schemas.microsoft.com/office/drawing/2014/main" id="{497DB97B-039D-4182-8A21-C324F5A05084}"/>
-              </a:ext>
-            </a:extLst>
-          </p:cNvPr>
-          <p:cNvSpPr/>
-          <p:nvPr/>
-        </p:nvSpPr>
-        <p:spPr>
-          <a:xfrm>
-            <a:off x="1244080" y="709127"/>
-            <a:ext cx="5520611" cy="2183363"/>
-          </a:xfrm>
-          <a:prstGeom prst="roundRect">
-            <a:avLst/>
-          </a:prstGeom>
-          <a:solidFill>
-            <a:schemeClr val="bg1">
-              <a:lumMod val="85000"/>
-            </a:schemeClr>
-          </a:solidFill>
-          <a:ln w="28575">
-            <a:solidFill>
-              <a:srgbClr val="FF0000"/>
-            </a:solidFill>
-          </a:ln>
-        </p:spPr>
-        <p:style>
-          <a:lnRef idx="2">
-            <a:schemeClr val="accent1">
-              <a:shade val="50000"/>
-            </a:schemeClr>
-          </a:lnRef>
-          <a:fillRef idx="1">
-            <a:schemeClr val="accent1"/>
-          </a:fillRef>
-          <a:effectRef idx="0">
-            <a:schemeClr val="accent1"/>
-          </a:effectRef>
-          <a:fontRef idx="minor">
-            <a:schemeClr val="lt1"/>
-          </a:fontRef>
-        </p:style>
-        <p:txBody>
-          <a:bodyPr rtlCol="0" anchor="ctr"/>
-          <a:lstStyle/>
-          <a:p>
-            <a:pPr algn="ctr"/>
-            <a:endParaRPr lang="en-GB">
-              <a:latin typeface="Segoe UI" panose="020B0502040204020203" pitchFamily="34" charset="0"/>
-              <a:cs typeface="Segoe UI" panose="020B0502040204020203" pitchFamily="34" charset="0"/>
-            </a:endParaRPr>
-          </a:p>
-        </p:txBody>
-      </p:sp>
-      <p:sp>
-        <p:nvSpPr>
-          <p:cNvPr id="14" name="Rectangle: Rounded Corners 13">
-            <a:extLst>
-              <a:ext uri="{FF2B5EF4-FFF2-40B4-BE49-F238E27FC236}">
-                <a16:creationId xmlns:a16="http://schemas.microsoft.com/office/drawing/2014/main" id="{670B406B-FAA1-4A47-9E0F-388A4554F760}"/>
-              </a:ext>
-            </a:extLst>
-          </p:cNvPr>
-          <p:cNvSpPr/>
-          <p:nvPr/>
-        </p:nvSpPr>
-        <p:spPr>
-          <a:xfrm>
-            <a:off x="5951371" y="4406768"/>
-            <a:ext cx="1819470" cy="942392"/>
-          </a:xfrm>
-          <a:prstGeom prst="roundRect">
-            <a:avLst/>
-          </a:prstGeom>
-          <a:solidFill>
-            <a:schemeClr val="bg1">
-              <a:lumMod val="85000"/>
-            </a:schemeClr>
-          </a:solidFill>
-          <a:ln w="28575">
-            <a:solidFill>
-              <a:srgbClr val="FF0000"/>
-            </a:solidFill>
-          </a:ln>
-        </p:spPr>
-        <p:style>
-          <a:lnRef idx="2">
-            <a:schemeClr val="accent1">
-              <a:shade val="50000"/>
-            </a:schemeClr>
-          </a:lnRef>
-          <a:fillRef idx="1">
-            <a:schemeClr val="accent1"/>
-          </a:fillRef>
-          <a:effectRef idx="0">
-            <a:schemeClr val="accent1"/>
-          </a:effectRef>
-          <a:fontRef idx="minor">
-            <a:schemeClr val="lt1"/>
-          </a:fontRef>
-        </p:style>
-        <p:txBody>
-          <a:bodyPr rtlCol="0" anchor="ctr"/>
-          <a:lstStyle/>
-          <a:p>
-            <a:pPr algn="ctr"/>
-            <a:endParaRPr lang="en-GB">
-              <a:latin typeface="Segoe UI" panose="020B0502040204020203" pitchFamily="34" charset="0"/>
-              <a:cs typeface="Segoe UI" panose="020B0502040204020203" pitchFamily="34" charset="0"/>
-            </a:endParaRPr>
-          </a:p>
-        </p:txBody>
-      </p:sp>
-      <p:sp>
-        <p:nvSpPr>
-          <p:cNvPr id="15" name="Rectangle: Rounded Corners 14">
-            <a:extLst>
-              <a:ext uri="{FF2B5EF4-FFF2-40B4-BE49-F238E27FC236}">
-                <a16:creationId xmlns:a16="http://schemas.microsoft.com/office/drawing/2014/main" id="{56FA4A14-0892-4CE1-BE7A-A2056ECF1DAC}"/>
-              </a:ext>
-            </a:extLst>
-          </p:cNvPr>
-          <p:cNvSpPr/>
-          <p:nvPr/>
-        </p:nvSpPr>
-        <p:spPr>
-          <a:xfrm>
-            <a:off x="3456988" y="4406768"/>
-            <a:ext cx="1819470" cy="942392"/>
-          </a:xfrm>
-          <a:prstGeom prst="roundRect">
-            <a:avLst/>
-          </a:prstGeom>
-          <a:solidFill>
-            <a:schemeClr val="bg1">
-              <a:lumMod val="85000"/>
-            </a:schemeClr>
-          </a:solidFill>
-          <a:ln w="28575">
-            <a:solidFill>
-              <a:srgbClr val="FF0000"/>
-            </a:solidFill>
-          </a:ln>
-        </p:spPr>
-        <p:style>
-          <a:lnRef idx="2">
-            <a:schemeClr val="accent1">
-              <a:shade val="50000"/>
-            </a:schemeClr>
-          </a:lnRef>
-          <a:fillRef idx="1">
-            <a:schemeClr val="accent1"/>
-          </a:fillRef>
-          <a:effectRef idx="0">
-            <a:schemeClr val="accent1"/>
-          </a:effectRef>
-          <a:fontRef idx="minor">
-            <a:schemeClr val="lt1"/>
-          </a:fontRef>
-        </p:style>
-        <p:txBody>
-          <a:bodyPr rtlCol="0" anchor="ctr"/>
-          <a:lstStyle/>
-          <a:p>
-            <a:pPr algn="ctr"/>
-            <a:endParaRPr lang="en-GB">
-              <a:latin typeface="Segoe UI" panose="020B0502040204020203" pitchFamily="34" charset="0"/>
-              <a:cs typeface="Segoe UI" panose="020B0502040204020203" pitchFamily="34" charset="0"/>
-            </a:endParaRPr>
-          </a:p>
-        </p:txBody>
-      </p:sp>
-      <p:cxnSp>
-        <p:nvCxnSpPr>
-          <p:cNvPr id="16" name="Straight Connector 15">
-            <a:extLst>
-              <a:ext uri="{FF2B5EF4-FFF2-40B4-BE49-F238E27FC236}">
-                <a16:creationId xmlns:a16="http://schemas.microsoft.com/office/drawing/2014/main" id="{B8646BD2-FF5F-47C6-9788-5228BF540137}"/>
-              </a:ext>
-            </a:extLst>
-          </p:cNvPr>
-          <p:cNvCxnSpPr>
-            <a:cxnSpLocks/>
-          </p:cNvCxnSpPr>
-          <p:nvPr/>
-        </p:nvCxnSpPr>
-        <p:spPr>
-          <a:xfrm>
-            <a:off x="5592147" y="3429000"/>
-            <a:ext cx="0" cy="2449286"/>
-          </a:xfrm>
-          <a:prstGeom prst="line">
-            <a:avLst/>
-          </a:prstGeom>
-          <a:ln w="15875" cmpd="dbl">
-            <a:solidFill>
-              <a:schemeClr val="accent6">
-                <a:lumMod val="75000"/>
-              </a:schemeClr>
-            </a:solidFill>
-            <a:prstDash val="lgDash"/>
-          </a:ln>
-        </p:spPr>
-        <p:style>
-          <a:lnRef idx="1">
-            <a:schemeClr val="accent1"/>
-          </a:lnRef>
-          <a:fillRef idx="0">
-            <a:schemeClr val="accent1"/>
-          </a:fillRef>
-          <a:effectRef idx="0">
-            <a:schemeClr val="accent1"/>
-          </a:effectRef>
-          <a:fontRef idx="minor">
-            <a:schemeClr val="tx1"/>
-          </a:fontRef>
-        </p:style>
-      </p:cxnSp>
-      <p:sp>
-        <p:nvSpPr>
-          <p:cNvPr id="17" name="TextBox 16">
-            <a:extLst>
-              <a:ext uri="{FF2B5EF4-FFF2-40B4-BE49-F238E27FC236}">
-                <a16:creationId xmlns:a16="http://schemas.microsoft.com/office/drawing/2014/main" id="{6E8BFC32-3AFA-4B4C-9172-2CBE21A80A58}"/>
-              </a:ext>
-            </a:extLst>
-          </p:cNvPr>
-          <p:cNvSpPr txBox="1"/>
-          <p:nvPr/>
-        </p:nvSpPr>
-        <p:spPr>
-          <a:xfrm>
-            <a:off x="2362465" y="1178588"/>
-            <a:ext cx="3187956" cy="1446550"/>
-          </a:xfrm>
-          <a:prstGeom prst="rect">
-            <a:avLst/>
-          </a:prstGeom>
-          <a:noFill/>
-        </p:spPr>
-        <p:txBody>
-          <a:bodyPr wrap="square" rtlCol="0">
-            <a:spAutoFit/>
-          </a:bodyPr>
-          <a:lstStyle/>
-          <a:p>
-            <a:r>
-              <a:rPr lang="en-GB" sz="8800" dirty="0">
-                <a:latin typeface="Segoe UI" panose="020B0502040204020203" pitchFamily="34" charset="0"/>
-                <a:cs typeface="Segoe UI" panose="020B0502040204020203" pitchFamily="34" charset="0"/>
-              </a:rPr>
-              <a:t>HTML</a:t>
-            </a:r>
-          </a:p>
-        </p:txBody>
-      </p:sp>
-      <p:sp>
-        <p:nvSpPr>
-          <p:cNvPr id="19" name="TextBox 18">
-            <a:extLst>
-              <a:ext uri="{FF2B5EF4-FFF2-40B4-BE49-F238E27FC236}">
-                <a16:creationId xmlns:a16="http://schemas.microsoft.com/office/drawing/2014/main" id="{C81F58F9-1FC7-477B-877C-80F0959EBC0E}"/>
-              </a:ext>
-            </a:extLst>
-          </p:cNvPr>
-          <p:cNvSpPr txBox="1"/>
-          <p:nvPr/>
-        </p:nvSpPr>
-        <p:spPr>
-          <a:xfrm>
-            <a:off x="6019022" y="4693298"/>
-            <a:ext cx="1686507" cy="369332"/>
-          </a:xfrm>
-          <a:prstGeom prst="rect">
-            <a:avLst/>
-          </a:prstGeom>
-          <a:noFill/>
-        </p:spPr>
-        <p:txBody>
-          <a:bodyPr wrap="square" rtlCol="0">
-            <a:spAutoFit/>
-          </a:bodyPr>
-          <a:lstStyle/>
-          <a:p>
-            <a:r>
-              <a:rPr lang="en-GB" dirty="0">
-                <a:latin typeface="Segoe UI" panose="020B0502040204020203" pitchFamily="34" charset="0"/>
-                <a:cs typeface="Segoe UI" panose="020B0502040204020203" pitchFamily="34" charset="0"/>
-              </a:rPr>
-              <a:t>Framework ...n</a:t>
-            </a:r>
-          </a:p>
-        </p:txBody>
-      </p:sp>
-      <p:sp>
-        <p:nvSpPr>
-          <p:cNvPr id="20" name="TextBox 19">
-            <a:extLst>
-              <a:ext uri="{FF2B5EF4-FFF2-40B4-BE49-F238E27FC236}">
-                <a16:creationId xmlns:a16="http://schemas.microsoft.com/office/drawing/2014/main" id="{FB923CCF-0EA9-4C2D-AC00-B89B13CB18B9}"/>
-              </a:ext>
-            </a:extLst>
-          </p:cNvPr>
-          <p:cNvSpPr txBox="1"/>
-          <p:nvPr/>
-        </p:nvSpPr>
-        <p:spPr>
-          <a:xfrm>
-            <a:off x="3619499" y="4693298"/>
-            <a:ext cx="1488233" cy="369332"/>
-          </a:xfrm>
-          <a:prstGeom prst="rect">
-            <a:avLst/>
-          </a:prstGeom>
-          <a:noFill/>
-        </p:spPr>
-        <p:txBody>
-          <a:bodyPr wrap="square" rtlCol="0">
-            <a:spAutoFit/>
-          </a:bodyPr>
-          <a:lstStyle/>
-          <a:p>
-            <a:r>
-              <a:rPr lang="en-GB" dirty="0">
-                <a:latin typeface="Segoe UI" panose="020B0502040204020203" pitchFamily="34" charset="0"/>
-                <a:cs typeface="Segoe UI" panose="020B0502040204020203" pitchFamily="34" charset="0"/>
-              </a:rPr>
-              <a:t>Framework 2</a:t>
-            </a:r>
-          </a:p>
-        </p:txBody>
-      </p:sp>
-      <p:sp>
-        <p:nvSpPr>
-          <p:cNvPr id="21" name="TextBox 20">
-            <a:extLst>
-              <a:ext uri="{FF2B5EF4-FFF2-40B4-BE49-F238E27FC236}">
-                <a16:creationId xmlns:a16="http://schemas.microsoft.com/office/drawing/2014/main" id="{000E004F-3DEE-453A-880F-3667A9536687}"/>
-              </a:ext>
-            </a:extLst>
-          </p:cNvPr>
-          <p:cNvSpPr txBox="1"/>
-          <p:nvPr/>
-        </p:nvSpPr>
-        <p:spPr>
-          <a:xfrm>
-            <a:off x="1091681" y="4693298"/>
-            <a:ext cx="1488233" cy="369332"/>
-          </a:xfrm>
-          <a:prstGeom prst="rect">
-            <a:avLst/>
-          </a:prstGeom>
-          <a:noFill/>
-        </p:spPr>
-        <p:txBody>
-          <a:bodyPr wrap="square" rtlCol="0">
-            <a:spAutoFit/>
-          </a:bodyPr>
-          <a:lstStyle/>
-          <a:p>
-            <a:r>
-              <a:rPr lang="en-GB" dirty="0">
-                <a:latin typeface="Segoe UI" panose="020B0502040204020203" pitchFamily="34" charset="0"/>
-                <a:cs typeface="Segoe UI" panose="020B0502040204020203" pitchFamily="34" charset="0"/>
-              </a:rPr>
-              <a:t>Framework 1</a:t>
-            </a:r>
-          </a:p>
-        </p:txBody>
-      </p:sp>
-      <p:sp>
-        <p:nvSpPr>
-          <p:cNvPr id="23" name="Rectangle: Rounded Corners 22">
-            <a:extLst>
-              <a:ext uri="{FF2B5EF4-FFF2-40B4-BE49-F238E27FC236}">
-                <a16:creationId xmlns:a16="http://schemas.microsoft.com/office/drawing/2014/main" id="{B8A217E0-2E19-412E-A686-048F33BFC561}"/>
-              </a:ext>
-            </a:extLst>
-          </p:cNvPr>
-          <p:cNvSpPr/>
-          <p:nvPr/>
-        </p:nvSpPr>
-        <p:spPr>
-          <a:xfrm>
-            <a:off x="9193762" y="709127"/>
-            <a:ext cx="2251787" cy="4609322"/>
-          </a:xfrm>
-          <a:prstGeom prst="roundRect">
-            <a:avLst/>
-          </a:prstGeom>
-          <a:solidFill>
-            <a:schemeClr val="bg1">
-              <a:lumMod val="85000"/>
-            </a:schemeClr>
-          </a:solidFill>
-          <a:ln w="28575">
-            <a:solidFill>
-              <a:srgbClr val="FF0000"/>
-            </a:solidFill>
-          </a:ln>
-        </p:spPr>
-        <p:style>
-          <a:lnRef idx="2">
-            <a:schemeClr val="accent1">
-              <a:shade val="50000"/>
-            </a:schemeClr>
-          </a:lnRef>
-          <a:fillRef idx="1">
-            <a:schemeClr val="accent1"/>
-          </a:fillRef>
-          <a:effectRef idx="0">
-            <a:schemeClr val="accent1"/>
-          </a:effectRef>
-          <a:fontRef idx="minor">
-            <a:schemeClr val="lt1"/>
-          </a:fontRef>
-        </p:style>
-        <p:txBody>
-          <a:bodyPr rtlCol="0" anchor="ctr"/>
-          <a:lstStyle/>
-          <a:p>
-            <a:pPr algn="ctr"/>
-            <a:endParaRPr lang="en-GB">
-              <a:latin typeface="Segoe UI" panose="020B0502040204020203" pitchFamily="34" charset="0"/>
-              <a:cs typeface="Segoe UI" panose="020B0502040204020203" pitchFamily="34" charset="0"/>
-            </a:endParaRPr>
-          </a:p>
-        </p:txBody>
-      </p:sp>
-      <p:cxnSp>
-        <p:nvCxnSpPr>
-          <p:cNvPr id="18" name="Straight Arrow Connector 17">
-            <a:extLst>
-              <a:ext uri="{FF2B5EF4-FFF2-40B4-BE49-F238E27FC236}">
-                <a16:creationId xmlns:a16="http://schemas.microsoft.com/office/drawing/2014/main" id="{5F7D620A-347A-4465-8346-ADDE9EFF331B}"/>
-              </a:ext>
-            </a:extLst>
-          </p:cNvPr>
-          <p:cNvCxnSpPr>
-            <a:cxnSpLocks/>
-          </p:cNvCxnSpPr>
-          <p:nvPr/>
-        </p:nvCxnSpPr>
-        <p:spPr>
-          <a:xfrm flipV="1">
-            <a:off x="1688841" y="1346327"/>
-            <a:ext cx="0" cy="3029730"/>
-          </a:xfrm>
-          <a:prstGeom prst="straightConnector1">
-            <a:avLst/>
-          </a:prstGeom>
-          <a:ln w="38100">
-            <a:solidFill>
-              <a:schemeClr val="accent1">
-                <a:lumMod val="75000"/>
-              </a:schemeClr>
-            </a:solidFill>
-            <a:tailEnd type="triangle"/>
-          </a:ln>
-        </p:spPr>
-        <p:style>
-          <a:lnRef idx="1">
-            <a:schemeClr val="accent1"/>
-          </a:lnRef>
-          <a:fillRef idx="0">
-            <a:schemeClr val="accent1"/>
-          </a:fillRef>
-          <a:effectRef idx="0">
-            <a:schemeClr val="accent1"/>
-          </a:effectRef>
-          <a:fontRef idx="minor">
-            <a:schemeClr val="tx1"/>
-          </a:fontRef>
-        </p:style>
-      </p:cxnSp>
-      <p:cxnSp>
-        <p:nvCxnSpPr>
-          <p:cNvPr id="22" name="Straight Arrow Connector 21">
-            <a:extLst>
-              <a:ext uri="{FF2B5EF4-FFF2-40B4-BE49-F238E27FC236}">
-                <a16:creationId xmlns:a16="http://schemas.microsoft.com/office/drawing/2014/main" id="{58038E94-A816-4097-B154-9278E5E3AEC5}"/>
-              </a:ext>
-            </a:extLst>
-          </p:cNvPr>
-          <p:cNvCxnSpPr>
-            <a:cxnSpLocks/>
-          </p:cNvCxnSpPr>
-          <p:nvPr/>
-        </p:nvCxnSpPr>
-        <p:spPr>
-          <a:xfrm flipV="1">
-            <a:off x="4266429" y="2692866"/>
-            <a:ext cx="0" cy="1713902"/>
-          </a:xfrm>
-          <a:prstGeom prst="straightConnector1">
-            <a:avLst/>
-          </a:prstGeom>
-          <a:ln w="38100">
-            <a:solidFill>
-              <a:schemeClr val="accent1">
-                <a:lumMod val="75000"/>
-              </a:schemeClr>
-            </a:solidFill>
-            <a:tailEnd type="triangle"/>
-          </a:ln>
-        </p:spPr>
-        <p:style>
-          <a:lnRef idx="1">
-            <a:schemeClr val="accent1"/>
-          </a:lnRef>
-          <a:fillRef idx="0">
-            <a:schemeClr val="accent1"/>
-          </a:fillRef>
-          <a:effectRef idx="0">
-            <a:schemeClr val="accent1"/>
-          </a:effectRef>
-          <a:fontRef idx="minor">
-            <a:schemeClr val="tx1"/>
-          </a:fontRef>
-        </p:style>
-      </p:cxnSp>
-      <p:cxnSp>
-        <p:nvCxnSpPr>
-          <p:cNvPr id="25" name="Straight Arrow Connector 24">
-            <a:extLst>
-              <a:ext uri="{FF2B5EF4-FFF2-40B4-BE49-F238E27FC236}">
-                <a16:creationId xmlns:a16="http://schemas.microsoft.com/office/drawing/2014/main" id="{CE3C969B-AEB4-4EC9-9A8E-B3AE9B64804C}"/>
-              </a:ext>
-            </a:extLst>
-          </p:cNvPr>
-          <p:cNvCxnSpPr/>
-          <p:nvPr/>
-        </p:nvCxnSpPr>
-        <p:spPr>
-          <a:xfrm flipV="1">
-            <a:off x="6263180" y="1666564"/>
-            <a:ext cx="0" cy="2740204"/>
-          </a:xfrm>
-          <a:prstGeom prst="straightConnector1">
-            <a:avLst/>
-          </a:prstGeom>
-          <a:ln w="38100">
-            <a:solidFill>
-              <a:schemeClr val="accent1">
-                <a:lumMod val="75000"/>
-              </a:schemeClr>
-            </a:solidFill>
-            <a:tailEnd type="triangle"/>
-          </a:ln>
-        </p:spPr>
-        <p:style>
-          <a:lnRef idx="1">
-            <a:schemeClr val="accent1"/>
-          </a:lnRef>
-          <a:fillRef idx="0">
-            <a:schemeClr val="accent1"/>
-          </a:fillRef>
-          <a:effectRef idx="0">
-            <a:schemeClr val="accent1"/>
-          </a:effectRef>
-          <a:fontRef idx="minor">
-            <a:schemeClr val="tx1"/>
-          </a:fontRef>
-        </p:style>
-      </p:cxnSp>
-      <p:sp>
-        <p:nvSpPr>
-          <p:cNvPr id="2" name="TextBox 1">
-            <a:extLst>
-              <a:ext uri="{FF2B5EF4-FFF2-40B4-BE49-F238E27FC236}">
-                <a16:creationId xmlns:a16="http://schemas.microsoft.com/office/drawing/2014/main" id="{750521FD-EDC1-47B6-839B-F4D55BFCABCF}"/>
-              </a:ext>
-            </a:extLst>
-          </p:cNvPr>
-          <p:cNvSpPr txBox="1"/>
-          <p:nvPr/>
-        </p:nvSpPr>
-        <p:spPr>
-          <a:xfrm>
-            <a:off x="1388706" y="830901"/>
-            <a:ext cx="3590988" cy="646331"/>
-          </a:xfrm>
-          <a:prstGeom prst="rect">
-            <a:avLst/>
-          </a:prstGeom>
-          <a:noFill/>
-        </p:spPr>
-        <p:txBody>
-          <a:bodyPr wrap="square" rtlCol="0">
-            <a:spAutoFit/>
-          </a:bodyPr>
-          <a:lstStyle/>
-          <a:p>
-            <a:r>
-              <a:rPr lang="en-GB" dirty="0">
-                <a:solidFill>
-                  <a:schemeClr val="accent1">
-                    <a:lumMod val="75000"/>
-                  </a:schemeClr>
-                </a:solidFill>
-              </a:rPr>
-              <a:t>&lt;script src=“bundle.js”&gt;&lt;/script&gt;</a:t>
-            </a:r>
-          </a:p>
-          <a:p>
-            <a:r>
-              <a:rPr lang="en-GB" dirty="0">
-                <a:solidFill>
-                  <a:schemeClr val="accent1">
-                    <a:lumMod val="75000"/>
-                  </a:schemeClr>
-                </a:solidFill>
-              </a:rPr>
-              <a:t>&lt;div id=“app”&gt;</a:t>
-            </a:r>
-          </a:p>
-        </p:txBody>
-      </p:sp>
-      <p:sp>
-        <p:nvSpPr>
-          <p:cNvPr id="26" name="TextBox 25">
-            <a:extLst>
-              <a:ext uri="{FF2B5EF4-FFF2-40B4-BE49-F238E27FC236}">
-                <a16:creationId xmlns:a16="http://schemas.microsoft.com/office/drawing/2014/main" id="{92E01203-6628-42AA-B191-2BE8EE04C15B}"/>
-              </a:ext>
-            </a:extLst>
-          </p:cNvPr>
-          <p:cNvSpPr txBox="1"/>
-          <p:nvPr/>
-        </p:nvSpPr>
-        <p:spPr>
-          <a:xfrm>
-            <a:off x="9728713" y="1046454"/>
-            <a:ext cx="1278294" cy="369332"/>
-          </a:xfrm>
-          <a:prstGeom prst="rect">
-            <a:avLst/>
-          </a:prstGeom>
-          <a:solidFill>
-            <a:schemeClr val="accent1">
-              <a:lumMod val="60000"/>
-              <a:lumOff val="40000"/>
-            </a:schemeClr>
-          </a:solidFill>
-        </p:spPr>
-        <p:style>
-          <a:lnRef idx="2">
-            <a:schemeClr val="accent6">
-              <a:shade val="50000"/>
-            </a:schemeClr>
-          </a:lnRef>
-          <a:fillRef idx="1">
-            <a:schemeClr val="accent6"/>
-          </a:fillRef>
-          <a:effectRef idx="0">
-            <a:schemeClr val="accent6"/>
-          </a:effectRef>
-          <a:fontRef idx="minor">
-            <a:schemeClr val="lt1"/>
-          </a:fontRef>
-        </p:style>
-        <p:txBody>
-          <a:bodyPr rtlCol="0" anchor="ctr"/>
-          <a:lstStyle>
-            <a:defPPr>
-              <a:defRPr lang="en-US"/>
-            </a:defPPr>
-            <a:lvl1pPr algn="ctr">
-              <a:defRPr>
-                <a:solidFill>
-                  <a:schemeClr val="lt1"/>
-                </a:solidFill>
-                <a:latin typeface="Segoe UI" panose="020B0502040204020203" pitchFamily="34" charset="0"/>
-                <a:cs typeface="Segoe UI" panose="020B0502040204020203" pitchFamily="34" charset="0"/>
-              </a:defRPr>
-            </a:lvl1pPr>
-            <a:lvl2pPr>
-              <a:defRPr>
-                <a:solidFill>
-                  <a:schemeClr val="lt1"/>
-                </a:solidFill>
-              </a:defRPr>
-            </a:lvl2pPr>
-            <a:lvl3pPr>
-              <a:defRPr>
-                <a:solidFill>
-                  <a:schemeClr val="lt1"/>
-                </a:solidFill>
-              </a:defRPr>
-            </a:lvl3pPr>
-            <a:lvl4pPr>
-              <a:defRPr>
-                <a:solidFill>
-                  <a:schemeClr val="lt1"/>
-                </a:solidFill>
-              </a:defRPr>
-            </a:lvl4pPr>
-            <a:lvl5pPr>
-              <a:defRPr>
-                <a:solidFill>
-                  <a:schemeClr val="lt1"/>
-                </a:solidFill>
-              </a:defRPr>
-            </a:lvl5pPr>
-            <a:lvl6pPr>
-              <a:defRPr>
-                <a:solidFill>
-                  <a:schemeClr val="lt1"/>
-                </a:solidFill>
-              </a:defRPr>
-            </a:lvl6pPr>
-            <a:lvl7pPr>
-              <a:defRPr>
-                <a:solidFill>
-                  <a:schemeClr val="lt1"/>
-                </a:solidFill>
-              </a:defRPr>
-            </a:lvl7pPr>
-            <a:lvl8pPr>
-              <a:defRPr>
-                <a:solidFill>
-                  <a:schemeClr val="lt1"/>
-                </a:solidFill>
-              </a:defRPr>
-            </a:lvl8pPr>
-            <a:lvl9pPr>
-              <a:defRPr>
-                <a:solidFill>
-                  <a:schemeClr val="lt1"/>
-                </a:solidFill>
-              </a:defRPr>
-            </a:lvl9pPr>
-          </a:lstStyle>
-          <a:p>
-            <a:r>
-              <a:rPr lang="en-GB" dirty="0"/>
-              <a:t>WordPress</a:t>
-            </a:r>
-          </a:p>
-        </p:txBody>
-      </p:sp>
       <p:pic>
         <p:nvPicPr>
-          <p:cNvPr id="4" name="Graphic 3" descr="Sad face with no fill">
-            <a:extLst>
-              <a:ext uri="{FF2B5EF4-FFF2-40B4-BE49-F238E27FC236}">
-                <a16:creationId xmlns:a16="http://schemas.microsoft.com/office/drawing/2014/main" id="{66A14EB3-BF63-41D8-9A63-AE052D7983C9}"/>
+          <p:cNvPr id="5" name="Picture 4" descr="A picture containing food&#10;&#10;Description automatically generated">
+            <a:extLst>
+              <a:ext uri="{FF2B5EF4-FFF2-40B4-BE49-F238E27FC236}">
+                <a16:creationId xmlns:a16="http://schemas.microsoft.com/office/drawing/2014/main" id="{8E85D67E-6196-4971-9517-B5CA032300BF}"/>
               </a:ext>
             </a:extLst>
           </p:cNvPr>
@@ -7389,9 +9092,6 @@
               <a:ext uri="{28A0092B-C50C-407E-A947-70E740481C1C}">
                 <a14:useLocalDpi xmlns:a14="http://schemas.microsoft.com/office/drawing/2010/main" val="0"/>
               </a:ext>
-              <a:ext uri="{96DAC541-7B7A-43D3-8B79-37D633B846F1}">
-                <asvg:svgBlip xmlns:asvg="http://schemas.microsoft.com/office/drawing/2016/SVG/main" r:embed="rId3"/>
-              </a:ext>
             </a:extLst>
           </a:blip>
           <a:stretch>
@@ -7400,18 +9100,56 @@
         </p:blipFill>
         <p:spPr>
           <a:xfrm>
-            <a:off x="9259074" y="1901863"/>
-            <a:ext cx="2155961" cy="2155961"/>
+            <a:off x="2416471" y="900717"/>
+            <a:ext cx="7234921" cy="5444100"/>
           </a:xfrm>
           <a:prstGeom prst="rect">
             <a:avLst/>
           </a:prstGeom>
         </p:spPr>
       </p:pic>
+      <p:sp>
+        <p:nvSpPr>
+          <p:cNvPr id="6" name="TextBox 5">
+            <a:extLst>
+              <a:ext uri="{FF2B5EF4-FFF2-40B4-BE49-F238E27FC236}">
+                <a16:creationId xmlns:a16="http://schemas.microsoft.com/office/drawing/2014/main" id="{95FBBC3D-9FC0-49E9-BA50-3C94DE833DEC}"/>
+              </a:ext>
+            </a:extLst>
+          </p:cNvPr>
+          <p:cNvSpPr txBox="1"/>
+          <p:nvPr/>
+        </p:nvSpPr>
+        <p:spPr>
+          <a:xfrm>
+            <a:off x="2316788" y="233266"/>
+            <a:ext cx="7607558" cy="400110"/>
+          </a:xfrm>
+          <a:prstGeom prst="rect">
+            <a:avLst/>
+          </a:prstGeom>
+          <a:noFill/>
+        </p:spPr>
+        <p:txBody>
+          <a:bodyPr wrap="square" rtlCol="0">
+            <a:spAutoFit/>
+          </a:bodyPr>
+          <a:lstStyle/>
+          <a:p>
+            <a:r>
+              <a:rPr lang="en-GB" sz="2000" b="1" dirty="0">
+                <a:latin typeface="Segoe UI" panose="020B0502040204020203" pitchFamily="34" charset="0"/>
+                <a:cs typeface="Segoe UI" panose="020B0502040204020203" pitchFamily="34" charset="0"/>
+              </a:rPr>
+              <a:t>International JS Conference London 2018 – Key Note Speech</a:t>
+            </a:r>
+          </a:p>
+        </p:txBody>
+      </p:sp>
     </p:spTree>
     <p:extLst>
       <p:ext uri="{BB962C8B-B14F-4D97-AF65-F5344CB8AC3E}">
-        <p14:creationId xmlns:p14="http://schemas.microsoft.com/office/powerpoint/2010/main" val="3965203367"/>
+        <p14:creationId xmlns:p14="http://schemas.microsoft.com/office/powerpoint/2010/main" val="1395185159"/>
       </p:ext>
     </p:extLst>
   </p:cSld>
@@ -7499,10 +9237,10 @@
       </p:sp>
       <p:cxnSp>
         <p:nvCxnSpPr>
-          <p:cNvPr id="9" name="Straight Connector 8">
-            <a:extLst>
-              <a:ext uri="{FF2B5EF4-FFF2-40B4-BE49-F238E27FC236}">
-                <a16:creationId xmlns:a16="http://schemas.microsoft.com/office/drawing/2014/main" id="{8ECDE257-0E06-4C73-B713-15F600FA91AE}"/>
+          <p:cNvPr id="7" name="Straight Connector 6">
+            <a:extLst>
+              <a:ext uri="{FF2B5EF4-FFF2-40B4-BE49-F238E27FC236}">
+                <a16:creationId xmlns:a16="http://schemas.microsoft.com/office/drawing/2014/main" id="{5B3AFA23-E550-4B2B-8247-AFA75329D28C}"/>
               </a:ext>
             </a:extLst>
           </p:cNvPr>
@@ -7513,1118 +9251,16 @@
         </p:nvCxnSpPr>
         <p:spPr>
           <a:xfrm>
-            <a:off x="3097763" y="3437944"/>
-            <a:ext cx="0" cy="2449286"/>
+            <a:off x="8238930" y="0"/>
+            <a:ext cx="0" cy="6858000"/>
           </a:xfrm>
           <a:prstGeom prst="line">
             <a:avLst/>
           </a:prstGeom>
-          <a:ln w="15875" cmpd="dbl">
+          <a:ln w="127000">
             <a:solidFill>
-              <a:schemeClr val="accent6">
-                <a:lumMod val="75000"/>
-              </a:schemeClr>
+              <a:schemeClr val="tx1"/>
             </a:solidFill>
-            <a:prstDash val="lgDash"/>
-          </a:ln>
-        </p:spPr>
-        <p:style>
-          <a:lnRef idx="1">
-            <a:schemeClr val="accent1"/>
-          </a:lnRef>
-          <a:fillRef idx="0">
-            <a:schemeClr val="accent1"/>
-          </a:fillRef>
-          <a:effectRef idx="0">
-            <a:schemeClr val="accent1"/>
-          </a:effectRef>
-          <a:fontRef idx="minor">
-            <a:schemeClr val="tx1"/>
-          </a:fontRef>
-        </p:style>
-      </p:cxnSp>
-      <p:sp>
-        <p:nvSpPr>
-          <p:cNvPr id="11" name="Rectangle: Rounded Corners 10">
-            <a:extLst>
-              <a:ext uri="{FF2B5EF4-FFF2-40B4-BE49-F238E27FC236}">
-                <a16:creationId xmlns:a16="http://schemas.microsoft.com/office/drawing/2014/main" id="{1D5DB675-0CE6-474A-B918-0BBB81FDF253}"/>
-              </a:ext>
-            </a:extLst>
-          </p:cNvPr>
-          <p:cNvSpPr/>
-          <p:nvPr/>
-        </p:nvSpPr>
-        <p:spPr>
-          <a:xfrm>
-            <a:off x="9193764" y="709127"/>
-            <a:ext cx="2251787" cy="4609322"/>
-          </a:xfrm>
-          <a:prstGeom prst="roundRect">
-            <a:avLst/>
-          </a:prstGeom>
-          <a:solidFill>
-            <a:schemeClr val="bg1">
-              <a:lumMod val="85000"/>
-            </a:schemeClr>
-          </a:solidFill>
-          <a:ln w="28575">
-            <a:solidFill>
-              <a:srgbClr val="FF0000"/>
-            </a:solidFill>
-          </a:ln>
-        </p:spPr>
-        <p:style>
-          <a:lnRef idx="2">
-            <a:schemeClr val="accent1">
-              <a:shade val="50000"/>
-            </a:schemeClr>
-          </a:lnRef>
-          <a:fillRef idx="1">
-            <a:schemeClr val="accent1"/>
-          </a:fillRef>
-          <a:effectRef idx="0">
-            <a:schemeClr val="accent1"/>
-          </a:effectRef>
-          <a:fontRef idx="minor">
-            <a:schemeClr val="lt1"/>
-          </a:fontRef>
-        </p:style>
-        <p:txBody>
-          <a:bodyPr rtlCol="0" anchor="ctr"/>
-          <a:lstStyle/>
-          <a:p>
-            <a:pPr algn="ctr"/>
-            <a:endParaRPr lang="en-GB">
-              <a:latin typeface="Segoe UI" panose="020B0502040204020203" pitchFamily="34" charset="0"/>
-              <a:cs typeface="Segoe UI" panose="020B0502040204020203" pitchFamily="34" charset="0"/>
-            </a:endParaRPr>
-          </a:p>
-        </p:txBody>
-      </p:sp>
-      <p:sp>
-        <p:nvSpPr>
-          <p:cNvPr id="13" name="Rectangle: Rounded Corners 12">
-            <a:extLst>
-              <a:ext uri="{FF2B5EF4-FFF2-40B4-BE49-F238E27FC236}">
-                <a16:creationId xmlns:a16="http://schemas.microsoft.com/office/drawing/2014/main" id="{497DB97B-039D-4182-8A21-C324F5A05084}"/>
-              </a:ext>
-            </a:extLst>
-          </p:cNvPr>
-          <p:cNvSpPr/>
-          <p:nvPr/>
-        </p:nvSpPr>
-        <p:spPr>
-          <a:xfrm>
-            <a:off x="1003054" y="777913"/>
-            <a:ext cx="6884431" cy="2183363"/>
-          </a:xfrm>
-          <a:prstGeom prst="roundRect">
-            <a:avLst/>
-          </a:prstGeom>
-          <a:solidFill>
-            <a:schemeClr val="bg1">
-              <a:lumMod val="85000"/>
-            </a:schemeClr>
-          </a:solidFill>
-          <a:ln w="28575">
-            <a:solidFill>
-              <a:srgbClr val="FF0000"/>
-            </a:solidFill>
-          </a:ln>
-        </p:spPr>
-        <p:style>
-          <a:lnRef idx="2">
-            <a:schemeClr val="accent1">
-              <a:shade val="50000"/>
-            </a:schemeClr>
-          </a:lnRef>
-          <a:fillRef idx="1">
-            <a:schemeClr val="accent1"/>
-          </a:fillRef>
-          <a:effectRef idx="0">
-            <a:schemeClr val="accent1"/>
-          </a:effectRef>
-          <a:fontRef idx="minor">
-            <a:schemeClr val="lt1"/>
-          </a:fontRef>
-        </p:style>
-        <p:txBody>
-          <a:bodyPr rtlCol="0" anchor="ctr"/>
-          <a:lstStyle/>
-          <a:p>
-            <a:pPr algn="ctr"/>
-            <a:endParaRPr lang="en-GB">
-              <a:latin typeface="Segoe UI" panose="020B0502040204020203" pitchFamily="34" charset="0"/>
-              <a:cs typeface="Segoe UI" panose="020B0502040204020203" pitchFamily="34" charset="0"/>
-            </a:endParaRPr>
-          </a:p>
-        </p:txBody>
-      </p:sp>
-      <p:sp>
-        <p:nvSpPr>
-          <p:cNvPr id="14" name="Rectangle: Rounded Corners 13">
-            <a:extLst>
-              <a:ext uri="{FF2B5EF4-FFF2-40B4-BE49-F238E27FC236}">
-                <a16:creationId xmlns:a16="http://schemas.microsoft.com/office/drawing/2014/main" id="{670B406B-FAA1-4A47-9E0F-388A4554F760}"/>
-              </a:ext>
-            </a:extLst>
-          </p:cNvPr>
-          <p:cNvSpPr/>
-          <p:nvPr/>
-        </p:nvSpPr>
-        <p:spPr>
-          <a:xfrm>
-            <a:off x="5951371" y="4406768"/>
-            <a:ext cx="1819465" cy="942392"/>
-          </a:xfrm>
-          <a:prstGeom prst="roundRect">
-            <a:avLst/>
-          </a:prstGeom>
-          <a:solidFill>
-            <a:schemeClr val="bg1">
-              <a:lumMod val="85000"/>
-            </a:schemeClr>
-          </a:solidFill>
-          <a:ln w="28575">
-            <a:solidFill>
-              <a:srgbClr val="FF0000"/>
-            </a:solidFill>
-          </a:ln>
-        </p:spPr>
-        <p:style>
-          <a:lnRef idx="2">
-            <a:schemeClr val="accent1">
-              <a:shade val="50000"/>
-            </a:schemeClr>
-          </a:lnRef>
-          <a:fillRef idx="1">
-            <a:schemeClr val="accent1"/>
-          </a:fillRef>
-          <a:effectRef idx="0">
-            <a:schemeClr val="accent1"/>
-          </a:effectRef>
-          <a:fontRef idx="minor">
-            <a:schemeClr val="lt1"/>
-          </a:fontRef>
-        </p:style>
-        <p:txBody>
-          <a:bodyPr rtlCol="0" anchor="ctr"/>
-          <a:lstStyle/>
-          <a:p>
-            <a:pPr algn="ctr"/>
-            <a:endParaRPr lang="en-GB">
-              <a:latin typeface="Segoe UI" panose="020B0502040204020203" pitchFamily="34" charset="0"/>
-              <a:cs typeface="Segoe UI" panose="020B0502040204020203" pitchFamily="34" charset="0"/>
-            </a:endParaRPr>
-          </a:p>
-        </p:txBody>
-      </p:sp>
-      <p:sp>
-        <p:nvSpPr>
-          <p:cNvPr id="15" name="Rectangle: Rounded Corners 14">
-            <a:extLst>
-              <a:ext uri="{FF2B5EF4-FFF2-40B4-BE49-F238E27FC236}">
-                <a16:creationId xmlns:a16="http://schemas.microsoft.com/office/drawing/2014/main" id="{56FA4A14-0892-4CE1-BE7A-A2056ECF1DAC}"/>
-              </a:ext>
-            </a:extLst>
-          </p:cNvPr>
-          <p:cNvSpPr/>
-          <p:nvPr/>
-        </p:nvSpPr>
-        <p:spPr>
-          <a:xfrm>
-            <a:off x="3456987" y="4406768"/>
-            <a:ext cx="1895667" cy="942392"/>
-          </a:xfrm>
-          <a:prstGeom prst="roundRect">
-            <a:avLst/>
-          </a:prstGeom>
-          <a:solidFill>
-            <a:schemeClr val="bg1">
-              <a:lumMod val="85000"/>
-            </a:schemeClr>
-          </a:solidFill>
-          <a:ln w="28575">
-            <a:solidFill>
-              <a:srgbClr val="FF0000"/>
-            </a:solidFill>
-          </a:ln>
-        </p:spPr>
-        <p:style>
-          <a:lnRef idx="2">
-            <a:schemeClr val="accent1">
-              <a:shade val="50000"/>
-            </a:schemeClr>
-          </a:lnRef>
-          <a:fillRef idx="1">
-            <a:schemeClr val="accent1"/>
-          </a:fillRef>
-          <a:effectRef idx="0">
-            <a:schemeClr val="accent1"/>
-          </a:effectRef>
-          <a:fontRef idx="minor">
-            <a:schemeClr val="lt1"/>
-          </a:fontRef>
-        </p:style>
-        <p:txBody>
-          <a:bodyPr rtlCol="0" anchor="ctr"/>
-          <a:lstStyle/>
-          <a:p>
-            <a:pPr algn="ctr"/>
-            <a:endParaRPr lang="en-GB">
-              <a:latin typeface="Segoe UI" panose="020B0502040204020203" pitchFamily="34" charset="0"/>
-              <a:cs typeface="Segoe UI" panose="020B0502040204020203" pitchFamily="34" charset="0"/>
-            </a:endParaRPr>
-          </a:p>
-        </p:txBody>
-      </p:sp>
-      <p:cxnSp>
-        <p:nvCxnSpPr>
-          <p:cNvPr id="16" name="Straight Connector 15">
-            <a:extLst>
-              <a:ext uri="{FF2B5EF4-FFF2-40B4-BE49-F238E27FC236}">
-                <a16:creationId xmlns:a16="http://schemas.microsoft.com/office/drawing/2014/main" id="{B8646BD2-FF5F-47C6-9788-5228BF540137}"/>
-              </a:ext>
-            </a:extLst>
-          </p:cNvPr>
-          <p:cNvCxnSpPr>
-            <a:cxnSpLocks/>
-          </p:cNvCxnSpPr>
-          <p:nvPr/>
-        </p:nvCxnSpPr>
-        <p:spPr>
-          <a:xfrm>
-            <a:off x="5592147" y="3429000"/>
-            <a:ext cx="0" cy="2449286"/>
-          </a:xfrm>
-          <a:prstGeom prst="line">
-            <a:avLst/>
-          </a:prstGeom>
-          <a:ln w="15875" cmpd="dbl">
-            <a:solidFill>
-              <a:schemeClr val="accent6">
-                <a:lumMod val="75000"/>
-              </a:schemeClr>
-            </a:solidFill>
-            <a:prstDash val="lgDash"/>
-          </a:ln>
-        </p:spPr>
-        <p:style>
-          <a:lnRef idx="1">
-            <a:schemeClr val="accent1"/>
-          </a:lnRef>
-          <a:fillRef idx="0">
-            <a:schemeClr val="accent1"/>
-          </a:fillRef>
-          <a:effectRef idx="0">
-            <a:schemeClr val="accent1"/>
-          </a:effectRef>
-          <a:fontRef idx="minor">
-            <a:schemeClr val="tx1"/>
-          </a:fontRef>
-        </p:style>
-      </p:cxnSp>
-      <p:sp>
-        <p:nvSpPr>
-          <p:cNvPr id="17" name="TextBox 16">
-            <a:extLst>
-              <a:ext uri="{FF2B5EF4-FFF2-40B4-BE49-F238E27FC236}">
-                <a16:creationId xmlns:a16="http://schemas.microsoft.com/office/drawing/2014/main" id="{6E8BFC32-3AFA-4B4C-9172-2CBE21A80A58}"/>
-              </a:ext>
-            </a:extLst>
-          </p:cNvPr>
-          <p:cNvSpPr txBox="1"/>
-          <p:nvPr/>
-        </p:nvSpPr>
-        <p:spPr>
-          <a:xfrm>
-            <a:off x="2908044" y="1063132"/>
-            <a:ext cx="3187956" cy="1446550"/>
-          </a:xfrm>
-          <a:prstGeom prst="rect">
-            <a:avLst/>
-          </a:prstGeom>
-          <a:noFill/>
-        </p:spPr>
-        <p:txBody>
-          <a:bodyPr wrap="square" rtlCol="0">
-            <a:spAutoFit/>
-          </a:bodyPr>
-          <a:lstStyle/>
-          <a:p>
-            <a:r>
-              <a:rPr lang="en-GB" sz="8800" dirty="0">
-                <a:latin typeface="Segoe UI" panose="020B0502040204020203" pitchFamily="34" charset="0"/>
-                <a:cs typeface="Segoe UI" panose="020B0502040204020203" pitchFamily="34" charset="0"/>
-              </a:rPr>
-              <a:t>HTML</a:t>
-            </a:r>
-          </a:p>
-        </p:txBody>
-      </p:sp>
-      <p:sp>
-        <p:nvSpPr>
-          <p:cNvPr id="19" name="TextBox 18">
-            <a:extLst>
-              <a:ext uri="{FF2B5EF4-FFF2-40B4-BE49-F238E27FC236}">
-                <a16:creationId xmlns:a16="http://schemas.microsoft.com/office/drawing/2014/main" id="{C81F58F9-1FC7-477B-877C-80F0959EBC0E}"/>
-              </a:ext>
-            </a:extLst>
-          </p:cNvPr>
-          <p:cNvSpPr txBox="1"/>
-          <p:nvPr/>
-        </p:nvSpPr>
-        <p:spPr>
-          <a:xfrm>
-            <a:off x="6019022" y="4693298"/>
-            <a:ext cx="1702057" cy="369332"/>
-          </a:xfrm>
-          <a:prstGeom prst="rect">
-            <a:avLst/>
-          </a:prstGeom>
-          <a:noFill/>
-        </p:spPr>
-        <p:txBody>
-          <a:bodyPr wrap="square" rtlCol="0">
-            <a:spAutoFit/>
-          </a:bodyPr>
-          <a:lstStyle/>
-          <a:p>
-            <a:r>
-              <a:rPr lang="en-GB" dirty="0">
-                <a:latin typeface="Segoe UI" panose="020B0502040204020203" pitchFamily="34" charset="0"/>
-                <a:cs typeface="Segoe UI" panose="020B0502040204020203" pitchFamily="34" charset="0"/>
-              </a:rPr>
-              <a:t>Framework ...n</a:t>
-            </a:r>
-          </a:p>
-        </p:txBody>
-      </p:sp>
-      <p:sp>
-        <p:nvSpPr>
-          <p:cNvPr id="20" name="TextBox 19">
-            <a:extLst>
-              <a:ext uri="{FF2B5EF4-FFF2-40B4-BE49-F238E27FC236}">
-                <a16:creationId xmlns:a16="http://schemas.microsoft.com/office/drawing/2014/main" id="{FB923CCF-0EA9-4C2D-AC00-B89B13CB18B9}"/>
-              </a:ext>
-            </a:extLst>
-          </p:cNvPr>
-          <p:cNvSpPr txBox="1"/>
-          <p:nvPr/>
-        </p:nvSpPr>
-        <p:spPr>
-          <a:xfrm>
-            <a:off x="3619499" y="4693298"/>
-            <a:ext cx="1488233" cy="369332"/>
-          </a:xfrm>
-          <a:prstGeom prst="rect">
-            <a:avLst/>
-          </a:prstGeom>
-          <a:noFill/>
-        </p:spPr>
-        <p:txBody>
-          <a:bodyPr wrap="square" rtlCol="0">
-            <a:spAutoFit/>
-          </a:bodyPr>
-          <a:lstStyle/>
-          <a:p>
-            <a:r>
-              <a:rPr lang="en-GB" dirty="0">
-                <a:latin typeface="Segoe UI" panose="020B0502040204020203" pitchFamily="34" charset="0"/>
-                <a:cs typeface="Segoe UI" panose="020B0502040204020203" pitchFamily="34" charset="0"/>
-              </a:rPr>
-              <a:t>Framework 2</a:t>
-            </a:r>
-          </a:p>
-        </p:txBody>
-      </p:sp>
-      <p:sp>
-        <p:nvSpPr>
-          <p:cNvPr id="21" name="TextBox 20">
-            <a:extLst>
-              <a:ext uri="{FF2B5EF4-FFF2-40B4-BE49-F238E27FC236}">
-                <a16:creationId xmlns:a16="http://schemas.microsoft.com/office/drawing/2014/main" id="{000E004F-3DEE-453A-880F-3667A9536687}"/>
-              </a:ext>
-            </a:extLst>
-          </p:cNvPr>
-          <p:cNvSpPr txBox="1"/>
-          <p:nvPr/>
-        </p:nvSpPr>
-        <p:spPr>
-          <a:xfrm>
-            <a:off x="1091681" y="4693298"/>
-            <a:ext cx="1488233" cy="369332"/>
-          </a:xfrm>
-          <a:prstGeom prst="rect">
-            <a:avLst/>
-          </a:prstGeom>
-          <a:noFill/>
-        </p:spPr>
-        <p:txBody>
-          <a:bodyPr wrap="square" rtlCol="0">
-            <a:spAutoFit/>
-          </a:bodyPr>
-          <a:lstStyle/>
-          <a:p>
-            <a:r>
-              <a:rPr lang="en-GB" dirty="0">
-                <a:latin typeface="Segoe UI" panose="020B0502040204020203" pitchFamily="34" charset="0"/>
-                <a:cs typeface="Segoe UI" panose="020B0502040204020203" pitchFamily="34" charset="0"/>
-              </a:rPr>
-              <a:t>Framework 1</a:t>
-            </a:r>
-          </a:p>
-        </p:txBody>
-      </p:sp>
-      <p:sp>
-        <p:nvSpPr>
-          <p:cNvPr id="2" name="Rectangle 1">
-            <a:extLst>
-              <a:ext uri="{FF2B5EF4-FFF2-40B4-BE49-F238E27FC236}">
-                <a16:creationId xmlns:a16="http://schemas.microsoft.com/office/drawing/2014/main" id="{FDD2DDAE-CA83-4119-9F26-87A3775E731D}"/>
-              </a:ext>
-            </a:extLst>
-          </p:cNvPr>
-          <p:cNvSpPr/>
-          <p:nvPr/>
-        </p:nvSpPr>
-        <p:spPr>
-          <a:xfrm>
-            <a:off x="886406" y="3150607"/>
-            <a:ext cx="6884431" cy="811764"/>
-          </a:xfrm>
-          <a:prstGeom prst="rect">
-            <a:avLst/>
-          </a:prstGeom>
-        </p:spPr>
-        <p:style>
-          <a:lnRef idx="2">
-            <a:schemeClr val="accent6">
-              <a:shade val="50000"/>
-            </a:schemeClr>
-          </a:lnRef>
-          <a:fillRef idx="1">
-            <a:schemeClr val="accent6"/>
-          </a:fillRef>
-          <a:effectRef idx="0">
-            <a:schemeClr val="accent6"/>
-          </a:effectRef>
-          <a:fontRef idx="minor">
-            <a:schemeClr val="lt1"/>
-          </a:fontRef>
-        </p:style>
-        <p:txBody>
-          <a:bodyPr rtlCol="0" anchor="ctr"/>
-          <a:lstStyle/>
-          <a:p>
-            <a:pPr algn="ctr"/>
-            <a:endParaRPr lang="en-GB">
-              <a:latin typeface="Segoe UI" panose="020B0502040204020203" pitchFamily="34" charset="0"/>
-              <a:cs typeface="Segoe UI" panose="020B0502040204020203" pitchFamily="34" charset="0"/>
-            </a:endParaRPr>
-          </a:p>
-        </p:txBody>
-      </p:sp>
-      <p:sp>
-        <p:nvSpPr>
-          <p:cNvPr id="3" name="TextBox 2">
-            <a:extLst>
-              <a:ext uri="{FF2B5EF4-FFF2-40B4-BE49-F238E27FC236}">
-                <a16:creationId xmlns:a16="http://schemas.microsoft.com/office/drawing/2014/main" id="{0F9AD193-E370-4053-AFC8-A661FCE69253}"/>
-              </a:ext>
-            </a:extLst>
-          </p:cNvPr>
-          <p:cNvSpPr txBox="1"/>
-          <p:nvPr/>
-        </p:nvSpPr>
-        <p:spPr>
-          <a:xfrm>
-            <a:off x="2266955" y="3288787"/>
-            <a:ext cx="4123332" cy="584775"/>
-          </a:xfrm>
-          <a:prstGeom prst="rect">
-            <a:avLst/>
-          </a:prstGeom>
-          <a:noFill/>
-        </p:spPr>
-        <p:txBody>
-          <a:bodyPr wrap="square" rtlCol="0">
-            <a:spAutoFit/>
-          </a:bodyPr>
-          <a:lstStyle/>
-          <a:p>
-            <a:r>
-              <a:rPr lang="en-GB" sz="3200" b="1" dirty="0">
-                <a:solidFill>
-                  <a:schemeClr val="bg1"/>
-                </a:solidFill>
-                <a:latin typeface="Segoe UI" panose="020B0502040204020203" pitchFamily="34" charset="0"/>
-                <a:cs typeface="Segoe UI" panose="020B0502040204020203" pitchFamily="34" charset="0"/>
-              </a:rPr>
-              <a:t>WEB COMPONENTS</a:t>
-            </a:r>
-          </a:p>
-        </p:txBody>
-      </p:sp>
-      <p:cxnSp>
-        <p:nvCxnSpPr>
-          <p:cNvPr id="6" name="Straight Arrow Connector 5">
-            <a:extLst>
-              <a:ext uri="{FF2B5EF4-FFF2-40B4-BE49-F238E27FC236}">
-                <a16:creationId xmlns:a16="http://schemas.microsoft.com/office/drawing/2014/main" id="{D229A287-52AB-46FC-9CD3-F99C53ACEF34}"/>
-              </a:ext>
-            </a:extLst>
-          </p:cNvPr>
-          <p:cNvCxnSpPr/>
-          <p:nvPr/>
-        </p:nvCxnSpPr>
-        <p:spPr>
-          <a:xfrm flipV="1">
-            <a:off x="2062065" y="3960073"/>
-            <a:ext cx="0" cy="415984"/>
-          </a:xfrm>
-          <a:prstGeom prst="straightConnector1">
-            <a:avLst/>
-          </a:prstGeom>
-          <a:ln w="50800">
-            <a:tailEnd type="triangle"/>
-          </a:ln>
-        </p:spPr>
-        <p:style>
-          <a:lnRef idx="1">
-            <a:schemeClr val="accent6"/>
-          </a:lnRef>
-          <a:fillRef idx="0">
-            <a:schemeClr val="accent6"/>
-          </a:fillRef>
-          <a:effectRef idx="0">
-            <a:schemeClr val="accent6"/>
-          </a:effectRef>
-          <a:fontRef idx="minor">
-            <a:schemeClr val="tx1"/>
-          </a:fontRef>
-        </p:style>
-      </p:cxnSp>
-      <p:cxnSp>
-        <p:nvCxnSpPr>
-          <p:cNvPr id="22" name="Straight Arrow Connector 21">
-            <a:extLst>
-              <a:ext uri="{FF2B5EF4-FFF2-40B4-BE49-F238E27FC236}">
-                <a16:creationId xmlns:a16="http://schemas.microsoft.com/office/drawing/2014/main" id="{F12C64DB-7B75-4A11-AC0A-77AB2AC81EAD}"/>
-              </a:ext>
-            </a:extLst>
-          </p:cNvPr>
-          <p:cNvCxnSpPr/>
-          <p:nvPr/>
-        </p:nvCxnSpPr>
-        <p:spPr>
-          <a:xfrm flipV="1">
-            <a:off x="4261757" y="3978735"/>
-            <a:ext cx="0" cy="415984"/>
-          </a:xfrm>
-          <a:prstGeom prst="straightConnector1">
-            <a:avLst/>
-          </a:prstGeom>
-          <a:ln w="50800">
-            <a:tailEnd type="triangle"/>
-          </a:ln>
-        </p:spPr>
-        <p:style>
-          <a:lnRef idx="1">
-            <a:schemeClr val="accent6"/>
-          </a:lnRef>
-          <a:fillRef idx="0">
-            <a:schemeClr val="accent6"/>
-          </a:fillRef>
-          <a:effectRef idx="0">
-            <a:schemeClr val="accent6"/>
-          </a:effectRef>
-          <a:fontRef idx="minor">
-            <a:schemeClr val="tx1"/>
-          </a:fontRef>
-        </p:style>
-      </p:cxnSp>
-      <p:cxnSp>
-        <p:nvCxnSpPr>
-          <p:cNvPr id="23" name="Straight Arrow Connector 22">
-            <a:extLst>
-              <a:ext uri="{FF2B5EF4-FFF2-40B4-BE49-F238E27FC236}">
-                <a16:creationId xmlns:a16="http://schemas.microsoft.com/office/drawing/2014/main" id="{8B1C15C1-C3CB-4D87-A0BB-7C3A15158A95}"/>
-              </a:ext>
-            </a:extLst>
-          </p:cNvPr>
-          <p:cNvCxnSpPr/>
-          <p:nvPr/>
-        </p:nvCxnSpPr>
-        <p:spPr>
-          <a:xfrm flipV="1">
-            <a:off x="6304384" y="3962371"/>
-            <a:ext cx="0" cy="415984"/>
-          </a:xfrm>
-          <a:prstGeom prst="straightConnector1">
-            <a:avLst/>
-          </a:prstGeom>
-          <a:ln w="50800">
-            <a:tailEnd type="triangle"/>
-          </a:ln>
-        </p:spPr>
-        <p:style>
-          <a:lnRef idx="1">
-            <a:schemeClr val="accent6"/>
-          </a:lnRef>
-          <a:fillRef idx="0">
-            <a:schemeClr val="accent6"/>
-          </a:fillRef>
-          <a:effectRef idx="0">
-            <a:schemeClr val="accent6"/>
-          </a:effectRef>
-          <a:fontRef idx="minor">
-            <a:schemeClr val="tx1"/>
-          </a:fontRef>
-        </p:style>
-      </p:cxnSp>
-      <p:cxnSp>
-        <p:nvCxnSpPr>
-          <p:cNvPr id="24" name="Straight Arrow Connector 23">
-            <a:extLst>
-              <a:ext uri="{FF2B5EF4-FFF2-40B4-BE49-F238E27FC236}">
-                <a16:creationId xmlns:a16="http://schemas.microsoft.com/office/drawing/2014/main" id="{163353F7-B0B9-4F80-AC63-42827D10FDAE}"/>
-              </a:ext>
-            </a:extLst>
-          </p:cNvPr>
-          <p:cNvCxnSpPr>
-            <a:cxnSpLocks/>
-          </p:cNvCxnSpPr>
-          <p:nvPr/>
-        </p:nvCxnSpPr>
-        <p:spPr>
-          <a:xfrm flipV="1">
-            <a:off x="4261757" y="2220686"/>
-            <a:ext cx="0" cy="929921"/>
-          </a:xfrm>
-          <a:prstGeom prst="straightConnector1">
-            <a:avLst/>
-          </a:prstGeom>
-          <a:ln w="50800">
-            <a:tailEnd type="triangle"/>
-          </a:ln>
-        </p:spPr>
-        <p:style>
-          <a:lnRef idx="1">
-            <a:schemeClr val="accent6"/>
-          </a:lnRef>
-          <a:fillRef idx="0">
-            <a:schemeClr val="accent6"/>
-          </a:fillRef>
-          <a:effectRef idx="0">
-            <a:schemeClr val="accent6"/>
-          </a:effectRef>
-          <a:fontRef idx="minor">
-            <a:schemeClr val="tx1"/>
-          </a:fontRef>
-        </p:style>
-      </p:cxnSp>
-      <p:cxnSp>
-        <p:nvCxnSpPr>
-          <p:cNvPr id="25" name="Straight Arrow Connector 24">
-            <a:extLst>
-              <a:ext uri="{FF2B5EF4-FFF2-40B4-BE49-F238E27FC236}">
-                <a16:creationId xmlns:a16="http://schemas.microsoft.com/office/drawing/2014/main" id="{CC440C1A-3EF4-4B67-8663-C472C2FCEE45}"/>
-              </a:ext>
-            </a:extLst>
-          </p:cNvPr>
-          <p:cNvCxnSpPr>
-            <a:cxnSpLocks/>
-          </p:cNvCxnSpPr>
-          <p:nvPr/>
-        </p:nvCxnSpPr>
-        <p:spPr>
-          <a:xfrm>
-            <a:off x="2062065" y="3997396"/>
-            <a:ext cx="1464906" cy="490628"/>
-          </a:xfrm>
-          <a:prstGeom prst="straightConnector1">
-            <a:avLst/>
-          </a:prstGeom>
-          <a:ln w="50800">
-            <a:tailEnd type="triangle"/>
-          </a:ln>
-        </p:spPr>
-        <p:style>
-          <a:lnRef idx="1">
-            <a:schemeClr val="accent6"/>
-          </a:lnRef>
-          <a:fillRef idx="0">
-            <a:schemeClr val="accent6"/>
-          </a:fillRef>
-          <a:effectRef idx="0">
-            <a:schemeClr val="accent6"/>
-          </a:effectRef>
-          <a:fontRef idx="minor">
-            <a:schemeClr val="tx1"/>
-          </a:fontRef>
-        </p:style>
-      </p:cxnSp>
-      <p:cxnSp>
-        <p:nvCxnSpPr>
-          <p:cNvPr id="28" name="Straight Arrow Connector 27">
-            <a:extLst>
-              <a:ext uri="{FF2B5EF4-FFF2-40B4-BE49-F238E27FC236}">
-                <a16:creationId xmlns:a16="http://schemas.microsoft.com/office/drawing/2014/main" id="{BB158374-8877-4243-9769-72088526DB6A}"/>
-              </a:ext>
-            </a:extLst>
-          </p:cNvPr>
-          <p:cNvCxnSpPr>
-            <a:cxnSpLocks/>
-          </p:cNvCxnSpPr>
-          <p:nvPr/>
-        </p:nvCxnSpPr>
-        <p:spPr>
-          <a:xfrm>
-            <a:off x="4261757" y="3997396"/>
-            <a:ext cx="1689614" cy="490628"/>
-          </a:xfrm>
-          <a:prstGeom prst="straightConnector1">
-            <a:avLst/>
-          </a:prstGeom>
-          <a:ln w="50800">
-            <a:tailEnd type="triangle"/>
-          </a:ln>
-        </p:spPr>
-        <p:style>
-          <a:lnRef idx="1">
-            <a:schemeClr val="accent6"/>
-          </a:lnRef>
-          <a:fillRef idx="0">
-            <a:schemeClr val="accent6"/>
-          </a:fillRef>
-          <a:effectRef idx="0">
-            <a:schemeClr val="accent6"/>
-          </a:effectRef>
-          <a:fontRef idx="minor">
-            <a:schemeClr val="tx1"/>
-          </a:fontRef>
-        </p:style>
-      </p:cxnSp>
-      <p:sp>
-        <p:nvSpPr>
-          <p:cNvPr id="8" name="Arrow: Right 7">
-            <a:extLst>
-              <a:ext uri="{FF2B5EF4-FFF2-40B4-BE49-F238E27FC236}">
-                <a16:creationId xmlns:a16="http://schemas.microsoft.com/office/drawing/2014/main" id="{25BD3FE5-5BA0-48FE-B758-52C44C0D1DC1}"/>
-              </a:ext>
-            </a:extLst>
-          </p:cNvPr>
-          <p:cNvSpPr/>
-          <p:nvPr/>
-        </p:nvSpPr>
-        <p:spPr>
-          <a:xfrm rot="10800000">
-            <a:off x="7770836" y="3134313"/>
-            <a:ext cx="1411331" cy="825759"/>
-          </a:xfrm>
-          <a:prstGeom prst="rightArrow">
-            <a:avLst/>
-          </a:prstGeom>
-        </p:spPr>
-        <p:style>
-          <a:lnRef idx="2">
-            <a:schemeClr val="accent1">
-              <a:shade val="50000"/>
-            </a:schemeClr>
-          </a:lnRef>
-          <a:fillRef idx="1">
-            <a:schemeClr val="accent1"/>
-          </a:fillRef>
-          <a:effectRef idx="0">
-            <a:schemeClr val="accent1"/>
-          </a:effectRef>
-          <a:fontRef idx="minor">
-            <a:schemeClr val="lt1"/>
-          </a:fontRef>
-        </p:style>
-        <p:txBody>
-          <a:bodyPr rtlCol="0" anchor="ctr"/>
-          <a:lstStyle/>
-          <a:p>
-            <a:pPr algn="ctr"/>
-            <a:endParaRPr lang="en-GB"/>
-          </a:p>
-        </p:txBody>
-      </p:sp>
-      <p:sp>
-        <p:nvSpPr>
-          <p:cNvPr id="30" name="TextBox 29">
-            <a:extLst>
-              <a:ext uri="{FF2B5EF4-FFF2-40B4-BE49-F238E27FC236}">
-                <a16:creationId xmlns:a16="http://schemas.microsoft.com/office/drawing/2014/main" id="{20D77E3C-AC7F-43B7-8FF2-980322AACB93}"/>
-              </a:ext>
-            </a:extLst>
-          </p:cNvPr>
-          <p:cNvSpPr txBox="1"/>
-          <p:nvPr/>
-        </p:nvSpPr>
-        <p:spPr>
-          <a:xfrm>
-            <a:off x="9300027" y="3199941"/>
-            <a:ext cx="2070867" cy="649536"/>
-          </a:xfrm>
-          <a:prstGeom prst="rect">
-            <a:avLst/>
-          </a:prstGeom>
-        </p:spPr>
-        <p:style>
-          <a:lnRef idx="2">
-            <a:schemeClr val="accent6">
-              <a:shade val="50000"/>
-            </a:schemeClr>
-          </a:lnRef>
-          <a:fillRef idx="1">
-            <a:schemeClr val="accent6"/>
-          </a:fillRef>
-          <a:effectRef idx="0">
-            <a:schemeClr val="accent6"/>
-          </a:effectRef>
-          <a:fontRef idx="minor">
-            <a:schemeClr val="lt1"/>
-          </a:fontRef>
-        </p:style>
-        <p:txBody>
-          <a:bodyPr rtlCol="0" anchor="ctr"/>
-          <a:lstStyle>
-            <a:defPPr>
-              <a:defRPr lang="en-US"/>
-            </a:defPPr>
-            <a:lvl1pPr algn="ctr">
-              <a:defRPr>
-                <a:solidFill>
-                  <a:schemeClr val="lt1"/>
-                </a:solidFill>
-                <a:latin typeface="Segoe UI" panose="020B0502040204020203" pitchFamily="34" charset="0"/>
-                <a:cs typeface="Segoe UI" panose="020B0502040204020203" pitchFamily="34" charset="0"/>
-              </a:defRPr>
-            </a:lvl1pPr>
-            <a:lvl2pPr>
-              <a:defRPr>
-                <a:solidFill>
-                  <a:schemeClr val="lt1"/>
-                </a:solidFill>
-              </a:defRPr>
-            </a:lvl2pPr>
-            <a:lvl3pPr>
-              <a:defRPr>
-                <a:solidFill>
-                  <a:schemeClr val="lt1"/>
-                </a:solidFill>
-              </a:defRPr>
-            </a:lvl3pPr>
-            <a:lvl4pPr>
-              <a:defRPr>
-                <a:solidFill>
-                  <a:schemeClr val="lt1"/>
-                </a:solidFill>
-              </a:defRPr>
-            </a:lvl4pPr>
-            <a:lvl5pPr>
-              <a:defRPr>
-                <a:solidFill>
-                  <a:schemeClr val="lt1"/>
-                </a:solidFill>
-              </a:defRPr>
-            </a:lvl5pPr>
-            <a:lvl6pPr>
-              <a:defRPr>
-                <a:solidFill>
-                  <a:schemeClr val="lt1"/>
-                </a:solidFill>
-              </a:defRPr>
-            </a:lvl6pPr>
-            <a:lvl7pPr>
-              <a:defRPr>
-                <a:solidFill>
-                  <a:schemeClr val="lt1"/>
-                </a:solidFill>
-              </a:defRPr>
-            </a:lvl7pPr>
-            <a:lvl8pPr>
-              <a:defRPr>
-                <a:solidFill>
-                  <a:schemeClr val="lt1"/>
-                </a:solidFill>
-              </a:defRPr>
-            </a:lvl8pPr>
-            <a:lvl9pPr>
-              <a:defRPr>
-                <a:solidFill>
-                  <a:schemeClr val="lt1"/>
-                </a:solidFill>
-              </a:defRPr>
-            </a:lvl9pPr>
-          </a:lstStyle>
-          <a:p>
-            <a:r>
-              <a:rPr lang="en-GB" dirty="0"/>
-              <a:t>Web Components</a:t>
-            </a:r>
-          </a:p>
-        </p:txBody>
-      </p:sp>
-      <p:sp>
-        <p:nvSpPr>
-          <p:cNvPr id="7" name="TextBox 6">
-            <a:extLst>
-              <a:ext uri="{FF2B5EF4-FFF2-40B4-BE49-F238E27FC236}">
-                <a16:creationId xmlns:a16="http://schemas.microsoft.com/office/drawing/2014/main" id="{E43BE3A4-2CE9-4073-B059-EA24D3386969}"/>
-              </a:ext>
-            </a:extLst>
-          </p:cNvPr>
-          <p:cNvSpPr txBox="1"/>
-          <p:nvPr/>
-        </p:nvSpPr>
-        <p:spPr>
-          <a:xfrm>
-            <a:off x="9461241" y="4416299"/>
-            <a:ext cx="1844351" cy="646331"/>
-          </a:xfrm>
-          <a:prstGeom prst="rect">
-            <a:avLst/>
-          </a:prstGeom>
-          <a:noFill/>
-        </p:spPr>
-        <p:txBody>
-          <a:bodyPr wrap="square" rtlCol="0">
-            <a:spAutoFit/>
-          </a:bodyPr>
-          <a:lstStyle/>
-          <a:p>
-            <a:r>
-              <a:rPr lang="en-GB" dirty="0"/>
-              <a:t>WP PHP PAGES</a:t>
-            </a:r>
-          </a:p>
-          <a:p>
-            <a:r>
-              <a:rPr lang="en-GB" dirty="0"/>
-              <a:t>Gutenberg Blocks</a:t>
-            </a:r>
-          </a:p>
-        </p:txBody>
-      </p:sp>
-      <p:cxnSp>
-        <p:nvCxnSpPr>
-          <p:cNvPr id="34" name="Straight Arrow Connector 33">
-            <a:extLst>
-              <a:ext uri="{FF2B5EF4-FFF2-40B4-BE49-F238E27FC236}">
-                <a16:creationId xmlns:a16="http://schemas.microsoft.com/office/drawing/2014/main" id="{3224BDD2-743D-4365-AF4A-A42C3D6B51E2}"/>
-              </a:ext>
-            </a:extLst>
-          </p:cNvPr>
-          <p:cNvCxnSpPr>
-            <a:cxnSpLocks/>
-          </p:cNvCxnSpPr>
-          <p:nvPr/>
-        </p:nvCxnSpPr>
-        <p:spPr>
-          <a:xfrm>
-            <a:off x="10319390" y="3873562"/>
-            <a:ext cx="8035" cy="562723"/>
-          </a:xfrm>
-          <a:prstGeom prst="straightConnector1">
-            <a:avLst/>
-          </a:prstGeom>
-          <a:ln w="38100">
-            <a:solidFill>
-              <a:schemeClr val="accent1">
-                <a:lumMod val="75000"/>
-              </a:schemeClr>
-            </a:solidFill>
-            <a:tailEnd type="triangle"/>
-          </a:ln>
-        </p:spPr>
-        <p:style>
-          <a:lnRef idx="1">
-            <a:schemeClr val="accent1"/>
-          </a:lnRef>
-          <a:fillRef idx="0">
-            <a:schemeClr val="accent1"/>
-          </a:fillRef>
-          <a:effectRef idx="0">
-            <a:schemeClr val="accent1"/>
-          </a:effectRef>
-          <a:fontRef idx="minor">
-            <a:schemeClr val="tx1"/>
-          </a:fontRef>
-        </p:style>
-      </p:cxnSp>
-      <p:pic>
-        <p:nvPicPr>
-          <p:cNvPr id="10" name="Graphic 9" descr="Smiling face with no fill">
-            <a:extLst>
-              <a:ext uri="{FF2B5EF4-FFF2-40B4-BE49-F238E27FC236}">
-                <a16:creationId xmlns:a16="http://schemas.microsoft.com/office/drawing/2014/main" id="{948FA2EF-7A78-4EE3-B2FE-AE0D3A001999}"/>
-              </a:ext>
-            </a:extLst>
-          </p:cNvPr>
-          <p:cNvPicPr>
-            <a:picLocks noChangeAspect="1"/>
-          </p:cNvPicPr>
-          <p:nvPr/>
-        </p:nvPicPr>
-        <p:blipFill>
-          <a:blip r:embed="rId2">
-            <a:extLst>
-              <a:ext uri="{28A0092B-C50C-407E-A947-70E740481C1C}">
-                <a14:useLocalDpi xmlns:a14="http://schemas.microsoft.com/office/drawing/2010/main" val="0"/>
-              </a:ext>
-              <a:ext uri="{96DAC541-7B7A-43D3-8B79-37D633B846F1}">
-                <asvg:svgBlip xmlns:asvg="http://schemas.microsoft.com/office/drawing/2016/SVG/main" r:embed="rId3"/>
-              </a:ext>
-            </a:extLst>
-          </a:blip>
-          <a:stretch>
-            <a:fillRect/>
-          </a:stretch>
-        </p:blipFill>
-        <p:spPr>
-          <a:xfrm>
-            <a:off x="9529689" y="1112949"/>
-            <a:ext cx="1647597" cy="1647597"/>
-          </a:xfrm>
-          <a:prstGeom prst="rect">
-            <a:avLst/>
-          </a:prstGeom>
-        </p:spPr>
-      </p:pic>
-      <p:cxnSp>
-        <p:nvCxnSpPr>
-          <p:cNvPr id="31" name="Straight Arrow Connector 30">
-            <a:extLst>
-              <a:ext uri="{FF2B5EF4-FFF2-40B4-BE49-F238E27FC236}">
-                <a16:creationId xmlns:a16="http://schemas.microsoft.com/office/drawing/2014/main" id="{337058BE-0D49-4EC0-B972-1EBA8C485F2D}"/>
-              </a:ext>
-            </a:extLst>
-          </p:cNvPr>
-          <p:cNvCxnSpPr>
-            <a:cxnSpLocks/>
-          </p:cNvCxnSpPr>
-          <p:nvPr/>
-        </p:nvCxnSpPr>
-        <p:spPr>
-          <a:xfrm flipH="1" flipV="1">
-            <a:off x="6143841" y="1786407"/>
-            <a:ext cx="3019774" cy="1433290"/>
-          </a:xfrm>
-          <a:prstGeom prst="straightConnector1">
-            <a:avLst/>
-          </a:prstGeom>
-          <a:ln w="76200">
-            <a:solidFill>
-              <a:schemeClr val="accent1">
-                <a:lumMod val="75000"/>
-              </a:schemeClr>
-            </a:solidFill>
-            <a:tailEnd type="triangle"/>
           </a:ln>
         </p:spPr>
         <p:style>
@@ -8644,10 +9280,10 @@
       </p:cxnSp>
       <p:cxnSp>
         <p:nvCxnSpPr>
-          <p:cNvPr id="27" name="Straight Arrow Connector 26">
-            <a:extLst>
-              <a:ext uri="{FF2B5EF4-FFF2-40B4-BE49-F238E27FC236}">
-                <a16:creationId xmlns:a16="http://schemas.microsoft.com/office/drawing/2014/main" id="{81611328-6056-4090-81CF-225651FAE9DB}"/>
+          <p:cNvPr id="9" name="Straight Connector 8">
+            <a:extLst>
+              <a:ext uri="{FF2B5EF4-FFF2-40B4-BE49-F238E27FC236}">
+                <a16:creationId xmlns:a16="http://schemas.microsoft.com/office/drawing/2014/main" id="{8ECDE257-0E06-4C73-B713-15F600FA91AE}"/>
               </a:ext>
             </a:extLst>
           </p:cNvPr>
@@ -8658,35 +9294,825 @@
         </p:nvCxnSpPr>
         <p:spPr>
           <a:xfrm>
-            <a:off x="7679567" y="3911138"/>
-            <a:ext cx="1789218" cy="576886"/>
+            <a:off x="3097763" y="3437944"/>
+            <a:ext cx="0" cy="2449286"/>
+          </a:xfrm>
+          <a:prstGeom prst="line">
+            <a:avLst/>
+          </a:prstGeom>
+          <a:ln w="15875" cmpd="dbl">
+            <a:solidFill>
+              <a:schemeClr val="accent6">
+                <a:lumMod val="75000"/>
+              </a:schemeClr>
+            </a:solidFill>
+            <a:prstDash val="lgDash"/>
+          </a:ln>
+        </p:spPr>
+        <p:style>
+          <a:lnRef idx="1">
+            <a:schemeClr val="accent1"/>
+          </a:lnRef>
+          <a:fillRef idx="0">
+            <a:schemeClr val="accent1"/>
+          </a:fillRef>
+          <a:effectRef idx="0">
+            <a:schemeClr val="accent1"/>
+          </a:effectRef>
+          <a:fontRef idx="minor">
+            <a:schemeClr val="tx1"/>
+          </a:fontRef>
+        </p:style>
+      </p:cxnSp>
+      <p:sp>
+        <p:nvSpPr>
+          <p:cNvPr id="13" name="Rectangle: Rounded Corners 12">
+            <a:extLst>
+              <a:ext uri="{FF2B5EF4-FFF2-40B4-BE49-F238E27FC236}">
+                <a16:creationId xmlns:a16="http://schemas.microsoft.com/office/drawing/2014/main" id="{497DB97B-039D-4182-8A21-C324F5A05084}"/>
+              </a:ext>
+            </a:extLst>
+          </p:cNvPr>
+          <p:cNvSpPr/>
+          <p:nvPr/>
+        </p:nvSpPr>
+        <p:spPr>
+          <a:xfrm>
+            <a:off x="1244080" y="709127"/>
+            <a:ext cx="5520611" cy="2183363"/>
+          </a:xfrm>
+          <a:prstGeom prst="roundRect">
+            <a:avLst/>
+          </a:prstGeom>
+          <a:solidFill>
+            <a:schemeClr val="bg1">
+              <a:lumMod val="85000"/>
+            </a:schemeClr>
+          </a:solidFill>
+          <a:ln w="28575">
+            <a:solidFill>
+              <a:srgbClr val="FF0000"/>
+            </a:solidFill>
+          </a:ln>
+        </p:spPr>
+        <p:style>
+          <a:lnRef idx="2">
+            <a:schemeClr val="accent1">
+              <a:shade val="50000"/>
+            </a:schemeClr>
+          </a:lnRef>
+          <a:fillRef idx="1">
+            <a:schemeClr val="accent1"/>
+          </a:fillRef>
+          <a:effectRef idx="0">
+            <a:schemeClr val="accent1"/>
+          </a:effectRef>
+          <a:fontRef idx="minor">
+            <a:schemeClr val="lt1"/>
+          </a:fontRef>
+        </p:style>
+        <p:txBody>
+          <a:bodyPr rtlCol="0" anchor="ctr"/>
+          <a:lstStyle/>
+          <a:p>
+            <a:pPr algn="ctr"/>
+            <a:endParaRPr lang="en-GB">
+              <a:latin typeface="Segoe UI" panose="020B0502040204020203" pitchFamily="34" charset="0"/>
+              <a:cs typeface="Segoe UI" panose="020B0502040204020203" pitchFamily="34" charset="0"/>
+            </a:endParaRPr>
+          </a:p>
+        </p:txBody>
+      </p:sp>
+      <p:sp>
+        <p:nvSpPr>
+          <p:cNvPr id="14" name="Rectangle: Rounded Corners 13">
+            <a:extLst>
+              <a:ext uri="{FF2B5EF4-FFF2-40B4-BE49-F238E27FC236}">
+                <a16:creationId xmlns:a16="http://schemas.microsoft.com/office/drawing/2014/main" id="{670B406B-FAA1-4A47-9E0F-388A4554F760}"/>
+              </a:ext>
+            </a:extLst>
+          </p:cNvPr>
+          <p:cNvSpPr/>
+          <p:nvPr/>
+        </p:nvSpPr>
+        <p:spPr>
+          <a:xfrm>
+            <a:off x="5951371" y="4406768"/>
+            <a:ext cx="1819470" cy="942392"/>
+          </a:xfrm>
+          <a:prstGeom prst="roundRect">
+            <a:avLst/>
+          </a:prstGeom>
+          <a:solidFill>
+            <a:schemeClr val="bg1">
+              <a:lumMod val="85000"/>
+            </a:schemeClr>
+          </a:solidFill>
+          <a:ln w="28575">
+            <a:solidFill>
+              <a:srgbClr val="FF0000"/>
+            </a:solidFill>
+          </a:ln>
+        </p:spPr>
+        <p:style>
+          <a:lnRef idx="2">
+            <a:schemeClr val="accent1">
+              <a:shade val="50000"/>
+            </a:schemeClr>
+          </a:lnRef>
+          <a:fillRef idx="1">
+            <a:schemeClr val="accent1"/>
+          </a:fillRef>
+          <a:effectRef idx="0">
+            <a:schemeClr val="accent1"/>
+          </a:effectRef>
+          <a:fontRef idx="minor">
+            <a:schemeClr val="lt1"/>
+          </a:fontRef>
+        </p:style>
+        <p:txBody>
+          <a:bodyPr rtlCol="0" anchor="ctr"/>
+          <a:lstStyle/>
+          <a:p>
+            <a:pPr algn="ctr"/>
+            <a:endParaRPr lang="en-GB">
+              <a:latin typeface="Segoe UI" panose="020B0502040204020203" pitchFamily="34" charset="0"/>
+              <a:cs typeface="Segoe UI" panose="020B0502040204020203" pitchFamily="34" charset="0"/>
+            </a:endParaRPr>
+          </a:p>
+        </p:txBody>
+      </p:sp>
+      <p:sp>
+        <p:nvSpPr>
+          <p:cNvPr id="15" name="Rectangle: Rounded Corners 14">
+            <a:extLst>
+              <a:ext uri="{FF2B5EF4-FFF2-40B4-BE49-F238E27FC236}">
+                <a16:creationId xmlns:a16="http://schemas.microsoft.com/office/drawing/2014/main" id="{56FA4A14-0892-4CE1-BE7A-A2056ECF1DAC}"/>
+              </a:ext>
+            </a:extLst>
+          </p:cNvPr>
+          <p:cNvSpPr/>
+          <p:nvPr/>
+        </p:nvSpPr>
+        <p:spPr>
+          <a:xfrm>
+            <a:off x="3456988" y="4406768"/>
+            <a:ext cx="1819470" cy="942392"/>
+          </a:xfrm>
+          <a:prstGeom prst="roundRect">
+            <a:avLst/>
+          </a:prstGeom>
+          <a:solidFill>
+            <a:schemeClr val="bg1">
+              <a:lumMod val="85000"/>
+            </a:schemeClr>
+          </a:solidFill>
+          <a:ln w="28575">
+            <a:solidFill>
+              <a:srgbClr val="FF0000"/>
+            </a:solidFill>
+          </a:ln>
+        </p:spPr>
+        <p:style>
+          <a:lnRef idx="2">
+            <a:schemeClr val="accent1">
+              <a:shade val="50000"/>
+            </a:schemeClr>
+          </a:lnRef>
+          <a:fillRef idx="1">
+            <a:schemeClr val="accent1"/>
+          </a:fillRef>
+          <a:effectRef idx="0">
+            <a:schemeClr val="accent1"/>
+          </a:effectRef>
+          <a:fontRef idx="minor">
+            <a:schemeClr val="lt1"/>
+          </a:fontRef>
+        </p:style>
+        <p:txBody>
+          <a:bodyPr rtlCol="0" anchor="ctr"/>
+          <a:lstStyle/>
+          <a:p>
+            <a:pPr algn="ctr"/>
+            <a:endParaRPr lang="en-GB">
+              <a:latin typeface="Segoe UI" panose="020B0502040204020203" pitchFamily="34" charset="0"/>
+              <a:cs typeface="Segoe UI" panose="020B0502040204020203" pitchFamily="34" charset="0"/>
+            </a:endParaRPr>
+          </a:p>
+        </p:txBody>
+      </p:sp>
+      <p:cxnSp>
+        <p:nvCxnSpPr>
+          <p:cNvPr id="16" name="Straight Connector 15">
+            <a:extLst>
+              <a:ext uri="{FF2B5EF4-FFF2-40B4-BE49-F238E27FC236}">
+                <a16:creationId xmlns:a16="http://schemas.microsoft.com/office/drawing/2014/main" id="{B8646BD2-FF5F-47C6-9788-5228BF540137}"/>
+              </a:ext>
+            </a:extLst>
+          </p:cNvPr>
+          <p:cNvCxnSpPr>
+            <a:cxnSpLocks/>
+          </p:cNvCxnSpPr>
+          <p:nvPr/>
+        </p:nvCxnSpPr>
+        <p:spPr>
+          <a:xfrm>
+            <a:off x="5592147" y="3429000"/>
+            <a:ext cx="0" cy="2449286"/>
+          </a:xfrm>
+          <a:prstGeom prst="line">
+            <a:avLst/>
+          </a:prstGeom>
+          <a:ln w="15875" cmpd="dbl">
+            <a:solidFill>
+              <a:schemeClr val="accent6">
+                <a:lumMod val="75000"/>
+              </a:schemeClr>
+            </a:solidFill>
+            <a:prstDash val="lgDash"/>
+          </a:ln>
+        </p:spPr>
+        <p:style>
+          <a:lnRef idx="1">
+            <a:schemeClr val="accent1"/>
+          </a:lnRef>
+          <a:fillRef idx="0">
+            <a:schemeClr val="accent1"/>
+          </a:fillRef>
+          <a:effectRef idx="0">
+            <a:schemeClr val="accent1"/>
+          </a:effectRef>
+          <a:fontRef idx="minor">
+            <a:schemeClr val="tx1"/>
+          </a:fontRef>
+        </p:style>
+      </p:cxnSp>
+      <p:sp>
+        <p:nvSpPr>
+          <p:cNvPr id="17" name="TextBox 16">
+            <a:extLst>
+              <a:ext uri="{FF2B5EF4-FFF2-40B4-BE49-F238E27FC236}">
+                <a16:creationId xmlns:a16="http://schemas.microsoft.com/office/drawing/2014/main" id="{6E8BFC32-3AFA-4B4C-9172-2CBE21A80A58}"/>
+              </a:ext>
+            </a:extLst>
+          </p:cNvPr>
+          <p:cNvSpPr txBox="1"/>
+          <p:nvPr/>
+        </p:nvSpPr>
+        <p:spPr>
+          <a:xfrm>
+            <a:off x="2362465" y="1178588"/>
+            <a:ext cx="3187956" cy="1446550"/>
+          </a:xfrm>
+          <a:prstGeom prst="rect">
+            <a:avLst/>
+          </a:prstGeom>
+          <a:noFill/>
+        </p:spPr>
+        <p:txBody>
+          <a:bodyPr wrap="square" rtlCol="0">
+            <a:spAutoFit/>
+          </a:bodyPr>
+          <a:lstStyle/>
+          <a:p>
+            <a:r>
+              <a:rPr lang="en-GB" sz="8800" dirty="0">
+                <a:latin typeface="Segoe UI" panose="020B0502040204020203" pitchFamily="34" charset="0"/>
+                <a:cs typeface="Segoe UI" panose="020B0502040204020203" pitchFamily="34" charset="0"/>
+              </a:rPr>
+              <a:t>HTML</a:t>
+            </a:r>
+          </a:p>
+        </p:txBody>
+      </p:sp>
+      <p:sp>
+        <p:nvSpPr>
+          <p:cNvPr id="19" name="TextBox 18">
+            <a:extLst>
+              <a:ext uri="{FF2B5EF4-FFF2-40B4-BE49-F238E27FC236}">
+                <a16:creationId xmlns:a16="http://schemas.microsoft.com/office/drawing/2014/main" id="{C81F58F9-1FC7-477B-877C-80F0959EBC0E}"/>
+              </a:ext>
+            </a:extLst>
+          </p:cNvPr>
+          <p:cNvSpPr txBox="1"/>
+          <p:nvPr/>
+        </p:nvSpPr>
+        <p:spPr>
+          <a:xfrm>
+            <a:off x="6019022" y="4693298"/>
+            <a:ext cx="1686507" cy="369332"/>
+          </a:xfrm>
+          <a:prstGeom prst="rect">
+            <a:avLst/>
+          </a:prstGeom>
+          <a:noFill/>
+        </p:spPr>
+        <p:txBody>
+          <a:bodyPr wrap="square" rtlCol="0">
+            <a:spAutoFit/>
+          </a:bodyPr>
+          <a:lstStyle/>
+          <a:p>
+            <a:r>
+              <a:rPr lang="en-GB" dirty="0">
+                <a:latin typeface="Segoe UI" panose="020B0502040204020203" pitchFamily="34" charset="0"/>
+                <a:cs typeface="Segoe UI" panose="020B0502040204020203" pitchFamily="34" charset="0"/>
+              </a:rPr>
+              <a:t>Framework ...n</a:t>
+            </a:r>
+          </a:p>
+        </p:txBody>
+      </p:sp>
+      <p:sp>
+        <p:nvSpPr>
+          <p:cNvPr id="20" name="TextBox 19">
+            <a:extLst>
+              <a:ext uri="{FF2B5EF4-FFF2-40B4-BE49-F238E27FC236}">
+                <a16:creationId xmlns:a16="http://schemas.microsoft.com/office/drawing/2014/main" id="{FB923CCF-0EA9-4C2D-AC00-B89B13CB18B9}"/>
+              </a:ext>
+            </a:extLst>
+          </p:cNvPr>
+          <p:cNvSpPr txBox="1"/>
+          <p:nvPr/>
+        </p:nvSpPr>
+        <p:spPr>
+          <a:xfrm>
+            <a:off x="3619499" y="4693298"/>
+            <a:ext cx="1488233" cy="369332"/>
+          </a:xfrm>
+          <a:prstGeom prst="rect">
+            <a:avLst/>
+          </a:prstGeom>
+          <a:noFill/>
+        </p:spPr>
+        <p:txBody>
+          <a:bodyPr wrap="square" rtlCol="0">
+            <a:spAutoFit/>
+          </a:bodyPr>
+          <a:lstStyle/>
+          <a:p>
+            <a:r>
+              <a:rPr lang="en-GB" dirty="0">
+                <a:latin typeface="Segoe UI" panose="020B0502040204020203" pitchFamily="34" charset="0"/>
+                <a:cs typeface="Segoe UI" panose="020B0502040204020203" pitchFamily="34" charset="0"/>
+              </a:rPr>
+              <a:t>Framework 2</a:t>
+            </a:r>
+          </a:p>
+        </p:txBody>
+      </p:sp>
+      <p:sp>
+        <p:nvSpPr>
+          <p:cNvPr id="21" name="TextBox 20">
+            <a:extLst>
+              <a:ext uri="{FF2B5EF4-FFF2-40B4-BE49-F238E27FC236}">
+                <a16:creationId xmlns:a16="http://schemas.microsoft.com/office/drawing/2014/main" id="{000E004F-3DEE-453A-880F-3667A9536687}"/>
+              </a:ext>
+            </a:extLst>
+          </p:cNvPr>
+          <p:cNvSpPr txBox="1"/>
+          <p:nvPr/>
+        </p:nvSpPr>
+        <p:spPr>
+          <a:xfrm>
+            <a:off x="1091681" y="4693298"/>
+            <a:ext cx="1488233" cy="369332"/>
+          </a:xfrm>
+          <a:prstGeom prst="rect">
+            <a:avLst/>
+          </a:prstGeom>
+          <a:noFill/>
+        </p:spPr>
+        <p:txBody>
+          <a:bodyPr wrap="square" rtlCol="0">
+            <a:spAutoFit/>
+          </a:bodyPr>
+          <a:lstStyle/>
+          <a:p>
+            <a:r>
+              <a:rPr lang="en-GB" dirty="0">
+                <a:latin typeface="Segoe UI" panose="020B0502040204020203" pitchFamily="34" charset="0"/>
+                <a:cs typeface="Segoe UI" panose="020B0502040204020203" pitchFamily="34" charset="0"/>
+              </a:rPr>
+              <a:t>Framework 1</a:t>
+            </a:r>
+          </a:p>
+        </p:txBody>
+      </p:sp>
+      <p:sp>
+        <p:nvSpPr>
+          <p:cNvPr id="23" name="Rectangle: Rounded Corners 22">
+            <a:extLst>
+              <a:ext uri="{FF2B5EF4-FFF2-40B4-BE49-F238E27FC236}">
+                <a16:creationId xmlns:a16="http://schemas.microsoft.com/office/drawing/2014/main" id="{B8A217E0-2E19-412E-A686-048F33BFC561}"/>
+              </a:ext>
+            </a:extLst>
+          </p:cNvPr>
+          <p:cNvSpPr/>
+          <p:nvPr/>
+        </p:nvSpPr>
+        <p:spPr>
+          <a:xfrm>
+            <a:off x="9193762" y="709127"/>
+            <a:ext cx="2251787" cy="4609322"/>
+          </a:xfrm>
+          <a:prstGeom prst="roundRect">
+            <a:avLst/>
+          </a:prstGeom>
+          <a:solidFill>
+            <a:schemeClr val="bg1">
+              <a:lumMod val="85000"/>
+            </a:schemeClr>
+          </a:solidFill>
+          <a:ln w="28575">
+            <a:solidFill>
+              <a:srgbClr val="FF0000"/>
+            </a:solidFill>
+          </a:ln>
+        </p:spPr>
+        <p:style>
+          <a:lnRef idx="2">
+            <a:schemeClr val="accent1">
+              <a:shade val="50000"/>
+            </a:schemeClr>
+          </a:lnRef>
+          <a:fillRef idx="1">
+            <a:schemeClr val="accent1"/>
+          </a:fillRef>
+          <a:effectRef idx="0">
+            <a:schemeClr val="accent1"/>
+          </a:effectRef>
+          <a:fontRef idx="minor">
+            <a:schemeClr val="lt1"/>
+          </a:fontRef>
+        </p:style>
+        <p:txBody>
+          <a:bodyPr rtlCol="0" anchor="ctr"/>
+          <a:lstStyle/>
+          <a:p>
+            <a:pPr algn="ctr"/>
+            <a:endParaRPr lang="en-GB">
+              <a:latin typeface="Segoe UI" panose="020B0502040204020203" pitchFamily="34" charset="0"/>
+              <a:cs typeface="Segoe UI" panose="020B0502040204020203" pitchFamily="34" charset="0"/>
+            </a:endParaRPr>
+          </a:p>
+        </p:txBody>
+      </p:sp>
+      <p:cxnSp>
+        <p:nvCxnSpPr>
+          <p:cNvPr id="18" name="Straight Arrow Connector 17">
+            <a:extLst>
+              <a:ext uri="{FF2B5EF4-FFF2-40B4-BE49-F238E27FC236}">
+                <a16:creationId xmlns:a16="http://schemas.microsoft.com/office/drawing/2014/main" id="{5F7D620A-347A-4465-8346-ADDE9EFF331B}"/>
+              </a:ext>
+            </a:extLst>
+          </p:cNvPr>
+          <p:cNvCxnSpPr>
+            <a:cxnSpLocks/>
+          </p:cNvCxnSpPr>
+          <p:nvPr/>
+        </p:nvCxnSpPr>
+        <p:spPr>
+          <a:xfrm flipV="1">
+            <a:off x="1688841" y="1346327"/>
+            <a:ext cx="0" cy="3029730"/>
           </a:xfrm>
           <a:prstGeom prst="straightConnector1">
             <a:avLst/>
           </a:prstGeom>
-          <a:ln w="50800">
+          <a:ln w="38100">
+            <a:solidFill>
+              <a:schemeClr val="accent1">
+                <a:lumMod val="75000"/>
+              </a:schemeClr>
+            </a:solidFill>
             <a:tailEnd type="triangle"/>
           </a:ln>
         </p:spPr>
         <p:style>
           <a:lnRef idx="1">
-            <a:schemeClr val="accent6"/>
+            <a:schemeClr val="accent1"/>
           </a:lnRef>
           <a:fillRef idx="0">
+            <a:schemeClr val="accent1"/>
+          </a:fillRef>
+          <a:effectRef idx="0">
+            <a:schemeClr val="accent1"/>
+          </a:effectRef>
+          <a:fontRef idx="minor">
+            <a:schemeClr val="tx1"/>
+          </a:fontRef>
+        </p:style>
+      </p:cxnSp>
+      <p:cxnSp>
+        <p:nvCxnSpPr>
+          <p:cNvPr id="22" name="Straight Arrow Connector 21">
+            <a:extLst>
+              <a:ext uri="{FF2B5EF4-FFF2-40B4-BE49-F238E27FC236}">
+                <a16:creationId xmlns:a16="http://schemas.microsoft.com/office/drawing/2014/main" id="{58038E94-A816-4097-B154-9278E5E3AEC5}"/>
+              </a:ext>
+            </a:extLst>
+          </p:cNvPr>
+          <p:cNvCxnSpPr>
+            <a:cxnSpLocks/>
+          </p:cNvCxnSpPr>
+          <p:nvPr/>
+        </p:nvCxnSpPr>
+        <p:spPr>
+          <a:xfrm flipV="1">
+            <a:off x="4266429" y="2692866"/>
+            <a:ext cx="0" cy="1713902"/>
+          </a:xfrm>
+          <a:prstGeom prst="straightConnector1">
+            <a:avLst/>
+          </a:prstGeom>
+          <a:ln w="38100">
+            <a:solidFill>
+              <a:schemeClr val="accent1">
+                <a:lumMod val="75000"/>
+              </a:schemeClr>
+            </a:solidFill>
+            <a:tailEnd type="triangle"/>
+          </a:ln>
+        </p:spPr>
+        <p:style>
+          <a:lnRef idx="1">
+            <a:schemeClr val="accent1"/>
+          </a:lnRef>
+          <a:fillRef idx="0">
+            <a:schemeClr val="accent1"/>
+          </a:fillRef>
+          <a:effectRef idx="0">
+            <a:schemeClr val="accent1"/>
+          </a:effectRef>
+          <a:fontRef idx="minor">
+            <a:schemeClr val="tx1"/>
+          </a:fontRef>
+        </p:style>
+      </p:cxnSp>
+      <p:cxnSp>
+        <p:nvCxnSpPr>
+          <p:cNvPr id="25" name="Straight Arrow Connector 24">
+            <a:extLst>
+              <a:ext uri="{FF2B5EF4-FFF2-40B4-BE49-F238E27FC236}">
+                <a16:creationId xmlns:a16="http://schemas.microsoft.com/office/drawing/2014/main" id="{CE3C969B-AEB4-4EC9-9A8E-B3AE9B64804C}"/>
+              </a:ext>
+            </a:extLst>
+          </p:cNvPr>
+          <p:cNvCxnSpPr/>
+          <p:nvPr/>
+        </p:nvCxnSpPr>
+        <p:spPr>
+          <a:xfrm flipV="1">
+            <a:off x="6263180" y="1666564"/>
+            <a:ext cx="0" cy="2740204"/>
+          </a:xfrm>
+          <a:prstGeom prst="straightConnector1">
+            <a:avLst/>
+          </a:prstGeom>
+          <a:ln w="38100">
+            <a:solidFill>
+              <a:schemeClr val="accent1">
+                <a:lumMod val="75000"/>
+              </a:schemeClr>
+            </a:solidFill>
+            <a:tailEnd type="triangle"/>
+          </a:ln>
+        </p:spPr>
+        <p:style>
+          <a:lnRef idx="1">
+            <a:schemeClr val="accent1"/>
+          </a:lnRef>
+          <a:fillRef idx="0">
+            <a:schemeClr val="accent1"/>
+          </a:fillRef>
+          <a:effectRef idx="0">
+            <a:schemeClr val="accent1"/>
+          </a:effectRef>
+          <a:fontRef idx="minor">
+            <a:schemeClr val="tx1"/>
+          </a:fontRef>
+        </p:style>
+      </p:cxnSp>
+      <p:sp>
+        <p:nvSpPr>
+          <p:cNvPr id="2" name="TextBox 1">
+            <a:extLst>
+              <a:ext uri="{FF2B5EF4-FFF2-40B4-BE49-F238E27FC236}">
+                <a16:creationId xmlns:a16="http://schemas.microsoft.com/office/drawing/2014/main" id="{750521FD-EDC1-47B6-839B-F4D55BFCABCF}"/>
+              </a:ext>
+            </a:extLst>
+          </p:cNvPr>
+          <p:cNvSpPr txBox="1"/>
+          <p:nvPr/>
+        </p:nvSpPr>
+        <p:spPr>
+          <a:xfrm>
+            <a:off x="1388706" y="830901"/>
+            <a:ext cx="3590988" cy="646331"/>
+          </a:xfrm>
+          <a:prstGeom prst="rect">
+            <a:avLst/>
+          </a:prstGeom>
+          <a:noFill/>
+        </p:spPr>
+        <p:txBody>
+          <a:bodyPr wrap="square" rtlCol="0">
+            <a:spAutoFit/>
+          </a:bodyPr>
+          <a:lstStyle/>
+          <a:p>
+            <a:r>
+              <a:rPr lang="en-GB" dirty="0">
+                <a:solidFill>
+                  <a:schemeClr val="accent1">
+                    <a:lumMod val="75000"/>
+                  </a:schemeClr>
+                </a:solidFill>
+              </a:rPr>
+              <a:t>&lt;script src=“bundle.js”&gt;&lt;/script&gt;</a:t>
+            </a:r>
+          </a:p>
+          <a:p>
+            <a:r>
+              <a:rPr lang="en-GB" dirty="0">
+                <a:solidFill>
+                  <a:schemeClr val="accent1">
+                    <a:lumMod val="75000"/>
+                  </a:schemeClr>
+                </a:solidFill>
+              </a:rPr>
+              <a:t>&lt;div id=“app”&gt;</a:t>
+            </a:r>
+          </a:p>
+        </p:txBody>
+      </p:sp>
+      <p:sp>
+        <p:nvSpPr>
+          <p:cNvPr id="26" name="TextBox 25">
+            <a:extLst>
+              <a:ext uri="{FF2B5EF4-FFF2-40B4-BE49-F238E27FC236}">
+                <a16:creationId xmlns:a16="http://schemas.microsoft.com/office/drawing/2014/main" id="{92E01203-6628-42AA-B191-2BE8EE04C15B}"/>
+              </a:ext>
+            </a:extLst>
+          </p:cNvPr>
+          <p:cNvSpPr txBox="1"/>
+          <p:nvPr/>
+        </p:nvSpPr>
+        <p:spPr>
+          <a:xfrm>
+            <a:off x="9728713" y="1046454"/>
+            <a:ext cx="1278294" cy="369332"/>
+          </a:xfrm>
+          <a:prstGeom prst="rect">
+            <a:avLst/>
+          </a:prstGeom>
+          <a:solidFill>
+            <a:schemeClr val="accent1">
+              <a:lumMod val="60000"/>
+              <a:lumOff val="40000"/>
+            </a:schemeClr>
+          </a:solidFill>
+        </p:spPr>
+        <p:style>
+          <a:lnRef idx="2">
+            <a:schemeClr val="accent6">
+              <a:shade val="50000"/>
+            </a:schemeClr>
+          </a:lnRef>
+          <a:fillRef idx="1">
             <a:schemeClr val="accent6"/>
           </a:fillRef>
           <a:effectRef idx="0">
             <a:schemeClr val="accent6"/>
           </a:effectRef>
           <a:fontRef idx="minor">
-            <a:schemeClr val="tx1"/>
+            <a:schemeClr val="lt1"/>
           </a:fontRef>
         </p:style>
-      </p:cxnSp>
+        <p:txBody>
+          <a:bodyPr rtlCol="0" anchor="ctr"/>
+          <a:lstStyle>
+            <a:defPPr>
+              <a:defRPr lang="en-US"/>
+            </a:defPPr>
+            <a:lvl1pPr algn="ctr">
+              <a:defRPr>
+                <a:solidFill>
+                  <a:schemeClr val="lt1"/>
+                </a:solidFill>
+                <a:latin typeface="Segoe UI" panose="020B0502040204020203" pitchFamily="34" charset="0"/>
+                <a:cs typeface="Segoe UI" panose="020B0502040204020203" pitchFamily="34" charset="0"/>
+              </a:defRPr>
+            </a:lvl1pPr>
+            <a:lvl2pPr>
+              <a:defRPr>
+                <a:solidFill>
+                  <a:schemeClr val="lt1"/>
+                </a:solidFill>
+              </a:defRPr>
+            </a:lvl2pPr>
+            <a:lvl3pPr>
+              <a:defRPr>
+                <a:solidFill>
+                  <a:schemeClr val="lt1"/>
+                </a:solidFill>
+              </a:defRPr>
+            </a:lvl3pPr>
+            <a:lvl4pPr>
+              <a:defRPr>
+                <a:solidFill>
+                  <a:schemeClr val="lt1"/>
+                </a:solidFill>
+              </a:defRPr>
+            </a:lvl4pPr>
+            <a:lvl5pPr>
+              <a:defRPr>
+                <a:solidFill>
+                  <a:schemeClr val="lt1"/>
+                </a:solidFill>
+              </a:defRPr>
+            </a:lvl5pPr>
+            <a:lvl6pPr>
+              <a:defRPr>
+                <a:solidFill>
+                  <a:schemeClr val="lt1"/>
+                </a:solidFill>
+              </a:defRPr>
+            </a:lvl6pPr>
+            <a:lvl7pPr>
+              <a:defRPr>
+                <a:solidFill>
+                  <a:schemeClr val="lt1"/>
+                </a:solidFill>
+              </a:defRPr>
+            </a:lvl7pPr>
+            <a:lvl8pPr>
+              <a:defRPr>
+                <a:solidFill>
+                  <a:schemeClr val="lt1"/>
+                </a:solidFill>
+              </a:defRPr>
+            </a:lvl8pPr>
+            <a:lvl9pPr>
+              <a:defRPr>
+                <a:solidFill>
+                  <a:schemeClr val="lt1"/>
+                </a:solidFill>
+              </a:defRPr>
+            </a:lvl9pPr>
+          </a:lstStyle>
+          <a:p>
+            <a:r>
+              <a:rPr lang="en-GB" dirty="0"/>
+              <a:t>WordPress</a:t>
+            </a:r>
+          </a:p>
+        </p:txBody>
+      </p:sp>
+      <p:pic>
+        <p:nvPicPr>
+          <p:cNvPr id="4" name="Graphic 3" descr="Sad face with no fill">
+            <a:extLst>
+              <a:ext uri="{FF2B5EF4-FFF2-40B4-BE49-F238E27FC236}">
+                <a16:creationId xmlns:a16="http://schemas.microsoft.com/office/drawing/2014/main" id="{66A14EB3-BF63-41D8-9A63-AE052D7983C9}"/>
+              </a:ext>
+            </a:extLst>
+          </p:cNvPr>
+          <p:cNvPicPr>
+            <a:picLocks noChangeAspect="1"/>
+          </p:cNvPicPr>
+          <p:nvPr/>
+        </p:nvPicPr>
+        <p:blipFill>
+          <a:blip r:embed="rId2">
+            <a:extLst>
+              <a:ext uri="{28A0092B-C50C-407E-A947-70E740481C1C}">
+                <a14:useLocalDpi xmlns:a14="http://schemas.microsoft.com/office/drawing/2010/main" val="0"/>
+              </a:ext>
+              <a:ext uri="{96DAC541-7B7A-43D3-8B79-37D633B846F1}">
+                <asvg:svgBlip xmlns:asvg="http://schemas.microsoft.com/office/drawing/2016/SVG/main" r:embed="rId3"/>
+              </a:ext>
+            </a:extLst>
+          </a:blip>
+          <a:stretch>
+            <a:fillRect/>
+          </a:stretch>
+        </p:blipFill>
+        <p:spPr>
+          <a:xfrm>
+            <a:off x="9259074" y="1901863"/>
+            <a:ext cx="2155961" cy="2155961"/>
+          </a:xfrm>
+          <a:prstGeom prst="rect">
+            <a:avLst/>
+          </a:prstGeom>
+        </p:spPr>
+      </p:pic>
     </p:spTree>
     <p:extLst>
       <p:ext uri="{BB962C8B-B14F-4D97-AF65-F5344CB8AC3E}">
-        <p14:creationId xmlns:p14="http://schemas.microsoft.com/office/powerpoint/2010/main" val="361318114"/>
+        <p14:creationId xmlns:p14="http://schemas.microsoft.com/office/powerpoint/2010/main" val="2165501006"/>
       </p:ext>
     </p:extLst>
   </p:cSld>

--- a/Web-Components.pptx
+++ b/Web-Components.pptx
@@ -5,7 +5,7 @@
     <p:sldMasterId id="2147483648" r:id="rId1"/>
   </p:sldMasterIdLst>
   <p:notesMasterIdLst>
-    <p:notesMasterId r:id="rId17"/>
+    <p:notesMasterId r:id="rId18"/>
   </p:notesMasterIdLst>
   <p:sldIdLst>
     <p:sldId id="313" r:id="rId2"/>
@@ -20,9 +20,10 @@
     <p:sldId id="321" r:id="rId11"/>
     <p:sldId id="322" r:id="rId12"/>
     <p:sldId id="324" r:id="rId13"/>
-    <p:sldId id="325" r:id="rId14"/>
-    <p:sldId id="312" r:id="rId15"/>
-    <p:sldId id="279" r:id="rId16"/>
+    <p:sldId id="326" r:id="rId14"/>
+    <p:sldId id="325" r:id="rId15"/>
+    <p:sldId id="312" r:id="rId16"/>
+    <p:sldId id="279" r:id="rId17"/>
   </p:sldIdLst>
   <p:sldSz cx="12192000" cy="6858000"/>
   <p:notesSz cx="6858000" cy="9144000"/>
@@ -138,6 +139,7 @@
             <p14:sldId id="321"/>
             <p14:sldId id="322"/>
             <p14:sldId id="324"/>
+            <p14:sldId id="326"/>
             <p14:sldId id="325"/>
             <p14:sldId id="312"/>
             <p14:sldId id="279"/>
@@ -5452,7 +5454,7 @@
                 <a:latin typeface="Segoe UI" panose="020B0502040204020203" pitchFamily="34" charset="0"/>
                 <a:cs typeface="Segoe UI" panose="020B0502040204020203" pitchFamily="34" charset="0"/>
               </a:rPr>
-              <a:t>I use them to convert a large monolithic application that is PHP and WP specific into an HTML site.</a:t>
+              <a:t>I use them to convert a large monolithic application that is PHP and WP specific into an HTML decoupled site cross domain.</a:t>
             </a:r>
           </a:p>
           <a:p>
@@ -5724,7 +5726,7 @@
                 <a:latin typeface="Segoe UI" panose="020B0502040204020203" pitchFamily="34" charset="0"/>
                 <a:cs typeface="Segoe UI" panose="020B0502040204020203" pitchFamily="34" charset="0"/>
               </a:rPr>
-              <a:t>Create HTML plugins/widgets/</a:t>
+              <a:t>Create HTML plugins/widgets/.</a:t>
             </a:r>
           </a:p>
           <a:p>
@@ -5739,7 +5741,7 @@
                 <a:latin typeface="Segoe UI" panose="020B0502040204020203" pitchFamily="34" charset="0"/>
                 <a:cs typeface="Segoe UI" panose="020B0502040204020203" pitchFamily="34" charset="0"/>
               </a:rPr>
-              <a:t>Code modularity.</a:t>
+              <a:t>Code modularity/design.</a:t>
             </a:r>
           </a:p>
           <a:p>
@@ -5784,7 +5786,7 @@
                 <a:latin typeface="Segoe UI" panose="020B0502040204020203" pitchFamily="34" charset="0"/>
                 <a:cs typeface="Segoe UI" panose="020B0502040204020203" pitchFamily="34" charset="0"/>
               </a:rPr>
-              <a:t>Use components in any framework.</a:t>
+              <a:t>Use components in any framework, PHP pages and in WP Gutenberg blocks.</a:t>
             </a:r>
           </a:p>
           <a:p>
@@ -5931,7 +5933,7 @@
                 <a:latin typeface="Segoe UI" panose="020B0502040204020203" pitchFamily="34" charset="0"/>
                 <a:cs typeface="Segoe UI" panose="020B0502040204020203" pitchFamily="34" charset="0"/>
               </a:rPr>
-              <a:t>TYPES OF COMPONENT</a:t>
+              <a:t>BUILD TOOLS</a:t>
             </a:r>
           </a:p>
         </p:txBody>
@@ -5960,7 +5962,7 @@
         </p:spPr>
         <p:txBody>
           <a:bodyPr wrap="square" bIns="252000">
-            <a:normAutofit lnSpcReduction="10000"/>
+            <a:normAutofit/>
           </a:bodyPr>
           <a:lstStyle/>
           <a:p>
@@ -5980,143 +5982,59 @@
               <a:buNone/>
             </a:pPr>
             <a:r>
-              <a:rPr lang="en-GB" sz="2800" dirty="0">
+              <a:rPr lang="en-GB" sz="3600" dirty="0">
                 <a:solidFill>
                   <a:srgbClr val="2196F3"/>
                 </a:solidFill>
                 <a:latin typeface="Segoe UI" panose="020B0502040204020203" pitchFamily="34" charset="0"/>
                 <a:cs typeface="Segoe UI" panose="020B0502040204020203" pitchFamily="34" charset="0"/>
               </a:rPr>
-              <a:t>These are only limited by JS.</a:t>
+              <a:t>JS compilers (not frameworks):</a:t>
             </a:r>
           </a:p>
           <a:p>
             <a:pPr marL="457200" lvl="1" indent="0">
               <a:buNone/>
             </a:pPr>
-            <a:endParaRPr lang="en-GB" sz="1200" dirty="0">
-              <a:solidFill>
-                <a:srgbClr val="2196F3"/>
-              </a:solidFill>
-              <a:latin typeface="Segoe UI" panose="020B0502040204020203" pitchFamily="34" charset="0"/>
-              <a:cs typeface="Segoe UI" panose="020B0502040204020203" pitchFamily="34" charset="0"/>
-            </a:endParaRPr>
-          </a:p>
-          <a:p>
-            <a:pPr marL="457200" lvl="1" indent="0">
-              <a:buNone/>
-            </a:pPr>
-            <a:r>
-              <a:rPr lang="en-GB" sz="2800" dirty="0">
+            <a:r>
+              <a:rPr lang="en-GB" sz="3600" dirty="0">
                 <a:solidFill>
                   <a:srgbClr val="2196F3"/>
                 </a:solidFill>
                 <a:latin typeface="Segoe UI" panose="020B0502040204020203" pitchFamily="34" charset="0"/>
                 <a:cs typeface="Segoe UI" panose="020B0502040204020203" pitchFamily="34" charset="0"/>
               </a:rPr>
-              <a:t>We will look at couple of UI components and many more highly functional components that have build in:</a:t>
+              <a:t>Stencil JS</a:t>
             </a:r>
           </a:p>
           <a:p>
             <a:pPr marL="457200" lvl="1" indent="0">
               <a:buNone/>
             </a:pPr>
-            <a:endParaRPr lang="en-GB" sz="1200" dirty="0">
-              <a:solidFill>
-                <a:srgbClr val="2196F3"/>
-              </a:solidFill>
-              <a:latin typeface="Segoe UI" panose="020B0502040204020203" pitchFamily="34" charset="0"/>
-              <a:cs typeface="Segoe UI" panose="020B0502040204020203" pitchFamily="34" charset="0"/>
-            </a:endParaRPr>
-          </a:p>
-          <a:p>
-            <a:pPr lvl="1"/>
-            <a:r>
-              <a:rPr lang="en-GB" sz="2800" dirty="0">
+            <a:r>
+              <a:rPr lang="en-GB" sz="3600" dirty="0">
                 <a:solidFill>
                   <a:srgbClr val="2196F3"/>
                 </a:solidFill>
                 <a:latin typeface="Segoe UI" panose="020B0502040204020203" pitchFamily="34" charset="0"/>
                 <a:cs typeface="Segoe UI" panose="020B0502040204020203" pitchFamily="34" charset="0"/>
               </a:rPr>
-              <a:t>Fetch requests.</a:t>
-            </a:r>
-          </a:p>
-          <a:p>
-            <a:pPr lvl="1"/>
-            <a:r>
-              <a:rPr lang="en-GB" sz="2800" dirty="0">
+              <a:t>Lit Element/Lit HTML</a:t>
+            </a:r>
+          </a:p>
+          <a:p>
+            <a:pPr marL="457200" lvl="1" indent="0">
+              <a:buNone/>
+            </a:pPr>
+            <a:r>
+              <a:rPr lang="en-GB" sz="3600" dirty="0">
                 <a:solidFill>
                   <a:srgbClr val="2196F3"/>
                 </a:solidFill>
                 <a:latin typeface="Segoe UI" panose="020B0502040204020203" pitchFamily="34" charset="0"/>
                 <a:cs typeface="Segoe UI" panose="020B0502040204020203" pitchFamily="34" charset="0"/>
               </a:rPr>
-              <a:t>Lazy loading and dynamic loading.</a:t>
-            </a:r>
-          </a:p>
-          <a:p>
-            <a:pPr lvl="1"/>
-            <a:r>
-              <a:rPr lang="en-GB" sz="2800" dirty="0">
-                <a:solidFill>
-                  <a:srgbClr val="2196F3"/>
-                </a:solidFill>
-                <a:latin typeface="Segoe UI" panose="020B0502040204020203" pitchFamily="34" charset="0"/>
-                <a:cs typeface="Segoe UI" panose="020B0502040204020203" pitchFamily="34" charset="0"/>
-              </a:rPr>
-              <a:t>Storing JSON in IndexedDB and rendering it.</a:t>
-            </a:r>
-          </a:p>
-          <a:p>
-            <a:pPr lvl="1"/>
-            <a:r>
-              <a:rPr lang="en-GB" sz="2800" dirty="0">
-                <a:solidFill>
-                  <a:srgbClr val="2196F3"/>
-                </a:solidFill>
-                <a:latin typeface="Segoe UI" panose="020B0502040204020203" pitchFamily="34" charset="0"/>
-                <a:cs typeface="Segoe UI" panose="020B0502040204020203" pitchFamily="34" charset="0"/>
-              </a:rPr>
-              <a:t>Authentication.</a:t>
-            </a:r>
-          </a:p>
-          <a:p>
-            <a:pPr lvl="1"/>
-            <a:r>
-              <a:rPr lang="en-GB" sz="2800" dirty="0">
-                <a:solidFill>
-                  <a:srgbClr val="2196F3"/>
-                </a:solidFill>
-                <a:latin typeface="Segoe UI" panose="020B0502040204020203" pitchFamily="34" charset="0"/>
-                <a:cs typeface="Segoe UI" panose="020B0502040204020203" pitchFamily="34" charset="0"/>
-              </a:rPr>
-              <a:t>Added offline capability and ‘instant’ pages.</a:t>
-            </a:r>
-          </a:p>
-          <a:p>
-            <a:pPr lvl="1"/>
-            <a:endParaRPr lang="en-GB" sz="2800" dirty="0">
-              <a:solidFill>
-                <a:srgbClr val="2196F3"/>
-              </a:solidFill>
-              <a:latin typeface="Segoe UI" panose="020B0502040204020203" pitchFamily="34" charset="0"/>
-              <a:cs typeface="Segoe UI" panose="020B0502040204020203" pitchFamily="34" charset="0"/>
-            </a:endParaRPr>
-          </a:p>
-          <a:p>
-            <a:pPr marL="457200" lvl="1" indent="0">
-              <a:buNone/>
-            </a:pPr>
-            <a:r>
-              <a:rPr lang="en-GB" sz="2800" dirty="0">
-                <a:solidFill>
-                  <a:srgbClr val="2196F3"/>
-                </a:solidFill>
-                <a:latin typeface="Segoe UI" panose="020B0502040204020203" pitchFamily="34" charset="0"/>
-                <a:cs typeface="Segoe UI" panose="020B0502040204020203" pitchFamily="34" charset="0"/>
-              </a:rPr>
-              <a:t>Let’s see an example: https://wp-html.co.uk/semantic</a:t>
+              <a:t>Hybrids</a:t>
             </a:r>
           </a:p>
           <a:p>
@@ -6135,6 +6053,36 @@
             <a:pPr marL="457200" lvl="1" indent="0">
               <a:buNone/>
             </a:pPr>
+            <a:r>
+              <a:rPr lang="en-GB" sz="3600" dirty="0">
+                <a:solidFill>
+                  <a:srgbClr val="2196F3"/>
+                </a:solidFill>
+                <a:latin typeface="Segoe UI" panose="020B0502040204020203" pitchFamily="34" charset="0"/>
+                <a:cs typeface="Segoe UI" panose="020B0502040204020203" pitchFamily="34" charset="0"/>
+              </a:rPr>
+              <a:t>Wrappers:</a:t>
+            </a:r>
+          </a:p>
+          <a:p>
+            <a:pPr marL="457200" lvl="1" indent="0">
+              <a:buNone/>
+            </a:pPr>
+            <a:r>
+              <a:rPr lang="en-GB" sz="3600" dirty="0">
+                <a:solidFill>
+                  <a:srgbClr val="2196F3"/>
+                </a:solidFill>
+                <a:latin typeface="Segoe UI" panose="020B0502040204020203" pitchFamily="34" charset="0"/>
+                <a:cs typeface="Segoe UI" panose="020B0502040204020203" pitchFamily="34" charset="0"/>
+              </a:rPr>
+              <a:t>Svelte (?), Vue, Angular etc have builds that add a web component wrapper.</a:t>
+            </a:r>
+          </a:p>
+          <a:p>
+            <a:pPr marL="457200" lvl="1" indent="0">
+              <a:buNone/>
+            </a:pPr>
             <a:endParaRPr lang="en-GB" sz="3600" dirty="0">
               <a:solidFill>
                 <a:srgbClr val="2196F3"/>
@@ -6147,6 +6095,18 @@
             <a:pPr marL="457200" lvl="1" indent="0">
               <a:buNone/>
             </a:pPr>
+            <a:endParaRPr lang="en-GB" sz="3600" dirty="0">
+              <a:solidFill>
+                <a:srgbClr val="2196F3"/>
+              </a:solidFill>
+              <a:latin typeface="Segoe UI" panose="020B0502040204020203" pitchFamily="34" charset="0"/>
+              <a:cs typeface="Segoe UI" panose="020B0502040204020203" pitchFamily="34" charset="0"/>
+            </a:endParaRPr>
+          </a:p>
+          <a:p>
+            <a:pPr marL="457200" lvl="1" indent="0">
+              <a:buNone/>
+            </a:pPr>
             <a:endParaRPr lang="en-GB" sz="6700" dirty="0">
               <a:solidFill>
                 <a:srgbClr val="2196F3"/>
@@ -6196,7 +6156,7 @@
     </p:spTree>
     <p:extLst>
       <p:ext uri="{BB962C8B-B14F-4D97-AF65-F5344CB8AC3E}">
-        <p14:creationId xmlns:p14="http://schemas.microsoft.com/office/powerpoint/2010/main" val="105346925"/>
+        <p14:creationId xmlns:p14="http://schemas.microsoft.com/office/powerpoint/2010/main" val="77845080"/>
       </p:ext>
     </p:extLst>
   </p:cSld>
@@ -6225,10 +6185,55 @@
       </p:grpSpPr>
       <p:sp>
         <p:nvSpPr>
-          <p:cNvPr id="3" name="Content Placeholder 2">
-            <a:extLst>
-              <a:ext uri="{FF2B5EF4-FFF2-40B4-BE49-F238E27FC236}">
-                <a16:creationId xmlns:a16="http://schemas.microsoft.com/office/drawing/2014/main" id="{380A49C7-87C7-4B50-A695-2297B5304E7B}"/>
+          <p:cNvPr id="2" name="Title 1">
+            <a:extLst>
+              <a:ext uri="{FF2B5EF4-FFF2-40B4-BE49-F238E27FC236}">
+                <a16:creationId xmlns:a16="http://schemas.microsoft.com/office/drawing/2014/main" id="{5D7568B3-EC9A-45DD-8A17-CFE685194B65}"/>
+              </a:ext>
+            </a:extLst>
+          </p:cNvPr>
+          <p:cNvSpPr>
+            <a:spLocks noGrp="1"/>
+          </p:cNvSpPr>
+          <p:nvPr>
+            <p:ph type="title"/>
+          </p:nvPr>
+        </p:nvSpPr>
+        <p:spPr>
+          <a:xfrm>
+            <a:off x="838200" y="0"/>
+            <a:ext cx="10515600" cy="1325563"/>
+          </a:xfrm>
+          <a:solidFill>
+            <a:srgbClr val="2196F3"/>
+          </a:solidFill>
+        </p:spPr>
+        <p:txBody>
+          <a:bodyPr>
+            <a:normAutofit/>
+          </a:bodyPr>
+          <a:lstStyle/>
+          <a:p>
+            <a:pPr algn="ctr"/>
+            <a:r>
+              <a:rPr lang="en-GB" sz="6600" dirty="0">
+                <a:solidFill>
+                  <a:schemeClr val="bg1"/>
+                </a:solidFill>
+                <a:latin typeface="Segoe UI" panose="020B0502040204020203" pitchFamily="34" charset="0"/>
+                <a:cs typeface="Segoe UI" panose="020B0502040204020203" pitchFamily="34" charset="0"/>
+              </a:rPr>
+              <a:t>TYPES OF COMPONENTS</a:t>
+            </a:r>
+          </a:p>
+        </p:txBody>
+      </p:sp>
+      <p:sp>
+        <p:nvSpPr>
+          <p:cNvPr id="4" name="Content Placeholder 2">
+            <a:extLst>
+              <a:ext uri="{FF2B5EF4-FFF2-40B4-BE49-F238E27FC236}">
+                <a16:creationId xmlns:a16="http://schemas.microsoft.com/office/drawing/2014/main" id="{088CCB65-11B4-408B-9ED3-1304FE85032F}"/>
               </a:ext>
             </a:extLst>
           </p:cNvPr>
@@ -6242,6 +6247,328 @@
         <p:spPr>
           <a:xfrm>
             <a:off x="838200" y="1325563"/>
+            <a:ext cx="10515600" cy="5326907"/>
+          </a:xfrm>
+        </p:spPr>
+        <p:txBody>
+          <a:bodyPr wrap="square" bIns="252000">
+            <a:normAutofit lnSpcReduction="10000"/>
+          </a:bodyPr>
+          <a:lstStyle/>
+          <a:p>
+            <a:pPr marL="457200" lvl="1" indent="0" algn="ctr">
+              <a:buNone/>
+            </a:pPr>
+            <a:endParaRPr lang="en-GB" sz="1600" dirty="0">
+              <a:solidFill>
+                <a:srgbClr val="2196F3"/>
+              </a:solidFill>
+              <a:latin typeface="Segoe UI" panose="020B0502040204020203" pitchFamily="34" charset="0"/>
+              <a:cs typeface="Segoe UI" panose="020B0502040204020203" pitchFamily="34" charset="0"/>
+            </a:endParaRPr>
+          </a:p>
+          <a:p>
+            <a:pPr marL="457200" lvl="1" indent="0">
+              <a:buNone/>
+            </a:pPr>
+            <a:r>
+              <a:rPr lang="en-GB" sz="2800" dirty="0">
+                <a:solidFill>
+                  <a:srgbClr val="2196F3"/>
+                </a:solidFill>
+                <a:latin typeface="Segoe UI" panose="020B0502040204020203" pitchFamily="34" charset="0"/>
+                <a:cs typeface="Segoe UI" panose="020B0502040204020203" pitchFamily="34" charset="0"/>
+              </a:rPr>
+              <a:t>These are only limited by JS.</a:t>
+            </a:r>
+          </a:p>
+          <a:p>
+            <a:pPr marL="457200" lvl="1" indent="0">
+              <a:buNone/>
+            </a:pPr>
+            <a:endParaRPr lang="en-GB" sz="1200" dirty="0">
+              <a:solidFill>
+                <a:srgbClr val="2196F3"/>
+              </a:solidFill>
+              <a:latin typeface="Segoe UI" panose="020B0502040204020203" pitchFamily="34" charset="0"/>
+              <a:cs typeface="Segoe UI" panose="020B0502040204020203" pitchFamily="34" charset="0"/>
+            </a:endParaRPr>
+          </a:p>
+          <a:p>
+            <a:pPr marL="457200" lvl="1" indent="0">
+              <a:buNone/>
+            </a:pPr>
+            <a:r>
+              <a:rPr lang="en-GB" sz="2800" dirty="0">
+                <a:solidFill>
+                  <a:srgbClr val="2196F3"/>
+                </a:solidFill>
+                <a:latin typeface="Segoe UI" panose="020B0502040204020203" pitchFamily="34" charset="0"/>
+                <a:cs typeface="Segoe UI" panose="020B0502040204020203" pitchFamily="34" charset="0"/>
+              </a:rPr>
+              <a:t>We will look at couple of UI components and many more highly functional components that have built in:</a:t>
+            </a:r>
+          </a:p>
+          <a:p>
+            <a:pPr marL="457200" lvl="1" indent="0">
+              <a:buNone/>
+            </a:pPr>
+            <a:endParaRPr lang="en-GB" sz="1200" dirty="0">
+              <a:solidFill>
+                <a:srgbClr val="2196F3"/>
+              </a:solidFill>
+              <a:latin typeface="Segoe UI" panose="020B0502040204020203" pitchFamily="34" charset="0"/>
+              <a:cs typeface="Segoe UI" panose="020B0502040204020203" pitchFamily="34" charset="0"/>
+            </a:endParaRPr>
+          </a:p>
+          <a:p>
+            <a:pPr lvl="1"/>
+            <a:r>
+              <a:rPr lang="en-GB" sz="2800" dirty="0">
+                <a:solidFill>
+                  <a:srgbClr val="2196F3"/>
+                </a:solidFill>
+                <a:latin typeface="Segoe UI" panose="020B0502040204020203" pitchFamily="34" charset="0"/>
+                <a:cs typeface="Segoe UI" panose="020B0502040204020203" pitchFamily="34" charset="0"/>
+              </a:rPr>
+              <a:t>Fetch requests.</a:t>
+            </a:r>
+          </a:p>
+          <a:p>
+            <a:pPr lvl="1"/>
+            <a:r>
+              <a:rPr lang="en-GB" sz="2800" dirty="0">
+                <a:solidFill>
+                  <a:srgbClr val="2196F3"/>
+                </a:solidFill>
+                <a:latin typeface="Segoe UI" panose="020B0502040204020203" pitchFamily="34" charset="0"/>
+                <a:cs typeface="Segoe UI" panose="020B0502040204020203" pitchFamily="34" charset="0"/>
+              </a:rPr>
+              <a:t>Lazy loading and dynamic loading (scripts/components).</a:t>
+            </a:r>
+          </a:p>
+          <a:p>
+            <a:pPr lvl="1"/>
+            <a:r>
+              <a:rPr lang="en-GB" sz="2800" dirty="0">
+                <a:solidFill>
+                  <a:srgbClr val="2196F3"/>
+                </a:solidFill>
+                <a:latin typeface="Segoe UI" panose="020B0502040204020203" pitchFamily="34" charset="0"/>
+                <a:cs typeface="Segoe UI" panose="020B0502040204020203" pitchFamily="34" charset="0"/>
+              </a:rPr>
+              <a:t>Storing JSON in IndexedDB and rendering it via templates.</a:t>
+            </a:r>
+          </a:p>
+          <a:p>
+            <a:pPr lvl="1"/>
+            <a:r>
+              <a:rPr lang="en-GB" sz="2800" dirty="0">
+                <a:solidFill>
+                  <a:srgbClr val="2196F3"/>
+                </a:solidFill>
+                <a:latin typeface="Segoe UI" panose="020B0502040204020203" pitchFamily="34" charset="0"/>
+                <a:cs typeface="Segoe UI" panose="020B0502040204020203" pitchFamily="34" charset="0"/>
+              </a:rPr>
+              <a:t>Authentication and storage of JSON Web Tokens.</a:t>
+            </a:r>
+          </a:p>
+          <a:p>
+            <a:pPr lvl="1"/>
+            <a:r>
+              <a:rPr lang="en-GB" sz="2800" dirty="0">
+                <a:solidFill>
+                  <a:srgbClr val="2196F3"/>
+                </a:solidFill>
+                <a:latin typeface="Segoe UI" panose="020B0502040204020203" pitchFamily="34" charset="0"/>
+                <a:cs typeface="Segoe UI" panose="020B0502040204020203" pitchFamily="34" charset="0"/>
+              </a:rPr>
+              <a:t>Added offline capability and ‘instant’ pages.</a:t>
+            </a:r>
+          </a:p>
+          <a:p>
+            <a:pPr marL="457200" lvl="1" indent="0">
+              <a:buNone/>
+            </a:pPr>
+            <a:endParaRPr lang="en-GB" sz="1200" dirty="0">
+              <a:solidFill>
+                <a:srgbClr val="2196F3"/>
+              </a:solidFill>
+              <a:latin typeface="Segoe UI" panose="020B0502040204020203" pitchFamily="34" charset="0"/>
+              <a:cs typeface="Segoe UI" panose="020B0502040204020203" pitchFamily="34" charset="0"/>
+            </a:endParaRPr>
+          </a:p>
+          <a:p>
+            <a:pPr marL="457200" lvl="1" indent="0">
+              <a:buNone/>
+            </a:pPr>
+            <a:r>
+              <a:rPr lang="en-GB" sz="2800" dirty="0">
+                <a:solidFill>
+                  <a:srgbClr val="2196F3"/>
+                </a:solidFill>
+                <a:latin typeface="Segoe UI" panose="020B0502040204020203" pitchFamily="34" charset="0"/>
+                <a:cs typeface="Segoe UI" panose="020B0502040204020203" pitchFamily="34" charset="0"/>
+              </a:rPr>
+              <a:t>Let’s see an example: </a:t>
+            </a:r>
+            <a:r>
+              <a:rPr lang="en-GB" sz="2800" dirty="0">
+                <a:solidFill>
+                  <a:srgbClr val="2196F3"/>
+                </a:solidFill>
+                <a:latin typeface="Segoe UI" panose="020B0502040204020203" pitchFamily="34" charset="0"/>
+                <a:cs typeface="Segoe UI" panose="020B0502040204020203" pitchFamily="34" charset="0"/>
+                <a:hlinkClick r:id="rId2"/>
+              </a:rPr>
+              <a:t>https://wp-html.co.uk/semantic</a:t>
+            </a:r>
+            <a:endParaRPr lang="en-GB" sz="2800" dirty="0">
+              <a:solidFill>
+                <a:srgbClr val="2196F3"/>
+              </a:solidFill>
+              <a:latin typeface="Segoe UI" panose="020B0502040204020203" pitchFamily="34" charset="0"/>
+              <a:cs typeface="Segoe UI" panose="020B0502040204020203" pitchFamily="34" charset="0"/>
+            </a:endParaRPr>
+          </a:p>
+          <a:p>
+            <a:pPr marL="457200" lvl="1" indent="0">
+              <a:buNone/>
+            </a:pPr>
+            <a:r>
+              <a:rPr lang="en-GB" sz="2800" dirty="0">
+                <a:solidFill>
+                  <a:srgbClr val="2196F3"/>
+                </a:solidFill>
+                <a:latin typeface="Segoe UI" panose="020B0502040204020203" pitchFamily="34" charset="0"/>
+                <a:cs typeface="Segoe UI" panose="020B0502040204020203" pitchFamily="34" charset="0"/>
+              </a:rPr>
+              <a:t>(Vanilla JS)</a:t>
+            </a:r>
+          </a:p>
+          <a:p>
+            <a:pPr marL="457200" lvl="1" indent="0">
+              <a:buNone/>
+            </a:pPr>
+            <a:endParaRPr lang="en-GB" sz="3600" dirty="0">
+              <a:solidFill>
+                <a:srgbClr val="2196F3"/>
+              </a:solidFill>
+              <a:latin typeface="Segoe UI" panose="020B0502040204020203" pitchFamily="34" charset="0"/>
+              <a:cs typeface="Segoe UI" panose="020B0502040204020203" pitchFamily="34" charset="0"/>
+            </a:endParaRPr>
+          </a:p>
+          <a:p>
+            <a:pPr marL="457200" lvl="1" indent="0">
+              <a:buNone/>
+            </a:pPr>
+            <a:endParaRPr lang="en-GB" sz="3600" dirty="0">
+              <a:solidFill>
+                <a:srgbClr val="2196F3"/>
+              </a:solidFill>
+              <a:latin typeface="Segoe UI" panose="020B0502040204020203" pitchFamily="34" charset="0"/>
+              <a:cs typeface="Segoe UI" panose="020B0502040204020203" pitchFamily="34" charset="0"/>
+            </a:endParaRPr>
+          </a:p>
+          <a:p>
+            <a:pPr marL="457200" lvl="1" indent="0">
+              <a:buNone/>
+            </a:pPr>
+            <a:endParaRPr lang="en-GB" sz="6700" dirty="0">
+              <a:solidFill>
+                <a:srgbClr val="2196F3"/>
+              </a:solidFill>
+              <a:latin typeface="Segoe UI" panose="020B0502040204020203" pitchFamily="34" charset="0"/>
+              <a:cs typeface="Segoe UI" panose="020B0502040204020203" pitchFamily="34" charset="0"/>
+            </a:endParaRPr>
+          </a:p>
+          <a:p>
+            <a:pPr marL="457200" lvl="1" indent="0">
+              <a:buNone/>
+            </a:pPr>
+            <a:endParaRPr lang="en-GB" sz="6700" dirty="0">
+              <a:solidFill>
+                <a:srgbClr val="2196F3"/>
+              </a:solidFill>
+              <a:latin typeface="Segoe UI" panose="020B0502040204020203" pitchFamily="34" charset="0"/>
+              <a:cs typeface="Segoe UI" panose="020B0502040204020203" pitchFamily="34" charset="0"/>
+            </a:endParaRPr>
+          </a:p>
+          <a:p>
+            <a:pPr marL="457200" lvl="1" indent="0">
+              <a:buNone/>
+            </a:pPr>
+            <a:endParaRPr lang="en-GB" sz="6700" dirty="0">
+              <a:latin typeface="Segoe UI" panose="020B0502040204020203" pitchFamily="34" charset="0"/>
+              <a:cs typeface="Segoe UI" panose="020B0502040204020203" pitchFamily="34" charset="0"/>
+            </a:endParaRPr>
+          </a:p>
+          <a:p>
+            <a:pPr marL="0" indent="0">
+              <a:buNone/>
+            </a:pPr>
+            <a:endParaRPr lang="en-GB" dirty="0">
+              <a:latin typeface="Segoe UI" panose="020B0502040204020203" pitchFamily="34" charset="0"/>
+              <a:cs typeface="Segoe UI" panose="020B0502040204020203" pitchFamily="34" charset="0"/>
+            </a:endParaRPr>
+          </a:p>
+          <a:p>
+            <a:endParaRPr lang="en-GB" dirty="0">
+              <a:latin typeface="Segoe UI" panose="020B0502040204020203" pitchFamily="34" charset="0"/>
+              <a:cs typeface="Segoe UI" panose="020B0502040204020203" pitchFamily="34" charset="0"/>
+            </a:endParaRPr>
+          </a:p>
+        </p:txBody>
+      </p:sp>
+    </p:spTree>
+    <p:extLst>
+      <p:ext uri="{BB962C8B-B14F-4D97-AF65-F5344CB8AC3E}">
+        <p14:creationId xmlns:p14="http://schemas.microsoft.com/office/powerpoint/2010/main" val="105346925"/>
+      </p:ext>
+    </p:extLst>
+  </p:cSld>
+  <p:clrMapOvr>
+    <a:masterClrMapping/>
+  </p:clrMapOvr>
+</p:sld>
+</file>
+
+<file path=ppt/slides/slide15.xml><?xml version="1.0" encoding="utf-8"?>
+<p:sld xmlns:a="http://schemas.openxmlformats.org/drawingml/2006/main" xmlns:r="http://schemas.openxmlformats.org/officeDocument/2006/relationships" xmlns:p="http://schemas.openxmlformats.org/presentationml/2006/main">
+  <p:cSld>
+    <p:spTree>
+      <p:nvGrpSpPr>
+        <p:cNvPr id="1" name=""/>
+        <p:cNvGrpSpPr/>
+        <p:nvPr/>
+      </p:nvGrpSpPr>
+      <p:grpSpPr>
+        <a:xfrm>
+          <a:off x="0" y="0"/>
+          <a:ext cx="0" cy="0"/>
+          <a:chOff x="0" y="0"/>
+          <a:chExt cx="0" cy="0"/>
+        </a:xfrm>
+      </p:grpSpPr>
+      <p:sp>
+        <p:nvSpPr>
+          <p:cNvPr id="3" name="Content Placeholder 2">
+            <a:extLst>
+              <a:ext uri="{FF2B5EF4-FFF2-40B4-BE49-F238E27FC236}">
+                <a16:creationId xmlns:a16="http://schemas.microsoft.com/office/drawing/2014/main" id="{380A49C7-87C7-4B50-A695-2297B5304E7B}"/>
+              </a:ext>
+            </a:extLst>
+          </p:cNvPr>
+          <p:cNvSpPr>
+            <a:spLocks noGrp="1"/>
+          </p:cNvSpPr>
+          <p:nvPr>
+            <p:ph idx="1"/>
+          </p:nvPr>
+        </p:nvSpPr>
+        <p:spPr>
+          <a:xfrm>
+            <a:off x="838200" y="1325563"/>
             <a:ext cx="10515600" cy="4989511"/>
           </a:xfrm>
         </p:spPr>
@@ -6274,8 +6601,20 @@
                 <a:latin typeface="Segoe UI" panose="020B0502040204020203" pitchFamily="34" charset="0"/>
                 <a:cs typeface="Segoe UI" panose="020B0502040204020203" pitchFamily="34" charset="0"/>
               </a:rPr>
-              <a:t>How to deploy Web Components as a third party</a:t>
-            </a:r>
+              <a:t>How to deploy Web Components as a third party:</a:t>
+            </a:r>
+          </a:p>
+          <a:p>
+            <a:pPr marL="0" indent="0">
+              <a:buNone/>
+            </a:pPr>
+            <a:endParaRPr lang="en-GB" sz="1000" dirty="0">
+              <a:solidFill>
+                <a:srgbClr val="2196F3"/>
+              </a:solidFill>
+              <a:latin typeface="Segoe UI" panose="020B0502040204020203" pitchFamily="34" charset="0"/>
+              <a:cs typeface="Segoe UI" panose="020B0502040204020203" pitchFamily="34" charset="0"/>
+            </a:endParaRPr>
           </a:p>
           <a:p>
             <a:pPr>
@@ -6291,7 +6630,7 @@
                 <a:latin typeface="Segoe UI" panose="020B0502040204020203" pitchFamily="34" charset="0"/>
                 <a:cs typeface="Segoe UI" panose="020B0502040204020203" pitchFamily="34" charset="0"/>
               </a:rPr>
-              <a:t>NPM</a:t>
+              <a:t>In HTML pages as we have seen.</a:t>
             </a:r>
           </a:p>
           <a:p>
@@ -6308,7 +6647,24 @@
                 <a:latin typeface="Segoe UI" panose="020B0502040204020203" pitchFamily="34" charset="0"/>
                 <a:cs typeface="Segoe UI" panose="020B0502040204020203" pitchFamily="34" charset="0"/>
               </a:rPr>
-              <a:t>In Angular, Vue, React etc</a:t>
+              <a:t>NPM</a:t>
+            </a:r>
+          </a:p>
+          <a:p>
+            <a:pPr>
+              <a:lnSpc>
+                <a:spcPts val="4500"/>
+              </a:lnSpc>
+            </a:pPr>
+            <a:r>
+              <a:rPr lang="en-GB" sz="3600" dirty="0">
+                <a:solidFill>
+                  <a:srgbClr val="2196F3"/>
+                </a:solidFill>
+                <a:latin typeface="Segoe UI" panose="020B0502040204020203" pitchFamily="34" charset="0"/>
+                <a:cs typeface="Segoe UI" panose="020B0502040204020203" pitchFamily="34" charset="0"/>
+              </a:rPr>
+              <a:t>In Angular, Vue, React etc. There are well documented procedures.</a:t>
             </a:r>
           </a:p>
           <a:p>
@@ -6413,7 +6769,7 @@
                 <a:latin typeface="Segoe UI" panose="020B0502040204020203" pitchFamily="34" charset="0"/>
                 <a:cs typeface="Segoe UI" panose="020B0502040204020203" pitchFamily="34" charset="0"/>
               </a:rPr>
-              <a:t>Deployment</a:t>
+              <a:t>DEPLOYMENT</a:t>
             </a:r>
           </a:p>
         </p:txBody>
@@ -6431,7 +6787,7 @@
 </p:sld>
 </file>
 
-<file path=ppt/slides/slide15.xml><?xml version="1.0" encoding="utf-8"?>
+<file path=ppt/slides/slide16.xml><?xml version="1.0" encoding="utf-8"?>
 <p:sld xmlns:a="http://schemas.openxmlformats.org/drawingml/2006/main" xmlns:r="http://schemas.openxmlformats.org/officeDocument/2006/relationships" xmlns:p="http://schemas.openxmlformats.org/presentationml/2006/main">
   <p:cSld>
     <p:spTree>
@@ -8884,14 +9240,14 @@
         </p:spPr>
         <p:txBody>
           <a:bodyPr wrap="square" bIns="252000">
-            <a:normAutofit/>
+            <a:normAutofit fontScale="92500" lnSpcReduction="10000"/>
           </a:bodyPr>
           <a:lstStyle/>
           <a:p>
             <a:pPr marL="0" indent="0">
               <a:buNone/>
             </a:pPr>
-            <a:endParaRPr lang="en-GB" sz="2000" dirty="0">
+            <a:endParaRPr lang="en-GB" sz="900" dirty="0">
               <a:latin typeface="Segoe UI" panose="020B0502040204020203" pitchFamily="34" charset="0"/>
               <a:cs typeface="Segoe UI" panose="020B0502040204020203" pitchFamily="34" charset="0"/>
             </a:endParaRPr>
@@ -8942,7 +9298,7 @@
             <a:pPr marL="457200" lvl="1" indent="0" algn="ctr">
               <a:buNone/>
             </a:pPr>
-            <a:endParaRPr lang="en-GB" sz="4300" dirty="0">
+            <a:endParaRPr lang="en-GB" sz="1100" dirty="0">
               <a:solidFill>
                 <a:srgbClr val="2196F3"/>
               </a:solidFill>
@@ -8963,6 +9319,56 @@
                 <a:cs typeface="Segoe UI" panose="020B0502040204020203" pitchFamily="34" charset="0"/>
               </a:rPr>
               <a:t>Must contain at least one hyphen.</a:t>
+            </a:r>
+          </a:p>
+          <a:p>
+            <a:pPr marL="457200" lvl="1" indent="0">
+              <a:buNone/>
+            </a:pPr>
+            <a:endParaRPr lang="en-GB" sz="1200" dirty="0">
+              <a:solidFill>
+                <a:srgbClr val="2196F3"/>
+              </a:solidFill>
+              <a:latin typeface="Segoe UI" panose="020B0502040204020203" pitchFamily="34" charset="0"/>
+              <a:cs typeface="Segoe UI" panose="020B0502040204020203" pitchFamily="34" charset="0"/>
+            </a:endParaRPr>
+          </a:p>
+          <a:p>
+            <a:pPr marL="457200" lvl="1" indent="0">
+              <a:lnSpc>
+                <a:spcPts val="2800"/>
+              </a:lnSpc>
+              <a:buNone/>
+            </a:pPr>
+            <a:r>
+              <a:rPr lang="en-GB" sz="3600" dirty="0">
+                <a:solidFill>
+                  <a:srgbClr val="2196F3"/>
+                </a:solidFill>
+                <a:latin typeface="Segoe UI" panose="020B0502040204020203" pitchFamily="34" charset="0"/>
+                <a:cs typeface="Segoe UI" panose="020B0502040204020203" pitchFamily="34" charset="0"/>
+              </a:rPr>
+              <a:t>Part of the browser specifications so can be used just like regular HTML tags. They extend </a:t>
+            </a:r>
+            <a:r>
+              <a:rPr lang="en-GB" sz="3600" dirty="0" err="1">
+                <a:solidFill>
+                  <a:srgbClr val="2196F3"/>
+                </a:solidFill>
+                <a:latin typeface="Segoe UI" panose="020B0502040204020203" pitchFamily="34" charset="0"/>
+                <a:cs typeface="Segoe UI" panose="020B0502040204020203" pitchFamily="34" charset="0"/>
+              </a:rPr>
+              <a:t>HTMLElements</a:t>
+            </a:r>
+            <a:r>
+              <a:rPr lang="en-GB" sz="3600" dirty="0">
+                <a:solidFill>
+                  <a:srgbClr val="2196F3"/>
+                </a:solidFill>
+                <a:latin typeface="Segoe UI" panose="020B0502040204020203" pitchFamily="34" charset="0"/>
+                <a:cs typeface="Segoe UI" panose="020B0502040204020203" pitchFamily="34" charset="0"/>
+              </a:rPr>
+              <a:t> class.</a:t>
             </a:r>
           </a:p>
           <a:p>
@@ -8983,14 +9389,42 @@
             </a:pPr>
             <a:r>
               <a:rPr lang="en-GB" sz="3600" dirty="0">
-                <a:solidFill>
-                  <a:srgbClr val="2196F3"/>
-                </a:solidFill>
-                <a:latin typeface="Segoe UI" panose="020B0502040204020203" pitchFamily="34" charset="0"/>
-                <a:cs typeface="Segoe UI" panose="020B0502040204020203" pitchFamily="34" charset="0"/>
-              </a:rPr>
-              <a:t>Part of the browser specifications so can be used just like regular HTML tags.</a:t>
-            </a:r>
+                <a:hlinkClick r:id="rId2"/>
+              </a:rPr>
+              <a:t>https://www.webcomponents.org/</a:t>
+            </a:r>
+            <a:endParaRPr lang="en-GB" sz="3600" dirty="0"/>
+          </a:p>
+          <a:p>
+            <a:pPr marL="457200" lvl="1" indent="0">
+              <a:buNone/>
+            </a:pPr>
+            <a:r>
+              <a:rPr lang="en-GB" sz="3600" dirty="0">
+                <a:hlinkClick r:id="rId3"/>
+              </a:rPr>
+              <a:t>https://custom-elements-everywhere.com/</a:t>
+            </a:r>
+            <a:r>
+              <a:rPr lang="en-GB" sz="3600" dirty="0"/>
+              <a:t> (</a:t>
+            </a:r>
+            <a:r>
+              <a:rPr lang="en-GB" dirty="0"/>
+              <a:t>Making sure frameworks and custom elements can be BFFs )</a:t>
+            </a:r>
+          </a:p>
+          <a:p>
+            <a:pPr marL="457200" lvl="1" indent="0">
+              <a:buNone/>
+            </a:pPr>
+            <a:endParaRPr lang="en-GB" sz="3600" dirty="0">
+              <a:solidFill>
+                <a:srgbClr val="2196F3"/>
+              </a:solidFill>
+              <a:latin typeface="Segoe UI" panose="020B0502040204020203" pitchFamily="34" charset="0"/>
+              <a:cs typeface="Segoe UI" panose="020B0502040204020203" pitchFamily="34" charset="0"/>
+            </a:endParaRPr>
           </a:p>
           <a:p>
             <a:pPr marL="457200" lvl="1" indent="0">

--- a/Web-Components.pptx
+++ b/Web-Components.pptx
@@ -5,25 +5,24 @@
     <p:sldMasterId id="2147483648" r:id="rId1"/>
   </p:sldMasterIdLst>
   <p:notesMasterIdLst>
-    <p:notesMasterId r:id="rId18"/>
+    <p:notesMasterId r:id="rId17"/>
   </p:notesMasterIdLst>
   <p:sldIdLst>
-    <p:sldId id="313" r:id="rId2"/>
-    <p:sldId id="315" r:id="rId3"/>
-    <p:sldId id="269" r:id="rId4"/>
-    <p:sldId id="300" r:id="rId5"/>
-    <p:sldId id="318" r:id="rId6"/>
-    <p:sldId id="266" r:id="rId7"/>
-    <p:sldId id="264" r:id="rId8"/>
-    <p:sldId id="320" r:id="rId9"/>
-    <p:sldId id="319" r:id="rId10"/>
-    <p:sldId id="321" r:id="rId11"/>
-    <p:sldId id="322" r:id="rId12"/>
-    <p:sldId id="324" r:id="rId13"/>
-    <p:sldId id="326" r:id="rId14"/>
-    <p:sldId id="325" r:id="rId15"/>
-    <p:sldId id="312" r:id="rId16"/>
-    <p:sldId id="279" r:id="rId17"/>
+    <p:sldId id="315" r:id="rId2"/>
+    <p:sldId id="269" r:id="rId3"/>
+    <p:sldId id="300" r:id="rId4"/>
+    <p:sldId id="318" r:id="rId5"/>
+    <p:sldId id="266" r:id="rId6"/>
+    <p:sldId id="264" r:id="rId7"/>
+    <p:sldId id="320" r:id="rId8"/>
+    <p:sldId id="319" r:id="rId9"/>
+    <p:sldId id="321" r:id="rId10"/>
+    <p:sldId id="322" r:id="rId11"/>
+    <p:sldId id="324" r:id="rId12"/>
+    <p:sldId id="326" r:id="rId13"/>
+    <p:sldId id="325" r:id="rId14"/>
+    <p:sldId id="312" r:id="rId15"/>
+    <p:sldId id="279" r:id="rId16"/>
   </p:sldIdLst>
   <p:sldSz cx="12192000" cy="6858000"/>
   <p:notesSz cx="6858000" cy="9144000"/>
@@ -127,7 +126,6 @@
       <p14:sectionLst xmlns:p14="http://schemas.microsoft.com/office/powerpoint/2010/main">
         <p14:section name="Untitled Section" id="{83089785-02FD-4019-B97A-DDFCEAF7B530}">
           <p14:sldIdLst>
-            <p14:sldId id="313"/>
             <p14:sldId id="315"/>
             <p14:sldId id="269"/>
             <p14:sldId id="300"/>
@@ -247,7 +245,7 @@
           <a:p>
             <a:fld id="{70FE56F2-0B60-44FC-AC55-491897A4F355}" type="datetimeFigureOut">
               <a:rPr lang="en-GB" smtClean="0"/>
-              <a:t>02/06/2020</a:t>
+              <a:t>08/06/2020</a:t>
             </a:fld>
             <a:endParaRPr lang="en-GB"/>
           </a:p>
@@ -664,7 +662,7 @@
           <a:p>
             <a:fld id="{4D723AB6-704A-42C8-AB51-31B091223600}" type="datetimeFigureOut">
               <a:rPr lang="en-GB" smtClean="0"/>
-              <a:t>02/06/2020</a:t>
+              <a:t>08/06/2020</a:t>
             </a:fld>
             <a:endParaRPr lang="en-GB"/>
           </a:p>
@@ -864,7 +862,7 @@
           <a:p>
             <a:fld id="{4D723AB6-704A-42C8-AB51-31B091223600}" type="datetimeFigureOut">
               <a:rPr lang="en-GB" smtClean="0"/>
-              <a:t>02/06/2020</a:t>
+              <a:t>08/06/2020</a:t>
             </a:fld>
             <a:endParaRPr lang="en-GB"/>
           </a:p>
@@ -1074,7 +1072,7 @@
           <a:p>
             <a:fld id="{4D723AB6-704A-42C8-AB51-31B091223600}" type="datetimeFigureOut">
               <a:rPr lang="en-GB" smtClean="0"/>
-              <a:t>02/06/2020</a:t>
+              <a:t>08/06/2020</a:t>
             </a:fld>
             <a:endParaRPr lang="en-GB"/>
           </a:p>
@@ -1274,7 +1272,7 @@
           <a:p>
             <a:fld id="{4D723AB6-704A-42C8-AB51-31B091223600}" type="datetimeFigureOut">
               <a:rPr lang="en-GB" smtClean="0"/>
-              <a:t>02/06/2020</a:t>
+              <a:t>08/06/2020</a:t>
             </a:fld>
             <a:endParaRPr lang="en-GB"/>
           </a:p>
@@ -1550,7 +1548,7 @@
           <a:p>
             <a:fld id="{4D723AB6-704A-42C8-AB51-31B091223600}" type="datetimeFigureOut">
               <a:rPr lang="en-GB" smtClean="0"/>
-              <a:t>02/06/2020</a:t>
+              <a:t>08/06/2020</a:t>
             </a:fld>
             <a:endParaRPr lang="en-GB"/>
           </a:p>
@@ -1818,7 +1816,7 @@
           <a:p>
             <a:fld id="{4D723AB6-704A-42C8-AB51-31B091223600}" type="datetimeFigureOut">
               <a:rPr lang="en-GB" smtClean="0"/>
-              <a:t>02/06/2020</a:t>
+              <a:t>08/06/2020</a:t>
             </a:fld>
             <a:endParaRPr lang="en-GB"/>
           </a:p>
@@ -2233,7 +2231,7 @@
           <a:p>
             <a:fld id="{4D723AB6-704A-42C8-AB51-31B091223600}" type="datetimeFigureOut">
               <a:rPr lang="en-GB" smtClean="0"/>
-              <a:t>02/06/2020</a:t>
+              <a:t>08/06/2020</a:t>
             </a:fld>
             <a:endParaRPr lang="en-GB"/>
           </a:p>
@@ -2375,7 +2373,7 @@
           <a:p>
             <a:fld id="{4D723AB6-704A-42C8-AB51-31B091223600}" type="datetimeFigureOut">
               <a:rPr lang="en-GB" smtClean="0"/>
-              <a:t>02/06/2020</a:t>
+              <a:t>08/06/2020</a:t>
             </a:fld>
             <a:endParaRPr lang="en-GB"/>
           </a:p>
@@ -2488,7 +2486,7 @@
           <a:p>
             <a:fld id="{4D723AB6-704A-42C8-AB51-31B091223600}" type="datetimeFigureOut">
               <a:rPr lang="en-GB" smtClean="0"/>
-              <a:t>02/06/2020</a:t>
+              <a:t>08/06/2020</a:t>
             </a:fld>
             <a:endParaRPr lang="en-GB"/>
           </a:p>
@@ -2801,7 +2799,7 @@
           <a:p>
             <a:fld id="{4D723AB6-704A-42C8-AB51-31B091223600}" type="datetimeFigureOut">
               <a:rPr lang="en-GB" smtClean="0"/>
-              <a:t>02/06/2020</a:t>
+              <a:t>08/06/2020</a:t>
             </a:fld>
             <a:endParaRPr lang="en-GB"/>
           </a:p>
@@ -3090,7 +3088,7 @@
           <a:p>
             <a:fld id="{4D723AB6-704A-42C8-AB51-31B091223600}" type="datetimeFigureOut">
               <a:rPr lang="en-GB" smtClean="0"/>
-              <a:t>02/06/2020</a:t>
+              <a:t>08/06/2020</a:t>
             </a:fld>
             <a:endParaRPr lang="en-GB"/>
           </a:p>
@@ -3333,7 +3331,7 @@
           <a:p>
             <a:fld id="{4D723AB6-704A-42C8-AB51-31B091223600}" type="datetimeFigureOut">
               <a:rPr lang="en-GB" smtClean="0"/>
-              <a:t>02/06/2020</a:t>
+              <a:t>08/06/2020</a:t>
             </a:fld>
             <a:endParaRPr lang="en-GB"/>
           </a:p>
@@ -3814,7 +3812,7 @@
         <p:spPr>
           <a:xfrm>
             <a:off x="838200" y="1325563"/>
-            <a:ext cx="10515600" cy="5326907"/>
+            <a:ext cx="10515600" cy="4919125"/>
           </a:xfrm>
         </p:spPr>
         <p:txBody>
@@ -3823,16 +3821,10 @@
           </a:bodyPr>
           <a:lstStyle/>
           <a:p>
-            <a:endParaRPr lang="en-GB" sz="900" dirty="0">
-              <a:latin typeface="Segoe UI" panose="020B0502040204020203" pitchFamily="34" charset="0"/>
-              <a:cs typeface="Segoe UI" panose="020B0502040204020203" pitchFamily="34" charset="0"/>
-            </a:endParaRPr>
-          </a:p>
-          <a:p>
             <a:pPr marL="457200" lvl="1" indent="0">
               <a:buNone/>
             </a:pPr>
-            <a:endParaRPr lang="en-GB" sz="400" dirty="0">
+            <a:endParaRPr lang="en-GB" sz="300" dirty="0">
               <a:solidFill>
                 <a:srgbClr val="2196F3"/>
               </a:solidFill>
@@ -3844,22 +3836,7 @@
             <a:pPr marL="457200" lvl="1" indent="0">
               <a:buNone/>
             </a:pPr>
-            <a:r>
-              <a:rPr lang="en-GB" sz="4300" dirty="0">
-                <a:solidFill>
-                  <a:srgbClr val="2196F3"/>
-                </a:solidFill>
-                <a:latin typeface="Segoe UI" panose="020B0502040204020203" pitchFamily="34" charset="0"/>
-                <a:cs typeface="Segoe UI" panose="020B0502040204020203" pitchFamily="34" charset="0"/>
-              </a:rPr>
-              <a:t>Download workshop pack:</a:t>
-            </a:r>
-          </a:p>
-          <a:p>
-            <a:pPr marL="457200" lvl="1" indent="0" algn="ctr">
-              <a:buNone/>
-            </a:pPr>
-            <a:endParaRPr lang="en-GB" sz="1000" dirty="0">
+            <a:endParaRPr lang="en-GB" sz="1400" dirty="0">
               <a:solidFill>
                 <a:srgbClr val="2196F3"/>
               </a:solidFill>
@@ -3872,60 +3849,16 @@
               <a:buNone/>
             </a:pPr>
             <a:r>
-              <a:rPr lang="en-GB" sz="3600" dirty="0">
+              <a:rPr lang="en-GB" sz="4800" dirty="0">
                 <a:solidFill>
                   <a:srgbClr val="2196F3"/>
                 </a:solidFill>
                 <a:latin typeface="Segoe UI" panose="020B0502040204020203" pitchFamily="34" charset="0"/>
                 <a:cs typeface="Segoe UI" panose="020B0502040204020203" pitchFamily="34" charset="0"/>
               </a:rPr>
-              <a:t>Includes:</a:t>
-            </a:r>
-          </a:p>
-          <a:p>
-            <a:pPr lvl="2"/>
-            <a:r>
-              <a:rPr lang="en-GB" sz="3200" dirty="0">
-                <a:solidFill>
-                  <a:srgbClr val="2196F3"/>
-                </a:solidFill>
-                <a:latin typeface="Segoe UI" panose="020B0502040204020203" pitchFamily="34" charset="0"/>
-                <a:cs typeface="Segoe UI" panose="020B0502040204020203" pitchFamily="34" charset="0"/>
-              </a:rPr>
-              <a:t>Code files for workshop</a:t>
-            </a:r>
-          </a:p>
-          <a:p>
-            <a:pPr lvl="2"/>
-            <a:r>
-              <a:rPr lang="en-GB" sz="3200" dirty="0">
-                <a:solidFill>
-                  <a:srgbClr val="2196F3"/>
-                </a:solidFill>
-                <a:latin typeface="Segoe UI" panose="020B0502040204020203" pitchFamily="34" charset="0"/>
-                <a:cs typeface="Segoe UI" panose="020B0502040204020203" pitchFamily="34" charset="0"/>
-              </a:rPr>
-              <a:t>Course Workbook</a:t>
-            </a:r>
-          </a:p>
-          <a:p>
-            <a:pPr lvl="2"/>
-            <a:r>
-              <a:rPr lang="en-GB" sz="3200" dirty="0">
-                <a:solidFill>
-                  <a:srgbClr val="2196F3"/>
-                </a:solidFill>
-                <a:latin typeface="Segoe UI" panose="020B0502040204020203" pitchFamily="34" charset="0"/>
-                <a:cs typeface="Segoe UI" panose="020B0502040204020203" pitchFamily="34" charset="0"/>
-              </a:rPr>
-              <a:t>Slides</a:t>
-            </a:r>
-          </a:p>
-          <a:p>
-            <a:pPr marL="457200" lvl="1" indent="0">
-              <a:buNone/>
-            </a:pPr>
-            <a:endParaRPr lang="en-GB" sz="6700" dirty="0">
+              <a:t>Craig West</a:t>
+            </a:r>
+            <a:endParaRPr lang="en-GB" sz="1100" dirty="0">
               <a:solidFill>
                 <a:srgbClr val="2196F3"/>
               </a:solidFill>
@@ -3937,7 +3870,7 @@
             <a:pPr marL="457200" lvl="1" indent="0">
               <a:buNone/>
             </a:pPr>
-            <a:endParaRPr lang="en-GB" sz="6700" dirty="0">
+            <a:endParaRPr lang="en-GB" sz="1600" dirty="0">
               <a:solidFill>
                 <a:srgbClr val="2196F3"/>
               </a:solidFill>
@@ -3949,7 +3882,130 @@
             <a:pPr marL="457200" lvl="1" indent="0">
               <a:buNone/>
             </a:pPr>
-            <a:endParaRPr lang="en-GB" sz="6700" dirty="0">
+            <a:r>
+              <a:rPr lang="en-GB" sz="4000" dirty="0">
+                <a:solidFill>
+                  <a:srgbClr val="2196F3"/>
+                </a:solidFill>
+                <a:latin typeface="Segoe UI" panose="020B0502040204020203" pitchFamily="34" charset="0"/>
+                <a:cs typeface="Segoe UI" panose="020B0502040204020203" pitchFamily="34" charset="0"/>
+              </a:rPr>
+              <a:t>Feel free to contact me: </a:t>
+            </a:r>
+            <a:r>
+              <a:rPr lang="en-GB" sz="4000" b="1" dirty="0">
+                <a:solidFill>
+                  <a:srgbClr val="FFC000"/>
+                </a:solidFill>
+                <a:latin typeface="Segoe UI" panose="020B0502040204020203" pitchFamily="34" charset="0"/>
+                <a:cs typeface="Segoe UI" panose="020B0502040204020203" pitchFamily="34" charset="0"/>
+                <a:hlinkClick r:id="rId2"/>
+              </a:rPr>
+              <a:t>craig@wpjs.co.uk</a:t>
+            </a:r>
+            <a:endParaRPr lang="en-GB" sz="600" b="1" dirty="0">
+              <a:solidFill>
+                <a:srgbClr val="FFC000"/>
+              </a:solidFill>
+              <a:latin typeface="Segoe UI" panose="020B0502040204020203" pitchFamily="34" charset="0"/>
+              <a:cs typeface="Segoe UI" panose="020B0502040204020203" pitchFamily="34" charset="0"/>
+            </a:endParaRPr>
+          </a:p>
+          <a:p>
+            <a:pPr marL="457200" lvl="1" indent="0">
+              <a:buNone/>
+            </a:pPr>
+            <a:endParaRPr lang="en-GB" sz="300" dirty="0">
+              <a:solidFill>
+                <a:srgbClr val="2196F3"/>
+              </a:solidFill>
+              <a:latin typeface="Segoe UI" panose="020B0502040204020203" pitchFamily="34" charset="0"/>
+              <a:cs typeface="Segoe UI" panose="020B0502040204020203" pitchFamily="34" charset="0"/>
+            </a:endParaRPr>
+          </a:p>
+          <a:p>
+            <a:pPr marL="457200" lvl="1" indent="0">
+              <a:buNone/>
+            </a:pPr>
+            <a:endParaRPr lang="en-GB" sz="1600" dirty="0">
+              <a:solidFill>
+                <a:srgbClr val="2196F3"/>
+              </a:solidFill>
+              <a:latin typeface="Segoe UI" panose="020B0502040204020203" pitchFamily="34" charset="0"/>
+              <a:cs typeface="Segoe UI" panose="020B0502040204020203" pitchFamily="34" charset="0"/>
+            </a:endParaRPr>
+          </a:p>
+          <a:p>
+            <a:pPr marL="457200" lvl="1" indent="0">
+              <a:buNone/>
+            </a:pPr>
+            <a:r>
+              <a:rPr lang="en-GB" sz="4000" dirty="0">
+                <a:solidFill>
+                  <a:srgbClr val="2196F3"/>
+                </a:solidFill>
+                <a:latin typeface="Segoe UI" panose="020B0502040204020203" pitchFamily="34" charset="0"/>
+                <a:cs typeface="Segoe UI" panose="020B0502040204020203" pitchFamily="34" charset="0"/>
+              </a:rPr>
+              <a:t>Course files, handbook, slides:</a:t>
+            </a:r>
+          </a:p>
+          <a:p>
+            <a:pPr marL="457200" lvl="1" indent="0">
+              <a:buNone/>
+            </a:pPr>
+            <a:endParaRPr lang="en-GB" sz="200" b="1" dirty="0">
+              <a:solidFill>
+                <a:srgbClr val="2196F3"/>
+              </a:solidFill>
+              <a:latin typeface="Segoe UI" panose="020B0502040204020203" pitchFamily="34" charset="0"/>
+              <a:cs typeface="Segoe UI" panose="020B0502040204020203" pitchFamily="34" charset="0"/>
+            </a:endParaRPr>
+          </a:p>
+          <a:p>
+            <a:pPr marL="457200" lvl="1" indent="0">
+              <a:buNone/>
+            </a:pPr>
+            <a:endParaRPr lang="en-GB" sz="1600" b="1" dirty="0">
+              <a:solidFill>
+                <a:srgbClr val="FF0000"/>
+              </a:solidFill>
+              <a:latin typeface="Segoe UI" panose="020B0502040204020203" pitchFamily="34" charset="0"/>
+              <a:cs typeface="Segoe UI" panose="020B0502040204020203" pitchFamily="34" charset="0"/>
+              <a:hlinkClick r:id="rId3">
+                <a:extLst>
+                  <a:ext uri="{A12FA001-AC4F-418D-AE19-62706E023703}">
+                    <ahyp:hlinkClr xmlns:ahyp="http://schemas.microsoft.com/office/drawing/2018/hyperlinkcolor" val="tx"/>
+                  </a:ext>
+                </a:extLst>
+              </a:hlinkClick>
+            </a:endParaRPr>
+          </a:p>
+          <a:p>
+            <a:pPr marL="457200" lvl="1" indent="0">
+              <a:buNone/>
+            </a:pPr>
+            <a:r>
+              <a:rPr lang="en-GB" sz="3200" b="1" dirty="0">
+                <a:latin typeface="Segoe UI" panose="020B0502040204020203" pitchFamily="34" charset="0"/>
+                <a:cs typeface="Segoe UI" panose="020B0502040204020203" pitchFamily="34" charset="0"/>
+                <a:hlinkClick r:id="rId4"/>
+              </a:rPr>
+              <a:t>https://github.com/iwswordpress/webcomponents</a:t>
+            </a:r>
+            <a:endParaRPr lang="en-GB" sz="3200" b="1" dirty="0">
+              <a:solidFill>
+                <a:srgbClr val="2196F3"/>
+              </a:solidFill>
+              <a:latin typeface="Segoe UI" panose="020B0502040204020203" pitchFamily="34" charset="0"/>
+              <a:cs typeface="Segoe UI" panose="020B0502040204020203" pitchFamily="34" charset="0"/>
+            </a:endParaRPr>
+          </a:p>
+          <a:p>
+            <a:pPr marL="457200" lvl="1" indent="0">
+              <a:buNone/>
+            </a:pPr>
+            <a:endParaRPr lang="en-GB" sz="3600" dirty="0">
               <a:latin typeface="Segoe UI" panose="020B0502040204020203" pitchFamily="34" charset="0"/>
               <a:cs typeface="Segoe UI" panose="020B0502040204020203" pitchFamily="34" charset="0"/>
             </a:endParaRPr>
@@ -3974,7 +4030,7 @@
     </p:spTree>
     <p:extLst>
       <p:ext uri="{BB962C8B-B14F-4D97-AF65-F5344CB8AC3E}">
-        <p14:creationId xmlns:p14="http://schemas.microsoft.com/office/powerpoint/2010/main" val="2413632325"/>
+        <p14:creationId xmlns:p14="http://schemas.microsoft.com/office/powerpoint/2010/main" val="3130116363"/>
       </p:ext>
     </p:extLst>
   </p:cSld>
@@ -4003,1335 +4059,223 @@
       </p:grpSpPr>
       <p:sp>
         <p:nvSpPr>
-          <p:cNvPr id="5" name="Rectangle: Rounded Corners 4">
-            <a:extLst>
-              <a:ext uri="{FF2B5EF4-FFF2-40B4-BE49-F238E27FC236}">
-                <a16:creationId xmlns:a16="http://schemas.microsoft.com/office/drawing/2014/main" id="{65B1CF75-47B8-4AC4-BD1E-926B376FD50D}"/>
-              </a:ext>
-            </a:extLst>
-          </p:cNvPr>
-          <p:cNvSpPr/>
-          <p:nvPr/>
+          <p:cNvPr id="2" name="Title 1">
+            <a:extLst>
+              <a:ext uri="{FF2B5EF4-FFF2-40B4-BE49-F238E27FC236}">
+                <a16:creationId xmlns:a16="http://schemas.microsoft.com/office/drawing/2014/main" id="{5D7568B3-EC9A-45DD-8A17-CFE685194B65}"/>
+              </a:ext>
+            </a:extLst>
+          </p:cNvPr>
+          <p:cNvSpPr>
+            <a:spLocks noGrp="1"/>
+          </p:cNvSpPr>
+          <p:nvPr>
+            <p:ph type="title"/>
+          </p:nvPr>
         </p:nvSpPr>
         <p:spPr>
           <a:xfrm>
-            <a:off x="886408" y="4376057"/>
-            <a:ext cx="1819470" cy="942392"/>
-          </a:xfrm>
-          <a:prstGeom prst="roundRect">
-            <a:avLst/>
-          </a:prstGeom>
+            <a:off x="838200" y="0"/>
+            <a:ext cx="10515600" cy="1325563"/>
+          </a:xfrm>
           <a:solidFill>
-            <a:schemeClr val="bg1">
-              <a:lumMod val="85000"/>
-            </a:schemeClr>
+            <a:srgbClr val="2196F3"/>
           </a:solidFill>
-          <a:ln w="28575">
-            <a:solidFill>
-              <a:srgbClr val="FF0000"/>
-            </a:solidFill>
-          </a:ln>
-        </p:spPr>
-        <p:style>
-          <a:lnRef idx="2">
-            <a:schemeClr val="accent1">
-              <a:shade val="50000"/>
-            </a:schemeClr>
-          </a:lnRef>
-          <a:fillRef idx="1">
-            <a:schemeClr val="accent1"/>
-          </a:fillRef>
-          <a:effectRef idx="0">
-            <a:schemeClr val="accent1"/>
-          </a:effectRef>
-          <a:fontRef idx="minor">
-            <a:schemeClr val="lt1"/>
-          </a:fontRef>
-        </p:style>
-        <p:txBody>
-          <a:bodyPr rtlCol="0" anchor="ctr"/>
-          <a:lstStyle/>
-          <a:p>
-            <a:pPr algn="ctr"/>
-            <a:endParaRPr lang="en-GB">
-              <a:latin typeface="Segoe UI" panose="020B0502040204020203" pitchFamily="34" charset="0"/>
-              <a:cs typeface="Segoe UI" panose="020B0502040204020203" pitchFamily="34" charset="0"/>
-            </a:endParaRPr>
-          </a:p>
-        </p:txBody>
-      </p:sp>
-      <p:cxnSp>
-        <p:nvCxnSpPr>
-          <p:cNvPr id="9" name="Straight Connector 8">
-            <a:extLst>
-              <a:ext uri="{FF2B5EF4-FFF2-40B4-BE49-F238E27FC236}">
-                <a16:creationId xmlns:a16="http://schemas.microsoft.com/office/drawing/2014/main" id="{8ECDE257-0E06-4C73-B713-15F600FA91AE}"/>
-              </a:ext>
-            </a:extLst>
-          </p:cNvPr>
-          <p:cNvCxnSpPr>
-            <a:cxnSpLocks/>
-          </p:cNvCxnSpPr>
-          <p:nvPr/>
-        </p:nvCxnSpPr>
-        <p:spPr>
-          <a:xfrm>
-            <a:off x="3097763" y="3437944"/>
-            <a:ext cx="0" cy="2449286"/>
-          </a:xfrm>
-          <a:prstGeom prst="line">
-            <a:avLst/>
-          </a:prstGeom>
-          <a:ln w="15875" cmpd="dbl">
-            <a:solidFill>
-              <a:schemeClr val="accent6">
-                <a:lumMod val="75000"/>
-              </a:schemeClr>
-            </a:solidFill>
-            <a:prstDash val="lgDash"/>
-          </a:ln>
-        </p:spPr>
-        <p:style>
-          <a:lnRef idx="1">
-            <a:schemeClr val="accent1"/>
-          </a:lnRef>
-          <a:fillRef idx="0">
-            <a:schemeClr val="accent1"/>
-          </a:fillRef>
-          <a:effectRef idx="0">
-            <a:schemeClr val="accent1"/>
-          </a:effectRef>
-          <a:fontRef idx="minor">
-            <a:schemeClr val="tx1"/>
-          </a:fontRef>
-        </p:style>
-      </p:cxnSp>
-      <p:sp>
-        <p:nvSpPr>
-          <p:cNvPr id="11" name="Rectangle: Rounded Corners 10">
-            <a:extLst>
-              <a:ext uri="{FF2B5EF4-FFF2-40B4-BE49-F238E27FC236}">
-                <a16:creationId xmlns:a16="http://schemas.microsoft.com/office/drawing/2014/main" id="{1D5DB675-0CE6-474A-B918-0BBB81FDF253}"/>
-              </a:ext>
-            </a:extLst>
-          </p:cNvPr>
-          <p:cNvSpPr/>
-          <p:nvPr/>
-        </p:nvSpPr>
-        <p:spPr>
-          <a:xfrm>
-            <a:off x="9193764" y="709127"/>
-            <a:ext cx="2251787" cy="4609322"/>
-          </a:xfrm>
-          <a:prstGeom prst="roundRect">
-            <a:avLst/>
-          </a:prstGeom>
-          <a:solidFill>
-            <a:schemeClr val="bg1">
-              <a:lumMod val="85000"/>
-            </a:schemeClr>
-          </a:solidFill>
-          <a:ln w="28575">
-            <a:solidFill>
-              <a:srgbClr val="FF0000"/>
-            </a:solidFill>
-          </a:ln>
-        </p:spPr>
-        <p:style>
-          <a:lnRef idx="2">
-            <a:schemeClr val="accent1">
-              <a:shade val="50000"/>
-            </a:schemeClr>
-          </a:lnRef>
-          <a:fillRef idx="1">
-            <a:schemeClr val="accent1"/>
-          </a:fillRef>
-          <a:effectRef idx="0">
-            <a:schemeClr val="accent1"/>
-          </a:effectRef>
-          <a:fontRef idx="minor">
-            <a:schemeClr val="lt1"/>
-          </a:fontRef>
-        </p:style>
-        <p:txBody>
-          <a:bodyPr rtlCol="0" anchor="ctr"/>
-          <a:lstStyle/>
-          <a:p>
-            <a:pPr algn="ctr"/>
-            <a:endParaRPr lang="en-GB">
-              <a:latin typeface="Segoe UI" panose="020B0502040204020203" pitchFamily="34" charset="0"/>
-              <a:cs typeface="Segoe UI" panose="020B0502040204020203" pitchFamily="34" charset="0"/>
-            </a:endParaRPr>
-          </a:p>
-        </p:txBody>
-      </p:sp>
-      <p:sp>
-        <p:nvSpPr>
-          <p:cNvPr id="13" name="Rectangle: Rounded Corners 12">
-            <a:extLst>
-              <a:ext uri="{FF2B5EF4-FFF2-40B4-BE49-F238E27FC236}">
-                <a16:creationId xmlns:a16="http://schemas.microsoft.com/office/drawing/2014/main" id="{497DB97B-039D-4182-8A21-C324F5A05084}"/>
-              </a:ext>
-            </a:extLst>
-          </p:cNvPr>
-          <p:cNvSpPr/>
-          <p:nvPr/>
-        </p:nvSpPr>
-        <p:spPr>
-          <a:xfrm>
-            <a:off x="1003054" y="777913"/>
-            <a:ext cx="6884431" cy="2183363"/>
-          </a:xfrm>
-          <a:prstGeom prst="roundRect">
-            <a:avLst/>
-          </a:prstGeom>
-          <a:solidFill>
-            <a:schemeClr val="bg1">
-              <a:lumMod val="85000"/>
-            </a:schemeClr>
-          </a:solidFill>
-          <a:ln w="28575">
-            <a:solidFill>
-              <a:srgbClr val="FF0000"/>
-            </a:solidFill>
-          </a:ln>
-        </p:spPr>
-        <p:style>
-          <a:lnRef idx="2">
-            <a:schemeClr val="accent1">
-              <a:shade val="50000"/>
-            </a:schemeClr>
-          </a:lnRef>
-          <a:fillRef idx="1">
-            <a:schemeClr val="accent1"/>
-          </a:fillRef>
-          <a:effectRef idx="0">
-            <a:schemeClr val="accent1"/>
-          </a:effectRef>
-          <a:fontRef idx="minor">
-            <a:schemeClr val="lt1"/>
-          </a:fontRef>
-        </p:style>
-        <p:txBody>
-          <a:bodyPr rtlCol="0" anchor="ctr"/>
-          <a:lstStyle/>
-          <a:p>
-            <a:pPr algn="ctr"/>
-            <a:endParaRPr lang="en-GB">
-              <a:latin typeface="Segoe UI" panose="020B0502040204020203" pitchFamily="34" charset="0"/>
-              <a:cs typeface="Segoe UI" panose="020B0502040204020203" pitchFamily="34" charset="0"/>
-            </a:endParaRPr>
-          </a:p>
-        </p:txBody>
-      </p:sp>
-      <p:sp>
-        <p:nvSpPr>
-          <p:cNvPr id="14" name="Rectangle: Rounded Corners 13">
-            <a:extLst>
-              <a:ext uri="{FF2B5EF4-FFF2-40B4-BE49-F238E27FC236}">
-                <a16:creationId xmlns:a16="http://schemas.microsoft.com/office/drawing/2014/main" id="{670B406B-FAA1-4A47-9E0F-388A4554F760}"/>
-              </a:ext>
-            </a:extLst>
-          </p:cNvPr>
-          <p:cNvSpPr/>
-          <p:nvPr/>
-        </p:nvSpPr>
-        <p:spPr>
-          <a:xfrm>
-            <a:off x="5951371" y="4406768"/>
-            <a:ext cx="1819465" cy="942392"/>
-          </a:xfrm>
-          <a:prstGeom prst="roundRect">
-            <a:avLst/>
-          </a:prstGeom>
-          <a:solidFill>
-            <a:schemeClr val="bg1">
-              <a:lumMod val="85000"/>
-            </a:schemeClr>
-          </a:solidFill>
-          <a:ln w="28575">
-            <a:solidFill>
-              <a:srgbClr val="FF0000"/>
-            </a:solidFill>
-          </a:ln>
-        </p:spPr>
-        <p:style>
-          <a:lnRef idx="2">
-            <a:schemeClr val="accent1">
-              <a:shade val="50000"/>
-            </a:schemeClr>
-          </a:lnRef>
-          <a:fillRef idx="1">
-            <a:schemeClr val="accent1"/>
-          </a:fillRef>
-          <a:effectRef idx="0">
-            <a:schemeClr val="accent1"/>
-          </a:effectRef>
-          <a:fontRef idx="minor">
-            <a:schemeClr val="lt1"/>
-          </a:fontRef>
-        </p:style>
-        <p:txBody>
-          <a:bodyPr rtlCol="0" anchor="ctr"/>
-          <a:lstStyle/>
-          <a:p>
-            <a:pPr algn="ctr"/>
-            <a:endParaRPr lang="en-GB">
-              <a:latin typeface="Segoe UI" panose="020B0502040204020203" pitchFamily="34" charset="0"/>
-              <a:cs typeface="Segoe UI" panose="020B0502040204020203" pitchFamily="34" charset="0"/>
-            </a:endParaRPr>
-          </a:p>
-        </p:txBody>
-      </p:sp>
-      <p:sp>
-        <p:nvSpPr>
-          <p:cNvPr id="15" name="Rectangle: Rounded Corners 14">
-            <a:extLst>
-              <a:ext uri="{FF2B5EF4-FFF2-40B4-BE49-F238E27FC236}">
-                <a16:creationId xmlns:a16="http://schemas.microsoft.com/office/drawing/2014/main" id="{56FA4A14-0892-4CE1-BE7A-A2056ECF1DAC}"/>
-              </a:ext>
-            </a:extLst>
-          </p:cNvPr>
-          <p:cNvSpPr/>
-          <p:nvPr/>
-        </p:nvSpPr>
-        <p:spPr>
-          <a:xfrm>
-            <a:off x="3456987" y="4406768"/>
-            <a:ext cx="1895667" cy="942392"/>
-          </a:xfrm>
-          <a:prstGeom prst="roundRect">
-            <a:avLst/>
-          </a:prstGeom>
-          <a:solidFill>
-            <a:schemeClr val="bg1">
-              <a:lumMod val="85000"/>
-            </a:schemeClr>
-          </a:solidFill>
-          <a:ln w="28575">
-            <a:solidFill>
-              <a:srgbClr val="FF0000"/>
-            </a:solidFill>
-          </a:ln>
-        </p:spPr>
-        <p:style>
-          <a:lnRef idx="2">
-            <a:schemeClr val="accent1">
-              <a:shade val="50000"/>
-            </a:schemeClr>
-          </a:lnRef>
-          <a:fillRef idx="1">
-            <a:schemeClr val="accent1"/>
-          </a:fillRef>
-          <a:effectRef idx="0">
-            <a:schemeClr val="accent1"/>
-          </a:effectRef>
-          <a:fontRef idx="minor">
-            <a:schemeClr val="lt1"/>
-          </a:fontRef>
-        </p:style>
-        <p:txBody>
-          <a:bodyPr rtlCol="0" anchor="ctr"/>
-          <a:lstStyle/>
-          <a:p>
-            <a:pPr algn="ctr"/>
-            <a:endParaRPr lang="en-GB">
-              <a:latin typeface="Segoe UI" panose="020B0502040204020203" pitchFamily="34" charset="0"/>
-              <a:cs typeface="Segoe UI" panose="020B0502040204020203" pitchFamily="34" charset="0"/>
-            </a:endParaRPr>
-          </a:p>
-        </p:txBody>
-      </p:sp>
-      <p:cxnSp>
-        <p:nvCxnSpPr>
-          <p:cNvPr id="16" name="Straight Connector 15">
-            <a:extLst>
-              <a:ext uri="{FF2B5EF4-FFF2-40B4-BE49-F238E27FC236}">
-                <a16:creationId xmlns:a16="http://schemas.microsoft.com/office/drawing/2014/main" id="{B8646BD2-FF5F-47C6-9788-5228BF540137}"/>
-              </a:ext>
-            </a:extLst>
-          </p:cNvPr>
-          <p:cNvCxnSpPr>
-            <a:cxnSpLocks/>
-          </p:cNvCxnSpPr>
-          <p:nvPr/>
-        </p:nvCxnSpPr>
-        <p:spPr>
-          <a:xfrm>
-            <a:off x="5592147" y="3429000"/>
-            <a:ext cx="0" cy="2449286"/>
-          </a:xfrm>
-          <a:prstGeom prst="line">
-            <a:avLst/>
-          </a:prstGeom>
-          <a:ln w="15875" cmpd="dbl">
-            <a:solidFill>
-              <a:schemeClr val="accent6">
-                <a:lumMod val="75000"/>
-              </a:schemeClr>
-            </a:solidFill>
-            <a:prstDash val="lgDash"/>
-          </a:ln>
-        </p:spPr>
-        <p:style>
-          <a:lnRef idx="1">
-            <a:schemeClr val="accent1"/>
-          </a:lnRef>
-          <a:fillRef idx="0">
-            <a:schemeClr val="accent1"/>
-          </a:fillRef>
-          <a:effectRef idx="0">
-            <a:schemeClr val="accent1"/>
-          </a:effectRef>
-          <a:fontRef idx="minor">
-            <a:schemeClr val="tx1"/>
-          </a:fontRef>
-        </p:style>
-      </p:cxnSp>
-      <p:sp>
-        <p:nvSpPr>
-          <p:cNvPr id="17" name="TextBox 16">
-            <a:extLst>
-              <a:ext uri="{FF2B5EF4-FFF2-40B4-BE49-F238E27FC236}">
-                <a16:creationId xmlns:a16="http://schemas.microsoft.com/office/drawing/2014/main" id="{6E8BFC32-3AFA-4B4C-9172-2CBE21A80A58}"/>
-              </a:ext>
-            </a:extLst>
-          </p:cNvPr>
-          <p:cNvSpPr txBox="1"/>
-          <p:nvPr/>
-        </p:nvSpPr>
-        <p:spPr>
-          <a:xfrm>
-            <a:off x="2908044" y="1063132"/>
-            <a:ext cx="3187956" cy="1446550"/>
-          </a:xfrm>
-          <a:prstGeom prst="rect">
-            <a:avLst/>
-          </a:prstGeom>
-          <a:noFill/>
-        </p:spPr>
-        <p:txBody>
-          <a:bodyPr wrap="square" rtlCol="0">
-            <a:spAutoFit/>
+        </p:spPr>
+        <p:txBody>
+          <a:bodyPr>
+            <a:normAutofit/>
           </a:bodyPr>
           <a:lstStyle/>
           <a:p>
-            <a:r>
-              <a:rPr lang="en-GB" sz="8800" dirty="0">
+            <a:pPr algn="ctr"/>
+            <a:r>
+              <a:rPr lang="en-GB" sz="6600" dirty="0">
+                <a:solidFill>
+                  <a:schemeClr val="bg1"/>
+                </a:solidFill>
                 <a:latin typeface="Segoe UI" panose="020B0502040204020203" pitchFamily="34" charset="0"/>
                 <a:cs typeface="Segoe UI" panose="020B0502040204020203" pitchFamily="34" charset="0"/>
               </a:rPr>
-              <a:t>HTML</a:t>
-            </a:r>
-          </a:p>
-        </p:txBody>
-      </p:sp>
-      <p:sp>
-        <p:nvSpPr>
-          <p:cNvPr id="19" name="TextBox 18">
-            <a:extLst>
-              <a:ext uri="{FF2B5EF4-FFF2-40B4-BE49-F238E27FC236}">
-                <a16:creationId xmlns:a16="http://schemas.microsoft.com/office/drawing/2014/main" id="{C81F58F9-1FC7-477B-877C-80F0959EBC0E}"/>
-              </a:ext>
-            </a:extLst>
-          </p:cNvPr>
-          <p:cNvSpPr txBox="1"/>
-          <p:nvPr/>
+              <a:t>Why do I use them? </a:t>
+            </a:r>
+          </a:p>
+        </p:txBody>
+      </p:sp>
+      <p:sp>
+        <p:nvSpPr>
+          <p:cNvPr id="4" name="Content Placeholder 2">
+            <a:extLst>
+              <a:ext uri="{FF2B5EF4-FFF2-40B4-BE49-F238E27FC236}">
+                <a16:creationId xmlns:a16="http://schemas.microsoft.com/office/drawing/2014/main" id="{088CCB65-11B4-408B-9ED3-1304FE85032F}"/>
+              </a:ext>
+            </a:extLst>
+          </p:cNvPr>
+          <p:cNvSpPr>
+            <a:spLocks noGrp="1"/>
+          </p:cNvSpPr>
+          <p:nvPr>
+            <p:ph idx="1"/>
+          </p:nvPr>
         </p:nvSpPr>
         <p:spPr>
           <a:xfrm>
-            <a:off x="6019022" y="4693298"/>
-            <a:ext cx="1702057" cy="369332"/>
-          </a:xfrm>
-          <a:prstGeom prst="rect">
-            <a:avLst/>
-          </a:prstGeom>
-          <a:noFill/>
-        </p:spPr>
-        <p:txBody>
-          <a:bodyPr wrap="square" rtlCol="0">
-            <a:spAutoFit/>
+            <a:off x="838200" y="1325563"/>
+            <a:ext cx="10515600" cy="5326907"/>
+          </a:xfrm>
+        </p:spPr>
+        <p:txBody>
+          <a:bodyPr wrap="square" bIns="252000">
+            <a:normAutofit/>
           </a:bodyPr>
           <a:lstStyle/>
           <a:p>
-            <a:r>
-              <a:rPr lang="en-GB" dirty="0">
+            <a:pPr marL="457200" lvl="1" indent="0" algn="ctr">
+              <a:buNone/>
+            </a:pPr>
+            <a:endParaRPr lang="en-GB" sz="4300" dirty="0">
+              <a:solidFill>
+                <a:srgbClr val="2196F3"/>
+              </a:solidFill>
+              <a:latin typeface="Segoe UI" panose="020B0502040204020203" pitchFamily="34" charset="0"/>
+              <a:cs typeface="Segoe UI" panose="020B0502040204020203" pitchFamily="34" charset="0"/>
+            </a:endParaRPr>
+          </a:p>
+          <a:p>
+            <a:pPr marL="457200" lvl="1" indent="0">
+              <a:buNone/>
+            </a:pPr>
+            <a:r>
+              <a:rPr lang="en-GB" sz="3600" dirty="0">
+                <a:solidFill>
+                  <a:srgbClr val="2196F3"/>
+                </a:solidFill>
                 <a:latin typeface="Segoe UI" panose="020B0502040204020203" pitchFamily="34" charset="0"/>
                 <a:cs typeface="Segoe UI" panose="020B0502040204020203" pitchFamily="34" charset="0"/>
               </a:rPr>
-              <a:t>Framework ...n</a:t>
-            </a:r>
-          </a:p>
-        </p:txBody>
-      </p:sp>
-      <p:sp>
-        <p:nvSpPr>
-          <p:cNvPr id="20" name="TextBox 19">
-            <a:extLst>
-              <a:ext uri="{FF2B5EF4-FFF2-40B4-BE49-F238E27FC236}">
-                <a16:creationId xmlns:a16="http://schemas.microsoft.com/office/drawing/2014/main" id="{FB923CCF-0EA9-4C2D-AC00-B89B13CB18B9}"/>
-              </a:ext>
-            </a:extLst>
-          </p:cNvPr>
-          <p:cNvSpPr txBox="1"/>
-          <p:nvPr/>
-        </p:nvSpPr>
-        <p:spPr>
-          <a:xfrm>
-            <a:off x="3619499" y="4693298"/>
-            <a:ext cx="1488233" cy="369332"/>
-          </a:xfrm>
-          <a:prstGeom prst="rect">
-            <a:avLst/>
-          </a:prstGeom>
-          <a:noFill/>
-        </p:spPr>
-        <p:txBody>
-          <a:bodyPr wrap="square" rtlCol="0">
-            <a:spAutoFit/>
-          </a:bodyPr>
-          <a:lstStyle/>
-          <a:p>
-            <a:r>
-              <a:rPr lang="en-GB" dirty="0">
+              <a:t>I use them to convert a large monolithic application that is PHP and WP specific into an HTML decoupled site cross domain.</a:t>
+            </a:r>
+          </a:p>
+          <a:p>
+            <a:pPr marL="457200" lvl="1" indent="0">
+              <a:buNone/>
+            </a:pPr>
+            <a:endParaRPr lang="en-GB" sz="3600" dirty="0">
+              <a:solidFill>
+                <a:srgbClr val="2196F3"/>
+              </a:solidFill>
+              <a:latin typeface="Segoe UI" panose="020B0502040204020203" pitchFamily="34" charset="0"/>
+              <a:cs typeface="Segoe UI" panose="020B0502040204020203" pitchFamily="34" charset="0"/>
+            </a:endParaRPr>
+          </a:p>
+          <a:p>
+            <a:pPr marL="457200" lvl="1" indent="0">
+              <a:buNone/>
+            </a:pPr>
+            <a:r>
+              <a:rPr lang="en-GB" sz="3600" dirty="0">
+                <a:solidFill>
+                  <a:srgbClr val="2196F3"/>
+                </a:solidFill>
                 <a:latin typeface="Segoe UI" panose="020B0502040204020203" pitchFamily="34" charset="0"/>
                 <a:cs typeface="Segoe UI" panose="020B0502040204020203" pitchFamily="34" charset="0"/>
               </a:rPr>
-              <a:t>Framework 2</a:t>
-            </a:r>
-          </a:p>
-        </p:txBody>
-      </p:sp>
-      <p:sp>
-        <p:nvSpPr>
-          <p:cNvPr id="21" name="TextBox 20">
-            <a:extLst>
-              <a:ext uri="{FF2B5EF4-FFF2-40B4-BE49-F238E27FC236}">
-                <a16:creationId xmlns:a16="http://schemas.microsoft.com/office/drawing/2014/main" id="{000E004F-3DEE-453A-880F-3667A9536687}"/>
-              </a:ext>
-            </a:extLst>
-          </p:cNvPr>
-          <p:cNvSpPr txBox="1"/>
-          <p:nvPr/>
-        </p:nvSpPr>
-        <p:spPr>
-          <a:xfrm>
-            <a:off x="1091681" y="4693298"/>
-            <a:ext cx="1488233" cy="369332"/>
-          </a:xfrm>
-          <a:prstGeom prst="rect">
-            <a:avLst/>
-          </a:prstGeom>
-          <a:noFill/>
-        </p:spPr>
-        <p:txBody>
-          <a:bodyPr wrap="square" rtlCol="0">
-            <a:spAutoFit/>
-          </a:bodyPr>
-          <a:lstStyle/>
-          <a:p>
-            <a:r>
-              <a:rPr lang="en-GB" dirty="0">
+              <a:t>Enable WP to be a micro front end service to other sites.</a:t>
+            </a:r>
+          </a:p>
+          <a:p>
+            <a:pPr marL="457200" lvl="1" indent="0">
+              <a:buNone/>
+            </a:pPr>
+            <a:endParaRPr lang="en-GB" sz="3600" dirty="0">
+              <a:solidFill>
+                <a:srgbClr val="2196F3"/>
+              </a:solidFill>
+              <a:latin typeface="Segoe UI" panose="020B0502040204020203" pitchFamily="34" charset="0"/>
+              <a:cs typeface="Segoe UI" panose="020B0502040204020203" pitchFamily="34" charset="0"/>
+            </a:endParaRPr>
+          </a:p>
+          <a:p>
+            <a:pPr marL="457200" lvl="1" indent="0">
+              <a:buNone/>
+            </a:pPr>
+            <a:r>
+              <a:rPr lang="en-GB" sz="3600" dirty="0">
+                <a:solidFill>
+                  <a:srgbClr val="2196F3"/>
+                </a:solidFill>
                 <a:latin typeface="Segoe UI" panose="020B0502040204020203" pitchFamily="34" charset="0"/>
                 <a:cs typeface="Segoe UI" panose="020B0502040204020203" pitchFamily="34" charset="0"/>
               </a:rPr>
-              <a:t>Framework 1</a:t>
-            </a:r>
-          </a:p>
-        </p:txBody>
-      </p:sp>
-      <p:sp>
-        <p:nvSpPr>
-          <p:cNvPr id="2" name="Rectangle 1">
-            <a:extLst>
-              <a:ext uri="{FF2B5EF4-FFF2-40B4-BE49-F238E27FC236}">
-                <a16:creationId xmlns:a16="http://schemas.microsoft.com/office/drawing/2014/main" id="{FDD2DDAE-CA83-4119-9F26-87A3775E731D}"/>
-              </a:ext>
-            </a:extLst>
-          </p:cNvPr>
-          <p:cNvSpPr/>
-          <p:nvPr/>
-        </p:nvSpPr>
-        <p:spPr>
-          <a:xfrm>
-            <a:off x="886406" y="3150607"/>
-            <a:ext cx="6884431" cy="811764"/>
-          </a:xfrm>
-          <a:prstGeom prst="rect">
-            <a:avLst/>
-          </a:prstGeom>
-        </p:spPr>
-        <p:style>
-          <a:lnRef idx="2">
-            <a:schemeClr val="accent6">
-              <a:shade val="50000"/>
-            </a:schemeClr>
-          </a:lnRef>
-          <a:fillRef idx="1">
-            <a:schemeClr val="accent6"/>
-          </a:fillRef>
-          <a:effectRef idx="0">
-            <a:schemeClr val="accent6"/>
-          </a:effectRef>
-          <a:fontRef idx="minor">
-            <a:schemeClr val="lt1"/>
-          </a:fontRef>
-        </p:style>
-        <p:txBody>
-          <a:bodyPr rtlCol="0" anchor="ctr"/>
-          <a:lstStyle/>
-          <a:p>
-            <a:pPr algn="ctr"/>
-            <a:endParaRPr lang="en-GB">
-              <a:latin typeface="Segoe UI" panose="020B0502040204020203" pitchFamily="34" charset="0"/>
-              <a:cs typeface="Segoe UI" panose="020B0502040204020203" pitchFamily="34" charset="0"/>
-            </a:endParaRPr>
-          </a:p>
-        </p:txBody>
-      </p:sp>
-      <p:sp>
-        <p:nvSpPr>
-          <p:cNvPr id="3" name="TextBox 2">
-            <a:extLst>
-              <a:ext uri="{FF2B5EF4-FFF2-40B4-BE49-F238E27FC236}">
-                <a16:creationId xmlns:a16="http://schemas.microsoft.com/office/drawing/2014/main" id="{0F9AD193-E370-4053-AFC8-A661FCE69253}"/>
-              </a:ext>
-            </a:extLst>
-          </p:cNvPr>
-          <p:cNvSpPr txBox="1"/>
-          <p:nvPr/>
-        </p:nvSpPr>
-        <p:spPr>
-          <a:xfrm>
-            <a:off x="2266955" y="3288787"/>
-            <a:ext cx="4123332" cy="584775"/>
-          </a:xfrm>
-          <a:prstGeom prst="rect">
-            <a:avLst/>
-          </a:prstGeom>
-          <a:noFill/>
-        </p:spPr>
-        <p:txBody>
-          <a:bodyPr wrap="square" rtlCol="0">
-            <a:spAutoFit/>
-          </a:bodyPr>
-          <a:lstStyle/>
-          <a:p>
-            <a:r>
-              <a:rPr lang="en-GB" sz="3200" b="1" dirty="0">
-                <a:solidFill>
-                  <a:schemeClr val="bg1"/>
-                </a:solidFill>
-                <a:latin typeface="Segoe UI" panose="020B0502040204020203" pitchFamily="34" charset="0"/>
-                <a:cs typeface="Segoe UI" panose="020B0502040204020203" pitchFamily="34" charset="0"/>
-              </a:rPr>
-              <a:t>WEB COMPONENTS</a:t>
-            </a:r>
-          </a:p>
-        </p:txBody>
-      </p:sp>
-      <p:cxnSp>
-        <p:nvCxnSpPr>
-          <p:cNvPr id="6" name="Straight Arrow Connector 5">
-            <a:extLst>
-              <a:ext uri="{FF2B5EF4-FFF2-40B4-BE49-F238E27FC236}">
-                <a16:creationId xmlns:a16="http://schemas.microsoft.com/office/drawing/2014/main" id="{D229A287-52AB-46FC-9CD3-F99C53ACEF34}"/>
-              </a:ext>
-            </a:extLst>
-          </p:cNvPr>
-          <p:cNvCxnSpPr/>
-          <p:nvPr/>
-        </p:nvCxnSpPr>
-        <p:spPr>
-          <a:xfrm flipV="1">
-            <a:off x="2062065" y="3960073"/>
-            <a:ext cx="0" cy="415984"/>
-          </a:xfrm>
-          <a:prstGeom prst="straightConnector1">
-            <a:avLst/>
-          </a:prstGeom>
-          <a:ln w="50800">
-            <a:tailEnd type="triangle"/>
-          </a:ln>
-        </p:spPr>
-        <p:style>
-          <a:lnRef idx="1">
-            <a:schemeClr val="accent6"/>
-          </a:lnRef>
-          <a:fillRef idx="0">
-            <a:schemeClr val="accent6"/>
-          </a:fillRef>
-          <a:effectRef idx="0">
-            <a:schemeClr val="accent6"/>
-          </a:effectRef>
-          <a:fontRef idx="minor">
-            <a:schemeClr val="tx1"/>
-          </a:fontRef>
-        </p:style>
-      </p:cxnSp>
-      <p:cxnSp>
-        <p:nvCxnSpPr>
-          <p:cNvPr id="22" name="Straight Arrow Connector 21">
-            <a:extLst>
-              <a:ext uri="{FF2B5EF4-FFF2-40B4-BE49-F238E27FC236}">
-                <a16:creationId xmlns:a16="http://schemas.microsoft.com/office/drawing/2014/main" id="{F12C64DB-7B75-4A11-AC0A-77AB2AC81EAD}"/>
-              </a:ext>
-            </a:extLst>
-          </p:cNvPr>
-          <p:cNvCxnSpPr/>
-          <p:nvPr/>
-        </p:nvCxnSpPr>
-        <p:spPr>
-          <a:xfrm flipV="1">
-            <a:off x="4261757" y="3978735"/>
-            <a:ext cx="0" cy="415984"/>
-          </a:xfrm>
-          <a:prstGeom prst="straightConnector1">
-            <a:avLst/>
-          </a:prstGeom>
-          <a:ln w="50800">
-            <a:tailEnd type="triangle"/>
-          </a:ln>
-        </p:spPr>
-        <p:style>
-          <a:lnRef idx="1">
-            <a:schemeClr val="accent6"/>
-          </a:lnRef>
-          <a:fillRef idx="0">
-            <a:schemeClr val="accent6"/>
-          </a:fillRef>
-          <a:effectRef idx="0">
-            <a:schemeClr val="accent6"/>
-          </a:effectRef>
-          <a:fontRef idx="minor">
-            <a:schemeClr val="tx1"/>
-          </a:fontRef>
-        </p:style>
-      </p:cxnSp>
-      <p:cxnSp>
-        <p:nvCxnSpPr>
-          <p:cNvPr id="23" name="Straight Arrow Connector 22">
-            <a:extLst>
-              <a:ext uri="{FF2B5EF4-FFF2-40B4-BE49-F238E27FC236}">
-                <a16:creationId xmlns:a16="http://schemas.microsoft.com/office/drawing/2014/main" id="{8B1C15C1-C3CB-4D87-A0BB-7C3A15158A95}"/>
-              </a:ext>
-            </a:extLst>
-          </p:cNvPr>
-          <p:cNvCxnSpPr/>
-          <p:nvPr/>
-        </p:nvCxnSpPr>
-        <p:spPr>
-          <a:xfrm flipV="1">
-            <a:off x="6304384" y="3962371"/>
-            <a:ext cx="0" cy="415984"/>
-          </a:xfrm>
-          <a:prstGeom prst="straightConnector1">
-            <a:avLst/>
-          </a:prstGeom>
-          <a:ln w="50800">
-            <a:tailEnd type="triangle"/>
-          </a:ln>
-        </p:spPr>
-        <p:style>
-          <a:lnRef idx="1">
-            <a:schemeClr val="accent6"/>
-          </a:lnRef>
-          <a:fillRef idx="0">
-            <a:schemeClr val="accent6"/>
-          </a:fillRef>
-          <a:effectRef idx="0">
-            <a:schemeClr val="accent6"/>
-          </a:effectRef>
-          <a:fontRef idx="minor">
-            <a:schemeClr val="tx1"/>
-          </a:fontRef>
-        </p:style>
-      </p:cxnSp>
-      <p:cxnSp>
-        <p:nvCxnSpPr>
-          <p:cNvPr id="24" name="Straight Arrow Connector 23">
-            <a:extLst>
-              <a:ext uri="{FF2B5EF4-FFF2-40B4-BE49-F238E27FC236}">
-                <a16:creationId xmlns:a16="http://schemas.microsoft.com/office/drawing/2014/main" id="{163353F7-B0B9-4F80-AC63-42827D10FDAE}"/>
-              </a:ext>
-            </a:extLst>
-          </p:cNvPr>
-          <p:cNvCxnSpPr>
-            <a:cxnSpLocks/>
-          </p:cNvCxnSpPr>
-          <p:nvPr/>
-        </p:nvCxnSpPr>
-        <p:spPr>
-          <a:xfrm flipV="1">
-            <a:off x="4261757" y="2220686"/>
-            <a:ext cx="0" cy="929921"/>
-          </a:xfrm>
-          <a:prstGeom prst="straightConnector1">
-            <a:avLst/>
-          </a:prstGeom>
-          <a:ln w="50800">
-            <a:tailEnd type="triangle"/>
-          </a:ln>
-        </p:spPr>
-        <p:style>
-          <a:lnRef idx="1">
-            <a:schemeClr val="accent6"/>
-          </a:lnRef>
-          <a:fillRef idx="0">
-            <a:schemeClr val="accent6"/>
-          </a:fillRef>
-          <a:effectRef idx="0">
-            <a:schemeClr val="accent6"/>
-          </a:effectRef>
-          <a:fontRef idx="minor">
-            <a:schemeClr val="tx1"/>
-          </a:fontRef>
-        </p:style>
-      </p:cxnSp>
-      <p:cxnSp>
-        <p:nvCxnSpPr>
-          <p:cNvPr id="25" name="Straight Arrow Connector 24">
-            <a:extLst>
-              <a:ext uri="{FF2B5EF4-FFF2-40B4-BE49-F238E27FC236}">
-                <a16:creationId xmlns:a16="http://schemas.microsoft.com/office/drawing/2014/main" id="{CC440C1A-3EF4-4B67-8663-C472C2FCEE45}"/>
-              </a:ext>
-            </a:extLst>
-          </p:cNvPr>
-          <p:cNvCxnSpPr>
-            <a:cxnSpLocks/>
-          </p:cNvCxnSpPr>
-          <p:nvPr/>
-        </p:nvCxnSpPr>
-        <p:spPr>
-          <a:xfrm>
-            <a:off x="2062065" y="3997396"/>
-            <a:ext cx="1464906" cy="490628"/>
-          </a:xfrm>
-          <a:prstGeom prst="straightConnector1">
-            <a:avLst/>
-          </a:prstGeom>
-          <a:ln w="50800">
-            <a:tailEnd type="triangle"/>
-          </a:ln>
-        </p:spPr>
-        <p:style>
-          <a:lnRef idx="1">
-            <a:schemeClr val="accent6"/>
-          </a:lnRef>
-          <a:fillRef idx="0">
-            <a:schemeClr val="accent6"/>
-          </a:fillRef>
-          <a:effectRef idx="0">
-            <a:schemeClr val="accent6"/>
-          </a:effectRef>
-          <a:fontRef idx="minor">
-            <a:schemeClr val="tx1"/>
-          </a:fontRef>
-        </p:style>
-      </p:cxnSp>
-      <p:cxnSp>
-        <p:nvCxnSpPr>
-          <p:cNvPr id="28" name="Straight Arrow Connector 27">
-            <a:extLst>
-              <a:ext uri="{FF2B5EF4-FFF2-40B4-BE49-F238E27FC236}">
-                <a16:creationId xmlns:a16="http://schemas.microsoft.com/office/drawing/2014/main" id="{BB158374-8877-4243-9769-72088526DB6A}"/>
-              </a:ext>
-            </a:extLst>
-          </p:cNvPr>
-          <p:cNvCxnSpPr>
-            <a:cxnSpLocks/>
-          </p:cNvCxnSpPr>
-          <p:nvPr/>
-        </p:nvCxnSpPr>
-        <p:spPr>
-          <a:xfrm>
-            <a:off x="4261757" y="3997396"/>
-            <a:ext cx="1689614" cy="490628"/>
-          </a:xfrm>
-          <a:prstGeom prst="straightConnector1">
-            <a:avLst/>
-          </a:prstGeom>
-          <a:ln w="50800">
-            <a:tailEnd type="triangle"/>
-          </a:ln>
-        </p:spPr>
-        <p:style>
-          <a:lnRef idx="1">
-            <a:schemeClr val="accent6"/>
-          </a:lnRef>
-          <a:fillRef idx="0">
-            <a:schemeClr val="accent6"/>
-          </a:fillRef>
-          <a:effectRef idx="0">
-            <a:schemeClr val="accent6"/>
-          </a:effectRef>
-          <a:fontRef idx="minor">
-            <a:schemeClr val="tx1"/>
-          </a:fontRef>
-        </p:style>
-      </p:cxnSp>
-      <p:sp>
-        <p:nvSpPr>
-          <p:cNvPr id="8" name="Arrow: Right 7">
-            <a:extLst>
-              <a:ext uri="{FF2B5EF4-FFF2-40B4-BE49-F238E27FC236}">
-                <a16:creationId xmlns:a16="http://schemas.microsoft.com/office/drawing/2014/main" id="{25BD3FE5-5BA0-48FE-B758-52C44C0D1DC1}"/>
-              </a:ext>
-            </a:extLst>
-          </p:cNvPr>
-          <p:cNvSpPr/>
-          <p:nvPr/>
-        </p:nvSpPr>
-        <p:spPr>
-          <a:xfrm rot="10800000">
-            <a:off x="7770836" y="3134313"/>
-            <a:ext cx="1411331" cy="825759"/>
-          </a:xfrm>
-          <a:prstGeom prst="rightArrow">
-            <a:avLst/>
-          </a:prstGeom>
-        </p:spPr>
-        <p:style>
-          <a:lnRef idx="2">
-            <a:schemeClr val="accent1">
-              <a:shade val="50000"/>
-            </a:schemeClr>
-          </a:lnRef>
-          <a:fillRef idx="1">
-            <a:schemeClr val="accent1"/>
-          </a:fillRef>
-          <a:effectRef idx="0">
-            <a:schemeClr val="accent1"/>
-          </a:effectRef>
-          <a:fontRef idx="minor">
-            <a:schemeClr val="lt1"/>
-          </a:fontRef>
-        </p:style>
-        <p:txBody>
-          <a:bodyPr rtlCol="0" anchor="ctr"/>
-          <a:lstStyle/>
-          <a:p>
-            <a:pPr algn="ctr"/>
-            <a:endParaRPr lang="en-GB"/>
-          </a:p>
-        </p:txBody>
-      </p:sp>
-      <p:sp>
-        <p:nvSpPr>
-          <p:cNvPr id="30" name="TextBox 29">
-            <a:extLst>
-              <a:ext uri="{FF2B5EF4-FFF2-40B4-BE49-F238E27FC236}">
-                <a16:creationId xmlns:a16="http://schemas.microsoft.com/office/drawing/2014/main" id="{20D77E3C-AC7F-43B7-8FF2-980322AACB93}"/>
-              </a:ext>
-            </a:extLst>
-          </p:cNvPr>
-          <p:cNvSpPr txBox="1"/>
-          <p:nvPr/>
-        </p:nvSpPr>
-        <p:spPr>
-          <a:xfrm>
-            <a:off x="9300027" y="3199941"/>
-            <a:ext cx="2070867" cy="649536"/>
-          </a:xfrm>
-          <a:prstGeom prst="rect">
-            <a:avLst/>
-          </a:prstGeom>
-        </p:spPr>
-        <p:style>
-          <a:lnRef idx="2">
-            <a:schemeClr val="accent6">
-              <a:shade val="50000"/>
-            </a:schemeClr>
-          </a:lnRef>
-          <a:fillRef idx="1">
-            <a:schemeClr val="accent6"/>
-          </a:fillRef>
-          <a:effectRef idx="0">
-            <a:schemeClr val="accent6"/>
-          </a:effectRef>
-          <a:fontRef idx="minor">
-            <a:schemeClr val="lt1"/>
-          </a:fontRef>
-        </p:style>
-        <p:txBody>
-          <a:bodyPr rtlCol="0" anchor="ctr"/>
-          <a:lstStyle>
-            <a:defPPr>
-              <a:defRPr lang="en-US"/>
-            </a:defPPr>
-            <a:lvl1pPr algn="ctr">
-              <a:defRPr>
-                <a:solidFill>
-                  <a:schemeClr val="lt1"/>
-                </a:solidFill>
-                <a:latin typeface="Segoe UI" panose="020B0502040204020203" pitchFamily="34" charset="0"/>
-                <a:cs typeface="Segoe UI" panose="020B0502040204020203" pitchFamily="34" charset="0"/>
-              </a:defRPr>
-            </a:lvl1pPr>
-            <a:lvl2pPr>
-              <a:defRPr>
-                <a:solidFill>
-                  <a:schemeClr val="lt1"/>
-                </a:solidFill>
-              </a:defRPr>
-            </a:lvl2pPr>
-            <a:lvl3pPr>
-              <a:defRPr>
-                <a:solidFill>
-                  <a:schemeClr val="lt1"/>
-                </a:solidFill>
-              </a:defRPr>
-            </a:lvl3pPr>
-            <a:lvl4pPr>
-              <a:defRPr>
-                <a:solidFill>
-                  <a:schemeClr val="lt1"/>
-                </a:solidFill>
-              </a:defRPr>
-            </a:lvl4pPr>
-            <a:lvl5pPr>
-              <a:defRPr>
-                <a:solidFill>
-                  <a:schemeClr val="lt1"/>
-                </a:solidFill>
-              </a:defRPr>
-            </a:lvl5pPr>
-            <a:lvl6pPr>
-              <a:defRPr>
-                <a:solidFill>
-                  <a:schemeClr val="lt1"/>
-                </a:solidFill>
-              </a:defRPr>
-            </a:lvl6pPr>
-            <a:lvl7pPr>
-              <a:defRPr>
-                <a:solidFill>
-                  <a:schemeClr val="lt1"/>
-                </a:solidFill>
-              </a:defRPr>
-            </a:lvl7pPr>
-            <a:lvl8pPr>
-              <a:defRPr>
-                <a:solidFill>
-                  <a:schemeClr val="lt1"/>
-                </a:solidFill>
-              </a:defRPr>
-            </a:lvl8pPr>
-            <a:lvl9pPr>
-              <a:defRPr>
-                <a:solidFill>
-                  <a:schemeClr val="lt1"/>
-                </a:solidFill>
-              </a:defRPr>
-            </a:lvl9pPr>
-          </a:lstStyle>
-          <a:p>
-            <a:r>
-              <a:rPr lang="en-GB" dirty="0"/>
-              <a:t>Web Components</a:t>
-            </a:r>
-          </a:p>
-        </p:txBody>
-      </p:sp>
-      <p:sp>
-        <p:nvSpPr>
-          <p:cNvPr id="7" name="TextBox 6">
-            <a:extLst>
-              <a:ext uri="{FF2B5EF4-FFF2-40B4-BE49-F238E27FC236}">
-                <a16:creationId xmlns:a16="http://schemas.microsoft.com/office/drawing/2014/main" id="{E43BE3A4-2CE9-4073-B059-EA24D3386969}"/>
-              </a:ext>
-            </a:extLst>
-          </p:cNvPr>
-          <p:cNvSpPr txBox="1"/>
-          <p:nvPr/>
-        </p:nvSpPr>
-        <p:spPr>
-          <a:xfrm>
-            <a:off x="9461241" y="4416299"/>
-            <a:ext cx="1844351" cy="646331"/>
-          </a:xfrm>
-          <a:prstGeom prst="rect">
-            <a:avLst/>
-          </a:prstGeom>
-          <a:noFill/>
-        </p:spPr>
-        <p:txBody>
-          <a:bodyPr wrap="square" rtlCol="0">
-            <a:spAutoFit/>
-          </a:bodyPr>
-          <a:lstStyle/>
-          <a:p>
-            <a:r>
-              <a:rPr lang="en-GB" dirty="0"/>
-              <a:t>WP PHP PAGES</a:t>
-            </a:r>
-          </a:p>
-          <a:p>
-            <a:r>
-              <a:rPr lang="en-GB" dirty="0"/>
-              <a:t>Gutenberg Blocks</a:t>
-            </a:r>
-          </a:p>
-        </p:txBody>
-      </p:sp>
-      <p:cxnSp>
-        <p:nvCxnSpPr>
-          <p:cNvPr id="34" name="Straight Arrow Connector 33">
-            <a:extLst>
-              <a:ext uri="{FF2B5EF4-FFF2-40B4-BE49-F238E27FC236}">
-                <a16:creationId xmlns:a16="http://schemas.microsoft.com/office/drawing/2014/main" id="{3224BDD2-743D-4365-AF4A-A42C3D6B51E2}"/>
-              </a:ext>
-            </a:extLst>
-          </p:cNvPr>
-          <p:cNvCxnSpPr>
-            <a:cxnSpLocks/>
-          </p:cNvCxnSpPr>
-          <p:nvPr/>
-        </p:nvCxnSpPr>
-        <p:spPr>
-          <a:xfrm>
-            <a:off x="10319390" y="3873562"/>
-            <a:ext cx="8035" cy="562723"/>
-          </a:xfrm>
-          <a:prstGeom prst="straightConnector1">
-            <a:avLst/>
-          </a:prstGeom>
-          <a:ln w="38100">
-            <a:solidFill>
-              <a:schemeClr val="accent1">
-                <a:lumMod val="75000"/>
-              </a:schemeClr>
-            </a:solidFill>
-            <a:tailEnd type="triangle"/>
-          </a:ln>
-        </p:spPr>
-        <p:style>
-          <a:lnRef idx="1">
-            <a:schemeClr val="accent1"/>
-          </a:lnRef>
-          <a:fillRef idx="0">
-            <a:schemeClr val="accent1"/>
-          </a:fillRef>
-          <a:effectRef idx="0">
-            <a:schemeClr val="accent1"/>
-          </a:effectRef>
-          <a:fontRef idx="minor">
-            <a:schemeClr val="tx1"/>
-          </a:fontRef>
-        </p:style>
-      </p:cxnSp>
-      <p:pic>
-        <p:nvPicPr>
-          <p:cNvPr id="10" name="Graphic 9" descr="Smiling face with no fill">
-            <a:extLst>
-              <a:ext uri="{FF2B5EF4-FFF2-40B4-BE49-F238E27FC236}">
-                <a16:creationId xmlns:a16="http://schemas.microsoft.com/office/drawing/2014/main" id="{948FA2EF-7A78-4EE3-B2FE-AE0D3A001999}"/>
-              </a:ext>
-            </a:extLst>
-          </p:cNvPr>
-          <p:cNvPicPr>
-            <a:picLocks noChangeAspect="1"/>
-          </p:cNvPicPr>
-          <p:nvPr/>
-        </p:nvPicPr>
-        <p:blipFill>
-          <a:blip r:embed="rId2">
-            <a:extLst>
-              <a:ext uri="{28A0092B-C50C-407E-A947-70E740481C1C}">
-                <a14:useLocalDpi xmlns:a14="http://schemas.microsoft.com/office/drawing/2010/main" val="0"/>
-              </a:ext>
-              <a:ext uri="{96DAC541-7B7A-43D3-8B79-37D633B846F1}">
-                <asvg:svgBlip xmlns:asvg="http://schemas.microsoft.com/office/drawing/2016/SVG/main" r:embed="rId3"/>
-              </a:ext>
-            </a:extLst>
-          </a:blip>
-          <a:stretch>
-            <a:fillRect/>
-          </a:stretch>
-        </p:blipFill>
-        <p:spPr>
-          <a:xfrm>
-            <a:off x="9541349" y="1296525"/>
-            <a:ext cx="1647597" cy="1647597"/>
-          </a:xfrm>
-          <a:prstGeom prst="rect">
-            <a:avLst/>
-          </a:prstGeom>
-        </p:spPr>
-      </p:pic>
-      <p:cxnSp>
-        <p:nvCxnSpPr>
-          <p:cNvPr id="31" name="Straight Arrow Connector 30">
-            <a:extLst>
-              <a:ext uri="{FF2B5EF4-FFF2-40B4-BE49-F238E27FC236}">
-                <a16:creationId xmlns:a16="http://schemas.microsoft.com/office/drawing/2014/main" id="{337058BE-0D49-4EC0-B972-1EBA8C485F2D}"/>
-              </a:ext>
-            </a:extLst>
-          </p:cNvPr>
-          <p:cNvCxnSpPr>
-            <a:cxnSpLocks/>
-          </p:cNvCxnSpPr>
-          <p:nvPr/>
-        </p:nvCxnSpPr>
-        <p:spPr>
-          <a:xfrm flipH="1" flipV="1">
-            <a:off x="6143841" y="1786407"/>
-            <a:ext cx="3019774" cy="1433290"/>
-          </a:xfrm>
-          <a:prstGeom prst="straightConnector1">
-            <a:avLst/>
-          </a:prstGeom>
-          <a:ln w="76200">
-            <a:solidFill>
-              <a:schemeClr val="accent1">
-                <a:lumMod val="75000"/>
-              </a:schemeClr>
-            </a:solidFill>
-            <a:tailEnd type="triangle"/>
-          </a:ln>
-        </p:spPr>
-        <p:style>
-          <a:lnRef idx="1">
-            <a:schemeClr val="accent1"/>
-          </a:lnRef>
-          <a:fillRef idx="0">
-            <a:schemeClr val="accent1"/>
-          </a:fillRef>
-          <a:effectRef idx="0">
-            <a:schemeClr val="accent1"/>
-          </a:effectRef>
-          <a:fontRef idx="minor">
-            <a:schemeClr val="tx1"/>
-          </a:fontRef>
-        </p:style>
-      </p:cxnSp>
-      <p:sp>
-        <p:nvSpPr>
-          <p:cNvPr id="27" name="TextBox 26">
-            <a:extLst>
-              <a:ext uri="{FF2B5EF4-FFF2-40B4-BE49-F238E27FC236}">
-                <a16:creationId xmlns:a16="http://schemas.microsoft.com/office/drawing/2014/main" id="{1794E5C5-20F5-4436-91DA-BD85E1E31CB0}"/>
-              </a:ext>
-            </a:extLst>
-          </p:cNvPr>
-          <p:cNvSpPr txBox="1"/>
-          <p:nvPr/>
-        </p:nvSpPr>
-        <p:spPr>
-          <a:xfrm>
-            <a:off x="9680243" y="834281"/>
-            <a:ext cx="1278294" cy="369332"/>
-          </a:xfrm>
-          <a:prstGeom prst="rect">
-            <a:avLst/>
-          </a:prstGeom>
-          <a:solidFill>
-            <a:schemeClr val="accent1">
-              <a:lumMod val="60000"/>
-              <a:lumOff val="40000"/>
-            </a:schemeClr>
-          </a:solidFill>
-        </p:spPr>
-        <p:style>
-          <a:lnRef idx="2">
-            <a:schemeClr val="accent6">
-              <a:shade val="50000"/>
-            </a:schemeClr>
-          </a:lnRef>
-          <a:fillRef idx="1">
-            <a:schemeClr val="accent6"/>
-          </a:fillRef>
-          <a:effectRef idx="0">
-            <a:schemeClr val="accent6"/>
-          </a:effectRef>
-          <a:fontRef idx="minor">
-            <a:schemeClr val="lt1"/>
-          </a:fontRef>
-        </p:style>
-        <p:txBody>
-          <a:bodyPr rtlCol="0" anchor="ctr"/>
-          <a:lstStyle>
-            <a:defPPr>
-              <a:defRPr lang="en-US"/>
-            </a:defPPr>
-            <a:lvl1pPr algn="ctr">
-              <a:defRPr>
-                <a:solidFill>
-                  <a:schemeClr val="lt1"/>
-                </a:solidFill>
-                <a:latin typeface="Segoe UI" panose="020B0502040204020203" pitchFamily="34" charset="0"/>
-                <a:cs typeface="Segoe UI" panose="020B0502040204020203" pitchFamily="34" charset="0"/>
-              </a:defRPr>
-            </a:lvl1pPr>
-            <a:lvl2pPr>
-              <a:defRPr>
-                <a:solidFill>
-                  <a:schemeClr val="lt1"/>
-                </a:solidFill>
-              </a:defRPr>
-            </a:lvl2pPr>
-            <a:lvl3pPr>
-              <a:defRPr>
-                <a:solidFill>
-                  <a:schemeClr val="lt1"/>
-                </a:solidFill>
-              </a:defRPr>
-            </a:lvl3pPr>
-            <a:lvl4pPr>
-              <a:defRPr>
-                <a:solidFill>
-                  <a:schemeClr val="lt1"/>
-                </a:solidFill>
-              </a:defRPr>
-            </a:lvl4pPr>
-            <a:lvl5pPr>
-              <a:defRPr>
-                <a:solidFill>
-                  <a:schemeClr val="lt1"/>
-                </a:solidFill>
-              </a:defRPr>
-            </a:lvl5pPr>
-            <a:lvl6pPr>
-              <a:defRPr>
-                <a:solidFill>
-                  <a:schemeClr val="lt1"/>
-                </a:solidFill>
-              </a:defRPr>
-            </a:lvl6pPr>
-            <a:lvl7pPr>
-              <a:defRPr>
-                <a:solidFill>
-                  <a:schemeClr val="lt1"/>
-                </a:solidFill>
-              </a:defRPr>
-            </a:lvl7pPr>
-            <a:lvl8pPr>
-              <a:defRPr>
-                <a:solidFill>
-                  <a:schemeClr val="lt1"/>
-                </a:solidFill>
-              </a:defRPr>
-            </a:lvl8pPr>
-            <a:lvl9pPr>
-              <a:defRPr>
-                <a:solidFill>
-                  <a:schemeClr val="lt1"/>
-                </a:solidFill>
-              </a:defRPr>
-            </a:lvl9pPr>
-          </a:lstStyle>
-          <a:p>
-            <a:r>
-              <a:rPr lang="en-GB" dirty="0"/>
-              <a:t>WordPress</a:t>
-            </a:r>
+              <a:t>We will look at a demo shortly…</a:t>
+            </a:r>
+          </a:p>
+          <a:p>
+            <a:pPr marL="457200" lvl="1" indent="0">
+              <a:buNone/>
+            </a:pPr>
+            <a:endParaRPr lang="en-GB" sz="3600" dirty="0">
+              <a:solidFill>
+                <a:srgbClr val="2196F3"/>
+              </a:solidFill>
+              <a:latin typeface="Segoe UI" panose="020B0502040204020203" pitchFamily="34" charset="0"/>
+              <a:cs typeface="Segoe UI" panose="020B0502040204020203" pitchFamily="34" charset="0"/>
+            </a:endParaRPr>
+          </a:p>
+          <a:p>
+            <a:pPr marL="457200" lvl="1" indent="0">
+              <a:buNone/>
+            </a:pPr>
+            <a:endParaRPr lang="en-GB" sz="6700" dirty="0">
+              <a:solidFill>
+                <a:srgbClr val="2196F3"/>
+              </a:solidFill>
+              <a:latin typeface="Segoe UI" panose="020B0502040204020203" pitchFamily="34" charset="0"/>
+              <a:cs typeface="Segoe UI" panose="020B0502040204020203" pitchFamily="34" charset="0"/>
+            </a:endParaRPr>
+          </a:p>
+          <a:p>
+            <a:pPr marL="457200" lvl="1" indent="0">
+              <a:buNone/>
+            </a:pPr>
+            <a:endParaRPr lang="en-GB" sz="6700" dirty="0">
+              <a:solidFill>
+                <a:srgbClr val="2196F3"/>
+              </a:solidFill>
+              <a:latin typeface="Segoe UI" panose="020B0502040204020203" pitchFamily="34" charset="0"/>
+              <a:cs typeface="Segoe UI" panose="020B0502040204020203" pitchFamily="34" charset="0"/>
+            </a:endParaRPr>
+          </a:p>
+          <a:p>
+            <a:pPr marL="457200" lvl="1" indent="0">
+              <a:buNone/>
+            </a:pPr>
+            <a:endParaRPr lang="en-GB" sz="6700" dirty="0">
+              <a:latin typeface="Segoe UI" panose="020B0502040204020203" pitchFamily="34" charset="0"/>
+              <a:cs typeface="Segoe UI" panose="020B0502040204020203" pitchFamily="34" charset="0"/>
+            </a:endParaRPr>
+          </a:p>
+          <a:p>
+            <a:pPr marL="0" indent="0">
+              <a:buNone/>
+            </a:pPr>
+            <a:endParaRPr lang="en-GB" dirty="0">
+              <a:latin typeface="Segoe UI" panose="020B0502040204020203" pitchFamily="34" charset="0"/>
+              <a:cs typeface="Segoe UI" panose="020B0502040204020203" pitchFamily="34" charset="0"/>
+            </a:endParaRPr>
+          </a:p>
+          <a:p>
+            <a:endParaRPr lang="en-GB" dirty="0">
+              <a:latin typeface="Segoe UI" panose="020B0502040204020203" pitchFamily="34" charset="0"/>
+              <a:cs typeface="Segoe UI" panose="020B0502040204020203" pitchFamily="34" charset="0"/>
+            </a:endParaRPr>
           </a:p>
         </p:txBody>
       </p:sp>
     </p:spTree>
     <p:extLst>
       <p:ext uri="{BB962C8B-B14F-4D97-AF65-F5344CB8AC3E}">
-        <p14:creationId xmlns:p14="http://schemas.microsoft.com/office/powerpoint/2010/main" val="3043959635"/>
+        <p14:creationId xmlns:p14="http://schemas.microsoft.com/office/powerpoint/2010/main" val="969729685"/>
       </p:ext>
     </p:extLst>
   </p:cSld>
@@ -5398,7 +4342,7 @@
                 <a:latin typeface="Segoe UI" panose="020B0502040204020203" pitchFamily="34" charset="0"/>
                 <a:cs typeface="Segoe UI" panose="020B0502040204020203" pitchFamily="34" charset="0"/>
               </a:rPr>
-              <a:t>Why do I use them? </a:t>
+              <a:t>Why use them? </a:t>
             </a:r>
           </a:p>
         </p:txBody>
@@ -5434,7 +4378,7 @@
             <a:pPr marL="457200" lvl="1" indent="0" algn="ctr">
               <a:buNone/>
             </a:pPr>
-            <a:endParaRPr lang="en-GB" sz="4300" dirty="0">
+            <a:endParaRPr lang="en-GB" sz="1600" dirty="0">
               <a:solidFill>
                 <a:srgbClr val="2196F3"/>
               </a:solidFill>
@@ -5449,12 +4393,99 @@
             <a:r>
               <a:rPr lang="en-GB" sz="3600" dirty="0">
                 <a:solidFill>
-                  <a:srgbClr val="2196F3"/>
+                  <a:srgbClr val="FF0000"/>
                 </a:solidFill>
                 <a:latin typeface="Segoe UI" panose="020B0502040204020203" pitchFamily="34" charset="0"/>
                 <a:cs typeface="Segoe UI" panose="020B0502040204020203" pitchFamily="34" charset="0"/>
               </a:rPr>
-              <a:t>I use them to convert a large monolithic application that is PHP and WP specific into an HTML decoupled site cross domain.</a:t>
+              <a:t>Why use HTML? (&lt;dialog&gt;, &lt;video&gt;…)</a:t>
+            </a:r>
+          </a:p>
+          <a:p>
+            <a:pPr marL="457200" lvl="1" indent="0">
+              <a:buNone/>
+            </a:pPr>
+            <a:endParaRPr lang="en-GB" sz="1600" dirty="0">
+              <a:solidFill>
+                <a:srgbClr val="2196F3"/>
+              </a:solidFill>
+              <a:latin typeface="Segoe UI" panose="020B0502040204020203" pitchFamily="34" charset="0"/>
+              <a:cs typeface="Segoe UI" panose="020B0502040204020203" pitchFamily="34" charset="0"/>
+            </a:endParaRPr>
+          </a:p>
+          <a:p>
+            <a:pPr marL="457200" lvl="1" indent="0">
+              <a:buNone/>
+            </a:pPr>
+            <a:r>
+              <a:rPr lang="en-GB" sz="3600" dirty="0">
+                <a:solidFill>
+                  <a:srgbClr val="2196F3"/>
+                </a:solidFill>
+                <a:latin typeface="Segoe UI" panose="020B0502040204020203" pitchFamily="34" charset="0"/>
+                <a:cs typeface="Segoe UI" panose="020B0502040204020203" pitchFamily="34" charset="0"/>
+              </a:rPr>
+              <a:t>Create HTML plugins/widgets/.</a:t>
+            </a:r>
+          </a:p>
+          <a:p>
+            <a:pPr marL="457200" lvl="1" indent="0">
+              <a:buNone/>
+            </a:pPr>
+            <a:r>
+              <a:rPr lang="en-GB" sz="3600" dirty="0">
+                <a:solidFill>
+                  <a:srgbClr val="2196F3"/>
+                </a:solidFill>
+                <a:latin typeface="Segoe UI" panose="020B0502040204020203" pitchFamily="34" charset="0"/>
+                <a:cs typeface="Segoe UI" panose="020B0502040204020203" pitchFamily="34" charset="0"/>
+              </a:rPr>
+              <a:t>Code modularity/design.</a:t>
+            </a:r>
+          </a:p>
+          <a:p>
+            <a:pPr marL="457200" lvl="1" indent="0">
+              <a:buNone/>
+            </a:pPr>
+            <a:r>
+              <a:rPr lang="en-GB" sz="3600" dirty="0">
+                <a:solidFill>
+                  <a:srgbClr val="2196F3"/>
+                </a:solidFill>
+                <a:latin typeface="Segoe UI" panose="020B0502040204020203" pitchFamily="34" charset="0"/>
+                <a:cs typeface="Segoe UI" panose="020B0502040204020203" pitchFamily="34" charset="0"/>
+              </a:rPr>
+              <a:t>Be a component maker rather than a specific framework developer.</a:t>
+            </a:r>
+          </a:p>
+          <a:p>
+            <a:pPr marL="457200" lvl="1" indent="0">
+              <a:buNone/>
+            </a:pPr>
+            <a:r>
+              <a:rPr lang="en-GB" sz="3600" dirty="0">
+                <a:solidFill>
+                  <a:srgbClr val="2196F3"/>
+                </a:solidFill>
+                <a:latin typeface="Segoe UI" panose="020B0502040204020203" pitchFamily="34" charset="0"/>
+                <a:cs typeface="Segoe UI" panose="020B0502040204020203" pitchFamily="34" charset="0"/>
+              </a:rPr>
+              <a:t>Engage in cross framework apps.</a:t>
+            </a:r>
+          </a:p>
+          <a:p>
+            <a:pPr marL="457200" lvl="1" indent="0">
+              <a:buNone/>
+            </a:pPr>
+            <a:r>
+              <a:rPr lang="en-GB" sz="3600" dirty="0">
+                <a:solidFill>
+                  <a:srgbClr val="2196F3"/>
+                </a:solidFill>
+                <a:latin typeface="Segoe UI" panose="020B0502040204020203" pitchFamily="34" charset="0"/>
+                <a:cs typeface="Segoe UI" panose="020B0502040204020203" pitchFamily="34" charset="0"/>
+              </a:rPr>
+              <a:t>Use components in any framework, PHP pages and in WP Gutenberg blocks.</a:t>
             </a:r>
           </a:p>
           <a:p>
@@ -5473,21 +4504,6 @@
             <a:pPr marL="457200" lvl="1" indent="0">
               <a:buNone/>
             </a:pPr>
-            <a:r>
-              <a:rPr lang="en-GB" sz="3600" dirty="0">
-                <a:solidFill>
-                  <a:srgbClr val="2196F3"/>
-                </a:solidFill>
-                <a:latin typeface="Segoe UI" panose="020B0502040204020203" pitchFamily="34" charset="0"/>
-                <a:cs typeface="Segoe UI" panose="020B0502040204020203" pitchFamily="34" charset="0"/>
-              </a:rPr>
-              <a:t>Enable WP to be a micro front end service to other sites.</a:t>
-            </a:r>
-          </a:p>
-          <a:p>
-            <a:pPr marL="457200" lvl="1" indent="0">
-              <a:buNone/>
-            </a:pPr>
             <a:endParaRPr lang="en-GB" sz="3600" dirty="0">
               <a:solidFill>
                 <a:srgbClr val="2196F3"/>
@@ -5500,33 +4516,6 @@
             <a:pPr marL="457200" lvl="1" indent="0">
               <a:buNone/>
             </a:pPr>
-            <a:r>
-              <a:rPr lang="en-GB" sz="3600" dirty="0">
-                <a:solidFill>
-                  <a:srgbClr val="2196F3"/>
-                </a:solidFill>
-                <a:latin typeface="Segoe UI" panose="020B0502040204020203" pitchFamily="34" charset="0"/>
-                <a:cs typeface="Segoe UI" panose="020B0502040204020203" pitchFamily="34" charset="0"/>
-              </a:rPr>
-              <a:t>We will look at a demo shortly…</a:t>
-            </a:r>
-          </a:p>
-          <a:p>
-            <a:pPr marL="457200" lvl="1" indent="0">
-              <a:buNone/>
-            </a:pPr>
-            <a:endParaRPr lang="en-GB" sz="3600" dirty="0">
-              <a:solidFill>
-                <a:srgbClr val="2196F3"/>
-              </a:solidFill>
-              <a:latin typeface="Segoe UI" panose="020B0502040204020203" pitchFamily="34" charset="0"/>
-              <a:cs typeface="Segoe UI" panose="020B0502040204020203" pitchFamily="34" charset="0"/>
-            </a:endParaRPr>
-          </a:p>
-          <a:p>
-            <a:pPr marL="457200" lvl="1" indent="0">
-              <a:buNone/>
-            </a:pPr>
             <a:endParaRPr lang="en-GB" sz="6700" dirty="0">
               <a:solidFill>
                 <a:srgbClr val="2196F3"/>
@@ -5576,7 +4565,7 @@
     </p:spTree>
     <p:extLst>
       <p:ext uri="{BB962C8B-B14F-4D97-AF65-F5344CB8AC3E}">
-        <p14:creationId xmlns:p14="http://schemas.microsoft.com/office/powerpoint/2010/main" val="969729685"/>
+        <p14:creationId xmlns:p14="http://schemas.microsoft.com/office/powerpoint/2010/main" val="3509547120"/>
       </p:ext>
     </p:extLst>
   </p:cSld>
@@ -5643,7 +4632,7 @@
                 <a:latin typeface="Segoe UI" panose="020B0502040204020203" pitchFamily="34" charset="0"/>
                 <a:cs typeface="Segoe UI" panose="020B0502040204020203" pitchFamily="34" charset="0"/>
               </a:rPr>
-              <a:t>Why use them? </a:t>
+              <a:t>Build tools</a:t>
             </a:r>
           </a:p>
         </p:txBody>
@@ -5694,25 +4683,13 @@
             <a:r>
               <a:rPr lang="en-GB" sz="3600" dirty="0">
                 <a:solidFill>
-                  <a:srgbClr val="FF0000"/>
+                  <a:srgbClr val="2196F3"/>
                 </a:solidFill>
                 <a:latin typeface="Segoe UI" panose="020B0502040204020203" pitchFamily="34" charset="0"/>
                 <a:cs typeface="Segoe UI" panose="020B0502040204020203" pitchFamily="34" charset="0"/>
               </a:rPr>
-              <a:t>Why use HTML? (&lt;dialog&gt;, &lt;video&gt;…)</a:t>
-            </a:r>
-          </a:p>
-          <a:p>
-            <a:pPr marL="457200" lvl="1" indent="0">
-              <a:buNone/>
-            </a:pPr>
-            <a:endParaRPr lang="en-GB" sz="1600" dirty="0">
-              <a:solidFill>
-                <a:srgbClr val="2196F3"/>
-              </a:solidFill>
-              <a:latin typeface="Segoe UI" panose="020B0502040204020203" pitchFamily="34" charset="0"/>
-              <a:cs typeface="Segoe UI" panose="020B0502040204020203" pitchFamily="34" charset="0"/>
-            </a:endParaRPr>
+              <a:t>JS compilers (not frameworks):</a:t>
+            </a:r>
           </a:p>
           <a:p>
             <a:pPr marL="457200" lvl="1" indent="0">
@@ -5726,7 +4703,7 @@
                 <a:latin typeface="Segoe UI" panose="020B0502040204020203" pitchFamily="34" charset="0"/>
                 <a:cs typeface="Segoe UI" panose="020B0502040204020203" pitchFamily="34" charset="0"/>
               </a:rPr>
-              <a:t>Create HTML plugins/widgets/.</a:t>
+              <a:t>Stencil JS</a:t>
             </a:r>
           </a:p>
           <a:p>
@@ -5741,7 +4718,7 @@
                 <a:latin typeface="Segoe UI" panose="020B0502040204020203" pitchFamily="34" charset="0"/>
                 <a:cs typeface="Segoe UI" panose="020B0502040204020203" pitchFamily="34" charset="0"/>
               </a:rPr>
-              <a:t>Code modularity/design.</a:t>
+              <a:t>Lit Element/Lit HTML</a:t>
             </a:r>
           </a:p>
           <a:p>
@@ -5756,37 +4733,7 @@
                 <a:latin typeface="Segoe UI" panose="020B0502040204020203" pitchFamily="34" charset="0"/>
                 <a:cs typeface="Segoe UI" panose="020B0502040204020203" pitchFamily="34" charset="0"/>
               </a:rPr>
-              <a:t>Be a component maker rather than a specific framework developer.</a:t>
-            </a:r>
-          </a:p>
-          <a:p>
-            <a:pPr marL="457200" lvl="1" indent="0">
-              <a:buNone/>
-            </a:pPr>
-            <a:r>
-              <a:rPr lang="en-GB" sz="3600" dirty="0">
-                <a:solidFill>
-                  <a:srgbClr val="2196F3"/>
-                </a:solidFill>
-                <a:latin typeface="Segoe UI" panose="020B0502040204020203" pitchFamily="34" charset="0"/>
-                <a:cs typeface="Segoe UI" panose="020B0502040204020203" pitchFamily="34" charset="0"/>
-              </a:rPr>
-              <a:t>Engage in cross framework apps.</a:t>
-            </a:r>
-          </a:p>
-          <a:p>
-            <a:pPr marL="457200" lvl="1" indent="0">
-              <a:buNone/>
-            </a:pPr>
-            <a:r>
-              <a:rPr lang="en-GB" sz="3600" dirty="0">
-                <a:solidFill>
-                  <a:srgbClr val="2196F3"/>
-                </a:solidFill>
-                <a:latin typeface="Segoe UI" panose="020B0502040204020203" pitchFamily="34" charset="0"/>
-                <a:cs typeface="Segoe UI" panose="020B0502040204020203" pitchFamily="34" charset="0"/>
-              </a:rPr>
-              <a:t>Use components in any framework, PHP pages and in WP Gutenberg blocks.</a:t>
+              <a:t>Hybrids</a:t>
             </a:r>
           </a:p>
           <a:p>
@@ -5805,6 +4752,36 @@
             <a:pPr marL="457200" lvl="1" indent="0">
               <a:buNone/>
             </a:pPr>
+            <a:r>
+              <a:rPr lang="en-GB" sz="3600" dirty="0">
+                <a:solidFill>
+                  <a:srgbClr val="2196F3"/>
+                </a:solidFill>
+                <a:latin typeface="Segoe UI" panose="020B0502040204020203" pitchFamily="34" charset="0"/>
+                <a:cs typeface="Segoe UI" panose="020B0502040204020203" pitchFamily="34" charset="0"/>
+              </a:rPr>
+              <a:t>Wrappers:</a:t>
+            </a:r>
+          </a:p>
+          <a:p>
+            <a:pPr marL="457200" lvl="1" indent="0">
+              <a:buNone/>
+            </a:pPr>
+            <a:r>
+              <a:rPr lang="en-GB" sz="3600" dirty="0">
+                <a:solidFill>
+                  <a:srgbClr val="2196F3"/>
+                </a:solidFill>
+                <a:latin typeface="Segoe UI" panose="020B0502040204020203" pitchFamily="34" charset="0"/>
+                <a:cs typeface="Segoe UI" panose="020B0502040204020203" pitchFamily="34" charset="0"/>
+              </a:rPr>
+              <a:t>Svelte (?), Vue, Angular etc have builds that add a web component wrapper.</a:t>
+            </a:r>
+          </a:p>
+          <a:p>
+            <a:pPr marL="457200" lvl="1" indent="0">
+              <a:buNone/>
+            </a:pPr>
             <a:endParaRPr lang="en-GB" sz="3600" dirty="0">
               <a:solidFill>
                 <a:srgbClr val="2196F3"/>
@@ -5817,6 +4794,18 @@
             <a:pPr marL="457200" lvl="1" indent="0">
               <a:buNone/>
             </a:pPr>
+            <a:endParaRPr lang="en-GB" sz="3600" dirty="0">
+              <a:solidFill>
+                <a:srgbClr val="2196F3"/>
+              </a:solidFill>
+              <a:latin typeface="Segoe UI" panose="020B0502040204020203" pitchFamily="34" charset="0"/>
+              <a:cs typeface="Segoe UI" panose="020B0502040204020203" pitchFamily="34" charset="0"/>
+            </a:endParaRPr>
+          </a:p>
+          <a:p>
+            <a:pPr marL="457200" lvl="1" indent="0">
+              <a:buNone/>
+            </a:pPr>
             <a:endParaRPr lang="en-GB" sz="6700" dirty="0">
               <a:solidFill>
                 <a:srgbClr val="2196F3"/>
@@ -5866,7 +4855,7 @@
     </p:spTree>
     <p:extLst>
       <p:ext uri="{BB962C8B-B14F-4D97-AF65-F5344CB8AC3E}">
-        <p14:creationId xmlns:p14="http://schemas.microsoft.com/office/powerpoint/2010/main" val="3509547120"/>
+        <p14:creationId xmlns:p14="http://schemas.microsoft.com/office/powerpoint/2010/main" val="77845080"/>
       </p:ext>
     </p:extLst>
   </p:cSld>
@@ -5933,7 +4922,7 @@
                 <a:latin typeface="Segoe UI" panose="020B0502040204020203" pitchFamily="34" charset="0"/>
                 <a:cs typeface="Segoe UI" panose="020B0502040204020203" pitchFamily="34" charset="0"/>
               </a:rPr>
-              <a:t>BUILD TOOLS</a:t>
+              <a:t>Types of components</a:t>
             </a:r>
           </a:p>
         </p:txBody>
@@ -5962,7 +4951,7 @@
         </p:spPr>
         <p:txBody>
           <a:bodyPr wrap="square" bIns="252000">
-            <a:normAutofit/>
+            <a:normAutofit lnSpcReduction="10000"/>
           </a:bodyPr>
           <a:lstStyle/>
           <a:p>
@@ -5982,59 +4971,178 @@
               <a:buNone/>
             </a:pPr>
             <a:r>
-              <a:rPr lang="en-GB" sz="3600" dirty="0">
+              <a:rPr lang="en-GB" sz="2800" dirty="0">
                 <a:solidFill>
                   <a:srgbClr val="2196F3"/>
                 </a:solidFill>
                 <a:latin typeface="Segoe UI" panose="020B0502040204020203" pitchFamily="34" charset="0"/>
                 <a:cs typeface="Segoe UI" panose="020B0502040204020203" pitchFamily="34" charset="0"/>
               </a:rPr>
-              <a:t>JS compilers (not frameworks):</a:t>
+              <a:t>These are only limited by JS.</a:t>
             </a:r>
           </a:p>
           <a:p>
             <a:pPr marL="457200" lvl="1" indent="0">
               <a:buNone/>
             </a:pPr>
-            <a:r>
-              <a:rPr lang="en-GB" sz="3600" dirty="0">
+            <a:endParaRPr lang="en-GB" sz="1200" dirty="0">
+              <a:solidFill>
+                <a:srgbClr val="2196F3"/>
+              </a:solidFill>
+              <a:latin typeface="Segoe UI" panose="020B0502040204020203" pitchFamily="34" charset="0"/>
+              <a:cs typeface="Segoe UI" panose="020B0502040204020203" pitchFamily="34" charset="0"/>
+            </a:endParaRPr>
+          </a:p>
+          <a:p>
+            <a:pPr marL="457200" lvl="1" indent="0">
+              <a:buNone/>
+            </a:pPr>
+            <a:r>
+              <a:rPr lang="en-GB" sz="2800" dirty="0">
                 <a:solidFill>
                   <a:srgbClr val="2196F3"/>
                 </a:solidFill>
                 <a:latin typeface="Segoe UI" panose="020B0502040204020203" pitchFamily="34" charset="0"/>
                 <a:cs typeface="Segoe UI" panose="020B0502040204020203" pitchFamily="34" charset="0"/>
               </a:rPr>
-              <a:t>Stencil JS</a:t>
+              <a:t>We will look at couple of UI components and many more highly functional components that have built in:</a:t>
             </a:r>
           </a:p>
           <a:p>
             <a:pPr marL="457200" lvl="1" indent="0">
               <a:buNone/>
             </a:pPr>
-            <a:r>
-              <a:rPr lang="en-GB" sz="3600" dirty="0">
+            <a:endParaRPr lang="en-GB" sz="1200" dirty="0">
+              <a:solidFill>
+                <a:srgbClr val="2196F3"/>
+              </a:solidFill>
+              <a:latin typeface="Segoe UI" panose="020B0502040204020203" pitchFamily="34" charset="0"/>
+              <a:cs typeface="Segoe UI" panose="020B0502040204020203" pitchFamily="34" charset="0"/>
+            </a:endParaRPr>
+          </a:p>
+          <a:p>
+            <a:pPr lvl="1"/>
+            <a:r>
+              <a:rPr lang="en-GB" sz="2800" dirty="0">
                 <a:solidFill>
                   <a:srgbClr val="2196F3"/>
                 </a:solidFill>
                 <a:latin typeface="Segoe UI" panose="020B0502040204020203" pitchFamily="34" charset="0"/>
                 <a:cs typeface="Segoe UI" panose="020B0502040204020203" pitchFamily="34" charset="0"/>
               </a:rPr>
-              <a:t>Lit Element/Lit HTML</a:t>
-            </a:r>
-          </a:p>
-          <a:p>
-            <a:pPr marL="457200" lvl="1" indent="0">
-              <a:buNone/>
-            </a:pPr>
-            <a:r>
-              <a:rPr lang="en-GB" sz="3600" dirty="0">
+              <a:t>Fetch requests.</a:t>
+            </a:r>
+          </a:p>
+          <a:p>
+            <a:pPr lvl="1"/>
+            <a:r>
+              <a:rPr lang="en-GB" sz="2800" dirty="0">
                 <a:solidFill>
                   <a:srgbClr val="2196F3"/>
                 </a:solidFill>
                 <a:latin typeface="Segoe UI" panose="020B0502040204020203" pitchFamily="34" charset="0"/>
                 <a:cs typeface="Segoe UI" panose="020B0502040204020203" pitchFamily="34" charset="0"/>
               </a:rPr>
-              <a:t>Hybrids</a:t>
+              <a:t>Lazy loading and dynamic loading (scripts/components).</a:t>
+            </a:r>
+          </a:p>
+          <a:p>
+            <a:pPr lvl="1"/>
+            <a:r>
+              <a:rPr lang="en-GB" sz="2800" dirty="0">
+                <a:solidFill>
+                  <a:srgbClr val="2196F3"/>
+                </a:solidFill>
+                <a:latin typeface="Segoe UI" panose="020B0502040204020203" pitchFamily="34" charset="0"/>
+                <a:cs typeface="Segoe UI" panose="020B0502040204020203" pitchFamily="34" charset="0"/>
+              </a:rPr>
+              <a:t>Storing JSON in IndexedDB and rendering it via templates.</a:t>
+            </a:r>
+          </a:p>
+          <a:p>
+            <a:pPr lvl="1"/>
+            <a:r>
+              <a:rPr lang="en-GB" sz="2800" dirty="0">
+                <a:solidFill>
+                  <a:srgbClr val="2196F3"/>
+                </a:solidFill>
+                <a:latin typeface="Segoe UI" panose="020B0502040204020203" pitchFamily="34" charset="0"/>
+                <a:cs typeface="Segoe UI" panose="020B0502040204020203" pitchFamily="34" charset="0"/>
+              </a:rPr>
+              <a:t>Authentication and storage of JSON Web Tokens.</a:t>
+            </a:r>
+          </a:p>
+          <a:p>
+            <a:pPr lvl="1"/>
+            <a:r>
+              <a:rPr lang="en-GB" sz="2800" dirty="0">
+                <a:solidFill>
+                  <a:srgbClr val="2196F3"/>
+                </a:solidFill>
+                <a:latin typeface="Segoe UI" panose="020B0502040204020203" pitchFamily="34" charset="0"/>
+                <a:cs typeface="Segoe UI" panose="020B0502040204020203" pitchFamily="34" charset="0"/>
+              </a:rPr>
+              <a:t>Added offline capability and ‘instant’ pages.</a:t>
+            </a:r>
+          </a:p>
+          <a:p>
+            <a:pPr marL="457200" lvl="1" indent="0">
+              <a:buNone/>
+            </a:pPr>
+            <a:endParaRPr lang="en-GB" sz="1200" dirty="0">
+              <a:solidFill>
+                <a:srgbClr val="2196F3"/>
+              </a:solidFill>
+              <a:latin typeface="Segoe UI" panose="020B0502040204020203" pitchFamily="34" charset="0"/>
+              <a:cs typeface="Segoe UI" panose="020B0502040204020203" pitchFamily="34" charset="0"/>
+            </a:endParaRPr>
+          </a:p>
+          <a:p>
+            <a:pPr marL="457200" lvl="1" indent="0">
+              <a:buNone/>
+            </a:pPr>
+            <a:r>
+              <a:rPr lang="en-GB" sz="2800" dirty="0">
+                <a:solidFill>
+                  <a:srgbClr val="2196F3"/>
+                </a:solidFill>
+                <a:latin typeface="Segoe UI" panose="020B0502040204020203" pitchFamily="34" charset="0"/>
+                <a:cs typeface="Segoe UI" panose="020B0502040204020203" pitchFamily="34" charset="0"/>
+              </a:rPr>
+              <a:t>Let’s see an example: </a:t>
+            </a:r>
+            <a:r>
+              <a:rPr lang="en-GB" sz="2800" dirty="0">
+                <a:solidFill>
+                  <a:srgbClr val="2196F3"/>
+                </a:solidFill>
+                <a:latin typeface="Segoe UI" panose="020B0502040204020203" pitchFamily="34" charset="0"/>
+                <a:cs typeface="Segoe UI" panose="020B0502040204020203" pitchFamily="34" charset="0"/>
+                <a:hlinkClick r:id="rId2"/>
+              </a:rPr>
+              <a:t>https://wp-html.co.uk/semantic</a:t>
+            </a:r>
+            <a:endParaRPr lang="en-GB" sz="2800" dirty="0">
+              <a:solidFill>
+                <a:srgbClr val="2196F3"/>
+              </a:solidFill>
+              <a:latin typeface="Segoe UI" panose="020B0502040204020203" pitchFamily="34" charset="0"/>
+              <a:cs typeface="Segoe UI" panose="020B0502040204020203" pitchFamily="34" charset="0"/>
+            </a:endParaRPr>
+          </a:p>
+          <a:p>
+            <a:pPr marL="457200" lvl="1" indent="0">
+              <a:buNone/>
+            </a:pPr>
+            <a:r>
+              <a:rPr lang="en-GB" sz="2800" dirty="0">
+                <a:solidFill>
+                  <a:srgbClr val="2196F3"/>
+                </a:solidFill>
+                <a:latin typeface="Segoe UI" panose="020B0502040204020203" pitchFamily="34" charset="0"/>
+                <a:cs typeface="Segoe UI" panose="020B0502040204020203" pitchFamily="34" charset="0"/>
+              </a:rPr>
+              <a:t>(Vanilla JS)</a:t>
             </a:r>
           </a:p>
           <a:p>
@@ -6053,36 +5161,6 @@
             <a:pPr marL="457200" lvl="1" indent="0">
               <a:buNone/>
             </a:pPr>
-            <a:r>
-              <a:rPr lang="en-GB" sz="3600" dirty="0">
-                <a:solidFill>
-                  <a:srgbClr val="2196F3"/>
-                </a:solidFill>
-                <a:latin typeface="Segoe UI" panose="020B0502040204020203" pitchFamily="34" charset="0"/>
-                <a:cs typeface="Segoe UI" panose="020B0502040204020203" pitchFamily="34" charset="0"/>
-              </a:rPr>
-              <a:t>Wrappers:</a:t>
-            </a:r>
-          </a:p>
-          <a:p>
-            <a:pPr marL="457200" lvl="1" indent="0">
-              <a:buNone/>
-            </a:pPr>
-            <a:r>
-              <a:rPr lang="en-GB" sz="3600" dirty="0">
-                <a:solidFill>
-                  <a:srgbClr val="2196F3"/>
-                </a:solidFill>
-                <a:latin typeface="Segoe UI" panose="020B0502040204020203" pitchFamily="34" charset="0"/>
-                <a:cs typeface="Segoe UI" panose="020B0502040204020203" pitchFamily="34" charset="0"/>
-              </a:rPr>
-              <a:t>Svelte (?), Vue, Angular etc have builds that add a web component wrapper.</a:t>
-            </a:r>
-          </a:p>
-          <a:p>
-            <a:pPr marL="457200" lvl="1" indent="0">
-              <a:buNone/>
-            </a:pPr>
             <a:endParaRPr lang="en-GB" sz="3600" dirty="0">
               <a:solidFill>
                 <a:srgbClr val="2196F3"/>
@@ -6095,18 +5173,6 @@
             <a:pPr marL="457200" lvl="1" indent="0">
               <a:buNone/>
             </a:pPr>
-            <a:endParaRPr lang="en-GB" sz="3600" dirty="0">
-              <a:solidFill>
-                <a:srgbClr val="2196F3"/>
-              </a:solidFill>
-              <a:latin typeface="Segoe UI" panose="020B0502040204020203" pitchFamily="34" charset="0"/>
-              <a:cs typeface="Segoe UI" panose="020B0502040204020203" pitchFamily="34" charset="0"/>
-            </a:endParaRPr>
-          </a:p>
-          <a:p>
-            <a:pPr marL="457200" lvl="1" indent="0">
-              <a:buNone/>
-            </a:pPr>
             <a:endParaRPr lang="en-GB" sz="6700" dirty="0">
               <a:solidFill>
                 <a:srgbClr val="2196F3"/>
@@ -6156,7 +5222,7 @@
     </p:spTree>
     <p:extLst>
       <p:ext uri="{BB962C8B-B14F-4D97-AF65-F5344CB8AC3E}">
-        <p14:creationId xmlns:p14="http://schemas.microsoft.com/office/powerpoint/2010/main" val="77845080"/>
+        <p14:creationId xmlns:p14="http://schemas.microsoft.com/office/powerpoint/2010/main" val="105346925"/>
       </p:ext>
     </p:extLst>
   </p:cSld>
@@ -6185,373 +5251,6 @@
       </p:grpSpPr>
       <p:sp>
         <p:nvSpPr>
-          <p:cNvPr id="2" name="Title 1">
-            <a:extLst>
-              <a:ext uri="{FF2B5EF4-FFF2-40B4-BE49-F238E27FC236}">
-                <a16:creationId xmlns:a16="http://schemas.microsoft.com/office/drawing/2014/main" id="{5D7568B3-EC9A-45DD-8A17-CFE685194B65}"/>
-              </a:ext>
-            </a:extLst>
-          </p:cNvPr>
-          <p:cNvSpPr>
-            <a:spLocks noGrp="1"/>
-          </p:cNvSpPr>
-          <p:nvPr>
-            <p:ph type="title"/>
-          </p:nvPr>
-        </p:nvSpPr>
-        <p:spPr>
-          <a:xfrm>
-            <a:off x="838200" y="0"/>
-            <a:ext cx="10515600" cy="1325563"/>
-          </a:xfrm>
-          <a:solidFill>
-            <a:srgbClr val="2196F3"/>
-          </a:solidFill>
-        </p:spPr>
-        <p:txBody>
-          <a:bodyPr>
-            <a:normAutofit/>
-          </a:bodyPr>
-          <a:lstStyle/>
-          <a:p>
-            <a:pPr algn="ctr"/>
-            <a:r>
-              <a:rPr lang="en-GB" sz="6600" dirty="0">
-                <a:solidFill>
-                  <a:schemeClr val="bg1"/>
-                </a:solidFill>
-                <a:latin typeface="Segoe UI" panose="020B0502040204020203" pitchFamily="34" charset="0"/>
-                <a:cs typeface="Segoe UI" panose="020B0502040204020203" pitchFamily="34" charset="0"/>
-              </a:rPr>
-              <a:t>TYPES OF COMPONENTS</a:t>
-            </a:r>
-          </a:p>
-        </p:txBody>
-      </p:sp>
-      <p:sp>
-        <p:nvSpPr>
-          <p:cNvPr id="4" name="Content Placeholder 2">
-            <a:extLst>
-              <a:ext uri="{FF2B5EF4-FFF2-40B4-BE49-F238E27FC236}">
-                <a16:creationId xmlns:a16="http://schemas.microsoft.com/office/drawing/2014/main" id="{088CCB65-11B4-408B-9ED3-1304FE85032F}"/>
-              </a:ext>
-            </a:extLst>
-          </p:cNvPr>
-          <p:cNvSpPr>
-            <a:spLocks noGrp="1"/>
-          </p:cNvSpPr>
-          <p:nvPr>
-            <p:ph idx="1"/>
-          </p:nvPr>
-        </p:nvSpPr>
-        <p:spPr>
-          <a:xfrm>
-            <a:off x="838200" y="1325563"/>
-            <a:ext cx="10515600" cy="5326907"/>
-          </a:xfrm>
-        </p:spPr>
-        <p:txBody>
-          <a:bodyPr wrap="square" bIns="252000">
-            <a:normAutofit lnSpcReduction="10000"/>
-          </a:bodyPr>
-          <a:lstStyle/>
-          <a:p>
-            <a:pPr marL="457200" lvl="1" indent="0" algn="ctr">
-              <a:buNone/>
-            </a:pPr>
-            <a:endParaRPr lang="en-GB" sz="1600" dirty="0">
-              <a:solidFill>
-                <a:srgbClr val="2196F3"/>
-              </a:solidFill>
-              <a:latin typeface="Segoe UI" panose="020B0502040204020203" pitchFamily="34" charset="0"/>
-              <a:cs typeface="Segoe UI" panose="020B0502040204020203" pitchFamily="34" charset="0"/>
-            </a:endParaRPr>
-          </a:p>
-          <a:p>
-            <a:pPr marL="457200" lvl="1" indent="0">
-              <a:buNone/>
-            </a:pPr>
-            <a:r>
-              <a:rPr lang="en-GB" sz="2800" dirty="0">
-                <a:solidFill>
-                  <a:srgbClr val="2196F3"/>
-                </a:solidFill>
-                <a:latin typeface="Segoe UI" panose="020B0502040204020203" pitchFamily="34" charset="0"/>
-                <a:cs typeface="Segoe UI" panose="020B0502040204020203" pitchFamily="34" charset="0"/>
-              </a:rPr>
-              <a:t>These are only limited by JS.</a:t>
-            </a:r>
-          </a:p>
-          <a:p>
-            <a:pPr marL="457200" lvl="1" indent="0">
-              <a:buNone/>
-            </a:pPr>
-            <a:endParaRPr lang="en-GB" sz="1200" dirty="0">
-              <a:solidFill>
-                <a:srgbClr val="2196F3"/>
-              </a:solidFill>
-              <a:latin typeface="Segoe UI" panose="020B0502040204020203" pitchFamily="34" charset="0"/>
-              <a:cs typeface="Segoe UI" panose="020B0502040204020203" pitchFamily="34" charset="0"/>
-            </a:endParaRPr>
-          </a:p>
-          <a:p>
-            <a:pPr marL="457200" lvl="1" indent="0">
-              <a:buNone/>
-            </a:pPr>
-            <a:r>
-              <a:rPr lang="en-GB" sz="2800" dirty="0">
-                <a:solidFill>
-                  <a:srgbClr val="2196F3"/>
-                </a:solidFill>
-                <a:latin typeface="Segoe UI" panose="020B0502040204020203" pitchFamily="34" charset="0"/>
-                <a:cs typeface="Segoe UI" panose="020B0502040204020203" pitchFamily="34" charset="0"/>
-              </a:rPr>
-              <a:t>We will look at couple of UI components and many more highly functional components that have built in:</a:t>
-            </a:r>
-          </a:p>
-          <a:p>
-            <a:pPr marL="457200" lvl="1" indent="0">
-              <a:buNone/>
-            </a:pPr>
-            <a:endParaRPr lang="en-GB" sz="1200" dirty="0">
-              <a:solidFill>
-                <a:srgbClr val="2196F3"/>
-              </a:solidFill>
-              <a:latin typeface="Segoe UI" panose="020B0502040204020203" pitchFamily="34" charset="0"/>
-              <a:cs typeface="Segoe UI" panose="020B0502040204020203" pitchFamily="34" charset="0"/>
-            </a:endParaRPr>
-          </a:p>
-          <a:p>
-            <a:pPr lvl="1"/>
-            <a:r>
-              <a:rPr lang="en-GB" sz="2800" dirty="0">
-                <a:solidFill>
-                  <a:srgbClr val="2196F3"/>
-                </a:solidFill>
-                <a:latin typeface="Segoe UI" panose="020B0502040204020203" pitchFamily="34" charset="0"/>
-                <a:cs typeface="Segoe UI" panose="020B0502040204020203" pitchFamily="34" charset="0"/>
-              </a:rPr>
-              <a:t>Fetch requests.</a:t>
-            </a:r>
-          </a:p>
-          <a:p>
-            <a:pPr lvl="1"/>
-            <a:r>
-              <a:rPr lang="en-GB" sz="2800" dirty="0">
-                <a:solidFill>
-                  <a:srgbClr val="2196F3"/>
-                </a:solidFill>
-                <a:latin typeface="Segoe UI" panose="020B0502040204020203" pitchFamily="34" charset="0"/>
-                <a:cs typeface="Segoe UI" panose="020B0502040204020203" pitchFamily="34" charset="0"/>
-              </a:rPr>
-              <a:t>Lazy loading and dynamic loading (scripts/components).</a:t>
-            </a:r>
-          </a:p>
-          <a:p>
-            <a:pPr lvl="1"/>
-            <a:r>
-              <a:rPr lang="en-GB" sz="2800" dirty="0">
-                <a:solidFill>
-                  <a:srgbClr val="2196F3"/>
-                </a:solidFill>
-                <a:latin typeface="Segoe UI" panose="020B0502040204020203" pitchFamily="34" charset="0"/>
-                <a:cs typeface="Segoe UI" panose="020B0502040204020203" pitchFamily="34" charset="0"/>
-              </a:rPr>
-              <a:t>Storing JSON in IndexedDB and rendering it via templates.</a:t>
-            </a:r>
-          </a:p>
-          <a:p>
-            <a:pPr lvl="1"/>
-            <a:r>
-              <a:rPr lang="en-GB" sz="2800" dirty="0">
-                <a:solidFill>
-                  <a:srgbClr val="2196F3"/>
-                </a:solidFill>
-                <a:latin typeface="Segoe UI" panose="020B0502040204020203" pitchFamily="34" charset="0"/>
-                <a:cs typeface="Segoe UI" panose="020B0502040204020203" pitchFamily="34" charset="0"/>
-              </a:rPr>
-              <a:t>Authentication and storage of JSON Web Tokens.</a:t>
-            </a:r>
-          </a:p>
-          <a:p>
-            <a:pPr lvl="1"/>
-            <a:r>
-              <a:rPr lang="en-GB" sz="2800" dirty="0">
-                <a:solidFill>
-                  <a:srgbClr val="2196F3"/>
-                </a:solidFill>
-                <a:latin typeface="Segoe UI" panose="020B0502040204020203" pitchFamily="34" charset="0"/>
-                <a:cs typeface="Segoe UI" panose="020B0502040204020203" pitchFamily="34" charset="0"/>
-              </a:rPr>
-              <a:t>Added offline capability and ‘instant’ pages.</a:t>
-            </a:r>
-          </a:p>
-          <a:p>
-            <a:pPr marL="457200" lvl="1" indent="0">
-              <a:buNone/>
-            </a:pPr>
-            <a:endParaRPr lang="en-GB" sz="1200" dirty="0">
-              <a:solidFill>
-                <a:srgbClr val="2196F3"/>
-              </a:solidFill>
-              <a:latin typeface="Segoe UI" panose="020B0502040204020203" pitchFamily="34" charset="0"/>
-              <a:cs typeface="Segoe UI" panose="020B0502040204020203" pitchFamily="34" charset="0"/>
-            </a:endParaRPr>
-          </a:p>
-          <a:p>
-            <a:pPr marL="457200" lvl="1" indent="0">
-              <a:buNone/>
-            </a:pPr>
-            <a:r>
-              <a:rPr lang="en-GB" sz="2800" dirty="0">
-                <a:solidFill>
-                  <a:srgbClr val="2196F3"/>
-                </a:solidFill>
-                <a:latin typeface="Segoe UI" panose="020B0502040204020203" pitchFamily="34" charset="0"/>
-                <a:cs typeface="Segoe UI" panose="020B0502040204020203" pitchFamily="34" charset="0"/>
-              </a:rPr>
-              <a:t>Let’s see an example: </a:t>
-            </a:r>
-            <a:r>
-              <a:rPr lang="en-GB" sz="2800" dirty="0">
-                <a:solidFill>
-                  <a:srgbClr val="2196F3"/>
-                </a:solidFill>
-                <a:latin typeface="Segoe UI" panose="020B0502040204020203" pitchFamily="34" charset="0"/>
-                <a:cs typeface="Segoe UI" panose="020B0502040204020203" pitchFamily="34" charset="0"/>
-                <a:hlinkClick r:id="rId2"/>
-              </a:rPr>
-              <a:t>https://wp-html.co.uk/semantic</a:t>
-            </a:r>
-            <a:endParaRPr lang="en-GB" sz="2800" dirty="0">
-              <a:solidFill>
-                <a:srgbClr val="2196F3"/>
-              </a:solidFill>
-              <a:latin typeface="Segoe UI" panose="020B0502040204020203" pitchFamily="34" charset="0"/>
-              <a:cs typeface="Segoe UI" panose="020B0502040204020203" pitchFamily="34" charset="0"/>
-            </a:endParaRPr>
-          </a:p>
-          <a:p>
-            <a:pPr marL="457200" lvl="1" indent="0">
-              <a:buNone/>
-            </a:pPr>
-            <a:r>
-              <a:rPr lang="en-GB" sz="2800" dirty="0">
-                <a:solidFill>
-                  <a:srgbClr val="2196F3"/>
-                </a:solidFill>
-                <a:latin typeface="Segoe UI" panose="020B0502040204020203" pitchFamily="34" charset="0"/>
-                <a:cs typeface="Segoe UI" panose="020B0502040204020203" pitchFamily="34" charset="0"/>
-              </a:rPr>
-              <a:t>(Vanilla JS)</a:t>
-            </a:r>
-          </a:p>
-          <a:p>
-            <a:pPr marL="457200" lvl="1" indent="0">
-              <a:buNone/>
-            </a:pPr>
-            <a:endParaRPr lang="en-GB" sz="3600" dirty="0">
-              <a:solidFill>
-                <a:srgbClr val="2196F3"/>
-              </a:solidFill>
-              <a:latin typeface="Segoe UI" panose="020B0502040204020203" pitchFamily="34" charset="0"/>
-              <a:cs typeface="Segoe UI" panose="020B0502040204020203" pitchFamily="34" charset="0"/>
-            </a:endParaRPr>
-          </a:p>
-          <a:p>
-            <a:pPr marL="457200" lvl="1" indent="0">
-              <a:buNone/>
-            </a:pPr>
-            <a:endParaRPr lang="en-GB" sz="3600" dirty="0">
-              <a:solidFill>
-                <a:srgbClr val="2196F3"/>
-              </a:solidFill>
-              <a:latin typeface="Segoe UI" panose="020B0502040204020203" pitchFamily="34" charset="0"/>
-              <a:cs typeface="Segoe UI" panose="020B0502040204020203" pitchFamily="34" charset="0"/>
-            </a:endParaRPr>
-          </a:p>
-          <a:p>
-            <a:pPr marL="457200" lvl="1" indent="0">
-              <a:buNone/>
-            </a:pPr>
-            <a:endParaRPr lang="en-GB" sz="6700" dirty="0">
-              <a:solidFill>
-                <a:srgbClr val="2196F3"/>
-              </a:solidFill>
-              <a:latin typeface="Segoe UI" panose="020B0502040204020203" pitchFamily="34" charset="0"/>
-              <a:cs typeface="Segoe UI" panose="020B0502040204020203" pitchFamily="34" charset="0"/>
-            </a:endParaRPr>
-          </a:p>
-          <a:p>
-            <a:pPr marL="457200" lvl="1" indent="0">
-              <a:buNone/>
-            </a:pPr>
-            <a:endParaRPr lang="en-GB" sz="6700" dirty="0">
-              <a:solidFill>
-                <a:srgbClr val="2196F3"/>
-              </a:solidFill>
-              <a:latin typeface="Segoe UI" panose="020B0502040204020203" pitchFamily="34" charset="0"/>
-              <a:cs typeface="Segoe UI" panose="020B0502040204020203" pitchFamily="34" charset="0"/>
-            </a:endParaRPr>
-          </a:p>
-          <a:p>
-            <a:pPr marL="457200" lvl="1" indent="0">
-              <a:buNone/>
-            </a:pPr>
-            <a:endParaRPr lang="en-GB" sz="6700" dirty="0">
-              <a:latin typeface="Segoe UI" panose="020B0502040204020203" pitchFamily="34" charset="0"/>
-              <a:cs typeface="Segoe UI" panose="020B0502040204020203" pitchFamily="34" charset="0"/>
-            </a:endParaRPr>
-          </a:p>
-          <a:p>
-            <a:pPr marL="0" indent="0">
-              <a:buNone/>
-            </a:pPr>
-            <a:endParaRPr lang="en-GB" dirty="0">
-              <a:latin typeface="Segoe UI" panose="020B0502040204020203" pitchFamily="34" charset="0"/>
-              <a:cs typeface="Segoe UI" panose="020B0502040204020203" pitchFamily="34" charset="0"/>
-            </a:endParaRPr>
-          </a:p>
-          <a:p>
-            <a:endParaRPr lang="en-GB" dirty="0">
-              <a:latin typeface="Segoe UI" panose="020B0502040204020203" pitchFamily="34" charset="0"/>
-              <a:cs typeface="Segoe UI" panose="020B0502040204020203" pitchFamily="34" charset="0"/>
-            </a:endParaRPr>
-          </a:p>
-        </p:txBody>
-      </p:sp>
-    </p:spTree>
-    <p:extLst>
-      <p:ext uri="{BB962C8B-B14F-4D97-AF65-F5344CB8AC3E}">
-        <p14:creationId xmlns:p14="http://schemas.microsoft.com/office/powerpoint/2010/main" val="105346925"/>
-      </p:ext>
-    </p:extLst>
-  </p:cSld>
-  <p:clrMapOvr>
-    <a:masterClrMapping/>
-  </p:clrMapOvr>
-</p:sld>
-</file>
-
-<file path=ppt/slides/slide15.xml><?xml version="1.0" encoding="utf-8"?>
-<p:sld xmlns:a="http://schemas.openxmlformats.org/drawingml/2006/main" xmlns:r="http://schemas.openxmlformats.org/officeDocument/2006/relationships" xmlns:p="http://schemas.openxmlformats.org/presentationml/2006/main">
-  <p:cSld>
-    <p:spTree>
-      <p:nvGrpSpPr>
-        <p:cNvPr id="1" name=""/>
-        <p:cNvGrpSpPr/>
-        <p:nvPr/>
-      </p:nvGrpSpPr>
-      <p:grpSpPr>
-        <a:xfrm>
-          <a:off x="0" y="0"/>
-          <a:ext cx="0" cy="0"/>
-          <a:chOff x="0" y="0"/>
-          <a:chExt cx="0" cy="0"/>
-        </a:xfrm>
-      </p:grpSpPr>
-      <p:sp>
-        <p:nvSpPr>
           <p:cNvPr id="3" name="Content Placeholder 2">
             <a:extLst>
               <a:ext uri="{FF2B5EF4-FFF2-40B4-BE49-F238E27FC236}">
@@ -6787,7 +5486,7 @@
 </p:sld>
 </file>
 
-<file path=ppt/slides/slide16.xml><?xml version="1.0" encoding="utf-8"?>
+<file path=ppt/slides/slide15.xml><?xml version="1.0" encoding="utf-8"?>
 <p:sld xmlns:a="http://schemas.openxmlformats.org/drawingml/2006/main" xmlns:r="http://schemas.openxmlformats.org/officeDocument/2006/relationships" xmlns:p="http://schemas.openxmlformats.org/presentationml/2006/main">
   <p:cSld>
     <p:spTree>
@@ -7008,12 +5707,84 @@
           <a:chExt cx="0" cy="0"/>
         </a:xfrm>
       </p:grpSpPr>
+      <p:pic>
+        <p:nvPicPr>
+          <p:cNvPr id="16" name="Picture 15" descr="A close up of a typewriter&#10;&#10;Description automatically generated">
+            <a:extLst>
+              <a:ext uri="{FF2B5EF4-FFF2-40B4-BE49-F238E27FC236}">
+                <a16:creationId xmlns:a16="http://schemas.microsoft.com/office/drawing/2014/main" id="{16FE7CA4-EC3F-42CD-BDD7-9DB299CE9A72}"/>
+              </a:ext>
+            </a:extLst>
+          </p:cNvPr>
+          <p:cNvPicPr>
+            <a:picLocks noChangeAspect="1"/>
+          </p:cNvPicPr>
+          <p:nvPr/>
+        </p:nvPicPr>
+        <p:blipFill>
+          <a:blip r:embed="rId2">
+            <a:extLst>
+              <a:ext uri="{28A0092B-C50C-407E-A947-70E740481C1C}">
+                <a14:useLocalDpi xmlns:a14="http://schemas.microsoft.com/office/drawing/2010/main" val="0"/>
+              </a:ext>
+            </a:extLst>
+          </a:blip>
+          <a:stretch>
+            <a:fillRect/>
+          </a:stretch>
+        </p:blipFill>
+        <p:spPr>
+          <a:xfrm>
+            <a:off x="713859" y="2405825"/>
+            <a:ext cx="2068860" cy="2762035"/>
+          </a:xfrm>
+          <a:prstGeom prst="rect">
+            <a:avLst/>
+          </a:prstGeom>
+        </p:spPr>
+      </p:pic>
+      <p:pic>
+        <p:nvPicPr>
+          <p:cNvPr id="19" name="Picture 18" descr="A picture containing wall, indoor, table, cup&#10;&#10;Description automatically generated">
+            <a:extLst>
+              <a:ext uri="{FF2B5EF4-FFF2-40B4-BE49-F238E27FC236}">
+                <a16:creationId xmlns:a16="http://schemas.microsoft.com/office/drawing/2014/main" id="{CC8D6E43-818C-421B-8A10-E6255328A2FA}"/>
+              </a:ext>
+            </a:extLst>
+          </p:cNvPr>
+          <p:cNvPicPr>
+            <a:picLocks noChangeAspect="1"/>
+          </p:cNvPicPr>
+          <p:nvPr/>
+        </p:nvPicPr>
+        <p:blipFill>
+          <a:blip r:embed="rId3">
+            <a:extLst>
+              <a:ext uri="{28A0092B-C50C-407E-A947-70E740481C1C}">
+                <a14:useLocalDpi xmlns:a14="http://schemas.microsoft.com/office/drawing/2010/main" val="0"/>
+              </a:ext>
+            </a:extLst>
+          </a:blip>
+          <a:stretch>
+            <a:fillRect/>
+          </a:stretch>
+        </p:blipFill>
+        <p:spPr>
+          <a:xfrm>
+            <a:off x="684617" y="4510160"/>
+            <a:ext cx="2647950" cy="1765554"/>
+          </a:xfrm>
+          <a:prstGeom prst="rect">
+            <a:avLst/>
+          </a:prstGeom>
+        </p:spPr>
+      </p:pic>
       <p:sp>
         <p:nvSpPr>
           <p:cNvPr id="2" name="Title 1">
             <a:extLst>
               <a:ext uri="{FF2B5EF4-FFF2-40B4-BE49-F238E27FC236}">
-                <a16:creationId xmlns:a16="http://schemas.microsoft.com/office/drawing/2014/main" id="{5D7568B3-EC9A-45DD-8A17-CFE685194B65}"/>
+                <a16:creationId xmlns:a16="http://schemas.microsoft.com/office/drawing/2014/main" id="{CCF59C87-4A75-4C7A-B173-FA04E1A10E70}"/>
               </a:ext>
             </a:extLst>
           </p:cNvPr>
@@ -7021,397 +5792,684 @@
             <a:spLocks noGrp="1"/>
           </p:cNvSpPr>
           <p:nvPr>
-            <p:ph type="title"/>
+            <p:ph type="ctrTitle"/>
           </p:nvPr>
         </p:nvSpPr>
         <p:spPr>
           <a:xfrm>
-            <a:off x="838200" y="0"/>
-            <a:ext cx="10515600" cy="1325563"/>
-          </a:xfrm>
-          <a:solidFill>
-            <a:srgbClr val="2196F3"/>
-          </a:solidFill>
+            <a:off x="605637" y="1566983"/>
+            <a:ext cx="7681859" cy="1015663"/>
+          </a:xfrm>
         </p:spPr>
         <p:txBody>
           <a:bodyPr>
-            <a:normAutofit/>
+            <a:normAutofit fontScale="90000"/>
           </a:bodyPr>
           <a:lstStyle/>
           <a:p>
+            <a:r>
+              <a:rPr lang="en-GB" sz="4000" dirty="0"/>
+              <a:t>My start in computing at school in </a:t>
+            </a:r>
+            <a:r>
+              <a:rPr lang="en-GB" sz="4900" b="1" dirty="0">
+                <a:solidFill>
+                  <a:srgbClr val="FF0000"/>
+                </a:solidFill>
+              </a:rPr>
+              <a:t>1979</a:t>
+            </a:r>
+            <a:br>
+              <a:rPr lang="en-GB" sz="4000" dirty="0"/>
+            </a:br>
+            <a:r>
+              <a:rPr lang="en-GB" sz="4000" dirty="0"/>
+              <a:t>    </a:t>
+            </a:r>
+          </a:p>
+        </p:txBody>
+      </p:sp>
+      <p:sp>
+        <p:nvSpPr>
+          <p:cNvPr id="3" name="TextBox 2">
+            <a:extLst>
+              <a:ext uri="{FF2B5EF4-FFF2-40B4-BE49-F238E27FC236}">
+                <a16:creationId xmlns:a16="http://schemas.microsoft.com/office/drawing/2014/main" id="{3816F0FF-6206-4FDB-B50E-A5E0A8290985}"/>
+              </a:ext>
+            </a:extLst>
+          </p:cNvPr>
+          <p:cNvSpPr txBox="1"/>
+          <p:nvPr/>
+        </p:nvSpPr>
+        <p:spPr>
+          <a:xfrm>
+            <a:off x="3587484" y="4475055"/>
+            <a:ext cx="4530797" cy="1477328"/>
+          </a:xfrm>
+          <a:prstGeom prst="rect">
+            <a:avLst/>
+          </a:prstGeom>
+          <a:noFill/>
+        </p:spPr>
+        <p:txBody>
+          <a:bodyPr wrap="square" rtlCol="0">
+            <a:spAutoFit/>
+          </a:bodyPr>
+          <a:lstStyle/>
+          <a:p>
+            <a:r>
+              <a:rPr lang="en-GB" dirty="0"/>
+              <a:t>1980: At University, I studied Chemistry and used MS-DOS, client/server main frame systems.</a:t>
+            </a:r>
+          </a:p>
+          <a:p>
+            <a:endParaRPr lang="en-GB" dirty="0"/>
+          </a:p>
+          <a:p>
+            <a:r>
+              <a:rPr lang="en-GB" dirty="0"/>
+              <a:t>ZX-Spectrum computer and Jupiter Ace.</a:t>
+            </a:r>
+          </a:p>
+        </p:txBody>
+      </p:sp>
+      <p:pic>
+        <p:nvPicPr>
+          <p:cNvPr id="7" name="Picture 6" descr="A close up of a calculator&#10;&#10;Description automatically generated">
+            <a:extLst>
+              <a:ext uri="{FF2B5EF4-FFF2-40B4-BE49-F238E27FC236}">
+                <a16:creationId xmlns:a16="http://schemas.microsoft.com/office/drawing/2014/main" id="{95E6E97F-3325-49C1-8F22-358281B945EF}"/>
+              </a:ext>
+            </a:extLst>
+          </p:cNvPr>
+          <p:cNvPicPr>
+            <a:picLocks noChangeAspect="1"/>
+          </p:cNvPicPr>
+          <p:nvPr/>
+        </p:nvPicPr>
+        <p:blipFill>
+          <a:blip r:embed="rId4">
+            <a:extLst>
+              <a:ext uri="{28A0092B-C50C-407E-A947-70E740481C1C}">
+                <a14:useLocalDpi xmlns:a14="http://schemas.microsoft.com/office/drawing/2010/main" val="0"/>
+              </a:ext>
+            </a:extLst>
+          </a:blip>
+          <a:stretch>
+            <a:fillRect/>
+          </a:stretch>
+        </p:blipFill>
+        <p:spPr>
+          <a:xfrm>
+            <a:off x="5743558" y="2134895"/>
+            <a:ext cx="2578653" cy="2367793"/>
+          </a:xfrm>
+          <a:prstGeom prst="rect">
+            <a:avLst/>
+          </a:prstGeom>
+        </p:spPr>
+      </p:pic>
+      <p:sp>
+        <p:nvSpPr>
+          <p:cNvPr id="14" name="TextBox 13">
+            <a:extLst>
+              <a:ext uri="{FF2B5EF4-FFF2-40B4-BE49-F238E27FC236}">
+                <a16:creationId xmlns:a16="http://schemas.microsoft.com/office/drawing/2014/main" id="{E4464916-709F-4640-AE4A-E863DD40F8E5}"/>
+              </a:ext>
+            </a:extLst>
+          </p:cNvPr>
+          <p:cNvSpPr txBox="1"/>
+          <p:nvPr/>
+        </p:nvSpPr>
+        <p:spPr>
+          <a:xfrm>
+            <a:off x="6135038" y="6259874"/>
+            <a:ext cx="3103696" cy="261610"/>
+          </a:xfrm>
+          <a:prstGeom prst="rect">
+            <a:avLst/>
+          </a:prstGeom>
+          <a:noFill/>
+        </p:spPr>
+        <p:txBody>
+          <a:bodyPr wrap="square" rtlCol="0">
+            <a:spAutoFit/>
+          </a:bodyPr>
+          <a:lstStyle/>
+          <a:p>
+            <a:r>
+              <a:rPr lang="en-GB" sz="1100" dirty="0" err="1">
+                <a:solidFill>
+                  <a:srgbClr val="FF0000"/>
+                </a:solidFill>
+              </a:rPr>
+              <a:t>Source:Wikimedia</a:t>
+            </a:r>
+            <a:r>
+              <a:rPr lang="en-GB" sz="1100" dirty="0">
+                <a:solidFill>
+                  <a:srgbClr val="FF0000"/>
+                </a:solidFill>
+              </a:rPr>
+              <a:t> Commons </a:t>
+            </a:r>
+          </a:p>
+        </p:txBody>
+      </p:sp>
+      <p:sp>
+        <p:nvSpPr>
+          <p:cNvPr id="20" name="TextBox 19">
+            <a:extLst>
+              <a:ext uri="{FF2B5EF4-FFF2-40B4-BE49-F238E27FC236}">
+                <a16:creationId xmlns:a16="http://schemas.microsoft.com/office/drawing/2014/main" id="{26D382D3-C4B0-43B6-91E5-8A0DC150A00B}"/>
+              </a:ext>
+            </a:extLst>
+          </p:cNvPr>
+          <p:cNvSpPr txBox="1"/>
+          <p:nvPr/>
+        </p:nvSpPr>
+        <p:spPr>
+          <a:xfrm>
+            <a:off x="1042967" y="6253235"/>
+            <a:ext cx="3103696" cy="261610"/>
+          </a:xfrm>
+          <a:prstGeom prst="rect">
+            <a:avLst/>
+          </a:prstGeom>
+          <a:noFill/>
+        </p:spPr>
+        <p:txBody>
+          <a:bodyPr wrap="square" rtlCol="0">
+            <a:spAutoFit/>
+          </a:bodyPr>
+          <a:lstStyle/>
+          <a:p>
+            <a:r>
+              <a:rPr lang="en-GB" sz="1100" dirty="0" err="1"/>
+              <a:t>Source:Wikimedia</a:t>
+            </a:r>
+            <a:r>
+              <a:rPr lang="en-GB" sz="1100" dirty="0"/>
+              <a:t> Commons </a:t>
+            </a:r>
+          </a:p>
+        </p:txBody>
+      </p:sp>
+      <p:sp>
+        <p:nvSpPr>
+          <p:cNvPr id="24" name="TextBox 23">
+            <a:extLst>
+              <a:ext uri="{FF2B5EF4-FFF2-40B4-BE49-F238E27FC236}">
+                <a16:creationId xmlns:a16="http://schemas.microsoft.com/office/drawing/2014/main" id="{AA0A30FB-0945-4278-8753-6B9D55742D4E}"/>
+              </a:ext>
+            </a:extLst>
+          </p:cNvPr>
+          <p:cNvSpPr txBox="1"/>
+          <p:nvPr/>
+        </p:nvSpPr>
+        <p:spPr>
+          <a:xfrm>
+            <a:off x="870841" y="3419507"/>
+            <a:ext cx="1920953" cy="261610"/>
+          </a:xfrm>
+          <a:prstGeom prst="rect">
+            <a:avLst/>
+          </a:prstGeom>
+          <a:noFill/>
+        </p:spPr>
+        <p:txBody>
+          <a:bodyPr wrap="square" rtlCol="0">
+            <a:spAutoFit/>
+          </a:bodyPr>
+          <a:lstStyle/>
+          <a:p>
+            <a:r>
+              <a:rPr lang="en-GB" sz="1100" dirty="0" err="1">
+                <a:solidFill>
+                  <a:schemeClr val="bg1"/>
+                </a:solidFill>
+              </a:rPr>
+              <a:t>Source:Wikimedia</a:t>
+            </a:r>
+            <a:r>
+              <a:rPr lang="en-GB" sz="1100" dirty="0">
+                <a:solidFill>
+                  <a:schemeClr val="bg1"/>
+                </a:solidFill>
+              </a:rPr>
+              <a:t> Commons </a:t>
+            </a:r>
+          </a:p>
+        </p:txBody>
+      </p:sp>
+      <p:pic>
+        <p:nvPicPr>
+          <p:cNvPr id="27" name="Picture 26" descr="A close up of a machine&#10;&#10;Description automatically generated">
+            <a:extLst>
+              <a:ext uri="{FF2B5EF4-FFF2-40B4-BE49-F238E27FC236}">
+                <a16:creationId xmlns:a16="http://schemas.microsoft.com/office/drawing/2014/main" id="{94E45426-8ADB-4DBB-904D-303D2A86FF07}"/>
+              </a:ext>
+            </a:extLst>
+          </p:cNvPr>
+          <p:cNvPicPr>
+            <a:picLocks noChangeAspect="1"/>
+          </p:cNvPicPr>
+          <p:nvPr/>
+        </p:nvPicPr>
+        <p:blipFill>
+          <a:blip r:embed="rId5">
+            <a:extLst>
+              <a:ext uri="{28A0092B-C50C-407E-A947-70E740481C1C}">
+                <a14:useLocalDpi xmlns:a14="http://schemas.microsoft.com/office/drawing/2010/main" val="0"/>
+              </a:ext>
+            </a:extLst>
+          </a:blip>
+          <a:stretch>
+            <a:fillRect/>
+          </a:stretch>
+        </p:blipFill>
+        <p:spPr>
+          <a:xfrm>
+            <a:off x="2836975" y="2394842"/>
+            <a:ext cx="2619375" cy="1743075"/>
+          </a:xfrm>
+          <a:prstGeom prst="rect">
+            <a:avLst/>
+          </a:prstGeom>
+        </p:spPr>
+      </p:pic>
+      <p:sp>
+        <p:nvSpPr>
+          <p:cNvPr id="31" name="TextBox 30">
+            <a:extLst>
+              <a:ext uri="{FF2B5EF4-FFF2-40B4-BE49-F238E27FC236}">
+                <a16:creationId xmlns:a16="http://schemas.microsoft.com/office/drawing/2014/main" id="{D13CBD88-7C36-4649-BA85-472BBE038547}"/>
+              </a:ext>
+            </a:extLst>
+          </p:cNvPr>
+          <p:cNvSpPr txBox="1"/>
+          <p:nvPr/>
+        </p:nvSpPr>
+        <p:spPr>
+          <a:xfrm>
+            <a:off x="3097608" y="4168185"/>
+            <a:ext cx="3103696" cy="261610"/>
+          </a:xfrm>
+          <a:prstGeom prst="rect">
+            <a:avLst/>
+          </a:prstGeom>
+          <a:noFill/>
+        </p:spPr>
+        <p:txBody>
+          <a:bodyPr wrap="square" rtlCol="0">
+            <a:spAutoFit/>
+          </a:bodyPr>
+          <a:lstStyle/>
+          <a:p>
+            <a:r>
+              <a:rPr lang="en-GB" sz="1100" dirty="0" err="1"/>
+              <a:t>Source:Wikimedia</a:t>
+            </a:r>
+            <a:r>
+              <a:rPr lang="en-GB" sz="1100" dirty="0"/>
+              <a:t> Commons </a:t>
+            </a:r>
+          </a:p>
+        </p:txBody>
+      </p:sp>
+      <p:pic>
+        <p:nvPicPr>
+          <p:cNvPr id="1026" name="Picture 2" descr="Image result for brighton">
+            <a:extLst>
+              <a:ext uri="{FF2B5EF4-FFF2-40B4-BE49-F238E27FC236}">
+                <a16:creationId xmlns:a16="http://schemas.microsoft.com/office/drawing/2014/main" id="{FACF46E5-7177-4EC0-90B6-2287D648C70E}"/>
+              </a:ext>
+            </a:extLst>
+          </p:cNvPr>
+          <p:cNvPicPr>
+            <a:picLocks noChangeAspect="1" noChangeArrowheads="1"/>
+          </p:cNvPicPr>
+          <p:nvPr/>
+        </p:nvPicPr>
+        <p:blipFill>
+          <a:blip r:embed="rId6">
+            <a:extLst>
+              <a:ext uri="{28A0092B-C50C-407E-A947-70E740481C1C}">
+                <a14:useLocalDpi xmlns:a14="http://schemas.microsoft.com/office/drawing/2010/main" val="0"/>
+              </a:ext>
+            </a:extLst>
+          </a:blip>
+          <a:srcRect/>
+          <a:stretch>
+            <a:fillRect/>
+          </a:stretch>
+        </p:blipFill>
+        <p:spPr bwMode="auto">
+          <a:xfrm>
+            <a:off x="8287496" y="1532896"/>
+            <a:ext cx="3558135" cy="2367777"/>
+          </a:xfrm>
+          <a:prstGeom prst="rect">
+            <a:avLst/>
+          </a:prstGeom>
+          <a:noFill/>
+          <a:extLst>
+            <a:ext uri="{909E8E84-426E-40DD-AFC4-6F175D3DCCD1}">
+              <a14:hiddenFill xmlns:a14="http://schemas.microsoft.com/office/drawing/2010/main">
+                <a:solidFill>
+                  <a:srgbClr val="FFFFFF"/>
+                </a:solidFill>
+              </a14:hiddenFill>
+            </a:ext>
+          </a:extLst>
+        </p:spPr>
+      </p:pic>
+      <p:pic>
+        <p:nvPicPr>
+          <p:cNvPr id="1028" name="Picture 4" descr="Image result for brighton">
+            <a:extLst>
+              <a:ext uri="{FF2B5EF4-FFF2-40B4-BE49-F238E27FC236}">
+                <a16:creationId xmlns:a16="http://schemas.microsoft.com/office/drawing/2014/main" id="{2ED57363-BA70-4160-8F4B-231060713F6E}"/>
+              </a:ext>
+            </a:extLst>
+          </p:cNvPr>
+          <p:cNvPicPr>
+            <a:picLocks noChangeAspect="1" noChangeArrowheads="1"/>
+          </p:cNvPicPr>
+          <p:nvPr/>
+        </p:nvPicPr>
+        <p:blipFill>
+          <a:blip r:embed="rId7">
+            <a:extLst>
+              <a:ext uri="{28A0092B-C50C-407E-A947-70E740481C1C}">
+                <a14:useLocalDpi xmlns:a14="http://schemas.microsoft.com/office/drawing/2010/main" val="0"/>
+              </a:ext>
+            </a:extLst>
+          </a:blip>
+          <a:srcRect/>
+          <a:stretch>
+            <a:fillRect/>
+          </a:stretch>
+        </p:blipFill>
+        <p:spPr bwMode="auto">
+          <a:xfrm>
+            <a:off x="8320957" y="4122993"/>
+            <a:ext cx="3525929" cy="2367777"/>
+          </a:xfrm>
+          <a:prstGeom prst="rect">
+            <a:avLst/>
+          </a:prstGeom>
+          <a:noFill/>
+          <a:extLst>
+            <a:ext uri="{909E8E84-426E-40DD-AFC4-6F175D3DCCD1}">
+              <a14:hiddenFill xmlns:a14="http://schemas.microsoft.com/office/drawing/2010/main">
+                <a:solidFill>
+                  <a:srgbClr val="FFFFFF"/>
+                </a:solidFill>
+              </a14:hiddenFill>
+            </a:ext>
+          </a:extLst>
+        </p:spPr>
+      </p:pic>
+      <p:sp>
+        <p:nvSpPr>
+          <p:cNvPr id="4" name="Speech Bubble: Rectangle with Corners Rounded 3">
+            <a:extLst>
+              <a:ext uri="{FF2B5EF4-FFF2-40B4-BE49-F238E27FC236}">
+                <a16:creationId xmlns:a16="http://schemas.microsoft.com/office/drawing/2014/main" id="{2FD6A9AF-E098-4548-AC1C-F3DF2FDE9828}"/>
+              </a:ext>
+            </a:extLst>
+          </p:cNvPr>
+          <p:cNvSpPr/>
+          <p:nvPr/>
+        </p:nvSpPr>
+        <p:spPr>
+          <a:xfrm>
+            <a:off x="5837051" y="563040"/>
+            <a:ext cx="5944823" cy="718497"/>
+          </a:xfrm>
+          <a:prstGeom prst="wedgeRoundRectCallout">
+            <a:avLst/>
+          </a:prstGeom>
+        </p:spPr>
+        <p:style>
+          <a:lnRef idx="2">
+            <a:schemeClr val="accent1">
+              <a:shade val="50000"/>
+            </a:schemeClr>
+          </a:lnRef>
+          <a:fillRef idx="1">
+            <a:schemeClr val="accent1"/>
+          </a:fillRef>
+          <a:effectRef idx="0">
+            <a:schemeClr val="accent1"/>
+          </a:effectRef>
+          <a:fontRef idx="minor">
+            <a:schemeClr val="lt1"/>
+          </a:fontRef>
+        </p:style>
+        <p:txBody>
+          <a:bodyPr rtlCol="0" anchor="ctr"/>
+          <a:lstStyle/>
+          <a:p>
             <a:pPr algn="ctr"/>
             <a:r>
-              <a:rPr lang="en-GB" sz="6600" dirty="0">
+              <a:rPr lang="en-GB" sz="3200" dirty="0"/>
+              <a:t>Where/what were you in 1979?</a:t>
+            </a:r>
+          </a:p>
+        </p:txBody>
+      </p:sp>
+      <p:sp>
+        <p:nvSpPr>
+          <p:cNvPr id="5" name="TextBox 4">
+            <a:extLst>
+              <a:ext uri="{FF2B5EF4-FFF2-40B4-BE49-F238E27FC236}">
+                <a16:creationId xmlns:a16="http://schemas.microsoft.com/office/drawing/2014/main" id="{B146C545-2A2F-48B4-9694-D05FBB2AB9B7}"/>
+              </a:ext>
+            </a:extLst>
+          </p:cNvPr>
+          <p:cNvSpPr txBox="1"/>
+          <p:nvPr/>
+        </p:nvSpPr>
+        <p:spPr>
+          <a:xfrm>
+            <a:off x="8529905" y="3196369"/>
+            <a:ext cx="2998850" cy="707886"/>
+          </a:xfrm>
+          <a:prstGeom prst="rect">
+            <a:avLst/>
+          </a:prstGeom>
+          <a:noFill/>
+        </p:spPr>
+        <p:txBody>
+          <a:bodyPr wrap="square" rtlCol="0">
+            <a:spAutoFit/>
+          </a:bodyPr>
+          <a:lstStyle/>
+          <a:p>
+            <a:r>
+              <a:rPr lang="en-GB" sz="4000" dirty="0">
                 <a:solidFill>
                   <a:schemeClr val="bg1"/>
+                </a:solidFill>
+              </a:rPr>
+              <a:t>Brighton, UK</a:t>
+            </a:r>
+          </a:p>
+        </p:txBody>
+      </p:sp>
+      <p:sp>
+        <p:nvSpPr>
+          <p:cNvPr id="17" name="TextBox 16">
+            <a:extLst>
+              <a:ext uri="{FF2B5EF4-FFF2-40B4-BE49-F238E27FC236}">
+                <a16:creationId xmlns:a16="http://schemas.microsoft.com/office/drawing/2014/main" id="{8E99F2E8-7996-4F2E-83DD-1511AC1FFB48}"/>
+              </a:ext>
+            </a:extLst>
+          </p:cNvPr>
+          <p:cNvSpPr txBox="1"/>
+          <p:nvPr/>
+        </p:nvSpPr>
+        <p:spPr>
+          <a:xfrm>
+            <a:off x="8529905" y="5884479"/>
+            <a:ext cx="3251438" cy="523220"/>
+          </a:xfrm>
+          <a:prstGeom prst="rect">
+            <a:avLst/>
+          </a:prstGeom>
+          <a:noFill/>
+        </p:spPr>
+        <p:txBody>
+          <a:bodyPr wrap="square" rtlCol="0">
+            <a:spAutoFit/>
+          </a:bodyPr>
+          <a:lstStyle/>
+          <a:p>
+            <a:r>
+              <a:rPr lang="en-GB" sz="2800" dirty="0">
+                <a:solidFill>
+                  <a:schemeClr val="bg1"/>
+                </a:solidFill>
+              </a:rPr>
+              <a:t>The English Channel</a:t>
+            </a:r>
+          </a:p>
+        </p:txBody>
+      </p:sp>
+      <p:sp>
+        <p:nvSpPr>
+          <p:cNvPr id="6" name="TextBox 5">
+            <a:extLst>
+              <a:ext uri="{FF2B5EF4-FFF2-40B4-BE49-F238E27FC236}">
+                <a16:creationId xmlns:a16="http://schemas.microsoft.com/office/drawing/2014/main" id="{345D58C5-E16D-42B4-8240-1129ACD27D37}"/>
+              </a:ext>
+            </a:extLst>
+          </p:cNvPr>
+          <p:cNvSpPr txBox="1"/>
+          <p:nvPr/>
+        </p:nvSpPr>
+        <p:spPr>
+          <a:xfrm>
+            <a:off x="713859" y="584084"/>
+            <a:ext cx="5152434" cy="400110"/>
+          </a:xfrm>
+          <a:prstGeom prst="rect">
+            <a:avLst/>
+          </a:prstGeom>
+          <a:noFill/>
+        </p:spPr>
+        <p:txBody>
+          <a:bodyPr wrap="square" rtlCol="0">
+            <a:spAutoFit/>
+          </a:bodyPr>
+          <a:lstStyle/>
+          <a:p>
+            <a:r>
+              <a:rPr lang="en-GB" sz="2000" b="1" dirty="0">
+                <a:solidFill>
+                  <a:srgbClr val="2196F3"/>
                 </a:solidFill>
                 <a:latin typeface="Segoe UI" panose="020B0502040204020203" pitchFamily="34" charset="0"/>
                 <a:cs typeface="Segoe UI" panose="020B0502040204020203" pitchFamily="34" charset="0"/>
               </a:rPr>
-              <a:t>WP REST API &amp; AJAX</a:t>
-            </a:r>
-          </a:p>
-        </p:txBody>
-      </p:sp>
-      <p:sp>
-        <p:nvSpPr>
-          <p:cNvPr id="4" name="Content Placeholder 2">
-            <a:extLst>
-              <a:ext uri="{FF2B5EF4-FFF2-40B4-BE49-F238E27FC236}">
-                <a16:creationId xmlns:a16="http://schemas.microsoft.com/office/drawing/2014/main" id="{088CCB65-11B4-408B-9ED3-1304FE85032F}"/>
-              </a:ext>
-            </a:extLst>
-          </p:cNvPr>
-          <p:cNvSpPr>
-            <a:spLocks noGrp="1"/>
-          </p:cNvSpPr>
-          <p:nvPr>
-            <p:ph idx="1"/>
-          </p:nvPr>
+              <a:t>58 in human years – 243 in tech years</a:t>
+            </a:r>
+          </a:p>
+        </p:txBody>
+      </p:sp>
+      <p:cxnSp>
+        <p:nvCxnSpPr>
+          <p:cNvPr id="9" name="Straight Arrow Connector 8">
+            <a:extLst>
+              <a:ext uri="{FF2B5EF4-FFF2-40B4-BE49-F238E27FC236}">
+                <a16:creationId xmlns:a16="http://schemas.microsoft.com/office/drawing/2014/main" id="{CF93C976-3C1F-4C74-9D39-90DABBE18BB7}"/>
+              </a:ext>
+            </a:extLst>
+          </p:cNvPr>
+          <p:cNvCxnSpPr>
+            <a:cxnSpLocks/>
+          </p:cNvCxnSpPr>
+          <p:nvPr/>
+        </p:nvCxnSpPr>
+        <p:spPr>
+          <a:xfrm flipH="1" flipV="1">
+            <a:off x="8672218" y="4142117"/>
+            <a:ext cx="682807" cy="748283"/>
+          </a:xfrm>
+          <a:prstGeom prst="straightConnector1">
+            <a:avLst/>
+          </a:prstGeom>
+          <a:ln w="50800">
+            <a:solidFill>
+              <a:schemeClr val="bg1"/>
+            </a:solidFill>
+            <a:tailEnd type="triangle"/>
+          </a:ln>
+        </p:spPr>
+        <p:style>
+          <a:lnRef idx="3">
+            <a:schemeClr val="accent1"/>
+          </a:lnRef>
+          <a:fillRef idx="0">
+            <a:schemeClr val="accent1"/>
+          </a:fillRef>
+          <a:effectRef idx="2">
+            <a:schemeClr val="accent1"/>
+          </a:effectRef>
+          <a:fontRef idx="minor">
+            <a:schemeClr val="tx1"/>
+          </a:fontRef>
+        </p:style>
+      </p:cxnSp>
+      <p:sp>
+        <p:nvSpPr>
+          <p:cNvPr id="10" name="TextBox 9">
+            <a:extLst>
+              <a:ext uri="{FF2B5EF4-FFF2-40B4-BE49-F238E27FC236}">
+                <a16:creationId xmlns:a16="http://schemas.microsoft.com/office/drawing/2014/main" id="{C6D2AB8D-F566-4A3A-ABB8-05B92FD0E743}"/>
+              </a:ext>
+            </a:extLst>
+          </p:cNvPr>
+          <p:cNvSpPr txBox="1"/>
+          <p:nvPr/>
         </p:nvSpPr>
         <p:spPr>
           <a:xfrm>
-            <a:off x="838200" y="1325563"/>
-            <a:ext cx="10515600" cy="4919125"/>
-          </a:xfrm>
-        </p:spPr>
-        <p:txBody>
-          <a:bodyPr wrap="square" bIns="252000">
-            <a:normAutofit/>
+            <a:off x="8066040" y="5058423"/>
+            <a:ext cx="1845578" cy="369332"/>
+          </a:xfrm>
+          <a:prstGeom prst="rect">
+            <a:avLst/>
+          </a:prstGeom>
+          <a:noFill/>
+        </p:spPr>
+        <p:txBody>
+          <a:bodyPr wrap="square" rtlCol="0">
+            <a:spAutoFit/>
           </a:bodyPr>
           <a:lstStyle/>
           <a:p>
-            <a:pPr marL="457200" lvl="1" indent="0">
-              <a:buNone/>
-            </a:pPr>
-            <a:endParaRPr lang="en-GB" sz="300" dirty="0">
-              <a:solidFill>
-                <a:srgbClr val="2196F3"/>
-              </a:solidFill>
-              <a:latin typeface="Segoe UI" panose="020B0502040204020203" pitchFamily="34" charset="0"/>
-              <a:cs typeface="Segoe UI" panose="020B0502040204020203" pitchFamily="34" charset="0"/>
-            </a:endParaRPr>
-          </a:p>
-          <a:p>
-            <a:pPr marL="457200" lvl="1" indent="0">
-              <a:buNone/>
-            </a:pPr>
-            <a:r>
-              <a:rPr lang="en-GB" sz="4800" dirty="0">
-                <a:solidFill>
-                  <a:srgbClr val="2196F3"/>
-                </a:solidFill>
-                <a:latin typeface="Segoe UI" panose="020B0502040204020203" pitchFamily="34" charset="0"/>
-                <a:cs typeface="Segoe UI" panose="020B0502040204020203" pitchFamily="34" charset="0"/>
-              </a:rPr>
-              <a:t>Craig West</a:t>
-            </a:r>
-            <a:endParaRPr lang="en-GB" sz="1100" dirty="0">
-              <a:solidFill>
-                <a:srgbClr val="2196F3"/>
-              </a:solidFill>
-              <a:latin typeface="Segoe UI" panose="020B0502040204020203" pitchFamily="34" charset="0"/>
-              <a:cs typeface="Segoe UI" panose="020B0502040204020203" pitchFamily="34" charset="0"/>
-            </a:endParaRPr>
-          </a:p>
-          <a:p>
-            <a:pPr marL="457200" lvl="1" indent="0">
-              <a:buNone/>
-            </a:pPr>
-            <a:r>
-              <a:rPr lang="en-GB" sz="4000" dirty="0">
-                <a:solidFill>
-                  <a:srgbClr val="2196F3"/>
-                </a:solidFill>
-                <a:latin typeface="Segoe UI" panose="020B0502040204020203" pitchFamily="34" charset="0"/>
-                <a:cs typeface="Segoe UI" panose="020B0502040204020203" pitchFamily="34" charset="0"/>
-              </a:rPr>
-              <a:t>Feel free to contact me: </a:t>
-            </a:r>
-            <a:r>
-              <a:rPr lang="en-GB" sz="4000" b="1" dirty="0">
-                <a:solidFill>
-                  <a:srgbClr val="FFC000"/>
-                </a:solidFill>
-                <a:latin typeface="Segoe UI" panose="020B0502040204020203" pitchFamily="34" charset="0"/>
-                <a:cs typeface="Segoe UI" panose="020B0502040204020203" pitchFamily="34" charset="0"/>
-                <a:hlinkClick r:id="rId2"/>
-              </a:rPr>
-              <a:t>craig@wpjs.co.uk</a:t>
-            </a:r>
-            <a:endParaRPr lang="en-GB" sz="600" b="1" dirty="0">
-              <a:solidFill>
-                <a:srgbClr val="FFC000"/>
-              </a:solidFill>
-              <a:latin typeface="Segoe UI" panose="020B0502040204020203" pitchFamily="34" charset="0"/>
-              <a:cs typeface="Segoe UI" panose="020B0502040204020203" pitchFamily="34" charset="0"/>
-            </a:endParaRPr>
-          </a:p>
-          <a:p>
-            <a:pPr marL="457200" lvl="1" indent="0">
-              <a:buNone/>
-            </a:pPr>
-            <a:endParaRPr lang="en-GB" sz="300" dirty="0">
-              <a:solidFill>
-                <a:srgbClr val="2196F3"/>
-              </a:solidFill>
-              <a:latin typeface="Segoe UI" panose="020B0502040204020203" pitchFamily="34" charset="0"/>
-              <a:cs typeface="Segoe UI" panose="020B0502040204020203" pitchFamily="34" charset="0"/>
-            </a:endParaRPr>
-          </a:p>
-          <a:p>
-            <a:pPr marL="457200" lvl="1" indent="0">
-              <a:buNone/>
-            </a:pPr>
-            <a:r>
-              <a:rPr lang="en-GB" b="1" dirty="0">
-                <a:solidFill>
-                  <a:srgbClr val="2196F3"/>
-                </a:solidFill>
-                <a:latin typeface="Segoe UI" panose="020B0502040204020203" pitchFamily="34" charset="0"/>
-                <a:cs typeface="Segoe UI" panose="020B0502040204020203" pitchFamily="34" charset="0"/>
-              </a:rPr>
-              <a:t>RESOURCE PACK with course files, handbook, slides:</a:t>
-            </a:r>
-          </a:p>
-          <a:p>
-            <a:pPr marL="457200" lvl="1" indent="0">
-              <a:buNone/>
-            </a:pPr>
-            <a:endParaRPr lang="en-GB" sz="200" b="1" dirty="0">
-              <a:solidFill>
-                <a:srgbClr val="2196F3"/>
-              </a:solidFill>
-              <a:latin typeface="Segoe UI" panose="020B0502040204020203" pitchFamily="34" charset="0"/>
-              <a:cs typeface="Segoe UI" panose="020B0502040204020203" pitchFamily="34" charset="0"/>
-            </a:endParaRPr>
-          </a:p>
-          <a:p>
-            <a:pPr lvl="1"/>
-            <a:r>
-              <a:rPr lang="en-GB" sz="3200" b="1" dirty="0">
-                <a:solidFill>
-                  <a:srgbClr val="FF0000"/>
-                </a:solidFill>
-                <a:latin typeface="Segoe UI" panose="020B0502040204020203" pitchFamily="34" charset="0"/>
-                <a:cs typeface="Segoe UI" panose="020B0502040204020203" pitchFamily="34" charset="0"/>
-                <a:hlinkClick r:id="rId3">
-                  <a:extLst>
-                    <a:ext uri="{A12FA001-AC4F-418D-AE19-62706E023703}">
-                      <ahyp:hlinkClr xmlns:ahyp="http://schemas.microsoft.com/office/drawing/2018/hyperlinkcolor" val="tx"/>
-                    </a:ext>
-                  </a:extLst>
-                </a:hlinkClick>
-              </a:rPr>
-              <a:t>https://github.com/iwswordpress/rest</a:t>
-            </a:r>
-            <a:endParaRPr lang="en-GB" sz="3200" b="1" dirty="0">
-              <a:solidFill>
-                <a:srgbClr val="FF0000"/>
-              </a:solidFill>
-              <a:latin typeface="Segoe UI" panose="020B0502040204020203" pitchFamily="34" charset="0"/>
-              <a:cs typeface="Segoe UI" panose="020B0502040204020203" pitchFamily="34" charset="0"/>
-            </a:endParaRPr>
-          </a:p>
-          <a:p>
-            <a:pPr lvl="1"/>
-            <a:r>
-              <a:rPr lang="en-GB" sz="3200" b="1" dirty="0">
-                <a:solidFill>
-                  <a:srgbClr val="FF0000"/>
-                </a:solidFill>
-                <a:latin typeface="Segoe UI" panose="020B0502040204020203" pitchFamily="34" charset="0"/>
-                <a:cs typeface="Segoe UI" panose="020B0502040204020203" pitchFamily="34" charset="0"/>
-                <a:hlinkClick r:id="rId4">
-                  <a:extLst>
-                    <a:ext uri="{A12FA001-AC4F-418D-AE19-62706E023703}">
-                      <ahyp:hlinkClr xmlns:ahyp="http://schemas.microsoft.com/office/drawing/2018/hyperlinkcolor" val="tx"/>
-                    </a:ext>
-                  </a:extLst>
-                </a:hlinkClick>
-              </a:rPr>
-              <a:t>https://wpjs.co.uk/rest.zip</a:t>
-            </a:r>
-            <a:endParaRPr lang="en-GB" sz="3200" b="1" dirty="0">
-              <a:solidFill>
-                <a:srgbClr val="FF0000"/>
-              </a:solidFill>
-              <a:latin typeface="Segoe UI" panose="020B0502040204020203" pitchFamily="34" charset="0"/>
-              <a:cs typeface="Segoe UI" panose="020B0502040204020203" pitchFamily="34" charset="0"/>
-            </a:endParaRPr>
-          </a:p>
-          <a:p>
-            <a:pPr marL="457200" lvl="1" indent="0">
-              <a:buNone/>
-            </a:pPr>
-            <a:endParaRPr lang="en-GB" sz="1400" b="1" dirty="0">
-              <a:solidFill>
-                <a:srgbClr val="FF0000"/>
-              </a:solidFill>
-              <a:latin typeface="Segoe UI" panose="020B0502040204020203" pitchFamily="34" charset="0"/>
-              <a:cs typeface="Segoe UI" panose="020B0502040204020203" pitchFamily="34" charset="0"/>
-            </a:endParaRPr>
-          </a:p>
-          <a:p>
-            <a:pPr lvl="1"/>
-            <a:r>
-              <a:rPr lang="en-GB" sz="2800" dirty="0">
-                <a:solidFill>
-                  <a:srgbClr val="2196F3"/>
-                </a:solidFill>
-                <a:latin typeface="Segoe UI" panose="020B0502040204020203" pitchFamily="34" charset="0"/>
-                <a:cs typeface="Segoe UI" panose="020B0502040204020203" pitchFamily="34" charset="0"/>
-              </a:rPr>
-              <a:t>Live site: </a:t>
-            </a:r>
-            <a:r>
-              <a:rPr lang="en-GB" sz="2800" dirty="0">
-                <a:solidFill>
-                  <a:srgbClr val="2196F3"/>
-                </a:solidFill>
-                <a:latin typeface="Segoe UI" panose="020B0502040204020203" pitchFamily="34" charset="0"/>
-                <a:cs typeface="Segoe UI" panose="020B0502040204020203" pitchFamily="34" charset="0"/>
-                <a:hlinkClick r:id="rId5"/>
-              </a:rPr>
-              <a:t>https://49plus.co.uk/udemy/</a:t>
-            </a:r>
-            <a:endParaRPr lang="en-GB" sz="2800" dirty="0">
-              <a:solidFill>
-                <a:srgbClr val="2196F3"/>
-              </a:solidFill>
-              <a:latin typeface="Segoe UI" panose="020B0502040204020203" pitchFamily="34" charset="0"/>
-              <a:cs typeface="Segoe UI" panose="020B0502040204020203" pitchFamily="34" charset="0"/>
-            </a:endParaRPr>
-          </a:p>
-          <a:p>
-            <a:pPr lvl="1"/>
-            <a:r>
-              <a:rPr lang="en-GB" sz="2800" dirty="0">
-                <a:solidFill>
-                  <a:srgbClr val="2196F3"/>
-                </a:solidFill>
-                <a:latin typeface="Segoe UI" panose="020B0502040204020203" pitchFamily="34" charset="0"/>
-                <a:cs typeface="Segoe UI" panose="020B0502040204020203" pitchFamily="34" charset="0"/>
-                <a:hlinkClick r:id="rId5"/>
-              </a:rPr>
-              <a:t>https://49plus.co.uk/udemy/login</a:t>
-            </a:r>
-            <a:r>
-              <a:rPr lang="en-GB" sz="2800" dirty="0">
-                <a:solidFill>
-                  <a:srgbClr val="2196F3"/>
-                </a:solidFill>
-                <a:latin typeface="Segoe UI" panose="020B0502040204020203" pitchFamily="34" charset="0"/>
-                <a:cs typeface="Segoe UI" panose="020B0502040204020203" pitchFamily="34" charset="0"/>
-              </a:rPr>
-              <a:t>  </a:t>
-            </a:r>
-          </a:p>
-          <a:p>
-            <a:pPr lvl="1"/>
-            <a:r>
-              <a:rPr lang="en-GB" sz="2800" dirty="0">
-                <a:solidFill>
-                  <a:srgbClr val="2196F3"/>
-                </a:solidFill>
-                <a:latin typeface="Segoe UI" panose="020B0502040204020203" pitchFamily="34" charset="0"/>
-                <a:cs typeface="Segoe UI" panose="020B0502040204020203" pitchFamily="34" charset="0"/>
-              </a:rPr>
-              <a:t>user: </a:t>
-            </a:r>
-            <a:r>
-              <a:rPr lang="en-GB" sz="2800" b="1" dirty="0">
-                <a:solidFill>
-                  <a:srgbClr val="2196F3"/>
-                </a:solidFill>
-                <a:latin typeface="Segoe UI" panose="020B0502040204020203" pitchFamily="34" charset="0"/>
-                <a:cs typeface="Segoe UI" panose="020B0502040204020203" pitchFamily="34" charset="0"/>
-              </a:rPr>
-              <a:t>demo</a:t>
-            </a:r>
-            <a:r>
-              <a:rPr lang="en-GB" sz="2800" dirty="0">
-                <a:solidFill>
-                  <a:srgbClr val="2196F3"/>
-                </a:solidFill>
-                <a:latin typeface="Segoe UI" panose="020B0502040204020203" pitchFamily="34" charset="0"/>
-                <a:cs typeface="Segoe UI" panose="020B0502040204020203" pitchFamily="34" charset="0"/>
-              </a:rPr>
-              <a:t> </a:t>
-            </a:r>
-            <a:r>
-              <a:rPr lang="en-GB" sz="2800" dirty="0" err="1">
-                <a:solidFill>
-                  <a:srgbClr val="2196F3"/>
-                </a:solidFill>
-                <a:latin typeface="Segoe UI" panose="020B0502040204020203" pitchFamily="34" charset="0"/>
-                <a:cs typeface="Segoe UI" panose="020B0502040204020203" pitchFamily="34" charset="0"/>
-              </a:rPr>
-              <a:t>pwd</a:t>
-            </a:r>
-            <a:r>
-              <a:rPr lang="en-GB" sz="2800" dirty="0">
-                <a:solidFill>
-                  <a:srgbClr val="2196F3"/>
-                </a:solidFill>
-                <a:latin typeface="Segoe UI" panose="020B0502040204020203" pitchFamily="34" charset="0"/>
-                <a:cs typeface="Segoe UI" panose="020B0502040204020203" pitchFamily="34" charset="0"/>
-              </a:rPr>
-              <a:t>: </a:t>
-            </a:r>
-            <a:r>
-              <a:rPr lang="en-GB" sz="2800" b="1" dirty="0">
-                <a:solidFill>
-                  <a:srgbClr val="2196F3"/>
-                </a:solidFill>
-                <a:latin typeface="Segoe UI" panose="020B0502040204020203" pitchFamily="34" charset="0"/>
-                <a:cs typeface="Segoe UI" panose="020B0502040204020203" pitchFamily="34" charset="0"/>
-              </a:rPr>
-              <a:t>demo</a:t>
-            </a:r>
-          </a:p>
-          <a:p>
-            <a:pPr marL="457200" lvl="1" indent="0">
-              <a:buNone/>
-            </a:pPr>
-            <a:endParaRPr lang="en-GB" sz="6700" dirty="0">
-              <a:solidFill>
-                <a:srgbClr val="2196F3"/>
-              </a:solidFill>
-              <a:latin typeface="Segoe UI" panose="020B0502040204020203" pitchFamily="34" charset="0"/>
-              <a:cs typeface="Segoe UI" panose="020B0502040204020203" pitchFamily="34" charset="0"/>
-            </a:endParaRPr>
-          </a:p>
-          <a:p>
-            <a:pPr marL="457200" lvl="1" indent="0">
-              <a:buNone/>
-            </a:pPr>
-            <a:endParaRPr lang="en-GB" sz="6700" dirty="0">
-              <a:latin typeface="Segoe UI" panose="020B0502040204020203" pitchFamily="34" charset="0"/>
-              <a:cs typeface="Segoe UI" panose="020B0502040204020203" pitchFamily="34" charset="0"/>
-            </a:endParaRPr>
-          </a:p>
-          <a:p>
-            <a:pPr marL="0" indent="0">
-              <a:buNone/>
-            </a:pPr>
-            <a:endParaRPr lang="en-GB" dirty="0">
-              <a:latin typeface="Segoe UI" panose="020B0502040204020203" pitchFamily="34" charset="0"/>
-              <a:cs typeface="Segoe UI" panose="020B0502040204020203" pitchFamily="34" charset="0"/>
-            </a:endParaRPr>
-          </a:p>
-          <a:p>
-            <a:endParaRPr lang="en-GB" dirty="0">
-              <a:latin typeface="Segoe UI" panose="020B0502040204020203" pitchFamily="34" charset="0"/>
-              <a:cs typeface="Segoe UI" panose="020B0502040204020203" pitchFamily="34" charset="0"/>
-            </a:endParaRPr>
+            <a:pPr algn="ctr"/>
+            <a:r>
+              <a:rPr lang="en-GB" dirty="0">
+                <a:solidFill>
+                  <a:schemeClr val="bg1"/>
+                </a:solidFill>
+                <a:highlight>
+                  <a:srgbClr val="0000FF"/>
+                </a:highlight>
+              </a:rPr>
+              <a:t>15 min walk</a:t>
+            </a:r>
           </a:p>
         </p:txBody>
       </p:sp>
     </p:spTree>
     <p:extLst>
       <p:ext uri="{BB962C8B-B14F-4D97-AF65-F5344CB8AC3E}">
-        <p14:creationId xmlns:p14="http://schemas.microsoft.com/office/powerpoint/2010/main" val="3130116363"/>
+        <p14:creationId xmlns:p14="http://schemas.microsoft.com/office/powerpoint/2010/main" val="2449607764"/>
       </p:ext>
     </p:extLst>
   </p:cSld>
@@ -7438,84 +6496,12 @@
           <a:chExt cx="0" cy="0"/>
         </a:xfrm>
       </p:grpSpPr>
-      <p:pic>
-        <p:nvPicPr>
-          <p:cNvPr id="16" name="Picture 15" descr="A close up of a typewriter&#10;&#10;Description automatically generated">
-            <a:extLst>
-              <a:ext uri="{FF2B5EF4-FFF2-40B4-BE49-F238E27FC236}">
-                <a16:creationId xmlns:a16="http://schemas.microsoft.com/office/drawing/2014/main" id="{16FE7CA4-EC3F-42CD-BDD7-9DB299CE9A72}"/>
-              </a:ext>
-            </a:extLst>
-          </p:cNvPr>
-          <p:cNvPicPr>
-            <a:picLocks noChangeAspect="1"/>
-          </p:cNvPicPr>
-          <p:nvPr/>
-        </p:nvPicPr>
-        <p:blipFill>
-          <a:blip r:embed="rId2">
-            <a:extLst>
-              <a:ext uri="{28A0092B-C50C-407E-A947-70E740481C1C}">
-                <a14:useLocalDpi xmlns:a14="http://schemas.microsoft.com/office/drawing/2010/main" val="0"/>
-              </a:ext>
-            </a:extLst>
-          </a:blip>
-          <a:stretch>
-            <a:fillRect/>
-          </a:stretch>
-        </p:blipFill>
-        <p:spPr>
-          <a:xfrm>
-            <a:off x="713859" y="2405825"/>
-            <a:ext cx="2068860" cy="2762035"/>
-          </a:xfrm>
-          <a:prstGeom prst="rect">
-            <a:avLst/>
-          </a:prstGeom>
-        </p:spPr>
-      </p:pic>
-      <p:pic>
-        <p:nvPicPr>
-          <p:cNvPr id="19" name="Picture 18" descr="A picture containing wall, indoor, table, cup&#10;&#10;Description automatically generated">
-            <a:extLst>
-              <a:ext uri="{FF2B5EF4-FFF2-40B4-BE49-F238E27FC236}">
-                <a16:creationId xmlns:a16="http://schemas.microsoft.com/office/drawing/2014/main" id="{CC8D6E43-818C-421B-8A10-E6255328A2FA}"/>
-              </a:ext>
-            </a:extLst>
-          </p:cNvPr>
-          <p:cNvPicPr>
-            <a:picLocks noChangeAspect="1"/>
-          </p:cNvPicPr>
-          <p:nvPr/>
-        </p:nvPicPr>
-        <p:blipFill>
-          <a:blip r:embed="rId3">
-            <a:extLst>
-              <a:ext uri="{28A0092B-C50C-407E-A947-70E740481C1C}">
-                <a14:useLocalDpi xmlns:a14="http://schemas.microsoft.com/office/drawing/2010/main" val="0"/>
-              </a:ext>
-            </a:extLst>
-          </a:blip>
-          <a:stretch>
-            <a:fillRect/>
-          </a:stretch>
-        </p:blipFill>
-        <p:spPr>
-          <a:xfrm>
-            <a:off x="684617" y="4510160"/>
-            <a:ext cx="2647950" cy="1765554"/>
-          </a:xfrm>
-          <a:prstGeom prst="rect">
-            <a:avLst/>
-          </a:prstGeom>
-        </p:spPr>
-      </p:pic>
-      <p:sp>
-        <p:nvSpPr>
-          <p:cNvPr id="2" name="Title 1">
-            <a:extLst>
-              <a:ext uri="{FF2B5EF4-FFF2-40B4-BE49-F238E27FC236}">
-                <a16:creationId xmlns:a16="http://schemas.microsoft.com/office/drawing/2014/main" id="{CCF59C87-4A75-4C7A-B173-FA04E1A10E70}"/>
+      <p:sp>
+        <p:nvSpPr>
+          <p:cNvPr id="4" name="Content Placeholder 2">
+            <a:extLst>
+              <a:ext uri="{FF2B5EF4-FFF2-40B4-BE49-F238E27FC236}">
+                <a16:creationId xmlns:a16="http://schemas.microsoft.com/office/drawing/2014/main" id="{088CCB65-11B4-408B-9ED3-1304FE85032F}"/>
               </a:ext>
             </a:extLst>
           </p:cNvPr>
@@ -7523,40 +6509,259 @@
             <a:spLocks noGrp="1"/>
           </p:cNvSpPr>
           <p:nvPr>
-            <p:ph type="ctrTitle"/>
+            <p:ph idx="1"/>
           </p:nvPr>
         </p:nvSpPr>
         <p:spPr>
           <a:xfrm>
-            <a:off x="605637" y="1566983"/>
-            <a:ext cx="7681859" cy="1015663"/>
-          </a:xfrm>
-        </p:spPr>
-        <p:txBody>
-          <a:bodyPr>
-            <a:normAutofit fontScale="90000"/>
+            <a:off x="838198" y="801678"/>
+            <a:ext cx="10515600" cy="5718392"/>
+          </a:xfrm>
+        </p:spPr>
+        <p:txBody>
+          <a:bodyPr wrap="square" bIns="252000">
+            <a:normAutofit fontScale="25000" lnSpcReduction="20000"/>
           </a:bodyPr>
           <a:lstStyle/>
           <a:p>
-            <a:r>
-              <a:rPr lang="en-GB" sz="4000" dirty="0"/>
-              <a:t>My start in computing at school in </a:t>
-            </a:r>
-            <a:r>
-              <a:rPr lang="en-GB" sz="4900" b="1" dirty="0">
-                <a:solidFill>
-                  <a:srgbClr val="FF0000"/>
-                </a:solidFill>
-              </a:rPr>
-              <a:t>1979</a:t>
-            </a:r>
-            <a:br>
-              <a:rPr lang="en-GB" sz="4000" dirty="0"/>
-            </a:br>
-            <a:r>
-              <a:rPr lang="en-GB" sz="4000" dirty="0"/>
-              <a:t>    </a:t>
-            </a:r>
+            <a:pPr marL="457200" lvl="1" indent="0">
+              <a:buNone/>
+            </a:pPr>
+            <a:endParaRPr lang="en-GB" sz="1000" dirty="0">
+              <a:solidFill>
+                <a:srgbClr val="2196F3"/>
+              </a:solidFill>
+              <a:latin typeface="Segoe UI" panose="020B0502040204020203" pitchFamily="34" charset="0"/>
+              <a:cs typeface="Segoe UI" panose="020B0502040204020203" pitchFamily="34" charset="0"/>
+            </a:endParaRPr>
+          </a:p>
+          <a:p>
+            <a:pPr marL="457200" lvl="1" indent="0">
+              <a:buNone/>
+            </a:pPr>
+            <a:endParaRPr lang="en-GB" sz="1050" dirty="0">
+              <a:solidFill>
+                <a:srgbClr val="2196F3"/>
+              </a:solidFill>
+              <a:latin typeface="Segoe UI" panose="020B0502040204020203" pitchFamily="34" charset="0"/>
+              <a:cs typeface="Segoe UI" panose="020B0502040204020203" pitchFamily="34" charset="0"/>
+            </a:endParaRPr>
+          </a:p>
+          <a:p>
+            <a:pPr lvl="1">
+              <a:lnSpc>
+                <a:spcPts val="4200"/>
+              </a:lnSpc>
+            </a:pPr>
+            <a:r>
+              <a:rPr lang="en-GB" sz="11200" dirty="0">
+                <a:solidFill>
+                  <a:srgbClr val="2196F3"/>
+                </a:solidFill>
+                <a:latin typeface="Segoe UI" panose="020B0502040204020203" pitchFamily="34" charset="0"/>
+                <a:cs typeface="Segoe UI" panose="020B0502040204020203" pitchFamily="34" charset="0"/>
+              </a:rPr>
+              <a:t>Microsoft Certified Systems Engineer (2000-2003)</a:t>
+            </a:r>
+          </a:p>
+          <a:p>
+            <a:pPr lvl="1">
+              <a:lnSpc>
+                <a:spcPts val="4200"/>
+              </a:lnSpc>
+            </a:pPr>
+            <a:r>
+              <a:rPr lang="en-GB" sz="11200" dirty="0">
+                <a:solidFill>
+                  <a:srgbClr val="2196F3"/>
+                </a:solidFill>
+                <a:latin typeface="Segoe UI" panose="020B0502040204020203" pitchFamily="34" charset="0"/>
+                <a:cs typeface="Segoe UI" panose="020B0502040204020203" pitchFamily="34" charset="0"/>
+              </a:rPr>
+              <a:t>Microsoft Certified Database Administrator (SQL2000)</a:t>
+            </a:r>
+          </a:p>
+          <a:p>
+            <a:pPr lvl="1">
+              <a:lnSpc>
+                <a:spcPts val="4200"/>
+              </a:lnSpc>
+            </a:pPr>
+            <a:r>
+              <a:rPr lang="en-GB" sz="11200" dirty="0">
+                <a:solidFill>
+                  <a:srgbClr val="2196F3"/>
+                </a:solidFill>
+                <a:latin typeface="Segoe UI" panose="020B0502040204020203" pitchFamily="34" charset="0"/>
+                <a:cs typeface="Segoe UI" panose="020B0502040204020203" pitchFamily="34" charset="0"/>
+              </a:rPr>
+              <a:t>Business Information Architect at a UK Recycling Company</a:t>
+            </a:r>
+          </a:p>
+          <a:p>
+            <a:pPr lvl="1">
+              <a:lnSpc>
+                <a:spcPts val="4200"/>
+              </a:lnSpc>
+            </a:pPr>
+            <a:r>
+              <a:rPr lang="en-GB" sz="11200" dirty="0">
+                <a:solidFill>
+                  <a:srgbClr val="2196F3"/>
+                </a:solidFill>
+                <a:latin typeface="Segoe UI" panose="020B0502040204020203" pitchFamily="34" charset="0"/>
+                <a:cs typeface="Segoe UI" panose="020B0502040204020203" pitchFamily="34" charset="0"/>
+              </a:rPr>
+              <a:t>WordPress 2017</a:t>
+            </a:r>
+          </a:p>
+          <a:p>
+            <a:pPr lvl="1">
+              <a:lnSpc>
+                <a:spcPts val="4200"/>
+              </a:lnSpc>
+            </a:pPr>
+            <a:r>
+              <a:rPr lang="en-GB" sz="11200" b="1" dirty="0">
+                <a:solidFill>
+                  <a:srgbClr val="00B050"/>
+                </a:solidFill>
+                <a:latin typeface="Segoe UI" panose="020B0502040204020203" pitchFamily="34" charset="0"/>
+                <a:cs typeface="Segoe UI" panose="020B0502040204020203" pitchFamily="34" charset="0"/>
+              </a:rPr>
+              <a:t>Currently</a:t>
+            </a:r>
+            <a:r>
+              <a:rPr lang="en-GB" sz="11200" dirty="0">
+                <a:solidFill>
+                  <a:srgbClr val="2196F3"/>
+                </a:solidFill>
+                <a:latin typeface="Segoe UI" panose="020B0502040204020203" pitchFamily="34" charset="0"/>
+                <a:cs typeface="Segoe UI" panose="020B0502040204020203" pitchFamily="34" charset="0"/>
+              </a:rPr>
+              <a:t> PWAs(offline/instant websites), Web Components, WordPress-HTML and Mobile Web Optimisation.</a:t>
+            </a:r>
+          </a:p>
+          <a:p>
+            <a:pPr lvl="1">
+              <a:lnSpc>
+                <a:spcPts val="4200"/>
+              </a:lnSpc>
+            </a:pPr>
+            <a:r>
+              <a:rPr lang="en-GB" sz="11200" dirty="0">
+                <a:solidFill>
+                  <a:srgbClr val="2196F3"/>
+                </a:solidFill>
+                <a:latin typeface="Segoe UI" panose="020B0502040204020203" pitchFamily="34" charset="0"/>
+                <a:cs typeface="Segoe UI" panose="020B0502040204020203" pitchFamily="34" charset="0"/>
+              </a:rPr>
+              <a:t>1-3 hour training seminars for companies and groups.</a:t>
+            </a:r>
+          </a:p>
+          <a:p>
+            <a:pPr lvl="1">
+              <a:lnSpc>
+                <a:spcPts val="4200"/>
+              </a:lnSpc>
+            </a:pPr>
+            <a:r>
+              <a:rPr lang="en-GB" sz="16000" dirty="0">
+                <a:solidFill>
+                  <a:srgbClr val="00B050"/>
+                </a:solidFill>
+                <a:latin typeface="Segoe UI" panose="020B0502040204020203" pitchFamily="34" charset="0"/>
+                <a:cs typeface="Segoe UI" panose="020B0502040204020203" pitchFamily="34" charset="0"/>
+              </a:rPr>
+              <a:t>Still just as ‘student’! Still overwhelmed! </a:t>
+            </a:r>
+          </a:p>
+          <a:p>
+            <a:pPr lvl="1">
+              <a:lnSpc>
+                <a:spcPts val="4200"/>
+              </a:lnSpc>
+            </a:pPr>
+            <a:r>
+              <a:rPr lang="en-GB" sz="16000" dirty="0" err="1">
+                <a:solidFill>
+                  <a:srgbClr val="00B050"/>
+                </a:solidFill>
+                <a:latin typeface="Segoe UI" panose="020B0502040204020203" pitchFamily="34" charset="0"/>
+                <a:cs typeface="Segoe UI" panose="020B0502040204020203" pitchFamily="34" charset="0"/>
+              </a:rPr>
+              <a:t>Volounteer</a:t>
+            </a:r>
+            <a:r>
+              <a:rPr lang="en-GB" sz="16000" dirty="0">
+                <a:solidFill>
+                  <a:srgbClr val="00B050"/>
+                </a:solidFill>
+                <a:latin typeface="Segoe UI" panose="020B0502040204020203" pitchFamily="34" charset="0"/>
+                <a:cs typeface="Segoe UI" panose="020B0502040204020203" pitchFamily="34" charset="0"/>
+              </a:rPr>
+              <a:t> Coach at Codebar.io (Brighton)</a:t>
+            </a:r>
+          </a:p>
+          <a:p>
+            <a:pPr marL="457200" lvl="1" indent="0">
+              <a:buNone/>
+            </a:pPr>
+            <a:endParaRPr lang="en-GB" sz="6700" dirty="0">
+              <a:solidFill>
+                <a:srgbClr val="2196F3"/>
+              </a:solidFill>
+              <a:latin typeface="Segoe UI" panose="020B0502040204020203" pitchFamily="34" charset="0"/>
+              <a:cs typeface="Segoe UI" panose="020B0502040204020203" pitchFamily="34" charset="0"/>
+            </a:endParaRPr>
+          </a:p>
+          <a:p>
+            <a:pPr marL="457200" lvl="1" indent="0">
+              <a:buNone/>
+            </a:pPr>
+            <a:endParaRPr lang="en-GB" sz="6700" dirty="0">
+              <a:solidFill>
+                <a:srgbClr val="2196F3"/>
+              </a:solidFill>
+              <a:latin typeface="Segoe UI" panose="020B0502040204020203" pitchFamily="34" charset="0"/>
+              <a:cs typeface="Segoe UI" panose="020B0502040204020203" pitchFamily="34" charset="0"/>
+            </a:endParaRPr>
+          </a:p>
+          <a:p>
+            <a:pPr marL="457200" lvl="1" indent="0">
+              <a:buNone/>
+            </a:pPr>
+            <a:endParaRPr lang="en-GB" sz="6700" dirty="0">
+              <a:solidFill>
+                <a:srgbClr val="2196F3"/>
+              </a:solidFill>
+              <a:latin typeface="Segoe UI" panose="020B0502040204020203" pitchFamily="34" charset="0"/>
+              <a:cs typeface="Segoe UI" panose="020B0502040204020203" pitchFamily="34" charset="0"/>
+            </a:endParaRPr>
+          </a:p>
+          <a:p>
+            <a:pPr marL="457200" lvl="1" indent="0">
+              <a:buNone/>
+            </a:pPr>
+            <a:endParaRPr lang="en-GB" sz="6700" dirty="0">
+              <a:latin typeface="Segoe UI" panose="020B0502040204020203" pitchFamily="34" charset="0"/>
+              <a:cs typeface="Segoe UI" panose="020B0502040204020203" pitchFamily="34" charset="0"/>
+            </a:endParaRPr>
+          </a:p>
+          <a:p>
+            <a:pPr marL="0" indent="0">
+              <a:buNone/>
+            </a:pPr>
+            <a:endParaRPr lang="en-GB" dirty="0">
+              <a:latin typeface="Segoe UI" panose="020B0502040204020203" pitchFamily="34" charset="0"/>
+              <a:cs typeface="Segoe UI" panose="020B0502040204020203" pitchFamily="34" charset="0"/>
+            </a:endParaRPr>
+          </a:p>
+          <a:p>
+            <a:endParaRPr lang="en-GB" dirty="0">
+              <a:latin typeface="Segoe UI" panose="020B0502040204020203" pitchFamily="34" charset="0"/>
+              <a:cs typeface="Segoe UI" panose="020B0502040204020203" pitchFamily="34" charset="0"/>
+            </a:endParaRPr>
           </a:p>
         </p:txBody>
       </p:sp>
@@ -7565,7 +6770,7 @@
           <p:cNvPr id="3" name="TextBox 2">
             <a:extLst>
               <a:ext uri="{FF2B5EF4-FFF2-40B4-BE49-F238E27FC236}">
-                <a16:creationId xmlns:a16="http://schemas.microsoft.com/office/drawing/2014/main" id="{3816F0FF-6206-4FDB-B50E-A5E0A8290985}"/>
+                <a16:creationId xmlns:a16="http://schemas.microsoft.com/office/drawing/2014/main" id="{D373F874-33F7-4988-AE13-A7A123EFA342}"/>
               </a:ext>
             </a:extLst>
           </p:cNvPr>
@@ -7574,8 +6779,8 @@
         </p:nvSpPr>
         <p:spPr>
           <a:xfrm>
-            <a:off x="3587484" y="4475055"/>
-            <a:ext cx="4530797" cy="1477328"/>
+            <a:off x="2641307" y="155347"/>
+            <a:ext cx="6909383" cy="646331"/>
           </a:xfrm>
           <a:prstGeom prst="rect">
             <a:avLst/>
@@ -7589,618 +6794,63 @@
           <a:lstStyle/>
           <a:p>
             <a:r>
-              <a:rPr lang="en-GB" dirty="0"/>
-              <a:t>1980: At University, I studied Chemistry and used MS-DOS, client/server main frame systems.</a:t>
-            </a:r>
-          </a:p>
-          <a:p>
-            <a:endParaRPr lang="en-GB" dirty="0"/>
-          </a:p>
-          <a:p>
-            <a:r>
-              <a:rPr lang="en-GB" dirty="0"/>
-              <a:t>ZX-Spectrum computer and Jupiter Ace.</a:t>
-            </a:r>
-          </a:p>
-        </p:txBody>
-      </p:sp>
-      <p:pic>
-        <p:nvPicPr>
-          <p:cNvPr id="7" name="Picture 6" descr="A close up of a calculator&#10;&#10;Description automatically generated">
-            <a:extLst>
-              <a:ext uri="{FF2B5EF4-FFF2-40B4-BE49-F238E27FC236}">
-                <a16:creationId xmlns:a16="http://schemas.microsoft.com/office/drawing/2014/main" id="{95E6E97F-3325-49C1-8F22-358281B945EF}"/>
-              </a:ext>
-            </a:extLst>
-          </p:cNvPr>
-          <p:cNvPicPr>
-            <a:picLocks noChangeAspect="1"/>
-          </p:cNvPicPr>
+              <a:rPr lang="en-GB" sz="3600" dirty="0">
+                <a:solidFill>
+                  <a:srgbClr val="2196F3"/>
+                </a:solidFill>
+                <a:latin typeface="Segoe UI" panose="020B0502040204020203" pitchFamily="34" charset="0"/>
+                <a:cs typeface="Segoe UI" panose="020B0502040204020203" pitchFamily="34" charset="0"/>
+              </a:rPr>
+              <a:t>In and out of tech over the years</a:t>
+            </a:r>
+          </a:p>
+        </p:txBody>
+      </p:sp>
+      <p:sp>
+        <p:nvSpPr>
+          <p:cNvPr id="2" name="Rectangle 1">
+            <a:extLst>
+              <a:ext uri="{FF2B5EF4-FFF2-40B4-BE49-F238E27FC236}">
+                <a16:creationId xmlns:a16="http://schemas.microsoft.com/office/drawing/2014/main" id="{E6D0A169-4464-4665-9975-B3943769A329}"/>
+              </a:ext>
+            </a:extLst>
+          </p:cNvPr>
+          <p:cNvSpPr/>
           <p:nvPr/>
-        </p:nvPicPr>
-        <p:blipFill>
-          <a:blip r:embed="rId4">
-            <a:extLst>
-              <a:ext uri="{28A0092B-C50C-407E-A947-70E740481C1C}">
-                <a14:useLocalDpi xmlns:a14="http://schemas.microsoft.com/office/drawing/2010/main" val="0"/>
-              </a:ext>
-            </a:extLst>
-          </a:blip>
-          <a:stretch>
-            <a:fillRect/>
-          </a:stretch>
-        </p:blipFill>
+        </p:nvSpPr>
         <p:spPr>
           <a:xfrm>
-            <a:off x="5743558" y="2134895"/>
-            <a:ext cx="2578653" cy="2367793"/>
+            <a:off x="4731203" y="3244334"/>
+            <a:ext cx="2729593" cy="369332"/>
           </a:xfrm>
           <a:prstGeom prst="rect">
             <a:avLst/>
           </a:prstGeom>
         </p:spPr>
-      </p:pic>
-      <p:sp>
-        <p:nvSpPr>
-          <p:cNvPr id="14" name="TextBox 13">
-            <a:extLst>
-              <a:ext uri="{FF2B5EF4-FFF2-40B4-BE49-F238E27FC236}">
-                <a16:creationId xmlns:a16="http://schemas.microsoft.com/office/drawing/2014/main" id="{E4464916-709F-4640-AE4A-E863DD40F8E5}"/>
-              </a:ext>
-            </a:extLst>
-          </p:cNvPr>
-          <p:cNvSpPr txBox="1"/>
-          <p:nvPr/>
-        </p:nvSpPr>
-        <p:spPr>
-          <a:xfrm>
-            <a:off x="6135038" y="6259874"/>
-            <a:ext cx="3103696" cy="261610"/>
-          </a:xfrm>
-          <a:prstGeom prst="rect">
-            <a:avLst/>
-          </a:prstGeom>
-          <a:noFill/>
-        </p:spPr>
-        <p:txBody>
-          <a:bodyPr wrap="square" rtlCol="0">
+        <p:txBody>
+          <a:bodyPr wrap="none">
             <a:spAutoFit/>
           </a:bodyPr>
           <a:lstStyle/>
           <a:p>
             <a:r>
-              <a:rPr lang="en-GB" sz="1100" dirty="0" err="1">
-                <a:solidFill>
-                  <a:srgbClr val="FF0000"/>
-                </a:solidFill>
-              </a:rPr>
-              <a:t>Source:Wikimedia</a:t>
-            </a:r>
-            <a:r>
-              <a:rPr lang="en-GB" sz="1100" dirty="0">
-                <a:solidFill>
-                  <a:srgbClr val="FF0000"/>
-                </a:solidFill>
-              </a:rPr>
-              <a:t> Commons </a:t>
-            </a:r>
-          </a:p>
-        </p:txBody>
-      </p:sp>
-      <p:sp>
-        <p:nvSpPr>
-          <p:cNvPr id="20" name="TextBox 19">
-            <a:extLst>
-              <a:ext uri="{FF2B5EF4-FFF2-40B4-BE49-F238E27FC236}">
-                <a16:creationId xmlns:a16="http://schemas.microsoft.com/office/drawing/2014/main" id="{26D382D3-C4B0-43B6-91E5-8A0DC150A00B}"/>
-              </a:ext>
-            </a:extLst>
-          </p:cNvPr>
-          <p:cNvSpPr txBox="1"/>
-          <p:nvPr/>
-        </p:nvSpPr>
-        <p:spPr>
-          <a:xfrm>
-            <a:off x="1042967" y="6253235"/>
-            <a:ext cx="3103696" cy="261610"/>
-          </a:xfrm>
-          <a:prstGeom prst="rect">
-            <a:avLst/>
-          </a:prstGeom>
-          <a:noFill/>
-        </p:spPr>
-        <p:txBody>
-          <a:bodyPr wrap="square" rtlCol="0">
-            <a:spAutoFit/>
-          </a:bodyPr>
-          <a:lstStyle/>
-          <a:p>
-            <a:r>
-              <a:rPr lang="en-GB" sz="1100" dirty="0" err="1"/>
-              <a:t>Source:Wikimedia</a:t>
-            </a:r>
-            <a:r>
-              <a:rPr lang="en-GB" sz="1100" dirty="0"/>
-              <a:t> Commons </a:t>
-            </a:r>
-          </a:p>
-        </p:txBody>
-      </p:sp>
-      <p:sp>
-        <p:nvSpPr>
-          <p:cNvPr id="24" name="TextBox 23">
-            <a:extLst>
-              <a:ext uri="{FF2B5EF4-FFF2-40B4-BE49-F238E27FC236}">
-                <a16:creationId xmlns:a16="http://schemas.microsoft.com/office/drawing/2014/main" id="{AA0A30FB-0945-4278-8753-6B9D55742D4E}"/>
-              </a:ext>
-            </a:extLst>
-          </p:cNvPr>
-          <p:cNvSpPr txBox="1"/>
-          <p:nvPr/>
-        </p:nvSpPr>
-        <p:spPr>
-          <a:xfrm>
-            <a:off x="870841" y="3419507"/>
-            <a:ext cx="1920953" cy="261610"/>
-          </a:xfrm>
-          <a:prstGeom prst="rect">
-            <a:avLst/>
-          </a:prstGeom>
-          <a:noFill/>
-        </p:spPr>
-        <p:txBody>
-          <a:bodyPr wrap="square" rtlCol="0">
-            <a:spAutoFit/>
-          </a:bodyPr>
-          <a:lstStyle/>
-          <a:p>
-            <a:r>
-              <a:rPr lang="en-GB" sz="1100" dirty="0" err="1">
+              <a:rPr lang="en-GB" dirty="0">
                 <a:solidFill>
                   <a:schemeClr val="bg1"/>
-                </a:solidFill>
-              </a:rPr>
-              <a:t>Source:Wikimedia</a:t>
-            </a:r>
-            <a:r>
-              <a:rPr lang="en-GB" sz="1100" dirty="0">
-                <a:solidFill>
-                  <a:schemeClr val="bg1"/>
-                </a:solidFill>
-              </a:rPr>
-              <a:t> Commons </a:t>
-            </a:r>
-          </a:p>
-        </p:txBody>
-      </p:sp>
-      <p:pic>
-        <p:nvPicPr>
-          <p:cNvPr id="27" name="Picture 26" descr="A close up of a machine&#10;&#10;Description automatically generated">
-            <a:extLst>
-              <a:ext uri="{FF2B5EF4-FFF2-40B4-BE49-F238E27FC236}">
-                <a16:creationId xmlns:a16="http://schemas.microsoft.com/office/drawing/2014/main" id="{94E45426-8ADB-4DBB-904D-303D2A86FF07}"/>
-              </a:ext>
-            </a:extLst>
-          </p:cNvPr>
-          <p:cNvPicPr>
-            <a:picLocks noChangeAspect="1"/>
-          </p:cNvPicPr>
-          <p:nvPr/>
-        </p:nvPicPr>
-        <p:blipFill>
-          <a:blip r:embed="rId5">
-            <a:extLst>
-              <a:ext uri="{28A0092B-C50C-407E-A947-70E740481C1C}">
-                <a14:useLocalDpi xmlns:a14="http://schemas.microsoft.com/office/drawing/2010/main" val="0"/>
-              </a:ext>
-            </a:extLst>
-          </a:blip>
-          <a:stretch>
-            <a:fillRect/>
-          </a:stretch>
-        </p:blipFill>
-        <p:spPr>
-          <a:xfrm>
-            <a:off x="2836975" y="2394842"/>
-            <a:ext cx="2619375" cy="1743075"/>
-          </a:xfrm>
-          <a:prstGeom prst="rect">
-            <a:avLst/>
-          </a:prstGeom>
-        </p:spPr>
-      </p:pic>
-      <p:sp>
-        <p:nvSpPr>
-          <p:cNvPr id="31" name="TextBox 30">
-            <a:extLst>
-              <a:ext uri="{FF2B5EF4-FFF2-40B4-BE49-F238E27FC236}">
-                <a16:creationId xmlns:a16="http://schemas.microsoft.com/office/drawing/2014/main" id="{D13CBD88-7C36-4649-BA85-472BBE038547}"/>
-              </a:ext>
-            </a:extLst>
-          </p:cNvPr>
-          <p:cNvSpPr txBox="1"/>
-          <p:nvPr/>
-        </p:nvSpPr>
-        <p:spPr>
-          <a:xfrm>
-            <a:off x="3097608" y="4168185"/>
-            <a:ext cx="3103696" cy="261610"/>
-          </a:xfrm>
-          <a:prstGeom prst="rect">
-            <a:avLst/>
-          </a:prstGeom>
-          <a:noFill/>
-        </p:spPr>
-        <p:txBody>
-          <a:bodyPr wrap="square" rtlCol="0">
-            <a:spAutoFit/>
-          </a:bodyPr>
-          <a:lstStyle/>
-          <a:p>
-            <a:r>
-              <a:rPr lang="en-GB" sz="1100" dirty="0" err="1"/>
-              <a:t>Source:Wikimedia</a:t>
-            </a:r>
-            <a:r>
-              <a:rPr lang="en-GB" sz="1100" dirty="0"/>
-              <a:t> Commons </a:t>
-            </a:r>
-          </a:p>
-        </p:txBody>
-      </p:sp>
-      <p:pic>
-        <p:nvPicPr>
-          <p:cNvPr id="1026" name="Picture 2" descr="Image result for brighton">
-            <a:extLst>
-              <a:ext uri="{FF2B5EF4-FFF2-40B4-BE49-F238E27FC236}">
-                <a16:creationId xmlns:a16="http://schemas.microsoft.com/office/drawing/2014/main" id="{FACF46E5-7177-4EC0-90B6-2287D648C70E}"/>
-              </a:ext>
-            </a:extLst>
-          </p:cNvPr>
-          <p:cNvPicPr>
-            <a:picLocks noChangeAspect="1" noChangeArrowheads="1"/>
-          </p:cNvPicPr>
-          <p:nvPr/>
-        </p:nvPicPr>
-        <p:blipFill>
-          <a:blip r:embed="rId6">
-            <a:extLst>
-              <a:ext uri="{28A0092B-C50C-407E-A947-70E740481C1C}">
-                <a14:useLocalDpi xmlns:a14="http://schemas.microsoft.com/office/drawing/2010/main" val="0"/>
-              </a:ext>
-            </a:extLst>
-          </a:blip>
-          <a:srcRect/>
-          <a:stretch>
-            <a:fillRect/>
-          </a:stretch>
-        </p:blipFill>
-        <p:spPr bwMode="auto">
-          <a:xfrm>
-            <a:off x="8287496" y="1532896"/>
-            <a:ext cx="3558135" cy="2367777"/>
-          </a:xfrm>
-          <a:prstGeom prst="rect">
-            <a:avLst/>
-          </a:prstGeom>
-          <a:noFill/>
-          <a:extLst>
-            <a:ext uri="{909E8E84-426E-40DD-AFC4-6F175D3DCCD1}">
-              <a14:hiddenFill xmlns:a14="http://schemas.microsoft.com/office/drawing/2010/main">
-                <a:solidFill>
-                  <a:srgbClr val="FFFFFF"/>
-                </a:solidFill>
-              </a14:hiddenFill>
-            </a:ext>
-          </a:extLst>
-        </p:spPr>
-      </p:pic>
-      <p:pic>
-        <p:nvPicPr>
-          <p:cNvPr id="1028" name="Picture 4" descr="Image result for brighton">
-            <a:extLst>
-              <a:ext uri="{FF2B5EF4-FFF2-40B4-BE49-F238E27FC236}">
-                <a16:creationId xmlns:a16="http://schemas.microsoft.com/office/drawing/2014/main" id="{2ED57363-BA70-4160-8F4B-231060713F6E}"/>
-              </a:ext>
-            </a:extLst>
-          </p:cNvPr>
-          <p:cNvPicPr>
-            <a:picLocks noChangeAspect="1" noChangeArrowheads="1"/>
-          </p:cNvPicPr>
-          <p:nvPr/>
-        </p:nvPicPr>
-        <p:blipFill>
-          <a:blip r:embed="rId7">
-            <a:extLst>
-              <a:ext uri="{28A0092B-C50C-407E-A947-70E740481C1C}">
-                <a14:useLocalDpi xmlns:a14="http://schemas.microsoft.com/office/drawing/2010/main" val="0"/>
-              </a:ext>
-            </a:extLst>
-          </a:blip>
-          <a:srcRect/>
-          <a:stretch>
-            <a:fillRect/>
-          </a:stretch>
-        </p:blipFill>
-        <p:spPr bwMode="auto">
-          <a:xfrm>
-            <a:off x="8320957" y="4122993"/>
-            <a:ext cx="3525929" cy="2367777"/>
-          </a:xfrm>
-          <a:prstGeom prst="rect">
-            <a:avLst/>
-          </a:prstGeom>
-          <a:noFill/>
-          <a:extLst>
-            <a:ext uri="{909E8E84-426E-40DD-AFC4-6F175D3DCCD1}">
-              <a14:hiddenFill xmlns:a14="http://schemas.microsoft.com/office/drawing/2010/main">
-                <a:solidFill>
-                  <a:srgbClr val="FFFFFF"/>
-                </a:solidFill>
-              </a14:hiddenFill>
-            </a:ext>
-          </a:extLst>
-        </p:spPr>
-      </p:pic>
-      <p:sp>
-        <p:nvSpPr>
-          <p:cNvPr id="4" name="Speech Bubble: Rectangle with Corners Rounded 3">
-            <a:extLst>
-              <a:ext uri="{FF2B5EF4-FFF2-40B4-BE49-F238E27FC236}">
-                <a16:creationId xmlns:a16="http://schemas.microsoft.com/office/drawing/2014/main" id="{2FD6A9AF-E098-4548-AC1C-F3DF2FDE9828}"/>
-              </a:ext>
-            </a:extLst>
-          </p:cNvPr>
-          <p:cNvSpPr/>
-          <p:nvPr/>
-        </p:nvSpPr>
-        <p:spPr>
-          <a:xfrm>
-            <a:off x="5837051" y="563040"/>
-            <a:ext cx="5944823" cy="718497"/>
-          </a:xfrm>
-          <a:prstGeom prst="wedgeRoundRectCallout">
-            <a:avLst/>
-          </a:prstGeom>
-        </p:spPr>
-        <p:style>
-          <a:lnRef idx="2">
-            <a:schemeClr val="accent1">
-              <a:shade val="50000"/>
-            </a:schemeClr>
-          </a:lnRef>
-          <a:fillRef idx="1">
-            <a:schemeClr val="accent1"/>
-          </a:fillRef>
-          <a:effectRef idx="0">
-            <a:schemeClr val="accent1"/>
-          </a:effectRef>
-          <a:fontRef idx="minor">
-            <a:schemeClr val="lt1"/>
-          </a:fontRef>
-        </p:style>
-        <p:txBody>
-          <a:bodyPr rtlCol="0" anchor="ctr"/>
-          <a:lstStyle/>
-          <a:p>
-            <a:pPr algn="ctr"/>
-            <a:r>
-              <a:rPr lang="en-GB" sz="3200" dirty="0"/>
-              <a:t>Where/what were you in 1979?</a:t>
-            </a:r>
-          </a:p>
-        </p:txBody>
-      </p:sp>
-      <p:sp>
-        <p:nvSpPr>
-          <p:cNvPr id="5" name="TextBox 4">
-            <a:extLst>
-              <a:ext uri="{FF2B5EF4-FFF2-40B4-BE49-F238E27FC236}">
-                <a16:creationId xmlns:a16="http://schemas.microsoft.com/office/drawing/2014/main" id="{B146C545-2A2F-48B4-9694-D05FBB2AB9B7}"/>
-              </a:ext>
-            </a:extLst>
-          </p:cNvPr>
-          <p:cNvSpPr txBox="1"/>
-          <p:nvPr/>
-        </p:nvSpPr>
-        <p:spPr>
-          <a:xfrm>
-            <a:off x="8529905" y="3196369"/>
-            <a:ext cx="2998850" cy="707886"/>
-          </a:xfrm>
-          <a:prstGeom prst="rect">
-            <a:avLst/>
-          </a:prstGeom>
-          <a:noFill/>
-        </p:spPr>
-        <p:txBody>
-          <a:bodyPr wrap="square" rtlCol="0">
-            <a:spAutoFit/>
-          </a:bodyPr>
-          <a:lstStyle/>
-          <a:p>
-            <a:r>
-              <a:rPr lang="en-GB" sz="4000" dirty="0">
-                <a:solidFill>
-                  <a:schemeClr val="bg1"/>
-                </a:solidFill>
-              </a:rPr>
-              <a:t>Brighton, UK</a:t>
-            </a:r>
-          </a:p>
-        </p:txBody>
-      </p:sp>
-      <p:sp>
-        <p:nvSpPr>
-          <p:cNvPr id="17" name="TextBox 16">
-            <a:extLst>
-              <a:ext uri="{FF2B5EF4-FFF2-40B4-BE49-F238E27FC236}">
-                <a16:creationId xmlns:a16="http://schemas.microsoft.com/office/drawing/2014/main" id="{8E99F2E8-7996-4F2E-83DD-1511AC1FFB48}"/>
-              </a:ext>
-            </a:extLst>
-          </p:cNvPr>
-          <p:cNvSpPr txBox="1"/>
-          <p:nvPr/>
-        </p:nvSpPr>
-        <p:spPr>
-          <a:xfrm>
-            <a:off x="8529905" y="5884479"/>
-            <a:ext cx="3251438" cy="523220"/>
-          </a:xfrm>
-          <a:prstGeom prst="rect">
-            <a:avLst/>
-          </a:prstGeom>
-          <a:noFill/>
-        </p:spPr>
-        <p:txBody>
-          <a:bodyPr wrap="square" rtlCol="0">
-            <a:spAutoFit/>
-          </a:bodyPr>
-          <a:lstStyle/>
-          <a:p>
-            <a:r>
-              <a:rPr lang="en-GB" sz="2800" dirty="0">
-                <a:solidFill>
-                  <a:schemeClr val="bg1"/>
-                </a:solidFill>
-              </a:rPr>
-              <a:t>The English Channel</a:t>
-            </a:r>
-          </a:p>
-        </p:txBody>
-      </p:sp>
-      <p:sp>
-        <p:nvSpPr>
-          <p:cNvPr id="6" name="TextBox 5">
-            <a:extLst>
-              <a:ext uri="{FF2B5EF4-FFF2-40B4-BE49-F238E27FC236}">
-                <a16:creationId xmlns:a16="http://schemas.microsoft.com/office/drawing/2014/main" id="{345D58C5-E16D-42B4-8240-1129ACD27D37}"/>
-              </a:ext>
-            </a:extLst>
-          </p:cNvPr>
-          <p:cNvSpPr txBox="1"/>
-          <p:nvPr/>
-        </p:nvSpPr>
-        <p:spPr>
-          <a:xfrm>
-            <a:off x="713859" y="584084"/>
-            <a:ext cx="5152434" cy="400110"/>
-          </a:xfrm>
-          <a:prstGeom prst="rect">
-            <a:avLst/>
-          </a:prstGeom>
-          <a:noFill/>
-        </p:spPr>
-        <p:txBody>
-          <a:bodyPr wrap="square" rtlCol="0">
-            <a:spAutoFit/>
-          </a:bodyPr>
-          <a:lstStyle/>
-          <a:p>
-            <a:r>
-              <a:rPr lang="en-GB" sz="2000" b="1" dirty="0">
-                <a:solidFill>
-                  <a:srgbClr val="2196F3"/>
                 </a:solidFill>
                 <a:latin typeface="Segoe UI" panose="020B0502040204020203" pitchFamily="34" charset="0"/>
                 <a:cs typeface="Segoe UI" panose="020B0502040204020203" pitchFamily="34" charset="0"/>
               </a:rPr>
-              <a:t>58 in human years – 243 in tech years</a:t>
-            </a:r>
-          </a:p>
-        </p:txBody>
-      </p:sp>
-      <p:cxnSp>
-        <p:nvCxnSpPr>
-          <p:cNvPr id="9" name="Straight Arrow Connector 8">
-            <a:extLst>
-              <a:ext uri="{FF2B5EF4-FFF2-40B4-BE49-F238E27FC236}">
-                <a16:creationId xmlns:a16="http://schemas.microsoft.com/office/drawing/2014/main" id="{CF93C976-3C1F-4C74-9D39-90DABBE18BB7}"/>
-              </a:ext>
-            </a:extLst>
-          </p:cNvPr>
-          <p:cNvCxnSpPr>
-            <a:cxnSpLocks/>
-          </p:cNvCxnSpPr>
-          <p:nvPr/>
-        </p:nvCxnSpPr>
-        <p:spPr>
-          <a:xfrm flipH="1" flipV="1">
-            <a:off x="8672218" y="4142117"/>
-            <a:ext cx="682807" cy="748283"/>
-          </a:xfrm>
-          <a:prstGeom prst="straightConnector1">
-            <a:avLst/>
-          </a:prstGeom>
-          <a:ln w="50800">
-            <a:solidFill>
-              <a:schemeClr val="bg1"/>
-            </a:solidFill>
-            <a:tailEnd type="triangle"/>
-          </a:ln>
-        </p:spPr>
-        <p:style>
-          <a:lnRef idx="3">
-            <a:schemeClr val="accent1"/>
-          </a:lnRef>
-          <a:fillRef idx="0">
-            <a:schemeClr val="accent1"/>
-          </a:fillRef>
-          <a:effectRef idx="2">
-            <a:schemeClr val="accent1"/>
-          </a:effectRef>
-          <a:fontRef idx="minor">
-            <a:schemeClr val="tx1"/>
-          </a:fontRef>
-        </p:style>
-      </p:cxnSp>
-      <p:sp>
-        <p:nvSpPr>
-          <p:cNvPr id="10" name="TextBox 9">
-            <a:extLst>
-              <a:ext uri="{FF2B5EF4-FFF2-40B4-BE49-F238E27FC236}">
-                <a16:creationId xmlns:a16="http://schemas.microsoft.com/office/drawing/2014/main" id="{C6D2AB8D-F566-4A3A-ABB8-05B92FD0E743}"/>
-              </a:ext>
-            </a:extLst>
-          </p:cNvPr>
-          <p:cNvSpPr txBox="1"/>
-          <p:nvPr/>
-        </p:nvSpPr>
-        <p:spPr>
-          <a:xfrm>
-            <a:off x="8066040" y="5058423"/>
-            <a:ext cx="1845578" cy="369332"/>
-          </a:xfrm>
-          <a:prstGeom prst="rect">
-            <a:avLst/>
-          </a:prstGeom>
-          <a:noFill/>
-        </p:spPr>
-        <p:txBody>
-          <a:bodyPr wrap="square" rtlCol="0">
-            <a:spAutoFit/>
-          </a:bodyPr>
-          <a:lstStyle/>
-          <a:p>
-            <a:pPr algn="ctr"/>
-            <a:r>
-              <a:rPr lang="en-GB" dirty="0">
-                <a:solidFill>
-                  <a:schemeClr val="bg1"/>
-                </a:solidFill>
-                <a:highlight>
-                  <a:srgbClr val="0000FF"/>
-                </a:highlight>
-              </a:rPr>
-              <a:t>15 min walk</a:t>
-            </a:r>
+              <a:t>PROGRESSIVE WEB APPS</a:t>
+            </a:r>
+            <a:endParaRPr lang="en-GB" dirty="0"/>
           </a:p>
         </p:txBody>
       </p:sp>
     </p:spTree>
     <p:extLst>
       <p:ext uri="{BB962C8B-B14F-4D97-AF65-F5344CB8AC3E}">
-        <p14:creationId xmlns:p14="http://schemas.microsoft.com/office/powerpoint/2010/main" val="2449607764"/>
+        <p14:creationId xmlns:p14="http://schemas.microsoft.com/office/powerpoint/2010/main" val="4146200657"/>
       </p:ext>
     </p:extLst>
   </p:cSld>
@@ -8229,6 +6879,51 @@
       </p:grpSpPr>
       <p:sp>
         <p:nvSpPr>
+          <p:cNvPr id="2" name="Title 1">
+            <a:extLst>
+              <a:ext uri="{FF2B5EF4-FFF2-40B4-BE49-F238E27FC236}">
+                <a16:creationId xmlns:a16="http://schemas.microsoft.com/office/drawing/2014/main" id="{5D7568B3-EC9A-45DD-8A17-CFE685194B65}"/>
+              </a:ext>
+            </a:extLst>
+          </p:cNvPr>
+          <p:cNvSpPr>
+            <a:spLocks noGrp="1"/>
+          </p:cNvSpPr>
+          <p:nvPr>
+            <p:ph type="title"/>
+          </p:nvPr>
+        </p:nvSpPr>
+        <p:spPr>
+          <a:xfrm>
+            <a:off x="838200" y="0"/>
+            <a:ext cx="10515600" cy="1325563"/>
+          </a:xfrm>
+          <a:solidFill>
+            <a:srgbClr val="2196F3"/>
+          </a:solidFill>
+        </p:spPr>
+        <p:txBody>
+          <a:bodyPr>
+            <a:normAutofit/>
+          </a:bodyPr>
+          <a:lstStyle/>
+          <a:p>
+            <a:pPr algn="ctr"/>
+            <a:r>
+              <a:rPr lang="en-GB" sz="6600" dirty="0">
+                <a:solidFill>
+                  <a:schemeClr val="bg1"/>
+                </a:solidFill>
+                <a:latin typeface="Segoe UI" panose="020B0502040204020203" pitchFamily="34" charset="0"/>
+                <a:cs typeface="Segoe UI" panose="020B0502040204020203" pitchFamily="34" charset="0"/>
+              </a:rPr>
+              <a:t>Previous talks</a:t>
+            </a:r>
+          </a:p>
+        </p:txBody>
+      </p:sp>
+      <p:sp>
+        <p:nvSpPr>
           <p:cNvPr id="4" name="Content Placeholder 2">
             <a:extLst>
               <a:ext uri="{FF2B5EF4-FFF2-40B4-BE49-F238E27FC236}">
@@ -8245,27 +6940,15 @@
         </p:nvSpPr>
         <p:spPr>
           <a:xfrm>
-            <a:off x="838198" y="801678"/>
-            <a:ext cx="10515600" cy="5718392"/>
+            <a:off x="838200" y="1491818"/>
+            <a:ext cx="10515600" cy="5001346"/>
           </a:xfrm>
         </p:spPr>
         <p:txBody>
           <a:bodyPr wrap="square" bIns="252000">
-            <a:normAutofit fontScale="25000" lnSpcReduction="20000"/>
+            <a:normAutofit/>
           </a:bodyPr>
           <a:lstStyle/>
-          <a:p>
-            <a:pPr marL="457200" lvl="1" indent="0">
-              <a:buNone/>
-            </a:pPr>
-            <a:endParaRPr lang="en-GB" sz="1000" dirty="0">
-              <a:solidFill>
-                <a:srgbClr val="2196F3"/>
-              </a:solidFill>
-              <a:latin typeface="Segoe UI" panose="020B0502040204020203" pitchFamily="34" charset="0"/>
-              <a:cs typeface="Segoe UI" panose="020B0502040204020203" pitchFamily="34" charset="0"/>
-            </a:endParaRPr>
-          </a:p>
           <a:p>
             <a:pPr marL="457200" lvl="1" indent="0">
               <a:buNone/>
@@ -8279,159 +6962,197 @@
             </a:endParaRPr>
           </a:p>
           <a:p>
-            <a:pPr lvl="1">
-              <a:lnSpc>
-                <a:spcPts val="4200"/>
-              </a:lnSpc>
-            </a:pPr>
-            <a:r>
-              <a:rPr lang="en-GB" sz="11200" dirty="0">
-                <a:solidFill>
-                  <a:srgbClr val="2196F3"/>
-                </a:solidFill>
-                <a:latin typeface="Segoe UI" panose="020B0502040204020203" pitchFamily="34" charset="0"/>
-                <a:cs typeface="Segoe UI" panose="020B0502040204020203" pitchFamily="34" charset="0"/>
-              </a:rPr>
-              <a:t>Microsoft Certified Systems Engineer (2000-2003)</a:t>
-            </a:r>
-          </a:p>
-          <a:p>
-            <a:pPr lvl="1">
-              <a:lnSpc>
-                <a:spcPts val="4200"/>
-              </a:lnSpc>
-            </a:pPr>
-            <a:r>
-              <a:rPr lang="en-GB" sz="11200" dirty="0">
-                <a:solidFill>
-                  <a:srgbClr val="2196F3"/>
-                </a:solidFill>
-                <a:latin typeface="Segoe UI" panose="020B0502040204020203" pitchFamily="34" charset="0"/>
-                <a:cs typeface="Segoe UI" panose="020B0502040204020203" pitchFamily="34" charset="0"/>
-              </a:rPr>
-              <a:t>Microsoft Certified Database Administrator (SQL2000)</a:t>
-            </a:r>
-          </a:p>
-          <a:p>
-            <a:pPr lvl="1">
-              <a:lnSpc>
-                <a:spcPts val="4200"/>
-              </a:lnSpc>
-            </a:pPr>
-            <a:r>
-              <a:rPr lang="en-GB" sz="11200" dirty="0">
-                <a:solidFill>
-                  <a:srgbClr val="2196F3"/>
-                </a:solidFill>
-                <a:latin typeface="Segoe UI" panose="020B0502040204020203" pitchFamily="34" charset="0"/>
-                <a:cs typeface="Segoe UI" panose="020B0502040204020203" pitchFamily="34" charset="0"/>
-              </a:rPr>
-              <a:t>Business Information Architect at a UK Recycling Company</a:t>
-            </a:r>
-          </a:p>
-          <a:p>
-            <a:pPr lvl="1">
-              <a:lnSpc>
-                <a:spcPts val="4200"/>
-              </a:lnSpc>
-            </a:pPr>
-            <a:r>
-              <a:rPr lang="en-GB" sz="11200" dirty="0">
-                <a:solidFill>
-                  <a:srgbClr val="2196F3"/>
-                </a:solidFill>
-                <a:latin typeface="Segoe UI" panose="020B0502040204020203" pitchFamily="34" charset="0"/>
-                <a:cs typeface="Segoe UI" panose="020B0502040204020203" pitchFamily="34" charset="0"/>
-              </a:rPr>
-              <a:t>WordPress 2017</a:t>
-            </a:r>
-          </a:p>
-          <a:p>
-            <a:pPr lvl="1">
-              <a:lnSpc>
-                <a:spcPts val="4200"/>
-              </a:lnSpc>
-            </a:pPr>
-            <a:r>
-              <a:rPr lang="en-GB" sz="11200" b="1" dirty="0">
-                <a:solidFill>
-                  <a:srgbClr val="00B050"/>
-                </a:solidFill>
-                <a:latin typeface="Segoe UI" panose="020B0502040204020203" pitchFamily="34" charset="0"/>
-                <a:cs typeface="Segoe UI" panose="020B0502040204020203" pitchFamily="34" charset="0"/>
-              </a:rPr>
-              <a:t>Currently</a:t>
-            </a:r>
-            <a:r>
-              <a:rPr lang="en-GB" sz="11200" dirty="0">
-                <a:solidFill>
-                  <a:srgbClr val="2196F3"/>
-                </a:solidFill>
-                <a:latin typeface="Segoe UI" panose="020B0502040204020203" pitchFamily="34" charset="0"/>
-                <a:cs typeface="Segoe UI" panose="020B0502040204020203" pitchFamily="34" charset="0"/>
-              </a:rPr>
-              <a:t> PWAs(offline/instant websites), Web Components, WordPress-HTML and Mobile Web Optimisation.</a:t>
-            </a:r>
-          </a:p>
-          <a:p>
-            <a:pPr lvl="1">
-              <a:lnSpc>
-                <a:spcPts val="4200"/>
-              </a:lnSpc>
-            </a:pPr>
-            <a:r>
-              <a:rPr lang="en-GB" sz="11200" dirty="0">
-                <a:solidFill>
-                  <a:srgbClr val="2196F3"/>
-                </a:solidFill>
-                <a:latin typeface="Segoe UI" panose="020B0502040204020203" pitchFamily="34" charset="0"/>
-                <a:cs typeface="Segoe UI" panose="020B0502040204020203" pitchFamily="34" charset="0"/>
-              </a:rPr>
-              <a:t>1-3 hour training seminars for companies and groups.</a:t>
-            </a:r>
-          </a:p>
-          <a:p>
-            <a:pPr lvl="1">
-              <a:lnSpc>
-                <a:spcPts val="4200"/>
-              </a:lnSpc>
-            </a:pPr>
-            <a:r>
-              <a:rPr lang="en-GB" sz="16000" dirty="0">
-                <a:solidFill>
-                  <a:srgbClr val="00B050"/>
-                </a:solidFill>
-                <a:latin typeface="Segoe UI" panose="020B0502040204020203" pitchFamily="34" charset="0"/>
-                <a:cs typeface="Segoe UI" panose="020B0502040204020203" pitchFamily="34" charset="0"/>
-              </a:rPr>
-              <a:t>Still just as ‘student’! Still overwhelmed! </a:t>
-            </a:r>
-          </a:p>
-          <a:p>
-            <a:pPr lvl="1">
-              <a:lnSpc>
-                <a:spcPts val="4200"/>
-              </a:lnSpc>
-            </a:pPr>
-            <a:r>
-              <a:rPr lang="en-GB" sz="16000" dirty="0" err="1">
-                <a:solidFill>
-                  <a:srgbClr val="00B050"/>
-                </a:solidFill>
-                <a:latin typeface="Segoe UI" panose="020B0502040204020203" pitchFamily="34" charset="0"/>
-                <a:cs typeface="Segoe UI" panose="020B0502040204020203" pitchFamily="34" charset="0"/>
-              </a:rPr>
-              <a:t>Volounteer</a:t>
-            </a:r>
-            <a:r>
-              <a:rPr lang="en-GB" sz="16000" dirty="0">
-                <a:solidFill>
-                  <a:srgbClr val="00B050"/>
-                </a:solidFill>
-                <a:latin typeface="Segoe UI" panose="020B0502040204020203" pitchFamily="34" charset="0"/>
-                <a:cs typeface="Segoe UI" panose="020B0502040204020203" pitchFamily="34" charset="0"/>
-              </a:rPr>
-              <a:t> Coach at Codebar.io (Brighton)</a:t>
+            <a:r>
+              <a:rPr lang="en-GB" sz="2200" dirty="0">
+                <a:solidFill>
+                  <a:srgbClr val="0070C0"/>
+                </a:solidFill>
+              </a:rPr>
+              <a:t>What is the WP REST API and how can I use it to make forms and pages that don’t need to do be reloaded? - </a:t>
+            </a:r>
+            <a:r>
+              <a:rPr lang="en-GB" sz="2200" dirty="0" err="1">
+                <a:solidFill>
+                  <a:srgbClr val="0070C0"/>
+                </a:solidFill>
+              </a:rPr>
+              <a:t>WordUp</a:t>
+            </a:r>
+            <a:r>
+              <a:rPr lang="en-GB" sz="2200" dirty="0">
+                <a:solidFill>
+                  <a:srgbClr val="0070C0"/>
+                </a:solidFill>
+              </a:rPr>
+              <a:t> Brighton May 2020.</a:t>
+            </a:r>
+          </a:p>
+          <a:p>
+            <a:r>
+              <a:rPr lang="en-GB" sz="2200" dirty="0">
+                <a:solidFill>
+                  <a:srgbClr val="0070C0"/>
+                </a:solidFill>
+              </a:rPr>
+              <a:t>WORKSHOP: WordPress REST API and AJAX Forms - WordCamp Geneva March 2020 [EVENT CANCELLED due to virus concerns :( ]</a:t>
+            </a:r>
+          </a:p>
+          <a:p>
+            <a:r>
+              <a:rPr lang="en-GB" sz="2200" dirty="0">
+                <a:solidFill>
+                  <a:srgbClr val="0070C0"/>
+                </a:solidFill>
+              </a:rPr>
+              <a:t>TALK - WP-HTML: </a:t>
+            </a:r>
+            <a:r>
+              <a:rPr lang="en-GB" sz="2200" b="1" dirty="0">
+                <a:solidFill>
+                  <a:schemeClr val="accent6">
+                    <a:lumMod val="75000"/>
+                  </a:schemeClr>
+                </a:solidFill>
+              </a:rPr>
+              <a:t>The marriage of WP and JS Frameworks for expansion, ubiquity and profit </a:t>
+            </a:r>
+            <a:r>
+              <a:rPr lang="en-GB" sz="2200" dirty="0">
+                <a:solidFill>
+                  <a:srgbClr val="0070C0"/>
+                </a:solidFill>
+              </a:rPr>
+              <a:t>- </a:t>
+            </a:r>
+            <a:r>
+              <a:rPr lang="en-GB" sz="2200" b="1" dirty="0">
+                <a:solidFill>
+                  <a:srgbClr val="0070C0"/>
+                </a:solidFill>
+              </a:rPr>
+              <a:t>WordCamp Vienna February 2020</a:t>
+            </a:r>
+            <a:r>
+              <a:rPr lang="en-GB" sz="2200" dirty="0">
+                <a:solidFill>
+                  <a:srgbClr val="0070C0"/>
+                </a:solidFill>
+              </a:rPr>
+              <a:t>.</a:t>
+            </a:r>
+          </a:p>
+          <a:p>
+            <a:r>
+              <a:rPr lang="en-GB" sz="2200" dirty="0">
+                <a:solidFill>
+                  <a:srgbClr val="0070C0"/>
+                </a:solidFill>
+              </a:rPr>
+              <a:t>WORKSHOP: WordPress REST API - WordCamp Vienna February 2020.</a:t>
+            </a:r>
+          </a:p>
+          <a:p>
+            <a:r>
+              <a:rPr lang="en-GB" sz="2200" dirty="0">
+                <a:solidFill>
+                  <a:srgbClr val="0070C0"/>
+                </a:solidFill>
+              </a:rPr>
+              <a:t>Progressive Web Apps - Brighton </a:t>
+            </a:r>
+            <a:r>
+              <a:rPr lang="en-GB" sz="2200" dirty="0" err="1">
+                <a:solidFill>
+                  <a:srgbClr val="0070C0"/>
+                </a:solidFill>
+              </a:rPr>
+              <a:t>WordUp</a:t>
+            </a:r>
+            <a:r>
+              <a:rPr lang="en-GB" sz="2200" dirty="0">
+                <a:solidFill>
+                  <a:srgbClr val="0070C0"/>
+                </a:solidFill>
+              </a:rPr>
+              <a:t> November 2019.</a:t>
+            </a:r>
+          </a:p>
+          <a:p>
+            <a:r>
+              <a:rPr lang="en-GB" sz="2200" dirty="0">
+                <a:solidFill>
+                  <a:srgbClr val="0070C0"/>
+                </a:solidFill>
+              </a:rPr>
+              <a:t>Decoupled WordPress (code along style) - </a:t>
+            </a:r>
+            <a:r>
+              <a:rPr lang="en-GB" sz="2200" b="1" dirty="0">
+                <a:solidFill>
+                  <a:srgbClr val="0070C0"/>
+                </a:solidFill>
+              </a:rPr>
+              <a:t>WordCamp Dublin October 2019</a:t>
+            </a:r>
+            <a:r>
+              <a:rPr lang="en-GB" sz="2200" dirty="0">
+                <a:solidFill>
+                  <a:srgbClr val="0070C0"/>
+                </a:solidFill>
+              </a:rPr>
+              <a:t>.</a:t>
+            </a:r>
+          </a:p>
+          <a:p>
+            <a:r>
+              <a:rPr lang="en-GB" sz="2200" dirty="0">
+                <a:solidFill>
+                  <a:srgbClr val="0070C0"/>
+                </a:solidFill>
+              </a:rPr>
+              <a:t>JWT and Authentication – </a:t>
+            </a:r>
+            <a:r>
+              <a:rPr lang="en-GB" sz="2200" dirty="0" err="1">
+                <a:solidFill>
+                  <a:srgbClr val="0070C0"/>
+                </a:solidFill>
+              </a:rPr>
+              <a:t>WPHooked</a:t>
+            </a:r>
+            <a:r>
+              <a:rPr lang="en-GB" sz="2200" dirty="0">
+                <a:solidFill>
+                  <a:srgbClr val="0070C0"/>
+                </a:solidFill>
+              </a:rPr>
+              <a:t> London September 2019.</a:t>
+            </a:r>
+          </a:p>
+          <a:p>
+            <a:r>
+              <a:rPr lang="en-GB" sz="2200" dirty="0">
+                <a:solidFill>
+                  <a:srgbClr val="0070C0"/>
+                </a:solidFill>
+              </a:rPr>
+              <a:t>Decoupled WordPress and WP Components - </a:t>
+            </a:r>
+            <a:r>
+              <a:rPr lang="en-GB" sz="2200" b="1" dirty="0">
+                <a:solidFill>
+                  <a:srgbClr val="0070C0"/>
+                </a:solidFill>
+              </a:rPr>
+              <a:t>WordCamp Brighton August 2019</a:t>
+            </a:r>
+            <a:r>
+              <a:rPr lang="en-GB" sz="2200" dirty="0">
+                <a:solidFill>
+                  <a:srgbClr val="0070C0"/>
+                </a:solidFill>
+              </a:rPr>
+              <a:t>.</a:t>
             </a:r>
           </a:p>
           <a:p>
@@ -8496,51 +7217,10 @@
           </a:p>
         </p:txBody>
       </p:sp>
-      <p:sp>
-        <p:nvSpPr>
-          <p:cNvPr id="3" name="TextBox 2">
-            <a:extLst>
-              <a:ext uri="{FF2B5EF4-FFF2-40B4-BE49-F238E27FC236}">
-                <a16:creationId xmlns:a16="http://schemas.microsoft.com/office/drawing/2014/main" id="{D373F874-33F7-4988-AE13-A7A123EFA342}"/>
-              </a:ext>
-            </a:extLst>
-          </p:cNvPr>
-          <p:cNvSpPr txBox="1"/>
-          <p:nvPr/>
-        </p:nvSpPr>
-        <p:spPr>
-          <a:xfrm>
-            <a:off x="2641307" y="155347"/>
-            <a:ext cx="6909383" cy="646331"/>
-          </a:xfrm>
-          <a:prstGeom prst="rect">
-            <a:avLst/>
-          </a:prstGeom>
-          <a:noFill/>
-        </p:spPr>
-        <p:txBody>
-          <a:bodyPr wrap="square" rtlCol="0">
-            <a:spAutoFit/>
-          </a:bodyPr>
-          <a:lstStyle/>
-          <a:p>
-            <a:r>
-              <a:rPr lang="en-GB" sz="3600" dirty="0">
-                <a:solidFill>
-                  <a:srgbClr val="2196F3"/>
-                </a:solidFill>
-                <a:latin typeface="Segoe UI" panose="020B0502040204020203" pitchFamily="34" charset="0"/>
-                <a:cs typeface="Segoe UI" panose="020B0502040204020203" pitchFamily="34" charset="0"/>
-              </a:rPr>
-              <a:t>In and out of tech over the years</a:t>
-            </a:r>
-          </a:p>
-        </p:txBody>
-      </p:sp>
     </p:spTree>
     <p:extLst>
       <p:ext uri="{BB962C8B-B14F-4D97-AF65-F5344CB8AC3E}">
-        <p14:creationId xmlns:p14="http://schemas.microsoft.com/office/powerpoint/2010/main" val="4146200657"/>
+        <p14:creationId xmlns:p14="http://schemas.microsoft.com/office/powerpoint/2010/main" val="2972891001"/>
       </p:ext>
     </p:extLst>
   </p:cSld>
@@ -8569,10 +7249,169 @@
       </p:grpSpPr>
       <p:sp>
         <p:nvSpPr>
-          <p:cNvPr id="2" name="Title 1">
-            <a:extLst>
-              <a:ext uri="{FF2B5EF4-FFF2-40B4-BE49-F238E27FC236}">
-                <a16:creationId xmlns:a16="http://schemas.microsoft.com/office/drawing/2014/main" id="{5D7568B3-EC9A-45DD-8A17-CFE685194B65}"/>
+          <p:cNvPr id="3" name="Content Placeholder 2">
+            <a:extLst>
+              <a:ext uri="{FF2B5EF4-FFF2-40B4-BE49-F238E27FC236}">
+                <a16:creationId xmlns:a16="http://schemas.microsoft.com/office/drawing/2014/main" id="{380A49C7-87C7-4B50-A695-2297B5304E7B}"/>
+              </a:ext>
+            </a:extLst>
+          </p:cNvPr>
+          <p:cNvSpPr>
+            <a:spLocks noGrp="1"/>
+          </p:cNvSpPr>
+          <p:nvPr>
+            <p:ph idx="1"/>
+          </p:nvPr>
+        </p:nvSpPr>
+        <p:spPr>
+          <a:xfrm>
+            <a:off x="838200" y="1325563"/>
+            <a:ext cx="10515600" cy="4989511"/>
+          </a:xfrm>
+        </p:spPr>
+        <p:txBody>
+          <a:bodyPr>
+            <a:normAutofit/>
+          </a:bodyPr>
+          <a:lstStyle/>
+          <a:p>
+            <a:pPr marL="0" indent="0">
+              <a:buNone/>
+            </a:pPr>
+            <a:endParaRPr lang="en-GB" sz="3600" dirty="0">
+              <a:solidFill>
+                <a:srgbClr val="2196F3"/>
+              </a:solidFill>
+              <a:latin typeface="Segoe UI" panose="020B0502040204020203" pitchFamily="34" charset="0"/>
+              <a:cs typeface="Segoe UI" panose="020B0502040204020203" pitchFamily="34" charset="0"/>
+            </a:endParaRPr>
+          </a:p>
+          <a:p>
+            <a:pPr>
+              <a:lnSpc>
+                <a:spcPts val="4500"/>
+              </a:lnSpc>
+            </a:pPr>
+            <a:r>
+              <a:rPr lang="en-GB" sz="3600" dirty="0">
+                <a:solidFill>
+                  <a:srgbClr val="2196F3"/>
+                </a:solidFill>
+                <a:latin typeface="Segoe UI" panose="020B0502040204020203" pitchFamily="34" charset="0"/>
+                <a:cs typeface="Segoe UI" panose="020B0502040204020203" pitchFamily="34" charset="0"/>
+              </a:rPr>
+              <a:t>To give an overview of all aspects of Web Components.</a:t>
+            </a:r>
+          </a:p>
+          <a:p>
+            <a:pPr>
+              <a:lnSpc>
+                <a:spcPts val="4500"/>
+              </a:lnSpc>
+            </a:pPr>
+            <a:r>
+              <a:rPr lang="en-GB" sz="3600" dirty="0">
+                <a:solidFill>
+                  <a:srgbClr val="2196F3"/>
+                </a:solidFill>
+                <a:latin typeface="Segoe UI" panose="020B0502040204020203" pitchFamily="34" charset="0"/>
+                <a:cs typeface="Segoe UI" panose="020B0502040204020203" pitchFamily="34" charset="0"/>
+              </a:rPr>
+              <a:t>Prepare you to use all the workshop resources after the workshop.</a:t>
+            </a:r>
+          </a:p>
+          <a:p>
+            <a:pPr>
+              <a:lnSpc>
+                <a:spcPts val="4500"/>
+              </a:lnSpc>
+            </a:pPr>
+            <a:r>
+              <a:rPr lang="en-GB" sz="3600" dirty="0">
+                <a:solidFill>
+                  <a:srgbClr val="2196F3"/>
+                </a:solidFill>
+                <a:latin typeface="Segoe UI" panose="020B0502040204020203" pitchFamily="34" charset="0"/>
+                <a:cs typeface="Segoe UI" panose="020B0502040204020203" pitchFamily="34" charset="0"/>
+              </a:rPr>
+              <a:t>Demonstrate with examples how to create highly functional Web Components.</a:t>
+            </a:r>
+            <a:endParaRPr lang="en-GB" sz="4700" dirty="0">
+              <a:solidFill>
+                <a:srgbClr val="2196F3"/>
+              </a:solidFill>
+              <a:latin typeface="Segoe UI" panose="020B0502040204020203" pitchFamily="34" charset="0"/>
+              <a:cs typeface="Segoe UI" panose="020B0502040204020203" pitchFamily="34" charset="0"/>
+            </a:endParaRPr>
+          </a:p>
+          <a:p>
+            <a:pPr marL="0" indent="0">
+              <a:buNone/>
+            </a:pPr>
+            <a:endParaRPr lang="en-GB" sz="3600" i="1" dirty="0">
+              <a:solidFill>
+                <a:srgbClr val="2196F3"/>
+              </a:solidFill>
+              <a:latin typeface="Segoe UI" panose="020B0502040204020203" pitchFamily="34" charset="0"/>
+              <a:cs typeface="Segoe UI" panose="020B0502040204020203" pitchFamily="34" charset="0"/>
+            </a:endParaRPr>
+          </a:p>
+          <a:p>
+            <a:pPr marL="0" indent="0">
+              <a:buNone/>
+            </a:pPr>
+            <a:endParaRPr lang="en-GB" sz="1400" dirty="0">
+              <a:solidFill>
+                <a:srgbClr val="2196F3"/>
+              </a:solidFill>
+              <a:latin typeface="Segoe UI" panose="020B0502040204020203" pitchFamily="34" charset="0"/>
+              <a:cs typeface="Segoe UI" panose="020B0502040204020203" pitchFamily="34" charset="0"/>
+            </a:endParaRPr>
+          </a:p>
+          <a:p>
+            <a:pPr marL="0" indent="0">
+              <a:buNone/>
+            </a:pPr>
+            <a:endParaRPr lang="en-GB" i="1" dirty="0">
+              <a:solidFill>
+                <a:srgbClr val="2196F3"/>
+              </a:solidFill>
+              <a:latin typeface="Segoe UI" panose="020B0502040204020203" pitchFamily="34" charset="0"/>
+              <a:cs typeface="Segoe UI" panose="020B0502040204020203" pitchFamily="34" charset="0"/>
+            </a:endParaRPr>
+          </a:p>
+          <a:p>
+            <a:endParaRPr lang="en-GB" dirty="0">
+              <a:latin typeface="Segoe UI" panose="020B0502040204020203" pitchFamily="34" charset="0"/>
+              <a:cs typeface="Segoe UI" panose="020B0502040204020203" pitchFamily="34" charset="0"/>
+            </a:endParaRPr>
+          </a:p>
+          <a:p>
+            <a:endParaRPr lang="en-GB" dirty="0">
+              <a:latin typeface="Segoe UI" panose="020B0502040204020203" pitchFamily="34" charset="0"/>
+              <a:cs typeface="Segoe UI" panose="020B0502040204020203" pitchFamily="34" charset="0"/>
+            </a:endParaRPr>
+          </a:p>
+          <a:p>
+            <a:endParaRPr lang="en-GB" dirty="0">
+              <a:latin typeface="Segoe UI" panose="020B0502040204020203" pitchFamily="34" charset="0"/>
+              <a:cs typeface="Segoe UI" panose="020B0502040204020203" pitchFamily="34" charset="0"/>
+            </a:endParaRPr>
+          </a:p>
+          <a:p>
+            <a:endParaRPr lang="en-GB" dirty="0">
+              <a:latin typeface="Segoe UI" panose="020B0502040204020203" pitchFamily="34" charset="0"/>
+              <a:cs typeface="Segoe UI" panose="020B0502040204020203" pitchFamily="34" charset="0"/>
+            </a:endParaRPr>
+          </a:p>
+        </p:txBody>
+      </p:sp>
+      <p:sp>
+        <p:nvSpPr>
+          <p:cNvPr id="6" name="Title 1">
+            <a:extLst>
+              <a:ext uri="{FF2B5EF4-FFF2-40B4-BE49-F238E27FC236}">
+                <a16:creationId xmlns:a16="http://schemas.microsoft.com/office/drawing/2014/main" id="{A9FE3B7A-AB00-444C-B7E7-EA48B7D72F9E}"/>
               </a:ext>
             </a:extLst>
           </p:cNvPr>
@@ -8607,310 +7446,15 @@
                 <a:latin typeface="Segoe UI" panose="020B0502040204020203" pitchFamily="34" charset="0"/>
                 <a:cs typeface="Segoe UI" panose="020B0502040204020203" pitchFamily="34" charset="0"/>
               </a:rPr>
-              <a:t>PREVIOUS TALKS</a:t>
-            </a:r>
-          </a:p>
-        </p:txBody>
-      </p:sp>
-      <p:sp>
-        <p:nvSpPr>
-          <p:cNvPr id="4" name="Content Placeholder 2">
-            <a:extLst>
-              <a:ext uri="{FF2B5EF4-FFF2-40B4-BE49-F238E27FC236}">
-                <a16:creationId xmlns:a16="http://schemas.microsoft.com/office/drawing/2014/main" id="{088CCB65-11B4-408B-9ED3-1304FE85032F}"/>
-              </a:ext>
-            </a:extLst>
-          </p:cNvPr>
-          <p:cNvSpPr>
-            <a:spLocks noGrp="1"/>
-          </p:cNvSpPr>
-          <p:nvPr>
-            <p:ph idx="1"/>
-          </p:nvPr>
-        </p:nvSpPr>
-        <p:spPr>
-          <a:xfrm>
-            <a:off x="838200" y="1491818"/>
-            <a:ext cx="10515600" cy="5001346"/>
-          </a:xfrm>
-        </p:spPr>
-        <p:txBody>
-          <a:bodyPr wrap="square" bIns="252000">
-            <a:normAutofit/>
-          </a:bodyPr>
-          <a:lstStyle/>
-          <a:p>
-            <a:pPr marL="457200" lvl="1" indent="0">
-              <a:buNone/>
-            </a:pPr>
-            <a:endParaRPr lang="en-GB" sz="1050" dirty="0">
-              <a:solidFill>
-                <a:srgbClr val="2196F3"/>
-              </a:solidFill>
-              <a:latin typeface="Segoe UI" panose="020B0502040204020203" pitchFamily="34" charset="0"/>
-              <a:cs typeface="Segoe UI" panose="020B0502040204020203" pitchFamily="34" charset="0"/>
-            </a:endParaRPr>
-          </a:p>
-          <a:p>
-            <a:r>
-              <a:rPr lang="en-GB" sz="2200" dirty="0">
-                <a:solidFill>
-                  <a:srgbClr val="0070C0"/>
-                </a:solidFill>
-              </a:rPr>
-              <a:t>What is the WP REST API and how can I use it to make forms and pages that don’t need to do be reloaded? - </a:t>
-            </a:r>
-            <a:r>
-              <a:rPr lang="en-GB" sz="2200" dirty="0" err="1">
-                <a:solidFill>
-                  <a:srgbClr val="0070C0"/>
-                </a:solidFill>
-              </a:rPr>
-              <a:t>WordUp</a:t>
-            </a:r>
-            <a:r>
-              <a:rPr lang="en-GB" sz="2200" dirty="0">
-                <a:solidFill>
-                  <a:srgbClr val="0070C0"/>
-                </a:solidFill>
-              </a:rPr>
-              <a:t> Brighton May 2020.</a:t>
-            </a:r>
-          </a:p>
-          <a:p>
-            <a:r>
-              <a:rPr lang="en-GB" sz="2200" dirty="0">
-                <a:solidFill>
-                  <a:srgbClr val="0070C0"/>
-                </a:solidFill>
-              </a:rPr>
-              <a:t>WORKSHOP: WordPress REST API and AJAX Forms - WordCamp Geneva March 2020 [EVENT CANCELLED due to virus concerns :( ]</a:t>
-            </a:r>
-          </a:p>
-          <a:p>
-            <a:r>
-              <a:rPr lang="en-GB" sz="2200" dirty="0">
-                <a:solidFill>
-                  <a:srgbClr val="0070C0"/>
-                </a:solidFill>
-              </a:rPr>
-              <a:t>TALK - WP-HTML: </a:t>
-            </a:r>
-            <a:r>
-              <a:rPr lang="en-GB" sz="2200" b="1" dirty="0">
-                <a:solidFill>
-                  <a:schemeClr val="accent6">
-                    <a:lumMod val="75000"/>
-                  </a:schemeClr>
-                </a:solidFill>
-              </a:rPr>
-              <a:t>The marriage of WP and JS Frameworks for expansion, ubiquity and profit </a:t>
-            </a:r>
-            <a:r>
-              <a:rPr lang="en-GB" sz="2200" dirty="0">
-                <a:solidFill>
-                  <a:srgbClr val="0070C0"/>
-                </a:solidFill>
-              </a:rPr>
-              <a:t>- </a:t>
-            </a:r>
-            <a:r>
-              <a:rPr lang="en-GB" sz="2200" b="1" dirty="0">
-                <a:solidFill>
-                  <a:srgbClr val="0070C0"/>
-                </a:solidFill>
-              </a:rPr>
-              <a:t>WordCamp Vienna February 2020</a:t>
-            </a:r>
-            <a:r>
-              <a:rPr lang="en-GB" sz="2200" dirty="0">
-                <a:solidFill>
-                  <a:srgbClr val="0070C0"/>
-                </a:solidFill>
-              </a:rPr>
-              <a:t>.</a:t>
-            </a:r>
-          </a:p>
-          <a:p>
-            <a:r>
-              <a:rPr lang="en-GB" sz="2200" dirty="0">
-                <a:solidFill>
-                  <a:srgbClr val="0070C0"/>
-                </a:solidFill>
-              </a:rPr>
-              <a:t>WORKSHOP: WordPress REST API - WordCamp Vienna February 2020.</a:t>
-            </a:r>
-          </a:p>
-          <a:p>
-            <a:r>
-              <a:rPr lang="en-GB" sz="2200" dirty="0">
-                <a:solidFill>
-                  <a:srgbClr val="0070C0"/>
-                </a:solidFill>
-              </a:rPr>
-              <a:t>Progressive Web Apps - Brighton </a:t>
-            </a:r>
-            <a:r>
-              <a:rPr lang="en-GB" sz="2200" dirty="0" err="1">
-                <a:solidFill>
-                  <a:srgbClr val="0070C0"/>
-                </a:solidFill>
-              </a:rPr>
-              <a:t>WordUp</a:t>
-            </a:r>
-            <a:r>
-              <a:rPr lang="en-GB" sz="2200" dirty="0">
-                <a:solidFill>
-                  <a:srgbClr val="0070C0"/>
-                </a:solidFill>
-              </a:rPr>
-              <a:t> November 2019.</a:t>
-            </a:r>
-          </a:p>
-          <a:p>
-            <a:r>
-              <a:rPr lang="en-GB" sz="2200" dirty="0">
-                <a:solidFill>
-                  <a:srgbClr val="0070C0"/>
-                </a:solidFill>
-              </a:rPr>
-              <a:t>Decoupled WordPress (code along style) - </a:t>
-            </a:r>
-            <a:r>
-              <a:rPr lang="en-GB" sz="2200" b="1" dirty="0">
-                <a:solidFill>
-                  <a:srgbClr val="0070C0"/>
-                </a:solidFill>
-              </a:rPr>
-              <a:t>WordCamp Dublin October 2019</a:t>
-            </a:r>
-            <a:r>
-              <a:rPr lang="en-GB" sz="2200" dirty="0">
-                <a:solidFill>
-                  <a:srgbClr val="0070C0"/>
-                </a:solidFill>
-              </a:rPr>
-              <a:t>.</a:t>
-            </a:r>
-          </a:p>
-          <a:p>
-            <a:r>
-              <a:rPr lang="en-GB" sz="2200" dirty="0">
-                <a:solidFill>
-                  <a:srgbClr val="0070C0"/>
-                </a:solidFill>
-              </a:rPr>
-              <a:t>JWT and Authentication – </a:t>
-            </a:r>
-            <a:r>
-              <a:rPr lang="en-GB" sz="2200" dirty="0" err="1">
-                <a:solidFill>
-                  <a:srgbClr val="0070C0"/>
-                </a:solidFill>
-              </a:rPr>
-              <a:t>WPHooked</a:t>
-            </a:r>
-            <a:r>
-              <a:rPr lang="en-GB" sz="2200" dirty="0">
-                <a:solidFill>
-                  <a:srgbClr val="0070C0"/>
-                </a:solidFill>
-              </a:rPr>
-              <a:t> London September 2019.</a:t>
-            </a:r>
-          </a:p>
-          <a:p>
-            <a:r>
-              <a:rPr lang="en-GB" sz="2200" dirty="0">
-                <a:solidFill>
-                  <a:srgbClr val="0070C0"/>
-                </a:solidFill>
-              </a:rPr>
-              <a:t>Decoupled WordPress and WP Components - </a:t>
-            </a:r>
-            <a:r>
-              <a:rPr lang="en-GB" sz="2200" b="1" dirty="0">
-                <a:solidFill>
-                  <a:srgbClr val="0070C0"/>
-                </a:solidFill>
-              </a:rPr>
-              <a:t>WordCamp Brighton August 2019</a:t>
-            </a:r>
-            <a:r>
-              <a:rPr lang="en-GB" sz="2200" dirty="0">
-                <a:solidFill>
-                  <a:srgbClr val="0070C0"/>
-                </a:solidFill>
-              </a:rPr>
-              <a:t>.</a:t>
-            </a:r>
-          </a:p>
-          <a:p>
-            <a:pPr marL="457200" lvl="1" indent="0">
-              <a:buNone/>
-            </a:pPr>
-            <a:endParaRPr lang="en-GB" sz="6700" dirty="0">
-              <a:solidFill>
-                <a:srgbClr val="2196F3"/>
-              </a:solidFill>
-              <a:latin typeface="Segoe UI" panose="020B0502040204020203" pitchFamily="34" charset="0"/>
-              <a:cs typeface="Segoe UI" panose="020B0502040204020203" pitchFamily="34" charset="0"/>
-            </a:endParaRPr>
-          </a:p>
-          <a:p>
-            <a:pPr marL="457200" lvl="1" indent="0">
-              <a:buNone/>
-            </a:pPr>
-            <a:endParaRPr lang="en-GB" sz="6700" dirty="0">
-              <a:solidFill>
-                <a:srgbClr val="2196F3"/>
-              </a:solidFill>
-              <a:latin typeface="Segoe UI" panose="020B0502040204020203" pitchFamily="34" charset="0"/>
-              <a:cs typeface="Segoe UI" panose="020B0502040204020203" pitchFamily="34" charset="0"/>
-            </a:endParaRPr>
-          </a:p>
-          <a:p>
-            <a:pPr marL="457200" lvl="1" indent="0">
-              <a:buNone/>
-            </a:pPr>
-            <a:endParaRPr lang="en-GB" sz="6700" dirty="0">
-              <a:solidFill>
-                <a:srgbClr val="2196F3"/>
-              </a:solidFill>
-              <a:latin typeface="Segoe UI" panose="020B0502040204020203" pitchFamily="34" charset="0"/>
-              <a:cs typeface="Segoe UI" panose="020B0502040204020203" pitchFamily="34" charset="0"/>
-            </a:endParaRPr>
-          </a:p>
-          <a:p>
-            <a:pPr marL="457200" lvl="1" indent="0">
-              <a:buNone/>
-            </a:pPr>
-            <a:endParaRPr lang="en-GB" sz="6700" dirty="0">
-              <a:latin typeface="Segoe UI" panose="020B0502040204020203" pitchFamily="34" charset="0"/>
-              <a:cs typeface="Segoe UI" panose="020B0502040204020203" pitchFamily="34" charset="0"/>
-            </a:endParaRPr>
-          </a:p>
-          <a:p>
-            <a:pPr marL="0" indent="0">
-              <a:buNone/>
-            </a:pPr>
-            <a:endParaRPr lang="en-GB" dirty="0">
-              <a:latin typeface="Segoe UI" panose="020B0502040204020203" pitchFamily="34" charset="0"/>
-              <a:cs typeface="Segoe UI" panose="020B0502040204020203" pitchFamily="34" charset="0"/>
-            </a:endParaRPr>
-          </a:p>
-          <a:p>
-            <a:endParaRPr lang="en-GB" dirty="0">
-              <a:latin typeface="Segoe UI" panose="020B0502040204020203" pitchFamily="34" charset="0"/>
-              <a:cs typeface="Segoe UI" panose="020B0502040204020203" pitchFamily="34" charset="0"/>
-            </a:endParaRPr>
+              <a:t>Purpose of workshop</a:t>
+            </a:r>
           </a:p>
         </p:txBody>
       </p:sp>
     </p:spTree>
     <p:extLst>
       <p:ext uri="{BB962C8B-B14F-4D97-AF65-F5344CB8AC3E}">
-        <p14:creationId xmlns:p14="http://schemas.microsoft.com/office/powerpoint/2010/main" val="2972891001"/>
+        <p14:creationId xmlns:p14="http://schemas.microsoft.com/office/powerpoint/2010/main" val="653117765"/>
       </p:ext>
     </p:extLst>
   </p:cSld>
@@ -8939,10 +7483,55 @@
       </p:grpSpPr>
       <p:sp>
         <p:nvSpPr>
-          <p:cNvPr id="3" name="Content Placeholder 2">
-            <a:extLst>
-              <a:ext uri="{FF2B5EF4-FFF2-40B4-BE49-F238E27FC236}">
-                <a16:creationId xmlns:a16="http://schemas.microsoft.com/office/drawing/2014/main" id="{380A49C7-87C7-4B50-A695-2297B5304E7B}"/>
+          <p:cNvPr id="2" name="Title 1">
+            <a:extLst>
+              <a:ext uri="{FF2B5EF4-FFF2-40B4-BE49-F238E27FC236}">
+                <a16:creationId xmlns:a16="http://schemas.microsoft.com/office/drawing/2014/main" id="{5D7568B3-EC9A-45DD-8A17-CFE685194B65}"/>
+              </a:ext>
+            </a:extLst>
+          </p:cNvPr>
+          <p:cNvSpPr>
+            <a:spLocks noGrp="1"/>
+          </p:cNvSpPr>
+          <p:nvPr>
+            <p:ph type="title"/>
+          </p:nvPr>
+        </p:nvSpPr>
+        <p:spPr>
+          <a:xfrm>
+            <a:off x="838200" y="0"/>
+            <a:ext cx="10515600" cy="1325563"/>
+          </a:xfrm>
+          <a:solidFill>
+            <a:srgbClr val="2196F3"/>
+          </a:solidFill>
+        </p:spPr>
+        <p:txBody>
+          <a:bodyPr>
+            <a:normAutofit/>
+          </a:bodyPr>
+          <a:lstStyle/>
+          <a:p>
+            <a:pPr algn="ctr"/>
+            <a:r>
+              <a:rPr lang="en-GB" sz="6600" dirty="0">
+                <a:solidFill>
+                  <a:schemeClr val="bg1"/>
+                </a:solidFill>
+                <a:latin typeface="Segoe UI" panose="020B0502040204020203" pitchFamily="34" charset="0"/>
+                <a:cs typeface="Segoe UI" panose="020B0502040204020203" pitchFamily="34" charset="0"/>
+              </a:rPr>
+              <a:t>What is a Web Component? </a:t>
+            </a:r>
+          </a:p>
+        </p:txBody>
+      </p:sp>
+      <p:sp>
+        <p:nvSpPr>
+          <p:cNvPr id="4" name="Content Placeholder 2">
+            <a:extLst>
+              <a:ext uri="{FF2B5EF4-FFF2-40B4-BE49-F238E27FC236}">
+                <a16:creationId xmlns:a16="http://schemas.microsoft.com/office/drawing/2014/main" id="{088CCB65-11B4-408B-9ED3-1304FE85032F}"/>
               </a:ext>
             </a:extLst>
           </p:cNvPr>
@@ -8956,16 +7545,160 @@
         <p:spPr>
           <a:xfrm>
             <a:off x="838200" y="1325563"/>
-            <a:ext cx="10515600" cy="4989511"/>
-          </a:xfrm>
-        </p:spPr>
-        <p:txBody>
-          <a:bodyPr>
-            <a:normAutofit/>
+            <a:ext cx="10515600" cy="5326907"/>
+          </a:xfrm>
+        </p:spPr>
+        <p:txBody>
+          <a:bodyPr wrap="square" bIns="252000">
+            <a:normAutofit fontScale="85000" lnSpcReduction="20000"/>
           </a:bodyPr>
           <a:lstStyle/>
           <a:p>
             <a:pPr marL="0" indent="0">
+              <a:buNone/>
+            </a:pPr>
+            <a:endParaRPr lang="en-GB" sz="900" dirty="0">
+              <a:latin typeface="Segoe UI" panose="020B0502040204020203" pitchFamily="34" charset="0"/>
+              <a:cs typeface="Segoe UI" panose="020B0502040204020203" pitchFamily="34" charset="0"/>
+            </a:endParaRPr>
+          </a:p>
+          <a:p>
+            <a:pPr marL="457200" lvl="1" indent="0">
+              <a:buNone/>
+            </a:pPr>
+            <a:endParaRPr lang="en-GB" sz="400" dirty="0">
+              <a:solidFill>
+                <a:srgbClr val="2196F3"/>
+              </a:solidFill>
+              <a:latin typeface="Segoe UI" panose="020B0502040204020203" pitchFamily="34" charset="0"/>
+              <a:cs typeface="Segoe UI" panose="020B0502040204020203" pitchFamily="34" charset="0"/>
+            </a:endParaRPr>
+          </a:p>
+          <a:p>
+            <a:pPr marL="457200" lvl="1" indent="0" algn="ctr">
+              <a:buNone/>
+            </a:pPr>
+            <a:r>
+              <a:rPr lang="en-GB" sz="4300" dirty="0">
+                <a:solidFill>
+                  <a:srgbClr val="2196F3"/>
+                </a:solidFill>
+                <a:latin typeface="Segoe UI" panose="020B0502040204020203" pitchFamily="34" charset="0"/>
+                <a:cs typeface="Segoe UI" panose="020B0502040204020203" pitchFamily="34" charset="0"/>
+              </a:rPr>
+              <a:t>&lt;my-component&gt;&lt;/my-component&gt;</a:t>
+            </a:r>
+          </a:p>
+          <a:p>
+            <a:pPr marL="457200" lvl="1" indent="0" algn="ctr">
+              <a:buNone/>
+            </a:pPr>
+            <a:r>
+              <a:rPr lang="en-GB" sz="4300" dirty="0">
+                <a:solidFill>
+                  <a:srgbClr val="2196F3"/>
+                </a:solidFill>
+                <a:latin typeface="Segoe UI" panose="020B0502040204020203" pitchFamily="34" charset="0"/>
+                <a:cs typeface="Segoe UI" panose="020B0502040204020203" pitchFamily="34" charset="0"/>
+              </a:rPr>
+              <a:t>&lt;script src=“file.js”&gt;&lt;/script&gt;</a:t>
+            </a:r>
+          </a:p>
+          <a:p>
+            <a:pPr marL="457200" lvl="1" indent="0" algn="ctr">
+              <a:lnSpc>
+                <a:spcPts val="3000"/>
+              </a:lnSpc>
+              <a:buNone/>
+            </a:pPr>
+            <a:endParaRPr lang="en-GB" sz="1100" dirty="0">
+              <a:solidFill>
+                <a:srgbClr val="2196F3"/>
+              </a:solidFill>
+              <a:latin typeface="Segoe UI" panose="020B0502040204020203" pitchFamily="34" charset="0"/>
+              <a:cs typeface="Segoe UI" panose="020B0502040204020203" pitchFamily="34" charset="0"/>
+            </a:endParaRPr>
+          </a:p>
+          <a:p>
+            <a:pPr lvl="1">
+              <a:lnSpc>
+                <a:spcPts val="3600"/>
+              </a:lnSpc>
+            </a:pPr>
+            <a:r>
+              <a:rPr lang="en-GB" sz="3600" dirty="0">
+                <a:solidFill>
+                  <a:srgbClr val="2196F3"/>
+                </a:solidFill>
+                <a:latin typeface="Segoe UI" panose="020B0502040204020203" pitchFamily="34" charset="0"/>
+                <a:cs typeface="Segoe UI" panose="020B0502040204020203" pitchFamily="34" charset="0"/>
+              </a:rPr>
+              <a:t>Must contain at least one hyphen.</a:t>
+            </a:r>
+          </a:p>
+          <a:p>
+            <a:pPr lvl="1">
+              <a:lnSpc>
+                <a:spcPts val="3600"/>
+              </a:lnSpc>
+            </a:pPr>
+            <a:r>
+              <a:rPr lang="en-GB" sz="3600" dirty="0">
+                <a:solidFill>
+                  <a:srgbClr val="2196F3"/>
+                </a:solidFill>
+                <a:latin typeface="Segoe UI" panose="020B0502040204020203" pitchFamily="34" charset="0"/>
+                <a:cs typeface="Segoe UI" panose="020B0502040204020203" pitchFamily="34" charset="0"/>
+              </a:rPr>
+              <a:t>Use just like any HTML tag.</a:t>
+            </a:r>
+            <a:endParaRPr lang="en-GB" sz="1200" dirty="0">
+              <a:solidFill>
+                <a:srgbClr val="2196F3"/>
+              </a:solidFill>
+              <a:latin typeface="Segoe UI" panose="020B0502040204020203" pitchFamily="34" charset="0"/>
+              <a:cs typeface="Segoe UI" panose="020B0502040204020203" pitchFamily="34" charset="0"/>
+            </a:endParaRPr>
+          </a:p>
+          <a:p>
+            <a:pPr lvl="1">
+              <a:lnSpc>
+                <a:spcPts val="3600"/>
+              </a:lnSpc>
+            </a:pPr>
+            <a:r>
+              <a:rPr lang="en-GB" sz="3600" dirty="0">
+                <a:solidFill>
+                  <a:srgbClr val="2196F3"/>
+                </a:solidFill>
+                <a:latin typeface="Segoe UI" panose="020B0502040204020203" pitchFamily="34" charset="0"/>
+                <a:cs typeface="Segoe UI" panose="020B0502040204020203" pitchFamily="34" charset="0"/>
+              </a:rPr>
+              <a:t>They </a:t>
+            </a:r>
+            <a:r>
+              <a:rPr lang="en-GB" sz="3600">
+                <a:solidFill>
+                  <a:srgbClr val="2196F3"/>
+                </a:solidFill>
+                <a:latin typeface="Segoe UI" panose="020B0502040204020203" pitchFamily="34" charset="0"/>
+                <a:cs typeface="Segoe UI" panose="020B0502040204020203" pitchFamily="34" charset="0"/>
+              </a:rPr>
+              <a:t>extend HTMLElement </a:t>
+            </a:r>
+            <a:r>
+              <a:rPr lang="en-GB" sz="3600" dirty="0">
+                <a:solidFill>
+                  <a:srgbClr val="2196F3"/>
+                </a:solidFill>
+                <a:latin typeface="Segoe UI" panose="020B0502040204020203" pitchFamily="34" charset="0"/>
+                <a:cs typeface="Segoe UI" panose="020B0502040204020203" pitchFamily="34" charset="0"/>
+              </a:rPr>
+              <a:t>class.</a:t>
+            </a:r>
+          </a:p>
+          <a:p>
+            <a:pPr marL="457200" lvl="1" indent="0">
               <a:buNone/>
             </a:pPr>
             <a:endParaRPr lang="en-GB" sz="3600" dirty="0">
@@ -8977,10 +7710,8 @@
             </a:endParaRPr>
           </a:p>
           <a:p>
-            <a:pPr>
-              <a:lnSpc>
-                <a:spcPts val="4500"/>
-              </a:lnSpc>
+            <a:pPr marL="457200" lvl="1" indent="0">
+              <a:buNone/>
             </a:pPr>
             <a:r>
               <a:rPr lang="en-GB" sz="3600" dirty="0">
@@ -8989,44 +7720,17 @@
                 </a:solidFill>
                 <a:latin typeface="Segoe UI" panose="020B0502040204020203" pitchFamily="34" charset="0"/>
                 <a:cs typeface="Segoe UI" panose="020B0502040204020203" pitchFamily="34" charset="0"/>
-              </a:rPr>
-              <a:t>To give an overview of all aspects of Web Components.</a:t>
-            </a:r>
-          </a:p>
-          <a:p>
-            <a:pPr>
-              <a:lnSpc>
-                <a:spcPts val="4500"/>
-              </a:lnSpc>
-            </a:pPr>
-            <a:r>
-              <a:rPr lang="en-GB" sz="3600" dirty="0">
-                <a:solidFill>
-                  <a:srgbClr val="2196F3"/>
-                </a:solidFill>
-                <a:latin typeface="Segoe UI" panose="020B0502040204020203" pitchFamily="34" charset="0"/>
-                <a:cs typeface="Segoe UI" panose="020B0502040204020203" pitchFamily="34" charset="0"/>
-              </a:rPr>
-              <a:t>Prepare you to use all the workshop resources after the workshop.</a:t>
-            </a:r>
-          </a:p>
-          <a:p>
-            <a:pPr>
-              <a:lnSpc>
-                <a:spcPts val="4500"/>
-              </a:lnSpc>
-            </a:pPr>
-            <a:r>
-              <a:rPr lang="en-GB" sz="3600" dirty="0">
-                <a:solidFill>
-                  <a:srgbClr val="2196F3"/>
-                </a:solidFill>
-                <a:latin typeface="Segoe UI" panose="020B0502040204020203" pitchFamily="34" charset="0"/>
-                <a:cs typeface="Segoe UI" panose="020B0502040204020203" pitchFamily="34" charset="0"/>
-              </a:rPr>
-              <a:t>Demonstrate with examples how to create highly functional Web Components.</a:t>
-            </a:r>
-            <a:endParaRPr lang="en-GB" sz="4700" dirty="0">
+                <a:hlinkClick r:id="rId2">
+                  <a:extLst>
+                    <a:ext uri="{A12FA001-AC4F-418D-AE19-62706E023703}">
+                      <ahyp:hlinkClr xmlns:ahyp="http://schemas.microsoft.com/office/drawing/2018/hyperlinkcolor" val="tx"/>
+                    </a:ext>
+                  </a:extLst>
+                </a:hlinkClick>
+              </a:rPr>
+              <a:t>https://www.webcomponents.org/</a:t>
+            </a:r>
+            <a:endParaRPr lang="en-GB" sz="3600" dirty="0">
               <a:solidFill>
                 <a:srgbClr val="2196F3"/>
               </a:solidFill>
@@ -9035,10 +7739,10 @@
             </a:endParaRPr>
           </a:p>
           <a:p>
-            <a:pPr marL="0" indent="0">
-              <a:buNone/>
-            </a:pPr>
-            <a:endParaRPr lang="en-GB" sz="3600" i="1" dirty="0">
+            <a:pPr marL="457200" lvl="1" indent="0">
+              <a:buNone/>
+            </a:pPr>
+            <a:endParaRPr lang="en-GB" sz="3600" dirty="0">
               <a:solidFill>
                 <a:srgbClr val="2196F3"/>
               </a:solidFill>
@@ -9047,10 +7751,42 @@
             </a:endParaRPr>
           </a:p>
           <a:p>
-            <a:pPr marL="0" indent="0">
-              <a:buNone/>
-            </a:pPr>
-            <a:endParaRPr lang="en-GB" sz="1400" dirty="0">
+            <a:pPr marL="457200" lvl="1" indent="0">
+              <a:buNone/>
+            </a:pPr>
+            <a:r>
+              <a:rPr lang="en-GB" sz="3600" dirty="0">
+                <a:solidFill>
+                  <a:srgbClr val="2196F3"/>
+                </a:solidFill>
+                <a:latin typeface="Segoe UI" panose="020B0502040204020203" pitchFamily="34" charset="0"/>
+                <a:cs typeface="Segoe UI" panose="020B0502040204020203" pitchFamily="34" charset="0"/>
+                <a:hlinkClick r:id="rId3">
+                  <a:extLst>
+                    <a:ext uri="{A12FA001-AC4F-418D-AE19-62706E023703}">
+                      <ahyp:hlinkClr xmlns:ahyp="http://schemas.microsoft.com/office/drawing/2018/hyperlinkcolor" val="tx"/>
+                    </a:ext>
+                  </a:extLst>
+                </a:hlinkClick>
+              </a:rPr>
+              <a:t>https://custom-elements-everywhere.com/</a:t>
+            </a:r>
+            <a:r>
+              <a:rPr lang="en-GB" sz="3600" dirty="0">
+                <a:solidFill>
+                  <a:srgbClr val="2196F3"/>
+                </a:solidFill>
+                <a:latin typeface="Segoe UI" panose="020B0502040204020203" pitchFamily="34" charset="0"/>
+                <a:cs typeface="Segoe UI" panose="020B0502040204020203" pitchFamily="34" charset="0"/>
+              </a:rPr>
+              <a:t> (Making sure frameworks and custom elements can be BFFs )</a:t>
+            </a:r>
+          </a:p>
+          <a:p>
+            <a:pPr marL="457200" lvl="1" indent="0">
+              <a:buNone/>
+            </a:pPr>
+            <a:endParaRPr lang="en-GB" sz="3600" dirty="0">
               <a:solidFill>
                 <a:srgbClr val="2196F3"/>
               </a:solidFill>
@@ -9059,10 +7795,10 @@
             </a:endParaRPr>
           </a:p>
           <a:p>
-            <a:pPr marL="0" indent="0">
-              <a:buNone/>
-            </a:pPr>
-            <a:endParaRPr lang="en-GB" i="1" dirty="0">
+            <a:pPr marL="457200" lvl="1" indent="0">
+              <a:buNone/>
+            </a:pPr>
+            <a:endParaRPr lang="en-GB" sz="6700" dirty="0">
               <a:solidFill>
                 <a:srgbClr val="2196F3"/>
               </a:solidFill>
@@ -9071,6 +7807,30 @@
             </a:endParaRPr>
           </a:p>
           <a:p>
+            <a:pPr marL="457200" lvl="1" indent="0">
+              <a:buNone/>
+            </a:pPr>
+            <a:endParaRPr lang="en-GB" sz="6700" dirty="0">
+              <a:solidFill>
+                <a:srgbClr val="2196F3"/>
+              </a:solidFill>
+              <a:latin typeface="Segoe UI" panose="020B0502040204020203" pitchFamily="34" charset="0"/>
+              <a:cs typeface="Segoe UI" panose="020B0502040204020203" pitchFamily="34" charset="0"/>
+            </a:endParaRPr>
+          </a:p>
+          <a:p>
+            <a:pPr marL="457200" lvl="1" indent="0">
+              <a:buNone/>
+            </a:pPr>
+            <a:endParaRPr lang="en-GB" sz="6700" dirty="0">
+              <a:latin typeface="Segoe UI" panose="020B0502040204020203" pitchFamily="34" charset="0"/>
+              <a:cs typeface="Segoe UI" panose="020B0502040204020203" pitchFamily="34" charset="0"/>
+            </a:endParaRPr>
+          </a:p>
+          <a:p>
+            <a:pPr marL="0" indent="0">
+              <a:buNone/>
+            </a:pPr>
             <a:endParaRPr lang="en-GB" dirty="0">
               <a:latin typeface="Segoe UI" panose="020B0502040204020203" pitchFamily="34" charset="0"/>
               <a:cs typeface="Segoe UI" panose="020B0502040204020203" pitchFamily="34" charset="0"/>
@@ -9081,70 +7841,13 @@
               <a:latin typeface="Segoe UI" panose="020B0502040204020203" pitchFamily="34" charset="0"/>
               <a:cs typeface="Segoe UI" panose="020B0502040204020203" pitchFamily="34" charset="0"/>
             </a:endParaRPr>
-          </a:p>
-          <a:p>
-            <a:endParaRPr lang="en-GB" dirty="0">
-              <a:latin typeface="Segoe UI" panose="020B0502040204020203" pitchFamily="34" charset="0"/>
-              <a:cs typeface="Segoe UI" panose="020B0502040204020203" pitchFamily="34" charset="0"/>
-            </a:endParaRPr>
-          </a:p>
-          <a:p>
-            <a:endParaRPr lang="en-GB" dirty="0">
-              <a:latin typeface="Segoe UI" panose="020B0502040204020203" pitchFamily="34" charset="0"/>
-              <a:cs typeface="Segoe UI" panose="020B0502040204020203" pitchFamily="34" charset="0"/>
-            </a:endParaRPr>
-          </a:p>
-        </p:txBody>
-      </p:sp>
-      <p:sp>
-        <p:nvSpPr>
-          <p:cNvPr id="6" name="Title 1">
-            <a:extLst>
-              <a:ext uri="{FF2B5EF4-FFF2-40B4-BE49-F238E27FC236}">
-                <a16:creationId xmlns:a16="http://schemas.microsoft.com/office/drawing/2014/main" id="{A9FE3B7A-AB00-444C-B7E7-EA48B7D72F9E}"/>
-              </a:ext>
-            </a:extLst>
-          </p:cNvPr>
-          <p:cNvSpPr>
-            <a:spLocks noGrp="1"/>
-          </p:cNvSpPr>
-          <p:nvPr>
-            <p:ph type="title"/>
-          </p:nvPr>
-        </p:nvSpPr>
-        <p:spPr>
-          <a:xfrm>
-            <a:off x="838200" y="0"/>
-            <a:ext cx="10515600" cy="1325563"/>
-          </a:xfrm>
-          <a:solidFill>
-            <a:srgbClr val="2196F3"/>
-          </a:solidFill>
-        </p:spPr>
-        <p:txBody>
-          <a:bodyPr>
-            <a:normAutofit/>
-          </a:bodyPr>
-          <a:lstStyle/>
-          <a:p>
-            <a:pPr algn="ctr"/>
-            <a:r>
-              <a:rPr lang="en-GB" sz="6600" dirty="0">
-                <a:solidFill>
-                  <a:schemeClr val="bg1"/>
-                </a:solidFill>
-                <a:latin typeface="Segoe UI" panose="020B0502040204020203" pitchFamily="34" charset="0"/>
-                <a:cs typeface="Segoe UI" panose="020B0502040204020203" pitchFamily="34" charset="0"/>
-              </a:rPr>
-              <a:t>Purpose of workshop</a:t>
-            </a:r>
           </a:p>
         </p:txBody>
       </p:sp>
     </p:spTree>
     <p:extLst>
       <p:ext uri="{BB962C8B-B14F-4D97-AF65-F5344CB8AC3E}">
-        <p14:creationId xmlns:p14="http://schemas.microsoft.com/office/powerpoint/2010/main" val="653117765"/>
+        <p14:creationId xmlns:p14="http://schemas.microsoft.com/office/powerpoint/2010/main" val="520367034"/>
       </p:ext>
     </p:extLst>
   </p:cSld>
@@ -9171,315 +7874,84 @@
           <a:chExt cx="0" cy="0"/>
         </a:xfrm>
       </p:grpSpPr>
-      <p:sp>
-        <p:nvSpPr>
-          <p:cNvPr id="2" name="Title 1">
-            <a:extLst>
-              <a:ext uri="{FF2B5EF4-FFF2-40B4-BE49-F238E27FC236}">
-                <a16:creationId xmlns:a16="http://schemas.microsoft.com/office/drawing/2014/main" id="{5D7568B3-EC9A-45DD-8A17-CFE685194B65}"/>
-              </a:ext>
-            </a:extLst>
-          </p:cNvPr>
-          <p:cNvSpPr>
-            <a:spLocks noGrp="1"/>
-          </p:cNvSpPr>
-          <p:nvPr>
-            <p:ph type="title"/>
-          </p:nvPr>
-        </p:nvSpPr>
+      <p:pic>
+        <p:nvPicPr>
+          <p:cNvPr id="5" name="Picture 4" descr="A picture containing food&#10;&#10;Description automatically generated">
+            <a:extLst>
+              <a:ext uri="{FF2B5EF4-FFF2-40B4-BE49-F238E27FC236}">
+                <a16:creationId xmlns:a16="http://schemas.microsoft.com/office/drawing/2014/main" id="{8E85D67E-6196-4971-9517-B5CA032300BF}"/>
+              </a:ext>
+            </a:extLst>
+          </p:cNvPr>
+          <p:cNvPicPr>
+            <a:picLocks noChangeAspect="1"/>
+          </p:cNvPicPr>
+          <p:nvPr/>
+        </p:nvPicPr>
+        <p:blipFill>
+          <a:blip r:embed="rId2">
+            <a:extLst>
+              <a:ext uri="{28A0092B-C50C-407E-A947-70E740481C1C}">
+                <a14:useLocalDpi xmlns:a14="http://schemas.microsoft.com/office/drawing/2010/main" val="0"/>
+              </a:ext>
+            </a:extLst>
+          </a:blip>
+          <a:stretch>
+            <a:fillRect/>
+          </a:stretch>
+        </p:blipFill>
         <p:spPr>
           <a:xfrm>
-            <a:off x="838200" y="0"/>
-            <a:ext cx="10515600" cy="1325563"/>
-          </a:xfrm>
-          <a:solidFill>
-            <a:srgbClr val="2196F3"/>
-          </a:solidFill>
-        </p:spPr>
-        <p:txBody>
-          <a:bodyPr>
-            <a:normAutofit/>
+            <a:off x="2416471" y="900717"/>
+            <a:ext cx="7234921" cy="5444100"/>
+          </a:xfrm>
+          <a:prstGeom prst="rect">
+            <a:avLst/>
+          </a:prstGeom>
+        </p:spPr>
+      </p:pic>
+      <p:sp>
+        <p:nvSpPr>
+          <p:cNvPr id="6" name="TextBox 5">
+            <a:extLst>
+              <a:ext uri="{FF2B5EF4-FFF2-40B4-BE49-F238E27FC236}">
+                <a16:creationId xmlns:a16="http://schemas.microsoft.com/office/drawing/2014/main" id="{95FBBC3D-9FC0-49E9-BA50-3C94DE833DEC}"/>
+              </a:ext>
+            </a:extLst>
+          </p:cNvPr>
+          <p:cNvSpPr txBox="1"/>
+          <p:nvPr/>
+        </p:nvSpPr>
+        <p:spPr>
+          <a:xfrm>
+            <a:off x="2316788" y="233266"/>
+            <a:ext cx="7607558" cy="400110"/>
+          </a:xfrm>
+          <a:prstGeom prst="rect">
+            <a:avLst/>
+          </a:prstGeom>
+          <a:noFill/>
+        </p:spPr>
+        <p:txBody>
+          <a:bodyPr wrap="square" rtlCol="0">
+            <a:spAutoFit/>
           </a:bodyPr>
           <a:lstStyle/>
           <a:p>
-            <a:pPr algn="ctr"/>
-            <a:r>
-              <a:rPr lang="en-GB" sz="6600" dirty="0">
-                <a:solidFill>
-                  <a:schemeClr val="bg1"/>
-                </a:solidFill>
+            <a:r>
+              <a:rPr lang="en-GB" sz="2000" b="1" dirty="0">
                 <a:latin typeface="Segoe UI" panose="020B0502040204020203" pitchFamily="34" charset="0"/>
                 <a:cs typeface="Segoe UI" panose="020B0502040204020203" pitchFamily="34" charset="0"/>
               </a:rPr>
-              <a:t>What is a Web Component? </a:t>
-            </a:r>
-          </a:p>
-        </p:txBody>
-      </p:sp>
-      <p:sp>
-        <p:nvSpPr>
-          <p:cNvPr id="4" name="Content Placeholder 2">
-            <a:extLst>
-              <a:ext uri="{FF2B5EF4-FFF2-40B4-BE49-F238E27FC236}">
-                <a16:creationId xmlns:a16="http://schemas.microsoft.com/office/drawing/2014/main" id="{088CCB65-11B4-408B-9ED3-1304FE85032F}"/>
-              </a:ext>
-            </a:extLst>
-          </p:cNvPr>
-          <p:cNvSpPr>
-            <a:spLocks noGrp="1"/>
-          </p:cNvSpPr>
-          <p:nvPr>
-            <p:ph idx="1"/>
-          </p:nvPr>
-        </p:nvSpPr>
-        <p:spPr>
-          <a:xfrm>
-            <a:off x="838200" y="1325563"/>
-            <a:ext cx="10515600" cy="5326907"/>
-          </a:xfrm>
-        </p:spPr>
-        <p:txBody>
-          <a:bodyPr wrap="square" bIns="252000">
-            <a:normAutofit fontScale="92500" lnSpcReduction="10000"/>
-          </a:bodyPr>
-          <a:lstStyle/>
-          <a:p>
-            <a:pPr marL="0" indent="0">
-              <a:buNone/>
-            </a:pPr>
-            <a:endParaRPr lang="en-GB" sz="900" dirty="0">
-              <a:latin typeface="Segoe UI" panose="020B0502040204020203" pitchFamily="34" charset="0"/>
-              <a:cs typeface="Segoe UI" panose="020B0502040204020203" pitchFamily="34" charset="0"/>
-            </a:endParaRPr>
-          </a:p>
-          <a:p>
-            <a:pPr marL="457200" lvl="1" indent="0">
-              <a:buNone/>
-            </a:pPr>
-            <a:endParaRPr lang="en-GB" sz="400" dirty="0">
-              <a:solidFill>
-                <a:srgbClr val="2196F3"/>
-              </a:solidFill>
-              <a:latin typeface="Segoe UI" panose="020B0502040204020203" pitchFamily="34" charset="0"/>
-              <a:cs typeface="Segoe UI" panose="020B0502040204020203" pitchFamily="34" charset="0"/>
-            </a:endParaRPr>
-          </a:p>
-          <a:p>
-            <a:pPr marL="457200" lvl="1" indent="0" algn="ctr">
-              <a:buNone/>
-            </a:pPr>
-            <a:r>
-              <a:rPr lang="en-GB" sz="4300" dirty="0">
-                <a:solidFill>
-                  <a:srgbClr val="2196F3"/>
-                </a:solidFill>
-                <a:latin typeface="Segoe UI" panose="020B0502040204020203" pitchFamily="34" charset="0"/>
-                <a:cs typeface="Segoe UI" panose="020B0502040204020203" pitchFamily="34" charset="0"/>
-              </a:rPr>
-              <a:t>&lt;my-component&gt;&lt;/my-component&gt;</a:t>
-            </a:r>
-          </a:p>
-          <a:p>
-            <a:pPr marL="457200" lvl="1" indent="0" algn="ctr">
-              <a:buNone/>
-            </a:pPr>
-            <a:r>
-              <a:rPr lang="en-GB" sz="4300" dirty="0">
-                <a:solidFill>
-                  <a:srgbClr val="2196F3"/>
-                </a:solidFill>
-                <a:latin typeface="Segoe UI" panose="020B0502040204020203" pitchFamily="34" charset="0"/>
-                <a:cs typeface="Segoe UI" panose="020B0502040204020203" pitchFamily="34" charset="0"/>
-              </a:rPr>
-              <a:t>&lt;script src=“file.js”&gt;&lt;/script&gt;</a:t>
-            </a:r>
-          </a:p>
-          <a:p>
-            <a:pPr marL="457200" lvl="1" indent="0" algn="ctr">
-              <a:buNone/>
-            </a:pPr>
-            <a:endParaRPr lang="en-GB" sz="1100" dirty="0">
-              <a:solidFill>
-                <a:srgbClr val="2196F3"/>
-              </a:solidFill>
-              <a:latin typeface="Segoe UI" panose="020B0502040204020203" pitchFamily="34" charset="0"/>
-              <a:cs typeface="Segoe UI" panose="020B0502040204020203" pitchFamily="34" charset="0"/>
-            </a:endParaRPr>
-          </a:p>
-          <a:p>
-            <a:pPr marL="457200" lvl="1" indent="0">
-              <a:buNone/>
-            </a:pPr>
-            <a:r>
-              <a:rPr lang="en-GB" sz="3600" dirty="0">
-                <a:solidFill>
-                  <a:srgbClr val="2196F3"/>
-                </a:solidFill>
-                <a:latin typeface="Segoe UI" panose="020B0502040204020203" pitchFamily="34" charset="0"/>
-                <a:cs typeface="Segoe UI" panose="020B0502040204020203" pitchFamily="34" charset="0"/>
-              </a:rPr>
-              <a:t>Must contain at least one hyphen.</a:t>
-            </a:r>
-          </a:p>
-          <a:p>
-            <a:pPr marL="457200" lvl="1" indent="0">
-              <a:buNone/>
-            </a:pPr>
-            <a:endParaRPr lang="en-GB" sz="1200" dirty="0">
-              <a:solidFill>
-                <a:srgbClr val="2196F3"/>
-              </a:solidFill>
-              <a:latin typeface="Segoe UI" panose="020B0502040204020203" pitchFamily="34" charset="0"/>
-              <a:cs typeface="Segoe UI" panose="020B0502040204020203" pitchFamily="34" charset="0"/>
-            </a:endParaRPr>
-          </a:p>
-          <a:p>
-            <a:pPr marL="457200" lvl="1" indent="0">
-              <a:lnSpc>
-                <a:spcPts val="2800"/>
-              </a:lnSpc>
-              <a:buNone/>
-            </a:pPr>
-            <a:r>
-              <a:rPr lang="en-GB" sz="3600" dirty="0">
-                <a:solidFill>
-                  <a:srgbClr val="2196F3"/>
-                </a:solidFill>
-                <a:latin typeface="Segoe UI" panose="020B0502040204020203" pitchFamily="34" charset="0"/>
-                <a:cs typeface="Segoe UI" panose="020B0502040204020203" pitchFamily="34" charset="0"/>
-              </a:rPr>
-              <a:t>Part of the browser specifications so can be used just like regular HTML tags. They extend </a:t>
-            </a:r>
-            <a:r>
-              <a:rPr lang="en-GB" sz="3600" dirty="0" err="1">
-                <a:solidFill>
-                  <a:srgbClr val="2196F3"/>
-                </a:solidFill>
-                <a:latin typeface="Segoe UI" panose="020B0502040204020203" pitchFamily="34" charset="0"/>
-                <a:cs typeface="Segoe UI" panose="020B0502040204020203" pitchFamily="34" charset="0"/>
-              </a:rPr>
-              <a:t>HTMLElements</a:t>
-            </a:r>
-            <a:r>
-              <a:rPr lang="en-GB" sz="3600" dirty="0">
-                <a:solidFill>
-                  <a:srgbClr val="2196F3"/>
-                </a:solidFill>
-                <a:latin typeface="Segoe UI" panose="020B0502040204020203" pitchFamily="34" charset="0"/>
-                <a:cs typeface="Segoe UI" panose="020B0502040204020203" pitchFamily="34" charset="0"/>
-              </a:rPr>
-              <a:t> class.</a:t>
-            </a:r>
-          </a:p>
-          <a:p>
-            <a:pPr marL="457200" lvl="1" indent="0">
-              <a:buNone/>
-            </a:pPr>
-            <a:endParaRPr lang="en-GB" sz="3600" dirty="0">
-              <a:solidFill>
-                <a:srgbClr val="2196F3"/>
-              </a:solidFill>
-              <a:latin typeface="Segoe UI" panose="020B0502040204020203" pitchFamily="34" charset="0"/>
-              <a:cs typeface="Segoe UI" panose="020B0502040204020203" pitchFamily="34" charset="0"/>
-            </a:endParaRPr>
-          </a:p>
-          <a:p>
-            <a:pPr marL="457200" lvl="1" indent="0">
-              <a:buNone/>
-            </a:pPr>
-            <a:r>
-              <a:rPr lang="en-GB" sz="3600" dirty="0">
-                <a:hlinkClick r:id="rId2"/>
-              </a:rPr>
-              <a:t>https://www.webcomponents.org/</a:t>
-            </a:r>
-            <a:endParaRPr lang="en-GB" sz="3600" dirty="0"/>
-          </a:p>
-          <a:p>
-            <a:pPr marL="457200" lvl="1" indent="0">
-              <a:buNone/>
-            </a:pPr>
-            <a:r>
-              <a:rPr lang="en-GB" sz="3600" dirty="0">
-                <a:hlinkClick r:id="rId3"/>
-              </a:rPr>
-              <a:t>https://custom-elements-everywhere.com/</a:t>
-            </a:r>
-            <a:r>
-              <a:rPr lang="en-GB" sz="3600" dirty="0"/>
-              <a:t> (</a:t>
-            </a:r>
-            <a:r>
-              <a:rPr lang="en-GB" dirty="0"/>
-              <a:t>Making sure frameworks and custom elements can be BFFs )</a:t>
-            </a:r>
-          </a:p>
-          <a:p>
-            <a:pPr marL="457200" lvl="1" indent="0">
-              <a:buNone/>
-            </a:pPr>
-            <a:endParaRPr lang="en-GB" sz="3600" dirty="0">
-              <a:solidFill>
-                <a:srgbClr val="2196F3"/>
-              </a:solidFill>
-              <a:latin typeface="Segoe UI" panose="020B0502040204020203" pitchFamily="34" charset="0"/>
-              <a:cs typeface="Segoe UI" panose="020B0502040204020203" pitchFamily="34" charset="0"/>
-            </a:endParaRPr>
-          </a:p>
-          <a:p>
-            <a:pPr marL="457200" lvl="1" indent="0">
-              <a:buNone/>
-            </a:pPr>
-            <a:endParaRPr lang="en-GB" sz="6700" dirty="0">
-              <a:solidFill>
-                <a:srgbClr val="2196F3"/>
-              </a:solidFill>
-              <a:latin typeface="Segoe UI" panose="020B0502040204020203" pitchFamily="34" charset="0"/>
-              <a:cs typeface="Segoe UI" panose="020B0502040204020203" pitchFamily="34" charset="0"/>
-            </a:endParaRPr>
-          </a:p>
-          <a:p>
-            <a:pPr marL="457200" lvl="1" indent="0">
-              <a:buNone/>
-            </a:pPr>
-            <a:endParaRPr lang="en-GB" sz="6700" dirty="0">
-              <a:solidFill>
-                <a:srgbClr val="2196F3"/>
-              </a:solidFill>
-              <a:latin typeface="Segoe UI" panose="020B0502040204020203" pitchFamily="34" charset="0"/>
-              <a:cs typeface="Segoe UI" panose="020B0502040204020203" pitchFamily="34" charset="0"/>
-            </a:endParaRPr>
-          </a:p>
-          <a:p>
-            <a:pPr marL="457200" lvl="1" indent="0">
-              <a:buNone/>
-            </a:pPr>
-            <a:endParaRPr lang="en-GB" sz="6700" dirty="0">
-              <a:latin typeface="Segoe UI" panose="020B0502040204020203" pitchFamily="34" charset="0"/>
-              <a:cs typeface="Segoe UI" panose="020B0502040204020203" pitchFamily="34" charset="0"/>
-            </a:endParaRPr>
-          </a:p>
-          <a:p>
-            <a:pPr marL="0" indent="0">
-              <a:buNone/>
-            </a:pPr>
-            <a:endParaRPr lang="en-GB" dirty="0">
-              <a:latin typeface="Segoe UI" panose="020B0502040204020203" pitchFamily="34" charset="0"/>
-              <a:cs typeface="Segoe UI" panose="020B0502040204020203" pitchFamily="34" charset="0"/>
-            </a:endParaRPr>
-          </a:p>
-          <a:p>
-            <a:endParaRPr lang="en-GB" dirty="0">
-              <a:latin typeface="Segoe UI" panose="020B0502040204020203" pitchFamily="34" charset="0"/>
-              <a:cs typeface="Segoe UI" panose="020B0502040204020203" pitchFamily="34" charset="0"/>
-            </a:endParaRPr>
+              <a:t>International JS Conference London 2018 – Key Note Speech</a:t>
+            </a:r>
           </a:p>
         </p:txBody>
       </p:sp>
     </p:spTree>
     <p:extLst>
       <p:ext uri="{BB962C8B-B14F-4D97-AF65-F5344CB8AC3E}">
-        <p14:creationId xmlns:p14="http://schemas.microsoft.com/office/powerpoint/2010/main" val="520367034"/>
+        <p14:creationId xmlns:p14="http://schemas.microsoft.com/office/powerpoint/2010/main" val="1395185159"/>
       </p:ext>
     </p:extLst>
   </p:cSld>
@@ -9506,12 +7978,906 @@
           <a:chExt cx="0" cy="0"/>
         </a:xfrm>
       </p:grpSpPr>
+      <p:sp>
+        <p:nvSpPr>
+          <p:cNvPr id="5" name="Rectangle: Rounded Corners 4">
+            <a:extLst>
+              <a:ext uri="{FF2B5EF4-FFF2-40B4-BE49-F238E27FC236}">
+                <a16:creationId xmlns:a16="http://schemas.microsoft.com/office/drawing/2014/main" id="{65B1CF75-47B8-4AC4-BD1E-926B376FD50D}"/>
+              </a:ext>
+            </a:extLst>
+          </p:cNvPr>
+          <p:cNvSpPr/>
+          <p:nvPr/>
+        </p:nvSpPr>
+        <p:spPr>
+          <a:xfrm>
+            <a:off x="886408" y="4376057"/>
+            <a:ext cx="1819470" cy="942392"/>
+          </a:xfrm>
+          <a:prstGeom prst="roundRect">
+            <a:avLst/>
+          </a:prstGeom>
+          <a:solidFill>
+            <a:schemeClr val="bg1">
+              <a:lumMod val="85000"/>
+            </a:schemeClr>
+          </a:solidFill>
+          <a:ln w="28575">
+            <a:solidFill>
+              <a:srgbClr val="FF0000"/>
+            </a:solidFill>
+          </a:ln>
+        </p:spPr>
+        <p:style>
+          <a:lnRef idx="2">
+            <a:schemeClr val="accent1">
+              <a:shade val="50000"/>
+            </a:schemeClr>
+          </a:lnRef>
+          <a:fillRef idx="1">
+            <a:schemeClr val="accent1"/>
+          </a:fillRef>
+          <a:effectRef idx="0">
+            <a:schemeClr val="accent1"/>
+          </a:effectRef>
+          <a:fontRef idx="minor">
+            <a:schemeClr val="lt1"/>
+          </a:fontRef>
+        </p:style>
+        <p:txBody>
+          <a:bodyPr rtlCol="0" anchor="ctr"/>
+          <a:lstStyle/>
+          <a:p>
+            <a:pPr algn="ctr"/>
+            <a:endParaRPr lang="en-GB">
+              <a:latin typeface="Segoe UI" panose="020B0502040204020203" pitchFamily="34" charset="0"/>
+              <a:cs typeface="Segoe UI" panose="020B0502040204020203" pitchFamily="34" charset="0"/>
+            </a:endParaRPr>
+          </a:p>
+        </p:txBody>
+      </p:sp>
+      <p:cxnSp>
+        <p:nvCxnSpPr>
+          <p:cNvPr id="7" name="Straight Connector 6">
+            <a:extLst>
+              <a:ext uri="{FF2B5EF4-FFF2-40B4-BE49-F238E27FC236}">
+                <a16:creationId xmlns:a16="http://schemas.microsoft.com/office/drawing/2014/main" id="{5B3AFA23-E550-4B2B-8247-AFA75329D28C}"/>
+              </a:ext>
+            </a:extLst>
+          </p:cNvPr>
+          <p:cNvCxnSpPr>
+            <a:cxnSpLocks/>
+          </p:cNvCxnSpPr>
+          <p:nvPr/>
+        </p:nvCxnSpPr>
+        <p:spPr>
+          <a:xfrm>
+            <a:off x="8238930" y="0"/>
+            <a:ext cx="0" cy="6858000"/>
+          </a:xfrm>
+          <a:prstGeom prst="line">
+            <a:avLst/>
+          </a:prstGeom>
+          <a:ln w="127000">
+            <a:solidFill>
+              <a:schemeClr val="tx1"/>
+            </a:solidFill>
+          </a:ln>
+        </p:spPr>
+        <p:style>
+          <a:lnRef idx="1">
+            <a:schemeClr val="accent1"/>
+          </a:lnRef>
+          <a:fillRef idx="0">
+            <a:schemeClr val="accent1"/>
+          </a:fillRef>
+          <a:effectRef idx="0">
+            <a:schemeClr val="accent1"/>
+          </a:effectRef>
+          <a:fontRef idx="minor">
+            <a:schemeClr val="tx1"/>
+          </a:fontRef>
+        </p:style>
+      </p:cxnSp>
+      <p:cxnSp>
+        <p:nvCxnSpPr>
+          <p:cNvPr id="9" name="Straight Connector 8">
+            <a:extLst>
+              <a:ext uri="{FF2B5EF4-FFF2-40B4-BE49-F238E27FC236}">
+                <a16:creationId xmlns:a16="http://schemas.microsoft.com/office/drawing/2014/main" id="{8ECDE257-0E06-4C73-B713-15F600FA91AE}"/>
+              </a:ext>
+            </a:extLst>
+          </p:cNvPr>
+          <p:cNvCxnSpPr>
+            <a:cxnSpLocks/>
+          </p:cNvCxnSpPr>
+          <p:nvPr/>
+        </p:nvCxnSpPr>
+        <p:spPr>
+          <a:xfrm>
+            <a:off x="3097763" y="3437944"/>
+            <a:ext cx="0" cy="2449286"/>
+          </a:xfrm>
+          <a:prstGeom prst="line">
+            <a:avLst/>
+          </a:prstGeom>
+          <a:ln w="15875" cmpd="dbl">
+            <a:solidFill>
+              <a:schemeClr val="accent6">
+                <a:lumMod val="75000"/>
+              </a:schemeClr>
+            </a:solidFill>
+            <a:prstDash val="lgDash"/>
+          </a:ln>
+        </p:spPr>
+        <p:style>
+          <a:lnRef idx="1">
+            <a:schemeClr val="accent1"/>
+          </a:lnRef>
+          <a:fillRef idx="0">
+            <a:schemeClr val="accent1"/>
+          </a:fillRef>
+          <a:effectRef idx="0">
+            <a:schemeClr val="accent1"/>
+          </a:effectRef>
+          <a:fontRef idx="minor">
+            <a:schemeClr val="tx1"/>
+          </a:fontRef>
+        </p:style>
+      </p:cxnSp>
+      <p:sp>
+        <p:nvSpPr>
+          <p:cNvPr id="13" name="Rectangle: Rounded Corners 12">
+            <a:extLst>
+              <a:ext uri="{FF2B5EF4-FFF2-40B4-BE49-F238E27FC236}">
+                <a16:creationId xmlns:a16="http://schemas.microsoft.com/office/drawing/2014/main" id="{497DB97B-039D-4182-8A21-C324F5A05084}"/>
+              </a:ext>
+            </a:extLst>
+          </p:cNvPr>
+          <p:cNvSpPr/>
+          <p:nvPr/>
+        </p:nvSpPr>
+        <p:spPr>
+          <a:xfrm>
+            <a:off x="1244080" y="709127"/>
+            <a:ext cx="5520611" cy="2183363"/>
+          </a:xfrm>
+          <a:prstGeom prst="roundRect">
+            <a:avLst/>
+          </a:prstGeom>
+          <a:solidFill>
+            <a:schemeClr val="bg1">
+              <a:lumMod val="85000"/>
+            </a:schemeClr>
+          </a:solidFill>
+          <a:ln w="28575">
+            <a:solidFill>
+              <a:srgbClr val="FF0000"/>
+            </a:solidFill>
+          </a:ln>
+        </p:spPr>
+        <p:style>
+          <a:lnRef idx="2">
+            <a:schemeClr val="accent1">
+              <a:shade val="50000"/>
+            </a:schemeClr>
+          </a:lnRef>
+          <a:fillRef idx="1">
+            <a:schemeClr val="accent1"/>
+          </a:fillRef>
+          <a:effectRef idx="0">
+            <a:schemeClr val="accent1"/>
+          </a:effectRef>
+          <a:fontRef idx="minor">
+            <a:schemeClr val="lt1"/>
+          </a:fontRef>
+        </p:style>
+        <p:txBody>
+          <a:bodyPr rtlCol="0" anchor="ctr"/>
+          <a:lstStyle/>
+          <a:p>
+            <a:pPr algn="ctr"/>
+            <a:endParaRPr lang="en-GB">
+              <a:latin typeface="Segoe UI" panose="020B0502040204020203" pitchFamily="34" charset="0"/>
+              <a:cs typeface="Segoe UI" panose="020B0502040204020203" pitchFamily="34" charset="0"/>
+            </a:endParaRPr>
+          </a:p>
+        </p:txBody>
+      </p:sp>
+      <p:sp>
+        <p:nvSpPr>
+          <p:cNvPr id="14" name="Rectangle: Rounded Corners 13">
+            <a:extLst>
+              <a:ext uri="{FF2B5EF4-FFF2-40B4-BE49-F238E27FC236}">
+                <a16:creationId xmlns:a16="http://schemas.microsoft.com/office/drawing/2014/main" id="{670B406B-FAA1-4A47-9E0F-388A4554F760}"/>
+              </a:ext>
+            </a:extLst>
+          </p:cNvPr>
+          <p:cNvSpPr/>
+          <p:nvPr/>
+        </p:nvSpPr>
+        <p:spPr>
+          <a:xfrm>
+            <a:off x="5951371" y="4406768"/>
+            <a:ext cx="1819470" cy="942392"/>
+          </a:xfrm>
+          <a:prstGeom prst="roundRect">
+            <a:avLst/>
+          </a:prstGeom>
+          <a:solidFill>
+            <a:schemeClr val="bg1">
+              <a:lumMod val="85000"/>
+            </a:schemeClr>
+          </a:solidFill>
+          <a:ln w="28575">
+            <a:solidFill>
+              <a:srgbClr val="FF0000"/>
+            </a:solidFill>
+          </a:ln>
+        </p:spPr>
+        <p:style>
+          <a:lnRef idx="2">
+            <a:schemeClr val="accent1">
+              <a:shade val="50000"/>
+            </a:schemeClr>
+          </a:lnRef>
+          <a:fillRef idx="1">
+            <a:schemeClr val="accent1"/>
+          </a:fillRef>
+          <a:effectRef idx="0">
+            <a:schemeClr val="accent1"/>
+          </a:effectRef>
+          <a:fontRef idx="minor">
+            <a:schemeClr val="lt1"/>
+          </a:fontRef>
+        </p:style>
+        <p:txBody>
+          <a:bodyPr rtlCol="0" anchor="ctr"/>
+          <a:lstStyle/>
+          <a:p>
+            <a:pPr algn="ctr"/>
+            <a:endParaRPr lang="en-GB">
+              <a:latin typeface="Segoe UI" panose="020B0502040204020203" pitchFamily="34" charset="0"/>
+              <a:cs typeface="Segoe UI" panose="020B0502040204020203" pitchFamily="34" charset="0"/>
+            </a:endParaRPr>
+          </a:p>
+        </p:txBody>
+      </p:sp>
+      <p:sp>
+        <p:nvSpPr>
+          <p:cNvPr id="15" name="Rectangle: Rounded Corners 14">
+            <a:extLst>
+              <a:ext uri="{FF2B5EF4-FFF2-40B4-BE49-F238E27FC236}">
+                <a16:creationId xmlns:a16="http://schemas.microsoft.com/office/drawing/2014/main" id="{56FA4A14-0892-4CE1-BE7A-A2056ECF1DAC}"/>
+              </a:ext>
+            </a:extLst>
+          </p:cNvPr>
+          <p:cNvSpPr/>
+          <p:nvPr/>
+        </p:nvSpPr>
+        <p:spPr>
+          <a:xfrm>
+            <a:off x="3456988" y="4406768"/>
+            <a:ext cx="1819470" cy="942392"/>
+          </a:xfrm>
+          <a:prstGeom prst="roundRect">
+            <a:avLst/>
+          </a:prstGeom>
+          <a:solidFill>
+            <a:schemeClr val="bg1">
+              <a:lumMod val="85000"/>
+            </a:schemeClr>
+          </a:solidFill>
+          <a:ln w="28575">
+            <a:solidFill>
+              <a:srgbClr val="FF0000"/>
+            </a:solidFill>
+          </a:ln>
+        </p:spPr>
+        <p:style>
+          <a:lnRef idx="2">
+            <a:schemeClr val="accent1">
+              <a:shade val="50000"/>
+            </a:schemeClr>
+          </a:lnRef>
+          <a:fillRef idx="1">
+            <a:schemeClr val="accent1"/>
+          </a:fillRef>
+          <a:effectRef idx="0">
+            <a:schemeClr val="accent1"/>
+          </a:effectRef>
+          <a:fontRef idx="minor">
+            <a:schemeClr val="lt1"/>
+          </a:fontRef>
+        </p:style>
+        <p:txBody>
+          <a:bodyPr rtlCol="0" anchor="ctr"/>
+          <a:lstStyle/>
+          <a:p>
+            <a:pPr algn="ctr"/>
+            <a:endParaRPr lang="en-GB">
+              <a:latin typeface="Segoe UI" panose="020B0502040204020203" pitchFamily="34" charset="0"/>
+              <a:cs typeface="Segoe UI" panose="020B0502040204020203" pitchFamily="34" charset="0"/>
+            </a:endParaRPr>
+          </a:p>
+        </p:txBody>
+      </p:sp>
+      <p:cxnSp>
+        <p:nvCxnSpPr>
+          <p:cNvPr id="16" name="Straight Connector 15">
+            <a:extLst>
+              <a:ext uri="{FF2B5EF4-FFF2-40B4-BE49-F238E27FC236}">
+                <a16:creationId xmlns:a16="http://schemas.microsoft.com/office/drawing/2014/main" id="{B8646BD2-FF5F-47C6-9788-5228BF540137}"/>
+              </a:ext>
+            </a:extLst>
+          </p:cNvPr>
+          <p:cNvCxnSpPr>
+            <a:cxnSpLocks/>
+          </p:cNvCxnSpPr>
+          <p:nvPr/>
+        </p:nvCxnSpPr>
+        <p:spPr>
+          <a:xfrm>
+            <a:off x="5592147" y="3429000"/>
+            <a:ext cx="0" cy="2449286"/>
+          </a:xfrm>
+          <a:prstGeom prst="line">
+            <a:avLst/>
+          </a:prstGeom>
+          <a:ln w="15875" cmpd="dbl">
+            <a:solidFill>
+              <a:schemeClr val="accent6">
+                <a:lumMod val="75000"/>
+              </a:schemeClr>
+            </a:solidFill>
+            <a:prstDash val="lgDash"/>
+          </a:ln>
+        </p:spPr>
+        <p:style>
+          <a:lnRef idx="1">
+            <a:schemeClr val="accent1"/>
+          </a:lnRef>
+          <a:fillRef idx="0">
+            <a:schemeClr val="accent1"/>
+          </a:fillRef>
+          <a:effectRef idx="0">
+            <a:schemeClr val="accent1"/>
+          </a:effectRef>
+          <a:fontRef idx="minor">
+            <a:schemeClr val="tx1"/>
+          </a:fontRef>
+        </p:style>
+      </p:cxnSp>
+      <p:sp>
+        <p:nvSpPr>
+          <p:cNvPr id="17" name="TextBox 16">
+            <a:extLst>
+              <a:ext uri="{FF2B5EF4-FFF2-40B4-BE49-F238E27FC236}">
+                <a16:creationId xmlns:a16="http://schemas.microsoft.com/office/drawing/2014/main" id="{6E8BFC32-3AFA-4B4C-9172-2CBE21A80A58}"/>
+              </a:ext>
+            </a:extLst>
+          </p:cNvPr>
+          <p:cNvSpPr txBox="1"/>
+          <p:nvPr/>
+        </p:nvSpPr>
+        <p:spPr>
+          <a:xfrm>
+            <a:off x="2362465" y="1178588"/>
+            <a:ext cx="3187956" cy="1446550"/>
+          </a:xfrm>
+          <a:prstGeom prst="rect">
+            <a:avLst/>
+          </a:prstGeom>
+          <a:noFill/>
+        </p:spPr>
+        <p:txBody>
+          <a:bodyPr wrap="square" rtlCol="0">
+            <a:spAutoFit/>
+          </a:bodyPr>
+          <a:lstStyle/>
+          <a:p>
+            <a:r>
+              <a:rPr lang="en-GB" sz="8800" dirty="0">
+                <a:latin typeface="Segoe UI" panose="020B0502040204020203" pitchFamily="34" charset="0"/>
+                <a:cs typeface="Segoe UI" panose="020B0502040204020203" pitchFamily="34" charset="0"/>
+              </a:rPr>
+              <a:t>HTML</a:t>
+            </a:r>
+          </a:p>
+        </p:txBody>
+      </p:sp>
+      <p:sp>
+        <p:nvSpPr>
+          <p:cNvPr id="19" name="TextBox 18">
+            <a:extLst>
+              <a:ext uri="{FF2B5EF4-FFF2-40B4-BE49-F238E27FC236}">
+                <a16:creationId xmlns:a16="http://schemas.microsoft.com/office/drawing/2014/main" id="{C81F58F9-1FC7-477B-877C-80F0959EBC0E}"/>
+              </a:ext>
+            </a:extLst>
+          </p:cNvPr>
+          <p:cNvSpPr txBox="1"/>
+          <p:nvPr/>
+        </p:nvSpPr>
+        <p:spPr>
+          <a:xfrm>
+            <a:off x="6019022" y="4693298"/>
+            <a:ext cx="1686507" cy="369332"/>
+          </a:xfrm>
+          <a:prstGeom prst="rect">
+            <a:avLst/>
+          </a:prstGeom>
+          <a:noFill/>
+        </p:spPr>
+        <p:txBody>
+          <a:bodyPr wrap="square" rtlCol="0">
+            <a:spAutoFit/>
+          </a:bodyPr>
+          <a:lstStyle/>
+          <a:p>
+            <a:r>
+              <a:rPr lang="en-GB" dirty="0">
+                <a:latin typeface="Segoe UI" panose="020B0502040204020203" pitchFamily="34" charset="0"/>
+                <a:cs typeface="Segoe UI" panose="020B0502040204020203" pitchFamily="34" charset="0"/>
+              </a:rPr>
+              <a:t>Framework ...n</a:t>
+            </a:r>
+          </a:p>
+        </p:txBody>
+      </p:sp>
+      <p:sp>
+        <p:nvSpPr>
+          <p:cNvPr id="20" name="TextBox 19">
+            <a:extLst>
+              <a:ext uri="{FF2B5EF4-FFF2-40B4-BE49-F238E27FC236}">
+                <a16:creationId xmlns:a16="http://schemas.microsoft.com/office/drawing/2014/main" id="{FB923CCF-0EA9-4C2D-AC00-B89B13CB18B9}"/>
+              </a:ext>
+            </a:extLst>
+          </p:cNvPr>
+          <p:cNvSpPr txBox="1"/>
+          <p:nvPr/>
+        </p:nvSpPr>
+        <p:spPr>
+          <a:xfrm>
+            <a:off x="3619499" y="4693298"/>
+            <a:ext cx="1488233" cy="369332"/>
+          </a:xfrm>
+          <a:prstGeom prst="rect">
+            <a:avLst/>
+          </a:prstGeom>
+          <a:noFill/>
+        </p:spPr>
+        <p:txBody>
+          <a:bodyPr wrap="square" rtlCol="0">
+            <a:spAutoFit/>
+          </a:bodyPr>
+          <a:lstStyle/>
+          <a:p>
+            <a:r>
+              <a:rPr lang="en-GB" dirty="0">
+                <a:latin typeface="Segoe UI" panose="020B0502040204020203" pitchFamily="34" charset="0"/>
+                <a:cs typeface="Segoe UI" panose="020B0502040204020203" pitchFamily="34" charset="0"/>
+              </a:rPr>
+              <a:t>Framework 2</a:t>
+            </a:r>
+          </a:p>
+        </p:txBody>
+      </p:sp>
+      <p:sp>
+        <p:nvSpPr>
+          <p:cNvPr id="21" name="TextBox 20">
+            <a:extLst>
+              <a:ext uri="{FF2B5EF4-FFF2-40B4-BE49-F238E27FC236}">
+                <a16:creationId xmlns:a16="http://schemas.microsoft.com/office/drawing/2014/main" id="{000E004F-3DEE-453A-880F-3667A9536687}"/>
+              </a:ext>
+            </a:extLst>
+          </p:cNvPr>
+          <p:cNvSpPr txBox="1"/>
+          <p:nvPr/>
+        </p:nvSpPr>
+        <p:spPr>
+          <a:xfrm>
+            <a:off x="1091681" y="4693298"/>
+            <a:ext cx="1488233" cy="369332"/>
+          </a:xfrm>
+          <a:prstGeom prst="rect">
+            <a:avLst/>
+          </a:prstGeom>
+          <a:noFill/>
+        </p:spPr>
+        <p:txBody>
+          <a:bodyPr wrap="square" rtlCol="0">
+            <a:spAutoFit/>
+          </a:bodyPr>
+          <a:lstStyle/>
+          <a:p>
+            <a:r>
+              <a:rPr lang="en-GB" dirty="0">
+                <a:latin typeface="Segoe UI" panose="020B0502040204020203" pitchFamily="34" charset="0"/>
+                <a:cs typeface="Segoe UI" panose="020B0502040204020203" pitchFamily="34" charset="0"/>
+              </a:rPr>
+              <a:t>Framework 1</a:t>
+            </a:r>
+          </a:p>
+        </p:txBody>
+      </p:sp>
+      <p:sp>
+        <p:nvSpPr>
+          <p:cNvPr id="23" name="Rectangle: Rounded Corners 22">
+            <a:extLst>
+              <a:ext uri="{FF2B5EF4-FFF2-40B4-BE49-F238E27FC236}">
+                <a16:creationId xmlns:a16="http://schemas.microsoft.com/office/drawing/2014/main" id="{B8A217E0-2E19-412E-A686-048F33BFC561}"/>
+              </a:ext>
+            </a:extLst>
+          </p:cNvPr>
+          <p:cNvSpPr/>
+          <p:nvPr/>
+        </p:nvSpPr>
+        <p:spPr>
+          <a:xfrm>
+            <a:off x="9193762" y="709127"/>
+            <a:ext cx="2251787" cy="4609322"/>
+          </a:xfrm>
+          <a:prstGeom prst="roundRect">
+            <a:avLst/>
+          </a:prstGeom>
+          <a:solidFill>
+            <a:schemeClr val="bg1">
+              <a:lumMod val="85000"/>
+            </a:schemeClr>
+          </a:solidFill>
+          <a:ln w="28575">
+            <a:solidFill>
+              <a:srgbClr val="FF0000"/>
+            </a:solidFill>
+          </a:ln>
+        </p:spPr>
+        <p:style>
+          <a:lnRef idx="2">
+            <a:schemeClr val="accent1">
+              <a:shade val="50000"/>
+            </a:schemeClr>
+          </a:lnRef>
+          <a:fillRef idx="1">
+            <a:schemeClr val="accent1"/>
+          </a:fillRef>
+          <a:effectRef idx="0">
+            <a:schemeClr val="accent1"/>
+          </a:effectRef>
+          <a:fontRef idx="minor">
+            <a:schemeClr val="lt1"/>
+          </a:fontRef>
+        </p:style>
+        <p:txBody>
+          <a:bodyPr rtlCol="0" anchor="ctr"/>
+          <a:lstStyle/>
+          <a:p>
+            <a:pPr algn="ctr"/>
+            <a:endParaRPr lang="en-GB">
+              <a:latin typeface="Segoe UI" panose="020B0502040204020203" pitchFamily="34" charset="0"/>
+              <a:cs typeface="Segoe UI" panose="020B0502040204020203" pitchFamily="34" charset="0"/>
+            </a:endParaRPr>
+          </a:p>
+        </p:txBody>
+      </p:sp>
+      <p:cxnSp>
+        <p:nvCxnSpPr>
+          <p:cNvPr id="18" name="Straight Arrow Connector 17">
+            <a:extLst>
+              <a:ext uri="{FF2B5EF4-FFF2-40B4-BE49-F238E27FC236}">
+                <a16:creationId xmlns:a16="http://schemas.microsoft.com/office/drawing/2014/main" id="{5F7D620A-347A-4465-8346-ADDE9EFF331B}"/>
+              </a:ext>
+            </a:extLst>
+          </p:cNvPr>
+          <p:cNvCxnSpPr>
+            <a:cxnSpLocks/>
+          </p:cNvCxnSpPr>
+          <p:nvPr/>
+        </p:nvCxnSpPr>
+        <p:spPr>
+          <a:xfrm flipV="1">
+            <a:off x="1688841" y="1346327"/>
+            <a:ext cx="0" cy="3029730"/>
+          </a:xfrm>
+          <a:prstGeom prst="straightConnector1">
+            <a:avLst/>
+          </a:prstGeom>
+          <a:ln w="38100">
+            <a:solidFill>
+              <a:schemeClr val="accent1">
+                <a:lumMod val="75000"/>
+              </a:schemeClr>
+            </a:solidFill>
+            <a:tailEnd type="triangle"/>
+          </a:ln>
+        </p:spPr>
+        <p:style>
+          <a:lnRef idx="1">
+            <a:schemeClr val="accent1"/>
+          </a:lnRef>
+          <a:fillRef idx="0">
+            <a:schemeClr val="accent1"/>
+          </a:fillRef>
+          <a:effectRef idx="0">
+            <a:schemeClr val="accent1"/>
+          </a:effectRef>
+          <a:fontRef idx="minor">
+            <a:schemeClr val="tx1"/>
+          </a:fontRef>
+        </p:style>
+      </p:cxnSp>
+      <p:cxnSp>
+        <p:nvCxnSpPr>
+          <p:cNvPr id="22" name="Straight Arrow Connector 21">
+            <a:extLst>
+              <a:ext uri="{FF2B5EF4-FFF2-40B4-BE49-F238E27FC236}">
+                <a16:creationId xmlns:a16="http://schemas.microsoft.com/office/drawing/2014/main" id="{58038E94-A816-4097-B154-9278E5E3AEC5}"/>
+              </a:ext>
+            </a:extLst>
+          </p:cNvPr>
+          <p:cNvCxnSpPr>
+            <a:cxnSpLocks/>
+          </p:cNvCxnSpPr>
+          <p:nvPr/>
+        </p:nvCxnSpPr>
+        <p:spPr>
+          <a:xfrm flipV="1">
+            <a:off x="4266429" y="2692866"/>
+            <a:ext cx="0" cy="1713902"/>
+          </a:xfrm>
+          <a:prstGeom prst="straightConnector1">
+            <a:avLst/>
+          </a:prstGeom>
+          <a:ln w="38100">
+            <a:solidFill>
+              <a:schemeClr val="accent1">
+                <a:lumMod val="75000"/>
+              </a:schemeClr>
+            </a:solidFill>
+            <a:tailEnd type="triangle"/>
+          </a:ln>
+        </p:spPr>
+        <p:style>
+          <a:lnRef idx="1">
+            <a:schemeClr val="accent1"/>
+          </a:lnRef>
+          <a:fillRef idx="0">
+            <a:schemeClr val="accent1"/>
+          </a:fillRef>
+          <a:effectRef idx="0">
+            <a:schemeClr val="accent1"/>
+          </a:effectRef>
+          <a:fontRef idx="minor">
+            <a:schemeClr val="tx1"/>
+          </a:fontRef>
+        </p:style>
+      </p:cxnSp>
+      <p:cxnSp>
+        <p:nvCxnSpPr>
+          <p:cNvPr id="25" name="Straight Arrow Connector 24">
+            <a:extLst>
+              <a:ext uri="{FF2B5EF4-FFF2-40B4-BE49-F238E27FC236}">
+                <a16:creationId xmlns:a16="http://schemas.microsoft.com/office/drawing/2014/main" id="{CE3C969B-AEB4-4EC9-9A8E-B3AE9B64804C}"/>
+              </a:ext>
+            </a:extLst>
+          </p:cNvPr>
+          <p:cNvCxnSpPr/>
+          <p:nvPr/>
+        </p:nvCxnSpPr>
+        <p:spPr>
+          <a:xfrm flipV="1">
+            <a:off x="6263180" y="1666564"/>
+            <a:ext cx="0" cy="2740204"/>
+          </a:xfrm>
+          <a:prstGeom prst="straightConnector1">
+            <a:avLst/>
+          </a:prstGeom>
+          <a:ln w="38100">
+            <a:solidFill>
+              <a:schemeClr val="accent1">
+                <a:lumMod val="75000"/>
+              </a:schemeClr>
+            </a:solidFill>
+            <a:tailEnd type="triangle"/>
+          </a:ln>
+        </p:spPr>
+        <p:style>
+          <a:lnRef idx="1">
+            <a:schemeClr val="accent1"/>
+          </a:lnRef>
+          <a:fillRef idx="0">
+            <a:schemeClr val="accent1"/>
+          </a:fillRef>
+          <a:effectRef idx="0">
+            <a:schemeClr val="accent1"/>
+          </a:effectRef>
+          <a:fontRef idx="minor">
+            <a:schemeClr val="tx1"/>
+          </a:fontRef>
+        </p:style>
+      </p:cxnSp>
+      <p:sp>
+        <p:nvSpPr>
+          <p:cNvPr id="2" name="TextBox 1">
+            <a:extLst>
+              <a:ext uri="{FF2B5EF4-FFF2-40B4-BE49-F238E27FC236}">
+                <a16:creationId xmlns:a16="http://schemas.microsoft.com/office/drawing/2014/main" id="{750521FD-EDC1-47B6-839B-F4D55BFCABCF}"/>
+              </a:ext>
+            </a:extLst>
+          </p:cNvPr>
+          <p:cNvSpPr txBox="1"/>
+          <p:nvPr/>
+        </p:nvSpPr>
+        <p:spPr>
+          <a:xfrm>
+            <a:off x="1388706" y="830901"/>
+            <a:ext cx="3590988" cy="646331"/>
+          </a:xfrm>
+          <a:prstGeom prst="rect">
+            <a:avLst/>
+          </a:prstGeom>
+          <a:noFill/>
+        </p:spPr>
+        <p:txBody>
+          <a:bodyPr wrap="square" rtlCol="0">
+            <a:spAutoFit/>
+          </a:bodyPr>
+          <a:lstStyle/>
+          <a:p>
+            <a:r>
+              <a:rPr lang="en-GB" dirty="0">
+                <a:solidFill>
+                  <a:schemeClr val="accent1">
+                    <a:lumMod val="75000"/>
+                  </a:schemeClr>
+                </a:solidFill>
+              </a:rPr>
+              <a:t>&lt;script src=“bundle.js”&gt;&lt;/script&gt;</a:t>
+            </a:r>
+          </a:p>
+          <a:p>
+            <a:r>
+              <a:rPr lang="en-GB" dirty="0">
+                <a:solidFill>
+                  <a:schemeClr val="accent1">
+                    <a:lumMod val="75000"/>
+                  </a:schemeClr>
+                </a:solidFill>
+              </a:rPr>
+              <a:t>&lt;div id=“app”&gt;</a:t>
+            </a:r>
+          </a:p>
+        </p:txBody>
+      </p:sp>
+      <p:sp>
+        <p:nvSpPr>
+          <p:cNvPr id="26" name="TextBox 25">
+            <a:extLst>
+              <a:ext uri="{FF2B5EF4-FFF2-40B4-BE49-F238E27FC236}">
+                <a16:creationId xmlns:a16="http://schemas.microsoft.com/office/drawing/2014/main" id="{92E01203-6628-42AA-B191-2BE8EE04C15B}"/>
+              </a:ext>
+            </a:extLst>
+          </p:cNvPr>
+          <p:cNvSpPr txBox="1"/>
+          <p:nvPr/>
+        </p:nvSpPr>
+        <p:spPr>
+          <a:xfrm>
+            <a:off x="9728713" y="1046454"/>
+            <a:ext cx="1278294" cy="369332"/>
+          </a:xfrm>
+          <a:prstGeom prst="rect">
+            <a:avLst/>
+          </a:prstGeom>
+          <a:solidFill>
+            <a:schemeClr val="accent1">
+              <a:lumMod val="60000"/>
+              <a:lumOff val="40000"/>
+            </a:schemeClr>
+          </a:solidFill>
+        </p:spPr>
+        <p:style>
+          <a:lnRef idx="2">
+            <a:schemeClr val="accent6">
+              <a:shade val="50000"/>
+            </a:schemeClr>
+          </a:lnRef>
+          <a:fillRef idx="1">
+            <a:schemeClr val="accent6"/>
+          </a:fillRef>
+          <a:effectRef idx="0">
+            <a:schemeClr val="accent6"/>
+          </a:effectRef>
+          <a:fontRef idx="minor">
+            <a:schemeClr val="lt1"/>
+          </a:fontRef>
+        </p:style>
+        <p:txBody>
+          <a:bodyPr rtlCol="0" anchor="ctr"/>
+          <a:lstStyle>
+            <a:defPPr>
+              <a:defRPr lang="en-US"/>
+            </a:defPPr>
+            <a:lvl1pPr algn="ctr">
+              <a:defRPr>
+                <a:solidFill>
+                  <a:schemeClr val="lt1"/>
+                </a:solidFill>
+                <a:latin typeface="Segoe UI" panose="020B0502040204020203" pitchFamily="34" charset="0"/>
+                <a:cs typeface="Segoe UI" panose="020B0502040204020203" pitchFamily="34" charset="0"/>
+              </a:defRPr>
+            </a:lvl1pPr>
+            <a:lvl2pPr>
+              <a:defRPr>
+                <a:solidFill>
+                  <a:schemeClr val="lt1"/>
+                </a:solidFill>
+              </a:defRPr>
+            </a:lvl2pPr>
+            <a:lvl3pPr>
+              <a:defRPr>
+                <a:solidFill>
+                  <a:schemeClr val="lt1"/>
+                </a:solidFill>
+              </a:defRPr>
+            </a:lvl3pPr>
+            <a:lvl4pPr>
+              <a:defRPr>
+                <a:solidFill>
+                  <a:schemeClr val="lt1"/>
+                </a:solidFill>
+              </a:defRPr>
+            </a:lvl4pPr>
+            <a:lvl5pPr>
+              <a:defRPr>
+                <a:solidFill>
+                  <a:schemeClr val="lt1"/>
+                </a:solidFill>
+              </a:defRPr>
+            </a:lvl5pPr>
+            <a:lvl6pPr>
+              <a:defRPr>
+                <a:solidFill>
+                  <a:schemeClr val="lt1"/>
+                </a:solidFill>
+              </a:defRPr>
+            </a:lvl6pPr>
+            <a:lvl7pPr>
+              <a:defRPr>
+                <a:solidFill>
+                  <a:schemeClr val="lt1"/>
+                </a:solidFill>
+              </a:defRPr>
+            </a:lvl7pPr>
+            <a:lvl8pPr>
+              <a:defRPr>
+                <a:solidFill>
+                  <a:schemeClr val="lt1"/>
+                </a:solidFill>
+              </a:defRPr>
+            </a:lvl8pPr>
+            <a:lvl9pPr>
+              <a:defRPr>
+                <a:solidFill>
+                  <a:schemeClr val="lt1"/>
+                </a:solidFill>
+              </a:defRPr>
+            </a:lvl9pPr>
+          </a:lstStyle>
+          <a:p>
+            <a:r>
+              <a:rPr lang="en-GB" dirty="0"/>
+              <a:t>WordPress</a:t>
+            </a:r>
+          </a:p>
+        </p:txBody>
+      </p:sp>
       <p:pic>
         <p:nvPicPr>
-          <p:cNvPr id="5" name="Picture 4" descr="A picture containing food&#10;&#10;Description automatically generated">
-            <a:extLst>
-              <a:ext uri="{FF2B5EF4-FFF2-40B4-BE49-F238E27FC236}">
-                <a16:creationId xmlns:a16="http://schemas.microsoft.com/office/drawing/2014/main" id="{8E85D67E-6196-4971-9517-B5CA032300BF}"/>
+          <p:cNvPr id="4" name="Graphic 3" descr="Sad face with no fill">
+            <a:extLst>
+              <a:ext uri="{FF2B5EF4-FFF2-40B4-BE49-F238E27FC236}">
+                <a16:creationId xmlns:a16="http://schemas.microsoft.com/office/drawing/2014/main" id="{66A14EB3-BF63-41D8-9A63-AE052D7983C9}"/>
               </a:ext>
             </a:extLst>
           </p:cNvPr>
@@ -9526,6 +8892,9 @@
               <a:ext uri="{28A0092B-C50C-407E-A947-70E740481C1C}">
                 <a14:useLocalDpi xmlns:a14="http://schemas.microsoft.com/office/drawing/2010/main" val="0"/>
               </a:ext>
+              <a:ext uri="{96DAC541-7B7A-43D3-8B79-37D633B846F1}">
+                <asvg:svgBlip xmlns:asvg="http://schemas.microsoft.com/office/drawing/2016/SVG/main" r:embed="rId3"/>
+              </a:ext>
             </a:extLst>
           </a:blip>
           <a:stretch>
@@ -9534,56 +8903,18 @@
         </p:blipFill>
         <p:spPr>
           <a:xfrm>
-            <a:off x="2416471" y="900717"/>
-            <a:ext cx="7234921" cy="5444100"/>
+            <a:off x="9259074" y="1901863"/>
+            <a:ext cx="2155961" cy="2155961"/>
           </a:xfrm>
           <a:prstGeom prst="rect">
             <a:avLst/>
           </a:prstGeom>
         </p:spPr>
       </p:pic>
-      <p:sp>
-        <p:nvSpPr>
-          <p:cNvPr id="6" name="TextBox 5">
-            <a:extLst>
-              <a:ext uri="{FF2B5EF4-FFF2-40B4-BE49-F238E27FC236}">
-                <a16:creationId xmlns:a16="http://schemas.microsoft.com/office/drawing/2014/main" id="{95FBBC3D-9FC0-49E9-BA50-3C94DE833DEC}"/>
-              </a:ext>
-            </a:extLst>
-          </p:cNvPr>
-          <p:cNvSpPr txBox="1"/>
-          <p:nvPr/>
-        </p:nvSpPr>
-        <p:spPr>
-          <a:xfrm>
-            <a:off x="2316788" y="233266"/>
-            <a:ext cx="7607558" cy="400110"/>
-          </a:xfrm>
-          <a:prstGeom prst="rect">
-            <a:avLst/>
-          </a:prstGeom>
-          <a:noFill/>
-        </p:spPr>
-        <p:txBody>
-          <a:bodyPr wrap="square" rtlCol="0">
-            <a:spAutoFit/>
-          </a:bodyPr>
-          <a:lstStyle/>
-          <a:p>
-            <a:r>
-              <a:rPr lang="en-GB" sz="2000" b="1" dirty="0">
-                <a:latin typeface="Segoe UI" panose="020B0502040204020203" pitchFamily="34" charset="0"/>
-                <a:cs typeface="Segoe UI" panose="020B0502040204020203" pitchFamily="34" charset="0"/>
-              </a:rPr>
-              <a:t>International JS Conference London 2018 – Key Note Speech</a:t>
-            </a:r>
-          </a:p>
-        </p:txBody>
-      </p:sp>
     </p:spTree>
     <p:extLst>
       <p:ext uri="{BB962C8B-B14F-4D97-AF65-F5344CB8AC3E}">
-        <p14:creationId xmlns:p14="http://schemas.microsoft.com/office/powerpoint/2010/main" val="1395185159"/>
+        <p14:creationId xmlns:p14="http://schemas.microsoft.com/office/powerpoint/2010/main" val="2165501006"/>
       </p:ext>
     </p:extLst>
   </p:cSld>
@@ -9671,10 +9002,10 @@
       </p:sp>
       <p:cxnSp>
         <p:nvCxnSpPr>
-          <p:cNvPr id="7" name="Straight Connector 6">
-            <a:extLst>
-              <a:ext uri="{FF2B5EF4-FFF2-40B4-BE49-F238E27FC236}">
-                <a16:creationId xmlns:a16="http://schemas.microsoft.com/office/drawing/2014/main" id="{5B3AFA23-E550-4B2B-8247-AFA75329D28C}"/>
+          <p:cNvPr id="9" name="Straight Connector 8">
+            <a:extLst>
+              <a:ext uri="{FF2B5EF4-FFF2-40B4-BE49-F238E27FC236}">
+                <a16:creationId xmlns:a16="http://schemas.microsoft.com/office/drawing/2014/main" id="{8ECDE257-0E06-4C73-B713-15F600FA91AE}"/>
               </a:ext>
             </a:extLst>
           </p:cNvPr>
@@ -9685,16 +9016,19 @@
         </p:nvCxnSpPr>
         <p:spPr>
           <a:xfrm>
-            <a:off x="8238930" y="0"/>
-            <a:ext cx="0" cy="6858000"/>
+            <a:off x="3097763" y="3437944"/>
+            <a:ext cx="0" cy="2449286"/>
           </a:xfrm>
           <a:prstGeom prst="line">
             <a:avLst/>
           </a:prstGeom>
-          <a:ln w="127000">
+          <a:ln w="15875" cmpd="dbl">
             <a:solidFill>
-              <a:schemeClr val="tx1"/>
+              <a:schemeClr val="accent6">
+                <a:lumMod val="75000"/>
+              </a:schemeClr>
             </a:solidFill>
+            <a:prstDash val="lgDash"/>
           </a:ln>
         </p:spPr>
         <p:style>
@@ -9712,58 +9046,12 @@
           </a:fontRef>
         </p:style>
       </p:cxnSp>
-      <p:cxnSp>
-        <p:nvCxnSpPr>
-          <p:cNvPr id="9" name="Straight Connector 8">
-            <a:extLst>
-              <a:ext uri="{FF2B5EF4-FFF2-40B4-BE49-F238E27FC236}">
-                <a16:creationId xmlns:a16="http://schemas.microsoft.com/office/drawing/2014/main" id="{8ECDE257-0E06-4C73-B713-15F600FA91AE}"/>
-              </a:ext>
-            </a:extLst>
-          </p:cNvPr>
-          <p:cNvCxnSpPr>
-            <a:cxnSpLocks/>
-          </p:cNvCxnSpPr>
-          <p:nvPr/>
-        </p:nvCxnSpPr>
-        <p:spPr>
-          <a:xfrm>
-            <a:off x="3097763" y="3437944"/>
-            <a:ext cx="0" cy="2449286"/>
-          </a:xfrm>
-          <a:prstGeom prst="line">
-            <a:avLst/>
-          </a:prstGeom>
-          <a:ln w="15875" cmpd="dbl">
-            <a:solidFill>
-              <a:schemeClr val="accent6">
-                <a:lumMod val="75000"/>
-              </a:schemeClr>
-            </a:solidFill>
-            <a:prstDash val="lgDash"/>
-          </a:ln>
-        </p:spPr>
-        <p:style>
-          <a:lnRef idx="1">
-            <a:schemeClr val="accent1"/>
-          </a:lnRef>
-          <a:fillRef idx="0">
-            <a:schemeClr val="accent1"/>
-          </a:fillRef>
-          <a:effectRef idx="0">
-            <a:schemeClr val="accent1"/>
-          </a:effectRef>
-          <a:fontRef idx="minor">
-            <a:schemeClr val="tx1"/>
-          </a:fontRef>
-        </p:style>
-      </p:cxnSp>
-      <p:sp>
-        <p:nvSpPr>
-          <p:cNvPr id="13" name="Rectangle: Rounded Corners 12">
-            <a:extLst>
-              <a:ext uri="{FF2B5EF4-FFF2-40B4-BE49-F238E27FC236}">
-                <a16:creationId xmlns:a16="http://schemas.microsoft.com/office/drawing/2014/main" id="{497DB97B-039D-4182-8A21-C324F5A05084}"/>
+      <p:sp>
+        <p:nvSpPr>
+          <p:cNvPr id="11" name="Rectangle: Rounded Corners 10">
+            <a:extLst>
+              <a:ext uri="{FF2B5EF4-FFF2-40B4-BE49-F238E27FC236}">
+                <a16:creationId xmlns:a16="http://schemas.microsoft.com/office/drawing/2014/main" id="{1D5DB675-0CE6-474A-B918-0BBB81FDF253}"/>
               </a:ext>
             </a:extLst>
           </p:cNvPr>
@@ -9772,8 +9060,8 @@
         </p:nvSpPr>
         <p:spPr>
           <a:xfrm>
-            <a:off x="1244080" y="709127"/>
-            <a:ext cx="5520611" cy="2183363"/>
+            <a:off x="9193764" y="709127"/>
+            <a:ext cx="2251787" cy="4609322"/>
           </a:xfrm>
           <a:prstGeom prst="roundRect">
             <a:avLst/>
@@ -9819,10 +9107,10 @@
       </p:sp>
       <p:sp>
         <p:nvSpPr>
-          <p:cNvPr id="14" name="Rectangle: Rounded Corners 13">
-            <a:extLst>
-              <a:ext uri="{FF2B5EF4-FFF2-40B4-BE49-F238E27FC236}">
-                <a16:creationId xmlns:a16="http://schemas.microsoft.com/office/drawing/2014/main" id="{670B406B-FAA1-4A47-9E0F-388A4554F760}"/>
+          <p:cNvPr id="13" name="Rectangle: Rounded Corners 12">
+            <a:extLst>
+              <a:ext uri="{FF2B5EF4-FFF2-40B4-BE49-F238E27FC236}">
+                <a16:creationId xmlns:a16="http://schemas.microsoft.com/office/drawing/2014/main" id="{497DB97B-039D-4182-8A21-C324F5A05084}"/>
               </a:ext>
             </a:extLst>
           </p:cNvPr>
@@ -9831,8 +9119,8 @@
         </p:nvSpPr>
         <p:spPr>
           <a:xfrm>
-            <a:off x="5951371" y="4406768"/>
-            <a:ext cx="1819470" cy="942392"/>
+            <a:off x="1003054" y="777913"/>
+            <a:ext cx="6884431" cy="2183363"/>
           </a:xfrm>
           <a:prstGeom prst="roundRect">
             <a:avLst/>
@@ -9878,10 +9166,10 @@
       </p:sp>
       <p:sp>
         <p:nvSpPr>
-          <p:cNvPr id="15" name="Rectangle: Rounded Corners 14">
-            <a:extLst>
-              <a:ext uri="{FF2B5EF4-FFF2-40B4-BE49-F238E27FC236}">
-                <a16:creationId xmlns:a16="http://schemas.microsoft.com/office/drawing/2014/main" id="{56FA4A14-0892-4CE1-BE7A-A2056ECF1DAC}"/>
+          <p:cNvPr id="14" name="Rectangle: Rounded Corners 13">
+            <a:extLst>
+              <a:ext uri="{FF2B5EF4-FFF2-40B4-BE49-F238E27FC236}">
+                <a16:creationId xmlns:a16="http://schemas.microsoft.com/office/drawing/2014/main" id="{670B406B-FAA1-4A47-9E0F-388A4554F760}"/>
               </a:ext>
             </a:extLst>
           </p:cNvPr>
@@ -9890,8 +9178,8 @@
         </p:nvSpPr>
         <p:spPr>
           <a:xfrm>
-            <a:off x="3456988" y="4406768"/>
-            <a:ext cx="1819470" cy="942392"/>
+            <a:off x="5951371" y="4406768"/>
+            <a:ext cx="1819465" cy="942392"/>
           </a:xfrm>
           <a:prstGeom prst="roundRect">
             <a:avLst/>
@@ -9935,210 +9223,12 @@
           </a:p>
         </p:txBody>
       </p:sp>
-      <p:cxnSp>
-        <p:nvCxnSpPr>
-          <p:cNvPr id="16" name="Straight Connector 15">
-            <a:extLst>
-              <a:ext uri="{FF2B5EF4-FFF2-40B4-BE49-F238E27FC236}">
-                <a16:creationId xmlns:a16="http://schemas.microsoft.com/office/drawing/2014/main" id="{B8646BD2-FF5F-47C6-9788-5228BF540137}"/>
-              </a:ext>
-            </a:extLst>
-          </p:cNvPr>
-          <p:cNvCxnSpPr>
-            <a:cxnSpLocks/>
-          </p:cNvCxnSpPr>
-          <p:nvPr/>
-        </p:nvCxnSpPr>
-        <p:spPr>
-          <a:xfrm>
-            <a:off x="5592147" y="3429000"/>
-            <a:ext cx="0" cy="2449286"/>
-          </a:xfrm>
-          <a:prstGeom prst="line">
-            <a:avLst/>
-          </a:prstGeom>
-          <a:ln w="15875" cmpd="dbl">
-            <a:solidFill>
-              <a:schemeClr val="accent6">
-                <a:lumMod val="75000"/>
-              </a:schemeClr>
-            </a:solidFill>
-            <a:prstDash val="lgDash"/>
-          </a:ln>
-        </p:spPr>
-        <p:style>
-          <a:lnRef idx="1">
-            <a:schemeClr val="accent1"/>
-          </a:lnRef>
-          <a:fillRef idx="0">
-            <a:schemeClr val="accent1"/>
-          </a:fillRef>
-          <a:effectRef idx="0">
-            <a:schemeClr val="accent1"/>
-          </a:effectRef>
-          <a:fontRef idx="minor">
-            <a:schemeClr val="tx1"/>
-          </a:fontRef>
-        </p:style>
-      </p:cxnSp>
-      <p:sp>
-        <p:nvSpPr>
-          <p:cNvPr id="17" name="TextBox 16">
-            <a:extLst>
-              <a:ext uri="{FF2B5EF4-FFF2-40B4-BE49-F238E27FC236}">
-                <a16:creationId xmlns:a16="http://schemas.microsoft.com/office/drawing/2014/main" id="{6E8BFC32-3AFA-4B4C-9172-2CBE21A80A58}"/>
-              </a:ext>
-            </a:extLst>
-          </p:cNvPr>
-          <p:cNvSpPr txBox="1"/>
-          <p:nvPr/>
-        </p:nvSpPr>
-        <p:spPr>
-          <a:xfrm>
-            <a:off x="2362465" y="1178588"/>
-            <a:ext cx="3187956" cy="1446550"/>
-          </a:xfrm>
-          <a:prstGeom prst="rect">
-            <a:avLst/>
-          </a:prstGeom>
-          <a:noFill/>
-        </p:spPr>
-        <p:txBody>
-          <a:bodyPr wrap="square" rtlCol="0">
-            <a:spAutoFit/>
-          </a:bodyPr>
-          <a:lstStyle/>
-          <a:p>
-            <a:r>
-              <a:rPr lang="en-GB" sz="8800" dirty="0">
-                <a:latin typeface="Segoe UI" panose="020B0502040204020203" pitchFamily="34" charset="0"/>
-                <a:cs typeface="Segoe UI" panose="020B0502040204020203" pitchFamily="34" charset="0"/>
-              </a:rPr>
-              <a:t>HTML</a:t>
-            </a:r>
-          </a:p>
-        </p:txBody>
-      </p:sp>
-      <p:sp>
-        <p:nvSpPr>
-          <p:cNvPr id="19" name="TextBox 18">
-            <a:extLst>
-              <a:ext uri="{FF2B5EF4-FFF2-40B4-BE49-F238E27FC236}">
-                <a16:creationId xmlns:a16="http://schemas.microsoft.com/office/drawing/2014/main" id="{C81F58F9-1FC7-477B-877C-80F0959EBC0E}"/>
-              </a:ext>
-            </a:extLst>
-          </p:cNvPr>
-          <p:cNvSpPr txBox="1"/>
-          <p:nvPr/>
-        </p:nvSpPr>
-        <p:spPr>
-          <a:xfrm>
-            <a:off x="6019022" y="4693298"/>
-            <a:ext cx="1686507" cy="369332"/>
-          </a:xfrm>
-          <a:prstGeom prst="rect">
-            <a:avLst/>
-          </a:prstGeom>
-          <a:noFill/>
-        </p:spPr>
-        <p:txBody>
-          <a:bodyPr wrap="square" rtlCol="0">
-            <a:spAutoFit/>
-          </a:bodyPr>
-          <a:lstStyle/>
-          <a:p>
-            <a:r>
-              <a:rPr lang="en-GB" dirty="0">
-                <a:latin typeface="Segoe UI" panose="020B0502040204020203" pitchFamily="34" charset="0"/>
-                <a:cs typeface="Segoe UI" panose="020B0502040204020203" pitchFamily="34" charset="0"/>
-              </a:rPr>
-              <a:t>Framework ...n</a:t>
-            </a:r>
-          </a:p>
-        </p:txBody>
-      </p:sp>
-      <p:sp>
-        <p:nvSpPr>
-          <p:cNvPr id="20" name="TextBox 19">
-            <a:extLst>
-              <a:ext uri="{FF2B5EF4-FFF2-40B4-BE49-F238E27FC236}">
-                <a16:creationId xmlns:a16="http://schemas.microsoft.com/office/drawing/2014/main" id="{FB923CCF-0EA9-4C2D-AC00-B89B13CB18B9}"/>
-              </a:ext>
-            </a:extLst>
-          </p:cNvPr>
-          <p:cNvSpPr txBox="1"/>
-          <p:nvPr/>
-        </p:nvSpPr>
-        <p:spPr>
-          <a:xfrm>
-            <a:off x="3619499" y="4693298"/>
-            <a:ext cx="1488233" cy="369332"/>
-          </a:xfrm>
-          <a:prstGeom prst="rect">
-            <a:avLst/>
-          </a:prstGeom>
-          <a:noFill/>
-        </p:spPr>
-        <p:txBody>
-          <a:bodyPr wrap="square" rtlCol="0">
-            <a:spAutoFit/>
-          </a:bodyPr>
-          <a:lstStyle/>
-          <a:p>
-            <a:r>
-              <a:rPr lang="en-GB" dirty="0">
-                <a:latin typeface="Segoe UI" panose="020B0502040204020203" pitchFamily="34" charset="0"/>
-                <a:cs typeface="Segoe UI" panose="020B0502040204020203" pitchFamily="34" charset="0"/>
-              </a:rPr>
-              <a:t>Framework 2</a:t>
-            </a:r>
-          </a:p>
-        </p:txBody>
-      </p:sp>
-      <p:sp>
-        <p:nvSpPr>
-          <p:cNvPr id="21" name="TextBox 20">
-            <a:extLst>
-              <a:ext uri="{FF2B5EF4-FFF2-40B4-BE49-F238E27FC236}">
-                <a16:creationId xmlns:a16="http://schemas.microsoft.com/office/drawing/2014/main" id="{000E004F-3DEE-453A-880F-3667A9536687}"/>
-              </a:ext>
-            </a:extLst>
-          </p:cNvPr>
-          <p:cNvSpPr txBox="1"/>
-          <p:nvPr/>
-        </p:nvSpPr>
-        <p:spPr>
-          <a:xfrm>
-            <a:off x="1091681" y="4693298"/>
-            <a:ext cx="1488233" cy="369332"/>
-          </a:xfrm>
-          <a:prstGeom prst="rect">
-            <a:avLst/>
-          </a:prstGeom>
-          <a:noFill/>
-        </p:spPr>
-        <p:txBody>
-          <a:bodyPr wrap="square" rtlCol="0">
-            <a:spAutoFit/>
-          </a:bodyPr>
-          <a:lstStyle/>
-          <a:p>
-            <a:r>
-              <a:rPr lang="en-GB" dirty="0">
-                <a:latin typeface="Segoe UI" panose="020B0502040204020203" pitchFamily="34" charset="0"/>
-                <a:cs typeface="Segoe UI" panose="020B0502040204020203" pitchFamily="34" charset="0"/>
-              </a:rPr>
-              <a:t>Framework 1</a:t>
-            </a:r>
-          </a:p>
-        </p:txBody>
-      </p:sp>
-      <p:sp>
-        <p:nvSpPr>
-          <p:cNvPr id="23" name="Rectangle: Rounded Corners 22">
-            <a:extLst>
-              <a:ext uri="{FF2B5EF4-FFF2-40B4-BE49-F238E27FC236}">
-                <a16:creationId xmlns:a16="http://schemas.microsoft.com/office/drawing/2014/main" id="{B8A217E0-2E19-412E-A686-048F33BFC561}"/>
+      <p:sp>
+        <p:nvSpPr>
+          <p:cNvPr id="15" name="Rectangle: Rounded Corners 14">
+            <a:extLst>
+              <a:ext uri="{FF2B5EF4-FFF2-40B4-BE49-F238E27FC236}">
+                <a16:creationId xmlns:a16="http://schemas.microsoft.com/office/drawing/2014/main" id="{56FA4A14-0892-4CE1-BE7A-A2056ECF1DAC}"/>
               </a:ext>
             </a:extLst>
           </p:cNvPr>
@@ -10147,8 +9237,8 @@
         </p:nvSpPr>
         <p:spPr>
           <a:xfrm>
-            <a:off x="9193762" y="709127"/>
-            <a:ext cx="2251787" cy="4609322"/>
+            <a:off x="3456987" y="4406768"/>
+            <a:ext cx="1895667" cy="942392"/>
           </a:xfrm>
           <a:prstGeom prst="roundRect">
             <a:avLst/>
@@ -10194,10 +9284,10 @@
       </p:sp>
       <p:cxnSp>
         <p:nvCxnSpPr>
-          <p:cNvPr id="18" name="Straight Arrow Connector 17">
-            <a:extLst>
-              <a:ext uri="{FF2B5EF4-FFF2-40B4-BE49-F238E27FC236}">
-                <a16:creationId xmlns:a16="http://schemas.microsoft.com/office/drawing/2014/main" id="{5F7D620A-347A-4465-8346-ADDE9EFF331B}"/>
+          <p:cNvPr id="16" name="Straight Connector 15">
+            <a:extLst>
+              <a:ext uri="{FF2B5EF4-FFF2-40B4-BE49-F238E27FC236}">
+                <a16:creationId xmlns:a16="http://schemas.microsoft.com/office/drawing/2014/main" id="{B8646BD2-FF5F-47C6-9788-5228BF540137}"/>
               </a:ext>
             </a:extLst>
           </p:cNvPr>
@@ -10207,20 +9297,20 @@
           <p:nvPr/>
         </p:nvCxnSpPr>
         <p:spPr>
-          <a:xfrm flipV="1">
-            <a:off x="1688841" y="1346327"/>
-            <a:ext cx="0" cy="3029730"/>
-          </a:xfrm>
-          <a:prstGeom prst="straightConnector1">
+          <a:xfrm>
+            <a:off x="5592147" y="3429000"/>
+            <a:ext cx="0" cy="2449286"/>
+          </a:xfrm>
+          <a:prstGeom prst="line">
             <a:avLst/>
           </a:prstGeom>
-          <a:ln w="38100">
+          <a:ln w="15875" cmpd="dbl">
             <a:solidFill>
-              <a:schemeClr val="accent1">
+              <a:schemeClr val="accent6">
                 <a:lumMod val="75000"/>
               </a:schemeClr>
             </a:solidFill>
-            <a:tailEnd type="triangle"/>
+            <a:prstDash val="lgDash"/>
           </a:ln>
         </p:spPr>
         <p:style>
@@ -10238,102 +9328,12 @@
           </a:fontRef>
         </p:style>
       </p:cxnSp>
-      <p:cxnSp>
-        <p:nvCxnSpPr>
-          <p:cNvPr id="22" name="Straight Arrow Connector 21">
-            <a:extLst>
-              <a:ext uri="{FF2B5EF4-FFF2-40B4-BE49-F238E27FC236}">
-                <a16:creationId xmlns:a16="http://schemas.microsoft.com/office/drawing/2014/main" id="{58038E94-A816-4097-B154-9278E5E3AEC5}"/>
-              </a:ext>
-            </a:extLst>
-          </p:cNvPr>
-          <p:cNvCxnSpPr>
-            <a:cxnSpLocks/>
-          </p:cNvCxnSpPr>
-          <p:nvPr/>
-        </p:nvCxnSpPr>
-        <p:spPr>
-          <a:xfrm flipV="1">
-            <a:off x="4266429" y="2692866"/>
-            <a:ext cx="0" cy="1713902"/>
-          </a:xfrm>
-          <a:prstGeom prst="straightConnector1">
-            <a:avLst/>
-          </a:prstGeom>
-          <a:ln w="38100">
-            <a:solidFill>
-              <a:schemeClr val="accent1">
-                <a:lumMod val="75000"/>
-              </a:schemeClr>
-            </a:solidFill>
-            <a:tailEnd type="triangle"/>
-          </a:ln>
-        </p:spPr>
-        <p:style>
-          <a:lnRef idx="1">
-            <a:schemeClr val="accent1"/>
-          </a:lnRef>
-          <a:fillRef idx="0">
-            <a:schemeClr val="accent1"/>
-          </a:fillRef>
-          <a:effectRef idx="0">
-            <a:schemeClr val="accent1"/>
-          </a:effectRef>
-          <a:fontRef idx="minor">
-            <a:schemeClr val="tx1"/>
-          </a:fontRef>
-        </p:style>
-      </p:cxnSp>
-      <p:cxnSp>
-        <p:nvCxnSpPr>
-          <p:cNvPr id="25" name="Straight Arrow Connector 24">
-            <a:extLst>
-              <a:ext uri="{FF2B5EF4-FFF2-40B4-BE49-F238E27FC236}">
-                <a16:creationId xmlns:a16="http://schemas.microsoft.com/office/drawing/2014/main" id="{CE3C969B-AEB4-4EC9-9A8E-B3AE9B64804C}"/>
-              </a:ext>
-            </a:extLst>
-          </p:cNvPr>
-          <p:cNvCxnSpPr/>
-          <p:nvPr/>
-        </p:nvCxnSpPr>
-        <p:spPr>
-          <a:xfrm flipV="1">
-            <a:off x="6263180" y="1666564"/>
-            <a:ext cx="0" cy="2740204"/>
-          </a:xfrm>
-          <a:prstGeom prst="straightConnector1">
-            <a:avLst/>
-          </a:prstGeom>
-          <a:ln w="38100">
-            <a:solidFill>
-              <a:schemeClr val="accent1">
-                <a:lumMod val="75000"/>
-              </a:schemeClr>
-            </a:solidFill>
-            <a:tailEnd type="triangle"/>
-          </a:ln>
-        </p:spPr>
-        <p:style>
-          <a:lnRef idx="1">
-            <a:schemeClr val="accent1"/>
-          </a:lnRef>
-          <a:fillRef idx="0">
-            <a:schemeClr val="accent1"/>
-          </a:fillRef>
-          <a:effectRef idx="0">
-            <a:schemeClr val="accent1"/>
-          </a:effectRef>
-          <a:fontRef idx="minor">
-            <a:schemeClr val="tx1"/>
-          </a:fontRef>
-        </p:style>
-      </p:cxnSp>
-      <p:sp>
-        <p:nvSpPr>
-          <p:cNvPr id="2" name="TextBox 1">
-            <a:extLst>
-              <a:ext uri="{FF2B5EF4-FFF2-40B4-BE49-F238E27FC236}">
-                <a16:creationId xmlns:a16="http://schemas.microsoft.com/office/drawing/2014/main" id="{750521FD-EDC1-47B6-839B-F4D55BFCABCF}"/>
+      <p:sp>
+        <p:nvSpPr>
+          <p:cNvPr id="17" name="TextBox 16">
+            <a:extLst>
+              <a:ext uri="{FF2B5EF4-FFF2-40B4-BE49-F238E27FC236}">
+                <a16:creationId xmlns:a16="http://schemas.microsoft.com/office/drawing/2014/main" id="{6E8BFC32-3AFA-4B4C-9172-2CBE21A80A58}"/>
               </a:ext>
             </a:extLst>
           </p:cNvPr>
@@ -10342,8 +9342,8 @@
         </p:nvSpPr>
         <p:spPr>
           <a:xfrm>
-            <a:off x="1388706" y="830901"/>
-            <a:ext cx="3590988" cy="646331"/>
+            <a:off x="2908044" y="1063132"/>
+            <a:ext cx="3187956" cy="1446550"/>
           </a:xfrm>
           <a:prstGeom prst="rect">
             <a:avLst/>
@@ -10357,36 +9357,21 @@
           <a:lstStyle/>
           <a:p>
             <a:r>
-              <a:rPr lang="en-GB" dirty="0">
-                <a:solidFill>
-                  <a:schemeClr val="accent1">
-                    <a:lumMod val="75000"/>
-                  </a:schemeClr>
-                </a:solidFill>
-              </a:rPr>
-              <a:t>&lt;script src=“bundle.js”&gt;&lt;/script&gt;</a:t>
-            </a:r>
-          </a:p>
-          <a:p>
-            <a:r>
-              <a:rPr lang="en-GB" dirty="0">
-                <a:solidFill>
-                  <a:schemeClr val="accent1">
-                    <a:lumMod val="75000"/>
-                  </a:schemeClr>
-                </a:solidFill>
-              </a:rPr>
-              <a:t>&lt;div id=“app”&gt;</a:t>
-            </a:r>
-          </a:p>
-        </p:txBody>
-      </p:sp>
-      <p:sp>
-        <p:nvSpPr>
-          <p:cNvPr id="26" name="TextBox 25">
-            <a:extLst>
-              <a:ext uri="{FF2B5EF4-FFF2-40B4-BE49-F238E27FC236}">
-                <a16:creationId xmlns:a16="http://schemas.microsoft.com/office/drawing/2014/main" id="{92E01203-6628-42AA-B191-2BE8EE04C15B}"/>
+              <a:rPr lang="en-GB" sz="8800" dirty="0">
+                <a:latin typeface="Segoe UI" panose="020B0502040204020203" pitchFamily="34" charset="0"/>
+                <a:cs typeface="Segoe UI" panose="020B0502040204020203" pitchFamily="34" charset="0"/>
+              </a:rPr>
+              <a:t>HTML</a:t>
+            </a:r>
+          </a:p>
+        </p:txBody>
+      </p:sp>
+      <p:sp>
+        <p:nvSpPr>
+          <p:cNvPr id="19" name="TextBox 18">
+            <a:extLst>
+              <a:ext uri="{FF2B5EF4-FFF2-40B4-BE49-F238E27FC236}">
+                <a16:creationId xmlns:a16="http://schemas.microsoft.com/office/drawing/2014/main" id="{C81F58F9-1FC7-477B-877C-80F0959EBC0E}"/>
               </a:ext>
             </a:extLst>
           </p:cNvPr>
@@ -10395,18 +9380,126 @@
         </p:nvSpPr>
         <p:spPr>
           <a:xfrm>
-            <a:off x="9728713" y="1046454"/>
-            <a:ext cx="1278294" cy="369332"/>
+            <a:off x="6019022" y="4693298"/>
+            <a:ext cx="1702057" cy="369332"/>
           </a:xfrm>
           <a:prstGeom prst="rect">
             <a:avLst/>
           </a:prstGeom>
-          <a:solidFill>
-            <a:schemeClr val="accent1">
-              <a:lumMod val="60000"/>
-              <a:lumOff val="40000"/>
-            </a:schemeClr>
-          </a:solidFill>
+          <a:noFill/>
+        </p:spPr>
+        <p:txBody>
+          <a:bodyPr wrap="square" rtlCol="0">
+            <a:spAutoFit/>
+          </a:bodyPr>
+          <a:lstStyle/>
+          <a:p>
+            <a:r>
+              <a:rPr lang="en-GB" dirty="0">
+                <a:latin typeface="Segoe UI" panose="020B0502040204020203" pitchFamily="34" charset="0"/>
+                <a:cs typeface="Segoe UI" panose="020B0502040204020203" pitchFamily="34" charset="0"/>
+              </a:rPr>
+              <a:t>Framework ...n</a:t>
+            </a:r>
+          </a:p>
+        </p:txBody>
+      </p:sp>
+      <p:sp>
+        <p:nvSpPr>
+          <p:cNvPr id="20" name="TextBox 19">
+            <a:extLst>
+              <a:ext uri="{FF2B5EF4-FFF2-40B4-BE49-F238E27FC236}">
+                <a16:creationId xmlns:a16="http://schemas.microsoft.com/office/drawing/2014/main" id="{FB923CCF-0EA9-4C2D-AC00-B89B13CB18B9}"/>
+              </a:ext>
+            </a:extLst>
+          </p:cNvPr>
+          <p:cNvSpPr txBox="1"/>
+          <p:nvPr/>
+        </p:nvSpPr>
+        <p:spPr>
+          <a:xfrm>
+            <a:off x="3619499" y="4693298"/>
+            <a:ext cx="1488233" cy="369332"/>
+          </a:xfrm>
+          <a:prstGeom prst="rect">
+            <a:avLst/>
+          </a:prstGeom>
+          <a:noFill/>
+        </p:spPr>
+        <p:txBody>
+          <a:bodyPr wrap="square" rtlCol="0">
+            <a:spAutoFit/>
+          </a:bodyPr>
+          <a:lstStyle/>
+          <a:p>
+            <a:r>
+              <a:rPr lang="en-GB" dirty="0">
+                <a:latin typeface="Segoe UI" panose="020B0502040204020203" pitchFamily="34" charset="0"/>
+                <a:cs typeface="Segoe UI" panose="020B0502040204020203" pitchFamily="34" charset="0"/>
+              </a:rPr>
+              <a:t>Framework 2</a:t>
+            </a:r>
+          </a:p>
+        </p:txBody>
+      </p:sp>
+      <p:sp>
+        <p:nvSpPr>
+          <p:cNvPr id="21" name="TextBox 20">
+            <a:extLst>
+              <a:ext uri="{FF2B5EF4-FFF2-40B4-BE49-F238E27FC236}">
+                <a16:creationId xmlns:a16="http://schemas.microsoft.com/office/drawing/2014/main" id="{000E004F-3DEE-453A-880F-3667A9536687}"/>
+              </a:ext>
+            </a:extLst>
+          </p:cNvPr>
+          <p:cNvSpPr txBox="1"/>
+          <p:nvPr/>
+        </p:nvSpPr>
+        <p:spPr>
+          <a:xfrm>
+            <a:off x="1091681" y="4693298"/>
+            <a:ext cx="1488233" cy="369332"/>
+          </a:xfrm>
+          <a:prstGeom prst="rect">
+            <a:avLst/>
+          </a:prstGeom>
+          <a:noFill/>
+        </p:spPr>
+        <p:txBody>
+          <a:bodyPr wrap="square" rtlCol="0">
+            <a:spAutoFit/>
+          </a:bodyPr>
+          <a:lstStyle/>
+          <a:p>
+            <a:r>
+              <a:rPr lang="en-GB" dirty="0">
+                <a:latin typeface="Segoe UI" panose="020B0502040204020203" pitchFamily="34" charset="0"/>
+                <a:cs typeface="Segoe UI" panose="020B0502040204020203" pitchFamily="34" charset="0"/>
+              </a:rPr>
+              <a:t>Framework 1</a:t>
+            </a:r>
+          </a:p>
+        </p:txBody>
+      </p:sp>
+      <p:sp>
+        <p:nvSpPr>
+          <p:cNvPr id="2" name="Rectangle 1">
+            <a:extLst>
+              <a:ext uri="{FF2B5EF4-FFF2-40B4-BE49-F238E27FC236}">
+                <a16:creationId xmlns:a16="http://schemas.microsoft.com/office/drawing/2014/main" id="{FDD2DDAE-CA83-4119-9F26-87A3775E731D}"/>
+              </a:ext>
+            </a:extLst>
+          </p:cNvPr>
+          <p:cNvSpPr/>
+          <p:nvPr/>
+        </p:nvSpPr>
+        <p:spPr>
+          <a:xfrm>
+            <a:off x="886406" y="3150607"/>
+            <a:ext cx="6884431" cy="811764"/>
+          </a:xfrm>
+          <a:prstGeom prst="rect">
+            <a:avLst/>
+          </a:prstGeom>
         </p:spPr>
         <p:style>
           <a:lnRef idx="2">
@@ -10426,6 +9519,382 @@
         </p:style>
         <p:txBody>
           <a:bodyPr rtlCol="0" anchor="ctr"/>
+          <a:lstStyle/>
+          <a:p>
+            <a:pPr algn="ctr"/>
+            <a:endParaRPr lang="en-GB">
+              <a:latin typeface="Segoe UI" panose="020B0502040204020203" pitchFamily="34" charset="0"/>
+              <a:cs typeface="Segoe UI" panose="020B0502040204020203" pitchFamily="34" charset="0"/>
+            </a:endParaRPr>
+          </a:p>
+        </p:txBody>
+      </p:sp>
+      <p:sp>
+        <p:nvSpPr>
+          <p:cNvPr id="3" name="TextBox 2">
+            <a:extLst>
+              <a:ext uri="{FF2B5EF4-FFF2-40B4-BE49-F238E27FC236}">
+                <a16:creationId xmlns:a16="http://schemas.microsoft.com/office/drawing/2014/main" id="{0F9AD193-E370-4053-AFC8-A661FCE69253}"/>
+              </a:ext>
+            </a:extLst>
+          </p:cNvPr>
+          <p:cNvSpPr txBox="1"/>
+          <p:nvPr/>
+        </p:nvSpPr>
+        <p:spPr>
+          <a:xfrm>
+            <a:off x="2266955" y="3288787"/>
+            <a:ext cx="4123332" cy="584775"/>
+          </a:xfrm>
+          <a:prstGeom prst="rect">
+            <a:avLst/>
+          </a:prstGeom>
+          <a:noFill/>
+        </p:spPr>
+        <p:txBody>
+          <a:bodyPr wrap="square" rtlCol="0">
+            <a:spAutoFit/>
+          </a:bodyPr>
+          <a:lstStyle/>
+          <a:p>
+            <a:r>
+              <a:rPr lang="en-GB" sz="3200" b="1" dirty="0">
+                <a:solidFill>
+                  <a:schemeClr val="bg1"/>
+                </a:solidFill>
+                <a:latin typeface="Segoe UI" panose="020B0502040204020203" pitchFamily="34" charset="0"/>
+                <a:cs typeface="Segoe UI" panose="020B0502040204020203" pitchFamily="34" charset="0"/>
+              </a:rPr>
+              <a:t>WEB COMPONENTS</a:t>
+            </a:r>
+          </a:p>
+        </p:txBody>
+      </p:sp>
+      <p:cxnSp>
+        <p:nvCxnSpPr>
+          <p:cNvPr id="6" name="Straight Arrow Connector 5">
+            <a:extLst>
+              <a:ext uri="{FF2B5EF4-FFF2-40B4-BE49-F238E27FC236}">
+                <a16:creationId xmlns:a16="http://schemas.microsoft.com/office/drawing/2014/main" id="{D229A287-52AB-46FC-9CD3-F99C53ACEF34}"/>
+              </a:ext>
+            </a:extLst>
+          </p:cNvPr>
+          <p:cNvCxnSpPr/>
+          <p:nvPr/>
+        </p:nvCxnSpPr>
+        <p:spPr>
+          <a:xfrm flipV="1">
+            <a:off x="2062065" y="3960073"/>
+            <a:ext cx="0" cy="415984"/>
+          </a:xfrm>
+          <a:prstGeom prst="straightConnector1">
+            <a:avLst/>
+          </a:prstGeom>
+          <a:ln w="50800">
+            <a:tailEnd type="triangle"/>
+          </a:ln>
+        </p:spPr>
+        <p:style>
+          <a:lnRef idx="1">
+            <a:schemeClr val="accent6"/>
+          </a:lnRef>
+          <a:fillRef idx="0">
+            <a:schemeClr val="accent6"/>
+          </a:fillRef>
+          <a:effectRef idx="0">
+            <a:schemeClr val="accent6"/>
+          </a:effectRef>
+          <a:fontRef idx="minor">
+            <a:schemeClr val="tx1"/>
+          </a:fontRef>
+        </p:style>
+      </p:cxnSp>
+      <p:cxnSp>
+        <p:nvCxnSpPr>
+          <p:cNvPr id="22" name="Straight Arrow Connector 21">
+            <a:extLst>
+              <a:ext uri="{FF2B5EF4-FFF2-40B4-BE49-F238E27FC236}">
+                <a16:creationId xmlns:a16="http://schemas.microsoft.com/office/drawing/2014/main" id="{F12C64DB-7B75-4A11-AC0A-77AB2AC81EAD}"/>
+              </a:ext>
+            </a:extLst>
+          </p:cNvPr>
+          <p:cNvCxnSpPr/>
+          <p:nvPr/>
+        </p:nvCxnSpPr>
+        <p:spPr>
+          <a:xfrm flipV="1">
+            <a:off x="4261757" y="3978735"/>
+            <a:ext cx="0" cy="415984"/>
+          </a:xfrm>
+          <a:prstGeom prst="straightConnector1">
+            <a:avLst/>
+          </a:prstGeom>
+          <a:ln w="50800">
+            <a:tailEnd type="triangle"/>
+          </a:ln>
+        </p:spPr>
+        <p:style>
+          <a:lnRef idx="1">
+            <a:schemeClr val="accent6"/>
+          </a:lnRef>
+          <a:fillRef idx="0">
+            <a:schemeClr val="accent6"/>
+          </a:fillRef>
+          <a:effectRef idx="0">
+            <a:schemeClr val="accent6"/>
+          </a:effectRef>
+          <a:fontRef idx="minor">
+            <a:schemeClr val="tx1"/>
+          </a:fontRef>
+        </p:style>
+      </p:cxnSp>
+      <p:cxnSp>
+        <p:nvCxnSpPr>
+          <p:cNvPr id="23" name="Straight Arrow Connector 22">
+            <a:extLst>
+              <a:ext uri="{FF2B5EF4-FFF2-40B4-BE49-F238E27FC236}">
+                <a16:creationId xmlns:a16="http://schemas.microsoft.com/office/drawing/2014/main" id="{8B1C15C1-C3CB-4D87-A0BB-7C3A15158A95}"/>
+              </a:ext>
+            </a:extLst>
+          </p:cNvPr>
+          <p:cNvCxnSpPr/>
+          <p:nvPr/>
+        </p:nvCxnSpPr>
+        <p:spPr>
+          <a:xfrm flipV="1">
+            <a:off x="6304384" y="3962371"/>
+            <a:ext cx="0" cy="415984"/>
+          </a:xfrm>
+          <a:prstGeom prst="straightConnector1">
+            <a:avLst/>
+          </a:prstGeom>
+          <a:ln w="50800">
+            <a:tailEnd type="triangle"/>
+          </a:ln>
+        </p:spPr>
+        <p:style>
+          <a:lnRef idx="1">
+            <a:schemeClr val="accent6"/>
+          </a:lnRef>
+          <a:fillRef idx="0">
+            <a:schemeClr val="accent6"/>
+          </a:fillRef>
+          <a:effectRef idx="0">
+            <a:schemeClr val="accent6"/>
+          </a:effectRef>
+          <a:fontRef idx="minor">
+            <a:schemeClr val="tx1"/>
+          </a:fontRef>
+        </p:style>
+      </p:cxnSp>
+      <p:cxnSp>
+        <p:nvCxnSpPr>
+          <p:cNvPr id="24" name="Straight Arrow Connector 23">
+            <a:extLst>
+              <a:ext uri="{FF2B5EF4-FFF2-40B4-BE49-F238E27FC236}">
+                <a16:creationId xmlns:a16="http://schemas.microsoft.com/office/drawing/2014/main" id="{163353F7-B0B9-4F80-AC63-42827D10FDAE}"/>
+              </a:ext>
+            </a:extLst>
+          </p:cNvPr>
+          <p:cNvCxnSpPr>
+            <a:cxnSpLocks/>
+          </p:cNvCxnSpPr>
+          <p:nvPr/>
+        </p:nvCxnSpPr>
+        <p:spPr>
+          <a:xfrm flipV="1">
+            <a:off x="4261757" y="2220686"/>
+            <a:ext cx="0" cy="929921"/>
+          </a:xfrm>
+          <a:prstGeom prst="straightConnector1">
+            <a:avLst/>
+          </a:prstGeom>
+          <a:ln w="50800">
+            <a:tailEnd type="triangle"/>
+          </a:ln>
+        </p:spPr>
+        <p:style>
+          <a:lnRef idx="1">
+            <a:schemeClr val="accent6"/>
+          </a:lnRef>
+          <a:fillRef idx="0">
+            <a:schemeClr val="accent6"/>
+          </a:fillRef>
+          <a:effectRef idx="0">
+            <a:schemeClr val="accent6"/>
+          </a:effectRef>
+          <a:fontRef idx="minor">
+            <a:schemeClr val="tx1"/>
+          </a:fontRef>
+        </p:style>
+      </p:cxnSp>
+      <p:cxnSp>
+        <p:nvCxnSpPr>
+          <p:cNvPr id="25" name="Straight Arrow Connector 24">
+            <a:extLst>
+              <a:ext uri="{FF2B5EF4-FFF2-40B4-BE49-F238E27FC236}">
+                <a16:creationId xmlns:a16="http://schemas.microsoft.com/office/drawing/2014/main" id="{CC440C1A-3EF4-4B67-8663-C472C2FCEE45}"/>
+              </a:ext>
+            </a:extLst>
+          </p:cNvPr>
+          <p:cNvCxnSpPr>
+            <a:cxnSpLocks/>
+          </p:cNvCxnSpPr>
+          <p:nvPr/>
+        </p:nvCxnSpPr>
+        <p:spPr>
+          <a:xfrm>
+            <a:off x="2062065" y="3997396"/>
+            <a:ext cx="1464906" cy="490628"/>
+          </a:xfrm>
+          <a:prstGeom prst="straightConnector1">
+            <a:avLst/>
+          </a:prstGeom>
+          <a:ln w="50800">
+            <a:tailEnd type="triangle"/>
+          </a:ln>
+        </p:spPr>
+        <p:style>
+          <a:lnRef idx="1">
+            <a:schemeClr val="accent6"/>
+          </a:lnRef>
+          <a:fillRef idx="0">
+            <a:schemeClr val="accent6"/>
+          </a:fillRef>
+          <a:effectRef idx="0">
+            <a:schemeClr val="accent6"/>
+          </a:effectRef>
+          <a:fontRef idx="minor">
+            <a:schemeClr val="tx1"/>
+          </a:fontRef>
+        </p:style>
+      </p:cxnSp>
+      <p:cxnSp>
+        <p:nvCxnSpPr>
+          <p:cNvPr id="28" name="Straight Arrow Connector 27">
+            <a:extLst>
+              <a:ext uri="{FF2B5EF4-FFF2-40B4-BE49-F238E27FC236}">
+                <a16:creationId xmlns:a16="http://schemas.microsoft.com/office/drawing/2014/main" id="{BB158374-8877-4243-9769-72088526DB6A}"/>
+              </a:ext>
+            </a:extLst>
+          </p:cNvPr>
+          <p:cNvCxnSpPr>
+            <a:cxnSpLocks/>
+          </p:cNvCxnSpPr>
+          <p:nvPr/>
+        </p:nvCxnSpPr>
+        <p:spPr>
+          <a:xfrm>
+            <a:off x="4261757" y="3997396"/>
+            <a:ext cx="1689614" cy="490628"/>
+          </a:xfrm>
+          <a:prstGeom prst="straightConnector1">
+            <a:avLst/>
+          </a:prstGeom>
+          <a:ln w="50800">
+            <a:tailEnd type="triangle"/>
+          </a:ln>
+        </p:spPr>
+        <p:style>
+          <a:lnRef idx="1">
+            <a:schemeClr val="accent6"/>
+          </a:lnRef>
+          <a:fillRef idx="0">
+            <a:schemeClr val="accent6"/>
+          </a:fillRef>
+          <a:effectRef idx="0">
+            <a:schemeClr val="accent6"/>
+          </a:effectRef>
+          <a:fontRef idx="minor">
+            <a:schemeClr val="tx1"/>
+          </a:fontRef>
+        </p:style>
+      </p:cxnSp>
+      <p:sp>
+        <p:nvSpPr>
+          <p:cNvPr id="8" name="Arrow: Right 7">
+            <a:extLst>
+              <a:ext uri="{FF2B5EF4-FFF2-40B4-BE49-F238E27FC236}">
+                <a16:creationId xmlns:a16="http://schemas.microsoft.com/office/drawing/2014/main" id="{25BD3FE5-5BA0-48FE-B758-52C44C0D1DC1}"/>
+              </a:ext>
+            </a:extLst>
+          </p:cNvPr>
+          <p:cNvSpPr/>
+          <p:nvPr/>
+        </p:nvSpPr>
+        <p:spPr>
+          <a:xfrm rot="10800000">
+            <a:off x="7770836" y="3134313"/>
+            <a:ext cx="1411331" cy="825759"/>
+          </a:xfrm>
+          <a:prstGeom prst="rightArrow">
+            <a:avLst/>
+          </a:prstGeom>
+        </p:spPr>
+        <p:style>
+          <a:lnRef idx="2">
+            <a:schemeClr val="accent1">
+              <a:shade val="50000"/>
+            </a:schemeClr>
+          </a:lnRef>
+          <a:fillRef idx="1">
+            <a:schemeClr val="accent1"/>
+          </a:fillRef>
+          <a:effectRef idx="0">
+            <a:schemeClr val="accent1"/>
+          </a:effectRef>
+          <a:fontRef idx="minor">
+            <a:schemeClr val="lt1"/>
+          </a:fontRef>
+        </p:style>
+        <p:txBody>
+          <a:bodyPr rtlCol="0" anchor="ctr"/>
+          <a:lstStyle/>
+          <a:p>
+            <a:pPr algn="ctr"/>
+            <a:endParaRPr lang="en-GB"/>
+          </a:p>
+        </p:txBody>
+      </p:sp>
+      <p:sp>
+        <p:nvSpPr>
+          <p:cNvPr id="30" name="TextBox 29">
+            <a:extLst>
+              <a:ext uri="{FF2B5EF4-FFF2-40B4-BE49-F238E27FC236}">
+                <a16:creationId xmlns:a16="http://schemas.microsoft.com/office/drawing/2014/main" id="{20D77E3C-AC7F-43B7-8FF2-980322AACB93}"/>
+              </a:ext>
+            </a:extLst>
+          </p:cNvPr>
+          <p:cNvSpPr txBox="1"/>
+          <p:nvPr/>
+        </p:nvSpPr>
+        <p:spPr>
+          <a:xfrm>
+            <a:off x="9300027" y="3199941"/>
+            <a:ext cx="2070867" cy="649536"/>
+          </a:xfrm>
+          <a:prstGeom prst="rect">
+            <a:avLst/>
+          </a:prstGeom>
+        </p:spPr>
+        <p:style>
+          <a:lnRef idx="2">
+            <a:schemeClr val="accent6">
+              <a:shade val="50000"/>
+            </a:schemeClr>
+          </a:lnRef>
+          <a:fillRef idx="1">
+            <a:schemeClr val="accent6"/>
+          </a:fillRef>
+          <a:effectRef idx="0">
+            <a:schemeClr val="accent6"/>
+          </a:effectRef>
+          <a:fontRef idx="minor">
+            <a:schemeClr val="lt1"/>
+          </a:fontRef>
+        </p:style>
+        <p:txBody>
+          <a:bodyPr rtlCol="0" anchor="ctr"/>
           <a:lstStyle>
             <a:defPPr>
               <a:defRPr lang="en-US"/>
@@ -10499,17 +9968,104 @@
           <a:p>
             <a:r>
               <a:rPr lang="en-GB" dirty="0"/>
-              <a:t>WordPress</a:t>
-            </a:r>
-          </a:p>
-        </p:txBody>
-      </p:sp>
+              <a:t>Web Components</a:t>
+            </a:r>
+          </a:p>
+        </p:txBody>
+      </p:sp>
+      <p:sp>
+        <p:nvSpPr>
+          <p:cNvPr id="7" name="TextBox 6">
+            <a:extLst>
+              <a:ext uri="{FF2B5EF4-FFF2-40B4-BE49-F238E27FC236}">
+                <a16:creationId xmlns:a16="http://schemas.microsoft.com/office/drawing/2014/main" id="{E43BE3A4-2CE9-4073-B059-EA24D3386969}"/>
+              </a:ext>
+            </a:extLst>
+          </p:cNvPr>
+          <p:cNvSpPr txBox="1"/>
+          <p:nvPr/>
+        </p:nvSpPr>
+        <p:spPr>
+          <a:xfrm>
+            <a:off x="9461241" y="4416299"/>
+            <a:ext cx="1844351" cy="646331"/>
+          </a:xfrm>
+          <a:prstGeom prst="rect">
+            <a:avLst/>
+          </a:prstGeom>
+          <a:noFill/>
+        </p:spPr>
+        <p:txBody>
+          <a:bodyPr wrap="square" rtlCol="0">
+            <a:spAutoFit/>
+          </a:bodyPr>
+          <a:lstStyle/>
+          <a:p>
+            <a:r>
+              <a:rPr lang="en-GB" dirty="0"/>
+              <a:t>WP PHP PAGES</a:t>
+            </a:r>
+          </a:p>
+          <a:p>
+            <a:r>
+              <a:rPr lang="en-GB" dirty="0"/>
+              <a:t>Gutenberg Blocks</a:t>
+            </a:r>
+          </a:p>
+        </p:txBody>
+      </p:sp>
+      <p:cxnSp>
+        <p:nvCxnSpPr>
+          <p:cNvPr id="34" name="Straight Arrow Connector 33">
+            <a:extLst>
+              <a:ext uri="{FF2B5EF4-FFF2-40B4-BE49-F238E27FC236}">
+                <a16:creationId xmlns:a16="http://schemas.microsoft.com/office/drawing/2014/main" id="{3224BDD2-743D-4365-AF4A-A42C3D6B51E2}"/>
+              </a:ext>
+            </a:extLst>
+          </p:cNvPr>
+          <p:cNvCxnSpPr>
+            <a:cxnSpLocks/>
+          </p:cNvCxnSpPr>
+          <p:nvPr/>
+        </p:nvCxnSpPr>
+        <p:spPr>
+          <a:xfrm>
+            <a:off x="10319390" y="3873562"/>
+            <a:ext cx="8035" cy="562723"/>
+          </a:xfrm>
+          <a:prstGeom prst="straightConnector1">
+            <a:avLst/>
+          </a:prstGeom>
+          <a:ln w="38100">
+            <a:solidFill>
+              <a:schemeClr val="accent1">
+                <a:lumMod val="75000"/>
+              </a:schemeClr>
+            </a:solidFill>
+            <a:tailEnd type="triangle"/>
+          </a:ln>
+        </p:spPr>
+        <p:style>
+          <a:lnRef idx="1">
+            <a:schemeClr val="accent1"/>
+          </a:lnRef>
+          <a:fillRef idx="0">
+            <a:schemeClr val="accent1"/>
+          </a:fillRef>
+          <a:effectRef idx="0">
+            <a:schemeClr val="accent1"/>
+          </a:effectRef>
+          <a:fontRef idx="minor">
+            <a:schemeClr val="tx1"/>
+          </a:fontRef>
+        </p:style>
+      </p:cxnSp>
       <p:pic>
         <p:nvPicPr>
-          <p:cNvPr id="4" name="Graphic 3" descr="Sad face with no fill">
-            <a:extLst>
-              <a:ext uri="{FF2B5EF4-FFF2-40B4-BE49-F238E27FC236}">
-                <a16:creationId xmlns:a16="http://schemas.microsoft.com/office/drawing/2014/main" id="{66A14EB3-BF63-41D8-9A63-AE052D7983C9}"/>
+          <p:cNvPr id="10" name="Graphic 9" descr="Smiling face with no fill">
+            <a:extLst>
+              <a:ext uri="{FF2B5EF4-FFF2-40B4-BE49-F238E27FC236}">
+                <a16:creationId xmlns:a16="http://schemas.microsoft.com/office/drawing/2014/main" id="{948FA2EF-7A78-4EE3-B2FE-AE0D3A001999}"/>
               </a:ext>
             </a:extLst>
           </p:cNvPr>
@@ -10535,18 +10091,187 @@
         </p:blipFill>
         <p:spPr>
           <a:xfrm>
-            <a:off x="9259074" y="1901863"/>
-            <a:ext cx="2155961" cy="2155961"/>
+            <a:off x="9541349" y="1296525"/>
+            <a:ext cx="1647597" cy="1647597"/>
           </a:xfrm>
           <a:prstGeom prst="rect">
             <a:avLst/>
           </a:prstGeom>
         </p:spPr>
       </p:pic>
+      <p:cxnSp>
+        <p:nvCxnSpPr>
+          <p:cNvPr id="31" name="Straight Arrow Connector 30">
+            <a:extLst>
+              <a:ext uri="{FF2B5EF4-FFF2-40B4-BE49-F238E27FC236}">
+                <a16:creationId xmlns:a16="http://schemas.microsoft.com/office/drawing/2014/main" id="{337058BE-0D49-4EC0-B972-1EBA8C485F2D}"/>
+              </a:ext>
+            </a:extLst>
+          </p:cNvPr>
+          <p:cNvCxnSpPr>
+            <a:cxnSpLocks/>
+          </p:cNvCxnSpPr>
+          <p:nvPr/>
+        </p:nvCxnSpPr>
+        <p:spPr>
+          <a:xfrm flipH="1" flipV="1">
+            <a:off x="6143841" y="1786407"/>
+            <a:ext cx="3019774" cy="1433290"/>
+          </a:xfrm>
+          <a:prstGeom prst="straightConnector1">
+            <a:avLst/>
+          </a:prstGeom>
+          <a:ln w="76200">
+            <a:solidFill>
+              <a:schemeClr val="accent1">
+                <a:lumMod val="75000"/>
+              </a:schemeClr>
+            </a:solidFill>
+            <a:tailEnd type="triangle"/>
+          </a:ln>
+        </p:spPr>
+        <p:style>
+          <a:lnRef idx="1">
+            <a:schemeClr val="accent1"/>
+          </a:lnRef>
+          <a:fillRef idx="0">
+            <a:schemeClr val="accent1"/>
+          </a:fillRef>
+          <a:effectRef idx="0">
+            <a:schemeClr val="accent1"/>
+          </a:effectRef>
+          <a:fontRef idx="minor">
+            <a:schemeClr val="tx1"/>
+          </a:fontRef>
+        </p:style>
+      </p:cxnSp>
+      <p:sp>
+        <p:nvSpPr>
+          <p:cNvPr id="27" name="TextBox 26">
+            <a:extLst>
+              <a:ext uri="{FF2B5EF4-FFF2-40B4-BE49-F238E27FC236}">
+                <a16:creationId xmlns:a16="http://schemas.microsoft.com/office/drawing/2014/main" id="{1794E5C5-20F5-4436-91DA-BD85E1E31CB0}"/>
+              </a:ext>
+            </a:extLst>
+          </p:cNvPr>
+          <p:cNvSpPr txBox="1"/>
+          <p:nvPr/>
+        </p:nvSpPr>
+        <p:spPr>
+          <a:xfrm>
+            <a:off x="9680243" y="834281"/>
+            <a:ext cx="1278294" cy="369332"/>
+          </a:xfrm>
+          <a:prstGeom prst="rect">
+            <a:avLst/>
+          </a:prstGeom>
+          <a:solidFill>
+            <a:schemeClr val="accent1">
+              <a:lumMod val="60000"/>
+              <a:lumOff val="40000"/>
+            </a:schemeClr>
+          </a:solidFill>
+        </p:spPr>
+        <p:style>
+          <a:lnRef idx="2">
+            <a:schemeClr val="accent6">
+              <a:shade val="50000"/>
+            </a:schemeClr>
+          </a:lnRef>
+          <a:fillRef idx="1">
+            <a:schemeClr val="accent6"/>
+          </a:fillRef>
+          <a:effectRef idx="0">
+            <a:schemeClr val="accent6"/>
+          </a:effectRef>
+          <a:fontRef idx="minor">
+            <a:schemeClr val="lt1"/>
+          </a:fontRef>
+        </p:style>
+        <p:txBody>
+          <a:bodyPr rtlCol="0" anchor="ctr"/>
+          <a:lstStyle>
+            <a:defPPr>
+              <a:defRPr lang="en-US"/>
+            </a:defPPr>
+            <a:lvl1pPr algn="ctr">
+              <a:defRPr>
+                <a:solidFill>
+                  <a:schemeClr val="lt1"/>
+                </a:solidFill>
+                <a:latin typeface="Segoe UI" panose="020B0502040204020203" pitchFamily="34" charset="0"/>
+                <a:cs typeface="Segoe UI" panose="020B0502040204020203" pitchFamily="34" charset="0"/>
+              </a:defRPr>
+            </a:lvl1pPr>
+            <a:lvl2pPr>
+              <a:defRPr>
+                <a:solidFill>
+                  <a:schemeClr val="lt1"/>
+                </a:solidFill>
+              </a:defRPr>
+            </a:lvl2pPr>
+            <a:lvl3pPr>
+              <a:defRPr>
+                <a:solidFill>
+                  <a:schemeClr val="lt1"/>
+                </a:solidFill>
+              </a:defRPr>
+            </a:lvl3pPr>
+            <a:lvl4pPr>
+              <a:defRPr>
+                <a:solidFill>
+                  <a:schemeClr val="lt1"/>
+                </a:solidFill>
+              </a:defRPr>
+            </a:lvl4pPr>
+            <a:lvl5pPr>
+              <a:defRPr>
+                <a:solidFill>
+                  <a:schemeClr val="lt1"/>
+                </a:solidFill>
+              </a:defRPr>
+            </a:lvl5pPr>
+            <a:lvl6pPr>
+              <a:defRPr>
+                <a:solidFill>
+                  <a:schemeClr val="lt1"/>
+                </a:solidFill>
+              </a:defRPr>
+            </a:lvl6pPr>
+            <a:lvl7pPr>
+              <a:defRPr>
+                <a:solidFill>
+                  <a:schemeClr val="lt1"/>
+                </a:solidFill>
+              </a:defRPr>
+            </a:lvl7pPr>
+            <a:lvl8pPr>
+              <a:defRPr>
+                <a:solidFill>
+                  <a:schemeClr val="lt1"/>
+                </a:solidFill>
+              </a:defRPr>
+            </a:lvl8pPr>
+            <a:lvl9pPr>
+              <a:defRPr>
+                <a:solidFill>
+                  <a:schemeClr val="lt1"/>
+                </a:solidFill>
+              </a:defRPr>
+            </a:lvl9pPr>
+          </a:lstStyle>
+          <a:p>
+            <a:r>
+              <a:rPr lang="en-GB" dirty="0"/>
+              <a:t>WordPress</a:t>
+            </a:r>
+          </a:p>
+        </p:txBody>
+      </p:sp>
     </p:spTree>
     <p:extLst>
       <p:ext uri="{BB962C8B-B14F-4D97-AF65-F5344CB8AC3E}">
-        <p14:creationId xmlns:p14="http://schemas.microsoft.com/office/powerpoint/2010/main" val="2165501006"/>
+        <p14:creationId xmlns:p14="http://schemas.microsoft.com/office/powerpoint/2010/main" val="3043959635"/>
       </p:ext>
     </p:extLst>
   </p:cSld>

--- a/Web-Components.pptx
+++ b/Web-Components.pptx
@@ -245,7 +245,7 @@
           <a:p>
             <a:fld id="{70FE56F2-0B60-44FC-AC55-491897A4F355}" type="datetimeFigureOut">
               <a:rPr lang="en-GB" smtClean="0"/>
-              <a:t>08/06/2020</a:t>
+              <a:t>09/06/2020</a:t>
             </a:fld>
             <a:endParaRPr lang="en-GB"/>
           </a:p>
@@ -662,7 +662,7 @@
           <a:p>
             <a:fld id="{4D723AB6-704A-42C8-AB51-31B091223600}" type="datetimeFigureOut">
               <a:rPr lang="en-GB" smtClean="0"/>
-              <a:t>08/06/2020</a:t>
+              <a:t>09/06/2020</a:t>
             </a:fld>
             <a:endParaRPr lang="en-GB"/>
           </a:p>
@@ -862,7 +862,7 @@
           <a:p>
             <a:fld id="{4D723AB6-704A-42C8-AB51-31B091223600}" type="datetimeFigureOut">
               <a:rPr lang="en-GB" smtClean="0"/>
-              <a:t>08/06/2020</a:t>
+              <a:t>09/06/2020</a:t>
             </a:fld>
             <a:endParaRPr lang="en-GB"/>
           </a:p>
@@ -1072,7 +1072,7 @@
           <a:p>
             <a:fld id="{4D723AB6-704A-42C8-AB51-31B091223600}" type="datetimeFigureOut">
               <a:rPr lang="en-GB" smtClean="0"/>
-              <a:t>08/06/2020</a:t>
+              <a:t>09/06/2020</a:t>
             </a:fld>
             <a:endParaRPr lang="en-GB"/>
           </a:p>
@@ -1272,7 +1272,7 @@
           <a:p>
             <a:fld id="{4D723AB6-704A-42C8-AB51-31B091223600}" type="datetimeFigureOut">
               <a:rPr lang="en-GB" smtClean="0"/>
-              <a:t>08/06/2020</a:t>
+              <a:t>09/06/2020</a:t>
             </a:fld>
             <a:endParaRPr lang="en-GB"/>
           </a:p>
@@ -1548,7 +1548,7 @@
           <a:p>
             <a:fld id="{4D723AB6-704A-42C8-AB51-31B091223600}" type="datetimeFigureOut">
               <a:rPr lang="en-GB" smtClean="0"/>
-              <a:t>08/06/2020</a:t>
+              <a:t>09/06/2020</a:t>
             </a:fld>
             <a:endParaRPr lang="en-GB"/>
           </a:p>
@@ -1816,7 +1816,7 @@
           <a:p>
             <a:fld id="{4D723AB6-704A-42C8-AB51-31B091223600}" type="datetimeFigureOut">
               <a:rPr lang="en-GB" smtClean="0"/>
-              <a:t>08/06/2020</a:t>
+              <a:t>09/06/2020</a:t>
             </a:fld>
             <a:endParaRPr lang="en-GB"/>
           </a:p>
@@ -2231,7 +2231,7 @@
           <a:p>
             <a:fld id="{4D723AB6-704A-42C8-AB51-31B091223600}" type="datetimeFigureOut">
               <a:rPr lang="en-GB" smtClean="0"/>
-              <a:t>08/06/2020</a:t>
+              <a:t>09/06/2020</a:t>
             </a:fld>
             <a:endParaRPr lang="en-GB"/>
           </a:p>
@@ -2373,7 +2373,7 @@
           <a:p>
             <a:fld id="{4D723AB6-704A-42C8-AB51-31B091223600}" type="datetimeFigureOut">
               <a:rPr lang="en-GB" smtClean="0"/>
-              <a:t>08/06/2020</a:t>
+              <a:t>09/06/2020</a:t>
             </a:fld>
             <a:endParaRPr lang="en-GB"/>
           </a:p>
@@ -2486,7 +2486,7 @@
           <a:p>
             <a:fld id="{4D723AB6-704A-42C8-AB51-31B091223600}" type="datetimeFigureOut">
               <a:rPr lang="en-GB" smtClean="0"/>
-              <a:t>08/06/2020</a:t>
+              <a:t>09/06/2020</a:t>
             </a:fld>
             <a:endParaRPr lang="en-GB"/>
           </a:p>
@@ -2799,7 +2799,7 @@
           <a:p>
             <a:fld id="{4D723AB6-704A-42C8-AB51-31B091223600}" type="datetimeFigureOut">
               <a:rPr lang="en-GB" smtClean="0"/>
-              <a:t>08/06/2020</a:t>
+              <a:t>09/06/2020</a:t>
             </a:fld>
             <a:endParaRPr lang="en-GB"/>
           </a:p>
@@ -3088,7 +3088,7 @@
           <a:p>
             <a:fld id="{4D723AB6-704A-42C8-AB51-31B091223600}" type="datetimeFigureOut">
               <a:rPr lang="en-GB" smtClean="0"/>
-              <a:t>08/06/2020</a:t>
+              <a:t>09/06/2020</a:t>
             </a:fld>
             <a:endParaRPr lang="en-GB"/>
           </a:p>
@@ -3331,7 +3331,7 @@
           <a:p>
             <a:fld id="{4D723AB6-704A-42C8-AB51-31B091223600}" type="datetimeFigureOut">
               <a:rPr lang="en-GB" smtClean="0"/>
-              <a:t>08/06/2020</a:t>
+              <a:t>09/06/2020</a:t>
             </a:fld>
             <a:endParaRPr lang="en-GB"/>
           </a:p>
@@ -4133,7 +4133,7 @@
             <a:pPr marL="457200" lvl="1" indent="0" algn="ctr">
               <a:buNone/>
             </a:pPr>
-            <a:endParaRPr lang="en-GB" sz="4300" dirty="0">
+            <a:endParaRPr lang="en-GB" sz="1800" dirty="0">
               <a:solidFill>
                 <a:srgbClr val="2196F3"/>
               </a:solidFill>
@@ -4733,7 +4733,7 @@
                 <a:latin typeface="Segoe UI" panose="020B0502040204020203" pitchFamily="34" charset="0"/>
                 <a:cs typeface="Segoe UI" panose="020B0502040204020203" pitchFamily="34" charset="0"/>
               </a:rPr>
-              <a:t>Hybrids</a:t>
+              <a:t>Svelte</a:t>
             </a:r>
           </a:p>
           <a:p>
@@ -4775,7 +4775,7 @@
                 <a:latin typeface="Segoe UI" panose="020B0502040204020203" pitchFamily="34" charset="0"/>
                 <a:cs typeface="Segoe UI" panose="020B0502040204020203" pitchFamily="34" charset="0"/>
               </a:rPr>
-              <a:t>Svelte (?), Vue, Angular etc have builds that add a web component wrapper.</a:t>
+              <a:t>Vue, Angular, React etc have builds that add a web component wrapper.</a:t>
             </a:r>
           </a:p>
           <a:p>
@@ -5468,7 +5468,7 @@
                 <a:latin typeface="Segoe UI" panose="020B0502040204020203" pitchFamily="34" charset="0"/>
                 <a:cs typeface="Segoe UI" panose="020B0502040204020203" pitchFamily="34" charset="0"/>
               </a:rPr>
-              <a:t>DEPLOYMENT</a:t>
+              <a:t>Deployment</a:t>
             </a:r>
           </a:p>
         </p:txBody>
@@ -7674,27 +7674,7 @@
                 <a:latin typeface="Segoe UI" panose="020B0502040204020203" pitchFamily="34" charset="0"/>
                 <a:cs typeface="Segoe UI" panose="020B0502040204020203" pitchFamily="34" charset="0"/>
               </a:rPr>
-              <a:t>They </a:t>
-            </a:r>
-            <a:r>
-              <a:rPr lang="en-GB" sz="3600">
-                <a:solidFill>
-                  <a:srgbClr val="2196F3"/>
-                </a:solidFill>
-                <a:latin typeface="Segoe UI" panose="020B0502040204020203" pitchFamily="34" charset="0"/>
-                <a:cs typeface="Segoe UI" panose="020B0502040204020203" pitchFamily="34" charset="0"/>
-              </a:rPr>
-              <a:t>extend HTMLElement </a:t>
-            </a:r>
-            <a:r>
-              <a:rPr lang="en-GB" sz="3600" dirty="0">
-                <a:solidFill>
-                  <a:srgbClr val="2196F3"/>
-                </a:solidFill>
-                <a:latin typeface="Segoe UI" panose="020B0502040204020203" pitchFamily="34" charset="0"/>
-                <a:cs typeface="Segoe UI" panose="020B0502040204020203" pitchFamily="34" charset="0"/>
-              </a:rPr>
-              <a:t>class.</a:t>
+              <a:t>They extend HTMLElement class.</a:t>
             </a:r>
           </a:p>
           <a:p>
@@ -7779,8 +7759,30 @@
                 <a:latin typeface="Segoe UI" panose="020B0502040204020203" pitchFamily="34" charset="0"/>
                 <a:cs typeface="Segoe UI" panose="020B0502040204020203" pitchFamily="34" charset="0"/>
               </a:rPr>
-              <a:t> (Making sure frameworks and custom elements can be BFFs )</a:t>
-            </a:r>
+              <a:t> </a:t>
+            </a:r>
+          </a:p>
+          <a:p>
+            <a:pPr marL="457200" lvl="1" indent="0">
+              <a:buNone/>
+            </a:pPr>
+            <a:r>
+              <a:rPr lang="en-GB" dirty="0">
+                <a:solidFill>
+                  <a:srgbClr val="2196F3"/>
+                </a:solidFill>
+                <a:latin typeface="Segoe UI" panose="020B0502040204020203" pitchFamily="34" charset="0"/>
+                <a:cs typeface="Segoe UI" panose="020B0502040204020203" pitchFamily="34" charset="0"/>
+              </a:rPr>
+              <a:t>(Making sure frameworks and custom elements can be BFFs )</a:t>
+            </a:r>
+            <a:endParaRPr lang="en-GB" sz="3600" dirty="0">
+              <a:solidFill>
+                <a:srgbClr val="2196F3"/>
+              </a:solidFill>
+              <a:latin typeface="Segoe UI" panose="020B0502040204020203" pitchFamily="34" charset="0"/>
+              <a:cs typeface="Segoe UI" panose="020B0502040204020203" pitchFamily="34" charset="0"/>
+            </a:endParaRPr>
           </a:p>
           <a:p>
             <a:pPr marL="457200" lvl="1" indent="0">

--- a/Web-Components.pptx
+++ b/Web-Components.pptx
@@ -245,7 +245,7 @@
           <a:p>
             <a:fld id="{70FE56F2-0B60-44FC-AC55-491897A4F355}" type="datetimeFigureOut">
               <a:rPr lang="en-GB" smtClean="0"/>
-              <a:t>09/06/2020</a:t>
+              <a:t>10/06/2020</a:t>
             </a:fld>
             <a:endParaRPr lang="en-GB"/>
           </a:p>
@@ -662,7 +662,7 @@
           <a:p>
             <a:fld id="{4D723AB6-704A-42C8-AB51-31B091223600}" type="datetimeFigureOut">
               <a:rPr lang="en-GB" smtClean="0"/>
-              <a:t>09/06/2020</a:t>
+              <a:t>10/06/2020</a:t>
             </a:fld>
             <a:endParaRPr lang="en-GB"/>
           </a:p>
@@ -862,7 +862,7 @@
           <a:p>
             <a:fld id="{4D723AB6-704A-42C8-AB51-31B091223600}" type="datetimeFigureOut">
               <a:rPr lang="en-GB" smtClean="0"/>
-              <a:t>09/06/2020</a:t>
+              <a:t>10/06/2020</a:t>
             </a:fld>
             <a:endParaRPr lang="en-GB"/>
           </a:p>
@@ -1072,7 +1072,7 @@
           <a:p>
             <a:fld id="{4D723AB6-704A-42C8-AB51-31B091223600}" type="datetimeFigureOut">
               <a:rPr lang="en-GB" smtClean="0"/>
-              <a:t>09/06/2020</a:t>
+              <a:t>10/06/2020</a:t>
             </a:fld>
             <a:endParaRPr lang="en-GB"/>
           </a:p>
@@ -1272,7 +1272,7 @@
           <a:p>
             <a:fld id="{4D723AB6-704A-42C8-AB51-31B091223600}" type="datetimeFigureOut">
               <a:rPr lang="en-GB" smtClean="0"/>
-              <a:t>09/06/2020</a:t>
+              <a:t>10/06/2020</a:t>
             </a:fld>
             <a:endParaRPr lang="en-GB"/>
           </a:p>
@@ -1548,7 +1548,7 @@
           <a:p>
             <a:fld id="{4D723AB6-704A-42C8-AB51-31B091223600}" type="datetimeFigureOut">
               <a:rPr lang="en-GB" smtClean="0"/>
-              <a:t>09/06/2020</a:t>
+              <a:t>10/06/2020</a:t>
             </a:fld>
             <a:endParaRPr lang="en-GB"/>
           </a:p>
@@ -1816,7 +1816,7 @@
           <a:p>
             <a:fld id="{4D723AB6-704A-42C8-AB51-31B091223600}" type="datetimeFigureOut">
               <a:rPr lang="en-GB" smtClean="0"/>
-              <a:t>09/06/2020</a:t>
+              <a:t>10/06/2020</a:t>
             </a:fld>
             <a:endParaRPr lang="en-GB"/>
           </a:p>
@@ -2231,7 +2231,7 @@
           <a:p>
             <a:fld id="{4D723AB6-704A-42C8-AB51-31B091223600}" type="datetimeFigureOut">
               <a:rPr lang="en-GB" smtClean="0"/>
-              <a:t>09/06/2020</a:t>
+              <a:t>10/06/2020</a:t>
             </a:fld>
             <a:endParaRPr lang="en-GB"/>
           </a:p>
@@ -2373,7 +2373,7 @@
           <a:p>
             <a:fld id="{4D723AB6-704A-42C8-AB51-31B091223600}" type="datetimeFigureOut">
               <a:rPr lang="en-GB" smtClean="0"/>
-              <a:t>09/06/2020</a:t>
+              <a:t>10/06/2020</a:t>
             </a:fld>
             <a:endParaRPr lang="en-GB"/>
           </a:p>
@@ -2486,7 +2486,7 @@
           <a:p>
             <a:fld id="{4D723AB6-704A-42C8-AB51-31B091223600}" type="datetimeFigureOut">
               <a:rPr lang="en-GB" smtClean="0"/>
-              <a:t>09/06/2020</a:t>
+              <a:t>10/06/2020</a:t>
             </a:fld>
             <a:endParaRPr lang="en-GB"/>
           </a:p>
@@ -2799,7 +2799,7 @@
           <a:p>
             <a:fld id="{4D723AB6-704A-42C8-AB51-31B091223600}" type="datetimeFigureOut">
               <a:rPr lang="en-GB" smtClean="0"/>
-              <a:t>09/06/2020</a:t>
+              <a:t>10/06/2020</a:t>
             </a:fld>
             <a:endParaRPr lang="en-GB"/>
           </a:p>
@@ -3088,7 +3088,7 @@
           <a:p>
             <a:fld id="{4D723AB6-704A-42C8-AB51-31B091223600}" type="datetimeFigureOut">
               <a:rPr lang="en-GB" smtClean="0"/>
-              <a:t>09/06/2020</a:t>
+              <a:t>10/06/2020</a:t>
             </a:fld>
             <a:endParaRPr lang="en-GB"/>
           </a:p>
@@ -3331,7 +3331,7 @@
           <a:p>
             <a:fld id="{4D723AB6-704A-42C8-AB51-31B091223600}" type="datetimeFigureOut">
               <a:rPr lang="en-GB" smtClean="0"/>
-              <a:t>09/06/2020</a:t>
+              <a:t>10/06/2020</a:t>
             </a:fld>
             <a:endParaRPr lang="en-GB"/>
           </a:p>
@@ -4207,8 +4207,25 @@
                 <a:latin typeface="Segoe UI" panose="020B0502040204020203" pitchFamily="34" charset="0"/>
                 <a:cs typeface="Segoe UI" panose="020B0502040204020203" pitchFamily="34" charset="0"/>
               </a:rPr>
-              <a:t>We will look at a demo shortly…</a:t>
-            </a:r>
+              <a:t>We will look at </a:t>
+            </a:r>
+            <a:r>
+              <a:rPr lang="en-GB" sz="3600">
+                <a:solidFill>
+                  <a:srgbClr val="2196F3"/>
+                </a:solidFill>
+                <a:latin typeface="Segoe UI" panose="020B0502040204020203" pitchFamily="34" charset="0"/>
+                <a:cs typeface="Segoe UI" panose="020B0502040204020203" pitchFamily="34" charset="0"/>
+              </a:rPr>
+              <a:t>a demo…</a:t>
+            </a:r>
+            <a:endParaRPr lang="en-GB" sz="3600" dirty="0">
+              <a:solidFill>
+                <a:srgbClr val="2196F3"/>
+              </a:solidFill>
+              <a:latin typeface="Segoe UI" panose="020B0502040204020203" pitchFamily="34" charset="0"/>
+              <a:cs typeface="Segoe UI" panose="020B0502040204020203" pitchFamily="34" charset="0"/>
+            </a:endParaRPr>
           </a:p>
           <a:p>
             <a:pPr marL="457200" lvl="1" indent="0">
@@ -7317,7 +7334,7 @@
                 <a:latin typeface="Segoe UI" panose="020B0502040204020203" pitchFamily="34" charset="0"/>
                 <a:cs typeface="Segoe UI" panose="020B0502040204020203" pitchFamily="34" charset="0"/>
               </a:rPr>
-              <a:t>Prepare you to use all the workshop resources after the workshop.</a:t>
+              <a:t>Prepare you to use all the workshop resources after the workshop and links to other resources.</a:t>
             </a:r>
           </a:p>
           <a:p>

--- a/Web-Components.pptx
+++ b/Web-Components.pptx
@@ -6796,8 +6796,8 @@
         </p:nvSpPr>
         <p:spPr>
           <a:xfrm>
-            <a:off x="2641307" y="155347"/>
-            <a:ext cx="6909383" cy="646331"/>
+            <a:off x="2483925" y="155347"/>
+            <a:ext cx="7224146" cy="646331"/>
           </a:xfrm>
           <a:prstGeom prst="rect">
             <a:avLst/>
@@ -6811,7 +6811,7 @@
           <a:lstStyle/>
           <a:p>
             <a:r>
-              <a:rPr lang="en-GB" sz="3600" dirty="0">
+              <a:rPr lang="en-GB" sz="3600" b="1" dirty="0">
                 <a:solidFill>
                   <a:srgbClr val="2196F3"/>
                 </a:solidFill>
@@ -9562,7 +9562,7 @@
         </p:nvSpPr>
         <p:spPr>
           <a:xfrm>
-            <a:off x="2266955" y="3288787"/>
+            <a:off x="2292122" y="3288787"/>
             <a:ext cx="4123332" cy="584775"/>
           </a:xfrm>
           <a:prstGeom prst="rect">
